--- a/chapters/chapter03_geometricmodel/figures/figures_PPT.pptx
+++ b/chapters/chapter03_geometricmodel/figures/figures_PPT.pptx
@@ -245,7 +245,7 @@
           <a:p>
             <a:fld id="{D25EE769-EC14-4089-BCC7-B0C4A40ED0F9}" type="datetimeFigureOut">
               <a:rPr lang="en-US" smtClean="0"/>
-              <a:t>9/3/2015</a:t>
+              <a:t>9/4/2015</a:t>
             </a:fld>
             <a:endParaRPr lang="en-US"/>
           </a:p>
@@ -415,7 +415,7 @@
           <a:p>
             <a:fld id="{D25EE769-EC14-4089-BCC7-B0C4A40ED0F9}" type="datetimeFigureOut">
               <a:rPr lang="en-US" smtClean="0"/>
-              <a:t>9/3/2015</a:t>
+              <a:t>9/4/2015</a:t>
             </a:fld>
             <a:endParaRPr lang="en-US"/>
           </a:p>
@@ -595,7 +595,7 @@
           <a:p>
             <a:fld id="{D25EE769-EC14-4089-BCC7-B0C4A40ED0F9}" type="datetimeFigureOut">
               <a:rPr lang="en-US" smtClean="0"/>
-              <a:t>9/3/2015</a:t>
+              <a:t>9/4/2015</a:t>
             </a:fld>
             <a:endParaRPr lang="en-US"/>
           </a:p>
@@ -765,7 +765,7 @@
           <a:p>
             <a:fld id="{D25EE769-EC14-4089-BCC7-B0C4A40ED0F9}" type="datetimeFigureOut">
               <a:rPr lang="en-US" smtClean="0"/>
-              <a:t>9/3/2015</a:t>
+              <a:t>9/4/2015</a:t>
             </a:fld>
             <a:endParaRPr lang="en-US"/>
           </a:p>
@@ -1009,7 +1009,7 @@
           <a:p>
             <a:fld id="{D25EE769-EC14-4089-BCC7-B0C4A40ED0F9}" type="datetimeFigureOut">
               <a:rPr lang="en-US" smtClean="0"/>
-              <a:t>9/3/2015</a:t>
+              <a:t>9/4/2015</a:t>
             </a:fld>
             <a:endParaRPr lang="en-US"/>
           </a:p>
@@ -1241,7 +1241,7 @@
           <a:p>
             <a:fld id="{D25EE769-EC14-4089-BCC7-B0C4A40ED0F9}" type="datetimeFigureOut">
               <a:rPr lang="en-US" smtClean="0"/>
-              <a:t>9/3/2015</a:t>
+              <a:t>9/4/2015</a:t>
             </a:fld>
             <a:endParaRPr lang="en-US"/>
           </a:p>
@@ -1608,7 +1608,7 @@
           <a:p>
             <a:fld id="{D25EE769-EC14-4089-BCC7-B0C4A40ED0F9}" type="datetimeFigureOut">
               <a:rPr lang="en-US" smtClean="0"/>
-              <a:t>9/3/2015</a:t>
+              <a:t>9/4/2015</a:t>
             </a:fld>
             <a:endParaRPr lang="en-US"/>
           </a:p>
@@ -1726,7 +1726,7 @@
           <a:p>
             <a:fld id="{D25EE769-EC14-4089-BCC7-B0C4A40ED0F9}" type="datetimeFigureOut">
               <a:rPr lang="en-US" smtClean="0"/>
-              <a:t>9/3/2015</a:t>
+              <a:t>9/4/2015</a:t>
             </a:fld>
             <a:endParaRPr lang="en-US"/>
           </a:p>
@@ -1821,7 +1821,7 @@
           <a:p>
             <a:fld id="{D25EE769-EC14-4089-BCC7-B0C4A40ED0F9}" type="datetimeFigureOut">
               <a:rPr lang="en-US" smtClean="0"/>
-              <a:t>9/3/2015</a:t>
+              <a:t>9/4/2015</a:t>
             </a:fld>
             <a:endParaRPr lang="en-US"/>
           </a:p>
@@ -2098,7 +2098,7 @@
           <a:p>
             <a:fld id="{D25EE769-EC14-4089-BCC7-B0C4A40ED0F9}" type="datetimeFigureOut">
               <a:rPr lang="en-US" smtClean="0"/>
-              <a:t>9/3/2015</a:t>
+              <a:t>9/4/2015</a:t>
             </a:fld>
             <a:endParaRPr lang="en-US"/>
           </a:p>
@@ -2355,7 +2355,7 @@
           <a:p>
             <a:fld id="{D25EE769-EC14-4089-BCC7-B0C4A40ED0F9}" type="datetimeFigureOut">
               <a:rPr lang="en-US" smtClean="0"/>
-              <a:t>9/3/2015</a:t>
+              <a:t>9/4/2015</a:t>
             </a:fld>
             <a:endParaRPr lang="en-US"/>
           </a:p>
@@ -2568,7 +2568,7 @@
           <a:p>
             <a:fld id="{D25EE769-EC14-4089-BCC7-B0C4A40ED0F9}" type="datetimeFigureOut">
               <a:rPr lang="en-US" smtClean="0"/>
-              <a:t>9/3/2015</a:t>
+              <a:t>9/4/2015</a:t>
             </a:fld>
             <a:endParaRPr lang="en-US"/>
           </a:p>
@@ -2975,7 +2975,7 @@
       </p:grpSpPr>
       <p:grpSp>
         <p:nvGrpSpPr>
-          <p:cNvPr id="179" name="Group 178"/>
+          <p:cNvPr id="10" name="Group 9"/>
           <p:cNvGrpSpPr/>
           <p:nvPr/>
         </p:nvGrpSpPr>
@@ -3106,7 +3106,7 @@
           </p:nvSpPr>
           <p:spPr>
             <a:xfrm flipH="1">
-              <a:off x="2504291" y="809876"/>
+              <a:off x="2541995" y="842867"/>
               <a:ext cx="594488" cy="273894"/>
             </a:xfrm>
             <a:prstGeom prst="rect">
@@ -3272,7 +3272,7 @@
           </p:nvSpPr>
           <p:spPr>
             <a:xfrm flipH="1">
-              <a:off x="3038049" y="809876"/>
+              <a:off x="3066327" y="838155"/>
               <a:ext cx="594488" cy="273894"/>
             </a:xfrm>
             <a:prstGeom prst="rect">
@@ -3632,8 +3632,8 @@
             </p:txBody>
           </p:sp>
         </p:grpSp>
-        <mc:AlternateContent xmlns:mc="http://schemas.openxmlformats.org/markup-compatibility/2006" xmlns:a14="http://schemas.microsoft.com/office/drawing/2010/main">
-          <mc:Choice Requires="a14">
+        <mc:AlternateContent xmlns:mc="http://schemas.openxmlformats.org/markup-compatibility/2006">
+          <mc:Choice xmlns:a14="http://schemas.microsoft.com/office/drawing/2010/main" Requires="a14">
             <p:sp>
               <p:nvSpPr>
                 <p:cNvPr id="129" name="TextBox 128"/>
@@ -3677,7 +3677,7 @@
               </p:txBody>
             </p:sp>
           </mc:Choice>
-          <mc:Fallback xmlns="">
+          <mc:Fallback>
             <p:sp>
               <p:nvSpPr>
                 <p:cNvPr id="129" name="TextBox 128"/>
@@ -3716,8 +3716,8 @@
             </p:sp>
           </mc:Fallback>
         </mc:AlternateContent>
-        <mc:AlternateContent xmlns:mc="http://schemas.openxmlformats.org/markup-compatibility/2006" xmlns:a14="http://schemas.microsoft.com/office/drawing/2010/main">
-          <mc:Choice Requires="a14">
+        <mc:AlternateContent xmlns:mc="http://schemas.openxmlformats.org/markup-compatibility/2006">
+          <mc:Choice xmlns:a14="http://schemas.microsoft.com/office/drawing/2010/main" Requires="a14">
             <p:sp>
               <p:nvSpPr>
                 <p:cNvPr id="130" name="TextBox 129"/>
@@ -3726,7 +3726,7 @@
               </p:nvSpPr>
               <p:spPr>
                 <a:xfrm>
-                  <a:off x="3490051" y="1016326"/>
+                  <a:off x="3428779" y="997474"/>
                   <a:ext cx="436354" cy="320490"/>
                 </a:xfrm>
                 <a:prstGeom prst="rect">
@@ -3767,7 +3767,7 @@
               </p:txBody>
             </p:sp>
           </mc:Choice>
-          <mc:Fallback xmlns="">
+          <mc:Fallback>
             <p:sp>
               <p:nvSpPr>
                 <p:cNvPr id="130" name="TextBox 129"/>
@@ -3778,7 +3778,7 @@
               </p:nvSpPr>
               <p:spPr>
                 <a:xfrm>
-                  <a:off x="3490051" y="1016326"/>
+                  <a:off x="3428779" y="997474"/>
                   <a:ext cx="436354" cy="320490"/>
                 </a:xfrm>
                 <a:prstGeom prst="rect">
@@ -3816,16 +3816,16 @@
           </p:nvSpPr>
           <p:spPr>
             <a:xfrm>
-              <a:off x="2348457" y="802475"/>
+              <a:off x="2287188" y="802475"/>
               <a:ext cx="448080" cy="448080"/>
             </a:xfrm>
             <a:prstGeom prst="arc">
               <a:avLst>
-                <a:gd name="adj1" fmla="val 10573188"/>
-                <a:gd name="adj2" fmla="val 11973715"/>
+                <a:gd name="adj1" fmla="val 10429332"/>
+                <a:gd name="adj2" fmla="val 12301868"/>
               </a:avLst>
             </a:prstGeom>
-            <a:ln w="6350">
+            <a:ln w="7620">
               <a:solidFill>
                 <a:schemeClr val="tx1">
                   <a:lumMod val="75000"/>
@@ -3833,7 +3833,7 @@
                 </a:schemeClr>
               </a:solidFill>
               <a:headEnd type="none" w="sm" len="sm"/>
-              <a:tailEnd type="none" w="sm" len="sm"/>
+              <a:tailEnd type="arrow" w="sm" len="sm"/>
             </a:ln>
           </p:spPr>
           <p:style>
@@ -3869,22 +3869,23 @@
           </p:nvSpPr>
           <p:spPr>
             <a:xfrm>
-              <a:off x="2984758" y="821524"/>
+              <a:off x="3022462" y="821524"/>
               <a:ext cx="448080" cy="448080"/>
             </a:xfrm>
             <a:prstGeom prst="arc">
               <a:avLst>
-                <a:gd name="adj1" fmla="val 80776"/>
-                <a:gd name="adj2" fmla="val 1428451"/>
+                <a:gd name="adj1" fmla="val 21537428"/>
+                <a:gd name="adj2" fmla="val 1870892"/>
               </a:avLst>
             </a:prstGeom>
-            <a:ln w="6350">
+            <a:ln w="7620">
               <a:solidFill>
                 <a:schemeClr val="tx1">
                   <a:lumMod val="75000"/>
                   <a:lumOff val="25000"/>
                 </a:schemeClr>
               </a:solidFill>
+              <a:tailEnd type="arrow" w="sm" len="sm"/>
             </a:ln>
           </p:spPr>
           <p:style>
@@ -3940,8 +3941,8 @@
             </a:p>
           </p:txBody>
         </p:sp>
-        <mc:AlternateContent xmlns:mc="http://schemas.openxmlformats.org/markup-compatibility/2006" xmlns:a14="http://schemas.microsoft.com/office/drawing/2010/main">
-          <mc:Choice Requires="a14">
+        <mc:AlternateContent xmlns:mc="http://schemas.openxmlformats.org/markup-compatibility/2006">
+          <mc:Choice xmlns:a14="http://schemas.microsoft.com/office/drawing/2010/main" Requires="a14">
             <p:sp>
               <p:nvSpPr>
                 <p:cNvPr id="162" name="TextBox 161"/>
@@ -4102,7 +4103,7 @@
               </p:txBody>
             </p:sp>
           </mc:Choice>
-          <mc:Fallback xmlns="">
+          <mc:Fallback>
             <p:sp>
               <p:nvSpPr>
                 <p:cNvPr id="162" name="TextBox 161"/>
@@ -4141,8 +4142,8 @@
             </p:sp>
           </mc:Fallback>
         </mc:AlternateContent>
-        <mc:AlternateContent xmlns:mc="http://schemas.openxmlformats.org/markup-compatibility/2006" xmlns:a14="http://schemas.microsoft.com/office/drawing/2010/main">
-          <mc:Choice Requires="a14">
+        <mc:AlternateContent xmlns:mc="http://schemas.openxmlformats.org/markup-compatibility/2006">
+          <mc:Choice xmlns:a14="http://schemas.microsoft.com/office/drawing/2010/main" Requires="a14">
             <p:sp>
               <p:nvSpPr>
                 <p:cNvPr id="163" name="TextBox 162"/>
@@ -4354,7 +4355,7 @@
               </p:txBody>
             </p:sp>
           </mc:Choice>
-          <mc:Fallback xmlns="">
+          <mc:Fallback>
             <p:sp>
               <p:nvSpPr>
                 <p:cNvPr id="163" name="TextBox 162"/>
@@ -4569,7 +4570,34 @@
                         </a:schemeClr>
                       </a:solidFill>
                     </a:rPr>
-                    <a:t> = </a:t>
+                    <a:t> </a:t>
+                  </a:r>
+                  <a14:m>
+                    <m:oMath xmlns:m="http://schemas.openxmlformats.org/officeDocument/2006/math">
+                      <m:r>
+                        <a:rPr lang="en-US" sz="1000" i="1" dirty="0" smtClean="0">
+                          <a:solidFill>
+                            <a:schemeClr val="tx1">
+                              <a:lumMod val="95000"/>
+                              <a:lumOff val="5000"/>
+                            </a:schemeClr>
+                          </a:solidFill>
+                          <a:latin typeface="Cambria Math" panose="02040503050406030204" pitchFamily="18" charset="0"/>
+                        </a:rPr>
+                        <m:t>=</m:t>
+                      </m:r>
+                    </m:oMath>
+                  </a14:m>
+                  <a:r>
+                    <a:rPr lang="en-US" sz="1000" dirty="0" smtClean="0">
+                      <a:solidFill>
+                        <a:schemeClr val="tx1">
+                          <a:lumMod val="95000"/>
+                          <a:lumOff val="5000"/>
+                        </a:schemeClr>
+                      </a:solidFill>
+                    </a:rPr>
+                    <a:t> </a:t>
                   </a:r>
                   <a14:m>
                     <m:oMath xmlns:m="http://schemas.openxmlformats.org/officeDocument/2006/math">
@@ -4707,8 +4735,8 @@
             </a:p>
           </p:txBody>
         </p:sp>
-        <mc:AlternateContent xmlns:mc="http://schemas.openxmlformats.org/markup-compatibility/2006" xmlns:a14="http://schemas.microsoft.com/office/drawing/2010/main">
-          <mc:Choice Requires="a14">
+        <mc:AlternateContent xmlns:mc="http://schemas.openxmlformats.org/markup-compatibility/2006">
+          <mc:Choice xmlns:a14="http://schemas.microsoft.com/office/drawing/2010/main" Requires="a14">
             <p:sp>
               <p:nvSpPr>
                 <p:cNvPr id="167" name="TextBox 166"/>
@@ -4907,7 +4935,7 @@
               </p:txBody>
             </p:sp>
           </mc:Choice>
-          <mc:Fallback xmlns="">
+          <mc:Fallback>
             <p:sp>
               <p:nvSpPr>
                 <p:cNvPr id="167" name="TextBox 166"/>
@@ -4946,205 +4974,686 @@
             </p:sp>
           </mc:Fallback>
         </mc:AlternateContent>
-        <p:sp>
-          <p:nvSpPr>
-            <p:cNvPr id="169" name="TextBox 168"/>
-            <p:cNvSpPr txBox="1"/>
+        <p:grpSp>
+          <p:nvGrpSpPr>
+            <p:cNvPr id="8" name="Group 7"/>
+            <p:cNvGrpSpPr/>
             <p:nvPr/>
-          </p:nvSpPr>
-          <p:spPr>
+          </p:nvGrpSpPr>
+          <p:grpSpPr>
             <a:xfrm>
-              <a:off x="4169434" y="241540"/>
-              <a:ext cx="554960" cy="215444"/>
+              <a:off x="3893271" y="241540"/>
+              <a:ext cx="784636" cy="200055"/>
+              <a:chOff x="3893271" y="241540"/>
+              <a:chExt cx="784636" cy="200055"/>
             </a:xfrm>
-            <a:prstGeom prst="rect">
-              <a:avLst/>
-            </a:prstGeom>
-            <a:noFill/>
-          </p:spPr>
-          <p:txBody>
-            <a:bodyPr wrap="none" rtlCol="0">
-              <a:spAutoFit/>
-            </a:bodyPr>
-            <a:lstStyle/>
-            <a:p>
-              <a:r>
-                <a:rPr lang="en-US" sz="800" dirty="0" smtClean="0"/>
-                <a:t>Chief ray</a:t>
-              </a:r>
-              <a:endParaRPr lang="en-US" sz="800" dirty="0"/>
-            </a:p>
-          </p:txBody>
-        </p:sp>
-        <p:cxnSp>
-          <p:nvCxnSpPr>
-            <p:cNvPr id="174" name="Straight Connector 173"/>
-            <p:cNvCxnSpPr/>
+          </p:grpSpPr>
+          <p:sp>
+            <p:nvSpPr>
+              <p:cNvPr id="169" name="TextBox 168"/>
+              <p:cNvSpPr txBox="1"/>
+              <p:nvPr/>
+            </p:nvSpPr>
+            <p:spPr>
+              <a:xfrm>
+                <a:off x="4169434" y="241540"/>
+                <a:ext cx="508473" cy="200055"/>
+              </a:xfrm>
+              <a:prstGeom prst="rect">
+                <a:avLst/>
+              </a:prstGeom>
+              <a:noFill/>
+            </p:spPr>
+            <p:txBody>
+              <a:bodyPr wrap="none" rtlCol="0">
+                <a:spAutoFit/>
+              </a:bodyPr>
+              <a:lstStyle/>
+              <a:p>
+                <a:r>
+                  <a:rPr lang="en-US" sz="700" dirty="0" smtClean="0"/>
+                  <a:t>Chief ray</a:t>
+                </a:r>
+                <a:endParaRPr lang="en-US" sz="700" dirty="0"/>
+              </a:p>
+            </p:txBody>
+          </p:sp>
+          <p:cxnSp>
+            <p:nvCxnSpPr>
+              <p:cNvPr id="174" name="Straight Connector 173"/>
+              <p:cNvCxnSpPr/>
+              <p:nvPr/>
+            </p:nvCxnSpPr>
+            <p:spPr>
+              <a:xfrm>
+                <a:off x="3939396" y="350441"/>
+                <a:ext cx="256032" cy="0"/>
+              </a:xfrm>
+              <a:prstGeom prst="line">
+                <a:avLst/>
+              </a:prstGeom>
+              <a:ln>
+                <a:solidFill>
+                  <a:srgbClr val="FF0000"/>
+                </a:solidFill>
+              </a:ln>
+            </p:spPr>
+            <p:style>
+              <a:lnRef idx="1">
+                <a:schemeClr val="accent1"/>
+              </a:lnRef>
+              <a:fillRef idx="0">
+                <a:schemeClr val="accent1"/>
+              </a:fillRef>
+              <a:effectRef idx="0">
+                <a:schemeClr val="accent1"/>
+              </a:effectRef>
+              <a:fontRef idx="minor">
+                <a:schemeClr val="tx1"/>
+              </a:fontRef>
+            </p:style>
+          </p:cxnSp>
+          <p:sp>
+            <p:nvSpPr>
+              <p:cNvPr id="175" name="Isosceles Triangle 174"/>
+              <p:cNvSpPr/>
+              <p:nvPr/>
+            </p:nvSpPr>
+            <p:spPr>
+              <a:xfrm rot="5400000">
+                <a:off x="4044552" y="327581"/>
+                <a:ext cx="45720" cy="45720"/>
+              </a:xfrm>
+              <a:prstGeom prst="triangle">
+                <a:avLst/>
+              </a:prstGeom>
+              <a:solidFill>
+                <a:schemeClr val="bg1"/>
+              </a:solidFill>
+              <a:ln w="6350">
+                <a:solidFill>
+                  <a:srgbClr val="FF0000"/>
+                </a:solidFill>
+              </a:ln>
+            </p:spPr>
+            <p:style>
+              <a:lnRef idx="2">
+                <a:schemeClr val="accent1">
+                  <a:shade val="50000"/>
+                </a:schemeClr>
+              </a:lnRef>
+              <a:fillRef idx="1">
+                <a:schemeClr val="accent1"/>
+              </a:fillRef>
+              <a:effectRef idx="0">
+                <a:schemeClr val="accent1"/>
+              </a:effectRef>
+              <a:fontRef idx="minor">
+                <a:schemeClr val="lt1"/>
+              </a:fontRef>
+            </p:style>
+            <p:txBody>
+              <a:bodyPr rtlCol="0" anchor="ctr"/>
+              <a:lstStyle/>
+              <a:p>
+                <a:pPr algn="ctr"/>
+                <a:endParaRPr lang="en-US">
+                  <a:ln w="0"/>
+                  <a:solidFill>
+                    <a:schemeClr val="accent1"/>
+                  </a:solidFill>
+                  <a:effectLst>
+                    <a:outerShdw blurRad="38100" dist="25400" dir="5400000" algn="ctr" rotWithShape="0">
+                      <a:srgbClr val="6E747A">
+                        <a:alpha val="43000"/>
+                      </a:srgbClr>
+                    </a:outerShdw>
+                  </a:effectLst>
+                </a:endParaRPr>
+              </a:p>
+            </p:txBody>
+          </p:sp>
+          <p:sp>
+            <p:nvSpPr>
+              <p:cNvPr id="176" name="Rounded Rectangle 175"/>
+              <p:cNvSpPr/>
+              <p:nvPr/>
+            </p:nvSpPr>
+            <p:spPr>
+              <a:xfrm>
+                <a:off x="3893271" y="273378"/>
+                <a:ext cx="744717" cy="141402"/>
+              </a:xfrm>
+              <a:prstGeom prst="roundRect">
+                <a:avLst/>
+              </a:prstGeom>
+              <a:noFill/>
+              <a:ln w="6350">
+                <a:solidFill>
+                  <a:schemeClr val="tx1">
+                    <a:lumMod val="50000"/>
+                    <a:lumOff val="50000"/>
+                  </a:schemeClr>
+                </a:solidFill>
+              </a:ln>
+            </p:spPr>
+            <p:style>
+              <a:lnRef idx="2">
+                <a:schemeClr val="accent1">
+                  <a:shade val="50000"/>
+                </a:schemeClr>
+              </a:lnRef>
+              <a:fillRef idx="1">
+                <a:schemeClr val="accent1"/>
+              </a:fillRef>
+              <a:effectRef idx="0">
+                <a:schemeClr val="accent1"/>
+              </a:effectRef>
+              <a:fontRef idx="minor">
+                <a:schemeClr val="lt1"/>
+              </a:fontRef>
+            </p:style>
+            <p:txBody>
+              <a:bodyPr rtlCol="0" anchor="ctr"/>
+              <a:lstStyle/>
+              <a:p>
+                <a:pPr algn="ctr"/>
+                <a:endParaRPr lang="en-US"/>
+              </a:p>
+            </p:txBody>
+          </p:sp>
+        </p:grpSp>
+        <mc:AlternateContent xmlns:mc="http://schemas.openxmlformats.org/markup-compatibility/2006">
+          <mc:Choice xmlns:a14="http://schemas.microsoft.com/office/drawing/2010/main" Requires="a14">
+            <p:sp>
+              <p:nvSpPr>
+                <p:cNvPr id="35" name="TextBox 34"/>
+                <p:cNvSpPr txBox="1"/>
+                <p:nvPr/>
+              </p:nvSpPr>
+              <p:spPr>
+                <a:xfrm>
+                  <a:off x="2331623" y="1028771"/>
+                  <a:ext cx="537327" cy="215444"/>
+                </a:xfrm>
+                <a:prstGeom prst="rect">
+                  <a:avLst/>
+                </a:prstGeom>
+                <a:noFill/>
+              </p:spPr>
+              <p:txBody>
+                <a:bodyPr wrap="none" rtlCol="0">
+                  <a:spAutoFit/>
+                </a:bodyPr>
+                <a:lstStyle/>
+                <a:p>
+                  <a:pPr/>
+                  <a14:m>
+                    <m:oMathPara xmlns:m="http://schemas.openxmlformats.org/officeDocument/2006/math">
+                      <m:oMathParaPr>
+                        <m:jc m:val="centerGroup"/>
+                      </m:oMathParaPr>
+                      <m:oMath xmlns:m="http://schemas.openxmlformats.org/officeDocument/2006/math">
+                        <m:d>
+                          <m:dPr>
+                            <m:begChr m:val="{"/>
+                            <m:endChr m:val="}"/>
+                            <m:ctrlPr>
+                              <a:rPr lang="en-US" sz="800" i="1" smtClean="0">
+                                <a:latin typeface="Cambria Math" panose="02040503050406030204" pitchFamily="18" charset="0"/>
+                              </a:rPr>
+                            </m:ctrlPr>
+                          </m:dPr>
+                          <m:e>
+                            <m:r>
+                              <a:rPr lang="en-US" sz="800" b="0" i="1" smtClean="0">
+                                <a:latin typeface="Cambria Math" panose="02040503050406030204" pitchFamily="18" charset="0"/>
+                              </a:rPr>
+                              <m:t>𝐶</m:t>
+                            </m:r>
+                          </m:e>
+                        </m:d>
+                        <m:r>
+                          <a:rPr lang="en-US" sz="800" b="0" i="1" smtClean="0">
+                            <a:latin typeface="Cambria Math" panose="02040503050406030204" pitchFamily="18" charset="0"/>
+                          </a:rPr>
+                          <m:t>,</m:t>
+                        </m:r>
+                        <m:d>
+                          <m:dPr>
+                            <m:begChr m:val="{"/>
+                            <m:endChr m:val="}"/>
+                            <m:ctrlPr>
+                              <a:rPr lang="en-US" sz="800" i="1">
+                                <a:latin typeface="Cambria Math" panose="02040503050406030204" pitchFamily="18" charset="0"/>
+                              </a:rPr>
+                            </m:ctrlPr>
+                          </m:dPr>
+                          <m:e>
+                            <m:r>
+                              <a:rPr lang="en-US" sz="800" i="1">
+                                <a:latin typeface="Cambria Math" panose="02040503050406030204" pitchFamily="18" charset="0"/>
+                              </a:rPr>
+                              <m:t>𝑃</m:t>
+                            </m:r>
+                          </m:e>
+                        </m:d>
+                      </m:oMath>
+                    </m:oMathPara>
+                  </a14:m>
+                  <a:endParaRPr lang="en-US" sz="800" dirty="0"/>
+                </a:p>
+              </p:txBody>
+            </p:sp>
+          </mc:Choice>
+          <mc:Fallback>
+            <p:sp>
+              <p:nvSpPr>
+                <p:cNvPr id="35" name="TextBox 34"/>
+                <p:cNvSpPr txBox="1">
+                  <a:spLocks noRot="1" noChangeAspect="1" noMove="1" noResize="1" noEditPoints="1" noAdjustHandles="1" noChangeArrowheads="1" noChangeShapeType="1" noTextEdit="1"/>
+                </p:cNvSpPr>
+                <p:nvPr/>
+              </p:nvSpPr>
+              <p:spPr>
+                <a:xfrm>
+                  <a:off x="2331623" y="1028771"/>
+                  <a:ext cx="537327" cy="215444"/>
+                </a:xfrm>
+                <a:prstGeom prst="rect">
+                  <a:avLst/>
+                </a:prstGeom>
+                <a:blipFill rotWithShape="0">
+                  <a:blip r:embed="rId9"/>
+                  <a:stretch>
+                    <a:fillRect/>
+                  </a:stretch>
+                </a:blipFill>
+              </p:spPr>
+              <p:txBody>
+                <a:bodyPr/>
+                <a:lstStyle/>
+                <a:p>
+                  <a:r>
+                    <a:rPr lang="en-US">
+                      <a:noFill/>
+                    </a:rPr>
+                    <a:t> </a:t>
+                  </a:r>
+                </a:p>
+              </p:txBody>
+            </p:sp>
+          </mc:Fallback>
+        </mc:AlternateContent>
+        <p:grpSp>
+          <p:nvGrpSpPr>
+            <p:cNvPr id="9" name="Group 8"/>
+            <p:cNvGrpSpPr/>
             <p:nvPr/>
-          </p:nvCxnSpPr>
-          <p:spPr>
+          </p:nvGrpSpPr>
+          <p:grpSpPr>
             <a:xfrm>
-              <a:off x="3939396" y="350441"/>
-              <a:ext cx="256032" cy="0"/>
+              <a:off x="2470183" y="498191"/>
+              <a:ext cx="652511" cy="586878"/>
+              <a:chOff x="2470183" y="498191"/>
+              <a:chExt cx="652511" cy="586878"/>
             </a:xfrm>
-            <a:prstGeom prst="line">
-              <a:avLst/>
-            </a:prstGeom>
-            <a:ln>
-              <a:solidFill>
-                <a:srgbClr val="FF0000"/>
-              </a:solidFill>
-            </a:ln>
-          </p:spPr>
-          <p:style>
-            <a:lnRef idx="1">
-              <a:schemeClr val="accent1"/>
-            </a:lnRef>
-            <a:fillRef idx="0">
-              <a:schemeClr val="accent1"/>
-            </a:fillRef>
-            <a:effectRef idx="0">
-              <a:schemeClr val="accent1"/>
-            </a:effectRef>
-            <a:fontRef idx="minor">
-              <a:schemeClr val="tx1"/>
-            </a:fontRef>
-          </p:style>
-        </p:cxnSp>
-        <p:sp>
-          <p:nvSpPr>
-            <p:cNvPr id="175" name="Isosceles Triangle 174"/>
-            <p:cNvSpPr/>
-            <p:nvPr/>
-          </p:nvSpPr>
-          <p:spPr>
-            <a:xfrm rot="5400000">
-              <a:off x="4044552" y="327581"/>
-              <a:ext cx="45720" cy="45720"/>
-            </a:xfrm>
-            <a:prstGeom prst="triangle">
-              <a:avLst/>
-            </a:prstGeom>
-            <a:solidFill>
-              <a:schemeClr val="bg1"/>
-            </a:solidFill>
-            <a:ln w="6350">
-              <a:solidFill>
-                <a:srgbClr val="FF0000"/>
-              </a:solidFill>
-            </a:ln>
-          </p:spPr>
-          <p:style>
-            <a:lnRef idx="2">
-              <a:schemeClr val="accent1">
-                <a:shade val="50000"/>
-              </a:schemeClr>
-            </a:lnRef>
-            <a:fillRef idx="1">
-              <a:schemeClr val="accent1"/>
-            </a:fillRef>
-            <a:effectRef idx="0">
-              <a:schemeClr val="accent1"/>
-            </a:effectRef>
-            <a:fontRef idx="minor">
-              <a:schemeClr val="lt1"/>
-            </a:fontRef>
-          </p:style>
-          <p:txBody>
-            <a:bodyPr rtlCol="0" anchor="ctr"/>
-            <a:lstStyle/>
-            <a:p>
-              <a:pPr algn="ctr"/>
-              <a:endParaRPr lang="en-US">
-                <a:ln w="0"/>
-                <a:solidFill>
+          </p:grpSpPr>
+          <p:grpSp>
+            <p:nvGrpSpPr>
+              <p:cNvPr id="2" name="Group 1"/>
+              <p:cNvGrpSpPr/>
+              <p:nvPr/>
+            </p:nvGrpSpPr>
+            <p:grpSpPr>
+              <a:xfrm>
+                <a:off x="2604766" y="682737"/>
+                <a:ext cx="366907" cy="365760"/>
+                <a:chOff x="3057252" y="1729112"/>
+                <a:chExt cx="366907" cy="365760"/>
+              </a:xfrm>
+            </p:grpSpPr>
+            <p:cxnSp>
+              <p:nvCxnSpPr>
+                <p:cNvPr id="36" name="Straight Arrow Connector 35"/>
+                <p:cNvCxnSpPr/>
+                <p:nvPr/>
+              </p:nvCxnSpPr>
+              <p:spPr>
+                <a:xfrm flipV="1">
+                  <a:off x="3057252" y="1729112"/>
+                  <a:ext cx="0" cy="365760"/>
+                </a:xfrm>
+                <a:prstGeom prst="straightConnector1">
+                  <a:avLst/>
+                </a:prstGeom>
+                <a:ln w="9525">
+                  <a:solidFill>
+                    <a:srgbClr val="00B050"/>
+                  </a:solidFill>
+                  <a:prstDash val="sysDot"/>
+                  <a:headEnd type="none" w="med" len="med"/>
+                  <a:tailEnd type="triangle" w="sm" len="lg"/>
+                </a:ln>
+              </p:spPr>
+              <p:style>
+                <a:lnRef idx="1">
                   <a:schemeClr val="accent1"/>
-                </a:solidFill>
-                <a:effectLst>
-                  <a:outerShdw blurRad="38100" dist="25400" dir="5400000" algn="ctr" rotWithShape="0">
-                    <a:srgbClr val="6E747A">
-                      <a:alpha val="43000"/>
-                    </a:srgbClr>
-                  </a:outerShdw>
-                </a:effectLst>
-              </a:endParaRPr>
-            </a:p>
-          </p:txBody>
-        </p:sp>
-        <p:sp>
-          <p:nvSpPr>
-            <p:cNvPr id="176" name="Rectangle 175"/>
-            <p:cNvSpPr/>
-            <p:nvPr/>
-          </p:nvSpPr>
-          <p:spPr>
-            <a:xfrm>
-              <a:off x="3847381" y="253043"/>
-              <a:ext cx="885645" cy="195532"/>
-            </a:xfrm>
-            <a:prstGeom prst="rect">
-              <a:avLst/>
-            </a:prstGeom>
-            <a:noFill/>
-            <a:ln w="6350">
-              <a:solidFill>
-                <a:schemeClr val="tx1">
-                  <a:lumMod val="50000"/>
-                  <a:lumOff val="50000"/>
-                </a:schemeClr>
-              </a:solidFill>
-            </a:ln>
-          </p:spPr>
-          <p:style>
-            <a:lnRef idx="2">
-              <a:schemeClr val="accent1">
-                <a:shade val="50000"/>
-              </a:schemeClr>
-            </a:lnRef>
-            <a:fillRef idx="1">
-              <a:schemeClr val="accent1"/>
-            </a:fillRef>
-            <a:effectRef idx="0">
-              <a:schemeClr val="accent1"/>
-            </a:effectRef>
-            <a:fontRef idx="minor">
-              <a:schemeClr val="lt1"/>
-            </a:fontRef>
-          </p:style>
-          <p:txBody>
-            <a:bodyPr rtlCol="0" anchor="ctr"/>
-            <a:lstStyle/>
-            <a:p>
-              <a:pPr algn="ctr"/>
-              <a:endParaRPr lang="en-US"/>
-            </a:p>
-          </p:txBody>
-        </p:sp>
+                </a:lnRef>
+                <a:fillRef idx="0">
+                  <a:schemeClr val="accent1"/>
+                </a:fillRef>
+                <a:effectRef idx="0">
+                  <a:schemeClr val="accent1"/>
+                </a:effectRef>
+                <a:fontRef idx="minor">
+                  <a:schemeClr val="tx1"/>
+                </a:fontRef>
+              </p:style>
+            </p:cxnSp>
+            <p:cxnSp>
+              <p:nvCxnSpPr>
+                <p:cNvPr id="37" name="Straight Connector 36"/>
+                <p:cNvCxnSpPr/>
+                <p:nvPr/>
+              </p:nvCxnSpPr>
+              <p:spPr>
+                <a:xfrm>
+                  <a:off x="3058399" y="2094679"/>
+                  <a:ext cx="365760" cy="0"/>
+                </a:xfrm>
+                <a:prstGeom prst="line">
+                  <a:avLst/>
+                </a:prstGeom>
+                <a:ln w="9525">
+                  <a:solidFill>
+                    <a:srgbClr val="1C87FC"/>
+                  </a:solidFill>
+                  <a:prstDash val="sysDot"/>
+                  <a:headEnd type="none" w="med" len="med"/>
+                  <a:tailEnd type="triangle" w="sm" len="lg"/>
+                </a:ln>
+              </p:spPr>
+              <p:style>
+                <a:lnRef idx="1">
+                  <a:schemeClr val="accent1"/>
+                </a:lnRef>
+                <a:fillRef idx="0">
+                  <a:schemeClr val="accent1"/>
+                </a:fillRef>
+                <a:effectRef idx="0">
+                  <a:schemeClr val="accent1"/>
+                </a:effectRef>
+                <a:fontRef idx="minor">
+                  <a:schemeClr val="tx1"/>
+                </a:fontRef>
+              </p:style>
+            </p:cxnSp>
+          </p:grpSp>
+          <mc:AlternateContent xmlns:mc="http://schemas.openxmlformats.org/markup-compatibility/2006">
+            <mc:Choice xmlns:a14="http://schemas.microsoft.com/office/drawing/2010/main" Requires="a14">
+              <p:sp>
+                <p:nvSpPr>
+                  <p:cNvPr id="42" name="TextBox 41"/>
+                  <p:cNvSpPr txBox="1"/>
+                  <p:nvPr/>
+                </p:nvSpPr>
+                <p:spPr>
+                  <a:xfrm>
+                    <a:off x="2816776" y="860007"/>
+                    <a:ext cx="305918" cy="225062"/>
+                  </a:xfrm>
+                  <a:prstGeom prst="rect">
+                    <a:avLst/>
+                  </a:prstGeom>
+                  <a:noFill/>
+                </p:spPr>
+                <p:txBody>
+                  <a:bodyPr wrap="none" rtlCol="0">
+                    <a:spAutoFit/>
+                  </a:bodyPr>
+                  <a:lstStyle/>
+                  <a:p>
+                    <a:pPr/>
+                    <a14:m>
+                      <m:oMathPara xmlns:m="http://schemas.openxmlformats.org/officeDocument/2006/math">
+                        <m:oMathParaPr>
+                          <m:jc m:val="centerGroup"/>
+                        </m:oMathParaPr>
+                        <m:oMath xmlns:m="http://schemas.openxmlformats.org/officeDocument/2006/math">
+                          <m:sSub>
+                            <m:sSubPr>
+                              <m:ctrlPr>
+                                <a:rPr lang="en-US" sz="800" b="0" i="1" smtClean="0">
+                                  <a:solidFill>
+                                    <a:srgbClr val="1C87FC"/>
+                                  </a:solidFill>
+                                  <a:latin typeface="Cambria Math" panose="02040503050406030204" pitchFamily="18" charset="0"/>
+                                </a:rPr>
+                              </m:ctrlPr>
+                            </m:sSubPr>
+                            <m:e>
+                              <m:acc>
+                                <m:accPr>
+                                  <m:chr m:val="̂"/>
+                                  <m:ctrlPr>
+                                    <a:rPr lang="en-US" sz="800" b="0" i="1" smtClean="0">
+                                      <a:solidFill>
+                                        <a:srgbClr val="1C87FC"/>
+                                      </a:solidFill>
+                                      <a:latin typeface="Cambria Math" panose="02040503050406030204" pitchFamily="18" charset="0"/>
+                                    </a:rPr>
+                                  </m:ctrlPr>
+                                </m:accPr>
+                                <m:e>
+                                  <m:r>
+                                    <a:rPr lang="en-US" sz="800" i="1">
+                                      <a:solidFill>
+                                        <a:srgbClr val="1C87FC"/>
+                                      </a:solidFill>
+                                      <a:latin typeface="Cambria Math" panose="02040503050406030204" pitchFamily="18" charset="0"/>
+                                    </a:rPr>
+                                    <m:t>𝑧</m:t>
+                                  </m:r>
+                                </m:e>
+                              </m:acc>
+                            </m:e>
+                            <m:sub>
+                              <m:r>
+                                <a:rPr lang="en-US" sz="800" b="0" i="1" smtClean="0">
+                                  <a:solidFill>
+                                    <a:srgbClr val="1C87FC"/>
+                                  </a:solidFill>
+                                  <a:latin typeface="Cambria Math" panose="02040503050406030204" pitchFamily="18" charset="0"/>
+                                </a:rPr>
+                                <m:t>𝑝</m:t>
+                              </m:r>
+                            </m:sub>
+                          </m:sSub>
+                        </m:oMath>
+                      </m:oMathPara>
+                    </a14:m>
+                    <a:endParaRPr lang="en-US" sz="800" dirty="0">
+                      <a:solidFill>
+                        <a:srgbClr val="1C87FC"/>
+                      </a:solidFill>
+                    </a:endParaRPr>
+                  </a:p>
+                </p:txBody>
+              </p:sp>
+            </mc:Choice>
+            <mc:Fallback>
+              <p:sp>
+                <p:nvSpPr>
+                  <p:cNvPr id="42" name="TextBox 41"/>
+                  <p:cNvSpPr txBox="1">
+                    <a:spLocks noRot="1" noChangeAspect="1" noMove="1" noResize="1" noEditPoints="1" noAdjustHandles="1" noChangeArrowheads="1" noChangeShapeType="1" noTextEdit="1"/>
+                  </p:cNvSpPr>
+                  <p:nvPr/>
+                </p:nvSpPr>
+                <p:spPr>
+                  <a:xfrm>
+                    <a:off x="2816776" y="860007"/>
+                    <a:ext cx="305918" cy="225062"/>
+                  </a:xfrm>
+                  <a:prstGeom prst="rect">
+                    <a:avLst/>
+                  </a:prstGeom>
+                  <a:blipFill rotWithShape="0">
+                    <a:blip r:embed="rId10"/>
+                    <a:stretch>
+                      <a:fillRect r="-2000"/>
+                    </a:stretch>
+                  </a:blipFill>
+                </p:spPr>
+                <p:txBody>
+                  <a:bodyPr/>
+                  <a:lstStyle/>
+                  <a:p>
+                    <a:r>
+                      <a:rPr lang="en-US">
+                        <a:noFill/>
+                      </a:rPr>
+                      <a:t> </a:t>
+                    </a:r>
+                  </a:p>
+                </p:txBody>
+              </p:sp>
+            </mc:Fallback>
+          </mc:AlternateContent>
+          <mc:AlternateContent xmlns:mc="http://schemas.openxmlformats.org/markup-compatibility/2006">
+            <mc:Choice xmlns:a14="http://schemas.microsoft.com/office/drawing/2010/main" Requires="a14">
+              <p:sp>
+                <p:nvSpPr>
+                  <p:cNvPr id="43" name="TextBox 42"/>
+                  <p:cNvSpPr txBox="1"/>
+                  <p:nvPr/>
+                </p:nvSpPr>
+                <p:spPr>
+                  <a:xfrm>
+                    <a:off x="2470183" y="498191"/>
+                    <a:ext cx="307392" cy="225062"/>
+                  </a:xfrm>
+                  <a:prstGeom prst="rect">
+                    <a:avLst/>
+                  </a:prstGeom>
+                  <a:noFill/>
+                </p:spPr>
+                <p:txBody>
+                  <a:bodyPr wrap="none" rtlCol="0">
+                    <a:spAutoFit/>
+                  </a:bodyPr>
+                  <a:lstStyle/>
+                  <a:p>
+                    <a:pPr/>
+                    <a14:m>
+                      <m:oMathPara xmlns:m="http://schemas.openxmlformats.org/officeDocument/2006/math">
+                        <m:oMathParaPr>
+                          <m:jc m:val="centerGroup"/>
+                        </m:oMathParaPr>
+                        <m:oMath xmlns:m="http://schemas.openxmlformats.org/officeDocument/2006/math">
+                          <m:sSub>
+                            <m:sSubPr>
+                              <m:ctrlPr>
+                                <a:rPr lang="en-US" sz="800" b="0" i="1" smtClean="0">
+                                  <a:solidFill>
+                                    <a:srgbClr val="00B050"/>
+                                  </a:solidFill>
+                                  <a:latin typeface="Cambria Math" panose="02040503050406030204" pitchFamily="18" charset="0"/>
+                                </a:rPr>
+                              </m:ctrlPr>
+                            </m:sSubPr>
+                            <m:e>
+                              <m:acc>
+                                <m:accPr>
+                                  <m:chr m:val="̂"/>
+                                  <m:ctrlPr>
+                                    <a:rPr lang="en-US" sz="800" b="0" i="1" smtClean="0">
+                                      <a:solidFill>
+                                        <a:srgbClr val="00B050"/>
+                                      </a:solidFill>
+                                      <a:latin typeface="Cambria Math" panose="02040503050406030204" pitchFamily="18" charset="0"/>
+                                    </a:rPr>
+                                  </m:ctrlPr>
+                                </m:accPr>
+                                <m:e>
+                                  <m:r>
+                                    <a:rPr lang="en-US" sz="800" i="1">
+                                      <a:solidFill>
+                                        <a:srgbClr val="00B050"/>
+                                      </a:solidFill>
+                                      <a:latin typeface="Cambria Math" panose="02040503050406030204" pitchFamily="18" charset="0"/>
+                                    </a:rPr>
+                                    <m:t>𝑦</m:t>
+                                  </m:r>
+                                </m:e>
+                              </m:acc>
+                            </m:e>
+                            <m:sub>
+                              <m:r>
+                                <a:rPr lang="en-US" sz="800" b="0" i="1" smtClean="0">
+                                  <a:solidFill>
+                                    <a:srgbClr val="00B050"/>
+                                  </a:solidFill>
+                                  <a:latin typeface="Cambria Math" panose="02040503050406030204" pitchFamily="18" charset="0"/>
+                                </a:rPr>
+                                <m:t>𝑝</m:t>
+                              </m:r>
+                            </m:sub>
+                          </m:sSub>
+                        </m:oMath>
+                      </m:oMathPara>
+                    </a14:m>
+                    <a:endParaRPr lang="en-US" sz="800" dirty="0">
+                      <a:solidFill>
+                        <a:srgbClr val="00B050"/>
+                      </a:solidFill>
+                    </a:endParaRPr>
+                  </a:p>
+                </p:txBody>
+              </p:sp>
+            </mc:Choice>
+            <mc:Fallback>
+              <p:sp>
+                <p:nvSpPr>
+                  <p:cNvPr id="43" name="TextBox 42"/>
+                  <p:cNvSpPr txBox="1">
+                    <a:spLocks noRot="1" noChangeAspect="1" noMove="1" noResize="1" noEditPoints="1" noAdjustHandles="1" noChangeArrowheads="1" noChangeShapeType="1" noTextEdit="1"/>
+                  </p:cNvSpPr>
+                  <p:nvPr/>
+                </p:nvSpPr>
+                <p:spPr>
+                  <a:xfrm>
+                    <a:off x="2470183" y="498191"/>
+                    <a:ext cx="307392" cy="225062"/>
+                  </a:xfrm>
+                  <a:prstGeom prst="rect">
+                    <a:avLst/>
+                  </a:prstGeom>
+                  <a:blipFill rotWithShape="0">
+                    <a:blip r:embed="rId11"/>
+                    <a:stretch>
+                      <a:fillRect/>
+                    </a:stretch>
+                  </a:blipFill>
+                </p:spPr>
+                <p:txBody>
+                  <a:bodyPr/>
+                  <a:lstStyle/>
+                  <a:p>
+                    <a:r>
+                      <a:rPr lang="en-US">
+                        <a:noFill/>
+                      </a:rPr>
+                      <a:t> </a:t>
+                    </a:r>
+                  </a:p>
+                </p:txBody>
+              </p:sp>
+            </mc:Fallback>
+          </mc:AlternateContent>
+        </p:grpSp>
       </p:grpSp>
-      <p:pic>
-        <p:nvPicPr>
-          <p:cNvPr id="3" name="Picture 2"/>
-          <p:cNvPicPr>
-            <a:picLocks noChangeAspect="1"/>
-          </p:cNvPicPr>
-          <p:nvPr/>
-        </p:nvPicPr>
-        <p:blipFill>
-          <a:blip r:embed="rId9"/>
-          <a:stretch>
-            <a:fillRect/>
-          </a:stretch>
-        </p:blipFill>
-        <p:spPr>
-          <a:xfrm>
-            <a:off x="374698" y="3148520"/>
-            <a:ext cx="4737003" cy="1475360"/>
-          </a:xfrm>
-          <a:prstGeom prst="rect">
-            <a:avLst/>
-          </a:prstGeom>
-        </p:spPr>
-      </p:pic>
     </p:spTree>
     <p:extLst>
       <p:ext uri="{BB962C8B-B14F-4D97-AF65-F5344CB8AC3E}">
@@ -5177,16 +5686,16 @@
       </p:grpSpPr>
       <p:grpSp>
         <p:nvGrpSpPr>
-          <p:cNvPr id="5" name="Group 4"/>
+          <p:cNvPr id="2" name="Group 1"/>
           <p:cNvGrpSpPr/>
           <p:nvPr/>
         </p:nvGrpSpPr>
         <p:grpSpPr>
           <a:xfrm>
             <a:off x="325737" y="179893"/>
-            <a:ext cx="4735603" cy="1451801"/>
+            <a:ext cx="4830877" cy="1451801"/>
             <a:chOff x="325737" y="179893"/>
-            <a:chExt cx="4735603" cy="1451801"/>
+            <a:chExt cx="4830877" cy="1451801"/>
           </a:xfrm>
         </p:grpSpPr>
         <p:sp>
@@ -5235,6 +5744,99 @@
             </a:p>
           </p:txBody>
         </p:sp>
+        <p:grpSp>
+          <p:nvGrpSpPr>
+            <p:cNvPr id="52" name="Group 51"/>
+            <p:cNvGrpSpPr>
+              <a:grpSpLocks noChangeAspect="1"/>
+            </p:cNvGrpSpPr>
+            <p:nvPr/>
+          </p:nvGrpSpPr>
+          <p:grpSpPr>
+            <a:xfrm rot="21060000">
+              <a:off x="2548746" y="318198"/>
+              <a:ext cx="1281111" cy="640080"/>
+              <a:chOff x="1880616" y="2310384"/>
+              <a:chExt cx="1281111" cy="640080"/>
+            </a:xfrm>
+          </p:grpSpPr>
+          <p:cxnSp>
+            <p:nvCxnSpPr>
+              <p:cNvPr id="53" name="Straight Arrow Connector 52"/>
+              <p:cNvCxnSpPr/>
+              <p:nvPr/>
+            </p:nvCxnSpPr>
+            <p:spPr>
+              <a:xfrm flipV="1">
+                <a:off x="1880616" y="2310384"/>
+                <a:ext cx="0" cy="640080"/>
+              </a:xfrm>
+              <a:prstGeom prst="straightConnector1">
+                <a:avLst/>
+              </a:prstGeom>
+              <a:ln w="9525">
+                <a:solidFill>
+                  <a:srgbClr val="00B050"/>
+                </a:solidFill>
+                <a:prstDash val="sysDot"/>
+                <a:headEnd type="none" w="med" len="med"/>
+                <a:tailEnd type="triangle" w="sm" len="lg"/>
+              </a:ln>
+            </p:spPr>
+            <p:style>
+              <a:lnRef idx="1">
+                <a:schemeClr val="accent1"/>
+              </a:lnRef>
+              <a:fillRef idx="0">
+                <a:schemeClr val="accent1"/>
+              </a:fillRef>
+              <a:effectRef idx="0">
+                <a:schemeClr val="accent1"/>
+              </a:effectRef>
+              <a:fontRef idx="minor">
+                <a:schemeClr val="tx1"/>
+              </a:fontRef>
+            </p:style>
+          </p:cxnSp>
+          <p:cxnSp>
+            <p:nvCxnSpPr>
+              <p:cNvPr id="54" name="Straight Arrow Connector 53"/>
+              <p:cNvCxnSpPr/>
+              <p:nvPr/>
+            </p:nvCxnSpPr>
+            <p:spPr>
+              <a:xfrm rot="5400000" flipV="1">
+                <a:off x="2521647" y="2299028"/>
+                <a:ext cx="0" cy="1280160"/>
+              </a:xfrm>
+              <a:prstGeom prst="straightConnector1">
+                <a:avLst/>
+              </a:prstGeom>
+              <a:ln w="9525">
+                <a:solidFill>
+                  <a:srgbClr val="1C87FC"/>
+                </a:solidFill>
+                <a:prstDash val="sysDot"/>
+                <a:headEnd type="none" w="med" len="med"/>
+                <a:tailEnd type="triangle" w="sm" len="lg"/>
+              </a:ln>
+            </p:spPr>
+            <p:style>
+              <a:lnRef idx="1">
+                <a:schemeClr val="accent1"/>
+              </a:lnRef>
+              <a:fillRef idx="0">
+                <a:schemeClr val="accent1"/>
+              </a:fillRef>
+              <a:effectRef idx="0">
+                <a:schemeClr val="accent1"/>
+              </a:effectRef>
+              <a:fontRef idx="minor">
+                <a:schemeClr val="tx1"/>
+              </a:fontRef>
+            </p:style>
+          </p:cxnSp>
+        </p:grpSp>
         <p:cxnSp>
           <p:nvCxnSpPr>
             <p:cNvPr id="36" name="Straight Connector 35"/>
@@ -5244,7 +5846,7 @@
           <p:spPr>
             <a:xfrm>
               <a:off x="472156" y="1045853"/>
-              <a:ext cx="4389120" cy="0"/>
+              <a:ext cx="4480560" cy="0"/>
             </a:xfrm>
             <a:prstGeom prst="line">
               <a:avLst/>
@@ -5304,7 +5906,7 @@
             <p:nvPr/>
           </p:nvCxnSpPr>
           <p:spPr>
-            <a:xfrm rot="-540000">
+            <a:xfrm rot="21060000">
               <a:off x="518161" y="1044416"/>
               <a:ext cx="4144745" cy="0"/>
             </a:xfrm>
@@ -5346,7 +5948,7 @@
           </p:nvSpPr>
           <p:spPr>
             <a:xfrm flipH="1">
-              <a:off x="2504291" y="809876"/>
+              <a:off x="2532569" y="824015"/>
               <a:ext cx="594488" cy="273894"/>
             </a:xfrm>
             <a:prstGeom prst="rect">
@@ -5512,2424 +6114,7 @@
           </p:nvSpPr>
           <p:spPr>
             <a:xfrm flipH="1">
-              <a:off x="3025110" y="719303"/>
-              <a:ext cx="594488" cy="273894"/>
-            </a:xfrm>
-            <a:prstGeom prst="rect">
-              <a:avLst/>
-            </a:prstGeom>
-            <a:noFill/>
-            <a:ln w="6350">
-              <a:noFill/>
-            </a:ln>
-            <a:effectLst/>
-          </p:spPr>
-          <p:style>
-            <a:lnRef idx="0">
-              <a:schemeClr val="accent1"/>
-            </a:lnRef>
-            <a:fillRef idx="0">
-              <a:schemeClr val="accent1"/>
-            </a:fillRef>
-            <a:effectRef idx="0">
-              <a:schemeClr val="accent1"/>
-            </a:effectRef>
-            <a:fontRef idx="minor">
-              <a:schemeClr val="dk1"/>
-            </a:fontRef>
-          </p:style>
-          <p:txBody>
-            <a:bodyPr rot="0" spcFirstLastPara="0" vert="horz" wrap="square" lIns="91440" tIns="45720" rIns="91440" bIns="45720" numCol="1" spcCol="0" rtlCol="0" fromWordArt="0" anchor="t" anchorCtr="0" forceAA="0" compatLnSpc="1">
-              <a:prstTxWarp prst="textNoShape">
-                <a:avLst/>
-              </a:prstTxWarp>
-              <a:noAutofit/>
-            </a:bodyPr>
-            <a:lstStyle/>
-            <a:p>
-              <a:pPr marL="0" marR="0">
-                <a:lnSpc>
-                  <a:spcPct val="115000"/>
-                </a:lnSpc>
-                <a:spcBef>
-                  <a:spcPts val="0"/>
-                </a:spcBef>
-                <a:spcAft>
-                  <a:spcPts val="0"/>
-                </a:spcAft>
-              </a:pPr>
-              <a:r>
-                <a:rPr lang="en-US" sz="900" dirty="0" smtClean="0">
-                  <a:effectLst/>
-                  <a:ea typeface="Calibri"/>
-                  <a:cs typeface="Times New Roman"/>
-                </a:rPr>
-                <a:t>EXP</a:t>
-              </a:r>
-              <a:endParaRPr lang="en-US" sz="900" dirty="0">
-                <a:effectLst/>
-                <a:ea typeface="Calibri"/>
-                <a:cs typeface="Times New Roman"/>
-              </a:endParaRPr>
-            </a:p>
-          </p:txBody>
-        </p:sp>
-        <p:sp>
-          <p:nvSpPr>
-            <p:cNvPr id="115" name="Oval 114"/>
-            <p:cNvSpPr/>
-            <p:nvPr/>
-          </p:nvSpPr>
-          <p:spPr>
-            <a:xfrm>
-              <a:off x="3091502" y="930755"/>
-              <a:ext cx="56010" cy="56010"/>
-            </a:xfrm>
-            <a:prstGeom prst="ellipse">
-              <a:avLst/>
-            </a:prstGeom>
-            <a:solidFill>
-              <a:schemeClr val="tx1"/>
-            </a:solidFill>
-            <a:ln>
-              <a:solidFill>
-                <a:srgbClr val="FFC000"/>
-              </a:solidFill>
-            </a:ln>
-          </p:spPr>
-          <p:style>
-            <a:lnRef idx="2">
-              <a:schemeClr val="accent1">
-                <a:shade val="50000"/>
-              </a:schemeClr>
-            </a:lnRef>
-            <a:fillRef idx="1">
-              <a:schemeClr val="accent1"/>
-            </a:fillRef>
-            <a:effectRef idx="0">
-              <a:schemeClr val="accent1"/>
-            </a:effectRef>
-            <a:fontRef idx="minor">
-              <a:schemeClr val="lt1"/>
-            </a:fontRef>
-          </p:style>
-          <p:txBody>
-            <a:bodyPr rtlCol="0" anchor="ctr"/>
-            <a:lstStyle/>
-            <a:p>
-              <a:pPr algn="ctr"/>
-              <a:endParaRPr lang="en-US"/>
-            </a:p>
-          </p:txBody>
-        </p:sp>
-        <p:sp>
-          <p:nvSpPr>
-            <p:cNvPr id="116" name="Oval 115"/>
-            <p:cNvSpPr/>
-            <p:nvPr/>
-          </p:nvSpPr>
-          <p:spPr>
-            <a:xfrm flipH="1">
-              <a:off x="3087658" y="927886"/>
-              <a:ext cx="56009" cy="56010"/>
-            </a:xfrm>
-            <a:prstGeom prst="ellipse">
-              <a:avLst/>
-            </a:prstGeom>
-            <a:solidFill>
-              <a:srgbClr val="CC0000">
-                <a:alpha val="0"/>
-              </a:srgbClr>
-            </a:solidFill>
-            <a:ln>
-              <a:solidFill>
-                <a:srgbClr val="FFC000"/>
-              </a:solidFill>
-            </a:ln>
-          </p:spPr>
-          <p:style>
-            <a:lnRef idx="2">
-              <a:schemeClr val="accent1">
-                <a:shade val="50000"/>
-              </a:schemeClr>
-            </a:lnRef>
-            <a:fillRef idx="1">
-              <a:schemeClr val="accent1"/>
-            </a:fillRef>
-            <a:effectRef idx="0">
-              <a:schemeClr val="accent1"/>
-            </a:effectRef>
-            <a:fontRef idx="minor">
-              <a:schemeClr val="lt1"/>
-            </a:fontRef>
-          </p:style>
-          <p:txBody>
-            <a:bodyPr rtlCol="0" anchor="ctr"/>
-            <a:lstStyle/>
-            <a:p>
-              <a:pPr algn="ctr"/>
-              <a:endParaRPr lang="en-US"/>
-            </a:p>
-          </p:txBody>
-        </p:sp>
-        <p:grpSp>
-          <p:nvGrpSpPr>
-            <p:cNvPr id="127" name="Group 126"/>
-            <p:cNvGrpSpPr/>
-            <p:nvPr/>
-          </p:nvGrpSpPr>
-          <p:grpSpPr>
-            <a:xfrm>
-              <a:off x="504331" y="246175"/>
-              <a:ext cx="2092672" cy="796310"/>
-              <a:chOff x="599268" y="1937288"/>
-              <a:chExt cx="679752" cy="423335"/>
-            </a:xfrm>
-          </p:grpSpPr>
-          <p:cxnSp>
-            <p:nvCxnSpPr>
-              <p:cNvPr id="118" name="Straight Connector 117"/>
-              <p:cNvCxnSpPr/>
-              <p:nvPr/>
-            </p:nvCxnSpPr>
-            <p:spPr>
-              <a:xfrm>
-                <a:off x="599268" y="1937288"/>
-                <a:ext cx="679752" cy="423335"/>
-              </a:xfrm>
-              <a:prstGeom prst="line">
-                <a:avLst/>
-              </a:prstGeom>
-              <a:ln>
-                <a:solidFill>
-                  <a:srgbClr val="FF0000"/>
-                </a:solidFill>
-              </a:ln>
-            </p:spPr>
-            <p:style>
-              <a:lnRef idx="1">
-                <a:schemeClr val="accent1"/>
-              </a:lnRef>
-              <a:fillRef idx="0">
-                <a:schemeClr val="accent1"/>
-              </a:fillRef>
-              <a:effectRef idx="0">
-                <a:schemeClr val="accent1"/>
-              </a:effectRef>
-              <a:fontRef idx="minor">
-                <a:schemeClr val="tx1"/>
-              </a:fontRef>
-            </p:style>
-          </p:cxnSp>
-          <p:sp>
-            <p:nvSpPr>
-              <p:cNvPr id="125" name="Isosceles Triangle 124"/>
-              <p:cNvSpPr>
-                <a:spLocks noChangeAspect="1"/>
-              </p:cNvSpPr>
-              <p:nvPr/>
-            </p:nvSpPr>
-            <p:spPr>
-              <a:xfrm rot="6960000">
-                <a:off x="939536" y="2148574"/>
-                <a:ext cx="38889" cy="24761"/>
-              </a:xfrm>
-              <a:prstGeom prst="triangle">
-                <a:avLst/>
-              </a:prstGeom>
-              <a:solidFill>
-                <a:schemeClr val="bg1"/>
-              </a:solidFill>
-              <a:ln w="6350">
-                <a:solidFill>
-                  <a:srgbClr val="FF0000"/>
-                </a:solidFill>
-              </a:ln>
-            </p:spPr>
-            <p:style>
-              <a:lnRef idx="2">
-                <a:schemeClr val="accent1">
-                  <a:shade val="50000"/>
-                </a:schemeClr>
-              </a:lnRef>
-              <a:fillRef idx="1">
-                <a:schemeClr val="accent1"/>
-              </a:fillRef>
-              <a:effectRef idx="0">
-                <a:schemeClr val="accent1"/>
-              </a:effectRef>
-              <a:fontRef idx="minor">
-                <a:schemeClr val="lt1"/>
-              </a:fontRef>
-            </p:style>
-            <p:txBody>
-              <a:bodyPr rtlCol="0" anchor="ctr"/>
-              <a:lstStyle/>
-              <a:p>
-                <a:pPr algn="ctr"/>
-                <a:endParaRPr lang="en-US"/>
-              </a:p>
-            </p:txBody>
-          </p:sp>
-        </p:grpSp>
-        <p:grpSp>
-          <p:nvGrpSpPr>
-            <p:cNvPr id="128" name="Group 127"/>
-            <p:cNvGrpSpPr/>
-            <p:nvPr/>
-          </p:nvGrpSpPr>
-          <p:grpSpPr>
-            <a:xfrm>
-              <a:off x="3111182" y="949097"/>
-              <a:ext cx="1510475" cy="540077"/>
-              <a:chOff x="2063858" y="2358326"/>
-              <a:chExt cx="638013" cy="286718"/>
-            </a:xfrm>
-          </p:grpSpPr>
-          <p:cxnSp>
-            <p:nvCxnSpPr>
-              <p:cNvPr id="119" name="Straight Connector 118"/>
-              <p:cNvCxnSpPr/>
-              <p:nvPr/>
-            </p:nvCxnSpPr>
-            <p:spPr>
-              <a:xfrm>
-                <a:off x="2063858" y="2358326"/>
-                <a:ext cx="638013" cy="286718"/>
-              </a:xfrm>
-              <a:prstGeom prst="line">
-                <a:avLst/>
-              </a:prstGeom>
-              <a:solidFill>
-                <a:schemeClr val="bg1"/>
-              </a:solidFill>
-              <a:ln w="6350">
-                <a:solidFill>
-                  <a:srgbClr val="FF0000"/>
-                </a:solidFill>
-              </a:ln>
-            </p:spPr>
-            <p:style>
-              <a:lnRef idx="2">
-                <a:schemeClr val="accent1">
-                  <a:shade val="50000"/>
-                </a:schemeClr>
-              </a:lnRef>
-              <a:fillRef idx="1">
-                <a:schemeClr val="accent1"/>
-              </a:fillRef>
-              <a:effectRef idx="0">
-                <a:schemeClr val="accent1"/>
-              </a:effectRef>
-              <a:fontRef idx="minor">
-                <a:schemeClr val="lt1"/>
-              </a:fontRef>
-            </p:style>
-          </p:cxnSp>
-          <p:sp>
-            <p:nvSpPr>
-              <p:cNvPr id="126" name="Isosceles Triangle 125"/>
-              <p:cNvSpPr>
-                <a:spLocks noChangeAspect="1"/>
-              </p:cNvSpPr>
-              <p:nvPr/>
-            </p:nvSpPr>
-            <p:spPr>
-              <a:xfrm rot="6600000">
-                <a:off x="2425574" y="2514446"/>
-                <a:ext cx="38835" cy="30898"/>
-              </a:xfrm>
-              <a:prstGeom prst="triangle">
-                <a:avLst/>
-              </a:prstGeom>
-              <a:solidFill>
-                <a:schemeClr val="bg1"/>
-              </a:solidFill>
-              <a:ln w="6350">
-                <a:solidFill>
-                  <a:srgbClr val="FF0000"/>
-                </a:solidFill>
-              </a:ln>
-            </p:spPr>
-            <p:style>
-              <a:lnRef idx="2">
-                <a:schemeClr val="accent1">
-                  <a:shade val="50000"/>
-                </a:schemeClr>
-              </a:lnRef>
-              <a:fillRef idx="1">
-                <a:schemeClr val="accent1"/>
-              </a:fillRef>
-              <a:effectRef idx="0">
-                <a:schemeClr val="accent1"/>
-              </a:effectRef>
-              <a:fontRef idx="minor">
-                <a:schemeClr val="lt1"/>
-              </a:fontRef>
-            </p:style>
-            <p:txBody>
-              <a:bodyPr rtlCol="0" anchor="ctr"/>
-              <a:lstStyle/>
-              <a:p>
-                <a:pPr algn="ctr"/>
-                <a:endParaRPr lang="en-US"/>
-              </a:p>
-            </p:txBody>
-          </p:sp>
-        </p:grpSp>
-        <mc:AlternateContent xmlns:mc="http://schemas.openxmlformats.org/markup-compatibility/2006" xmlns:a14="http://schemas.microsoft.com/office/drawing/2010/main">
-          <mc:Choice Requires="a14">
-            <p:sp>
-              <p:nvSpPr>
-                <p:cNvPr id="129" name="TextBox 128"/>
-                <p:cNvSpPr txBox="1"/>
-                <p:nvPr/>
-              </p:nvSpPr>
-              <p:spPr>
-                <a:xfrm>
-                  <a:off x="1971730" y="832489"/>
-                  <a:ext cx="394957" cy="320490"/>
-                </a:xfrm>
-                <a:prstGeom prst="rect">
-                  <a:avLst/>
-                </a:prstGeom>
-                <a:noFill/>
-              </p:spPr>
-              <p:txBody>
-                <a:bodyPr wrap="none" rtlCol="0">
-                  <a:spAutoFit/>
-                </a:bodyPr>
-                <a:lstStyle/>
-                <a:p>
-                  <a:pPr/>
-                  <a14:m>
-                    <m:oMathPara xmlns:m="http://schemas.openxmlformats.org/officeDocument/2006/math">
-                      <m:oMathParaPr>
-                        <m:jc m:val="centerGroup"/>
-                      </m:oMathParaPr>
-                      <m:oMath xmlns:m="http://schemas.openxmlformats.org/officeDocument/2006/math">
-                        <m:r>
-                          <a:rPr lang="en-US" sz="1100" b="0" i="1" smtClean="0">
-                            <a:latin typeface="Cambria Math" panose="02040503050406030204" pitchFamily="18" charset="0"/>
-                          </a:rPr>
-                          <m:t>𝜔</m:t>
-                        </m:r>
-                      </m:oMath>
-                    </m:oMathPara>
-                  </a14:m>
-                  <a:endParaRPr lang="en-US" sz="1100" dirty="0"/>
-                </a:p>
-              </p:txBody>
-            </p:sp>
-          </mc:Choice>
-          <mc:Fallback xmlns="">
-            <p:sp>
-              <p:nvSpPr>
-                <p:cNvPr id="129" name="TextBox 128"/>
-                <p:cNvSpPr txBox="1">
-                  <a:spLocks noRot="1" noChangeAspect="1" noMove="1" noResize="1" noEditPoints="1" noAdjustHandles="1" noChangeArrowheads="1" noChangeShapeType="1" noTextEdit="1"/>
-                </p:cNvSpPr>
-                <p:nvPr/>
-              </p:nvSpPr>
-              <p:spPr>
-                <a:xfrm>
-                  <a:off x="1971730" y="832489"/>
-                  <a:ext cx="394957" cy="320490"/>
-                </a:xfrm>
-                <a:prstGeom prst="rect">
-                  <a:avLst/>
-                </a:prstGeom>
-                <a:blipFill rotWithShape="0">
-                  <a:blip r:embed="rId3"/>
-                  <a:stretch>
-                    <a:fillRect/>
-                  </a:stretch>
-                </a:blipFill>
-              </p:spPr>
-              <p:txBody>
-                <a:bodyPr/>
-                <a:lstStyle/>
-                <a:p>
-                  <a:r>
-                    <a:rPr lang="en-US">
-                      <a:noFill/>
-                    </a:rPr>
-                    <a:t> </a:t>
-                  </a:r>
-                </a:p>
-              </p:txBody>
-            </p:sp>
-          </mc:Fallback>
-        </mc:AlternateContent>
-        <mc:AlternateContent xmlns:mc="http://schemas.openxmlformats.org/markup-compatibility/2006" xmlns:a14="http://schemas.microsoft.com/office/drawing/2010/main">
-          <mc:Choice Requires="a14">
-            <p:sp>
-              <p:nvSpPr>
-                <p:cNvPr id="130" name="TextBox 129"/>
-                <p:cNvSpPr txBox="1"/>
-                <p:nvPr/>
-              </p:nvSpPr>
-              <p:spPr>
-                <a:xfrm>
-                  <a:off x="3347717" y="856744"/>
-                  <a:ext cx="436354" cy="320490"/>
-                </a:xfrm>
-                <a:prstGeom prst="rect">
-                  <a:avLst/>
-                </a:prstGeom>
-                <a:noFill/>
-              </p:spPr>
-              <p:txBody>
-                <a:bodyPr wrap="none" rtlCol="0">
-                  <a:spAutoFit/>
-                </a:bodyPr>
-                <a:lstStyle/>
-                <a:p>
-                  <a:pPr/>
-                  <a14:m>
-                    <m:oMathPara xmlns:m="http://schemas.openxmlformats.org/officeDocument/2006/math">
-                      <m:oMathParaPr>
-                        <m:jc m:val="centerGroup"/>
-                      </m:oMathParaPr>
-                      <m:oMath xmlns:m="http://schemas.openxmlformats.org/officeDocument/2006/math">
-                        <m:r>
-                          <a:rPr lang="en-US" sz="1100" b="0" i="1" smtClean="0">
-                            <a:latin typeface="Cambria Math" panose="02040503050406030204" pitchFamily="18" charset="0"/>
-                          </a:rPr>
-                          <m:t>𝜔</m:t>
-                        </m:r>
-                        <m:r>
-                          <a:rPr lang="en-US" sz="1100" b="0" i="1" smtClean="0">
-                            <a:latin typeface="Cambria Math" panose="02040503050406030204" pitchFamily="18" charset="0"/>
-                          </a:rPr>
-                          <m:t>′</m:t>
-                        </m:r>
-                      </m:oMath>
-                    </m:oMathPara>
-                  </a14:m>
-                  <a:endParaRPr lang="en-US" sz="1100" dirty="0"/>
-                </a:p>
-              </p:txBody>
-            </p:sp>
-          </mc:Choice>
-          <mc:Fallback xmlns="">
-            <p:sp>
-              <p:nvSpPr>
-                <p:cNvPr id="130" name="TextBox 129"/>
-                <p:cNvSpPr txBox="1">
-                  <a:spLocks noRot="1" noChangeAspect="1" noMove="1" noResize="1" noEditPoints="1" noAdjustHandles="1" noChangeArrowheads="1" noChangeShapeType="1" noTextEdit="1"/>
-                </p:cNvSpPr>
-                <p:nvPr/>
-              </p:nvSpPr>
-              <p:spPr>
-                <a:xfrm>
-                  <a:off x="3347717" y="856744"/>
-                  <a:ext cx="436354" cy="320490"/>
-                </a:xfrm>
-                <a:prstGeom prst="rect">
-                  <a:avLst/>
-                </a:prstGeom>
-                <a:blipFill rotWithShape="0">
-                  <a:blip r:embed="rId4"/>
-                  <a:stretch>
-                    <a:fillRect/>
-                  </a:stretch>
-                </a:blipFill>
-              </p:spPr>
-              <p:txBody>
-                <a:bodyPr/>
-                <a:lstStyle/>
-                <a:p>
-                  <a:r>
-                    <a:rPr lang="en-US">
-                      <a:noFill/>
-                    </a:rPr>
-                    <a:t> </a:t>
-                  </a:r>
-                </a:p>
-              </p:txBody>
-            </p:sp>
-          </mc:Fallback>
-        </mc:AlternateContent>
-        <p:sp>
-          <p:nvSpPr>
-            <p:cNvPr id="133" name="Arc 132"/>
-            <p:cNvSpPr>
-              <a:spLocks noChangeAspect="1"/>
-            </p:cNvSpPr>
-            <p:nvPr/>
-          </p:nvSpPr>
-          <p:spPr>
-            <a:xfrm>
-              <a:off x="2309640" y="767971"/>
-              <a:ext cx="548640" cy="548640"/>
-            </a:xfrm>
-            <a:prstGeom prst="arc">
-              <a:avLst>
-                <a:gd name="adj1" fmla="val 10184832"/>
-                <a:gd name="adj2" fmla="val 12024373"/>
-              </a:avLst>
-            </a:prstGeom>
-            <a:ln w="6350">
-              <a:solidFill>
-                <a:schemeClr val="tx1">
-                  <a:lumMod val="75000"/>
-                  <a:lumOff val="25000"/>
-                </a:schemeClr>
-              </a:solidFill>
-              <a:headEnd type="none" w="sm" len="sm"/>
-              <a:tailEnd type="none" w="sm" len="sm"/>
-            </a:ln>
-          </p:spPr>
-          <p:style>
-            <a:lnRef idx="1">
-              <a:schemeClr val="accent1"/>
-            </a:lnRef>
-            <a:fillRef idx="0">
-              <a:schemeClr val="accent1"/>
-            </a:fillRef>
-            <a:effectRef idx="0">
-              <a:schemeClr val="accent1"/>
-            </a:effectRef>
-            <a:fontRef idx="minor">
-              <a:schemeClr val="tx1"/>
-            </a:fontRef>
-          </p:style>
-          <p:txBody>
-            <a:bodyPr rtlCol="0" anchor="ctr"/>
-            <a:lstStyle/>
-            <a:p>
-              <a:pPr algn="ctr"/>
-              <a:endParaRPr lang="en-US"/>
-            </a:p>
-          </p:txBody>
-        </p:sp>
-        <p:sp>
-          <p:nvSpPr>
-            <p:cNvPr id="134" name="Arc 133"/>
-            <p:cNvSpPr>
-              <a:spLocks noChangeAspect="1"/>
-            </p:cNvSpPr>
-            <p:nvPr/>
-          </p:nvSpPr>
-          <p:spPr>
-            <a:xfrm>
-              <a:off x="2898495" y="683508"/>
-              <a:ext cx="548640" cy="548640"/>
-            </a:xfrm>
-            <a:prstGeom prst="arc">
-              <a:avLst>
-                <a:gd name="adj1" fmla="val 20947419"/>
-                <a:gd name="adj2" fmla="val 1428451"/>
-              </a:avLst>
-            </a:prstGeom>
-            <a:ln w="6350">
-              <a:solidFill>
-                <a:schemeClr val="tx1">
-                  <a:lumMod val="75000"/>
-                  <a:lumOff val="25000"/>
-                </a:schemeClr>
-              </a:solidFill>
-            </a:ln>
-          </p:spPr>
-          <p:style>
-            <a:lnRef idx="1">
-              <a:schemeClr val="accent1"/>
-            </a:lnRef>
-            <a:fillRef idx="0">
-              <a:schemeClr val="accent1"/>
-            </a:fillRef>
-            <a:effectRef idx="0">
-              <a:schemeClr val="accent1"/>
-            </a:effectRef>
-            <a:fontRef idx="minor">
-              <a:schemeClr val="tx1"/>
-            </a:fontRef>
-          </p:style>
-          <p:txBody>
-            <a:bodyPr rtlCol="0" anchor="ctr"/>
-            <a:lstStyle/>
-            <a:p>
-              <a:pPr algn="ctr"/>
-              <a:endParaRPr lang="en-US"/>
-            </a:p>
-          </p:txBody>
-        </p:sp>
-        <p:sp>
-          <p:nvSpPr>
-            <p:cNvPr id="135" name="TextBox 134"/>
-            <p:cNvSpPr txBox="1"/>
-            <p:nvPr/>
-          </p:nvSpPr>
-          <p:spPr>
-            <a:xfrm rot="21077016">
-              <a:off x="681585" y="1118319"/>
-              <a:ext cx="909626" cy="263933"/>
-            </a:xfrm>
-            <a:prstGeom prst="rect">
-              <a:avLst/>
-            </a:prstGeom>
-            <a:noFill/>
-          </p:spPr>
-          <p:txBody>
-            <a:bodyPr wrap="none" rtlCol="0">
-              <a:spAutoFit/>
-            </a:bodyPr>
-            <a:lstStyle/>
-            <a:p>
-              <a:r>
-                <a:rPr lang="en-US" sz="800" i="1" dirty="0" smtClean="0"/>
-                <a:t>OPTICAL AXIS</a:t>
-              </a:r>
-              <a:endParaRPr lang="en-US" sz="800" i="1" dirty="0"/>
-            </a:p>
-          </p:txBody>
-        </p:sp>
-        <mc:AlternateContent xmlns:mc="http://schemas.openxmlformats.org/markup-compatibility/2006" xmlns:a14="http://schemas.microsoft.com/office/drawing/2010/main">
-          <mc:Choice Requires="a14">
-            <p:sp>
-              <p:nvSpPr>
-                <p:cNvPr id="162" name="TextBox 161"/>
-                <p:cNvSpPr txBox="1"/>
-                <p:nvPr/>
-              </p:nvSpPr>
-              <p:spPr>
-                <a:xfrm rot="1274877">
-                  <a:off x="1462153" y="528945"/>
-                  <a:ext cx="943977" cy="246221"/>
-                </a:xfrm>
-                <a:prstGeom prst="rect">
-                  <a:avLst/>
-                </a:prstGeom>
-                <a:noFill/>
-              </p:spPr>
-              <p:txBody>
-                <a:bodyPr wrap="none" rtlCol="0">
-                  <a:spAutoFit/>
-                </a:bodyPr>
-                <a:lstStyle/>
-                <a:p>
-                  <a:pPr/>
-                  <a14:m>
-                    <m:oMathPara xmlns:m="http://schemas.openxmlformats.org/officeDocument/2006/math">
-                      <m:oMathParaPr>
-                        <m:jc m:val="centerGroup"/>
-                      </m:oMathParaPr>
-                      <m:oMath xmlns:m="http://schemas.openxmlformats.org/officeDocument/2006/math">
-                        <m:acc>
-                          <m:accPr>
-                            <m:chr m:val="⃗"/>
-                            <m:ctrlPr>
-                              <a:rPr lang="en-US" sz="1000" b="0" i="1" smtClean="0">
-                                <a:solidFill>
-                                  <a:srgbClr val="C00000"/>
-                                </a:solidFill>
-                                <a:latin typeface="Cambria Math" panose="02040503050406030204" pitchFamily="18" charset="0"/>
-                              </a:rPr>
-                            </m:ctrlPr>
-                          </m:accPr>
-                          <m:e>
-                            <m:r>
-                              <a:rPr lang="en-US" sz="1000" b="0" i="1" smtClean="0">
-                                <a:solidFill>
-                                  <a:srgbClr val="C00000"/>
-                                </a:solidFill>
-                                <a:latin typeface="Cambria Math" panose="02040503050406030204" pitchFamily="18" charset="0"/>
-                              </a:rPr>
-                              <m:t>𝛼</m:t>
-                            </m:r>
-                          </m:e>
-                        </m:acc>
-                        <m:r>
-                          <a:rPr lang="en-US" sz="1000" b="0" i="1" smtClean="0">
-                            <a:solidFill>
-                              <a:srgbClr val="C00000"/>
-                            </a:solidFill>
-                            <a:latin typeface="Cambria Math" panose="02040503050406030204" pitchFamily="18" charset="0"/>
-                          </a:rPr>
-                          <m:t>=</m:t>
-                        </m:r>
-                        <m:sSup>
-                          <m:sSupPr>
-                            <m:ctrlPr>
-                              <a:rPr lang="en-US" sz="1000" b="0" i="1" smtClean="0">
-                                <a:solidFill>
-                                  <a:srgbClr val="C00000"/>
-                                </a:solidFill>
-                                <a:latin typeface="Cambria Math" panose="02040503050406030204" pitchFamily="18" charset="0"/>
-                              </a:rPr>
-                            </m:ctrlPr>
-                          </m:sSupPr>
-                          <m:e>
-                            <m:d>
-                              <m:dPr>
-                                <m:begChr m:val="["/>
-                                <m:endChr m:val="]"/>
-                                <m:ctrlPr>
-                                  <a:rPr lang="en-US" sz="1000" b="0" i="1" smtClean="0">
-                                    <a:solidFill>
-                                      <a:srgbClr val="C00000"/>
-                                    </a:solidFill>
-                                    <a:latin typeface="Cambria Math" panose="02040503050406030204" pitchFamily="18" charset="0"/>
-                                  </a:rPr>
-                                </m:ctrlPr>
-                              </m:dPr>
-                              <m:e>
-                                <m:r>
-                                  <a:rPr lang="en-US" sz="1000" b="0" i="1" smtClean="0">
-                                    <a:solidFill>
-                                      <a:srgbClr val="C00000"/>
-                                    </a:solidFill>
-                                    <a:latin typeface="Cambria Math" panose="02040503050406030204" pitchFamily="18" charset="0"/>
-                                  </a:rPr>
-                                  <m:t>𝛼</m:t>
-                                </m:r>
-                                <m:r>
-                                  <a:rPr lang="en-US" sz="1000" b="0" i="1" smtClean="0">
-                                    <a:solidFill>
-                                      <a:srgbClr val="C00000"/>
-                                    </a:solidFill>
-                                    <a:latin typeface="Cambria Math" panose="02040503050406030204" pitchFamily="18" charset="0"/>
-                                  </a:rPr>
-                                  <m:t>, </m:t>
-                                </m:r>
-                                <m:r>
-                                  <a:rPr lang="en-US" sz="1000" b="0" i="1" smtClean="0">
-                                    <a:solidFill>
-                                      <a:srgbClr val="C00000"/>
-                                    </a:solidFill>
-                                    <a:latin typeface="Cambria Math" panose="02040503050406030204" pitchFamily="18" charset="0"/>
-                                  </a:rPr>
-                                  <m:t>𝛽</m:t>
-                                </m:r>
-                                <m:r>
-                                  <a:rPr lang="en-US" sz="1000" b="0" i="1" smtClean="0">
-                                    <a:solidFill>
-                                      <a:srgbClr val="C00000"/>
-                                    </a:solidFill>
-                                    <a:latin typeface="Cambria Math" panose="02040503050406030204" pitchFamily="18" charset="0"/>
-                                  </a:rPr>
-                                  <m:t>,</m:t>
-                                </m:r>
-                                <m:r>
-                                  <a:rPr lang="en-US" sz="1000" b="0" i="1" smtClean="0">
-                                    <a:solidFill>
-                                      <a:srgbClr val="C00000"/>
-                                    </a:solidFill>
-                                    <a:latin typeface="Cambria Math" panose="02040503050406030204" pitchFamily="18" charset="0"/>
-                                  </a:rPr>
-                                  <m:t>𝛾</m:t>
-                                </m:r>
-                              </m:e>
-                            </m:d>
-                          </m:e>
-                          <m:sup>
-                            <m:r>
-                              <a:rPr lang="en-US" sz="1000" b="0" i="1" smtClean="0">
-                                <a:solidFill>
-                                  <a:srgbClr val="C00000"/>
-                                </a:solidFill>
-                                <a:latin typeface="Cambria Math" panose="02040503050406030204" pitchFamily="18" charset="0"/>
-                              </a:rPr>
-                              <m:t>𝑇</m:t>
-                            </m:r>
-                          </m:sup>
-                        </m:sSup>
-                      </m:oMath>
-                    </m:oMathPara>
-                  </a14:m>
-                  <a:endParaRPr lang="en-US" sz="1000" dirty="0">
-                    <a:solidFill>
-                      <a:srgbClr val="C00000"/>
-                    </a:solidFill>
-                  </a:endParaRPr>
-                </a:p>
-              </p:txBody>
-            </p:sp>
-          </mc:Choice>
-          <mc:Fallback xmlns="">
-            <p:sp>
-              <p:nvSpPr>
-                <p:cNvPr id="162" name="TextBox 161"/>
-                <p:cNvSpPr txBox="1">
-                  <a:spLocks noRot="1" noChangeAspect="1" noMove="1" noResize="1" noEditPoints="1" noAdjustHandles="1" noChangeArrowheads="1" noChangeShapeType="1" noTextEdit="1"/>
-                </p:cNvSpPr>
-                <p:nvPr/>
-              </p:nvSpPr>
-              <p:spPr>
-                <a:xfrm rot="1274877">
-                  <a:off x="1462153" y="528945"/>
-                  <a:ext cx="943977" cy="246221"/>
-                </a:xfrm>
-                <a:prstGeom prst="rect">
-                  <a:avLst/>
-                </a:prstGeom>
-                <a:blipFill rotWithShape="0">
-                  <a:blip r:embed="rId5"/>
-                  <a:stretch>
-                    <a:fillRect/>
-                  </a:stretch>
-                </a:blipFill>
-              </p:spPr>
-              <p:txBody>
-                <a:bodyPr/>
-                <a:lstStyle/>
-                <a:p>
-                  <a:r>
-                    <a:rPr lang="en-US">
-                      <a:noFill/>
-                    </a:rPr>
-                    <a:t> </a:t>
-                  </a:r>
-                </a:p>
-              </p:txBody>
-            </p:sp>
-          </mc:Fallback>
-        </mc:AlternateContent>
-        <mc:AlternateContent xmlns:mc="http://schemas.openxmlformats.org/markup-compatibility/2006" xmlns:a14="http://schemas.microsoft.com/office/drawing/2010/main">
-          <mc:Choice Requires="a14">
-            <p:sp>
-              <p:nvSpPr>
-                <p:cNvPr id="163" name="TextBox 162"/>
-                <p:cNvSpPr txBox="1"/>
-                <p:nvPr/>
-              </p:nvSpPr>
-              <p:spPr>
-                <a:xfrm rot="1200637">
-                  <a:off x="3187989" y="1187555"/>
-                  <a:ext cx="1108958" cy="246221"/>
-                </a:xfrm>
-                <a:prstGeom prst="rect">
-                  <a:avLst/>
-                </a:prstGeom>
-                <a:noFill/>
-              </p:spPr>
-              <p:txBody>
-                <a:bodyPr wrap="none" rtlCol="0">
-                  <a:spAutoFit/>
-                </a:bodyPr>
-                <a:lstStyle>
-                  <a:defPPr>
-                    <a:defRPr lang="en-US"/>
-                  </a:defPPr>
-                  <a:lvl1pPr>
-                    <a:defRPr sz="1200" b="0" i="1">
-                      <a:solidFill>
-                        <a:srgbClr val="C00000"/>
-                      </a:solidFill>
-                      <a:latin typeface="Cambria Math" panose="02040503050406030204" pitchFamily="18" charset="0"/>
-                    </a:defRPr>
-                  </a:lvl1pPr>
-                </a:lstStyle>
-                <a:p>
-                  <a:pPr/>
-                  <a14:m>
-                    <m:oMathPara xmlns:m="http://schemas.openxmlformats.org/officeDocument/2006/math">
-                      <m:oMathParaPr>
-                        <m:jc m:val="centerGroup"/>
-                      </m:oMathParaPr>
-                      <m:oMath xmlns:m="http://schemas.openxmlformats.org/officeDocument/2006/math">
-                        <m:sSup>
-                          <m:sSupPr>
-                            <m:ctrlPr>
-                              <a:rPr lang="en-US" sz="1000" b="0" i="1" smtClean="0">
-                                <a:latin typeface="Cambria Math" panose="02040503050406030204" pitchFamily="18" charset="0"/>
-                              </a:rPr>
-                            </m:ctrlPr>
-                          </m:sSupPr>
-                          <m:e>
-                            <m:acc>
-                              <m:accPr>
-                                <m:chr m:val="⃗"/>
-                                <m:ctrlPr>
-                                  <a:rPr lang="en-US" sz="1000" i="1" smtClean="0">
-                                    <a:latin typeface="Cambria Math" panose="02040503050406030204" pitchFamily="18" charset="0"/>
-                                  </a:rPr>
-                                </m:ctrlPr>
-                              </m:accPr>
-                              <m:e>
-                                <m:r>
-                                  <a:rPr lang="en-US" sz="1000">
-                                    <a:latin typeface="Cambria Math" panose="02040503050406030204" pitchFamily="18" charset="0"/>
-                                  </a:rPr>
-                                  <m:t>𝛼</m:t>
-                                </m:r>
-                              </m:e>
-                            </m:acc>
-                          </m:e>
-                          <m:sup>
-                            <m:r>
-                              <a:rPr lang="en-US" sz="1000" b="0" i="1" smtClean="0">
-                                <a:latin typeface="Cambria Math" panose="02040503050406030204" pitchFamily="18" charset="0"/>
-                              </a:rPr>
-                              <m:t>′</m:t>
-                            </m:r>
-                          </m:sup>
-                        </m:sSup>
-                        <m:r>
-                          <a:rPr lang="en-US" sz="1000">
-                            <a:latin typeface="Cambria Math" panose="02040503050406030204" pitchFamily="18" charset="0"/>
-                          </a:rPr>
-                          <m:t>=</m:t>
-                        </m:r>
-                        <m:sSup>
-                          <m:sSupPr>
-                            <m:ctrlPr>
-                              <a:rPr lang="en-US" sz="1000" b="0" i="1" smtClean="0">
-                                <a:latin typeface="Cambria Math" panose="02040503050406030204" pitchFamily="18" charset="0"/>
-                              </a:rPr>
-                            </m:ctrlPr>
-                          </m:sSupPr>
-                          <m:e>
-                            <m:d>
-                              <m:dPr>
-                                <m:begChr m:val="["/>
-                                <m:endChr m:val="]"/>
-                                <m:ctrlPr>
-                                  <a:rPr lang="en-US" sz="1000" b="0" i="1" smtClean="0">
-                                    <a:latin typeface="Cambria Math" panose="02040503050406030204" pitchFamily="18" charset="0"/>
-                                  </a:rPr>
-                                </m:ctrlPr>
-                              </m:dPr>
-                              <m:e>
-                                <m:sSup>
-                                  <m:sSupPr>
-                                    <m:ctrlPr>
-                                      <a:rPr lang="en-US" sz="1000" i="1">
-                                        <a:latin typeface="Cambria Math" panose="02040503050406030204" pitchFamily="18" charset="0"/>
-                                      </a:rPr>
-                                    </m:ctrlPr>
-                                  </m:sSupPr>
-                                  <m:e>
-                                    <m:r>
-                                      <a:rPr lang="en-US" sz="1000">
-                                        <a:latin typeface="Cambria Math" panose="02040503050406030204" pitchFamily="18" charset="0"/>
-                                      </a:rPr>
-                                      <m:t>𝛼</m:t>
-                                    </m:r>
-                                  </m:e>
-                                  <m:sup>
-                                    <m:r>
-                                      <a:rPr lang="en-US" sz="1000" i="1">
-                                        <a:latin typeface="Cambria Math" panose="02040503050406030204" pitchFamily="18" charset="0"/>
-                                      </a:rPr>
-                                      <m:t>′</m:t>
-                                    </m:r>
-                                  </m:sup>
-                                </m:sSup>
-                                <m:r>
-                                  <a:rPr lang="en-US" sz="1000">
-                                    <a:latin typeface="Cambria Math" panose="02040503050406030204" pitchFamily="18" charset="0"/>
-                                  </a:rPr>
-                                  <m:t>, </m:t>
-                                </m:r>
-                                <m:sSup>
-                                  <m:sSupPr>
-                                    <m:ctrlPr>
-                                      <a:rPr lang="en-US" sz="1000" i="1">
-                                        <a:latin typeface="Cambria Math" panose="02040503050406030204" pitchFamily="18" charset="0"/>
-                                      </a:rPr>
-                                    </m:ctrlPr>
-                                  </m:sSupPr>
-                                  <m:e>
-                                    <m:r>
-                                      <a:rPr lang="en-US" sz="1000">
-                                        <a:latin typeface="Cambria Math" panose="02040503050406030204" pitchFamily="18" charset="0"/>
-                                      </a:rPr>
-                                      <m:t>𝛽</m:t>
-                                    </m:r>
-                                  </m:e>
-                                  <m:sup>
-                                    <m:r>
-                                      <a:rPr lang="en-US" sz="1000" i="1">
-                                        <a:latin typeface="Cambria Math" panose="02040503050406030204" pitchFamily="18" charset="0"/>
-                                      </a:rPr>
-                                      <m:t>′</m:t>
-                                    </m:r>
-                                  </m:sup>
-                                </m:sSup>
-                                <m:r>
-                                  <a:rPr lang="en-US" sz="1000">
-                                    <a:latin typeface="Cambria Math" panose="02040503050406030204" pitchFamily="18" charset="0"/>
-                                  </a:rPr>
-                                  <m:t>,</m:t>
-                                </m:r>
-                                <m:sSup>
-                                  <m:sSupPr>
-                                    <m:ctrlPr>
-                                      <a:rPr lang="en-US" sz="1000" i="1">
-                                        <a:latin typeface="Cambria Math" panose="02040503050406030204" pitchFamily="18" charset="0"/>
-                                      </a:rPr>
-                                    </m:ctrlPr>
-                                  </m:sSupPr>
-                                  <m:e>
-                                    <m:r>
-                                      <a:rPr lang="en-US" sz="1000">
-                                        <a:latin typeface="Cambria Math" panose="02040503050406030204" pitchFamily="18" charset="0"/>
-                                      </a:rPr>
-                                      <m:t>𝛾</m:t>
-                                    </m:r>
-                                  </m:e>
-                                  <m:sup>
-                                    <m:r>
-                                      <a:rPr lang="en-US" sz="1000" i="1">
-                                        <a:latin typeface="Cambria Math" panose="02040503050406030204" pitchFamily="18" charset="0"/>
-                                      </a:rPr>
-                                      <m:t>′</m:t>
-                                    </m:r>
-                                  </m:sup>
-                                </m:sSup>
-                              </m:e>
-                            </m:d>
-                          </m:e>
-                          <m:sup>
-                            <m:r>
-                              <a:rPr lang="en-US" sz="1000" b="0" i="1" smtClean="0">
-                                <a:latin typeface="Cambria Math" panose="02040503050406030204" pitchFamily="18" charset="0"/>
-                              </a:rPr>
-                              <m:t>𝑇</m:t>
-                            </m:r>
-                          </m:sup>
-                        </m:sSup>
-                      </m:oMath>
-                    </m:oMathPara>
-                  </a14:m>
-                  <a:endParaRPr lang="en-US" sz="1000" dirty="0"/>
-                </a:p>
-              </p:txBody>
-            </p:sp>
-          </mc:Choice>
-          <mc:Fallback xmlns="">
-            <p:sp>
-              <p:nvSpPr>
-                <p:cNvPr id="163" name="TextBox 162"/>
-                <p:cNvSpPr txBox="1">
-                  <a:spLocks noRot="1" noChangeAspect="1" noMove="1" noResize="1" noEditPoints="1" noAdjustHandles="1" noChangeArrowheads="1" noChangeShapeType="1" noTextEdit="1"/>
-                </p:cNvSpPr>
-                <p:nvPr/>
-              </p:nvSpPr>
-              <p:spPr>
-                <a:xfrm rot="1200637">
-                  <a:off x="3187989" y="1187555"/>
-                  <a:ext cx="1108958" cy="246221"/>
-                </a:xfrm>
-                <a:prstGeom prst="rect">
-                  <a:avLst/>
-                </a:prstGeom>
-                <a:blipFill rotWithShape="0">
-                  <a:blip r:embed="rId6"/>
-                  <a:stretch>
-                    <a:fillRect/>
-                  </a:stretch>
-                </a:blipFill>
-              </p:spPr>
-              <p:txBody>
-                <a:bodyPr/>
-                <a:lstStyle/>
-                <a:p>
-                  <a:r>
-                    <a:rPr lang="en-US">
-                      <a:noFill/>
-                    </a:rPr>
-                    <a:t> </a:t>
-                  </a:r>
-                </a:p>
-              </p:txBody>
-            </p:sp>
-          </mc:Fallback>
-        </mc:AlternateContent>
-        <p:sp>
-          <p:nvSpPr>
-            <p:cNvPr id="164" name="Oval 163"/>
-            <p:cNvSpPr>
-              <a:spLocks noChangeAspect="1"/>
-            </p:cNvSpPr>
-            <p:nvPr/>
-          </p:nvSpPr>
-          <p:spPr>
-            <a:xfrm>
-              <a:off x="489090" y="230934"/>
-              <a:ext cx="56010" cy="56010"/>
-            </a:xfrm>
-            <a:prstGeom prst="ellipse">
-              <a:avLst/>
-            </a:prstGeom>
-            <a:solidFill>
-              <a:schemeClr val="tx1">
-                <a:lumMod val="65000"/>
-                <a:lumOff val="35000"/>
-              </a:schemeClr>
-            </a:solidFill>
-            <a:ln>
-              <a:noFill/>
-            </a:ln>
-          </p:spPr>
-          <p:style>
-            <a:lnRef idx="2">
-              <a:schemeClr val="accent1">
-                <a:shade val="50000"/>
-              </a:schemeClr>
-            </a:lnRef>
-            <a:fillRef idx="1">
-              <a:schemeClr val="accent1"/>
-            </a:fillRef>
-            <a:effectRef idx="0">
-              <a:schemeClr val="accent1"/>
-            </a:effectRef>
-            <a:fontRef idx="minor">
-              <a:schemeClr val="lt1"/>
-            </a:fontRef>
-          </p:style>
-          <p:txBody>
-            <a:bodyPr rtlCol="0" anchor="ctr"/>
-            <a:lstStyle/>
-            <a:p>
-              <a:pPr algn="ctr"/>
-              <a:endParaRPr lang="en-US"/>
-            </a:p>
-          </p:txBody>
-        </p:sp>
-        <mc:AlternateContent xmlns:mc="http://schemas.openxmlformats.org/markup-compatibility/2006">
-          <mc:Choice xmlns:a14="http://schemas.microsoft.com/office/drawing/2010/main" Requires="a14">
-            <p:sp>
-              <p:nvSpPr>
-                <p:cNvPr id="165" name="TextBox 164"/>
-                <p:cNvSpPr txBox="1"/>
-                <p:nvPr/>
-              </p:nvSpPr>
-              <p:spPr>
-                <a:xfrm>
-                  <a:off x="325737" y="278573"/>
-                  <a:ext cx="815384" cy="497316"/>
-                </a:xfrm>
-                <a:prstGeom prst="rect">
-                  <a:avLst/>
-                </a:prstGeom>
-                <a:noFill/>
-              </p:spPr>
-              <p:txBody>
-                <a:bodyPr wrap="square" rtlCol="0">
-                  <a:spAutoFit/>
-                </a:bodyPr>
-                <a:lstStyle/>
-                <a:p>
-                  <a14:m>
-                    <m:oMath xmlns:m="http://schemas.openxmlformats.org/officeDocument/2006/math">
-                      <m:d>
-                        <m:dPr>
-                          <m:begChr m:val="["/>
-                          <m:endChr m:val="]"/>
-                          <m:ctrlPr>
-                            <a:rPr lang="en-US" sz="1000" b="0" i="1" smtClean="0">
-                              <a:solidFill>
-                                <a:schemeClr val="tx1">
-                                  <a:lumMod val="95000"/>
-                                  <a:lumOff val="5000"/>
-                                </a:schemeClr>
-                              </a:solidFill>
-                              <a:latin typeface="Cambria Math" panose="02040503050406030204" pitchFamily="18" charset="0"/>
-                            </a:rPr>
-                          </m:ctrlPr>
-                        </m:dPr>
-                        <m:e>
-                          <m:eqArr>
-                            <m:eqArrPr>
-                              <m:ctrlPr>
-                                <a:rPr lang="en-US" sz="1000" b="0" i="1" smtClean="0">
-                                  <a:solidFill>
-                                    <a:schemeClr val="tx1">
-                                      <a:lumMod val="95000"/>
-                                      <a:lumOff val="5000"/>
-                                    </a:schemeClr>
-                                  </a:solidFill>
-                                  <a:latin typeface="Cambria Math" panose="02040503050406030204" pitchFamily="18" charset="0"/>
-                                </a:rPr>
-                              </m:ctrlPr>
-                            </m:eqArrPr>
-                            <m:e>
-                              <m:r>
-                                <a:rPr lang="en-US" sz="1000" b="0" i="1" smtClean="0">
-                                  <a:solidFill>
-                                    <a:schemeClr val="tx1">
-                                      <a:lumMod val="95000"/>
-                                      <a:lumOff val="5000"/>
-                                    </a:schemeClr>
-                                  </a:solidFill>
-                                  <a:latin typeface="Cambria Math" panose="02040503050406030204" pitchFamily="18" charset="0"/>
-                                </a:rPr>
-                                <m:t>𝑋</m:t>
-                              </m:r>
-                              <m:r>
-                                <a:rPr lang="en-US" sz="1000" b="0" i="1" smtClean="0">
-                                  <a:solidFill>
-                                    <a:schemeClr val="tx1">
-                                      <a:lumMod val="95000"/>
-                                      <a:lumOff val="5000"/>
-                                    </a:schemeClr>
-                                  </a:solidFill>
-                                  <a:latin typeface="Cambria Math" panose="02040503050406030204" pitchFamily="18" charset="0"/>
-                                </a:rPr>
-                                <m:t> </m:t>
-                              </m:r>
-                            </m:e>
-                            <m:e>
-                              <m:r>
-                                <a:rPr lang="en-US" sz="1000" b="0" i="1" smtClean="0">
-                                  <a:solidFill>
-                                    <a:schemeClr val="tx1">
-                                      <a:lumMod val="95000"/>
-                                      <a:lumOff val="5000"/>
-                                    </a:schemeClr>
-                                  </a:solidFill>
-                                  <a:latin typeface="Cambria Math" panose="02040503050406030204" pitchFamily="18" charset="0"/>
-                                </a:rPr>
-                                <m:t>𝑌</m:t>
-                              </m:r>
-                            </m:e>
-                            <m:e>
-                              <m:r>
-                                <a:rPr lang="en-US" sz="1000" b="0" i="1" smtClean="0">
-                                  <a:solidFill>
-                                    <a:schemeClr val="tx1">
-                                      <a:lumMod val="95000"/>
-                                      <a:lumOff val="5000"/>
-                                    </a:schemeClr>
-                                  </a:solidFill>
-                                  <a:latin typeface="Cambria Math" panose="02040503050406030204" pitchFamily="18" charset="0"/>
-                                </a:rPr>
-                                <m:t>𝑍</m:t>
-                              </m:r>
-                            </m:e>
-                          </m:eqArr>
-                        </m:e>
-                      </m:d>
-                    </m:oMath>
-                  </a14:m>
-                  <a:r>
-                    <a:rPr lang="en-US" sz="1000" dirty="0" smtClean="0">
-                      <a:solidFill>
-                        <a:schemeClr val="tx1">
-                          <a:lumMod val="95000"/>
-                          <a:lumOff val="5000"/>
-                        </a:schemeClr>
-                      </a:solidFill>
-                    </a:rPr>
-                    <a:t> = </a:t>
-                  </a:r>
-                  <a14:m>
-                    <m:oMath xmlns:m="http://schemas.openxmlformats.org/officeDocument/2006/math">
-                      <m:acc>
-                        <m:accPr>
-                          <m:chr m:val="⃗"/>
-                          <m:ctrlPr>
-                            <a:rPr lang="en-US" sz="1000" b="0" i="1" smtClean="0">
-                              <a:solidFill>
-                                <a:schemeClr val="tx1">
-                                  <a:lumMod val="95000"/>
-                                  <a:lumOff val="5000"/>
-                                </a:schemeClr>
-                              </a:solidFill>
-                              <a:latin typeface="Cambria Math" panose="02040503050406030204" pitchFamily="18" charset="0"/>
-                            </a:rPr>
-                          </m:ctrlPr>
-                        </m:accPr>
-                        <m:e>
-                          <m:r>
-                            <a:rPr lang="en-US" sz="1000" b="0" i="1" smtClean="0">
-                              <a:solidFill>
-                                <a:schemeClr val="tx1">
-                                  <a:lumMod val="95000"/>
-                                  <a:lumOff val="5000"/>
-                                </a:schemeClr>
-                              </a:solidFill>
-                              <a:latin typeface="Cambria Math" panose="02040503050406030204" pitchFamily="18" charset="0"/>
-                            </a:rPr>
-                            <m:t>𝑋</m:t>
-                          </m:r>
-                        </m:e>
-                      </m:acc>
-                    </m:oMath>
-                  </a14:m>
-                  <a:endParaRPr lang="en-US" sz="1000" dirty="0">
-                    <a:solidFill>
-                      <a:schemeClr val="tx1">
-                        <a:lumMod val="95000"/>
-                        <a:lumOff val="5000"/>
-                      </a:schemeClr>
-                    </a:solidFill>
-                  </a:endParaRPr>
-                </a:p>
-              </p:txBody>
-            </p:sp>
-          </mc:Choice>
-          <mc:Fallback>
-            <p:sp>
-              <p:nvSpPr>
-                <p:cNvPr id="165" name="TextBox 164"/>
-                <p:cNvSpPr txBox="1">
-                  <a:spLocks noRot="1" noChangeAspect="1" noMove="1" noResize="1" noEditPoints="1" noAdjustHandles="1" noChangeArrowheads="1" noChangeShapeType="1" noTextEdit="1"/>
-                </p:cNvSpPr>
-                <p:nvPr/>
-              </p:nvSpPr>
-              <p:spPr>
-                <a:xfrm>
-                  <a:off x="325737" y="278573"/>
-                  <a:ext cx="815384" cy="497316"/>
-                </a:xfrm>
-                <a:prstGeom prst="rect">
-                  <a:avLst/>
-                </a:prstGeom>
-                <a:blipFill rotWithShape="0">
-                  <a:blip r:embed="rId7"/>
-                  <a:stretch>
-                    <a:fillRect/>
-                  </a:stretch>
-                </a:blipFill>
-              </p:spPr>
-              <p:txBody>
-                <a:bodyPr/>
-                <a:lstStyle/>
-                <a:p>
-                  <a:r>
-                    <a:rPr lang="en-US">
-                      <a:noFill/>
-                    </a:rPr>
-                    <a:t> </a:t>
-                  </a:r>
-                </a:p>
-              </p:txBody>
-            </p:sp>
-          </mc:Fallback>
-        </mc:AlternateContent>
-        <p:sp>
-          <p:nvSpPr>
-            <p:cNvPr id="166" name="Oval 165"/>
-            <p:cNvSpPr>
-              <a:spLocks noChangeAspect="1"/>
-            </p:cNvSpPr>
-            <p:nvPr/>
-          </p:nvSpPr>
-          <p:spPr>
-            <a:xfrm>
-              <a:off x="4589223" y="1454887"/>
-              <a:ext cx="56010" cy="56010"/>
-            </a:xfrm>
-            <a:prstGeom prst="ellipse">
-              <a:avLst/>
-            </a:prstGeom>
-            <a:solidFill>
-              <a:schemeClr val="tx1">
-                <a:lumMod val="65000"/>
-                <a:lumOff val="35000"/>
-              </a:schemeClr>
-            </a:solidFill>
-            <a:ln>
-              <a:noFill/>
-            </a:ln>
-          </p:spPr>
-          <p:style>
-            <a:lnRef idx="2">
-              <a:schemeClr val="accent1">
-                <a:shade val="50000"/>
-              </a:schemeClr>
-            </a:lnRef>
-            <a:fillRef idx="1">
-              <a:schemeClr val="accent1"/>
-            </a:fillRef>
-            <a:effectRef idx="0">
-              <a:schemeClr val="accent1"/>
-            </a:effectRef>
-            <a:fontRef idx="minor">
-              <a:schemeClr val="lt1"/>
-            </a:fontRef>
-          </p:style>
-          <p:txBody>
-            <a:bodyPr rtlCol="0" anchor="ctr"/>
-            <a:lstStyle/>
-            <a:p>
-              <a:pPr algn="ctr"/>
-              <a:endParaRPr lang="en-US"/>
-            </a:p>
-          </p:txBody>
-        </p:sp>
-        <mc:AlternateContent xmlns:mc="http://schemas.openxmlformats.org/markup-compatibility/2006" xmlns:a14="http://schemas.microsoft.com/office/drawing/2010/main">
-          <mc:Choice Requires="a14">
-            <p:sp>
-              <p:nvSpPr>
-                <p:cNvPr id="167" name="TextBox 166"/>
-                <p:cNvSpPr txBox="1"/>
-                <p:nvPr/>
-              </p:nvSpPr>
-              <p:spPr>
-                <a:xfrm>
-                  <a:off x="4025462" y="983633"/>
-                  <a:ext cx="979225" cy="624797"/>
-                </a:xfrm>
-                <a:prstGeom prst="rect">
-                  <a:avLst/>
-                </a:prstGeom>
-                <a:noFill/>
-              </p:spPr>
-              <p:txBody>
-                <a:bodyPr wrap="square" rtlCol="0">
-                  <a:spAutoFit/>
-                </a:bodyPr>
-                <a:lstStyle/>
-                <a:p>
-                  <a:pPr/>
-                  <a14:m>
-                    <m:oMathPara xmlns:m="http://schemas.openxmlformats.org/officeDocument/2006/math">
-                      <m:oMathParaPr>
-                        <m:jc m:val="centerGroup"/>
-                      </m:oMathParaPr>
-                      <m:oMath xmlns:m="http://schemas.openxmlformats.org/officeDocument/2006/math">
-                        <m:acc>
-                          <m:accPr>
-                            <m:chr m:val="⃗"/>
-                            <m:ctrlPr>
-                              <a:rPr lang="en-US" sz="1000" b="0" i="1" smtClean="0">
-                                <a:solidFill>
-                                  <a:schemeClr val="tx1">
-                                    <a:lumMod val="95000"/>
-                                    <a:lumOff val="5000"/>
-                                  </a:schemeClr>
-                                </a:solidFill>
-                                <a:latin typeface="Cambria Math" panose="02040503050406030204" pitchFamily="18" charset="0"/>
-                              </a:rPr>
-                            </m:ctrlPr>
-                          </m:accPr>
-                          <m:e>
-                            <m:r>
-                              <a:rPr lang="en-US" sz="1000" b="0" i="1" smtClean="0">
-                                <a:solidFill>
-                                  <a:schemeClr val="tx1">
-                                    <a:lumMod val="95000"/>
-                                    <a:lumOff val="5000"/>
-                                  </a:schemeClr>
-                                </a:solidFill>
-                                <a:latin typeface="Cambria Math" panose="02040503050406030204" pitchFamily="18" charset="0"/>
-                              </a:rPr>
-                              <m:t>𝑋</m:t>
-                            </m:r>
-                          </m:e>
-                        </m:acc>
-                        <m:r>
-                          <a:rPr lang="en-US" sz="1000" b="0" i="1" smtClean="0">
-                            <a:solidFill>
-                              <a:schemeClr val="tx1">
-                                <a:lumMod val="95000"/>
-                                <a:lumOff val="5000"/>
-                              </a:schemeClr>
-                            </a:solidFill>
-                            <a:latin typeface="Cambria Math" panose="02040503050406030204" pitchFamily="18" charset="0"/>
-                          </a:rPr>
-                          <m:t>′=</m:t>
-                        </m:r>
-                        <m:d>
-                          <m:dPr>
-                            <m:begChr m:val="["/>
-                            <m:endChr m:val="]"/>
-                            <m:ctrlPr>
-                              <a:rPr lang="en-US" sz="1000" b="0" i="1" smtClean="0">
-                                <a:solidFill>
-                                  <a:schemeClr val="tx1">
-                                    <a:lumMod val="95000"/>
-                                    <a:lumOff val="5000"/>
-                                  </a:schemeClr>
-                                </a:solidFill>
-                                <a:latin typeface="Cambria Math" panose="02040503050406030204" pitchFamily="18" charset="0"/>
-                              </a:rPr>
-                            </m:ctrlPr>
-                          </m:dPr>
-                          <m:e>
-                            <m:eqArr>
-                              <m:eqArrPr>
-                                <m:ctrlPr>
-                                  <a:rPr lang="en-US" sz="1000" b="0" i="1" smtClean="0">
-                                    <a:solidFill>
-                                      <a:schemeClr val="tx1">
-                                        <a:lumMod val="95000"/>
-                                        <a:lumOff val="5000"/>
-                                      </a:schemeClr>
-                                    </a:solidFill>
-                                    <a:latin typeface="Cambria Math" panose="02040503050406030204" pitchFamily="18" charset="0"/>
-                                  </a:rPr>
-                                </m:ctrlPr>
-                              </m:eqArrPr>
-                              <m:e>
-                                <m:r>
-                                  <a:rPr lang="en-US" sz="1000" b="0" i="1" smtClean="0">
-                                    <a:solidFill>
-                                      <a:schemeClr val="tx1">
-                                        <a:lumMod val="95000"/>
-                                        <a:lumOff val="5000"/>
-                                      </a:schemeClr>
-                                    </a:solidFill>
-                                    <a:latin typeface="Cambria Math" panose="02040503050406030204" pitchFamily="18" charset="0"/>
-                                  </a:rPr>
-                                  <m:t>𝑋</m:t>
-                                </m:r>
-                                <m:r>
-                                  <a:rPr lang="en-US" sz="1000" b="0" i="1" smtClean="0">
-                                    <a:solidFill>
-                                      <a:schemeClr val="tx1">
-                                        <a:lumMod val="95000"/>
-                                        <a:lumOff val="5000"/>
-                                      </a:schemeClr>
-                                    </a:solidFill>
-                                    <a:latin typeface="Cambria Math" panose="02040503050406030204" pitchFamily="18" charset="0"/>
-                                  </a:rPr>
-                                  <m:t>′ </m:t>
-                                </m:r>
-                              </m:e>
-                              <m:e>
-                                <m:r>
-                                  <a:rPr lang="en-US" sz="1000" b="0" i="1" smtClean="0">
-                                    <a:solidFill>
-                                      <a:schemeClr val="tx1">
-                                        <a:lumMod val="95000"/>
-                                        <a:lumOff val="5000"/>
-                                      </a:schemeClr>
-                                    </a:solidFill>
-                                    <a:latin typeface="Cambria Math" panose="02040503050406030204" pitchFamily="18" charset="0"/>
-                                  </a:rPr>
-                                  <m:t>𝑌</m:t>
-                                </m:r>
-                                <m:r>
-                                  <a:rPr lang="en-US" sz="1000" b="0" i="1" smtClean="0">
-                                    <a:solidFill>
-                                      <a:schemeClr val="tx1">
-                                        <a:lumMod val="95000"/>
-                                        <a:lumOff val="5000"/>
-                                      </a:schemeClr>
-                                    </a:solidFill>
-                                    <a:latin typeface="Cambria Math" panose="02040503050406030204" pitchFamily="18" charset="0"/>
-                                  </a:rPr>
-                                  <m:t>′</m:t>
-                                </m:r>
-                              </m:e>
-                              <m:e>
-                                <m:r>
-                                  <a:rPr lang="en-US" sz="1000" b="0" i="1" smtClean="0">
-                                    <a:solidFill>
-                                      <a:schemeClr val="tx1">
-                                        <a:lumMod val="95000"/>
-                                        <a:lumOff val="5000"/>
-                                      </a:schemeClr>
-                                    </a:solidFill>
-                                    <a:latin typeface="Cambria Math" panose="02040503050406030204" pitchFamily="18" charset="0"/>
-                                  </a:rPr>
-                                  <m:t>𝑍</m:t>
-                                </m:r>
-                                <m:r>
-                                  <a:rPr lang="en-US" sz="1000" b="0" i="1" smtClean="0">
-                                    <a:solidFill>
-                                      <a:schemeClr val="tx1">
-                                        <a:lumMod val="95000"/>
-                                        <a:lumOff val="5000"/>
-                                      </a:schemeClr>
-                                    </a:solidFill>
-                                    <a:latin typeface="Cambria Math" panose="02040503050406030204" pitchFamily="18" charset="0"/>
-                                  </a:rPr>
-                                  <m:t>′</m:t>
-                                </m:r>
-                              </m:e>
-                            </m:eqArr>
-                          </m:e>
-                        </m:d>
-                      </m:oMath>
-                    </m:oMathPara>
-                  </a14:m>
-                  <a:endParaRPr lang="en-US" sz="1000" dirty="0">
-                    <a:solidFill>
-                      <a:schemeClr val="tx1">
-                        <a:lumMod val="95000"/>
-                        <a:lumOff val="5000"/>
-                      </a:schemeClr>
-                    </a:solidFill>
-                  </a:endParaRPr>
-                </a:p>
-              </p:txBody>
-            </p:sp>
-          </mc:Choice>
-          <mc:Fallback xmlns="">
-            <p:sp>
-              <p:nvSpPr>
-                <p:cNvPr id="167" name="TextBox 166"/>
-                <p:cNvSpPr txBox="1">
-                  <a:spLocks noRot="1" noChangeAspect="1" noMove="1" noResize="1" noEditPoints="1" noAdjustHandles="1" noChangeArrowheads="1" noChangeShapeType="1" noTextEdit="1"/>
-                </p:cNvSpPr>
-                <p:nvPr/>
-              </p:nvSpPr>
-              <p:spPr>
-                <a:xfrm>
-                  <a:off x="4025462" y="983633"/>
-                  <a:ext cx="979225" cy="624797"/>
-                </a:xfrm>
-                <a:prstGeom prst="rect">
-                  <a:avLst/>
-                </a:prstGeom>
-                <a:blipFill rotWithShape="0">
-                  <a:blip r:embed="rId8"/>
-                  <a:stretch>
-                    <a:fillRect/>
-                  </a:stretch>
-                </a:blipFill>
-              </p:spPr>
-              <p:txBody>
-                <a:bodyPr/>
-                <a:lstStyle/>
-                <a:p>
-                  <a:r>
-                    <a:rPr lang="en-US">
-                      <a:noFill/>
-                    </a:rPr>
-                    <a:t> </a:t>
-                  </a:r>
-                </a:p>
-              </p:txBody>
-            </p:sp>
-          </mc:Fallback>
-        </mc:AlternateContent>
-        <p:sp>
-          <p:nvSpPr>
-            <p:cNvPr id="169" name="TextBox 168"/>
-            <p:cNvSpPr txBox="1"/>
-            <p:nvPr/>
-          </p:nvSpPr>
-          <p:spPr>
-            <a:xfrm>
-              <a:off x="4169434" y="241540"/>
-              <a:ext cx="554960" cy="215444"/>
-            </a:xfrm>
-            <a:prstGeom prst="rect">
-              <a:avLst/>
-            </a:prstGeom>
-            <a:noFill/>
-          </p:spPr>
-          <p:txBody>
-            <a:bodyPr wrap="none" rtlCol="0">
-              <a:spAutoFit/>
-            </a:bodyPr>
-            <a:lstStyle/>
-            <a:p>
-              <a:r>
-                <a:rPr lang="en-US" sz="800" dirty="0" smtClean="0"/>
-                <a:t>Chief ray</a:t>
-              </a:r>
-              <a:endParaRPr lang="en-US" sz="800" dirty="0"/>
-            </a:p>
-          </p:txBody>
-        </p:sp>
-        <p:cxnSp>
-          <p:nvCxnSpPr>
-            <p:cNvPr id="174" name="Straight Connector 173"/>
-            <p:cNvCxnSpPr/>
-            <p:nvPr/>
-          </p:nvCxnSpPr>
-          <p:spPr>
-            <a:xfrm>
-              <a:off x="3939396" y="350441"/>
-              <a:ext cx="256032" cy="0"/>
-            </a:xfrm>
-            <a:prstGeom prst="line">
-              <a:avLst/>
-            </a:prstGeom>
-            <a:ln>
-              <a:solidFill>
-                <a:srgbClr val="FF0000"/>
-              </a:solidFill>
-            </a:ln>
-          </p:spPr>
-          <p:style>
-            <a:lnRef idx="1">
-              <a:schemeClr val="accent1"/>
-            </a:lnRef>
-            <a:fillRef idx="0">
-              <a:schemeClr val="accent1"/>
-            </a:fillRef>
-            <a:effectRef idx="0">
-              <a:schemeClr val="accent1"/>
-            </a:effectRef>
-            <a:fontRef idx="minor">
-              <a:schemeClr val="tx1"/>
-            </a:fontRef>
-          </p:style>
-        </p:cxnSp>
-        <p:sp>
-          <p:nvSpPr>
-            <p:cNvPr id="175" name="Isosceles Triangle 174"/>
-            <p:cNvSpPr/>
-            <p:nvPr/>
-          </p:nvSpPr>
-          <p:spPr>
-            <a:xfrm rot="5400000">
-              <a:off x="4044552" y="327581"/>
-              <a:ext cx="45720" cy="45720"/>
-            </a:xfrm>
-            <a:prstGeom prst="triangle">
-              <a:avLst/>
-            </a:prstGeom>
-            <a:solidFill>
-              <a:schemeClr val="bg1"/>
-            </a:solidFill>
-            <a:ln w="6350">
-              <a:solidFill>
-                <a:srgbClr val="FF0000"/>
-              </a:solidFill>
-            </a:ln>
-          </p:spPr>
-          <p:style>
-            <a:lnRef idx="2">
-              <a:schemeClr val="accent1">
-                <a:shade val="50000"/>
-              </a:schemeClr>
-            </a:lnRef>
-            <a:fillRef idx="1">
-              <a:schemeClr val="accent1"/>
-            </a:fillRef>
-            <a:effectRef idx="0">
-              <a:schemeClr val="accent1"/>
-            </a:effectRef>
-            <a:fontRef idx="minor">
-              <a:schemeClr val="lt1"/>
-            </a:fontRef>
-          </p:style>
-          <p:txBody>
-            <a:bodyPr rtlCol="0" anchor="ctr"/>
-            <a:lstStyle/>
-            <a:p>
-              <a:pPr algn="ctr"/>
-              <a:endParaRPr lang="en-US">
-                <a:ln w="0"/>
-                <a:solidFill>
-                  <a:schemeClr val="accent1"/>
-                </a:solidFill>
-                <a:effectLst>
-                  <a:outerShdw blurRad="38100" dist="25400" dir="5400000" algn="ctr" rotWithShape="0">
-                    <a:srgbClr val="6E747A">
-                      <a:alpha val="43000"/>
-                    </a:srgbClr>
-                  </a:outerShdw>
-                </a:effectLst>
-              </a:endParaRPr>
-            </a:p>
-          </p:txBody>
-        </p:sp>
-        <p:sp>
-          <p:nvSpPr>
-            <p:cNvPr id="176" name="Rectangle 175"/>
-            <p:cNvSpPr/>
-            <p:nvPr/>
-          </p:nvSpPr>
-          <p:spPr>
-            <a:xfrm>
-              <a:off x="3847381" y="253043"/>
-              <a:ext cx="885645" cy="195532"/>
-            </a:xfrm>
-            <a:prstGeom prst="rect">
-              <a:avLst/>
-            </a:prstGeom>
-            <a:noFill/>
-            <a:ln w="6350">
-              <a:solidFill>
-                <a:schemeClr val="tx1">
-                  <a:lumMod val="50000"/>
-                  <a:lumOff val="50000"/>
-                </a:schemeClr>
-              </a:solidFill>
-            </a:ln>
-          </p:spPr>
-          <p:style>
-            <a:lnRef idx="2">
-              <a:schemeClr val="accent1">
-                <a:shade val="50000"/>
-              </a:schemeClr>
-            </a:lnRef>
-            <a:fillRef idx="1">
-              <a:schemeClr val="accent1"/>
-            </a:fillRef>
-            <a:effectRef idx="0">
-              <a:schemeClr val="accent1"/>
-            </a:effectRef>
-            <a:fontRef idx="minor">
-              <a:schemeClr val="lt1"/>
-            </a:fontRef>
-          </p:style>
-          <p:txBody>
-            <a:bodyPr rtlCol="0" anchor="ctr"/>
-            <a:lstStyle/>
-            <a:p>
-              <a:pPr algn="ctr"/>
-              <a:endParaRPr lang="en-US"/>
-            </a:p>
-          </p:txBody>
-        </p:sp>
-      </p:grpSp>
-      <p:pic>
-        <p:nvPicPr>
-          <p:cNvPr id="6" name="Picture 5"/>
-          <p:cNvPicPr>
-            <a:picLocks noChangeAspect="1"/>
-          </p:cNvPicPr>
-          <p:nvPr/>
-        </p:nvPicPr>
-        <p:blipFill>
-          <a:blip r:embed="rId9"/>
-          <a:stretch>
-            <a:fillRect/>
-          </a:stretch>
-        </p:blipFill>
-        <p:spPr>
-          <a:xfrm>
-            <a:off x="374698" y="3160713"/>
-            <a:ext cx="4737003" cy="1450974"/>
-          </a:xfrm>
-          <a:prstGeom prst="rect">
-            <a:avLst/>
-          </a:prstGeom>
-        </p:spPr>
-      </p:pic>
-    </p:spTree>
-    <p:extLst>
-      <p:ext uri="{BB962C8B-B14F-4D97-AF65-F5344CB8AC3E}">
-        <p14:creationId xmlns:p14="http://schemas.microsoft.com/office/powerpoint/2010/main" val="2211630637"/>
-      </p:ext>
-    </p:extLst>
-  </p:cSld>
-  <p:clrMapOvr>
-    <a:masterClrMapping/>
-  </p:clrMapOvr>
-</p:sld>
-</file>
-
-<file path=ppt/slides/slide3.xml><?xml version="1.0" encoding="utf-8"?>
-<p:sld xmlns:a="http://schemas.openxmlformats.org/drawingml/2006/main" xmlns:r="http://schemas.openxmlformats.org/officeDocument/2006/relationships" xmlns:p="http://schemas.openxmlformats.org/presentationml/2006/main">
-  <p:cSld>
-    <p:spTree>
-      <p:nvGrpSpPr>
-        <p:cNvPr id="1" name=""/>
-        <p:cNvGrpSpPr/>
-        <p:nvPr/>
-      </p:nvGrpSpPr>
-      <p:grpSpPr>
-        <a:xfrm>
-          <a:off x="0" y="0"/>
-          <a:ext cx="0" cy="0"/>
-          <a:chOff x="0" y="0"/>
-          <a:chExt cx="0" cy="0"/>
-        </a:xfrm>
-      </p:grpSpPr>
-      <p:grpSp>
-        <p:nvGrpSpPr>
-          <p:cNvPr id="33" name="Group 32"/>
-          <p:cNvGrpSpPr/>
-          <p:nvPr/>
-        </p:nvGrpSpPr>
-        <p:grpSpPr>
-          <a:xfrm>
-            <a:off x="36576" y="41148"/>
-            <a:ext cx="5352159" cy="2121408"/>
-            <a:chOff x="-9144" y="-32004"/>
-            <a:chExt cx="5352159" cy="2121408"/>
-          </a:xfrm>
-        </p:grpSpPr>
-        <p:sp>
-          <p:nvSpPr>
-            <p:cNvPr id="137" name="Rectangle 136"/>
-            <p:cNvSpPr/>
-            <p:nvPr/>
-          </p:nvSpPr>
-          <p:spPr>
-            <a:xfrm>
-              <a:off x="50292" y="-32004"/>
-              <a:ext cx="5225796" cy="2121408"/>
-            </a:xfrm>
-            <a:prstGeom prst="rect">
-              <a:avLst/>
-            </a:prstGeom>
-            <a:solidFill>
-              <a:schemeClr val="bg1"/>
-            </a:solidFill>
-            <a:ln>
-              <a:noFill/>
-            </a:ln>
-          </p:spPr>
-          <p:style>
-            <a:lnRef idx="2">
-              <a:schemeClr val="accent1">
-                <a:shade val="50000"/>
-              </a:schemeClr>
-            </a:lnRef>
-            <a:fillRef idx="1">
-              <a:schemeClr val="accent1"/>
-            </a:fillRef>
-            <a:effectRef idx="0">
-              <a:schemeClr val="accent1"/>
-            </a:effectRef>
-            <a:fontRef idx="minor">
-              <a:schemeClr val="lt1"/>
-            </a:fontRef>
-          </p:style>
-          <p:txBody>
-            <a:bodyPr rtlCol="0" anchor="ctr"/>
-            <a:lstStyle/>
-            <a:p>
-              <a:pPr algn="ctr"/>
-              <a:endParaRPr lang="en-US"/>
-            </a:p>
-          </p:txBody>
-        </p:sp>
-        <p:cxnSp>
-          <p:nvCxnSpPr>
-            <p:cNvPr id="111" name="Straight Connector 110"/>
-            <p:cNvCxnSpPr/>
-            <p:nvPr/>
-          </p:nvCxnSpPr>
-          <p:spPr>
-            <a:xfrm>
-              <a:off x="2446020" y="96012"/>
-              <a:ext cx="260604" cy="1650492"/>
-            </a:xfrm>
-            <a:prstGeom prst="line">
-              <a:avLst/>
-            </a:prstGeom>
-            <a:ln w="6350">
-              <a:solidFill>
-                <a:schemeClr val="tx1">
-                  <a:lumMod val="65000"/>
-                  <a:lumOff val="35000"/>
-                </a:schemeClr>
-              </a:solidFill>
-              <a:prstDash val="dash"/>
-              <a:headEnd type="none" w="med" len="med"/>
-              <a:tailEnd type="none" w="med" len="med"/>
-            </a:ln>
-          </p:spPr>
-          <p:style>
-            <a:lnRef idx="1">
-              <a:schemeClr val="accent1"/>
-            </a:lnRef>
-            <a:fillRef idx="0">
-              <a:schemeClr val="accent1"/>
-            </a:fillRef>
-            <a:effectRef idx="0">
-              <a:schemeClr val="accent1"/>
-            </a:effectRef>
-            <a:fontRef idx="minor">
-              <a:schemeClr val="tx1"/>
-            </a:fontRef>
-          </p:style>
-        </p:cxnSp>
-        <p:grpSp>
-          <p:nvGrpSpPr>
-            <p:cNvPr id="10" name="Group 9"/>
-            <p:cNvGrpSpPr>
-              <a:grpSpLocks noChangeAspect="1"/>
-            </p:cNvGrpSpPr>
-            <p:nvPr/>
-          </p:nvGrpSpPr>
-          <p:grpSpPr>
-            <a:xfrm rot="-540000">
-              <a:off x="2544081" y="315958"/>
-              <a:ext cx="1281111" cy="640080"/>
-              <a:chOff x="1880616" y="2310384"/>
-              <a:chExt cx="1281111" cy="640080"/>
-            </a:xfrm>
-          </p:grpSpPr>
-          <p:cxnSp>
-            <p:nvCxnSpPr>
-              <p:cNvPr id="41" name="Straight Arrow Connector 40"/>
-              <p:cNvCxnSpPr/>
-              <p:nvPr/>
-            </p:nvCxnSpPr>
-            <p:spPr>
-              <a:xfrm flipV="1">
-                <a:off x="1880616" y="2310384"/>
-                <a:ext cx="0" cy="640080"/>
-              </a:xfrm>
-              <a:prstGeom prst="straightConnector1">
-                <a:avLst/>
-              </a:prstGeom>
-              <a:ln w="9525">
-                <a:solidFill>
-                  <a:srgbClr val="00B050"/>
-                </a:solidFill>
-                <a:prstDash val="sysDot"/>
-                <a:headEnd type="none" w="med" len="med"/>
-                <a:tailEnd type="triangle" w="sm" len="lg"/>
-              </a:ln>
-            </p:spPr>
-            <p:style>
-              <a:lnRef idx="1">
-                <a:schemeClr val="accent1"/>
-              </a:lnRef>
-              <a:fillRef idx="0">
-                <a:schemeClr val="accent1"/>
-              </a:fillRef>
-              <a:effectRef idx="0">
-                <a:schemeClr val="accent1"/>
-              </a:effectRef>
-              <a:fontRef idx="minor">
-                <a:schemeClr val="tx1"/>
-              </a:fontRef>
-            </p:style>
-          </p:cxnSp>
-          <p:cxnSp>
-            <p:nvCxnSpPr>
-              <p:cNvPr id="42" name="Straight Arrow Connector 41"/>
-              <p:cNvCxnSpPr/>
-              <p:nvPr/>
-            </p:nvCxnSpPr>
-            <p:spPr>
-              <a:xfrm rot="5400000" flipV="1">
-                <a:off x="2521647" y="2299028"/>
-                <a:ext cx="0" cy="1280160"/>
-              </a:xfrm>
-              <a:prstGeom prst="straightConnector1">
-                <a:avLst/>
-              </a:prstGeom>
-              <a:ln w="9525">
-                <a:solidFill>
-                  <a:srgbClr val="1C87FC"/>
-                </a:solidFill>
-                <a:prstDash val="sysDot"/>
-                <a:headEnd type="none" w="med" len="med"/>
-                <a:tailEnd type="triangle" w="sm" len="lg"/>
-              </a:ln>
-            </p:spPr>
-            <p:style>
-              <a:lnRef idx="1">
-                <a:schemeClr val="accent1"/>
-              </a:lnRef>
-              <a:fillRef idx="0">
-                <a:schemeClr val="accent1"/>
-              </a:fillRef>
-              <a:effectRef idx="0">
-                <a:schemeClr val="accent1"/>
-              </a:effectRef>
-              <a:fontRef idx="minor">
-                <a:schemeClr val="tx1"/>
-              </a:fontRef>
-            </p:style>
-          </p:cxnSp>
-        </p:grpSp>
-        <p:cxnSp>
-          <p:nvCxnSpPr>
-            <p:cNvPr id="8" name="Straight Arrow Connector 7"/>
-            <p:cNvCxnSpPr/>
-            <p:nvPr/>
-          </p:nvCxnSpPr>
-          <p:spPr>
-            <a:xfrm flipV="1">
-              <a:off x="2601468" y="406908"/>
-              <a:ext cx="0" cy="640080"/>
-            </a:xfrm>
-            <a:prstGeom prst="straightConnector1">
-              <a:avLst/>
-            </a:prstGeom>
-            <a:ln w="9525">
-              <a:solidFill>
-                <a:srgbClr val="00B050"/>
-              </a:solidFill>
-              <a:prstDash val="sysDot"/>
-              <a:headEnd type="none" w="med" len="med"/>
-              <a:tailEnd type="triangle" w="sm" len="lg"/>
-            </a:ln>
-          </p:spPr>
-          <p:style>
-            <a:lnRef idx="1">
-              <a:schemeClr val="accent1"/>
-            </a:lnRef>
-            <a:fillRef idx="0">
-              <a:schemeClr val="accent1"/>
-            </a:fillRef>
-            <a:effectRef idx="0">
-              <a:schemeClr val="accent1"/>
-            </a:effectRef>
-            <a:fontRef idx="minor">
-              <a:schemeClr val="tx1"/>
-            </a:fontRef>
-          </p:style>
-        </p:cxnSp>
-        <p:cxnSp>
-          <p:nvCxnSpPr>
-            <p:cNvPr id="36" name="Straight Connector 35"/>
-            <p:cNvCxnSpPr/>
-            <p:nvPr/>
-          </p:nvCxnSpPr>
-          <p:spPr>
-            <a:xfrm>
-              <a:off x="472156" y="1045853"/>
-              <a:ext cx="4663440" cy="0"/>
-            </a:xfrm>
-            <a:prstGeom prst="line">
-              <a:avLst/>
-            </a:prstGeom>
-            <a:ln w="9525">
-              <a:solidFill>
-                <a:srgbClr val="1C87FC"/>
-              </a:solidFill>
-              <a:prstDash val="sysDot"/>
-              <a:headEnd type="none" w="med" len="med"/>
-              <a:tailEnd type="triangle" w="sm" len="lg"/>
-            </a:ln>
-          </p:spPr>
-          <p:style>
-            <a:lnRef idx="1">
-              <a:schemeClr val="accent1"/>
-            </a:lnRef>
-            <a:fillRef idx="0">
-              <a:schemeClr val="accent1"/>
-            </a:fillRef>
-            <a:effectRef idx="0">
-              <a:schemeClr val="accent1"/>
-            </a:effectRef>
-            <a:fontRef idx="minor">
-              <a:schemeClr val="tx1"/>
-            </a:fontRef>
-          </p:style>
-        </p:cxnSp>
-        <p:pic>
-          <p:nvPicPr>
-            <p:cNvPr id="4" name="Picture 3"/>
-            <p:cNvPicPr>
-              <a:picLocks noChangeAspect="1"/>
-            </p:cNvPicPr>
-            <p:nvPr/>
-          </p:nvPicPr>
-          <p:blipFill>
-            <a:blip r:embed="rId2"/>
-            <a:stretch>
-              <a:fillRect/>
-            </a:stretch>
-          </p:blipFill>
-          <p:spPr>
-            <a:xfrm>
-              <a:off x="75826" y="1502062"/>
-              <a:ext cx="443831" cy="347472"/>
-            </a:xfrm>
-            <a:prstGeom prst="rect">
-              <a:avLst/>
-            </a:prstGeom>
-          </p:spPr>
-        </p:pic>
-        <p:cxnSp>
-          <p:nvCxnSpPr>
-            <p:cNvPr id="74" name="Straight Connector 73"/>
-            <p:cNvCxnSpPr/>
-            <p:nvPr/>
-          </p:nvCxnSpPr>
-          <p:spPr>
-            <a:xfrm rot="21060000">
-              <a:off x="498930" y="1032454"/>
-              <a:ext cx="4297680" cy="0"/>
-            </a:xfrm>
-            <a:prstGeom prst="line">
-              <a:avLst/>
-            </a:prstGeom>
-            <a:ln w="9525">
-              <a:solidFill>
-                <a:schemeClr val="tx1">
-                  <a:lumMod val="65000"/>
-                  <a:lumOff val="35000"/>
-                </a:schemeClr>
-              </a:solidFill>
-              <a:prstDash val="dash"/>
-              <a:headEnd type="none" w="med" len="med"/>
-              <a:tailEnd type="none" w="med" len="med"/>
-            </a:ln>
-          </p:spPr>
-          <p:style>
-            <a:lnRef idx="1">
-              <a:schemeClr val="accent1"/>
-            </a:lnRef>
-            <a:fillRef idx="0">
-              <a:schemeClr val="accent1"/>
-            </a:fillRef>
-            <a:effectRef idx="0">
-              <a:schemeClr val="accent1"/>
-            </a:effectRef>
-            <a:fontRef idx="minor">
-              <a:schemeClr val="tx1"/>
-            </a:fontRef>
-          </p:style>
-        </p:cxnSp>
-        <p:sp>
-          <p:nvSpPr>
-            <p:cNvPr id="89" name="Text Box 15"/>
-            <p:cNvSpPr txBox="1"/>
-            <p:nvPr/>
-          </p:nvSpPr>
-          <p:spPr>
-            <a:xfrm flipH="1">
-              <a:off x="2504291" y="809876"/>
-              <a:ext cx="594488" cy="273894"/>
-            </a:xfrm>
-            <a:prstGeom prst="rect">
-              <a:avLst/>
-            </a:prstGeom>
-            <a:noFill/>
-            <a:ln w="6350">
-              <a:noFill/>
-            </a:ln>
-            <a:effectLst/>
-          </p:spPr>
-          <p:style>
-            <a:lnRef idx="0">
-              <a:schemeClr val="accent1"/>
-            </a:lnRef>
-            <a:fillRef idx="0">
-              <a:schemeClr val="accent1"/>
-            </a:fillRef>
-            <a:effectRef idx="0">
-              <a:schemeClr val="accent1"/>
-            </a:effectRef>
-            <a:fontRef idx="minor">
-              <a:schemeClr val="dk1"/>
-            </a:fontRef>
-          </p:style>
-          <p:txBody>
-            <a:bodyPr rot="0" spcFirstLastPara="0" vert="horz" wrap="square" lIns="91440" tIns="45720" rIns="91440" bIns="45720" numCol="1" spcCol="0" rtlCol="0" fromWordArt="0" anchor="t" anchorCtr="0" forceAA="0" compatLnSpc="1">
-              <a:prstTxWarp prst="textNoShape">
-                <a:avLst/>
-              </a:prstTxWarp>
-              <a:noAutofit/>
-            </a:bodyPr>
-            <a:lstStyle/>
-            <a:p>
-              <a:pPr marL="0" marR="0">
-                <a:lnSpc>
-                  <a:spcPct val="115000"/>
-                </a:lnSpc>
-                <a:spcBef>
-                  <a:spcPts val="0"/>
-                </a:spcBef>
-                <a:spcAft>
-                  <a:spcPts val="0"/>
-                </a:spcAft>
-              </a:pPr>
-              <a:r>
-                <a:rPr lang="en-US" sz="900" dirty="0" smtClean="0">
-                  <a:effectLst/>
-                  <a:ea typeface="Calibri"/>
-                  <a:cs typeface="Times New Roman"/>
-                </a:rPr>
-                <a:t>ENP</a:t>
-              </a:r>
-              <a:endParaRPr lang="en-US" sz="900" dirty="0">
-                <a:effectLst/>
-                <a:ea typeface="Calibri"/>
-                <a:cs typeface="Times New Roman"/>
-              </a:endParaRPr>
-            </a:p>
-          </p:txBody>
-        </p:sp>
-        <p:sp>
-          <p:nvSpPr>
-            <p:cNvPr id="107" name="Oval 106"/>
-            <p:cNvSpPr/>
-            <p:nvPr/>
-          </p:nvSpPr>
-          <p:spPr>
-            <a:xfrm>
-              <a:off x="2579988" y="1018164"/>
-              <a:ext cx="56010" cy="56010"/>
-            </a:xfrm>
-            <a:prstGeom prst="ellipse">
-              <a:avLst/>
-            </a:prstGeom>
-            <a:solidFill>
-              <a:schemeClr val="tx1"/>
-            </a:solidFill>
-            <a:ln>
-              <a:noFill/>
-            </a:ln>
-          </p:spPr>
-          <p:style>
-            <a:lnRef idx="2">
-              <a:schemeClr val="accent1">
-                <a:shade val="50000"/>
-              </a:schemeClr>
-            </a:lnRef>
-            <a:fillRef idx="1">
-              <a:schemeClr val="accent1"/>
-            </a:fillRef>
-            <a:effectRef idx="0">
-              <a:schemeClr val="accent1"/>
-            </a:effectRef>
-            <a:fontRef idx="minor">
-              <a:schemeClr val="lt1"/>
-            </a:fontRef>
-          </p:style>
-          <p:txBody>
-            <a:bodyPr rtlCol="0" anchor="ctr"/>
-            <a:lstStyle/>
-            <a:p>
-              <a:pPr algn="ctr"/>
-              <a:endParaRPr lang="en-US"/>
-            </a:p>
-          </p:txBody>
-        </p:sp>
-        <p:sp>
-          <p:nvSpPr>
-            <p:cNvPr id="110" name="Oval 109"/>
-            <p:cNvSpPr/>
-            <p:nvPr/>
-          </p:nvSpPr>
-          <p:spPr>
-            <a:xfrm flipH="1">
-              <a:off x="2576143" y="1015295"/>
-              <a:ext cx="56009" cy="56010"/>
-            </a:xfrm>
-            <a:prstGeom prst="ellipse">
-              <a:avLst/>
-            </a:prstGeom>
-            <a:solidFill>
-              <a:srgbClr val="CC0000">
-                <a:alpha val="0"/>
-              </a:srgbClr>
-            </a:solidFill>
-            <a:ln>
-              <a:solidFill>
-                <a:srgbClr val="CC0000"/>
-              </a:solidFill>
-            </a:ln>
-          </p:spPr>
-          <p:style>
-            <a:lnRef idx="2">
-              <a:schemeClr val="accent1">
-                <a:shade val="50000"/>
-              </a:schemeClr>
-            </a:lnRef>
-            <a:fillRef idx="1">
-              <a:schemeClr val="accent1"/>
-            </a:fillRef>
-            <a:effectRef idx="0">
-              <a:schemeClr val="accent1"/>
-            </a:effectRef>
-            <a:fontRef idx="minor">
-              <a:schemeClr val="lt1"/>
-            </a:fontRef>
-          </p:style>
-          <p:txBody>
-            <a:bodyPr rtlCol="0" anchor="ctr"/>
-            <a:lstStyle/>
-            <a:p>
-              <a:pPr algn="ctr"/>
-              <a:endParaRPr lang="en-US"/>
-            </a:p>
-          </p:txBody>
-        </p:sp>
-        <p:sp>
-          <p:nvSpPr>
-            <p:cNvPr id="112" name="Text Box 15"/>
-            <p:cNvSpPr txBox="1"/>
-            <p:nvPr/>
-          </p:nvSpPr>
-          <p:spPr>
-            <a:xfrm flipH="1">
-              <a:off x="3025110" y="719303"/>
+              <a:off x="3048676" y="742868"/>
               <a:ext cx="594488" cy="273894"/>
             </a:xfrm>
             <a:prstGeom prst="rect">
@@ -8388,7 +6573,7 @@
               </p:nvSpPr>
               <p:spPr>
                 <a:xfrm>
-                  <a:off x="3347717" y="856744"/>
+                  <a:off x="3366569" y="847318"/>
                   <a:ext cx="436354" cy="320490"/>
                 </a:xfrm>
                 <a:prstGeom prst="rect">
@@ -8440,7 +6625,7 @@
               </p:nvSpPr>
               <p:spPr>
                 <a:xfrm>
-                  <a:off x="3347717" y="856744"/>
+                  <a:off x="3366569" y="847318"/>
                   <a:ext cx="436354" cy="320490"/>
                 </a:xfrm>
                 <a:prstGeom prst="rect">
@@ -8487,7 +6672,7 @@
                 <a:gd name="adj2" fmla="val 12024373"/>
               </a:avLst>
             </a:prstGeom>
-            <a:ln w="6350">
+            <a:ln w="7620">
               <a:solidFill>
                 <a:schemeClr val="tx1">
                   <a:lumMod val="75000"/>
@@ -8495,7 +6680,7 @@
                 </a:schemeClr>
               </a:solidFill>
               <a:headEnd type="none" w="sm" len="sm"/>
-              <a:tailEnd type="none" w="sm" len="sm"/>
+              <a:tailEnd type="arrow" w="sm" len="sm"/>
             </a:ln>
           </p:spPr>
           <p:style>
@@ -8531,22 +6716,23 @@
           </p:nvSpPr>
           <p:spPr>
             <a:xfrm>
-              <a:off x="2898495" y="683508"/>
+              <a:off x="2931486" y="683508"/>
               <a:ext cx="548640" cy="548640"/>
             </a:xfrm>
             <a:prstGeom prst="arc">
               <a:avLst>
                 <a:gd name="adj1" fmla="val 20947419"/>
-                <a:gd name="adj2" fmla="val 1428451"/>
+                <a:gd name="adj2" fmla="val 1532707"/>
               </a:avLst>
             </a:prstGeom>
-            <a:ln w="6350">
+            <a:ln w="7620">
               <a:solidFill>
                 <a:schemeClr val="tx1">
                   <a:lumMod val="75000"/>
                   <a:lumOff val="25000"/>
                 </a:schemeClr>
               </a:solidFill>
+              <a:tailEnd type="arrow" w="sm" len="sm"/>
             </a:ln>
           </p:spPr>
           <p:style>
@@ -8580,8 +6766,8 @@
           </p:nvSpPr>
           <p:spPr>
             <a:xfrm rot="21077016">
-              <a:off x="681585" y="1118319"/>
-              <a:ext cx="909626" cy="263933"/>
+              <a:off x="799607" y="1121980"/>
+              <a:ext cx="673582" cy="200055"/>
             </a:xfrm>
             <a:prstGeom prst="rect">
               <a:avLst/>
@@ -8595,10 +6781,10 @@
             <a:lstStyle/>
             <a:p>
               <a:r>
-                <a:rPr lang="en-US" sz="800" i="1" dirty="0" smtClean="0"/>
+                <a:rPr lang="en-US" sz="700" i="1" dirty="0" smtClean="0"/>
                 <a:t>OPTICAL AXIS</a:t>
               </a:r>
-              <a:endParaRPr lang="en-US" sz="800" i="1" dirty="0"/>
+              <a:endParaRPr lang="en-US" sz="700" i="1" dirty="0"/>
             </a:p>
           </p:txBody>
         </p:sp>
@@ -9116,7 +7302,3152 @@
               </p:nvSpPr>
               <p:spPr>
                 <a:xfrm>
-                  <a:off x="-9144" y="0"/>
+                  <a:off x="325737" y="278573"/>
+                  <a:ext cx="815384" cy="497316"/>
+                </a:xfrm>
+                <a:prstGeom prst="rect">
+                  <a:avLst/>
+                </a:prstGeom>
+                <a:noFill/>
+              </p:spPr>
+              <p:txBody>
+                <a:bodyPr wrap="square" rtlCol="0">
+                  <a:spAutoFit/>
+                </a:bodyPr>
+                <a:lstStyle/>
+                <a:p>
+                  <a14:m>
+                    <m:oMath xmlns:m="http://schemas.openxmlformats.org/officeDocument/2006/math">
+                      <m:d>
+                        <m:dPr>
+                          <m:begChr m:val="["/>
+                          <m:endChr m:val="]"/>
+                          <m:ctrlPr>
+                            <a:rPr lang="en-US" sz="1000" b="0" i="1" smtClean="0">
+                              <a:solidFill>
+                                <a:schemeClr val="tx1">
+                                  <a:lumMod val="95000"/>
+                                  <a:lumOff val="5000"/>
+                                </a:schemeClr>
+                              </a:solidFill>
+                              <a:latin typeface="Cambria Math" panose="02040503050406030204" pitchFamily="18" charset="0"/>
+                            </a:rPr>
+                          </m:ctrlPr>
+                        </m:dPr>
+                        <m:e>
+                          <m:eqArr>
+                            <m:eqArrPr>
+                              <m:ctrlPr>
+                                <a:rPr lang="en-US" sz="1000" b="0" i="1" smtClean="0">
+                                  <a:solidFill>
+                                    <a:schemeClr val="tx1">
+                                      <a:lumMod val="95000"/>
+                                      <a:lumOff val="5000"/>
+                                    </a:schemeClr>
+                                  </a:solidFill>
+                                  <a:latin typeface="Cambria Math" panose="02040503050406030204" pitchFamily="18" charset="0"/>
+                                </a:rPr>
+                              </m:ctrlPr>
+                            </m:eqArrPr>
+                            <m:e>
+                              <m:r>
+                                <a:rPr lang="en-US" sz="1000" b="0" i="1" smtClean="0">
+                                  <a:solidFill>
+                                    <a:schemeClr val="tx1">
+                                      <a:lumMod val="95000"/>
+                                      <a:lumOff val="5000"/>
+                                    </a:schemeClr>
+                                  </a:solidFill>
+                                  <a:latin typeface="Cambria Math" panose="02040503050406030204" pitchFamily="18" charset="0"/>
+                                </a:rPr>
+                                <m:t>𝑋</m:t>
+                              </m:r>
+                              <m:r>
+                                <a:rPr lang="en-US" sz="1000" b="0" i="1" smtClean="0">
+                                  <a:solidFill>
+                                    <a:schemeClr val="tx1">
+                                      <a:lumMod val="95000"/>
+                                      <a:lumOff val="5000"/>
+                                    </a:schemeClr>
+                                  </a:solidFill>
+                                  <a:latin typeface="Cambria Math" panose="02040503050406030204" pitchFamily="18" charset="0"/>
+                                </a:rPr>
+                                <m:t> </m:t>
+                              </m:r>
+                            </m:e>
+                            <m:e>
+                              <m:r>
+                                <a:rPr lang="en-US" sz="1000" b="0" i="1" smtClean="0">
+                                  <a:solidFill>
+                                    <a:schemeClr val="tx1">
+                                      <a:lumMod val="95000"/>
+                                      <a:lumOff val="5000"/>
+                                    </a:schemeClr>
+                                  </a:solidFill>
+                                  <a:latin typeface="Cambria Math" panose="02040503050406030204" pitchFamily="18" charset="0"/>
+                                </a:rPr>
+                                <m:t>𝑌</m:t>
+                              </m:r>
+                            </m:e>
+                            <m:e>
+                              <m:r>
+                                <a:rPr lang="en-US" sz="1000" b="0" i="1" smtClean="0">
+                                  <a:solidFill>
+                                    <a:schemeClr val="tx1">
+                                      <a:lumMod val="95000"/>
+                                      <a:lumOff val="5000"/>
+                                    </a:schemeClr>
+                                  </a:solidFill>
+                                  <a:latin typeface="Cambria Math" panose="02040503050406030204" pitchFamily="18" charset="0"/>
+                                </a:rPr>
+                                <m:t>𝑍</m:t>
+                              </m:r>
+                            </m:e>
+                          </m:eqArr>
+                        </m:e>
+                      </m:d>
+                    </m:oMath>
+                  </a14:m>
+                  <a:r>
+                    <a:rPr lang="en-US" sz="1000" dirty="0" smtClean="0">
+                      <a:solidFill>
+                        <a:schemeClr val="tx1">
+                          <a:lumMod val="95000"/>
+                          <a:lumOff val="5000"/>
+                        </a:schemeClr>
+                      </a:solidFill>
+                    </a:rPr>
+                    <a:t> </a:t>
+                  </a:r>
+                  <a14:m>
+                    <m:oMath xmlns:m="http://schemas.openxmlformats.org/officeDocument/2006/math">
+                      <m:r>
+                        <a:rPr lang="en-US" sz="1000" i="1" dirty="0" smtClean="0">
+                          <a:solidFill>
+                            <a:schemeClr val="tx1">
+                              <a:lumMod val="95000"/>
+                              <a:lumOff val="5000"/>
+                            </a:schemeClr>
+                          </a:solidFill>
+                          <a:latin typeface="Cambria Math" panose="02040503050406030204" pitchFamily="18" charset="0"/>
+                        </a:rPr>
+                        <m:t>=</m:t>
+                      </m:r>
+                    </m:oMath>
+                  </a14:m>
+                  <a:r>
+                    <a:rPr lang="en-US" sz="1000" dirty="0" smtClean="0">
+                      <a:solidFill>
+                        <a:schemeClr val="tx1">
+                          <a:lumMod val="95000"/>
+                          <a:lumOff val="5000"/>
+                        </a:schemeClr>
+                      </a:solidFill>
+                    </a:rPr>
+                    <a:t> </a:t>
+                  </a:r>
+                  <a14:m>
+                    <m:oMath xmlns:m="http://schemas.openxmlformats.org/officeDocument/2006/math">
+                      <m:acc>
+                        <m:accPr>
+                          <m:chr m:val="⃗"/>
+                          <m:ctrlPr>
+                            <a:rPr lang="en-US" sz="1000" b="0" i="1" smtClean="0">
+                              <a:solidFill>
+                                <a:schemeClr val="tx1">
+                                  <a:lumMod val="95000"/>
+                                  <a:lumOff val="5000"/>
+                                </a:schemeClr>
+                              </a:solidFill>
+                              <a:latin typeface="Cambria Math" panose="02040503050406030204" pitchFamily="18" charset="0"/>
+                            </a:rPr>
+                          </m:ctrlPr>
+                        </m:accPr>
+                        <m:e>
+                          <m:r>
+                            <a:rPr lang="en-US" sz="1000" b="0" i="1" smtClean="0">
+                              <a:solidFill>
+                                <a:schemeClr val="tx1">
+                                  <a:lumMod val="95000"/>
+                                  <a:lumOff val="5000"/>
+                                </a:schemeClr>
+                              </a:solidFill>
+                              <a:latin typeface="Cambria Math" panose="02040503050406030204" pitchFamily="18" charset="0"/>
+                            </a:rPr>
+                            <m:t>𝑋</m:t>
+                          </m:r>
+                        </m:e>
+                      </m:acc>
+                    </m:oMath>
+                  </a14:m>
+                  <a:endParaRPr lang="en-US" sz="1000" dirty="0">
+                    <a:solidFill>
+                      <a:schemeClr val="tx1">
+                        <a:lumMod val="95000"/>
+                        <a:lumOff val="5000"/>
+                      </a:schemeClr>
+                    </a:solidFill>
+                  </a:endParaRPr>
+                </a:p>
+              </p:txBody>
+            </p:sp>
+          </mc:Choice>
+          <mc:Fallback>
+            <p:sp>
+              <p:nvSpPr>
+                <p:cNvPr id="165" name="TextBox 164"/>
+                <p:cNvSpPr txBox="1">
+                  <a:spLocks noRot="1" noChangeAspect="1" noMove="1" noResize="1" noEditPoints="1" noAdjustHandles="1" noChangeArrowheads="1" noChangeShapeType="1" noTextEdit="1"/>
+                </p:cNvSpPr>
+                <p:nvPr/>
+              </p:nvSpPr>
+              <p:spPr>
+                <a:xfrm>
+                  <a:off x="325737" y="278573"/>
+                  <a:ext cx="815384" cy="497316"/>
+                </a:xfrm>
+                <a:prstGeom prst="rect">
+                  <a:avLst/>
+                </a:prstGeom>
+                <a:blipFill rotWithShape="0">
+                  <a:blip r:embed="rId7"/>
+                  <a:stretch>
+                    <a:fillRect/>
+                  </a:stretch>
+                </a:blipFill>
+              </p:spPr>
+              <p:txBody>
+                <a:bodyPr/>
+                <a:lstStyle/>
+                <a:p>
+                  <a:r>
+                    <a:rPr lang="en-US">
+                      <a:noFill/>
+                    </a:rPr>
+                    <a:t> </a:t>
+                  </a:r>
+                </a:p>
+              </p:txBody>
+            </p:sp>
+          </mc:Fallback>
+        </mc:AlternateContent>
+        <p:sp>
+          <p:nvSpPr>
+            <p:cNvPr id="166" name="Oval 165"/>
+            <p:cNvSpPr>
+              <a:spLocks noChangeAspect="1"/>
+            </p:cNvSpPr>
+            <p:nvPr/>
+          </p:nvSpPr>
+          <p:spPr>
+            <a:xfrm>
+              <a:off x="4589223" y="1454887"/>
+              <a:ext cx="56010" cy="56010"/>
+            </a:xfrm>
+            <a:prstGeom prst="ellipse">
+              <a:avLst/>
+            </a:prstGeom>
+            <a:solidFill>
+              <a:schemeClr val="tx1">
+                <a:lumMod val="65000"/>
+                <a:lumOff val="35000"/>
+              </a:schemeClr>
+            </a:solidFill>
+            <a:ln>
+              <a:noFill/>
+            </a:ln>
+          </p:spPr>
+          <p:style>
+            <a:lnRef idx="2">
+              <a:schemeClr val="accent1">
+                <a:shade val="50000"/>
+              </a:schemeClr>
+            </a:lnRef>
+            <a:fillRef idx="1">
+              <a:schemeClr val="accent1"/>
+            </a:fillRef>
+            <a:effectRef idx="0">
+              <a:schemeClr val="accent1"/>
+            </a:effectRef>
+            <a:fontRef idx="minor">
+              <a:schemeClr val="lt1"/>
+            </a:fontRef>
+          </p:style>
+          <p:txBody>
+            <a:bodyPr rtlCol="0" anchor="ctr"/>
+            <a:lstStyle/>
+            <a:p>
+              <a:pPr algn="ctr"/>
+              <a:endParaRPr lang="en-US"/>
+            </a:p>
+          </p:txBody>
+        </p:sp>
+        <mc:AlternateContent xmlns:mc="http://schemas.openxmlformats.org/markup-compatibility/2006">
+          <mc:Choice xmlns:a14="http://schemas.microsoft.com/office/drawing/2010/main" Requires="a14">
+            <p:sp>
+              <p:nvSpPr>
+                <p:cNvPr id="167" name="TextBox 166"/>
+                <p:cNvSpPr txBox="1"/>
+                <p:nvPr/>
+              </p:nvSpPr>
+              <p:spPr>
+                <a:xfrm>
+                  <a:off x="4025462" y="983633"/>
+                  <a:ext cx="979225" cy="624797"/>
+                </a:xfrm>
+                <a:prstGeom prst="rect">
+                  <a:avLst/>
+                </a:prstGeom>
+                <a:noFill/>
+              </p:spPr>
+              <p:txBody>
+                <a:bodyPr wrap="square" rtlCol="0">
+                  <a:spAutoFit/>
+                </a:bodyPr>
+                <a:lstStyle/>
+                <a:p>
+                  <a:pPr/>
+                  <a14:m>
+                    <m:oMathPara xmlns:m="http://schemas.openxmlformats.org/officeDocument/2006/math">
+                      <m:oMathParaPr>
+                        <m:jc m:val="centerGroup"/>
+                      </m:oMathParaPr>
+                      <m:oMath xmlns:m="http://schemas.openxmlformats.org/officeDocument/2006/math">
+                        <m:acc>
+                          <m:accPr>
+                            <m:chr m:val="⃗"/>
+                            <m:ctrlPr>
+                              <a:rPr lang="en-US" sz="1000" b="0" i="1" smtClean="0">
+                                <a:solidFill>
+                                  <a:schemeClr val="tx1">
+                                    <a:lumMod val="95000"/>
+                                    <a:lumOff val="5000"/>
+                                  </a:schemeClr>
+                                </a:solidFill>
+                                <a:latin typeface="Cambria Math" panose="02040503050406030204" pitchFamily="18" charset="0"/>
+                              </a:rPr>
+                            </m:ctrlPr>
+                          </m:accPr>
+                          <m:e>
+                            <m:r>
+                              <a:rPr lang="en-US" sz="1000" b="0" i="1" smtClean="0">
+                                <a:solidFill>
+                                  <a:schemeClr val="tx1">
+                                    <a:lumMod val="95000"/>
+                                    <a:lumOff val="5000"/>
+                                  </a:schemeClr>
+                                </a:solidFill>
+                                <a:latin typeface="Cambria Math" panose="02040503050406030204" pitchFamily="18" charset="0"/>
+                              </a:rPr>
+                              <m:t>𝑋</m:t>
+                            </m:r>
+                          </m:e>
+                        </m:acc>
+                        <m:r>
+                          <a:rPr lang="en-US" sz="1000" b="0" i="1" smtClean="0">
+                            <a:solidFill>
+                              <a:schemeClr val="tx1">
+                                <a:lumMod val="95000"/>
+                                <a:lumOff val="5000"/>
+                              </a:schemeClr>
+                            </a:solidFill>
+                            <a:latin typeface="Cambria Math" panose="02040503050406030204" pitchFamily="18" charset="0"/>
+                          </a:rPr>
+                          <m:t>′=</m:t>
+                        </m:r>
+                        <m:d>
+                          <m:dPr>
+                            <m:begChr m:val="["/>
+                            <m:endChr m:val="]"/>
+                            <m:ctrlPr>
+                              <a:rPr lang="en-US" sz="1000" b="0" i="1" smtClean="0">
+                                <a:solidFill>
+                                  <a:schemeClr val="tx1">
+                                    <a:lumMod val="95000"/>
+                                    <a:lumOff val="5000"/>
+                                  </a:schemeClr>
+                                </a:solidFill>
+                                <a:latin typeface="Cambria Math" panose="02040503050406030204" pitchFamily="18" charset="0"/>
+                              </a:rPr>
+                            </m:ctrlPr>
+                          </m:dPr>
+                          <m:e>
+                            <m:eqArr>
+                              <m:eqArrPr>
+                                <m:ctrlPr>
+                                  <a:rPr lang="en-US" sz="1000" b="0" i="1" smtClean="0">
+                                    <a:solidFill>
+                                      <a:schemeClr val="tx1">
+                                        <a:lumMod val="95000"/>
+                                        <a:lumOff val="5000"/>
+                                      </a:schemeClr>
+                                    </a:solidFill>
+                                    <a:latin typeface="Cambria Math" panose="02040503050406030204" pitchFamily="18" charset="0"/>
+                                  </a:rPr>
+                                </m:ctrlPr>
+                              </m:eqArrPr>
+                              <m:e>
+                                <m:r>
+                                  <a:rPr lang="en-US" sz="1000" b="0" i="1" smtClean="0">
+                                    <a:solidFill>
+                                      <a:schemeClr val="tx1">
+                                        <a:lumMod val="95000"/>
+                                        <a:lumOff val="5000"/>
+                                      </a:schemeClr>
+                                    </a:solidFill>
+                                    <a:latin typeface="Cambria Math" panose="02040503050406030204" pitchFamily="18" charset="0"/>
+                                  </a:rPr>
+                                  <m:t>𝑋</m:t>
+                                </m:r>
+                                <m:r>
+                                  <a:rPr lang="en-US" sz="1000" b="0" i="1" smtClean="0">
+                                    <a:solidFill>
+                                      <a:schemeClr val="tx1">
+                                        <a:lumMod val="95000"/>
+                                        <a:lumOff val="5000"/>
+                                      </a:schemeClr>
+                                    </a:solidFill>
+                                    <a:latin typeface="Cambria Math" panose="02040503050406030204" pitchFamily="18" charset="0"/>
+                                  </a:rPr>
+                                  <m:t>′ </m:t>
+                                </m:r>
+                              </m:e>
+                              <m:e>
+                                <m:r>
+                                  <a:rPr lang="en-US" sz="1000" b="0" i="1" smtClean="0">
+                                    <a:solidFill>
+                                      <a:schemeClr val="tx1">
+                                        <a:lumMod val="95000"/>
+                                        <a:lumOff val="5000"/>
+                                      </a:schemeClr>
+                                    </a:solidFill>
+                                    <a:latin typeface="Cambria Math" panose="02040503050406030204" pitchFamily="18" charset="0"/>
+                                  </a:rPr>
+                                  <m:t>𝑌</m:t>
+                                </m:r>
+                                <m:r>
+                                  <a:rPr lang="en-US" sz="1000" b="0" i="1" smtClean="0">
+                                    <a:solidFill>
+                                      <a:schemeClr val="tx1">
+                                        <a:lumMod val="95000"/>
+                                        <a:lumOff val="5000"/>
+                                      </a:schemeClr>
+                                    </a:solidFill>
+                                    <a:latin typeface="Cambria Math" panose="02040503050406030204" pitchFamily="18" charset="0"/>
+                                  </a:rPr>
+                                  <m:t>′</m:t>
+                                </m:r>
+                              </m:e>
+                              <m:e>
+                                <m:r>
+                                  <a:rPr lang="en-US" sz="1000" b="0" i="1" smtClean="0">
+                                    <a:solidFill>
+                                      <a:schemeClr val="tx1">
+                                        <a:lumMod val="95000"/>
+                                        <a:lumOff val="5000"/>
+                                      </a:schemeClr>
+                                    </a:solidFill>
+                                    <a:latin typeface="Cambria Math" panose="02040503050406030204" pitchFamily="18" charset="0"/>
+                                  </a:rPr>
+                                  <m:t>𝑍</m:t>
+                                </m:r>
+                                <m:r>
+                                  <a:rPr lang="en-US" sz="1000" b="0" i="1" smtClean="0">
+                                    <a:solidFill>
+                                      <a:schemeClr val="tx1">
+                                        <a:lumMod val="95000"/>
+                                        <a:lumOff val="5000"/>
+                                      </a:schemeClr>
+                                    </a:solidFill>
+                                    <a:latin typeface="Cambria Math" panose="02040503050406030204" pitchFamily="18" charset="0"/>
+                                  </a:rPr>
+                                  <m:t>′</m:t>
+                                </m:r>
+                              </m:e>
+                            </m:eqArr>
+                          </m:e>
+                        </m:d>
+                      </m:oMath>
+                    </m:oMathPara>
+                  </a14:m>
+                  <a:endParaRPr lang="en-US" sz="1000" dirty="0">
+                    <a:solidFill>
+                      <a:schemeClr val="tx1">
+                        <a:lumMod val="95000"/>
+                        <a:lumOff val="5000"/>
+                      </a:schemeClr>
+                    </a:solidFill>
+                  </a:endParaRPr>
+                </a:p>
+              </p:txBody>
+            </p:sp>
+          </mc:Choice>
+          <mc:Fallback>
+            <p:sp>
+              <p:nvSpPr>
+                <p:cNvPr id="167" name="TextBox 166"/>
+                <p:cNvSpPr txBox="1">
+                  <a:spLocks noRot="1" noChangeAspect="1" noMove="1" noResize="1" noEditPoints="1" noAdjustHandles="1" noChangeArrowheads="1" noChangeShapeType="1" noTextEdit="1"/>
+                </p:cNvSpPr>
+                <p:nvPr/>
+              </p:nvSpPr>
+              <p:spPr>
+                <a:xfrm>
+                  <a:off x="4025462" y="983633"/>
+                  <a:ext cx="979225" cy="624797"/>
+                </a:xfrm>
+                <a:prstGeom prst="rect">
+                  <a:avLst/>
+                </a:prstGeom>
+                <a:blipFill rotWithShape="0">
+                  <a:blip r:embed="rId8"/>
+                  <a:stretch>
+                    <a:fillRect/>
+                  </a:stretch>
+                </a:blipFill>
+              </p:spPr>
+              <p:txBody>
+                <a:bodyPr/>
+                <a:lstStyle/>
+                <a:p>
+                  <a:r>
+                    <a:rPr lang="en-US">
+                      <a:noFill/>
+                    </a:rPr>
+                    <a:t> </a:t>
+                  </a:r>
+                </a:p>
+              </p:txBody>
+            </p:sp>
+          </mc:Fallback>
+        </mc:AlternateContent>
+        <p:grpSp>
+          <p:nvGrpSpPr>
+            <p:cNvPr id="40" name="Group 39"/>
+            <p:cNvGrpSpPr/>
+            <p:nvPr/>
+          </p:nvGrpSpPr>
+          <p:grpSpPr>
+            <a:xfrm>
+              <a:off x="3893271" y="241540"/>
+              <a:ext cx="784636" cy="200055"/>
+              <a:chOff x="3893271" y="241540"/>
+              <a:chExt cx="784636" cy="200055"/>
+            </a:xfrm>
+          </p:grpSpPr>
+          <p:sp>
+            <p:nvSpPr>
+              <p:cNvPr id="41" name="TextBox 40"/>
+              <p:cNvSpPr txBox="1"/>
+              <p:nvPr/>
+            </p:nvSpPr>
+            <p:spPr>
+              <a:xfrm>
+                <a:off x="4169434" y="241540"/>
+                <a:ext cx="508473" cy="200055"/>
+              </a:xfrm>
+              <a:prstGeom prst="rect">
+                <a:avLst/>
+              </a:prstGeom>
+              <a:noFill/>
+            </p:spPr>
+            <p:txBody>
+              <a:bodyPr wrap="none" rtlCol="0">
+                <a:spAutoFit/>
+              </a:bodyPr>
+              <a:lstStyle/>
+              <a:p>
+                <a:r>
+                  <a:rPr lang="en-US" sz="700" dirty="0" smtClean="0"/>
+                  <a:t>Chief ray</a:t>
+                </a:r>
+                <a:endParaRPr lang="en-US" sz="700" dirty="0"/>
+              </a:p>
+            </p:txBody>
+          </p:sp>
+          <p:cxnSp>
+            <p:nvCxnSpPr>
+              <p:cNvPr id="42" name="Straight Connector 41"/>
+              <p:cNvCxnSpPr/>
+              <p:nvPr/>
+            </p:nvCxnSpPr>
+            <p:spPr>
+              <a:xfrm>
+                <a:off x="3939396" y="350441"/>
+                <a:ext cx="256032" cy="0"/>
+              </a:xfrm>
+              <a:prstGeom prst="line">
+                <a:avLst/>
+              </a:prstGeom>
+              <a:ln>
+                <a:solidFill>
+                  <a:srgbClr val="FF0000"/>
+                </a:solidFill>
+              </a:ln>
+            </p:spPr>
+            <p:style>
+              <a:lnRef idx="1">
+                <a:schemeClr val="accent1"/>
+              </a:lnRef>
+              <a:fillRef idx="0">
+                <a:schemeClr val="accent1"/>
+              </a:fillRef>
+              <a:effectRef idx="0">
+                <a:schemeClr val="accent1"/>
+              </a:effectRef>
+              <a:fontRef idx="minor">
+                <a:schemeClr val="tx1"/>
+              </a:fontRef>
+            </p:style>
+          </p:cxnSp>
+          <p:sp>
+            <p:nvSpPr>
+              <p:cNvPr id="43" name="Isosceles Triangle 42"/>
+              <p:cNvSpPr/>
+              <p:nvPr/>
+            </p:nvSpPr>
+            <p:spPr>
+              <a:xfrm rot="5400000">
+                <a:off x="4044552" y="327581"/>
+                <a:ext cx="45720" cy="45720"/>
+              </a:xfrm>
+              <a:prstGeom prst="triangle">
+                <a:avLst/>
+              </a:prstGeom>
+              <a:solidFill>
+                <a:schemeClr val="bg1"/>
+              </a:solidFill>
+              <a:ln w="6350">
+                <a:solidFill>
+                  <a:srgbClr val="FF0000"/>
+                </a:solidFill>
+              </a:ln>
+            </p:spPr>
+            <p:style>
+              <a:lnRef idx="2">
+                <a:schemeClr val="accent1">
+                  <a:shade val="50000"/>
+                </a:schemeClr>
+              </a:lnRef>
+              <a:fillRef idx="1">
+                <a:schemeClr val="accent1"/>
+              </a:fillRef>
+              <a:effectRef idx="0">
+                <a:schemeClr val="accent1"/>
+              </a:effectRef>
+              <a:fontRef idx="minor">
+                <a:schemeClr val="lt1"/>
+              </a:fontRef>
+            </p:style>
+            <p:txBody>
+              <a:bodyPr rtlCol="0" anchor="ctr"/>
+              <a:lstStyle/>
+              <a:p>
+                <a:pPr algn="ctr"/>
+                <a:endParaRPr lang="en-US">
+                  <a:ln w="0"/>
+                  <a:solidFill>
+                    <a:schemeClr val="accent1"/>
+                  </a:solidFill>
+                  <a:effectLst>
+                    <a:outerShdw blurRad="38100" dist="25400" dir="5400000" algn="ctr" rotWithShape="0">
+                      <a:srgbClr val="6E747A">
+                        <a:alpha val="43000"/>
+                      </a:srgbClr>
+                    </a:outerShdw>
+                  </a:effectLst>
+                </a:endParaRPr>
+              </a:p>
+            </p:txBody>
+          </p:sp>
+          <p:sp>
+            <p:nvSpPr>
+              <p:cNvPr id="44" name="Rounded Rectangle 43"/>
+              <p:cNvSpPr/>
+              <p:nvPr/>
+            </p:nvSpPr>
+            <p:spPr>
+              <a:xfrm>
+                <a:off x="3893271" y="273378"/>
+                <a:ext cx="744717" cy="141402"/>
+              </a:xfrm>
+              <a:prstGeom prst="roundRect">
+                <a:avLst/>
+              </a:prstGeom>
+              <a:noFill/>
+              <a:ln w="6350">
+                <a:solidFill>
+                  <a:schemeClr val="tx1">
+                    <a:lumMod val="50000"/>
+                    <a:lumOff val="50000"/>
+                  </a:schemeClr>
+                </a:solidFill>
+              </a:ln>
+            </p:spPr>
+            <p:style>
+              <a:lnRef idx="2">
+                <a:schemeClr val="accent1">
+                  <a:shade val="50000"/>
+                </a:schemeClr>
+              </a:lnRef>
+              <a:fillRef idx="1">
+                <a:schemeClr val="accent1"/>
+              </a:fillRef>
+              <a:effectRef idx="0">
+                <a:schemeClr val="accent1"/>
+              </a:effectRef>
+              <a:fontRef idx="minor">
+                <a:schemeClr val="lt1"/>
+              </a:fontRef>
+            </p:style>
+            <p:txBody>
+              <a:bodyPr rtlCol="0" anchor="ctr"/>
+              <a:lstStyle/>
+              <a:p>
+                <a:pPr algn="ctr"/>
+                <a:endParaRPr lang="en-US"/>
+              </a:p>
+            </p:txBody>
+          </p:sp>
+        </p:grpSp>
+        <p:grpSp>
+          <p:nvGrpSpPr>
+            <p:cNvPr id="45" name="Group 44"/>
+            <p:cNvGrpSpPr/>
+            <p:nvPr/>
+          </p:nvGrpSpPr>
+          <p:grpSpPr>
+            <a:xfrm>
+              <a:off x="2470183" y="222020"/>
+              <a:ext cx="300852" cy="824626"/>
+              <a:chOff x="2470183" y="222020"/>
+              <a:chExt cx="300852" cy="824626"/>
+            </a:xfrm>
+          </p:grpSpPr>
+          <p:cxnSp>
+            <p:nvCxnSpPr>
+              <p:cNvPr id="49" name="Straight Arrow Connector 48"/>
+              <p:cNvCxnSpPr/>
+              <p:nvPr/>
+            </p:nvCxnSpPr>
+            <p:spPr>
+              <a:xfrm flipV="1">
+                <a:off x="2604766" y="406566"/>
+                <a:ext cx="0" cy="640080"/>
+              </a:xfrm>
+              <a:prstGeom prst="straightConnector1">
+                <a:avLst/>
+              </a:prstGeom>
+              <a:ln w="9525">
+                <a:solidFill>
+                  <a:srgbClr val="00B050"/>
+                </a:solidFill>
+                <a:prstDash val="sysDot"/>
+                <a:headEnd type="none" w="med" len="med"/>
+                <a:tailEnd type="triangle" w="sm" len="lg"/>
+              </a:ln>
+            </p:spPr>
+            <p:style>
+              <a:lnRef idx="1">
+                <a:schemeClr val="accent1"/>
+              </a:lnRef>
+              <a:fillRef idx="0">
+                <a:schemeClr val="accent1"/>
+              </a:fillRef>
+              <a:effectRef idx="0">
+                <a:schemeClr val="accent1"/>
+              </a:effectRef>
+              <a:fontRef idx="minor">
+                <a:schemeClr val="tx1"/>
+              </a:fontRef>
+            </p:style>
+          </p:cxnSp>
+          <mc:AlternateContent xmlns:mc="http://schemas.openxmlformats.org/markup-compatibility/2006">
+            <mc:Choice xmlns:a14="http://schemas.microsoft.com/office/drawing/2010/main" Requires="a14">
+              <p:sp>
+                <p:nvSpPr>
+                  <p:cNvPr id="48" name="TextBox 47"/>
+                  <p:cNvSpPr txBox="1"/>
+                  <p:nvPr/>
+                </p:nvSpPr>
+                <p:spPr>
+                  <a:xfrm>
+                    <a:off x="2470183" y="222020"/>
+                    <a:ext cx="300852" cy="215444"/>
+                  </a:xfrm>
+                  <a:prstGeom prst="rect">
+                    <a:avLst/>
+                  </a:prstGeom>
+                  <a:noFill/>
+                </p:spPr>
+                <p:txBody>
+                  <a:bodyPr wrap="none" rtlCol="0">
+                    <a:spAutoFit/>
+                  </a:bodyPr>
+                  <a:lstStyle/>
+                  <a:p>
+                    <a:pPr/>
+                    <a14:m>
+                      <m:oMathPara xmlns:m="http://schemas.openxmlformats.org/officeDocument/2006/math">
+                        <m:oMathParaPr>
+                          <m:jc m:val="centerGroup"/>
+                        </m:oMathParaPr>
+                        <m:oMath xmlns:m="http://schemas.openxmlformats.org/officeDocument/2006/math">
+                          <m:sSub>
+                            <m:sSubPr>
+                              <m:ctrlPr>
+                                <a:rPr lang="en-US" sz="800" b="0" i="1" smtClean="0">
+                                  <a:solidFill>
+                                    <a:srgbClr val="00B050"/>
+                                  </a:solidFill>
+                                  <a:latin typeface="Cambria Math" panose="02040503050406030204" pitchFamily="18" charset="0"/>
+                                </a:rPr>
+                              </m:ctrlPr>
+                            </m:sSubPr>
+                            <m:e>
+                              <m:acc>
+                                <m:accPr>
+                                  <m:chr m:val="̂"/>
+                                  <m:ctrlPr>
+                                    <a:rPr lang="en-US" sz="800" b="0" i="1" smtClean="0">
+                                      <a:solidFill>
+                                        <a:srgbClr val="00B050"/>
+                                      </a:solidFill>
+                                      <a:latin typeface="Cambria Math" panose="02040503050406030204" pitchFamily="18" charset="0"/>
+                                    </a:rPr>
+                                  </m:ctrlPr>
+                                </m:accPr>
+                                <m:e>
+                                  <m:r>
+                                    <a:rPr lang="en-US" sz="800" i="1">
+                                      <a:solidFill>
+                                        <a:srgbClr val="00B050"/>
+                                      </a:solidFill>
+                                      <a:latin typeface="Cambria Math" panose="02040503050406030204" pitchFamily="18" charset="0"/>
+                                    </a:rPr>
+                                    <m:t>𝑦</m:t>
+                                  </m:r>
+                                </m:e>
+                              </m:acc>
+                            </m:e>
+                            <m:sub>
+                              <m:r>
+                                <a:rPr lang="en-US" sz="800" b="0" i="1" smtClean="0">
+                                  <a:solidFill>
+                                    <a:srgbClr val="00B050"/>
+                                  </a:solidFill>
+                                  <a:latin typeface="Cambria Math" panose="02040503050406030204" pitchFamily="18" charset="0"/>
+                                </a:rPr>
+                                <m:t>𝑐</m:t>
+                              </m:r>
+                            </m:sub>
+                          </m:sSub>
+                        </m:oMath>
+                      </m:oMathPara>
+                    </a14:m>
+                    <a:endParaRPr lang="en-US" sz="800" dirty="0">
+                      <a:solidFill>
+                        <a:srgbClr val="00B050"/>
+                      </a:solidFill>
+                    </a:endParaRPr>
+                  </a:p>
+                </p:txBody>
+              </p:sp>
+            </mc:Choice>
+            <mc:Fallback>
+              <p:sp>
+                <p:nvSpPr>
+                  <p:cNvPr id="48" name="TextBox 47"/>
+                  <p:cNvSpPr txBox="1">
+                    <a:spLocks noRot="1" noChangeAspect="1" noMove="1" noResize="1" noEditPoints="1" noAdjustHandles="1" noChangeArrowheads="1" noChangeShapeType="1" noTextEdit="1"/>
+                  </p:cNvSpPr>
+                  <p:nvPr/>
+                </p:nvSpPr>
+                <p:spPr>
+                  <a:xfrm>
+                    <a:off x="2470183" y="222020"/>
+                    <a:ext cx="300852" cy="215444"/>
+                  </a:xfrm>
+                  <a:prstGeom prst="rect">
+                    <a:avLst/>
+                  </a:prstGeom>
+                  <a:blipFill rotWithShape="0">
+                    <a:blip r:embed="rId9"/>
+                    <a:stretch>
+                      <a:fillRect/>
+                    </a:stretch>
+                  </a:blipFill>
+                </p:spPr>
+                <p:txBody>
+                  <a:bodyPr/>
+                  <a:lstStyle/>
+                  <a:p>
+                    <a:r>
+                      <a:rPr lang="en-US">
+                        <a:noFill/>
+                      </a:rPr>
+                      <a:t> </a:t>
+                    </a:r>
+                  </a:p>
+                </p:txBody>
+              </p:sp>
+            </mc:Fallback>
+          </mc:AlternateContent>
+        </p:grpSp>
+        <mc:AlternateContent xmlns:mc="http://schemas.openxmlformats.org/markup-compatibility/2006">
+          <mc:Choice xmlns:a14="http://schemas.microsoft.com/office/drawing/2010/main" Requires="a14">
+            <p:sp>
+              <p:nvSpPr>
+                <p:cNvPr id="55" name="TextBox 54"/>
+                <p:cNvSpPr txBox="1"/>
+                <p:nvPr/>
+              </p:nvSpPr>
+              <p:spPr>
+                <a:xfrm>
+                  <a:off x="2331623" y="1028771"/>
+                  <a:ext cx="537327" cy="215444"/>
+                </a:xfrm>
+                <a:prstGeom prst="rect">
+                  <a:avLst/>
+                </a:prstGeom>
+                <a:noFill/>
+              </p:spPr>
+              <p:txBody>
+                <a:bodyPr wrap="none" rtlCol="0">
+                  <a:spAutoFit/>
+                </a:bodyPr>
+                <a:lstStyle/>
+                <a:p>
+                  <a:pPr/>
+                  <a14:m>
+                    <m:oMathPara xmlns:m="http://schemas.openxmlformats.org/officeDocument/2006/math">
+                      <m:oMathParaPr>
+                        <m:jc m:val="centerGroup"/>
+                      </m:oMathParaPr>
+                      <m:oMath xmlns:m="http://schemas.openxmlformats.org/officeDocument/2006/math">
+                        <m:d>
+                          <m:dPr>
+                            <m:begChr m:val="{"/>
+                            <m:endChr m:val="}"/>
+                            <m:ctrlPr>
+                              <a:rPr lang="en-US" sz="800" i="1" smtClean="0">
+                                <a:latin typeface="Cambria Math" panose="02040503050406030204" pitchFamily="18" charset="0"/>
+                              </a:rPr>
+                            </m:ctrlPr>
+                          </m:dPr>
+                          <m:e>
+                            <m:r>
+                              <a:rPr lang="en-US" sz="800" b="0" i="1" smtClean="0">
+                                <a:latin typeface="Cambria Math" panose="02040503050406030204" pitchFamily="18" charset="0"/>
+                              </a:rPr>
+                              <m:t>𝐶</m:t>
+                            </m:r>
+                          </m:e>
+                        </m:d>
+                        <m:r>
+                          <a:rPr lang="en-US" sz="800" b="0" i="1" smtClean="0">
+                            <a:latin typeface="Cambria Math" panose="02040503050406030204" pitchFamily="18" charset="0"/>
+                          </a:rPr>
+                          <m:t>,</m:t>
+                        </m:r>
+                        <m:d>
+                          <m:dPr>
+                            <m:begChr m:val="{"/>
+                            <m:endChr m:val="}"/>
+                            <m:ctrlPr>
+                              <a:rPr lang="en-US" sz="800" i="1">
+                                <a:latin typeface="Cambria Math" panose="02040503050406030204" pitchFamily="18" charset="0"/>
+                              </a:rPr>
+                            </m:ctrlPr>
+                          </m:dPr>
+                          <m:e>
+                            <m:r>
+                              <a:rPr lang="en-US" sz="800" i="1">
+                                <a:latin typeface="Cambria Math" panose="02040503050406030204" pitchFamily="18" charset="0"/>
+                              </a:rPr>
+                              <m:t>𝑃</m:t>
+                            </m:r>
+                          </m:e>
+                        </m:d>
+                      </m:oMath>
+                    </m:oMathPara>
+                  </a14:m>
+                  <a:endParaRPr lang="en-US" sz="800" dirty="0"/>
+                </a:p>
+              </p:txBody>
+            </p:sp>
+          </mc:Choice>
+          <mc:Fallback>
+            <p:sp>
+              <p:nvSpPr>
+                <p:cNvPr id="55" name="TextBox 54"/>
+                <p:cNvSpPr txBox="1">
+                  <a:spLocks noRot="1" noChangeAspect="1" noMove="1" noResize="1" noEditPoints="1" noAdjustHandles="1" noChangeArrowheads="1" noChangeShapeType="1" noTextEdit="1"/>
+                </p:cNvSpPr>
+                <p:nvPr/>
+              </p:nvSpPr>
+              <p:spPr>
+                <a:xfrm>
+                  <a:off x="2331623" y="1028771"/>
+                  <a:ext cx="537327" cy="215444"/>
+                </a:xfrm>
+                <a:prstGeom prst="rect">
+                  <a:avLst/>
+                </a:prstGeom>
+                <a:blipFill rotWithShape="0">
+                  <a:blip r:embed="rId10"/>
+                  <a:stretch>
+                    <a:fillRect/>
+                  </a:stretch>
+                </a:blipFill>
+              </p:spPr>
+              <p:txBody>
+                <a:bodyPr/>
+                <a:lstStyle/>
+                <a:p>
+                  <a:r>
+                    <a:rPr lang="en-US">
+                      <a:noFill/>
+                    </a:rPr>
+                    <a:t> </a:t>
+                  </a:r>
+                </a:p>
+              </p:txBody>
+            </p:sp>
+          </mc:Fallback>
+        </mc:AlternateContent>
+        <mc:AlternateContent xmlns:mc="http://schemas.openxmlformats.org/markup-compatibility/2006">
+          <mc:Choice xmlns:a14="http://schemas.microsoft.com/office/drawing/2010/main" Requires="a14">
+            <p:sp>
+              <p:nvSpPr>
+                <p:cNvPr id="56" name="TextBox 55"/>
+                <p:cNvSpPr txBox="1"/>
+                <p:nvPr/>
+              </p:nvSpPr>
+              <p:spPr>
+                <a:xfrm>
+                  <a:off x="4857237" y="929515"/>
+                  <a:ext cx="299377" cy="215444"/>
+                </a:xfrm>
+                <a:prstGeom prst="rect">
+                  <a:avLst/>
+                </a:prstGeom>
+                <a:noFill/>
+              </p:spPr>
+              <p:txBody>
+                <a:bodyPr wrap="none" rtlCol="0">
+                  <a:spAutoFit/>
+                </a:bodyPr>
+                <a:lstStyle/>
+                <a:p>
+                  <a:pPr/>
+                  <a14:m>
+                    <m:oMathPara xmlns:m="http://schemas.openxmlformats.org/officeDocument/2006/math">
+                      <m:oMathParaPr>
+                        <m:jc m:val="centerGroup"/>
+                      </m:oMathParaPr>
+                      <m:oMath xmlns:m="http://schemas.openxmlformats.org/officeDocument/2006/math">
+                        <m:sSub>
+                          <m:sSubPr>
+                            <m:ctrlPr>
+                              <a:rPr lang="en-US" sz="800" b="0" i="1" smtClean="0">
+                                <a:solidFill>
+                                  <a:srgbClr val="1C87FC"/>
+                                </a:solidFill>
+                                <a:latin typeface="Cambria Math" panose="02040503050406030204" pitchFamily="18" charset="0"/>
+                              </a:rPr>
+                            </m:ctrlPr>
+                          </m:sSubPr>
+                          <m:e>
+                            <m:acc>
+                              <m:accPr>
+                                <m:chr m:val="̂"/>
+                                <m:ctrlPr>
+                                  <a:rPr lang="en-US" sz="800" b="0" i="1" smtClean="0">
+                                    <a:solidFill>
+                                      <a:srgbClr val="1C87FC"/>
+                                    </a:solidFill>
+                                    <a:latin typeface="Cambria Math" panose="02040503050406030204" pitchFamily="18" charset="0"/>
+                                  </a:rPr>
+                                </m:ctrlPr>
+                              </m:accPr>
+                              <m:e>
+                                <m:r>
+                                  <a:rPr lang="en-US" sz="800" i="1">
+                                    <a:solidFill>
+                                      <a:srgbClr val="1C87FC"/>
+                                    </a:solidFill>
+                                    <a:latin typeface="Cambria Math" panose="02040503050406030204" pitchFamily="18" charset="0"/>
+                                  </a:rPr>
+                                  <m:t>𝑧</m:t>
+                                </m:r>
+                              </m:e>
+                            </m:acc>
+                          </m:e>
+                          <m:sub>
+                            <m:r>
+                              <a:rPr lang="en-US" sz="800" b="0" i="1" smtClean="0">
+                                <a:solidFill>
+                                  <a:srgbClr val="1C87FC"/>
+                                </a:solidFill>
+                                <a:latin typeface="Cambria Math" panose="02040503050406030204" pitchFamily="18" charset="0"/>
+                              </a:rPr>
+                              <m:t>𝑐</m:t>
+                            </m:r>
+                          </m:sub>
+                        </m:sSub>
+                      </m:oMath>
+                    </m:oMathPara>
+                  </a14:m>
+                  <a:endParaRPr lang="en-US" sz="800" dirty="0">
+                    <a:solidFill>
+                      <a:srgbClr val="1C87FC"/>
+                    </a:solidFill>
+                  </a:endParaRPr>
+                </a:p>
+              </p:txBody>
+            </p:sp>
+          </mc:Choice>
+          <mc:Fallback>
+            <p:sp>
+              <p:nvSpPr>
+                <p:cNvPr id="56" name="TextBox 55"/>
+                <p:cNvSpPr txBox="1">
+                  <a:spLocks noRot="1" noChangeAspect="1" noMove="1" noResize="1" noEditPoints="1" noAdjustHandles="1" noChangeArrowheads="1" noChangeShapeType="1" noTextEdit="1"/>
+                </p:cNvSpPr>
+                <p:nvPr/>
+              </p:nvSpPr>
+              <p:spPr>
+                <a:xfrm>
+                  <a:off x="4857237" y="929515"/>
+                  <a:ext cx="299377" cy="215444"/>
+                </a:xfrm>
+                <a:prstGeom prst="rect">
+                  <a:avLst/>
+                </a:prstGeom>
+                <a:blipFill rotWithShape="0">
+                  <a:blip r:embed="rId11"/>
+                  <a:stretch>
+                    <a:fillRect/>
+                  </a:stretch>
+                </a:blipFill>
+              </p:spPr>
+              <p:txBody>
+                <a:bodyPr/>
+                <a:lstStyle/>
+                <a:p>
+                  <a:r>
+                    <a:rPr lang="en-US">
+                      <a:noFill/>
+                    </a:rPr>
+                    <a:t> </a:t>
+                  </a:r>
+                </a:p>
+              </p:txBody>
+            </p:sp>
+          </mc:Fallback>
+        </mc:AlternateContent>
+        <mc:AlternateContent xmlns:mc="http://schemas.openxmlformats.org/markup-compatibility/2006">
+          <mc:Choice xmlns:a14="http://schemas.microsoft.com/office/drawing/2010/main" Requires="a14">
+            <p:sp>
+              <p:nvSpPr>
+                <p:cNvPr id="57" name="TextBox 56"/>
+                <p:cNvSpPr txBox="1"/>
+                <p:nvPr/>
+              </p:nvSpPr>
+              <p:spPr>
+                <a:xfrm rot="21041056">
+                  <a:off x="3693834" y="647482"/>
+                  <a:ext cx="305917" cy="225062"/>
+                </a:xfrm>
+                <a:prstGeom prst="rect">
+                  <a:avLst/>
+                </a:prstGeom>
+                <a:noFill/>
+              </p:spPr>
+              <p:txBody>
+                <a:bodyPr wrap="none" rtlCol="0">
+                  <a:spAutoFit/>
+                </a:bodyPr>
+                <a:lstStyle/>
+                <a:p>
+                  <a:pPr/>
+                  <a14:m>
+                    <m:oMathPara xmlns:m="http://schemas.openxmlformats.org/officeDocument/2006/math">
+                      <m:oMathParaPr>
+                        <m:jc m:val="centerGroup"/>
+                      </m:oMathParaPr>
+                      <m:oMath xmlns:m="http://schemas.openxmlformats.org/officeDocument/2006/math">
+                        <m:sSub>
+                          <m:sSubPr>
+                            <m:ctrlPr>
+                              <a:rPr lang="en-US" sz="800" b="0" i="1" smtClean="0">
+                                <a:solidFill>
+                                  <a:srgbClr val="1C87FC"/>
+                                </a:solidFill>
+                                <a:latin typeface="Cambria Math" panose="02040503050406030204" pitchFamily="18" charset="0"/>
+                              </a:rPr>
+                            </m:ctrlPr>
+                          </m:sSubPr>
+                          <m:e>
+                            <m:acc>
+                              <m:accPr>
+                                <m:chr m:val="̂"/>
+                                <m:ctrlPr>
+                                  <a:rPr lang="en-US" sz="800" b="0" i="1" smtClean="0">
+                                    <a:solidFill>
+                                      <a:srgbClr val="1C87FC"/>
+                                    </a:solidFill>
+                                    <a:latin typeface="Cambria Math" panose="02040503050406030204" pitchFamily="18" charset="0"/>
+                                  </a:rPr>
+                                </m:ctrlPr>
+                              </m:accPr>
+                              <m:e>
+                                <m:r>
+                                  <a:rPr lang="en-US" sz="800" i="1">
+                                    <a:solidFill>
+                                      <a:srgbClr val="1C87FC"/>
+                                    </a:solidFill>
+                                    <a:latin typeface="Cambria Math" panose="02040503050406030204" pitchFamily="18" charset="0"/>
+                                  </a:rPr>
+                                  <m:t>𝑧</m:t>
+                                </m:r>
+                              </m:e>
+                            </m:acc>
+                          </m:e>
+                          <m:sub>
+                            <m:r>
+                              <a:rPr lang="en-US" sz="800" b="0" i="1" smtClean="0">
+                                <a:solidFill>
+                                  <a:srgbClr val="1C87FC"/>
+                                </a:solidFill>
+                                <a:latin typeface="Cambria Math" panose="02040503050406030204" pitchFamily="18" charset="0"/>
+                              </a:rPr>
+                              <m:t>𝑝</m:t>
+                            </m:r>
+                          </m:sub>
+                        </m:sSub>
+                      </m:oMath>
+                    </m:oMathPara>
+                  </a14:m>
+                  <a:endParaRPr lang="en-US" sz="800" dirty="0">
+                    <a:solidFill>
+                      <a:srgbClr val="1C87FC"/>
+                    </a:solidFill>
+                  </a:endParaRPr>
+                </a:p>
+              </p:txBody>
+            </p:sp>
+          </mc:Choice>
+          <mc:Fallback>
+            <p:sp>
+              <p:nvSpPr>
+                <p:cNvPr id="57" name="TextBox 56"/>
+                <p:cNvSpPr txBox="1">
+                  <a:spLocks noRot="1" noChangeAspect="1" noMove="1" noResize="1" noEditPoints="1" noAdjustHandles="1" noChangeArrowheads="1" noChangeShapeType="1" noTextEdit="1"/>
+                </p:cNvSpPr>
+                <p:nvPr/>
+              </p:nvSpPr>
+              <p:spPr>
+                <a:xfrm rot="21041056">
+                  <a:off x="3693834" y="647482"/>
+                  <a:ext cx="305917" cy="225062"/>
+                </a:xfrm>
+                <a:prstGeom prst="rect">
+                  <a:avLst/>
+                </a:prstGeom>
+                <a:blipFill rotWithShape="0">
+                  <a:blip r:embed="rId12"/>
+                  <a:stretch>
+                    <a:fillRect/>
+                  </a:stretch>
+                </a:blipFill>
+              </p:spPr>
+              <p:txBody>
+                <a:bodyPr/>
+                <a:lstStyle/>
+                <a:p>
+                  <a:r>
+                    <a:rPr lang="en-US">
+                      <a:noFill/>
+                    </a:rPr>
+                    <a:t> </a:t>
+                  </a:r>
+                </a:p>
+              </p:txBody>
+            </p:sp>
+          </mc:Fallback>
+        </mc:AlternateContent>
+        <mc:AlternateContent xmlns:mc="http://schemas.openxmlformats.org/markup-compatibility/2006">
+          <mc:Choice xmlns:a14="http://schemas.microsoft.com/office/drawing/2010/main" Requires="a14">
+            <p:sp>
+              <p:nvSpPr>
+                <p:cNvPr id="58" name="TextBox 57"/>
+                <p:cNvSpPr txBox="1"/>
+                <p:nvPr/>
+              </p:nvSpPr>
+              <p:spPr>
+                <a:xfrm>
+                  <a:off x="2334072" y="229315"/>
+                  <a:ext cx="307392" cy="225062"/>
+                </a:xfrm>
+                <a:prstGeom prst="rect">
+                  <a:avLst/>
+                </a:prstGeom>
+                <a:noFill/>
+              </p:spPr>
+              <p:txBody>
+                <a:bodyPr wrap="none" rtlCol="0">
+                  <a:spAutoFit/>
+                </a:bodyPr>
+                <a:lstStyle/>
+                <a:p>
+                  <a:pPr/>
+                  <a14:m>
+                    <m:oMathPara xmlns:m="http://schemas.openxmlformats.org/officeDocument/2006/math">
+                      <m:oMathParaPr>
+                        <m:jc m:val="centerGroup"/>
+                      </m:oMathParaPr>
+                      <m:oMath xmlns:m="http://schemas.openxmlformats.org/officeDocument/2006/math">
+                        <m:sSub>
+                          <m:sSubPr>
+                            <m:ctrlPr>
+                              <a:rPr lang="en-US" sz="800" b="0" i="1" smtClean="0">
+                                <a:solidFill>
+                                  <a:srgbClr val="00B050"/>
+                                </a:solidFill>
+                                <a:latin typeface="Cambria Math" panose="02040503050406030204" pitchFamily="18" charset="0"/>
+                              </a:rPr>
+                            </m:ctrlPr>
+                          </m:sSubPr>
+                          <m:e>
+                            <m:acc>
+                              <m:accPr>
+                                <m:chr m:val="̂"/>
+                                <m:ctrlPr>
+                                  <a:rPr lang="en-US" sz="800" b="0" i="1" smtClean="0">
+                                    <a:solidFill>
+                                      <a:srgbClr val="00B050"/>
+                                    </a:solidFill>
+                                    <a:latin typeface="Cambria Math" panose="02040503050406030204" pitchFamily="18" charset="0"/>
+                                  </a:rPr>
+                                </m:ctrlPr>
+                              </m:accPr>
+                              <m:e>
+                                <m:r>
+                                  <a:rPr lang="en-US" sz="800" i="1">
+                                    <a:solidFill>
+                                      <a:srgbClr val="00B050"/>
+                                    </a:solidFill>
+                                    <a:latin typeface="Cambria Math" panose="02040503050406030204" pitchFamily="18" charset="0"/>
+                                  </a:rPr>
+                                  <m:t>𝑦</m:t>
+                                </m:r>
+                              </m:e>
+                            </m:acc>
+                          </m:e>
+                          <m:sub>
+                            <m:r>
+                              <a:rPr lang="en-US" sz="800" b="0" i="1" smtClean="0">
+                                <a:solidFill>
+                                  <a:srgbClr val="00B050"/>
+                                </a:solidFill>
+                                <a:latin typeface="Cambria Math" panose="02040503050406030204" pitchFamily="18" charset="0"/>
+                              </a:rPr>
+                              <m:t>𝑝</m:t>
+                            </m:r>
+                          </m:sub>
+                        </m:sSub>
+                      </m:oMath>
+                    </m:oMathPara>
+                  </a14:m>
+                  <a:endParaRPr lang="en-US" sz="800" dirty="0">
+                    <a:solidFill>
+                      <a:srgbClr val="00B050"/>
+                    </a:solidFill>
+                  </a:endParaRPr>
+                </a:p>
+              </p:txBody>
+            </p:sp>
+          </mc:Choice>
+          <mc:Fallback>
+            <p:sp>
+              <p:nvSpPr>
+                <p:cNvPr id="58" name="TextBox 57"/>
+                <p:cNvSpPr txBox="1">
+                  <a:spLocks noRot="1" noChangeAspect="1" noMove="1" noResize="1" noEditPoints="1" noAdjustHandles="1" noChangeArrowheads="1" noChangeShapeType="1" noTextEdit="1"/>
+                </p:cNvSpPr>
+                <p:nvPr/>
+              </p:nvSpPr>
+              <p:spPr>
+                <a:xfrm>
+                  <a:off x="2334072" y="229315"/>
+                  <a:ext cx="307392" cy="225062"/>
+                </a:xfrm>
+                <a:prstGeom prst="rect">
+                  <a:avLst/>
+                </a:prstGeom>
+                <a:blipFill rotWithShape="0">
+                  <a:blip r:embed="rId13"/>
+                  <a:stretch>
+                    <a:fillRect/>
+                  </a:stretch>
+                </a:blipFill>
+              </p:spPr>
+              <p:txBody>
+                <a:bodyPr/>
+                <a:lstStyle/>
+                <a:p>
+                  <a:r>
+                    <a:rPr lang="en-US">
+                      <a:noFill/>
+                    </a:rPr>
+                    <a:t> </a:t>
+                  </a:r>
+                </a:p>
+              </p:txBody>
+            </p:sp>
+          </mc:Fallback>
+        </mc:AlternateContent>
+      </p:grpSp>
+    </p:spTree>
+    <p:extLst>
+      <p:ext uri="{BB962C8B-B14F-4D97-AF65-F5344CB8AC3E}">
+        <p14:creationId xmlns:p14="http://schemas.microsoft.com/office/powerpoint/2010/main" val="2211630637"/>
+      </p:ext>
+    </p:extLst>
+  </p:cSld>
+  <p:clrMapOvr>
+    <a:masterClrMapping/>
+  </p:clrMapOvr>
+</p:sld>
+</file>
+
+<file path=ppt/slides/slide3.xml><?xml version="1.0" encoding="utf-8"?>
+<p:sld xmlns:a="http://schemas.openxmlformats.org/drawingml/2006/main" xmlns:r="http://schemas.openxmlformats.org/officeDocument/2006/relationships" xmlns:p="http://schemas.openxmlformats.org/presentationml/2006/main">
+  <p:cSld>
+    <p:spTree>
+      <p:nvGrpSpPr>
+        <p:cNvPr id="1" name=""/>
+        <p:cNvGrpSpPr/>
+        <p:nvPr/>
+      </p:nvGrpSpPr>
+      <p:grpSpPr>
+        <a:xfrm>
+          <a:off x="0" y="0"/>
+          <a:ext cx="0" cy="0"/>
+          <a:chOff x="0" y="0"/>
+          <a:chExt cx="0" cy="0"/>
+        </a:xfrm>
+      </p:grpSpPr>
+      <p:cxnSp>
+        <p:nvCxnSpPr>
+          <p:cNvPr id="70" name="Straight Connector 69"/>
+          <p:cNvCxnSpPr/>
+          <p:nvPr/>
+        </p:nvCxnSpPr>
+        <p:spPr>
+          <a:xfrm flipH="1" flipV="1">
+            <a:off x="2889914" y="5047157"/>
+            <a:ext cx="0" cy="443060"/>
+          </a:xfrm>
+          <a:prstGeom prst="line">
+            <a:avLst/>
+          </a:prstGeom>
+          <a:ln>
+            <a:solidFill>
+              <a:schemeClr val="bg1">
+                <a:lumMod val="50000"/>
+              </a:schemeClr>
+            </a:solidFill>
+            <a:prstDash val="dash"/>
+          </a:ln>
+        </p:spPr>
+        <p:style>
+          <a:lnRef idx="1">
+            <a:schemeClr val="accent1"/>
+          </a:lnRef>
+          <a:fillRef idx="0">
+            <a:schemeClr val="accent1"/>
+          </a:fillRef>
+          <a:effectRef idx="0">
+            <a:schemeClr val="accent1"/>
+          </a:effectRef>
+          <a:fontRef idx="minor">
+            <a:schemeClr val="tx1"/>
+          </a:fontRef>
+        </p:style>
+      </p:cxnSp>
+      <p:cxnSp>
+        <p:nvCxnSpPr>
+          <p:cNvPr id="72" name="Straight Connector 71"/>
+          <p:cNvCxnSpPr/>
+          <p:nvPr/>
+        </p:nvCxnSpPr>
+        <p:spPr>
+          <a:xfrm>
+            <a:off x="0" y="5209341"/>
+            <a:ext cx="4846320" cy="0"/>
+          </a:xfrm>
+          <a:prstGeom prst="line">
+            <a:avLst/>
+          </a:prstGeom>
+          <a:ln>
+            <a:solidFill>
+              <a:schemeClr val="bg1">
+                <a:lumMod val="50000"/>
+              </a:schemeClr>
+            </a:solidFill>
+            <a:prstDash val="dash"/>
+          </a:ln>
+        </p:spPr>
+        <p:style>
+          <a:lnRef idx="1">
+            <a:schemeClr val="accent1"/>
+          </a:lnRef>
+          <a:fillRef idx="0">
+            <a:schemeClr val="accent1"/>
+          </a:fillRef>
+          <a:effectRef idx="0">
+            <a:schemeClr val="accent1"/>
+          </a:effectRef>
+          <a:fontRef idx="minor">
+            <a:schemeClr val="tx1"/>
+          </a:fontRef>
+        </p:style>
+      </p:cxnSp>
+      <p:grpSp>
+        <p:nvGrpSpPr>
+          <p:cNvPr id="20" name="Group 19"/>
+          <p:cNvGrpSpPr/>
+          <p:nvPr/>
+        </p:nvGrpSpPr>
+        <p:grpSpPr>
+          <a:xfrm>
+            <a:off x="36576" y="41148"/>
+            <a:ext cx="5352159" cy="2121408"/>
+            <a:chOff x="36576" y="41148"/>
+            <a:chExt cx="5352159" cy="2121408"/>
+          </a:xfrm>
+        </p:grpSpPr>
+        <p:sp>
+          <p:nvSpPr>
+            <p:cNvPr id="137" name="Rectangle 136"/>
+            <p:cNvSpPr/>
+            <p:nvPr/>
+          </p:nvSpPr>
+          <p:spPr>
+            <a:xfrm>
+              <a:off x="96012" y="41148"/>
+              <a:ext cx="5225796" cy="2121408"/>
+            </a:xfrm>
+            <a:prstGeom prst="rect">
+              <a:avLst/>
+            </a:prstGeom>
+            <a:solidFill>
+              <a:schemeClr val="bg1"/>
+            </a:solidFill>
+            <a:ln>
+              <a:noFill/>
+            </a:ln>
+          </p:spPr>
+          <p:style>
+            <a:lnRef idx="2">
+              <a:schemeClr val="accent1">
+                <a:shade val="50000"/>
+              </a:schemeClr>
+            </a:lnRef>
+            <a:fillRef idx="1">
+              <a:schemeClr val="accent1"/>
+            </a:fillRef>
+            <a:effectRef idx="0">
+              <a:schemeClr val="accent1"/>
+            </a:effectRef>
+            <a:fontRef idx="minor">
+              <a:schemeClr val="lt1"/>
+            </a:fontRef>
+          </p:style>
+          <p:txBody>
+            <a:bodyPr rtlCol="0" anchor="ctr"/>
+            <a:lstStyle/>
+            <a:p>
+              <a:pPr algn="ctr"/>
+              <a:endParaRPr lang="en-US"/>
+            </a:p>
+          </p:txBody>
+        </p:sp>
+        <p:pic>
+          <p:nvPicPr>
+            <p:cNvPr id="4" name="Picture 3"/>
+            <p:cNvPicPr>
+              <a:picLocks noChangeAspect="1"/>
+            </p:cNvPicPr>
+            <p:nvPr/>
+          </p:nvPicPr>
+          <p:blipFill>
+            <a:blip r:embed="rId2"/>
+            <a:stretch>
+              <a:fillRect/>
+            </a:stretch>
+          </p:blipFill>
+          <p:spPr>
+            <a:xfrm>
+              <a:off x="121546" y="1575214"/>
+              <a:ext cx="443831" cy="347472"/>
+            </a:xfrm>
+            <a:prstGeom prst="rect">
+              <a:avLst/>
+            </a:prstGeom>
+          </p:spPr>
+        </p:pic>
+        <p:cxnSp>
+          <p:nvCxnSpPr>
+            <p:cNvPr id="71" name="Straight Connector 70"/>
+            <p:cNvCxnSpPr/>
+            <p:nvPr/>
+          </p:nvCxnSpPr>
+          <p:spPr>
+            <a:xfrm flipH="1" flipV="1">
+              <a:off x="559422" y="1087226"/>
+              <a:ext cx="0" cy="731520"/>
+            </a:xfrm>
+            <a:prstGeom prst="line">
+              <a:avLst/>
+            </a:prstGeom>
+            <a:ln>
+              <a:solidFill>
+                <a:schemeClr val="bg1">
+                  <a:lumMod val="50000"/>
+                </a:schemeClr>
+              </a:solidFill>
+              <a:prstDash val="dash"/>
+            </a:ln>
+          </p:spPr>
+          <p:style>
+            <a:lnRef idx="1">
+              <a:schemeClr val="accent1"/>
+            </a:lnRef>
+            <a:fillRef idx="0">
+              <a:schemeClr val="accent1"/>
+            </a:fillRef>
+            <a:effectRef idx="0">
+              <a:schemeClr val="accent1"/>
+            </a:effectRef>
+            <a:fontRef idx="minor">
+              <a:schemeClr val="tx1"/>
+            </a:fontRef>
+          </p:style>
+        </p:cxnSp>
+        <p:cxnSp>
+          <p:nvCxnSpPr>
+            <p:cNvPr id="16" name="Straight Connector 15"/>
+            <p:cNvCxnSpPr/>
+            <p:nvPr/>
+          </p:nvCxnSpPr>
+          <p:spPr>
+            <a:xfrm flipH="1" flipV="1">
+              <a:off x="2648932" y="1088798"/>
+              <a:ext cx="0" cy="731520"/>
+            </a:xfrm>
+            <a:prstGeom prst="line">
+              <a:avLst/>
+            </a:prstGeom>
+            <a:ln>
+              <a:solidFill>
+                <a:schemeClr val="bg1">
+                  <a:lumMod val="50000"/>
+                </a:schemeClr>
+              </a:solidFill>
+              <a:prstDash val="dash"/>
+            </a:ln>
+          </p:spPr>
+          <p:style>
+            <a:lnRef idx="1">
+              <a:schemeClr val="accent1"/>
+            </a:lnRef>
+            <a:fillRef idx="0">
+              <a:schemeClr val="accent1"/>
+            </a:fillRef>
+            <a:effectRef idx="0">
+              <a:schemeClr val="accent1"/>
+            </a:effectRef>
+            <a:fontRef idx="minor">
+              <a:schemeClr val="tx1"/>
+            </a:fontRef>
+          </p:style>
+        </p:cxnSp>
+        <p:cxnSp>
+          <p:nvCxnSpPr>
+            <p:cNvPr id="111" name="Straight Connector 110"/>
+            <p:cNvCxnSpPr/>
+            <p:nvPr/>
+          </p:nvCxnSpPr>
+          <p:spPr>
+            <a:xfrm>
+              <a:off x="2491740" y="169164"/>
+              <a:ext cx="260604" cy="1650492"/>
+            </a:xfrm>
+            <a:prstGeom prst="line">
+              <a:avLst/>
+            </a:prstGeom>
+            <a:ln w="6350">
+              <a:solidFill>
+                <a:schemeClr val="tx1">
+                  <a:lumMod val="65000"/>
+                  <a:lumOff val="35000"/>
+                </a:schemeClr>
+              </a:solidFill>
+              <a:prstDash val="dash"/>
+              <a:headEnd type="none" w="med" len="med"/>
+              <a:tailEnd type="none" w="med" len="med"/>
+            </a:ln>
+          </p:spPr>
+          <p:style>
+            <a:lnRef idx="1">
+              <a:schemeClr val="accent1"/>
+            </a:lnRef>
+            <a:fillRef idx="0">
+              <a:schemeClr val="accent1"/>
+            </a:fillRef>
+            <a:effectRef idx="0">
+              <a:schemeClr val="accent1"/>
+            </a:effectRef>
+            <a:fontRef idx="minor">
+              <a:schemeClr val="tx1"/>
+            </a:fontRef>
+          </p:style>
+        </p:cxnSp>
+        <p:grpSp>
+          <p:nvGrpSpPr>
+            <p:cNvPr id="10" name="Group 9"/>
+            <p:cNvGrpSpPr>
+              <a:grpSpLocks noChangeAspect="1"/>
+            </p:cNvGrpSpPr>
+            <p:nvPr/>
+          </p:nvGrpSpPr>
+          <p:grpSpPr>
+            <a:xfrm rot="21060000">
+              <a:off x="2589801" y="389110"/>
+              <a:ext cx="1281111" cy="640080"/>
+              <a:chOff x="1880616" y="2310384"/>
+              <a:chExt cx="1281111" cy="640080"/>
+            </a:xfrm>
+          </p:grpSpPr>
+          <p:cxnSp>
+            <p:nvCxnSpPr>
+              <p:cNvPr id="41" name="Straight Arrow Connector 40"/>
+              <p:cNvCxnSpPr/>
+              <p:nvPr/>
+            </p:nvCxnSpPr>
+            <p:spPr>
+              <a:xfrm flipV="1">
+                <a:off x="1880616" y="2310384"/>
+                <a:ext cx="0" cy="640080"/>
+              </a:xfrm>
+              <a:prstGeom prst="straightConnector1">
+                <a:avLst/>
+              </a:prstGeom>
+              <a:ln w="9525">
+                <a:solidFill>
+                  <a:srgbClr val="00B050"/>
+                </a:solidFill>
+                <a:prstDash val="sysDot"/>
+                <a:headEnd type="none" w="med" len="med"/>
+                <a:tailEnd type="triangle" w="sm" len="lg"/>
+              </a:ln>
+            </p:spPr>
+            <p:style>
+              <a:lnRef idx="1">
+                <a:schemeClr val="accent1"/>
+              </a:lnRef>
+              <a:fillRef idx="0">
+                <a:schemeClr val="accent1"/>
+              </a:fillRef>
+              <a:effectRef idx="0">
+                <a:schemeClr val="accent1"/>
+              </a:effectRef>
+              <a:fontRef idx="minor">
+                <a:schemeClr val="tx1"/>
+              </a:fontRef>
+            </p:style>
+          </p:cxnSp>
+          <p:cxnSp>
+            <p:nvCxnSpPr>
+              <p:cNvPr id="42" name="Straight Arrow Connector 41"/>
+              <p:cNvCxnSpPr/>
+              <p:nvPr/>
+            </p:nvCxnSpPr>
+            <p:spPr>
+              <a:xfrm rot="5400000" flipV="1">
+                <a:off x="2521647" y="2299028"/>
+                <a:ext cx="0" cy="1280160"/>
+              </a:xfrm>
+              <a:prstGeom prst="straightConnector1">
+                <a:avLst/>
+              </a:prstGeom>
+              <a:ln w="9525">
+                <a:solidFill>
+                  <a:srgbClr val="1C87FC"/>
+                </a:solidFill>
+                <a:prstDash val="sysDot"/>
+                <a:headEnd type="none" w="med" len="med"/>
+                <a:tailEnd type="triangle" w="sm" len="lg"/>
+              </a:ln>
+            </p:spPr>
+            <p:style>
+              <a:lnRef idx="1">
+                <a:schemeClr val="accent1"/>
+              </a:lnRef>
+              <a:fillRef idx="0">
+                <a:schemeClr val="accent1"/>
+              </a:fillRef>
+              <a:effectRef idx="0">
+                <a:schemeClr val="accent1"/>
+              </a:effectRef>
+              <a:fontRef idx="minor">
+                <a:schemeClr val="tx1"/>
+              </a:fontRef>
+            </p:style>
+          </p:cxnSp>
+        </p:grpSp>
+        <p:cxnSp>
+          <p:nvCxnSpPr>
+            <p:cNvPr id="8" name="Straight Arrow Connector 7"/>
+            <p:cNvCxnSpPr/>
+            <p:nvPr/>
+          </p:nvCxnSpPr>
+          <p:spPr>
+            <a:xfrm flipV="1">
+              <a:off x="2647188" y="480060"/>
+              <a:ext cx="0" cy="640080"/>
+            </a:xfrm>
+            <a:prstGeom prst="straightConnector1">
+              <a:avLst/>
+            </a:prstGeom>
+            <a:ln w="9525">
+              <a:solidFill>
+                <a:srgbClr val="00B050"/>
+              </a:solidFill>
+              <a:prstDash val="sysDot"/>
+              <a:headEnd type="none" w="med" len="med"/>
+              <a:tailEnd type="triangle" w="sm" len="lg"/>
+            </a:ln>
+          </p:spPr>
+          <p:style>
+            <a:lnRef idx="1">
+              <a:schemeClr val="accent1"/>
+            </a:lnRef>
+            <a:fillRef idx="0">
+              <a:schemeClr val="accent1"/>
+            </a:fillRef>
+            <a:effectRef idx="0">
+              <a:schemeClr val="accent1"/>
+            </a:effectRef>
+            <a:fontRef idx="minor">
+              <a:schemeClr val="tx1"/>
+            </a:fontRef>
+          </p:style>
+        </p:cxnSp>
+        <p:cxnSp>
+          <p:nvCxnSpPr>
+            <p:cNvPr id="36" name="Straight Connector 35"/>
+            <p:cNvCxnSpPr/>
+            <p:nvPr/>
+          </p:nvCxnSpPr>
+          <p:spPr>
+            <a:xfrm>
+              <a:off x="334054" y="1119005"/>
+              <a:ext cx="4846320" cy="0"/>
+            </a:xfrm>
+            <a:prstGeom prst="line">
+              <a:avLst/>
+            </a:prstGeom>
+            <a:ln w="9525">
+              <a:solidFill>
+                <a:srgbClr val="1C87FC"/>
+              </a:solidFill>
+              <a:prstDash val="sysDot"/>
+              <a:headEnd type="none" w="med" len="med"/>
+              <a:tailEnd type="triangle" w="sm" len="lg"/>
+            </a:ln>
+          </p:spPr>
+          <p:style>
+            <a:lnRef idx="1">
+              <a:schemeClr val="accent1"/>
+            </a:lnRef>
+            <a:fillRef idx="0">
+              <a:schemeClr val="accent1"/>
+            </a:fillRef>
+            <a:effectRef idx="0">
+              <a:schemeClr val="accent1"/>
+            </a:effectRef>
+            <a:fontRef idx="minor">
+              <a:schemeClr val="tx1"/>
+            </a:fontRef>
+          </p:style>
+        </p:cxnSp>
+        <p:cxnSp>
+          <p:nvCxnSpPr>
+            <p:cNvPr id="74" name="Straight Connector 73"/>
+            <p:cNvCxnSpPr/>
+            <p:nvPr/>
+          </p:nvCxnSpPr>
+          <p:spPr>
+            <a:xfrm rot="21060000">
+              <a:off x="316947" y="1124714"/>
+              <a:ext cx="4535424" cy="0"/>
+            </a:xfrm>
+            <a:prstGeom prst="line">
+              <a:avLst/>
+            </a:prstGeom>
+            <a:ln w="9525">
+              <a:solidFill>
+                <a:schemeClr val="tx1">
+                  <a:lumMod val="65000"/>
+                  <a:lumOff val="35000"/>
+                </a:schemeClr>
+              </a:solidFill>
+              <a:prstDash val="dash"/>
+              <a:headEnd type="none" w="med" len="med"/>
+              <a:tailEnd type="none" w="med" len="med"/>
+            </a:ln>
+          </p:spPr>
+          <p:style>
+            <a:lnRef idx="1">
+              <a:schemeClr val="accent1"/>
+            </a:lnRef>
+            <a:fillRef idx="0">
+              <a:schemeClr val="accent1"/>
+            </a:fillRef>
+            <a:effectRef idx="0">
+              <a:schemeClr val="accent1"/>
+            </a:effectRef>
+            <a:fontRef idx="minor">
+              <a:schemeClr val="tx1"/>
+            </a:fontRef>
+          </p:style>
+        </p:cxnSp>
+        <p:sp>
+          <p:nvSpPr>
+            <p:cNvPr id="89" name="Text Box 15"/>
+            <p:cNvSpPr txBox="1"/>
+            <p:nvPr/>
+          </p:nvSpPr>
+          <p:spPr>
+            <a:xfrm flipH="1">
+              <a:off x="2550011" y="883028"/>
+              <a:ext cx="594488" cy="273894"/>
+            </a:xfrm>
+            <a:prstGeom prst="rect">
+              <a:avLst/>
+            </a:prstGeom>
+            <a:noFill/>
+            <a:ln w="6350">
+              <a:noFill/>
+            </a:ln>
+            <a:effectLst/>
+          </p:spPr>
+          <p:style>
+            <a:lnRef idx="0">
+              <a:schemeClr val="accent1"/>
+            </a:lnRef>
+            <a:fillRef idx="0">
+              <a:schemeClr val="accent1"/>
+            </a:fillRef>
+            <a:effectRef idx="0">
+              <a:schemeClr val="accent1"/>
+            </a:effectRef>
+            <a:fontRef idx="minor">
+              <a:schemeClr val="dk1"/>
+            </a:fontRef>
+          </p:style>
+          <p:txBody>
+            <a:bodyPr rot="0" spcFirstLastPara="0" vert="horz" wrap="square" lIns="91440" tIns="45720" rIns="91440" bIns="45720" numCol="1" spcCol="0" rtlCol="0" fromWordArt="0" anchor="t" anchorCtr="0" forceAA="0" compatLnSpc="1">
+              <a:prstTxWarp prst="textNoShape">
+                <a:avLst/>
+              </a:prstTxWarp>
+              <a:noAutofit/>
+            </a:bodyPr>
+            <a:lstStyle/>
+            <a:p>
+              <a:pPr marL="0" marR="0">
+                <a:lnSpc>
+                  <a:spcPct val="115000"/>
+                </a:lnSpc>
+                <a:spcBef>
+                  <a:spcPts val="0"/>
+                </a:spcBef>
+                <a:spcAft>
+                  <a:spcPts val="0"/>
+                </a:spcAft>
+              </a:pPr>
+              <a:r>
+                <a:rPr lang="en-US" sz="900" dirty="0" smtClean="0">
+                  <a:effectLst/>
+                  <a:ea typeface="Calibri"/>
+                  <a:cs typeface="Times New Roman"/>
+                </a:rPr>
+                <a:t>ENP</a:t>
+              </a:r>
+              <a:endParaRPr lang="en-US" sz="900" dirty="0">
+                <a:effectLst/>
+                <a:ea typeface="Calibri"/>
+                <a:cs typeface="Times New Roman"/>
+              </a:endParaRPr>
+            </a:p>
+          </p:txBody>
+        </p:sp>
+        <p:sp>
+          <p:nvSpPr>
+            <p:cNvPr id="107" name="Oval 106"/>
+            <p:cNvSpPr/>
+            <p:nvPr/>
+          </p:nvSpPr>
+          <p:spPr>
+            <a:xfrm>
+              <a:off x="2625708" y="1091316"/>
+              <a:ext cx="56010" cy="56010"/>
+            </a:xfrm>
+            <a:prstGeom prst="ellipse">
+              <a:avLst/>
+            </a:prstGeom>
+            <a:solidFill>
+              <a:schemeClr val="tx1"/>
+            </a:solidFill>
+            <a:ln>
+              <a:noFill/>
+            </a:ln>
+          </p:spPr>
+          <p:style>
+            <a:lnRef idx="2">
+              <a:schemeClr val="accent1">
+                <a:shade val="50000"/>
+              </a:schemeClr>
+            </a:lnRef>
+            <a:fillRef idx="1">
+              <a:schemeClr val="accent1"/>
+            </a:fillRef>
+            <a:effectRef idx="0">
+              <a:schemeClr val="accent1"/>
+            </a:effectRef>
+            <a:fontRef idx="minor">
+              <a:schemeClr val="lt1"/>
+            </a:fontRef>
+          </p:style>
+          <p:txBody>
+            <a:bodyPr rtlCol="0" anchor="ctr"/>
+            <a:lstStyle/>
+            <a:p>
+              <a:pPr algn="ctr"/>
+              <a:endParaRPr lang="en-US"/>
+            </a:p>
+          </p:txBody>
+        </p:sp>
+        <p:sp>
+          <p:nvSpPr>
+            <p:cNvPr id="110" name="Oval 109"/>
+            <p:cNvSpPr/>
+            <p:nvPr/>
+          </p:nvSpPr>
+          <p:spPr>
+            <a:xfrm flipH="1">
+              <a:off x="2621863" y="1088447"/>
+              <a:ext cx="56009" cy="56010"/>
+            </a:xfrm>
+            <a:prstGeom prst="ellipse">
+              <a:avLst/>
+            </a:prstGeom>
+            <a:solidFill>
+              <a:srgbClr val="CC0000">
+                <a:alpha val="0"/>
+              </a:srgbClr>
+            </a:solidFill>
+            <a:ln>
+              <a:solidFill>
+                <a:srgbClr val="CC0000"/>
+              </a:solidFill>
+            </a:ln>
+          </p:spPr>
+          <p:style>
+            <a:lnRef idx="2">
+              <a:schemeClr val="accent1">
+                <a:shade val="50000"/>
+              </a:schemeClr>
+            </a:lnRef>
+            <a:fillRef idx="1">
+              <a:schemeClr val="accent1"/>
+            </a:fillRef>
+            <a:effectRef idx="0">
+              <a:schemeClr val="accent1"/>
+            </a:effectRef>
+            <a:fontRef idx="minor">
+              <a:schemeClr val="lt1"/>
+            </a:fontRef>
+          </p:style>
+          <p:txBody>
+            <a:bodyPr rtlCol="0" anchor="ctr"/>
+            <a:lstStyle/>
+            <a:p>
+              <a:pPr algn="ctr"/>
+              <a:endParaRPr lang="en-US"/>
+            </a:p>
+          </p:txBody>
+        </p:sp>
+        <p:sp>
+          <p:nvSpPr>
+            <p:cNvPr id="112" name="Text Box 15"/>
+            <p:cNvSpPr txBox="1"/>
+            <p:nvPr/>
+          </p:nvSpPr>
+          <p:spPr>
+            <a:xfrm flipH="1">
+              <a:off x="3070830" y="792455"/>
+              <a:ext cx="594488" cy="273894"/>
+            </a:xfrm>
+            <a:prstGeom prst="rect">
+              <a:avLst/>
+            </a:prstGeom>
+            <a:noFill/>
+            <a:ln w="6350">
+              <a:noFill/>
+            </a:ln>
+            <a:effectLst/>
+          </p:spPr>
+          <p:style>
+            <a:lnRef idx="0">
+              <a:schemeClr val="accent1"/>
+            </a:lnRef>
+            <a:fillRef idx="0">
+              <a:schemeClr val="accent1"/>
+            </a:fillRef>
+            <a:effectRef idx="0">
+              <a:schemeClr val="accent1"/>
+            </a:effectRef>
+            <a:fontRef idx="minor">
+              <a:schemeClr val="dk1"/>
+            </a:fontRef>
+          </p:style>
+          <p:txBody>
+            <a:bodyPr rot="0" spcFirstLastPara="0" vert="horz" wrap="square" lIns="91440" tIns="45720" rIns="91440" bIns="45720" numCol="1" spcCol="0" rtlCol="0" fromWordArt="0" anchor="t" anchorCtr="0" forceAA="0" compatLnSpc="1">
+              <a:prstTxWarp prst="textNoShape">
+                <a:avLst/>
+              </a:prstTxWarp>
+              <a:noAutofit/>
+            </a:bodyPr>
+            <a:lstStyle/>
+            <a:p>
+              <a:pPr marL="0" marR="0">
+                <a:lnSpc>
+                  <a:spcPct val="115000"/>
+                </a:lnSpc>
+                <a:spcBef>
+                  <a:spcPts val="0"/>
+                </a:spcBef>
+                <a:spcAft>
+                  <a:spcPts val="0"/>
+                </a:spcAft>
+              </a:pPr>
+              <a:r>
+                <a:rPr lang="en-US" sz="900" dirty="0" smtClean="0">
+                  <a:effectLst/>
+                  <a:ea typeface="Calibri"/>
+                  <a:cs typeface="Times New Roman"/>
+                </a:rPr>
+                <a:t>EXP</a:t>
+              </a:r>
+              <a:endParaRPr lang="en-US" sz="900" dirty="0">
+                <a:effectLst/>
+                <a:ea typeface="Calibri"/>
+                <a:cs typeface="Times New Roman"/>
+              </a:endParaRPr>
+            </a:p>
+          </p:txBody>
+        </p:sp>
+        <p:sp>
+          <p:nvSpPr>
+            <p:cNvPr id="115" name="Oval 114"/>
+            <p:cNvSpPr/>
+            <p:nvPr/>
+          </p:nvSpPr>
+          <p:spPr>
+            <a:xfrm>
+              <a:off x="3137222" y="1003907"/>
+              <a:ext cx="56010" cy="56010"/>
+            </a:xfrm>
+            <a:prstGeom prst="ellipse">
+              <a:avLst/>
+            </a:prstGeom>
+            <a:solidFill>
+              <a:schemeClr val="tx1"/>
+            </a:solidFill>
+            <a:ln>
+              <a:solidFill>
+                <a:srgbClr val="FFC000"/>
+              </a:solidFill>
+            </a:ln>
+          </p:spPr>
+          <p:style>
+            <a:lnRef idx="2">
+              <a:schemeClr val="accent1">
+                <a:shade val="50000"/>
+              </a:schemeClr>
+            </a:lnRef>
+            <a:fillRef idx="1">
+              <a:schemeClr val="accent1"/>
+            </a:fillRef>
+            <a:effectRef idx="0">
+              <a:schemeClr val="accent1"/>
+            </a:effectRef>
+            <a:fontRef idx="minor">
+              <a:schemeClr val="lt1"/>
+            </a:fontRef>
+          </p:style>
+          <p:txBody>
+            <a:bodyPr rtlCol="0" anchor="ctr"/>
+            <a:lstStyle/>
+            <a:p>
+              <a:pPr algn="ctr"/>
+              <a:endParaRPr lang="en-US"/>
+            </a:p>
+          </p:txBody>
+        </p:sp>
+        <p:sp>
+          <p:nvSpPr>
+            <p:cNvPr id="116" name="Oval 115"/>
+            <p:cNvSpPr/>
+            <p:nvPr/>
+          </p:nvSpPr>
+          <p:spPr>
+            <a:xfrm flipH="1">
+              <a:off x="3133378" y="1001038"/>
+              <a:ext cx="56009" cy="56010"/>
+            </a:xfrm>
+            <a:prstGeom prst="ellipse">
+              <a:avLst/>
+            </a:prstGeom>
+            <a:solidFill>
+              <a:srgbClr val="CC0000">
+                <a:alpha val="0"/>
+              </a:srgbClr>
+            </a:solidFill>
+            <a:ln>
+              <a:solidFill>
+                <a:srgbClr val="FFC000"/>
+              </a:solidFill>
+            </a:ln>
+          </p:spPr>
+          <p:style>
+            <a:lnRef idx="2">
+              <a:schemeClr val="accent1">
+                <a:shade val="50000"/>
+              </a:schemeClr>
+            </a:lnRef>
+            <a:fillRef idx="1">
+              <a:schemeClr val="accent1"/>
+            </a:fillRef>
+            <a:effectRef idx="0">
+              <a:schemeClr val="accent1"/>
+            </a:effectRef>
+            <a:fontRef idx="minor">
+              <a:schemeClr val="lt1"/>
+            </a:fontRef>
+          </p:style>
+          <p:txBody>
+            <a:bodyPr rtlCol="0" anchor="ctr"/>
+            <a:lstStyle/>
+            <a:p>
+              <a:pPr algn="ctr"/>
+              <a:endParaRPr lang="en-US"/>
+            </a:p>
+          </p:txBody>
+        </p:sp>
+        <p:grpSp>
+          <p:nvGrpSpPr>
+            <p:cNvPr id="127" name="Group 126"/>
+            <p:cNvGrpSpPr/>
+            <p:nvPr/>
+          </p:nvGrpSpPr>
+          <p:grpSpPr>
+            <a:xfrm>
+              <a:off x="550051" y="319327"/>
+              <a:ext cx="2092672" cy="796310"/>
+              <a:chOff x="599268" y="1937288"/>
+              <a:chExt cx="679752" cy="423335"/>
+            </a:xfrm>
+          </p:grpSpPr>
+          <p:cxnSp>
+            <p:nvCxnSpPr>
+              <p:cNvPr id="118" name="Straight Connector 117"/>
+              <p:cNvCxnSpPr/>
+              <p:nvPr/>
+            </p:nvCxnSpPr>
+            <p:spPr>
+              <a:xfrm>
+                <a:off x="599268" y="1937288"/>
+                <a:ext cx="679752" cy="423335"/>
+              </a:xfrm>
+              <a:prstGeom prst="line">
+                <a:avLst/>
+              </a:prstGeom>
+              <a:ln>
+                <a:solidFill>
+                  <a:srgbClr val="FF0000"/>
+                </a:solidFill>
+              </a:ln>
+            </p:spPr>
+            <p:style>
+              <a:lnRef idx="1">
+                <a:schemeClr val="accent1"/>
+              </a:lnRef>
+              <a:fillRef idx="0">
+                <a:schemeClr val="accent1"/>
+              </a:fillRef>
+              <a:effectRef idx="0">
+                <a:schemeClr val="accent1"/>
+              </a:effectRef>
+              <a:fontRef idx="minor">
+                <a:schemeClr val="tx1"/>
+              </a:fontRef>
+            </p:style>
+          </p:cxnSp>
+          <p:sp>
+            <p:nvSpPr>
+              <p:cNvPr id="125" name="Isosceles Triangle 124"/>
+              <p:cNvSpPr>
+                <a:spLocks noChangeAspect="1"/>
+              </p:cNvSpPr>
+              <p:nvPr/>
+            </p:nvSpPr>
+            <p:spPr>
+              <a:xfrm rot="6960000">
+                <a:off x="939536" y="2148574"/>
+                <a:ext cx="38889" cy="24761"/>
+              </a:xfrm>
+              <a:prstGeom prst="triangle">
+                <a:avLst/>
+              </a:prstGeom>
+              <a:solidFill>
+                <a:schemeClr val="bg1"/>
+              </a:solidFill>
+              <a:ln w="6350">
+                <a:solidFill>
+                  <a:srgbClr val="FF0000"/>
+                </a:solidFill>
+              </a:ln>
+            </p:spPr>
+            <p:style>
+              <a:lnRef idx="2">
+                <a:schemeClr val="accent1">
+                  <a:shade val="50000"/>
+                </a:schemeClr>
+              </a:lnRef>
+              <a:fillRef idx="1">
+                <a:schemeClr val="accent1"/>
+              </a:fillRef>
+              <a:effectRef idx="0">
+                <a:schemeClr val="accent1"/>
+              </a:effectRef>
+              <a:fontRef idx="minor">
+                <a:schemeClr val="lt1"/>
+              </a:fontRef>
+            </p:style>
+            <p:txBody>
+              <a:bodyPr rtlCol="0" anchor="ctr"/>
+              <a:lstStyle/>
+              <a:p>
+                <a:pPr algn="ctr"/>
+                <a:endParaRPr lang="en-US"/>
+              </a:p>
+            </p:txBody>
+          </p:sp>
+        </p:grpSp>
+        <p:grpSp>
+          <p:nvGrpSpPr>
+            <p:cNvPr id="128" name="Group 127"/>
+            <p:cNvGrpSpPr/>
+            <p:nvPr/>
+          </p:nvGrpSpPr>
+          <p:grpSpPr>
+            <a:xfrm>
+              <a:off x="3156902" y="1022249"/>
+              <a:ext cx="1510475" cy="540077"/>
+              <a:chOff x="2063858" y="2358326"/>
+              <a:chExt cx="638013" cy="286718"/>
+            </a:xfrm>
+          </p:grpSpPr>
+          <p:cxnSp>
+            <p:nvCxnSpPr>
+              <p:cNvPr id="119" name="Straight Connector 118"/>
+              <p:cNvCxnSpPr/>
+              <p:nvPr/>
+            </p:nvCxnSpPr>
+            <p:spPr>
+              <a:xfrm>
+                <a:off x="2063858" y="2358326"/>
+                <a:ext cx="638013" cy="286718"/>
+              </a:xfrm>
+              <a:prstGeom prst="line">
+                <a:avLst/>
+              </a:prstGeom>
+              <a:solidFill>
+                <a:schemeClr val="bg1"/>
+              </a:solidFill>
+              <a:ln w="6350">
+                <a:solidFill>
+                  <a:srgbClr val="FF0000"/>
+                </a:solidFill>
+              </a:ln>
+            </p:spPr>
+            <p:style>
+              <a:lnRef idx="2">
+                <a:schemeClr val="accent1">
+                  <a:shade val="50000"/>
+                </a:schemeClr>
+              </a:lnRef>
+              <a:fillRef idx="1">
+                <a:schemeClr val="accent1"/>
+              </a:fillRef>
+              <a:effectRef idx="0">
+                <a:schemeClr val="accent1"/>
+              </a:effectRef>
+              <a:fontRef idx="minor">
+                <a:schemeClr val="lt1"/>
+              </a:fontRef>
+            </p:style>
+          </p:cxnSp>
+          <p:sp>
+            <p:nvSpPr>
+              <p:cNvPr id="126" name="Isosceles Triangle 125"/>
+              <p:cNvSpPr>
+                <a:spLocks noChangeAspect="1"/>
+              </p:cNvSpPr>
+              <p:nvPr/>
+            </p:nvSpPr>
+            <p:spPr>
+              <a:xfrm rot="6600000">
+                <a:off x="2425574" y="2514446"/>
+                <a:ext cx="38835" cy="30898"/>
+              </a:xfrm>
+              <a:prstGeom prst="triangle">
+                <a:avLst/>
+              </a:prstGeom>
+              <a:solidFill>
+                <a:schemeClr val="bg1"/>
+              </a:solidFill>
+              <a:ln w="6350">
+                <a:solidFill>
+                  <a:srgbClr val="FF0000"/>
+                </a:solidFill>
+              </a:ln>
+            </p:spPr>
+            <p:style>
+              <a:lnRef idx="2">
+                <a:schemeClr val="accent1">
+                  <a:shade val="50000"/>
+                </a:schemeClr>
+              </a:lnRef>
+              <a:fillRef idx="1">
+                <a:schemeClr val="accent1"/>
+              </a:fillRef>
+              <a:effectRef idx="0">
+                <a:schemeClr val="accent1"/>
+              </a:effectRef>
+              <a:fontRef idx="minor">
+                <a:schemeClr val="lt1"/>
+              </a:fontRef>
+            </p:style>
+            <p:txBody>
+              <a:bodyPr rtlCol="0" anchor="ctr"/>
+              <a:lstStyle/>
+              <a:p>
+                <a:pPr algn="ctr"/>
+                <a:endParaRPr lang="en-US"/>
+              </a:p>
+            </p:txBody>
+          </p:sp>
+        </p:grpSp>
+        <mc:AlternateContent xmlns:mc="http://schemas.openxmlformats.org/markup-compatibility/2006">
+          <mc:Choice xmlns:a14="http://schemas.microsoft.com/office/drawing/2010/main" Requires="a14">
+            <p:sp>
+              <p:nvSpPr>
+                <p:cNvPr id="129" name="TextBox 128"/>
+                <p:cNvSpPr txBox="1"/>
+                <p:nvPr/>
+              </p:nvSpPr>
+              <p:spPr>
+                <a:xfrm>
+                  <a:off x="2017450" y="905641"/>
+                  <a:ext cx="394957" cy="320490"/>
+                </a:xfrm>
+                <a:prstGeom prst="rect">
+                  <a:avLst/>
+                </a:prstGeom>
+                <a:noFill/>
+              </p:spPr>
+              <p:txBody>
+                <a:bodyPr wrap="none" rtlCol="0">
+                  <a:spAutoFit/>
+                </a:bodyPr>
+                <a:lstStyle/>
+                <a:p>
+                  <a:pPr/>
+                  <a14:m>
+                    <m:oMathPara xmlns:m="http://schemas.openxmlformats.org/officeDocument/2006/math">
+                      <m:oMathParaPr>
+                        <m:jc m:val="centerGroup"/>
+                      </m:oMathParaPr>
+                      <m:oMath xmlns:m="http://schemas.openxmlformats.org/officeDocument/2006/math">
+                        <m:r>
+                          <a:rPr lang="en-US" sz="1100" b="0" i="1" smtClean="0">
+                            <a:latin typeface="Cambria Math" panose="02040503050406030204" pitchFamily="18" charset="0"/>
+                          </a:rPr>
+                          <m:t>𝜔</m:t>
+                        </m:r>
+                      </m:oMath>
+                    </m:oMathPara>
+                  </a14:m>
+                  <a:endParaRPr lang="en-US" sz="1100" dirty="0"/>
+                </a:p>
+              </p:txBody>
+            </p:sp>
+          </mc:Choice>
+          <mc:Fallback>
+            <p:sp>
+              <p:nvSpPr>
+                <p:cNvPr id="129" name="TextBox 128"/>
+                <p:cNvSpPr txBox="1">
+                  <a:spLocks noRot="1" noChangeAspect="1" noMove="1" noResize="1" noEditPoints="1" noAdjustHandles="1" noChangeArrowheads="1" noChangeShapeType="1" noTextEdit="1"/>
+                </p:cNvSpPr>
+                <p:nvPr/>
+              </p:nvSpPr>
+              <p:spPr>
+                <a:xfrm>
+                  <a:off x="2017450" y="905641"/>
+                  <a:ext cx="394957" cy="320490"/>
+                </a:xfrm>
+                <a:prstGeom prst="rect">
+                  <a:avLst/>
+                </a:prstGeom>
+                <a:blipFill rotWithShape="0">
+                  <a:blip r:embed="rId3"/>
+                  <a:stretch>
+                    <a:fillRect/>
+                  </a:stretch>
+                </a:blipFill>
+              </p:spPr>
+              <p:txBody>
+                <a:bodyPr/>
+                <a:lstStyle/>
+                <a:p>
+                  <a:r>
+                    <a:rPr lang="en-US">
+                      <a:noFill/>
+                    </a:rPr>
+                    <a:t> </a:t>
+                  </a:r>
+                </a:p>
+              </p:txBody>
+            </p:sp>
+          </mc:Fallback>
+        </mc:AlternateContent>
+        <p:sp>
+          <p:nvSpPr>
+            <p:cNvPr id="133" name="Arc 132"/>
+            <p:cNvSpPr>
+              <a:spLocks noChangeAspect="1"/>
+            </p:cNvSpPr>
+            <p:nvPr/>
+          </p:nvSpPr>
+          <p:spPr>
+            <a:xfrm>
+              <a:off x="2355360" y="841123"/>
+              <a:ext cx="548640" cy="548640"/>
+            </a:xfrm>
+            <a:prstGeom prst="arc">
+              <a:avLst>
+                <a:gd name="adj1" fmla="val 10184832"/>
+                <a:gd name="adj2" fmla="val 12024373"/>
+              </a:avLst>
+            </a:prstGeom>
+            <a:ln w="7620">
+              <a:solidFill>
+                <a:schemeClr val="tx1">
+                  <a:lumMod val="75000"/>
+                  <a:lumOff val="25000"/>
+                </a:schemeClr>
+              </a:solidFill>
+              <a:headEnd type="none" w="sm" len="sm"/>
+              <a:tailEnd type="arrow" w="sm" len="sm"/>
+            </a:ln>
+          </p:spPr>
+          <p:style>
+            <a:lnRef idx="1">
+              <a:schemeClr val="accent1"/>
+            </a:lnRef>
+            <a:fillRef idx="0">
+              <a:schemeClr val="accent1"/>
+            </a:fillRef>
+            <a:effectRef idx="0">
+              <a:schemeClr val="accent1"/>
+            </a:effectRef>
+            <a:fontRef idx="minor">
+              <a:schemeClr val="tx1"/>
+            </a:fontRef>
+          </p:style>
+          <p:txBody>
+            <a:bodyPr rtlCol="0" anchor="ctr"/>
+            <a:lstStyle/>
+            <a:p>
+              <a:pPr algn="ctr"/>
+              <a:endParaRPr lang="en-US"/>
+            </a:p>
+          </p:txBody>
+        </p:sp>
+        <p:sp>
+          <p:nvSpPr>
+            <p:cNvPr id="135" name="TextBox 134"/>
+            <p:cNvSpPr txBox="1"/>
+            <p:nvPr/>
+          </p:nvSpPr>
+          <p:spPr>
+            <a:xfrm rot="21077016">
+              <a:off x="845327" y="1199845"/>
+              <a:ext cx="673582" cy="200055"/>
+            </a:xfrm>
+            <a:prstGeom prst="rect">
+              <a:avLst/>
+            </a:prstGeom>
+            <a:noFill/>
+          </p:spPr>
+          <p:txBody>
+            <a:bodyPr wrap="none" rtlCol="0">
+              <a:spAutoFit/>
+            </a:bodyPr>
+            <a:lstStyle/>
+            <a:p>
+              <a:r>
+                <a:rPr lang="en-US" sz="700" i="1" dirty="0" smtClean="0"/>
+                <a:t>OPTICAL AXIS</a:t>
+              </a:r>
+              <a:endParaRPr lang="en-US" sz="700" i="1" dirty="0"/>
+            </a:p>
+          </p:txBody>
+        </p:sp>
+        <mc:AlternateContent xmlns:mc="http://schemas.openxmlformats.org/markup-compatibility/2006">
+          <mc:Choice xmlns:a14="http://schemas.microsoft.com/office/drawing/2010/main" Requires="a14">
+            <p:sp>
+              <p:nvSpPr>
+                <p:cNvPr id="162" name="TextBox 161"/>
+                <p:cNvSpPr txBox="1"/>
+                <p:nvPr/>
+              </p:nvSpPr>
+              <p:spPr>
+                <a:xfrm rot="1274877">
+                  <a:off x="1507873" y="602097"/>
+                  <a:ext cx="943977" cy="246221"/>
+                </a:xfrm>
+                <a:prstGeom prst="rect">
+                  <a:avLst/>
+                </a:prstGeom>
+                <a:noFill/>
+              </p:spPr>
+              <p:txBody>
+                <a:bodyPr wrap="none" rtlCol="0">
+                  <a:spAutoFit/>
+                </a:bodyPr>
+                <a:lstStyle/>
+                <a:p>
+                  <a:pPr/>
+                  <a14:m>
+                    <m:oMathPara xmlns:m="http://schemas.openxmlformats.org/officeDocument/2006/math">
+                      <m:oMathParaPr>
+                        <m:jc m:val="centerGroup"/>
+                      </m:oMathParaPr>
+                      <m:oMath xmlns:m="http://schemas.openxmlformats.org/officeDocument/2006/math">
+                        <m:acc>
+                          <m:accPr>
+                            <m:chr m:val="⃗"/>
+                            <m:ctrlPr>
+                              <a:rPr lang="en-US" sz="1000" b="0" i="1" smtClean="0">
+                                <a:solidFill>
+                                  <a:srgbClr val="C00000"/>
+                                </a:solidFill>
+                                <a:latin typeface="Cambria Math" panose="02040503050406030204" pitchFamily="18" charset="0"/>
+                              </a:rPr>
+                            </m:ctrlPr>
+                          </m:accPr>
+                          <m:e>
+                            <m:r>
+                              <a:rPr lang="en-US" sz="1000" b="0" i="1" smtClean="0">
+                                <a:solidFill>
+                                  <a:srgbClr val="C00000"/>
+                                </a:solidFill>
+                                <a:latin typeface="Cambria Math" panose="02040503050406030204" pitchFamily="18" charset="0"/>
+                              </a:rPr>
+                              <m:t>𝛼</m:t>
+                            </m:r>
+                          </m:e>
+                        </m:acc>
+                        <m:r>
+                          <a:rPr lang="en-US" sz="1000" b="0" i="1" smtClean="0">
+                            <a:solidFill>
+                              <a:srgbClr val="C00000"/>
+                            </a:solidFill>
+                            <a:latin typeface="Cambria Math" panose="02040503050406030204" pitchFamily="18" charset="0"/>
+                          </a:rPr>
+                          <m:t>=</m:t>
+                        </m:r>
+                        <m:sSup>
+                          <m:sSupPr>
+                            <m:ctrlPr>
+                              <a:rPr lang="en-US" sz="1000" b="0" i="1" smtClean="0">
+                                <a:solidFill>
+                                  <a:srgbClr val="C00000"/>
+                                </a:solidFill>
+                                <a:latin typeface="Cambria Math" panose="02040503050406030204" pitchFamily="18" charset="0"/>
+                              </a:rPr>
+                            </m:ctrlPr>
+                          </m:sSupPr>
+                          <m:e>
+                            <m:d>
+                              <m:dPr>
+                                <m:begChr m:val="["/>
+                                <m:endChr m:val="]"/>
+                                <m:ctrlPr>
+                                  <a:rPr lang="en-US" sz="1000" b="0" i="1" smtClean="0">
+                                    <a:solidFill>
+                                      <a:srgbClr val="C00000"/>
+                                    </a:solidFill>
+                                    <a:latin typeface="Cambria Math" panose="02040503050406030204" pitchFamily="18" charset="0"/>
+                                  </a:rPr>
+                                </m:ctrlPr>
+                              </m:dPr>
+                              <m:e>
+                                <m:r>
+                                  <a:rPr lang="en-US" sz="1000" b="0" i="1" smtClean="0">
+                                    <a:solidFill>
+                                      <a:srgbClr val="C00000"/>
+                                    </a:solidFill>
+                                    <a:latin typeface="Cambria Math" panose="02040503050406030204" pitchFamily="18" charset="0"/>
+                                  </a:rPr>
+                                  <m:t>𝛼</m:t>
+                                </m:r>
+                                <m:r>
+                                  <a:rPr lang="en-US" sz="1000" b="0" i="1" smtClean="0">
+                                    <a:solidFill>
+                                      <a:srgbClr val="C00000"/>
+                                    </a:solidFill>
+                                    <a:latin typeface="Cambria Math" panose="02040503050406030204" pitchFamily="18" charset="0"/>
+                                  </a:rPr>
+                                  <m:t>, </m:t>
+                                </m:r>
+                                <m:r>
+                                  <a:rPr lang="en-US" sz="1000" b="0" i="1" smtClean="0">
+                                    <a:solidFill>
+                                      <a:srgbClr val="C00000"/>
+                                    </a:solidFill>
+                                    <a:latin typeface="Cambria Math" panose="02040503050406030204" pitchFamily="18" charset="0"/>
+                                  </a:rPr>
+                                  <m:t>𝛽</m:t>
+                                </m:r>
+                                <m:r>
+                                  <a:rPr lang="en-US" sz="1000" b="0" i="1" smtClean="0">
+                                    <a:solidFill>
+                                      <a:srgbClr val="C00000"/>
+                                    </a:solidFill>
+                                    <a:latin typeface="Cambria Math" panose="02040503050406030204" pitchFamily="18" charset="0"/>
+                                  </a:rPr>
+                                  <m:t>,</m:t>
+                                </m:r>
+                                <m:r>
+                                  <a:rPr lang="en-US" sz="1000" b="0" i="1" smtClean="0">
+                                    <a:solidFill>
+                                      <a:srgbClr val="C00000"/>
+                                    </a:solidFill>
+                                    <a:latin typeface="Cambria Math" panose="02040503050406030204" pitchFamily="18" charset="0"/>
+                                  </a:rPr>
+                                  <m:t>𝛾</m:t>
+                                </m:r>
+                              </m:e>
+                            </m:d>
+                          </m:e>
+                          <m:sup>
+                            <m:r>
+                              <a:rPr lang="en-US" sz="1000" b="0" i="1" smtClean="0">
+                                <a:solidFill>
+                                  <a:srgbClr val="C00000"/>
+                                </a:solidFill>
+                                <a:latin typeface="Cambria Math" panose="02040503050406030204" pitchFamily="18" charset="0"/>
+                              </a:rPr>
+                              <m:t>𝑇</m:t>
+                            </m:r>
+                          </m:sup>
+                        </m:sSup>
+                      </m:oMath>
+                    </m:oMathPara>
+                  </a14:m>
+                  <a:endParaRPr lang="en-US" sz="1000" dirty="0">
+                    <a:solidFill>
+                      <a:srgbClr val="C00000"/>
+                    </a:solidFill>
+                  </a:endParaRPr>
+                </a:p>
+              </p:txBody>
+            </p:sp>
+          </mc:Choice>
+          <mc:Fallback>
+            <p:sp>
+              <p:nvSpPr>
+                <p:cNvPr id="162" name="TextBox 161"/>
+                <p:cNvSpPr txBox="1">
+                  <a:spLocks noRot="1" noChangeAspect="1" noMove="1" noResize="1" noEditPoints="1" noAdjustHandles="1" noChangeArrowheads="1" noChangeShapeType="1" noTextEdit="1"/>
+                </p:cNvSpPr>
+                <p:nvPr/>
+              </p:nvSpPr>
+              <p:spPr>
+                <a:xfrm rot="1274877">
+                  <a:off x="1507873" y="602097"/>
+                  <a:ext cx="943977" cy="246221"/>
+                </a:xfrm>
+                <a:prstGeom prst="rect">
+                  <a:avLst/>
+                </a:prstGeom>
+                <a:blipFill rotWithShape="0">
+                  <a:blip r:embed="rId4"/>
+                  <a:stretch>
+                    <a:fillRect/>
+                  </a:stretch>
+                </a:blipFill>
+              </p:spPr>
+              <p:txBody>
+                <a:bodyPr/>
+                <a:lstStyle/>
+                <a:p>
+                  <a:r>
+                    <a:rPr lang="en-US">
+                      <a:noFill/>
+                    </a:rPr>
+                    <a:t> </a:t>
+                  </a:r>
+                </a:p>
+              </p:txBody>
+            </p:sp>
+          </mc:Fallback>
+        </mc:AlternateContent>
+        <mc:AlternateContent xmlns:mc="http://schemas.openxmlformats.org/markup-compatibility/2006">
+          <mc:Choice xmlns:a14="http://schemas.microsoft.com/office/drawing/2010/main" Requires="a14">
+            <p:sp>
+              <p:nvSpPr>
+                <p:cNvPr id="163" name="TextBox 162"/>
+                <p:cNvSpPr txBox="1"/>
+                <p:nvPr/>
+              </p:nvSpPr>
+              <p:spPr>
+                <a:xfrm rot="1200637">
+                  <a:off x="3233709" y="1260707"/>
+                  <a:ext cx="1108958" cy="246221"/>
+                </a:xfrm>
+                <a:prstGeom prst="rect">
+                  <a:avLst/>
+                </a:prstGeom>
+                <a:noFill/>
+              </p:spPr>
+              <p:txBody>
+                <a:bodyPr wrap="none" rtlCol="0">
+                  <a:spAutoFit/>
+                </a:bodyPr>
+                <a:lstStyle>
+                  <a:defPPr>
+                    <a:defRPr lang="en-US"/>
+                  </a:defPPr>
+                  <a:lvl1pPr>
+                    <a:defRPr sz="1200" b="0" i="1">
+                      <a:solidFill>
+                        <a:srgbClr val="C00000"/>
+                      </a:solidFill>
+                      <a:latin typeface="Cambria Math" panose="02040503050406030204" pitchFamily="18" charset="0"/>
+                    </a:defRPr>
+                  </a:lvl1pPr>
+                </a:lstStyle>
+                <a:p>
+                  <a:pPr/>
+                  <a14:m>
+                    <m:oMathPara xmlns:m="http://schemas.openxmlformats.org/officeDocument/2006/math">
+                      <m:oMathParaPr>
+                        <m:jc m:val="centerGroup"/>
+                      </m:oMathParaPr>
+                      <m:oMath xmlns:m="http://schemas.openxmlformats.org/officeDocument/2006/math">
+                        <m:sSup>
+                          <m:sSupPr>
+                            <m:ctrlPr>
+                              <a:rPr lang="en-US" sz="1000" b="0" i="1" smtClean="0">
+                                <a:latin typeface="Cambria Math" panose="02040503050406030204" pitchFamily="18" charset="0"/>
+                              </a:rPr>
+                            </m:ctrlPr>
+                          </m:sSupPr>
+                          <m:e>
+                            <m:acc>
+                              <m:accPr>
+                                <m:chr m:val="⃗"/>
+                                <m:ctrlPr>
+                                  <a:rPr lang="en-US" sz="1000" i="1" smtClean="0">
+                                    <a:latin typeface="Cambria Math" panose="02040503050406030204" pitchFamily="18" charset="0"/>
+                                  </a:rPr>
+                                </m:ctrlPr>
+                              </m:accPr>
+                              <m:e>
+                                <m:r>
+                                  <a:rPr lang="en-US" sz="1000">
+                                    <a:latin typeface="Cambria Math" panose="02040503050406030204" pitchFamily="18" charset="0"/>
+                                  </a:rPr>
+                                  <m:t>𝛼</m:t>
+                                </m:r>
+                              </m:e>
+                            </m:acc>
+                          </m:e>
+                          <m:sup>
+                            <m:r>
+                              <a:rPr lang="en-US" sz="1000" b="0" i="1" smtClean="0">
+                                <a:latin typeface="Cambria Math" panose="02040503050406030204" pitchFamily="18" charset="0"/>
+                              </a:rPr>
+                              <m:t>′</m:t>
+                            </m:r>
+                          </m:sup>
+                        </m:sSup>
+                        <m:r>
+                          <a:rPr lang="en-US" sz="1000">
+                            <a:latin typeface="Cambria Math" panose="02040503050406030204" pitchFamily="18" charset="0"/>
+                          </a:rPr>
+                          <m:t>=</m:t>
+                        </m:r>
+                        <m:sSup>
+                          <m:sSupPr>
+                            <m:ctrlPr>
+                              <a:rPr lang="en-US" sz="1000" b="0" i="1" smtClean="0">
+                                <a:latin typeface="Cambria Math" panose="02040503050406030204" pitchFamily="18" charset="0"/>
+                              </a:rPr>
+                            </m:ctrlPr>
+                          </m:sSupPr>
+                          <m:e>
+                            <m:d>
+                              <m:dPr>
+                                <m:begChr m:val="["/>
+                                <m:endChr m:val="]"/>
+                                <m:ctrlPr>
+                                  <a:rPr lang="en-US" sz="1000" b="0" i="1" smtClean="0">
+                                    <a:latin typeface="Cambria Math" panose="02040503050406030204" pitchFamily="18" charset="0"/>
+                                  </a:rPr>
+                                </m:ctrlPr>
+                              </m:dPr>
+                              <m:e>
+                                <m:sSup>
+                                  <m:sSupPr>
+                                    <m:ctrlPr>
+                                      <a:rPr lang="en-US" sz="1000" i="1">
+                                        <a:latin typeface="Cambria Math" panose="02040503050406030204" pitchFamily="18" charset="0"/>
+                                      </a:rPr>
+                                    </m:ctrlPr>
+                                  </m:sSupPr>
+                                  <m:e>
+                                    <m:r>
+                                      <a:rPr lang="en-US" sz="1000">
+                                        <a:latin typeface="Cambria Math" panose="02040503050406030204" pitchFamily="18" charset="0"/>
+                                      </a:rPr>
+                                      <m:t>𝛼</m:t>
+                                    </m:r>
+                                  </m:e>
+                                  <m:sup>
+                                    <m:r>
+                                      <a:rPr lang="en-US" sz="1000" i="1">
+                                        <a:latin typeface="Cambria Math" panose="02040503050406030204" pitchFamily="18" charset="0"/>
+                                      </a:rPr>
+                                      <m:t>′</m:t>
+                                    </m:r>
+                                  </m:sup>
+                                </m:sSup>
+                                <m:r>
+                                  <a:rPr lang="en-US" sz="1000">
+                                    <a:latin typeface="Cambria Math" panose="02040503050406030204" pitchFamily="18" charset="0"/>
+                                  </a:rPr>
+                                  <m:t>, </m:t>
+                                </m:r>
+                                <m:sSup>
+                                  <m:sSupPr>
+                                    <m:ctrlPr>
+                                      <a:rPr lang="en-US" sz="1000" i="1">
+                                        <a:latin typeface="Cambria Math" panose="02040503050406030204" pitchFamily="18" charset="0"/>
+                                      </a:rPr>
+                                    </m:ctrlPr>
+                                  </m:sSupPr>
+                                  <m:e>
+                                    <m:r>
+                                      <a:rPr lang="en-US" sz="1000">
+                                        <a:latin typeface="Cambria Math" panose="02040503050406030204" pitchFamily="18" charset="0"/>
+                                      </a:rPr>
+                                      <m:t>𝛽</m:t>
+                                    </m:r>
+                                  </m:e>
+                                  <m:sup>
+                                    <m:r>
+                                      <a:rPr lang="en-US" sz="1000" i="1">
+                                        <a:latin typeface="Cambria Math" panose="02040503050406030204" pitchFamily="18" charset="0"/>
+                                      </a:rPr>
+                                      <m:t>′</m:t>
+                                    </m:r>
+                                  </m:sup>
+                                </m:sSup>
+                                <m:r>
+                                  <a:rPr lang="en-US" sz="1000">
+                                    <a:latin typeface="Cambria Math" panose="02040503050406030204" pitchFamily="18" charset="0"/>
+                                  </a:rPr>
+                                  <m:t>,</m:t>
+                                </m:r>
+                                <m:sSup>
+                                  <m:sSupPr>
+                                    <m:ctrlPr>
+                                      <a:rPr lang="en-US" sz="1000" i="1">
+                                        <a:latin typeface="Cambria Math" panose="02040503050406030204" pitchFamily="18" charset="0"/>
+                                      </a:rPr>
+                                    </m:ctrlPr>
+                                  </m:sSupPr>
+                                  <m:e>
+                                    <m:r>
+                                      <a:rPr lang="en-US" sz="1000">
+                                        <a:latin typeface="Cambria Math" panose="02040503050406030204" pitchFamily="18" charset="0"/>
+                                      </a:rPr>
+                                      <m:t>𝛾</m:t>
+                                    </m:r>
+                                  </m:e>
+                                  <m:sup>
+                                    <m:r>
+                                      <a:rPr lang="en-US" sz="1000" i="1">
+                                        <a:latin typeface="Cambria Math" panose="02040503050406030204" pitchFamily="18" charset="0"/>
+                                      </a:rPr>
+                                      <m:t>′</m:t>
+                                    </m:r>
+                                  </m:sup>
+                                </m:sSup>
+                              </m:e>
+                            </m:d>
+                          </m:e>
+                          <m:sup>
+                            <m:r>
+                              <a:rPr lang="en-US" sz="1000" b="0" i="1" smtClean="0">
+                                <a:latin typeface="Cambria Math" panose="02040503050406030204" pitchFamily="18" charset="0"/>
+                              </a:rPr>
+                              <m:t>𝑇</m:t>
+                            </m:r>
+                          </m:sup>
+                        </m:sSup>
+                      </m:oMath>
+                    </m:oMathPara>
+                  </a14:m>
+                  <a:endParaRPr lang="en-US" sz="1000" dirty="0"/>
+                </a:p>
+              </p:txBody>
+            </p:sp>
+          </mc:Choice>
+          <mc:Fallback>
+            <p:sp>
+              <p:nvSpPr>
+                <p:cNvPr id="163" name="TextBox 162"/>
+                <p:cNvSpPr txBox="1">
+                  <a:spLocks noRot="1" noChangeAspect="1" noMove="1" noResize="1" noEditPoints="1" noAdjustHandles="1" noChangeArrowheads="1" noChangeShapeType="1" noTextEdit="1"/>
+                </p:cNvSpPr>
+                <p:nvPr/>
+              </p:nvSpPr>
+              <p:spPr>
+                <a:xfrm rot="1200637">
+                  <a:off x="3233709" y="1260707"/>
+                  <a:ext cx="1108958" cy="246221"/>
+                </a:xfrm>
+                <a:prstGeom prst="rect">
+                  <a:avLst/>
+                </a:prstGeom>
+                <a:blipFill rotWithShape="0">
+                  <a:blip r:embed="rId5"/>
+                  <a:stretch>
+                    <a:fillRect/>
+                  </a:stretch>
+                </a:blipFill>
+              </p:spPr>
+              <p:txBody>
+                <a:bodyPr/>
+                <a:lstStyle/>
+                <a:p>
+                  <a:r>
+                    <a:rPr lang="en-US">
+                      <a:noFill/>
+                    </a:rPr>
+                    <a:t> </a:t>
+                  </a:r>
+                </a:p>
+              </p:txBody>
+            </p:sp>
+          </mc:Fallback>
+        </mc:AlternateContent>
+        <p:sp>
+          <p:nvSpPr>
+            <p:cNvPr id="164" name="Oval 163"/>
+            <p:cNvSpPr>
+              <a:spLocks noChangeAspect="1"/>
+            </p:cNvSpPr>
+            <p:nvPr/>
+          </p:nvSpPr>
+          <p:spPr>
+            <a:xfrm>
+              <a:off x="534810" y="304086"/>
+              <a:ext cx="56010" cy="56010"/>
+            </a:xfrm>
+            <a:prstGeom prst="ellipse">
+              <a:avLst/>
+            </a:prstGeom>
+            <a:solidFill>
+              <a:schemeClr val="tx1">
+                <a:lumMod val="65000"/>
+                <a:lumOff val="35000"/>
+              </a:schemeClr>
+            </a:solidFill>
+            <a:ln>
+              <a:noFill/>
+            </a:ln>
+          </p:spPr>
+          <p:style>
+            <a:lnRef idx="2">
+              <a:schemeClr val="accent1">
+                <a:shade val="50000"/>
+              </a:schemeClr>
+            </a:lnRef>
+            <a:fillRef idx="1">
+              <a:schemeClr val="accent1"/>
+            </a:fillRef>
+            <a:effectRef idx="0">
+              <a:schemeClr val="accent1"/>
+            </a:effectRef>
+            <a:fontRef idx="minor">
+              <a:schemeClr val="lt1"/>
+            </a:fontRef>
+          </p:style>
+          <p:txBody>
+            <a:bodyPr rtlCol="0" anchor="ctr"/>
+            <a:lstStyle/>
+            <a:p>
+              <a:pPr algn="ctr"/>
+              <a:endParaRPr lang="en-US"/>
+            </a:p>
+          </p:txBody>
+        </p:sp>
+        <mc:AlternateContent xmlns:mc="http://schemas.openxmlformats.org/markup-compatibility/2006">
+          <mc:Choice xmlns:a14="http://schemas.microsoft.com/office/drawing/2010/main" Requires="a14">
+            <p:sp>
+              <p:nvSpPr>
+                <p:cNvPr id="165" name="TextBox 164"/>
+                <p:cNvSpPr txBox="1"/>
+                <p:nvPr/>
+              </p:nvSpPr>
+              <p:spPr>
+                <a:xfrm>
+                  <a:off x="36576" y="73152"/>
                   <a:ext cx="815384" cy="497316"/>
                 </a:xfrm>
                 <a:prstGeom prst="rect">
@@ -9290,14 +10621,14 @@
               </p:nvSpPr>
               <p:spPr>
                 <a:xfrm>
-                  <a:off x="-9144" y="0"/>
+                  <a:off x="36576" y="73152"/>
                   <a:ext cx="815384" cy="497316"/>
                 </a:xfrm>
                 <a:prstGeom prst="rect">
                   <a:avLst/>
                 </a:prstGeom>
                 <a:blipFill rotWithShape="0">
-                  <a:blip r:embed="rId7"/>
+                  <a:blip r:embed="rId6"/>
                   <a:stretch>
                     <a:fillRect/>
                   </a:stretch>
@@ -9328,7 +10659,7 @@
               </p:nvSpPr>
               <p:spPr>
                 <a:xfrm>
-                  <a:off x="4363790" y="1344821"/>
+                  <a:off x="4409510" y="1417973"/>
                   <a:ext cx="979225" cy="510011"/>
                 </a:xfrm>
                 <a:prstGeom prst="rect">
@@ -9529,14 +10860,14 @@
               </p:nvSpPr>
               <p:spPr>
                 <a:xfrm>
-                  <a:off x="4363790" y="1344821"/>
+                  <a:off x="4409510" y="1417973"/>
                   <a:ext cx="979225" cy="510011"/>
                 </a:xfrm>
                 <a:prstGeom prst="rect">
                   <a:avLst/>
                 </a:prstGeom>
                 <a:blipFill rotWithShape="0">
-                  <a:blip r:embed="rId8"/>
+                  <a:blip r:embed="rId7"/>
                   <a:stretch>
                     <a:fillRect/>
                   </a:stretch>
@@ -9557,195 +10888,6 @@
             </p:sp>
           </mc:Fallback>
         </mc:AlternateContent>
-        <p:grpSp>
-          <p:nvGrpSpPr>
-            <p:cNvPr id="19" name="Group 18"/>
-            <p:cNvGrpSpPr/>
-            <p:nvPr/>
-          </p:nvGrpSpPr>
-          <p:grpSpPr>
-            <a:xfrm>
-              <a:off x="3847381" y="95236"/>
-              <a:ext cx="885645" cy="215444"/>
-              <a:chOff x="3847381" y="241540"/>
-              <a:chExt cx="885645" cy="215444"/>
-            </a:xfrm>
-          </p:grpSpPr>
-          <p:sp>
-            <p:nvSpPr>
-              <p:cNvPr id="169" name="TextBox 168"/>
-              <p:cNvSpPr txBox="1"/>
-              <p:nvPr/>
-            </p:nvSpPr>
-            <p:spPr>
-              <a:xfrm>
-                <a:off x="4169434" y="241540"/>
-                <a:ext cx="554960" cy="215444"/>
-              </a:xfrm>
-              <a:prstGeom prst="rect">
-                <a:avLst/>
-              </a:prstGeom>
-              <a:noFill/>
-            </p:spPr>
-            <p:txBody>
-              <a:bodyPr wrap="none" rtlCol="0">
-                <a:spAutoFit/>
-              </a:bodyPr>
-              <a:lstStyle/>
-              <a:p>
-                <a:r>
-                  <a:rPr lang="en-US" sz="800" dirty="0" smtClean="0"/>
-                  <a:t>Chief ray</a:t>
-                </a:r>
-                <a:endParaRPr lang="en-US" sz="800" dirty="0"/>
-              </a:p>
-            </p:txBody>
-          </p:sp>
-          <p:cxnSp>
-            <p:nvCxnSpPr>
-              <p:cNvPr id="174" name="Straight Connector 173"/>
-              <p:cNvCxnSpPr/>
-              <p:nvPr/>
-            </p:nvCxnSpPr>
-            <p:spPr>
-              <a:xfrm>
-                <a:off x="3939396" y="350441"/>
-                <a:ext cx="256032" cy="0"/>
-              </a:xfrm>
-              <a:prstGeom prst="line">
-                <a:avLst/>
-              </a:prstGeom>
-              <a:ln>
-                <a:solidFill>
-                  <a:srgbClr val="FF0000"/>
-                </a:solidFill>
-              </a:ln>
-            </p:spPr>
-            <p:style>
-              <a:lnRef idx="1">
-                <a:schemeClr val="accent1"/>
-              </a:lnRef>
-              <a:fillRef idx="0">
-                <a:schemeClr val="accent1"/>
-              </a:fillRef>
-              <a:effectRef idx="0">
-                <a:schemeClr val="accent1"/>
-              </a:effectRef>
-              <a:fontRef idx="minor">
-                <a:schemeClr val="tx1"/>
-              </a:fontRef>
-            </p:style>
-          </p:cxnSp>
-          <p:sp>
-            <p:nvSpPr>
-              <p:cNvPr id="175" name="Isosceles Triangle 174"/>
-              <p:cNvSpPr/>
-              <p:nvPr/>
-            </p:nvSpPr>
-            <p:spPr>
-              <a:xfrm rot="5400000">
-                <a:off x="4044552" y="327581"/>
-                <a:ext cx="45720" cy="45720"/>
-              </a:xfrm>
-              <a:prstGeom prst="triangle">
-                <a:avLst/>
-              </a:prstGeom>
-              <a:solidFill>
-                <a:schemeClr val="bg1"/>
-              </a:solidFill>
-              <a:ln w="6350">
-                <a:solidFill>
-                  <a:srgbClr val="FF0000"/>
-                </a:solidFill>
-              </a:ln>
-            </p:spPr>
-            <p:style>
-              <a:lnRef idx="2">
-                <a:schemeClr val="accent1">
-                  <a:shade val="50000"/>
-                </a:schemeClr>
-              </a:lnRef>
-              <a:fillRef idx="1">
-                <a:schemeClr val="accent1"/>
-              </a:fillRef>
-              <a:effectRef idx="0">
-                <a:schemeClr val="accent1"/>
-              </a:effectRef>
-              <a:fontRef idx="minor">
-                <a:schemeClr val="lt1"/>
-              </a:fontRef>
-            </p:style>
-            <p:txBody>
-              <a:bodyPr rtlCol="0" anchor="ctr"/>
-              <a:lstStyle/>
-              <a:p>
-                <a:pPr algn="ctr"/>
-                <a:endParaRPr lang="en-US">
-                  <a:ln w="0"/>
-                  <a:solidFill>
-                    <a:schemeClr val="accent1"/>
-                  </a:solidFill>
-                  <a:effectLst>
-                    <a:outerShdw blurRad="38100" dist="25400" dir="5400000" algn="ctr" rotWithShape="0">
-                      <a:srgbClr val="6E747A">
-                        <a:alpha val="43000"/>
-                      </a:srgbClr>
-                    </a:outerShdw>
-                  </a:effectLst>
-                </a:endParaRPr>
-              </a:p>
-            </p:txBody>
-          </p:sp>
-          <p:sp>
-            <p:nvSpPr>
-              <p:cNvPr id="176" name="Rectangle 175"/>
-              <p:cNvSpPr/>
-              <p:nvPr/>
-            </p:nvSpPr>
-            <p:spPr>
-              <a:xfrm>
-                <a:off x="3847381" y="253043"/>
-                <a:ext cx="885645" cy="195532"/>
-              </a:xfrm>
-              <a:prstGeom prst="rect">
-                <a:avLst/>
-              </a:prstGeom>
-              <a:noFill/>
-              <a:ln w="6350">
-                <a:solidFill>
-                  <a:schemeClr val="tx1">
-                    <a:lumMod val="50000"/>
-                    <a:lumOff val="50000"/>
-                  </a:schemeClr>
-                </a:solidFill>
-              </a:ln>
-            </p:spPr>
-            <p:style>
-              <a:lnRef idx="2">
-                <a:schemeClr val="accent1">
-                  <a:shade val="50000"/>
-                </a:schemeClr>
-              </a:lnRef>
-              <a:fillRef idx="1">
-                <a:schemeClr val="accent1"/>
-              </a:fillRef>
-              <a:effectRef idx="0">
-                <a:schemeClr val="accent1"/>
-              </a:effectRef>
-              <a:fontRef idx="minor">
-                <a:schemeClr val="lt1"/>
-              </a:fontRef>
-            </p:style>
-            <p:txBody>
-              <a:bodyPr rtlCol="0" anchor="ctr"/>
-              <a:lstStyle/>
-              <a:p>
-                <a:pPr algn="ctr"/>
-                <a:endParaRPr lang="en-US"/>
-              </a:p>
-            </p:txBody>
-          </p:sp>
-        </p:grpSp>
         <p:cxnSp>
           <p:nvCxnSpPr>
             <p:cNvPr id="3" name="Straight Arrow Connector 2"/>
@@ -9754,7 +10896,7 @@
           </p:nvCxnSpPr>
           <p:spPr>
             <a:xfrm flipV="1">
-              <a:off x="512064" y="283464"/>
+              <a:off x="557784" y="356616"/>
               <a:ext cx="0" cy="758952"/>
             </a:xfrm>
             <a:prstGeom prst="straightConnector1">
@@ -9796,7 +10938,7 @@
               </p:nvSpPr>
               <p:spPr>
                 <a:xfrm>
-                  <a:off x="2348158" y="1016893"/>
+                  <a:off x="2393878" y="1090045"/>
                   <a:ext cx="534890" cy="215444"/>
                 </a:xfrm>
                 <a:prstGeom prst="rect">
@@ -9880,14 +11022,14 @@
               </p:nvSpPr>
               <p:spPr>
                 <a:xfrm>
-                  <a:off x="2348158" y="1016893"/>
+                  <a:off x="2393878" y="1090045"/>
                   <a:ext cx="534890" cy="215444"/>
                 </a:xfrm>
                 <a:prstGeom prst="rect">
                   <a:avLst/>
                 </a:prstGeom>
                 <a:blipFill rotWithShape="0">
-                  <a:blip r:embed="rId9"/>
+                  <a:blip r:embed="rId8"/>
                   <a:stretch>
                     <a:fillRect/>
                   </a:stretch>
@@ -9918,8 +11060,8 @@
               </p:nvSpPr>
               <p:spPr>
                 <a:xfrm>
-                  <a:off x="5042916" y="923544"/>
-                  <a:ext cx="299376" cy="215444"/>
+                  <a:off x="5088636" y="996696"/>
+                  <a:ext cx="299377" cy="215444"/>
                 </a:xfrm>
                 <a:prstGeom prst="rect">
                   <a:avLst/>
@@ -9932,6 +11074,7 @@
                 </a:bodyPr>
                 <a:lstStyle/>
                 <a:p>
+                  <a:pPr/>
                   <a14:m>
                     <m:oMathPara xmlns:m="http://schemas.openxmlformats.org/officeDocument/2006/math">
                       <m:oMathParaPr>
@@ -9950,15 +11093,30 @@
                             </m:ctrlPr>
                           </m:sSubPr>
                           <m:e>
-                            <m:r>
-                              <a:rPr lang="en-US" sz="800" b="0" i="1" smtClean="0">
-                                <a:solidFill>
-                                  <a:srgbClr val="1C87FC"/>
-                                </a:solidFill>
-                                <a:latin typeface="Cambria Math" panose="02040503050406030204" pitchFamily="18" charset="0"/>
-                              </a:rPr>
-                              <m:t>𝑧</m:t>
-                            </m:r>
+                            <m:acc>
+                              <m:accPr>
+                                <m:chr m:val="̂"/>
+                                <m:ctrlPr>
+                                  <a:rPr lang="en-US" sz="800" b="0" i="1" smtClean="0">
+                                    <a:solidFill>
+                                      <a:srgbClr val="1C87FC"/>
+                                    </a:solidFill>
+                                    <a:latin typeface="Cambria Math" panose="02040503050406030204" pitchFamily="18" charset="0"/>
+                                  </a:rPr>
+                                </m:ctrlPr>
+                              </m:accPr>
+                              <m:e>
+                                <m:r>
+                                  <a:rPr lang="en-US" sz="800" i="1">
+                                    <a:solidFill>
+                                      <a:srgbClr val="1C87FC"/>
+                                    </a:solidFill>
+                                    <a:latin typeface="Cambria Math" panose="02040503050406030204" pitchFamily="18" charset="0"/>
+                                  </a:rPr>
+                                  <m:t>𝑧</m:t>
+                                </m:r>
+                              </m:e>
+                            </m:acc>
                           </m:e>
                           <m:sub>
                             <m:r>
@@ -9995,14 +11153,14 @@
               </p:nvSpPr>
               <p:spPr>
                 <a:xfrm>
-                  <a:off x="5042916" y="923544"/>
-                  <a:ext cx="299376" cy="215444"/>
+                  <a:off x="5088636" y="996696"/>
+                  <a:ext cx="299377" cy="215444"/>
                 </a:xfrm>
                 <a:prstGeom prst="rect">
                   <a:avLst/>
                 </a:prstGeom>
                 <a:blipFill rotWithShape="0">
-                  <a:blip r:embed="rId10"/>
+                  <a:blip r:embed="rId9"/>
                   <a:stretch>
                     <a:fillRect/>
                   </a:stretch>
@@ -10033,7 +11191,7 @@
               </p:nvSpPr>
               <p:spPr>
                 <a:xfrm rot="21041056">
-                  <a:off x="3741420" y="783336"/>
+                  <a:off x="3787140" y="856488"/>
                   <a:ext cx="305917" cy="225062"/>
                 </a:xfrm>
                 <a:prstGeom prst="rect">
@@ -10047,6 +11205,7 @@
                 </a:bodyPr>
                 <a:lstStyle/>
                 <a:p>
+                  <a:pPr/>
                   <a14:m>
                     <m:oMathPara xmlns:m="http://schemas.openxmlformats.org/officeDocument/2006/math">
                       <m:oMathParaPr>
@@ -10065,15 +11224,30 @@
                             </m:ctrlPr>
                           </m:sSubPr>
                           <m:e>
-                            <m:r>
-                              <a:rPr lang="en-US" sz="800" b="0" i="1" smtClean="0">
-                                <a:solidFill>
-                                  <a:srgbClr val="1C87FC"/>
-                                </a:solidFill>
-                                <a:latin typeface="Cambria Math" panose="02040503050406030204" pitchFamily="18" charset="0"/>
-                              </a:rPr>
-                              <m:t>𝑧</m:t>
-                            </m:r>
+                            <m:acc>
+                              <m:accPr>
+                                <m:chr m:val="̂"/>
+                                <m:ctrlPr>
+                                  <a:rPr lang="en-US" sz="800" b="0" i="1" smtClean="0">
+                                    <a:solidFill>
+                                      <a:srgbClr val="1C87FC"/>
+                                    </a:solidFill>
+                                    <a:latin typeface="Cambria Math" panose="02040503050406030204" pitchFamily="18" charset="0"/>
+                                  </a:rPr>
+                                </m:ctrlPr>
+                              </m:accPr>
+                              <m:e>
+                                <m:r>
+                                  <a:rPr lang="en-US" sz="800" i="1">
+                                    <a:solidFill>
+                                      <a:srgbClr val="1C87FC"/>
+                                    </a:solidFill>
+                                    <a:latin typeface="Cambria Math" panose="02040503050406030204" pitchFamily="18" charset="0"/>
+                                  </a:rPr>
+                                  <m:t>𝑧</m:t>
+                                </m:r>
+                              </m:e>
+                            </m:acc>
                           </m:e>
                           <m:sub>
                             <m:r>
@@ -10110,14 +11284,14 @@
               </p:nvSpPr>
               <p:spPr>
                 <a:xfrm rot="21041056">
-                  <a:off x="3741420" y="783336"/>
+                  <a:off x="3787140" y="856488"/>
                   <a:ext cx="305917" cy="225062"/>
                 </a:xfrm>
                 <a:prstGeom prst="rect">
                   <a:avLst/>
                 </a:prstGeom>
                 <a:blipFill rotWithShape="0">
-                  <a:blip r:embed="rId11"/>
+                  <a:blip r:embed="rId10"/>
                   <a:stretch>
                     <a:fillRect/>
                   </a:stretch>
@@ -10148,8 +11322,8 @@
               </p:nvSpPr>
               <p:spPr>
                 <a:xfrm>
-                  <a:off x="2479548" y="234696"/>
-                  <a:ext cx="299376" cy="215444"/>
+                  <a:off x="2525268" y="307848"/>
+                  <a:ext cx="300852" cy="215444"/>
                 </a:xfrm>
                 <a:prstGeom prst="rect">
                   <a:avLst/>
@@ -10162,6 +11336,7 @@
                 </a:bodyPr>
                 <a:lstStyle/>
                 <a:p>
+                  <a:pPr/>
                   <a14:m>
                     <m:oMathPara xmlns:m="http://schemas.openxmlformats.org/officeDocument/2006/math">
                       <m:oMathParaPr>
@@ -10180,15 +11355,30 @@
                             </m:ctrlPr>
                           </m:sSubPr>
                           <m:e>
-                            <m:r>
-                              <a:rPr lang="en-US" sz="800" b="0" i="1" smtClean="0">
-                                <a:solidFill>
-                                  <a:srgbClr val="00B050"/>
-                                </a:solidFill>
-                                <a:latin typeface="Cambria Math" panose="02040503050406030204" pitchFamily="18" charset="0"/>
-                              </a:rPr>
-                              <m:t>𝑦</m:t>
-                            </m:r>
+                            <m:acc>
+                              <m:accPr>
+                                <m:chr m:val="̂"/>
+                                <m:ctrlPr>
+                                  <a:rPr lang="en-US" sz="800" b="0" i="1" smtClean="0">
+                                    <a:solidFill>
+                                      <a:srgbClr val="00B050"/>
+                                    </a:solidFill>
+                                    <a:latin typeface="Cambria Math" panose="02040503050406030204" pitchFamily="18" charset="0"/>
+                                  </a:rPr>
+                                </m:ctrlPr>
+                              </m:accPr>
+                              <m:e>
+                                <m:r>
+                                  <a:rPr lang="en-US" sz="800" i="1">
+                                    <a:solidFill>
+                                      <a:srgbClr val="00B050"/>
+                                    </a:solidFill>
+                                    <a:latin typeface="Cambria Math" panose="02040503050406030204" pitchFamily="18" charset="0"/>
+                                  </a:rPr>
+                                  <m:t>𝑦</m:t>
+                                </m:r>
+                              </m:e>
+                            </m:acc>
                           </m:e>
                           <m:sub>
                             <m:r>
@@ -10225,14 +11415,14 @@
               </p:nvSpPr>
               <p:spPr>
                 <a:xfrm>
-                  <a:off x="2479548" y="234696"/>
-                  <a:ext cx="299376" cy="215444"/>
+                  <a:off x="2525268" y="307848"/>
+                  <a:ext cx="300852" cy="215444"/>
                 </a:xfrm>
                 <a:prstGeom prst="rect">
                   <a:avLst/>
                 </a:prstGeom>
                 <a:blipFill rotWithShape="0">
-                  <a:blip r:embed="rId12"/>
+                  <a:blip r:embed="rId11"/>
                   <a:stretch>
                     <a:fillRect/>
                   </a:stretch>
@@ -10263,8 +11453,8 @@
               </p:nvSpPr>
               <p:spPr>
                 <a:xfrm>
-                  <a:off x="2330196" y="227076"/>
-                  <a:ext cx="305917" cy="225062"/>
+                  <a:off x="2334075" y="300228"/>
+                  <a:ext cx="307392" cy="225062"/>
                 </a:xfrm>
                 <a:prstGeom prst="rect">
                   <a:avLst/>
@@ -10277,6 +11467,7 @@
                 </a:bodyPr>
                 <a:lstStyle/>
                 <a:p>
+                  <a:pPr/>
                   <a14:m>
                     <m:oMathPara xmlns:m="http://schemas.openxmlformats.org/officeDocument/2006/math">
                       <m:oMathParaPr>
@@ -10295,15 +11486,30 @@
                             </m:ctrlPr>
                           </m:sSubPr>
                           <m:e>
-                            <m:r>
-                              <a:rPr lang="en-US" sz="800" b="0" i="1" smtClean="0">
-                                <a:solidFill>
-                                  <a:srgbClr val="00B050"/>
-                                </a:solidFill>
-                                <a:latin typeface="Cambria Math" panose="02040503050406030204" pitchFamily="18" charset="0"/>
-                              </a:rPr>
-                              <m:t>𝑦</m:t>
-                            </m:r>
+                            <m:acc>
+                              <m:accPr>
+                                <m:chr m:val="̂"/>
+                                <m:ctrlPr>
+                                  <a:rPr lang="en-US" sz="800" b="0" i="1" smtClean="0">
+                                    <a:solidFill>
+                                      <a:srgbClr val="00B050"/>
+                                    </a:solidFill>
+                                    <a:latin typeface="Cambria Math" panose="02040503050406030204" pitchFamily="18" charset="0"/>
+                                  </a:rPr>
+                                </m:ctrlPr>
+                              </m:accPr>
+                              <m:e>
+                                <m:r>
+                                  <a:rPr lang="en-US" sz="800" i="1">
+                                    <a:solidFill>
+                                      <a:srgbClr val="00B050"/>
+                                    </a:solidFill>
+                                    <a:latin typeface="Cambria Math" panose="02040503050406030204" pitchFamily="18" charset="0"/>
+                                  </a:rPr>
+                                  <m:t>𝑦</m:t>
+                                </m:r>
+                              </m:e>
+                            </m:acc>
                           </m:e>
                           <m:sub>
                             <m:r>
@@ -10340,14 +11546,14 @@
               </p:nvSpPr>
               <p:spPr>
                 <a:xfrm>
-                  <a:off x="2330196" y="227076"/>
-                  <a:ext cx="305917" cy="225062"/>
+                  <a:off x="2334075" y="300228"/>
+                  <a:ext cx="307392" cy="225062"/>
                 </a:xfrm>
                 <a:prstGeom prst="rect">
                   <a:avLst/>
                 </a:prstGeom>
                 <a:blipFill rotWithShape="0">
-                  <a:blip r:embed="rId13"/>
+                  <a:blip r:embed="rId12"/>
                   <a:stretch>
                     <a:fillRect/>
                   </a:stretch>
@@ -10368,42 +11574,6 @@
             </p:sp>
           </mc:Fallback>
         </mc:AlternateContent>
-        <p:cxnSp>
-          <p:nvCxnSpPr>
-            <p:cNvPr id="17" name="Straight Arrow Connector 16"/>
-            <p:cNvCxnSpPr>
-              <a:cxnSpLocks noChangeAspect="1"/>
-            </p:cNvCxnSpPr>
-            <p:nvPr/>
-          </p:nvCxnSpPr>
-          <p:spPr>
-            <a:xfrm flipV="1">
-              <a:off x="2628918" y="1161305"/>
-              <a:ext cx="519153" cy="82296"/>
-            </a:xfrm>
-            <a:prstGeom prst="straightConnector1">
-              <a:avLst/>
-            </a:prstGeom>
-            <a:ln>
-              <a:headEnd type="none" w="sm" len="med"/>
-              <a:tailEnd type="arrow" w="sm" len="sm"/>
-            </a:ln>
-          </p:spPr>
-          <p:style>
-            <a:lnRef idx="1">
-              <a:schemeClr val="accent1"/>
-            </a:lnRef>
-            <a:fillRef idx="0">
-              <a:schemeClr val="accent1"/>
-            </a:fillRef>
-            <a:effectRef idx="0">
-              <a:schemeClr val="accent1"/>
-            </a:effectRef>
-            <a:fontRef idx="minor">
-              <a:schemeClr val="tx1"/>
-            </a:fontRef>
-          </p:style>
-        </p:cxnSp>
         <mc:AlternateContent xmlns:mc="http://schemas.openxmlformats.org/markup-compatibility/2006">
           <mc:Choice xmlns:a14="http://schemas.microsoft.com/office/drawing/2010/main" Requires="a14">
             <p:sp>
@@ -10414,7 +11584,7 @@
               </p:nvSpPr>
               <p:spPr>
                 <a:xfrm rot="21040949">
-                  <a:off x="2738628" y="1147572"/>
+                  <a:off x="2784348" y="1220724"/>
                   <a:ext cx="356636" cy="274627"/>
                 </a:xfrm>
                 <a:prstGeom prst="rect">
@@ -10428,6 +11598,7 @@
                 </a:bodyPr>
                 <a:lstStyle/>
                 <a:p>
+                  <a:pPr/>
                   <a14:m>
                     <m:oMathPara xmlns:m="http://schemas.openxmlformats.org/officeDocument/2006/math">
                       <m:oMathParaPr>
@@ -10490,14 +11661,14 @@
               </p:nvSpPr>
               <p:spPr>
                 <a:xfrm rot="21040949">
-                  <a:off x="2738628" y="1147572"/>
+                  <a:off x="2784348" y="1220724"/>
                   <a:ext cx="356636" cy="274627"/>
                 </a:xfrm>
                 <a:prstGeom prst="rect">
                   <a:avLst/>
                 </a:prstGeom>
                 <a:blipFill rotWithShape="0">
-                  <a:blip r:embed="rId14"/>
+                  <a:blip r:embed="rId13"/>
                   <a:stretch>
                     <a:fillRect/>
                   </a:stretch>
@@ -10526,7 +11697,7 @@
           </p:nvCxnSpPr>
           <p:spPr>
             <a:xfrm>
-              <a:off x="2973324" y="65532"/>
+              <a:off x="3028470" y="166962"/>
               <a:ext cx="260604" cy="1650492"/>
             </a:xfrm>
             <a:prstGeom prst="line">
@@ -10567,7 +11738,7 @@
           </p:nvCxnSpPr>
           <p:spPr>
             <a:xfrm rot="660000">
-              <a:off x="4700016" y="32004"/>
+              <a:off x="4745736" y="105156"/>
               <a:ext cx="0" cy="2011680"/>
             </a:xfrm>
             <a:prstGeom prst="line">
@@ -10605,7 +11776,7 @@
           </p:nvCxnSpPr>
           <p:spPr>
             <a:xfrm>
-              <a:off x="4619244" y="1043940"/>
+              <a:off x="4664964" y="1117092"/>
               <a:ext cx="0" cy="411480"/>
             </a:xfrm>
             <a:prstGeom prst="straightConnector1">
@@ -10647,7 +11818,7 @@
           </p:nvSpPr>
           <p:spPr>
             <a:xfrm>
-              <a:off x="4589223" y="1454887"/>
+              <a:off x="4634943" y="1528039"/>
               <a:ext cx="56010" cy="56010"/>
             </a:xfrm>
             <a:prstGeom prst="ellipse">
@@ -10698,7 +11869,7 @@
           </p:nvSpPr>
           <p:spPr>
             <a:xfrm>
-              <a:off x="4673043" y="1022071"/>
+              <a:off x="4718763" y="1095223"/>
               <a:ext cx="45720" cy="45720"/>
             </a:xfrm>
             <a:prstGeom prst="ellipse">
@@ -10746,7 +11917,7 @@
           </p:nvCxnSpPr>
           <p:spPr>
             <a:xfrm rot="6060000" flipV="1">
-              <a:off x="4880749" y="903648"/>
+              <a:off x="4926469" y="976800"/>
               <a:ext cx="0" cy="365760"/>
             </a:xfrm>
             <a:prstGeom prst="straightConnector1">
@@ -10784,7 +11955,7 @@
               </p:nvSpPr>
               <p:spPr>
                 <a:xfrm>
-                  <a:off x="4975860" y="1030224"/>
+                  <a:off x="5021580" y="1103376"/>
                   <a:ext cx="301878" cy="215444"/>
                 </a:xfrm>
                 <a:prstGeom prst="rect">
@@ -10798,6 +11969,7 @@
                 </a:bodyPr>
                 <a:lstStyle/>
                 <a:p>
+                  <a:pPr/>
                   <a14:m>
                     <m:oMathPara xmlns:m="http://schemas.openxmlformats.org/officeDocument/2006/math">
                       <m:oMathParaPr>
@@ -10876,8 +12048,415 @@
               </p:nvSpPr>
               <p:spPr>
                 <a:xfrm>
-                  <a:off x="4975860" y="1030224"/>
+                  <a:off x="5021580" y="1103376"/>
                   <a:ext cx="301878" cy="215444"/>
+                </a:xfrm>
+                <a:prstGeom prst="rect">
+                  <a:avLst/>
+                </a:prstGeom>
+                <a:blipFill rotWithShape="0">
+                  <a:blip r:embed="rId14"/>
+                  <a:stretch>
+                    <a:fillRect/>
+                  </a:stretch>
+                </a:blipFill>
+              </p:spPr>
+              <p:txBody>
+                <a:bodyPr/>
+                <a:lstStyle/>
+                <a:p>
+                  <a:r>
+                    <a:rPr lang="en-US">
+                      <a:noFill/>
+                    </a:rPr>
+                    <a:t> </a:t>
+                  </a:r>
+                </a:p>
+              </p:txBody>
+            </p:sp>
+          </mc:Fallback>
+        </mc:AlternateContent>
+        <p:grpSp>
+          <p:nvGrpSpPr>
+            <p:cNvPr id="6" name="Group 5"/>
+            <p:cNvGrpSpPr/>
+            <p:nvPr/>
+          </p:nvGrpSpPr>
+          <p:grpSpPr>
+            <a:xfrm>
+              <a:off x="2695393" y="1413566"/>
+              <a:ext cx="531393" cy="138435"/>
+              <a:chOff x="3077178" y="1899047"/>
+              <a:chExt cx="531393" cy="138435"/>
+            </a:xfrm>
+          </p:grpSpPr>
+          <p:cxnSp>
+            <p:nvCxnSpPr>
+              <p:cNvPr id="17" name="Straight Arrow Connector 16"/>
+              <p:cNvCxnSpPr>
+                <a:cxnSpLocks noChangeAspect="1"/>
+              </p:cNvCxnSpPr>
+              <p:nvPr/>
+            </p:nvCxnSpPr>
+            <p:spPr>
+              <a:xfrm flipV="1">
+                <a:off x="3089418" y="1899047"/>
+                <a:ext cx="519153" cy="82296"/>
+              </a:xfrm>
+              <a:prstGeom prst="straightConnector1">
+                <a:avLst/>
+              </a:prstGeom>
+              <a:ln w="6350">
+                <a:solidFill>
+                  <a:schemeClr val="tx1">
+                    <a:lumMod val="85000"/>
+                    <a:lumOff val="15000"/>
+                  </a:schemeClr>
+                </a:solidFill>
+                <a:prstDash val="solid"/>
+                <a:headEnd type="none" w="med" len="med"/>
+                <a:tailEnd type="arrow" w="sm" len="sm"/>
+              </a:ln>
+            </p:spPr>
+            <p:style>
+              <a:lnRef idx="1">
+                <a:schemeClr val="accent1"/>
+              </a:lnRef>
+              <a:fillRef idx="0">
+                <a:schemeClr val="accent1"/>
+              </a:fillRef>
+              <a:effectRef idx="0">
+                <a:schemeClr val="accent1"/>
+              </a:effectRef>
+              <a:fontRef idx="minor">
+                <a:schemeClr val="tx1"/>
+              </a:fontRef>
+            </p:style>
+          </p:cxnSp>
+          <p:cxnSp>
+            <p:nvCxnSpPr>
+              <p:cNvPr id="58" name="Straight Connector 57"/>
+              <p:cNvCxnSpPr>
+                <a:cxnSpLocks noChangeAspect="1"/>
+              </p:cNvCxnSpPr>
+              <p:nvPr/>
+            </p:nvCxnSpPr>
+            <p:spPr>
+              <a:xfrm>
+                <a:off x="3077178" y="1921947"/>
+                <a:ext cx="18242" cy="115535"/>
+              </a:xfrm>
+              <a:prstGeom prst="line">
+                <a:avLst/>
+              </a:prstGeom>
+              <a:ln w="6350">
+                <a:solidFill>
+                  <a:schemeClr val="tx1">
+                    <a:lumMod val="85000"/>
+                    <a:lumOff val="15000"/>
+                  </a:schemeClr>
+                </a:solidFill>
+                <a:prstDash val="solid"/>
+                <a:headEnd type="none" w="med" len="med"/>
+                <a:tailEnd type="none" w="med" len="med"/>
+              </a:ln>
+            </p:spPr>
+            <p:style>
+              <a:lnRef idx="1">
+                <a:schemeClr val="accent1"/>
+              </a:lnRef>
+              <a:fillRef idx="0">
+                <a:schemeClr val="accent1"/>
+              </a:fillRef>
+              <a:effectRef idx="0">
+                <a:schemeClr val="accent1"/>
+              </a:effectRef>
+              <a:fontRef idx="minor">
+                <a:schemeClr val="tx1"/>
+              </a:fontRef>
+            </p:style>
+          </p:cxnSp>
+        </p:grpSp>
+        <p:grpSp>
+          <p:nvGrpSpPr>
+            <p:cNvPr id="12" name="Group 11"/>
+            <p:cNvGrpSpPr/>
+            <p:nvPr/>
+          </p:nvGrpSpPr>
+          <p:grpSpPr>
+            <a:xfrm>
+              <a:off x="551474" y="1443566"/>
+              <a:ext cx="2095689" cy="115535"/>
+              <a:chOff x="1696832" y="2103447"/>
+              <a:chExt cx="2095689" cy="115535"/>
+            </a:xfrm>
+          </p:grpSpPr>
+          <p:cxnSp>
+            <p:nvCxnSpPr>
+              <p:cNvPr id="62" name="Straight Connector 61"/>
+              <p:cNvCxnSpPr>
+                <a:cxnSpLocks/>
+              </p:cNvCxnSpPr>
+              <p:nvPr/>
+            </p:nvCxnSpPr>
+            <p:spPr>
+              <a:xfrm>
+                <a:off x="3792521" y="2103447"/>
+                <a:ext cx="0" cy="115535"/>
+              </a:xfrm>
+              <a:prstGeom prst="line">
+                <a:avLst/>
+              </a:prstGeom>
+              <a:ln w="6350">
+                <a:solidFill>
+                  <a:schemeClr val="tx1">
+                    <a:lumMod val="85000"/>
+                    <a:lumOff val="15000"/>
+                  </a:schemeClr>
+                </a:solidFill>
+                <a:prstDash val="solid"/>
+                <a:headEnd type="none" w="med" len="med"/>
+                <a:tailEnd type="none" w="med" len="med"/>
+              </a:ln>
+            </p:spPr>
+            <p:style>
+              <a:lnRef idx="1">
+                <a:schemeClr val="accent1"/>
+              </a:lnRef>
+              <a:fillRef idx="0">
+                <a:schemeClr val="accent1"/>
+              </a:fillRef>
+              <a:effectRef idx="0">
+                <a:schemeClr val="accent1"/>
+              </a:effectRef>
+              <a:fontRef idx="minor">
+                <a:schemeClr val="tx1"/>
+              </a:fontRef>
+            </p:style>
+          </p:cxnSp>
+          <p:cxnSp>
+            <p:nvCxnSpPr>
+              <p:cNvPr id="9" name="Straight Arrow Connector 8"/>
+              <p:cNvCxnSpPr/>
+              <p:nvPr/>
+            </p:nvCxnSpPr>
+            <p:spPr>
+              <a:xfrm flipH="1" flipV="1">
+                <a:off x="1696832" y="2161214"/>
+                <a:ext cx="2093976" cy="0"/>
+              </a:xfrm>
+              <a:prstGeom prst="straightConnector1">
+                <a:avLst/>
+              </a:prstGeom>
+              <a:ln>
+                <a:headEnd type="none" w="med" len="med"/>
+                <a:tailEnd type="arrow" w="sm" len="sm"/>
+              </a:ln>
+            </p:spPr>
+            <p:style>
+              <a:lnRef idx="1">
+                <a:schemeClr val="dk1"/>
+              </a:lnRef>
+              <a:fillRef idx="0">
+                <a:schemeClr val="dk1"/>
+              </a:fillRef>
+              <a:effectRef idx="0">
+                <a:schemeClr val="dk1"/>
+              </a:effectRef>
+              <a:fontRef idx="minor">
+                <a:schemeClr val="tx1"/>
+              </a:fontRef>
+            </p:style>
+          </p:cxnSp>
+        </p:grpSp>
+        <p:cxnSp>
+          <p:nvCxnSpPr>
+            <p:cNvPr id="73" name="Straight Connector 72"/>
+            <p:cNvCxnSpPr/>
+            <p:nvPr/>
+          </p:nvCxnSpPr>
+          <p:spPr>
+            <a:xfrm flipH="1" flipV="1">
+              <a:off x="4740112" y="446202"/>
+              <a:ext cx="0" cy="1371600"/>
+            </a:xfrm>
+            <a:prstGeom prst="line">
+              <a:avLst/>
+            </a:prstGeom>
+            <a:ln>
+              <a:solidFill>
+                <a:schemeClr val="bg1">
+                  <a:lumMod val="50000"/>
+                </a:schemeClr>
+              </a:solidFill>
+              <a:prstDash val="dash"/>
+            </a:ln>
+          </p:spPr>
+          <p:style>
+            <a:lnRef idx="1">
+              <a:schemeClr val="accent1"/>
+            </a:lnRef>
+            <a:fillRef idx="0">
+              <a:schemeClr val="accent1"/>
+            </a:fillRef>
+            <a:effectRef idx="0">
+              <a:schemeClr val="accent1"/>
+            </a:effectRef>
+            <a:fontRef idx="minor">
+              <a:schemeClr val="tx1"/>
+            </a:fontRef>
+          </p:style>
+        </p:cxnSp>
+        <p:grpSp>
+          <p:nvGrpSpPr>
+            <p:cNvPr id="76" name="Group 75"/>
+            <p:cNvGrpSpPr/>
+            <p:nvPr/>
+          </p:nvGrpSpPr>
+          <p:grpSpPr>
+            <a:xfrm flipH="1">
+              <a:off x="2650508" y="1704372"/>
+              <a:ext cx="2095689" cy="115535"/>
+              <a:chOff x="1696832" y="2103447"/>
+              <a:chExt cx="2095689" cy="115535"/>
+            </a:xfrm>
+          </p:grpSpPr>
+          <p:cxnSp>
+            <p:nvCxnSpPr>
+              <p:cNvPr id="77" name="Straight Connector 76"/>
+              <p:cNvCxnSpPr>
+                <a:cxnSpLocks/>
+              </p:cNvCxnSpPr>
+              <p:nvPr/>
+            </p:nvCxnSpPr>
+            <p:spPr>
+              <a:xfrm>
+                <a:off x="3792521" y="2103447"/>
+                <a:ext cx="0" cy="115535"/>
+              </a:xfrm>
+              <a:prstGeom prst="line">
+                <a:avLst/>
+              </a:prstGeom>
+              <a:ln w="6350">
+                <a:solidFill>
+                  <a:schemeClr val="tx1">
+                    <a:lumMod val="85000"/>
+                    <a:lumOff val="15000"/>
+                  </a:schemeClr>
+                </a:solidFill>
+                <a:prstDash val="solid"/>
+                <a:headEnd type="none" w="med" len="med"/>
+                <a:tailEnd type="none" w="med" len="med"/>
+              </a:ln>
+            </p:spPr>
+            <p:style>
+              <a:lnRef idx="1">
+                <a:schemeClr val="accent1"/>
+              </a:lnRef>
+              <a:fillRef idx="0">
+                <a:schemeClr val="accent1"/>
+              </a:fillRef>
+              <a:effectRef idx="0">
+                <a:schemeClr val="accent1"/>
+              </a:effectRef>
+              <a:fontRef idx="minor">
+                <a:schemeClr val="tx1"/>
+              </a:fontRef>
+            </p:style>
+          </p:cxnSp>
+          <p:cxnSp>
+            <p:nvCxnSpPr>
+              <p:cNvPr id="78" name="Straight Arrow Connector 77"/>
+              <p:cNvCxnSpPr/>
+              <p:nvPr/>
+            </p:nvCxnSpPr>
+            <p:spPr>
+              <a:xfrm flipH="1" flipV="1">
+                <a:off x="1696832" y="2161214"/>
+                <a:ext cx="2093976" cy="0"/>
+              </a:xfrm>
+              <a:prstGeom prst="straightConnector1">
+                <a:avLst/>
+              </a:prstGeom>
+              <a:ln>
+                <a:headEnd type="none" w="med" len="med"/>
+                <a:tailEnd type="arrow" w="sm" len="sm"/>
+              </a:ln>
+            </p:spPr>
+            <p:style>
+              <a:lnRef idx="1">
+                <a:schemeClr val="dk1"/>
+              </a:lnRef>
+              <a:fillRef idx="0">
+                <a:schemeClr val="dk1"/>
+              </a:fillRef>
+              <a:effectRef idx="0">
+                <a:schemeClr val="dk1"/>
+              </a:effectRef>
+              <a:fontRef idx="minor">
+                <a:schemeClr val="tx1"/>
+              </a:fontRef>
+            </p:style>
+          </p:cxnSp>
+        </p:grpSp>
+        <mc:AlternateContent xmlns:mc="http://schemas.openxmlformats.org/markup-compatibility/2006">
+          <mc:Choice xmlns:a14="http://schemas.microsoft.com/office/drawing/2010/main" Requires="a14">
+            <p:sp>
+              <p:nvSpPr>
+                <p:cNvPr id="79" name="TextBox 78"/>
+                <p:cNvSpPr txBox="1"/>
+                <p:nvPr/>
+              </p:nvSpPr>
+              <p:spPr>
+                <a:xfrm>
+                  <a:off x="1607568" y="1311848"/>
+                  <a:ext cx="298543" cy="253916"/>
+                </a:xfrm>
+                <a:prstGeom prst="rect">
+                  <a:avLst/>
+                </a:prstGeom>
+                <a:noFill/>
+              </p:spPr>
+              <p:txBody>
+                <a:bodyPr wrap="none" rtlCol="0">
+                  <a:spAutoFit/>
+                </a:bodyPr>
+                <a:lstStyle/>
+                <a:p>
+                  <a:pPr/>
+                  <a14:m>
+                    <m:oMathPara xmlns:m="http://schemas.openxmlformats.org/officeDocument/2006/math">
+                      <m:oMathParaPr>
+                        <m:jc m:val="centerGroup"/>
+                      </m:oMathParaPr>
+                      <m:oMath xmlns:m="http://schemas.openxmlformats.org/officeDocument/2006/math">
+                        <m:r>
+                          <a:rPr lang="en-US" sz="1050" b="0" i="1" smtClean="0">
+                            <a:latin typeface="Cambria Math" panose="02040503050406030204" pitchFamily="18" charset="0"/>
+                          </a:rPr>
+                          <m:t>𝑍</m:t>
+                        </m:r>
+                      </m:oMath>
+                    </m:oMathPara>
+                  </a14:m>
+                  <a:endParaRPr lang="en-US" sz="1050" dirty="0"/>
+                </a:p>
+              </p:txBody>
+            </p:sp>
+          </mc:Choice>
+          <mc:Fallback>
+            <p:sp>
+              <p:nvSpPr>
+                <p:cNvPr id="79" name="TextBox 78"/>
+                <p:cNvSpPr txBox="1">
+                  <a:spLocks noRot="1" noChangeAspect="1" noMove="1" noResize="1" noEditPoints="1" noAdjustHandles="1" noChangeArrowheads="1" noChangeShapeType="1" noTextEdit="1"/>
+                </p:cNvSpPr>
+                <p:nvPr/>
+              </p:nvSpPr>
+              <p:spPr>
+                <a:xfrm>
+                  <a:off x="1607568" y="1311848"/>
+                  <a:ext cx="298543" cy="253916"/>
                 </a:xfrm>
                 <a:prstGeom prst="rect">
                   <a:avLst/>
@@ -10904,43 +12483,141 @@
             </p:sp>
           </mc:Fallback>
         </mc:AlternateContent>
-      </p:grpSp>
-      <p:pic>
-        <p:nvPicPr>
-          <p:cNvPr id="34" name="Picture 33"/>
-          <p:cNvPicPr>
-            <a:picLocks noChangeAspect="1"/>
-          </p:cNvPicPr>
-          <p:nvPr/>
-        </p:nvPicPr>
-        <p:blipFill>
-          <a:blip r:embed="rId16"/>
-          <a:stretch>
-            <a:fillRect/>
-          </a:stretch>
-        </p:blipFill>
-        <p:spPr>
-          <a:xfrm>
-            <a:off x="66824" y="2825404"/>
-            <a:ext cx="5352752" cy="2121592"/>
-          </a:xfrm>
-          <a:prstGeom prst="rect">
-            <a:avLst/>
-          </a:prstGeom>
-        </p:spPr>
-      </p:pic>
-      <mc:AlternateContent xmlns:mc="http://schemas.openxmlformats.org/markup-compatibility/2006">
-        <mc:Choice xmlns:a14="http://schemas.microsoft.com/office/drawing/2010/main" Requires="a14">
+        <mc:AlternateContent xmlns:mc="http://schemas.openxmlformats.org/markup-compatibility/2006">
+          <mc:Choice xmlns:a14="http://schemas.microsoft.com/office/drawing/2010/main" Requires="a14">
+            <p:sp>
+              <p:nvSpPr>
+                <p:cNvPr id="80" name="TextBox 79"/>
+                <p:cNvSpPr txBox="1"/>
+                <p:nvPr/>
+              </p:nvSpPr>
+              <p:spPr>
+                <a:xfrm>
+                  <a:off x="3551060" y="1544378"/>
+                  <a:ext cx="499559" cy="253916"/>
+                </a:xfrm>
+                <a:prstGeom prst="rect">
+                  <a:avLst/>
+                </a:prstGeom>
+                <a:noFill/>
+              </p:spPr>
+              <p:txBody>
+                <a:bodyPr wrap="none" rtlCol="0">
+                  <a:spAutoFit/>
+                </a:bodyPr>
+                <a:lstStyle/>
+                <a:p>
+                  <a:pPr/>
+                  <a14:m>
+                    <m:oMathPara xmlns:m="http://schemas.openxmlformats.org/officeDocument/2006/math">
+                      <m:oMathParaPr>
+                        <m:jc m:val="centerGroup"/>
+                      </m:oMathParaPr>
+                      <m:oMath xmlns:m="http://schemas.openxmlformats.org/officeDocument/2006/math">
+                        <m:sSubSup>
+                          <m:sSubSupPr>
+                            <m:ctrlPr>
+                              <a:rPr lang="en-US" sz="1050" b="0" i="1" smtClean="0">
+                                <a:latin typeface="Cambria Math" panose="02040503050406030204" pitchFamily="18" charset="0"/>
+                              </a:rPr>
+                            </m:ctrlPr>
+                          </m:sSubSupPr>
+                          <m:e>
+                            <m:r>
+                              <a:rPr lang="en-US" sz="1050" b="0" i="1" smtClean="0">
+                                <a:latin typeface="Cambria Math" panose="02040503050406030204" pitchFamily="18" charset="0"/>
+                              </a:rPr>
+                              <m:t>𝑍</m:t>
+                            </m:r>
+                          </m:e>
+                          <m:sub>
+                            <m:r>
+                              <a:rPr lang="en-US" sz="1050" b="0" i="1" smtClean="0">
+                                <a:latin typeface="Cambria Math" panose="02040503050406030204" pitchFamily="18" charset="0"/>
+                              </a:rPr>
+                              <m:t>𝐸𝑁𝑃</m:t>
+                            </m:r>
+                          </m:sub>
+                          <m:sup>
+                            <m:r>
+                              <a:rPr lang="en-US" sz="1050" b="0" i="1" smtClean="0">
+                                <a:latin typeface="Cambria Math" panose="02040503050406030204" pitchFamily="18" charset="0"/>
+                              </a:rPr>
+                              <m:t>′</m:t>
+                            </m:r>
+                          </m:sup>
+                        </m:sSubSup>
+                      </m:oMath>
+                    </m:oMathPara>
+                  </a14:m>
+                  <a:endParaRPr lang="en-US" sz="1050" dirty="0"/>
+                </a:p>
+              </p:txBody>
+            </p:sp>
+          </mc:Choice>
+          <mc:Fallback>
+            <p:sp>
+              <p:nvSpPr>
+                <p:cNvPr id="80" name="TextBox 79"/>
+                <p:cNvSpPr txBox="1">
+                  <a:spLocks noRot="1" noChangeAspect="1" noMove="1" noResize="1" noEditPoints="1" noAdjustHandles="1" noChangeArrowheads="1" noChangeShapeType="1" noTextEdit="1"/>
+                </p:cNvSpPr>
+                <p:nvPr/>
+              </p:nvSpPr>
+              <p:spPr>
+                <a:xfrm>
+                  <a:off x="3551060" y="1544378"/>
+                  <a:ext cx="499559" cy="253916"/>
+                </a:xfrm>
+                <a:prstGeom prst="rect">
+                  <a:avLst/>
+                </a:prstGeom>
+                <a:blipFill rotWithShape="0">
+                  <a:blip r:embed="rId16"/>
+                  <a:stretch>
+                    <a:fillRect/>
+                  </a:stretch>
+                </a:blipFill>
+              </p:spPr>
+              <p:txBody>
+                <a:bodyPr/>
+                <a:lstStyle/>
+                <a:p>
+                  <a:r>
+                    <a:rPr lang="en-US">
+                      <a:noFill/>
+                    </a:rPr>
+                    <a:t> </a:t>
+                  </a:r>
+                </a:p>
+              </p:txBody>
+            </p:sp>
+          </mc:Fallback>
+        </mc:AlternateContent>
+        <p:grpSp>
+          <p:nvGrpSpPr>
+            <p:cNvPr id="81" name="Group 80"/>
+            <p:cNvGrpSpPr/>
+            <p:nvPr/>
+          </p:nvGrpSpPr>
+          <p:grpSpPr>
+            <a:xfrm>
+              <a:off x="4001678" y="137853"/>
+              <a:ext cx="784636" cy="200055"/>
+              <a:chOff x="3893271" y="241540"/>
+              <a:chExt cx="784636" cy="200055"/>
+            </a:xfrm>
+          </p:grpSpPr>
           <p:sp>
             <p:nvSpPr>
-              <p:cNvPr id="35" name="TextBox 34"/>
+              <p:cNvPr id="82" name="TextBox 81"/>
               <p:cNvSpPr txBox="1"/>
               <p:nvPr/>
             </p:nvSpPr>
             <p:spPr>
               <a:xfrm>
-                <a:off x="452628" y="2418588"/>
-                <a:ext cx="2165529" cy="369332"/>
+                <a:off x="4169434" y="241540"/>
+                <a:ext cx="508473" cy="200055"/>
               </a:xfrm>
               <a:prstGeom prst="rect">
                 <a:avLst/>
@@ -10954,90 +12631,331 @@
               <a:lstStyle/>
               <a:p>
                 <a:r>
-                  <a:rPr lang="en-US" dirty="0" smtClean="0"/>
-                  <a:t>TO DO: indicate </a:t>
+                  <a:rPr lang="en-US" sz="700" dirty="0" smtClean="0"/>
+                  <a:t>Chief ray</a:t>
                 </a:r>
-                <a14:m>
-                  <m:oMath xmlns:m="http://schemas.openxmlformats.org/officeDocument/2006/math">
-                    <m:sSubSup>
-                      <m:sSubSupPr>
-                        <m:ctrlPr>
-                          <a:rPr lang="en-US" b="0" i="1" smtClean="0">
+                <a:endParaRPr lang="en-US" sz="700" dirty="0"/>
+              </a:p>
+            </p:txBody>
+          </p:sp>
+          <p:cxnSp>
+            <p:nvCxnSpPr>
+              <p:cNvPr id="83" name="Straight Connector 82"/>
+              <p:cNvCxnSpPr/>
+              <p:nvPr/>
+            </p:nvCxnSpPr>
+            <p:spPr>
+              <a:xfrm>
+                <a:off x="3939396" y="350441"/>
+                <a:ext cx="256032" cy="0"/>
+              </a:xfrm>
+              <a:prstGeom prst="line">
+                <a:avLst/>
+              </a:prstGeom>
+              <a:ln>
+                <a:solidFill>
+                  <a:srgbClr val="FF0000"/>
+                </a:solidFill>
+              </a:ln>
+            </p:spPr>
+            <p:style>
+              <a:lnRef idx="1">
+                <a:schemeClr val="accent1"/>
+              </a:lnRef>
+              <a:fillRef idx="0">
+                <a:schemeClr val="accent1"/>
+              </a:fillRef>
+              <a:effectRef idx="0">
+                <a:schemeClr val="accent1"/>
+              </a:effectRef>
+              <a:fontRef idx="minor">
+                <a:schemeClr val="tx1"/>
+              </a:fontRef>
+            </p:style>
+          </p:cxnSp>
+          <p:sp>
+            <p:nvSpPr>
+              <p:cNvPr id="84" name="Isosceles Triangle 83"/>
+              <p:cNvSpPr/>
+              <p:nvPr/>
+            </p:nvSpPr>
+            <p:spPr>
+              <a:xfrm rot="5400000">
+                <a:off x="4044552" y="327581"/>
+                <a:ext cx="45720" cy="45720"/>
+              </a:xfrm>
+              <a:prstGeom prst="triangle">
+                <a:avLst/>
+              </a:prstGeom>
+              <a:solidFill>
+                <a:schemeClr val="bg1"/>
+              </a:solidFill>
+              <a:ln w="6350">
+                <a:solidFill>
+                  <a:srgbClr val="FF0000"/>
+                </a:solidFill>
+              </a:ln>
+            </p:spPr>
+            <p:style>
+              <a:lnRef idx="2">
+                <a:schemeClr val="accent1">
+                  <a:shade val="50000"/>
+                </a:schemeClr>
+              </a:lnRef>
+              <a:fillRef idx="1">
+                <a:schemeClr val="accent1"/>
+              </a:fillRef>
+              <a:effectRef idx="0">
+                <a:schemeClr val="accent1"/>
+              </a:effectRef>
+              <a:fontRef idx="minor">
+                <a:schemeClr val="lt1"/>
+              </a:fontRef>
+            </p:style>
+            <p:txBody>
+              <a:bodyPr rtlCol="0" anchor="ctr"/>
+              <a:lstStyle/>
+              <a:p>
+                <a:pPr algn="ctr"/>
+                <a:endParaRPr lang="en-US">
+                  <a:ln w="0"/>
+                  <a:solidFill>
+                    <a:schemeClr val="accent1"/>
+                  </a:solidFill>
+                  <a:effectLst>
+                    <a:outerShdw blurRad="38100" dist="25400" dir="5400000" algn="ctr" rotWithShape="0">
+                      <a:srgbClr val="6E747A">
+                        <a:alpha val="43000"/>
+                      </a:srgbClr>
+                    </a:outerShdw>
+                  </a:effectLst>
+                </a:endParaRPr>
+              </a:p>
+            </p:txBody>
+          </p:sp>
+          <p:sp>
+            <p:nvSpPr>
+              <p:cNvPr id="85" name="Rounded Rectangle 84"/>
+              <p:cNvSpPr/>
+              <p:nvPr/>
+            </p:nvSpPr>
+            <p:spPr>
+              <a:xfrm>
+                <a:off x="3893271" y="273378"/>
+                <a:ext cx="744717" cy="141402"/>
+              </a:xfrm>
+              <a:prstGeom prst="roundRect">
+                <a:avLst/>
+              </a:prstGeom>
+              <a:noFill/>
+              <a:ln w="6350">
+                <a:solidFill>
+                  <a:schemeClr val="tx1">
+                    <a:lumMod val="50000"/>
+                    <a:lumOff val="50000"/>
+                  </a:schemeClr>
+                </a:solidFill>
+              </a:ln>
+            </p:spPr>
+            <p:style>
+              <a:lnRef idx="2">
+                <a:schemeClr val="accent1">
+                  <a:shade val="50000"/>
+                </a:schemeClr>
+              </a:lnRef>
+              <a:fillRef idx="1">
+                <a:schemeClr val="accent1"/>
+              </a:fillRef>
+              <a:effectRef idx="0">
+                <a:schemeClr val="accent1"/>
+              </a:effectRef>
+              <a:fontRef idx="minor">
+                <a:schemeClr val="lt1"/>
+              </a:fontRef>
+            </p:style>
+            <p:txBody>
+              <a:bodyPr rtlCol="0" anchor="ctr"/>
+              <a:lstStyle/>
+              <a:p>
+                <a:pPr algn="ctr"/>
+                <a:endParaRPr lang="en-US"/>
+              </a:p>
+            </p:txBody>
+          </p:sp>
+        </p:grpSp>
+        <mc:AlternateContent xmlns:mc="http://schemas.openxmlformats.org/markup-compatibility/2006">
+          <mc:Choice xmlns:a14="http://schemas.microsoft.com/office/drawing/2010/main" Requires="a14">
+            <p:sp>
+              <p:nvSpPr>
+                <p:cNvPr id="86" name="TextBox 85"/>
+                <p:cNvSpPr txBox="1"/>
+                <p:nvPr/>
+              </p:nvSpPr>
+              <p:spPr>
+                <a:xfrm>
+                  <a:off x="3390134" y="918013"/>
+                  <a:ext cx="436354" cy="320490"/>
+                </a:xfrm>
+                <a:prstGeom prst="rect">
+                  <a:avLst/>
+                </a:prstGeom>
+                <a:noFill/>
+              </p:spPr>
+              <p:txBody>
+                <a:bodyPr wrap="none" rtlCol="0">
+                  <a:spAutoFit/>
+                </a:bodyPr>
+                <a:lstStyle/>
+                <a:p>
+                  <a:pPr/>
+                  <a14:m>
+                    <m:oMathPara xmlns:m="http://schemas.openxmlformats.org/officeDocument/2006/math">
+                      <m:oMathParaPr>
+                        <m:jc m:val="centerGroup"/>
+                      </m:oMathParaPr>
+                      <m:oMath xmlns:m="http://schemas.openxmlformats.org/officeDocument/2006/math">
+                        <m:r>
+                          <a:rPr lang="en-US" sz="1100" b="0" i="1" smtClean="0">
                             <a:latin typeface="Cambria Math" panose="02040503050406030204" pitchFamily="18" charset="0"/>
                           </a:rPr>
-                        </m:ctrlPr>
-                      </m:sSubSupPr>
-                      <m:e>
+                          <m:t>𝜔</m:t>
+                        </m:r>
                         <m:r>
-                          <a:rPr lang="en-US" b="0" i="1" smtClean="0">
-                            <a:latin typeface="Cambria Math" panose="02040503050406030204" pitchFamily="18" charset="0"/>
-                          </a:rPr>
-                          <m:t>𝑧</m:t>
-                        </m:r>
-                      </m:e>
-                      <m:sub>
-                        <m:r>
-                          <a:rPr lang="en-US" b="0" i="1" smtClean="0">
-                            <a:latin typeface="Cambria Math" panose="02040503050406030204" pitchFamily="18" charset="0"/>
-                          </a:rPr>
-                          <m:t>𝐸𝑁𝑃</m:t>
-                        </m:r>
-                      </m:sub>
-                      <m:sup>
-                        <m:r>
-                          <a:rPr lang="en-US" b="0" i="1" smtClean="0">
+                          <a:rPr lang="en-US" sz="1100" b="0" i="1" smtClean="0">
                             <a:latin typeface="Cambria Math" panose="02040503050406030204" pitchFamily="18" charset="0"/>
                           </a:rPr>
                           <m:t>′</m:t>
                         </m:r>
-                      </m:sup>
-                    </m:sSubSup>
-                  </m:oMath>
-                </a14:m>
-                <a:endParaRPr lang="en-US" dirty="0"/>
-              </a:p>
-            </p:txBody>
-          </p:sp>
-        </mc:Choice>
-        <mc:Fallback>
-          <p:sp>
-            <p:nvSpPr>
-              <p:cNvPr id="35" name="TextBox 34"/>
-              <p:cNvSpPr txBox="1">
-                <a:spLocks noRot="1" noChangeAspect="1" noMove="1" noResize="1" noEditPoints="1" noAdjustHandles="1" noChangeArrowheads="1" noChangeShapeType="1" noTextEdit="1"/>
-              </p:cNvSpPr>
-              <p:nvPr/>
-            </p:nvSpPr>
-            <p:spPr>
-              <a:xfrm>
-                <a:off x="452628" y="2418588"/>
-                <a:ext cx="2165529" cy="369332"/>
-              </a:xfrm>
-              <a:prstGeom prst="rect">
-                <a:avLst/>
-              </a:prstGeom>
-              <a:blipFill rotWithShape="0">
-                <a:blip r:embed="rId17"/>
-                <a:stretch>
-                  <a:fillRect l="-2254" t="-10000" b="-26667"/>
-                </a:stretch>
-              </a:blipFill>
-            </p:spPr>
-            <p:txBody>
-              <a:bodyPr/>
-              <a:lstStyle/>
-              <a:p>
-                <a:r>
-                  <a:rPr lang="en-US">
-                    <a:noFill/>
-                  </a:rPr>
-                  <a:t> </a:t>
-                </a:r>
-              </a:p>
-            </p:txBody>
-          </p:sp>
-        </mc:Fallback>
-      </mc:AlternateContent>
+                      </m:oMath>
+                    </m:oMathPara>
+                  </a14:m>
+                  <a:endParaRPr lang="en-US" sz="1100" dirty="0"/>
+                </a:p>
+              </p:txBody>
+            </p:sp>
+          </mc:Choice>
+          <mc:Fallback>
+            <p:sp>
+              <p:nvSpPr>
+                <p:cNvPr id="86" name="TextBox 85"/>
+                <p:cNvSpPr txBox="1">
+                  <a:spLocks noRot="1" noChangeAspect="1" noMove="1" noResize="1" noEditPoints="1" noAdjustHandles="1" noChangeArrowheads="1" noChangeShapeType="1" noTextEdit="1"/>
+                </p:cNvSpPr>
+                <p:nvPr/>
+              </p:nvSpPr>
+              <p:spPr>
+                <a:xfrm>
+                  <a:off x="3390134" y="918013"/>
+                  <a:ext cx="436354" cy="320490"/>
+                </a:xfrm>
+                <a:prstGeom prst="rect">
+                  <a:avLst/>
+                </a:prstGeom>
+                <a:blipFill rotWithShape="0">
+                  <a:blip r:embed="rId17"/>
+                  <a:stretch>
+                    <a:fillRect/>
+                  </a:stretch>
+                </a:blipFill>
+              </p:spPr>
+              <p:txBody>
+                <a:bodyPr/>
+                <a:lstStyle/>
+                <a:p>
+                  <a:r>
+                    <a:rPr lang="en-US">
+                      <a:noFill/>
+                    </a:rPr>
+                    <a:t> </a:t>
+                  </a:r>
+                </a:p>
+              </p:txBody>
+            </p:sp>
+          </mc:Fallback>
+        </mc:AlternateContent>
+        <p:sp>
+          <p:nvSpPr>
+            <p:cNvPr id="87" name="Arc 86"/>
+            <p:cNvSpPr>
+              <a:spLocks noChangeAspect="1"/>
+            </p:cNvSpPr>
+            <p:nvPr/>
+          </p:nvSpPr>
+          <p:spPr>
+            <a:xfrm>
+              <a:off x="2955051" y="754203"/>
+              <a:ext cx="548640" cy="548640"/>
+            </a:xfrm>
+            <a:prstGeom prst="arc">
+              <a:avLst>
+                <a:gd name="adj1" fmla="val 20947419"/>
+                <a:gd name="adj2" fmla="val 1532707"/>
+              </a:avLst>
+            </a:prstGeom>
+            <a:ln w="7620">
+              <a:solidFill>
+                <a:schemeClr val="tx1">
+                  <a:lumMod val="75000"/>
+                  <a:lumOff val="25000"/>
+                </a:schemeClr>
+              </a:solidFill>
+              <a:tailEnd type="arrow" w="sm" len="sm"/>
+            </a:ln>
+          </p:spPr>
+          <p:style>
+            <a:lnRef idx="1">
+              <a:schemeClr val="accent1"/>
+            </a:lnRef>
+            <a:fillRef idx="0">
+              <a:schemeClr val="accent1"/>
+            </a:fillRef>
+            <a:effectRef idx="0">
+              <a:schemeClr val="accent1"/>
+            </a:effectRef>
+            <a:fontRef idx="minor">
+              <a:schemeClr val="tx1"/>
+            </a:fontRef>
+          </p:style>
+          <p:txBody>
+            <a:bodyPr rtlCol="0" anchor="ctr"/>
+            <a:lstStyle/>
+            <a:p>
+              <a:pPr algn="ctr"/>
+              <a:endParaRPr lang="en-US"/>
+            </a:p>
+          </p:txBody>
+        </p:sp>
+        <p:sp>
+          <p:nvSpPr>
+            <p:cNvPr id="88" name="TextBox 87"/>
+            <p:cNvSpPr txBox="1"/>
+            <p:nvPr/>
+          </p:nvSpPr>
+          <p:spPr>
+            <a:xfrm rot="16851975">
+              <a:off x="4585353" y="357717"/>
+              <a:ext cx="692818" cy="200055"/>
+            </a:xfrm>
+            <a:prstGeom prst="rect">
+              <a:avLst/>
+            </a:prstGeom>
+            <a:noFill/>
+          </p:spPr>
+          <p:txBody>
+            <a:bodyPr wrap="none" rtlCol="0">
+              <a:spAutoFit/>
+            </a:bodyPr>
+            <a:lstStyle/>
+            <a:p>
+              <a:r>
+                <a:rPr lang="en-US" sz="700" i="1" dirty="0" smtClean="0"/>
+                <a:t>IMAGE PLANE</a:t>
+              </a:r>
+              <a:endParaRPr lang="en-US" sz="700" i="1" dirty="0"/>
+            </a:p>
+          </p:txBody>
+        </p:sp>
+      </p:grpSp>
     </p:spTree>
     <p:extLst>
       <p:ext uri="{BB962C8B-B14F-4D97-AF65-F5344CB8AC3E}">

--- a/chapters/chapter03_geometricmodel/figures/figures_PPT.pptx
+++ b/chapters/chapter03_geometricmodel/figures/figures_PPT.pptx
@@ -8,6 +8,7 @@
     <p:sldId id="256" r:id="rId2"/>
     <p:sldId id="257" r:id="rId3"/>
     <p:sldId id="258" r:id="rId4"/>
+    <p:sldId id="259" r:id="rId5"/>
   </p:sldIdLst>
   <p:sldSz cx="5486400" cy="7772400"/>
   <p:notesSz cx="6858000" cy="9144000"/>
@@ -245,7 +246,7 @@
           <a:p>
             <a:fld id="{D25EE769-EC14-4089-BCC7-B0C4A40ED0F9}" type="datetimeFigureOut">
               <a:rPr lang="en-US" smtClean="0"/>
-              <a:t>9/4/2015</a:t>
+              <a:t>9/6/2015</a:t>
             </a:fld>
             <a:endParaRPr lang="en-US"/>
           </a:p>
@@ -415,7 +416,7 @@
           <a:p>
             <a:fld id="{D25EE769-EC14-4089-BCC7-B0C4A40ED0F9}" type="datetimeFigureOut">
               <a:rPr lang="en-US" smtClean="0"/>
-              <a:t>9/4/2015</a:t>
+              <a:t>9/6/2015</a:t>
             </a:fld>
             <a:endParaRPr lang="en-US"/>
           </a:p>
@@ -595,7 +596,7 @@
           <a:p>
             <a:fld id="{D25EE769-EC14-4089-BCC7-B0C4A40ED0F9}" type="datetimeFigureOut">
               <a:rPr lang="en-US" smtClean="0"/>
-              <a:t>9/4/2015</a:t>
+              <a:t>9/6/2015</a:t>
             </a:fld>
             <a:endParaRPr lang="en-US"/>
           </a:p>
@@ -765,7 +766,7 @@
           <a:p>
             <a:fld id="{D25EE769-EC14-4089-BCC7-B0C4A40ED0F9}" type="datetimeFigureOut">
               <a:rPr lang="en-US" smtClean="0"/>
-              <a:t>9/4/2015</a:t>
+              <a:t>9/6/2015</a:t>
             </a:fld>
             <a:endParaRPr lang="en-US"/>
           </a:p>
@@ -1009,7 +1010,7 @@
           <a:p>
             <a:fld id="{D25EE769-EC14-4089-BCC7-B0C4A40ED0F9}" type="datetimeFigureOut">
               <a:rPr lang="en-US" smtClean="0"/>
-              <a:t>9/4/2015</a:t>
+              <a:t>9/6/2015</a:t>
             </a:fld>
             <a:endParaRPr lang="en-US"/>
           </a:p>
@@ -1241,7 +1242,7 @@
           <a:p>
             <a:fld id="{D25EE769-EC14-4089-BCC7-B0C4A40ED0F9}" type="datetimeFigureOut">
               <a:rPr lang="en-US" smtClean="0"/>
-              <a:t>9/4/2015</a:t>
+              <a:t>9/6/2015</a:t>
             </a:fld>
             <a:endParaRPr lang="en-US"/>
           </a:p>
@@ -1608,7 +1609,7 @@
           <a:p>
             <a:fld id="{D25EE769-EC14-4089-BCC7-B0C4A40ED0F9}" type="datetimeFigureOut">
               <a:rPr lang="en-US" smtClean="0"/>
-              <a:t>9/4/2015</a:t>
+              <a:t>9/6/2015</a:t>
             </a:fld>
             <a:endParaRPr lang="en-US"/>
           </a:p>
@@ -1726,7 +1727,7 @@
           <a:p>
             <a:fld id="{D25EE769-EC14-4089-BCC7-B0C4A40ED0F9}" type="datetimeFigureOut">
               <a:rPr lang="en-US" smtClean="0"/>
-              <a:t>9/4/2015</a:t>
+              <a:t>9/6/2015</a:t>
             </a:fld>
             <a:endParaRPr lang="en-US"/>
           </a:p>
@@ -1821,7 +1822,7 @@
           <a:p>
             <a:fld id="{D25EE769-EC14-4089-BCC7-B0C4A40ED0F9}" type="datetimeFigureOut">
               <a:rPr lang="en-US" smtClean="0"/>
-              <a:t>9/4/2015</a:t>
+              <a:t>9/6/2015</a:t>
             </a:fld>
             <a:endParaRPr lang="en-US"/>
           </a:p>
@@ -2098,7 +2099,7 @@
           <a:p>
             <a:fld id="{D25EE769-EC14-4089-BCC7-B0C4A40ED0F9}" type="datetimeFigureOut">
               <a:rPr lang="en-US" smtClean="0"/>
-              <a:t>9/4/2015</a:t>
+              <a:t>9/6/2015</a:t>
             </a:fld>
             <a:endParaRPr lang="en-US"/>
           </a:p>
@@ -2355,7 +2356,7 @@
           <a:p>
             <a:fld id="{D25EE769-EC14-4089-BCC7-B0C4A40ED0F9}" type="datetimeFigureOut">
               <a:rPr lang="en-US" smtClean="0"/>
-              <a:t>9/4/2015</a:t>
+              <a:t>9/6/2015</a:t>
             </a:fld>
             <a:endParaRPr lang="en-US"/>
           </a:p>
@@ -2568,7 +2569,7 @@
           <a:p>
             <a:fld id="{D25EE769-EC14-4089-BCC7-B0C4A40ED0F9}" type="datetimeFigureOut">
               <a:rPr lang="en-US" smtClean="0"/>
-              <a:t>9/4/2015</a:t>
+              <a:t>9/6/2015</a:t>
             </a:fld>
             <a:endParaRPr lang="en-US"/>
           </a:p>
@@ -2975,16 +2976,16 @@
       </p:grpSpPr>
       <p:grpSp>
         <p:nvGrpSpPr>
-          <p:cNvPr id="10" name="Group 9"/>
+          <p:cNvPr id="6" name="Group 5"/>
           <p:cNvGrpSpPr/>
           <p:nvPr/>
         </p:nvGrpSpPr>
         <p:grpSpPr>
           <a:xfrm>
-            <a:off x="325737" y="192833"/>
-            <a:ext cx="4735603" cy="1480292"/>
-            <a:chOff x="325737" y="192833"/>
-            <a:chExt cx="4735603" cy="1480292"/>
+            <a:off x="176213" y="173793"/>
+            <a:ext cx="4800600" cy="1621670"/>
+            <a:chOff x="176213" y="173793"/>
+            <a:chExt cx="4800600" cy="1621670"/>
           </a:xfrm>
         </p:grpSpPr>
         <p:sp>
@@ -2995,8 +2996,8 @@
           </p:nvSpPr>
           <p:spPr>
             <a:xfrm>
-              <a:off x="351922" y="192833"/>
-              <a:ext cx="4709418" cy="1451801"/>
+              <a:off x="257176" y="192833"/>
+              <a:ext cx="4638674" cy="1602630"/>
             </a:xfrm>
             <a:prstGeom prst="rect">
               <a:avLst/>
@@ -3033,30 +3034,120 @@
             </a:p>
           </p:txBody>
         </p:sp>
-        <p:pic>
-          <p:nvPicPr>
-            <p:cNvPr id="4" name="Picture 3"/>
-            <p:cNvPicPr>
-              <a:picLocks noChangeAspect="1"/>
-            </p:cNvPicPr>
+        <p:cxnSp>
+          <p:nvCxnSpPr>
+            <p:cNvPr id="39" name="Straight Connector 38"/>
+            <p:cNvCxnSpPr/>
             <p:nvPr/>
-          </p:nvPicPr>
-          <p:blipFill>
-            <a:blip r:embed="rId2"/>
-            <a:stretch>
-              <a:fillRect/>
-            </a:stretch>
-          </p:blipFill>
+          </p:nvCxnSpPr>
           <p:spPr>
-            <a:xfrm>
-              <a:off x="382150" y="1268890"/>
-              <a:ext cx="443831" cy="347472"/>
+            <a:xfrm flipH="1" flipV="1">
+              <a:off x="2603722" y="984023"/>
+              <a:ext cx="0" cy="731520"/>
             </a:xfrm>
-            <a:prstGeom prst="rect">
+            <a:prstGeom prst="line">
               <a:avLst/>
             </a:prstGeom>
+            <a:ln>
+              <a:solidFill>
+                <a:schemeClr val="bg1">
+                  <a:lumMod val="50000"/>
+                </a:schemeClr>
+              </a:solidFill>
+              <a:prstDash val="dash"/>
+            </a:ln>
           </p:spPr>
-        </p:pic>
+          <p:style>
+            <a:lnRef idx="1">
+              <a:schemeClr val="accent1"/>
+            </a:lnRef>
+            <a:fillRef idx="0">
+              <a:schemeClr val="accent1"/>
+            </a:fillRef>
+            <a:effectRef idx="0">
+              <a:schemeClr val="accent1"/>
+            </a:effectRef>
+            <a:fontRef idx="minor">
+              <a:schemeClr val="tx1"/>
+            </a:fontRef>
+          </p:style>
+        </p:cxnSp>
+        <p:cxnSp>
+          <p:nvCxnSpPr>
+            <p:cNvPr id="50" name="Straight Connector 49"/>
+            <p:cNvCxnSpPr/>
+            <p:nvPr/>
+          </p:nvCxnSpPr>
+          <p:spPr>
+            <a:xfrm flipH="1" flipV="1">
+              <a:off x="512984" y="250598"/>
+              <a:ext cx="0" cy="1463040"/>
+            </a:xfrm>
+            <a:prstGeom prst="line">
+              <a:avLst/>
+            </a:prstGeom>
+            <a:ln>
+              <a:solidFill>
+                <a:schemeClr val="bg1">
+                  <a:lumMod val="50000"/>
+                </a:schemeClr>
+              </a:solidFill>
+              <a:prstDash val="dash"/>
+            </a:ln>
+          </p:spPr>
+          <p:style>
+            <a:lnRef idx="1">
+              <a:schemeClr val="accent1"/>
+            </a:lnRef>
+            <a:fillRef idx="0">
+              <a:schemeClr val="accent1"/>
+            </a:fillRef>
+            <a:effectRef idx="0">
+              <a:schemeClr val="accent1"/>
+            </a:effectRef>
+            <a:fontRef idx="minor">
+              <a:schemeClr val="tx1"/>
+            </a:fontRef>
+          </p:style>
+        </p:cxnSp>
+        <p:cxnSp>
+          <p:nvCxnSpPr>
+            <p:cNvPr id="51" name="Straight Connector 50"/>
+            <p:cNvCxnSpPr/>
+            <p:nvPr/>
+          </p:nvCxnSpPr>
+          <p:spPr>
+            <a:xfrm flipH="1" flipV="1">
+              <a:off x="4623021" y="1026885"/>
+              <a:ext cx="0" cy="731520"/>
+            </a:xfrm>
+            <a:prstGeom prst="line">
+              <a:avLst/>
+            </a:prstGeom>
+            <a:ln>
+              <a:solidFill>
+                <a:schemeClr val="bg1">
+                  <a:lumMod val="50000"/>
+                </a:schemeClr>
+              </a:solidFill>
+              <a:prstDash val="dash"/>
+            </a:ln>
+          </p:spPr>
+          <p:style>
+            <a:lnRef idx="1">
+              <a:schemeClr val="accent1"/>
+            </a:lnRef>
+            <a:fillRef idx="0">
+              <a:schemeClr val="accent1"/>
+            </a:fillRef>
+            <a:effectRef idx="0">
+              <a:schemeClr val="accent1"/>
+            </a:effectRef>
+            <a:fontRef idx="minor">
+              <a:schemeClr val="tx1"/>
+            </a:fontRef>
+          </p:style>
+        </p:cxnSp>
         <p:cxnSp>
           <p:nvCxnSpPr>
             <p:cNvPr id="74" name="Straight Connector 73"/>
@@ -3098,6 +3189,120 @@
             </a:fontRef>
           </p:style>
         </p:cxnSp>
+        <p:cxnSp>
+          <p:nvCxnSpPr>
+            <p:cNvPr id="36" name="Straight Arrow Connector 35"/>
+            <p:cNvCxnSpPr/>
+            <p:nvPr/>
+          </p:nvCxnSpPr>
+          <p:spPr>
+            <a:xfrm flipV="1">
+              <a:off x="2604766" y="682737"/>
+              <a:ext cx="0" cy="365760"/>
+            </a:xfrm>
+            <a:prstGeom prst="straightConnector1">
+              <a:avLst/>
+            </a:prstGeom>
+            <a:ln w="9525">
+              <a:solidFill>
+                <a:srgbClr val="00B050"/>
+              </a:solidFill>
+              <a:prstDash val="sysDot"/>
+              <a:headEnd type="none" w="med" len="med"/>
+              <a:tailEnd type="triangle" w="sm" len="lg"/>
+            </a:ln>
+            <a:effectLst>
+              <a:outerShdw blurRad="12700" dir="2700000" algn="tl" rotWithShape="0">
+                <a:prstClr val="black">
+                  <a:alpha val="50000"/>
+                </a:prstClr>
+              </a:outerShdw>
+            </a:effectLst>
+          </p:spPr>
+          <p:style>
+            <a:lnRef idx="1">
+              <a:schemeClr val="accent1"/>
+            </a:lnRef>
+            <a:fillRef idx="0">
+              <a:schemeClr val="accent1"/>
+            </a:fillRef>
+            <a:effectRef idx="0">
+              <a:schemeClr val="accent1"/>
+            </a:effectRef>
+            <a:fontRef idx="minor">
+              <a:schemeClr val="tx1"/>
+            </a:fontRef>
+          </p:style>
+        </p:cxnSp>
+        <p:cxnSp>
+          <p:nvCxnSpPr>
+            <p:cNvPr id="37" name="Straight Connector 36"/>
+            <p:cNvCxnSpPr/>
+            <p:nvPr/>
+          </p:nvCxnSpPr>
+          <p:spPr>
+            <a:xfrm>
+              <a:off x="2605913" y="1041160"/>
+              <a:ext cx="365760" cy="0"/>
+            </a:xfrm>
+            <a:prstGeom prst="line">
+              <a:avLst/>
+            </a:prstGeom>
+            <a:ln w="9525">
+              <a:solidFill>
+                <a:srgbClr val="1C87FC"/>
+              </a:solidFill>
+              <a:prstDash val="sysDot"/>
+              <a:headEnd type="none" w="med" len="med"/>
+              <a:tailEnd type="triangle" w="sm" len="lg"/>
+            </a:ln>
+            <a:effectLst>
+              <a:outerShdw blurRad="12700" dir="2700000" algn="tl" rotWithShape="0">
+                <a:prstClr val="black">
+                  <a:alpha val="50000"/>
+                </a:prstClr>
+              </a:outerShdw>
+            </a:effectLst>
+          </p:spPr>
+          <p:style>
+            <a:lnRef idx="1">
+              <a:schemeClr val="accent1"/>
+            </a:lnRef>
+            <a:fillRef idx="0">
+              <a:schemeClr val="accent1"/>
+            </a:fillRef>
+            <a:effectRef idx="0">
+              <a:schemeClr val="accent1"/>
+            </a:effectRef>
+            <a:fontRef idx="minor">
+              <a:schemeClr val="tx1"/>
+            </a:fontRef>
+          </p:style>
+        </p:cxnSp>
+        <p:pic>
+          <p:nvPicPr>
+            <p:cNvPr id="4" name="Picture 3"/>
+            <p:cNvPicPr>
+              <a:picLocks noChangeAspect="1"/>
+            </p:cNvPicPr>
+            <p:nvPr/>
+          </p:nvPicPr>
+          <p:blipFill>
+            <a:blip r:embed="rId2"/>
+            <a:stretch>
+              <a:fillRect/>
+            </a:stretch>
+          </p:blipFill>
+          <p:spPr>
+            <a:xfrm>
+              <a:off x="286895" y="1430829"/>
+              <a:ext cx="443831" cy="347472"/>
+            </a:xfrm>
+            <a:prstGeom prst="rect">
+              <a:avLst/>
+            </a:prstGeom>
+          </p:spPr>
+        </p:pic>
         <p:sp>
           <p:nvSpPr>
             <p:cNvPr id="89" name="Text Box 15"/>
@@ -3632,8 +3837,8 @@
             </p:txBody>
           </p:sp>
         </p:grpSp>
-        <mc:AlternateContent xmlns:mc="http://schemas.openxmlformats.org/markup-compatibility/2006">
-          <mc:Choice xmlns:a14="http://schemas.microsoft.com/office/drawing/2010/main" Requires="a14">
+        <mc:AlternateContent xmlns:mc="http://schemas.openxmlformats.org/markup-compatibility/2006" xmlns:a14="http://schemas.microsoft.com/office/drawing/2010/main">
+          <mc:Choice Requires="a14">
             <p:sp>
               <p:nvSpPr>
                 <p:cNvPr id="129" name="TextBox 128"/>
@@ -3677,7 +3882,7 @@
               </p:txBody>
             </p:sp>
           </mc:Choice>
-          <mc:Fallback>
+          <mc:Fallback xmlns="">
             <p:sp>
               <p:nvSpPr>
                 <p:cNvPr id="129" name="TextBox 128"/>
@@ -3716,8 +3921,8 @@
             </p:sp>
           </mc:Fallback>
         </mc:AlternateContent>
-        <mc:AlternateContent xmlns:mc="http://schemas.openxmlformats.org/markup-compatibility/2006">
-          <mc:Choice xmlns:a14="http://schemas.microsoft.com/office/drawing/2010/main" Requires="a14">
+        <mc:AlternateContent xmlns:mc="http://schemas.openxmlformats.org/markup-compatibility/2006" xmlns:a14="http://schemas.microsoft.com/office/drawing/2010/main">
+          <mc:Choice Requires="a14">
             <p:sp>
               <p:nvSpPr>
                 <p:cNvPr id="130" name="TextBox 129"/>
@@ -3767,7 +3972,7 @@
               </p:txBody>
             </p:sp>
           </mc:Choice>
-          <mc:Fallback>
+          <mc:Fallback xmlns="">
             <p:sp>
               <p:nvSpPr>
                 <p:cNvPr id="130" name="TextBox 129"/>
@@ -3919,7 +4124,7 @@
           </p:nvSpPr>
           <p:spPr>
             <a:xfrm>
-              <a:off x="435730" y="876783"/>
+              <a:off x="630995" y="876783"/>
               <a:ext cx="909626" cy="263933"/>
             </a:xfrm>
             <a:prstGeom prst="rect">
@@ -3941,8 +4146,8 @@
             </a:p>
           </p:txBody>
         </p:sp>
-        <mc:AlternateContent xmlns:mc="http://schemas.openxmlformats.org/markup-compatibility/2006">
-          <mc:Choice xmlns:a14="http://schemas.microsoft.com/office/drawing/2010/main" Requires="a14">
+        <mc:AlternateContent xmlns:mc="http://schemas.openxmlformats.org/markup-compatibility/2006" xmlns:a14="http://schemas.microsoft.com/office/drawing/2010/main">
+          <mc:Choice Requires="a14">
             <p:sp>
               <p:nvSpPr>
                 <p:cNvPr id="162" name="TextBox 161"/>
@@ -4103,7 +4308,7 @@
               </p:txBody>
             </p:sp>
           </mc:Choice>
-          <mc:Fallback>
+          <mc:Fallback xmlns="">
             <p:sp>
               <p:nvSpPr>
                 <p:cNvPr id="162" name="TextBox 161"/>
@@ -4142,8 +4347,8 @@
             </p:sp>
           </mc:Fallback>
         </mc:AlternateContent>
-        <mc:AlternateContent xmlns:mc="http://schemas.openxmlformats.org/markup-compatibility/2006">
-          <mc:Choice xmlns:a14="http://schemas.microsoft.com/office/drawing/2010/main" Requires="a14">
+        <mc:AlternateContent xmlns:mc="http://schemas.openxmlformats.org/markup-compatibility/2006" xmlns:a14="http://schemas.microsoft.com/office/drawing/2010/main">
+          <mc:Choice Requires="a14">
             <p:sp>
               <p:nvSpPr>
                 <p:cNvPr id="163" name="TextBox 162"/>
@@ -4355,7 +4560,7 @@
               </p:txBody>
             </p:sp>
           </mc:Choice>
-          <mc:Fallback>
+          <mc:Fallback xmlns="">
             <p:sp>
               <p:nvSpPr>
                 <p:cNvPr id="163" name="TextBox 162"/>
@@ -4445,8 +4650,8 @@
             </a:p>
           </p:txBody>
         </p:sp>
-        <mc:AlternateContent xmlns:mc="http://schemas.openxmlformats.org/markup-compatibility/2006">
-          <mc:Choice xmlns:a14="http://schemas.microsoft.com/office/drawing/2010/main" Requires="a14">
+        <mc:AlternateContent xmlns:mc="http://schemas.openxmlformats.org/markup-compatibility/2006" xmlns:a14="http://schemas.microsoft.com/office/drawing/2010/main">
+          <mc:Choice Requires="a14">
             <p:sp>
               <p:nvSpPr>
                 <p:cNvPr id="165" name="TextBox 164"/>
@@ -4455,8 +4660,8 @@
               </p:nvSpPr>
               <p:spPr>
                 <a:xfrm>
-                  <a:off x="325737" y="278573"/>
-                  <a:ext cx="815384" cy="497316"/>
+                  <a:off x="176213" y="173793"/>
+                  <a:ext cx="379112" cy="497316"/>
                 </a:xfrm>
                 <a:prstGeom prst="rect">
                   <a:avLst/>
@@ -4469,169 +4674,103 @@
                 </a:bodyPr>
                 <a:lstStyle/>
                 <a:p>
+                  <a:pPr/>
                   <a14:m>
-                    <m:oMath xmlns:m="http://schemas.openxmlformats.org/officeDocument/2006/math">
-                      <m:d>
-                        <m:dPr>
-                          <m:begChr m:val="["/>
-                          <m:endChr m:val="]"/>
-                          <m:ctrlPr>
-                            <a:rPr lang="en-US" sz="1000" b="0" i="1" smtClean="0">
-                              <a:solidFill>
-                                <a:schemeClr val="tx1">
-                                  <a:lumMod val="95000"/>
-                                  <a:lumOff val="5000"/>
-                                </a:schemeClr>
-                              </a:solidFill>
-                              <a:latin typeface="Cambria Math" panose="02040503050406030204" pitchFamily="18" charset="0"/>
-                            </a:rPr>
-                          </m:ctrlPr>
-                        </m:dPr>
-                        <m:e>
-                          <m:eqArr>
-                            <m:eqArrPr>
-                              <m:ctrlPr>
-                                <a:rPr lang="en-US" sz="1000" b="0" i="1" smtClean="0">
-                                  <a:solidFill>
-                                    <a:schemeClr val="tx1">
-                                      <a:lumMod val="95000"/>
-                                      <a:lumOff val="5000"/>
-                                    </a:schemeClr>
-                                  </a:solidFill>
-                                  <a:latin typeface="Cambria Math" panose="02040503050406030204" pitchFamily="18" charset="0"/>
-                                </a:rPr>
-                              </m:ctrlPr>
-                            </m:eqArrPr>
-                            <m:e>
-                              <m:r>
-                                <a:rPr lang="en-US" sz="1000" b="0" i="1" smtClean="0">
-                                  <a:solidFill>
-                                    <a:schemeClr val="tx1">
-                                      <a:lumMod val="95000"/>
-                                      <a:lumOff val="5000"/>
-                                    </a:schemeClr>
-                                  </a:solidFill>
-                                  <a:latin typeface="Cambria Math" panose="02040503050406030204" pitchFamily="18" charset="0"/>
-                                </a:rPr>
-                                <m:t>𝑋</m:t>
-                              </m:r>
-                              <m:r>
-                                <a:rPr lang="en-US" sz="1000" b="0" i="1" smtClean="0">
-                                  <a:solidFill>
-                                    <a:schemeClr val="tx1">
-                                      <a:lumMod val="95000"/>
-                                      <a:lumOff val="5000"/>
-                                    </a:schemeClr>
-                                  </a:solidFill>
-                                  <a:latin typeface="Cambria Math" panose="02040503050406030204" pitchFamily="18" charset="0"/>
-                                </a:rPr>
-                                <m:t> </m:t>
-                              </m:r>
-                            </m:e>
-                            <m:e>
-                              <m:r>
-                                <a:rPr lang="en-US" sz="1000" b="0" i="1" smtClean="0">
-                                  <a:solidFill>
-                                    <a:schemeClr val="tx1">
-                                      <a:lumMod val="95000"/>
-                                      <a:lumOff val="5000"/>
-                                    </a:schemeClr>
-                                  </a:solidFill>
-                                  <a:latin typeface="Cambria Math" panose="02040503050406030204" pitchFamily="18" charset="0"/>
-                                </a:rPr>
-                                <m:t>𝑌</m:t>
-                              </m:r>
-                            </m:e>
-                            <m:e>
-                              <m:r>
-                                <a:rPr lang="en-US" sz="1000" b="0" i="1" smtClean="0">
-                                  <a:solidFill>
-                                    <a:schemeClr val="tx1">
-                                      <a:lumMod val="95000"/>
-                                      <a:lumOff val="5000"/>
-                                    </a:schemeClr>
-                                  </a:solidFill>
-                                  <a:latin typeface="Cambria Math" panose="02040503050406030204" pitchFamily="18" charset="0"/>
-                                </a:rPr>
-                                <m:t>𝑍</m:t>
-                              </m:r>
-                            </m:e>
-                          </m:eqArr>
-                        </m:e>
-                      </m:d>
-                    </m:oMath>
-                  </a14:m>
-                  <a:r>
-                    <a:rPr lang="en-US" sz="1000" dirty="0" smtClean="0">
-                      <a:solidFill>
-                        <a:schemeClr val="tx1">
-                          <a:lumMod val="95000"/>
-                          <a:lumOff val="5000"/>
-                        </a:schemeClr>
-                      </a:solidFill>
-                    </a:rPr>
-                    <a:t> </a:t>
-                  </a:r>
-                  <a14:m>
-                    <m:oMath xmlns:m="http://schemas.openxmlformats.org/officeDocument/2006/math">
-                      <m:r>
-                        <a:rPr lang="en-US" sz="1000" i="1" dirty="0" smtClean="0">
-                          <a:solidFill>
-                            <a:schemeClr val="tx1">
-                              <a:lumMod val="95000"/>
-                              <a:lumOff val="5000"/>
-                            </a:schemeClr>
-                          </a:solidFill>
-                          <a:latin typeface="Cambria Math" panose="02040503050406030204" pitchFamily="18" charset="0"/>
-                        </a:rPr>
-                        <m:t>=</m:t>
-                      </m:r>
-                    </m:oMath>
-                  </a14:m>
-                  <a:r>
-                    <a:rPr lang="en-US" sz="1000" dirty="0" smtClean="0">
-                      <a:solidFill>
-                        <a:schemeClr val="tx1">
-                          <a:lumMod val="95000"/>
-                          <a:lumOff val="5000"/>
-                        </a:schemeClr>
-                      </a:solidFill>
-                    </a:rPr>
-                    <a:t> </a:t>
-                  </a:r>
-                  <a14:m>
-                    <m:oMath xmlns:m="http://schemas.openxmlformats.org/officeDocument/2006/math">
-                      <m:acc>
-                        <m:accPr>
-                          <m:chr m:val="⃗"/>
-                          <m:ctrlPr>
-                            <a:rPr lang="en-US" sz="1000" b="0" i="1" smtClean="0">
-                              <a:solidFill>
-                                <a:schemeClr val="tx1">
-                                  <a:lumMod val="95000"/>
-                                  <a:lumOff val="5000"/>
-                                </a:schemeClr>
-                              </a:solidFill>
-                              <a:latin typeface="Cambria Math" panose="02040503050406030204" pitchFamily="18" charset="0"/>
-                            </a:rPr>
-                          </m:ctrlPr>
-                        </m:accPr>
-                        <m:e>
-                          <m:r>
-                            <a:rPr lang="en-US" sz="1000" b="0" i="1" smtClean="0">
-                              <a:solidFill>
-                                <a:schemeClr val="tx1">
-                                  <a:lumMod val="95000"/>
-                                  <a:lumOff val="5000"/>
-                                </a:schemeClr>
-                              </a:solidFill>
-                              <a:latin typeface="Cambria Math" panose="02040503050406030204" pitchFamily="18" charset="0"/>
-                            </a:rPr>
-                            <m:t>𝑋</m:t>
-                          </m:r>
-                        </m:e>
-                      </m:acc>
-                    </m:oMath>
+                    <m:oMathPara xmlns:m="http://schemas.openxmlformats.org/officeDocument/2006/math">
+                      <m:oMathParaPr>
+                        <m:jc m:val="centerGroup"/>
+                      </m:oMathParaPr>
+                      <m:oMath xmlns:m="http://schemas.openxmlformats.org/officeDocument/2006/math">
+                        <m:d>
+                          <m:dPr>
+                            <m:begChr m:val="["/>
+                            <m:endChr m:val="]"/>
+                            <m:ctrlPr>
+                              <a:rPr lang="en-US" sz="1000" b="0" i="1" smtClean="0">
+                                <a:solidFill>
+                                  <a:schemeClr val="tx1">
+                                    <a:lumMod val="95000"/>
+                                    <a:lumOff val="5000"/>
+                                  </a:schemeClr>
+                                </a:solidFill>
+                                <a:latin typeface="Cambria Math" panose="02040503050406030204" pitchFamily="18" charset="0"/>
+                              </a:rPr>
+                            </m:ctrlPr>
+                          </m:dPr>
+                          <m:e>
+                            <m:eqArr>
+                              <m:eqArrPr>
+                                <m:ctrlPr>
+                                  <a:rPr lang="en-US" sz="1000" b="0" i="1" smtClean="0">
+                                    <a:solidFill>
+                                      <a:schemeClr val="tx1">
+                                        <a:lumMod val="95000"/>
+                                        <a:lumOff val="5000"/>
+                                      </a:schemeClr>
+                                    </a:solidFill>
+                                    <a:latin typeface="Cambria Math" panose="02040503050406030204" pitchFamily="18" charset="0"/>
+                                  </a:rPr>
+                                </m:ctrlPr>
+                              </m:eqArrPr>
+                              <m:e>
+                                <m:r>
+                                  <a:rPr lang="en-US" sz="1000" b="0" i="1" smtClean="0">
+                                    <a:solidFill>
+                                      <a:schemeClr val="tx1">
+                                        <a:lumMod val="95000"/>
+                                        <a:lumOff val="5000"/>
+                                      </a:schemeClr>
+                                    </a:solidFill>
+                                    <a:latin typeface="Cambria Math" panose="02040503050406030204" pitchFamily="18" charset="0"/>
+                                  </a:rPr>
+                                  <m:t>𝑋</m:t>
+                                </m:r>
+                                <m:r>
+                                  <a:rPr lang="en-US" sz="1000" b="0" i="1" smtClean="0">
+                                    <a:solidFill>
+                                      <a:schemeClr val="tx1">
+                                        <a:lumMod val="95000"/>
+                                        <a:lumOff val="5000"/>
+                                      </a:schemeClr>
+                                    </a:solidFill>
+                                    <a:latin typeface="Cambria Math" panose="02040503050406030204" pitchFamily="18" charset="0"/>
+                                  </a:rPr>
+                                  <m:t> </m:t>
+                                </m:r>
+                              </m:e>
+                              <m:e>
+                                <m:r>
+                                  <a:rPr lang="en-US" sz="1000" b="0" i="1" smtClean="0">
+                                    <a:solidFill>
+                                      <a:schemeClr val="tx1">
+                                        <a:lumMod val="95000"/>
+                                        <a:lumOff val="5000"/>
+                                      </a:schemeClr>
+                                    </a:solidFill>
+                                    <a:latin typeface="Cambria Math" panose="02040503050406030204" pitchFamily="18" charset="0"/>
+                                  </a:rPr>
+                                  <m:t>𝑌</m:t>
+                                </m:r>
+                              </m:e>
+                              <m:e>
+                                <m:r>
+                                  <a:rPr lang="en-US" sz="1000" b="0" i="1" smtClean="0">
+                                    <a:solidFill>
+                                      <a:schemeClr val="tx1">
+                                        <a:lumMod val="95000"/>
+                                        <a:lumOff val="5000"/>
+                                      </a:schemeClr>
+                                    </a:solidFill>
+                                    <a:latin typeface="Cambria Math" panose="02040503050406030204" pitchFamily="18" charset="0"/>
+                                  </a:rPr>
+                                  <m:t>𝑍</m:t>
+                                </m:r>
+                              </m:e>
+                            </m:eqArr>
+                          </m:e>
+                        </m:d>
+                      </m:oMath>
+                    </m:oMathPara>
                   </a14:m>
                   <a:endParaRPr lang="en-US" sz="1000" dirty="0">
                     <a:solidFill>
@@ -4645,7 +4784,7 @@
               </p:txBody>
             </p:sp>
           </mc:Choice>
-          <mc:Fallback>
+          <mc:Fallback xmlns="">
             <p:sp>
               <p:nvSpPr>
                 <p:cNvPr id="165" name="TextBox 164"/>
@@ -4656,8 +4795,8 @@
               </p:nvSpPr>
               <p:spPr>
                 <a:xfrm>
-                  <a:off x="325737" y="278573"/>
-                  <a:ext cx="815384" cy="497316"/>
+                  <a:off x="176213" y="173793"/>
+                  <a:ext cx="379112" cy="497316"/>
                 </a:xfrm>
                 <a:prstGeom prst="rect">
                   <a:avLst/>
@@ -4735,8 +4874,8 @@
             </a:p>
           </p:txBody>
         </p:sp>
-        <mc:AlternateContent xmlns:mc="http://schemas.openxmlformats.org/markup-compatibility/2006">
-          <mc:Choice xmlns:a14="http://schemas.microsoft.com/office/drawing/2010/main" Requires="a14">
+        <mc:AlternateContent xmlns:mc="http://schemas.openxmlformats.org/markup-compatibility/2006" xmlns:a14="http://schemas.microsoft.com/office/drawing/2010/main">
+          <mc:Choice Requires="a14">
             <p:sp>
               <p:nvSpPr>
                 <p:cNvPr id="167" name="TextBox 166"/>
@@ -4745,8 +4884,8 @@
               </p:nvSpPr>
               <p:spPr>
                 <a:xfrm>
-                  <a:off x="4012523" y="1048328"/>
-                  <a:ext cx="979225" cy="624797"/>
+                  <a:off x="4531637" y="1081666"/>
+                  <a:ext cx="445176" cy="510011"/>
                 </a:xfrm>
                 <a:prstGeom prst="rect">
                   <a:avLst/>
@@ -4766,48 +4905,6 @@
                         <m:jc m:val="centerGroup"/>
                       </m:oMathParaPr>
                       <m:oMath xmlns:m="http://schemas.openxmlformats.org/officeDocument/2006/math">
-                        <m:acc>
-                          <m:accPr>
-                            <m:chr m:val="⃗"/>
-                            <m:ctrlPr>
-                              <a:rPr lang="en-US" sz="1000" b="0" i="1" smtClean="0">
-                                <a:solidFill>
-                                  <a:schemeClr val="tx1">
-                                    <a:lumMod val="95000"/>
-                                    <a:lumOff val="5000"/>
-                                  </a:schemeClr>
-                                </a:solidFill>
-                                <a:latin typeface="Cambria Math" panose="02040503050406030204" pitchFamily="18" charset="0"/>
-                              </a:rPr>
-                            </m:ctrlPr>
-                          </m:accPr>
-                          <m:e>
-                            <m:r>
-                              <a:rPr lang="en-US" sz="1000" b="0" i="1" smtClean="0">
-                                <a:solidFill>
-                                  <a:schemeClr val="tx1">
-                                    <a:lumMod val="95000"/>
-                                    <a:lumOff val="5000"/>
-                                  </a:schemeClr>
-                                </a:solidFill>
-                                <a:latin typeface="Cambria Math" panose="02040503050406030204" pitchFamily="18" charset="0"/>
-                              </a:rPr>
-                              <m:t>𝑋</m:t>
-                            </m:r>
-                          </m:e>
-                        </m:acc>
-                        <m:r>
-                          <a:rPr lang="en-US" sz="1000" b="0" i="1" smtClean="0">
-                            <a:solidFill>
-                              <a:schemeClr val="tx1">
-                                <a:lumMod val="95000"/>
-                                <a:lumOff val="5000"/>
-                              </a:schemeClr>
-                            </a:solidFill>
-                            <a:latin typeface="Cambria Math" panose="02040503050406030204" pitchFamily="18" charset="0"/>
-                          </a:rPr>
-                          <m:t>′=</m:t>
-                        </m:r>
                         <m:d>
                           <m:dPr>
                             <m:begChr m:val="["/>
@@ -4935,7 +5032,7 @@
               </p:txBody>
             </p:sp>
           </mc:Choice>
-          <mc:Fallback>
+          <mc:Fallback xmlns="">
             <p:sp>
               <p:nvSpPr>
                 <p:cNvPr id="167" name="TextBox 166"/>
@@ -4946,8 +5043,8 @@
               </p:nvSpPr>
               <p:spPr>
                 <a:xfrm>
-                  <a:off x="4012523" y="1048328"/>
-                  <a:ext cx="979225" cy="624797"/>
+                  <a:off x="4531637" y="1081666"/>
+                  <a:ext cx="445176" cy="510011"/>
                 </a:xfrm>
                 <a:prstGeom prst="rect">
                   <a:avLst/>
@@ -5163,8 +5260,8 @@
             </p:txBody>
           </p:sp>
         </p:grpSp>
-        <mc:AlternateContent xmlns:mc="http://schemas.openxmlformats.org/markup-compatibility/2006">
-          <mc:Choice xmlns:a14="http://schemas.microsoft.com/office/drawing/2010/main" Requires="a14">
+        <mc:AlternateContent xmlns:mc="http://schemas.openxmlformats.org/markup-compatibility/2006" xmlns:a14="http://schemas.microsoft.com/office/drawing/2010/main">
+          <mc:Choice Requires="a14">
             <p:sp>
               <p:nvSpPr>
                 <p:cNvPr id="35" name="TextBox 34"/>
@@ -5246,7 +5343,7 @@
               </p:txBody>
             </p:sp>
           </mc:Choice>
-          <mc:Fallback>
+          <mc:Fallback xmlns="">
             <p:sp>
               <p:nvSpPr>
                 <p:cNvPr id="35" name="TextBox 34"/>
@@ -5285,374 +5382,650 @@
             </p:sp>
           </mc:Fallback>
         </mc:AlternateContent>
+        <mc:AlternateContent xmlns:mc="http://schemas.openxmlformats.org/markup-compatibility/2006" xmlns:a14="http://schemas.microsoft.com/office/drawing/2010/main">
+          <mc:Choice Requires="a14">
+            <p:sp>
+              <p:nvSpPr>
+                <p:cNvPr id="42" name="TextBox 41"/>
+                <p:cNvSpPr txBox="1"/>
+                <p:nvPr/>
+              </p:nvSpPr>
+              <p:spPr>
+                <a:xfrm>
+                  <a:off x="2816776" y="860007"/>
+                  <a:ext cx="305918" cy="225062"/>
+                </a:xfrm>
+                <a:prstGeom prst="rect">
+                  <a:avLst/>
+                </a:prstGeom>
+                <a:noFill/>
+              </p:spPr>
+              <p:txBody>
+                <a:bodyPr wrap="none" rtlCol="0">
+                  <a:spAutoFit/>
+                </a:bodyPr>
+                <a:lstStyle/>
+                <a:p>
+                  <a:pPr/>
+                  <a14:m>
+                    <m:oMathPara xmlns:m="http://schemas.openxmlformats.org/officeDocument/2006/math">
+                      <m:oMathParaPr>
+                        <m:jc m:val="centerGroup"/>
+                      </m:oMathParaPr>
+                      <m:oMath xmlns:m="http://schemas.openxmlformats.org/officeDocument/2006/math">
+                        <m:sSub>
+                          <m:sSubPr>
+                            <m:ctrlPr>
+                              <a:rPr lang="en-US" sz="800" b="0" i="1" smtClean="0">
+                                <a:solidFill>
+                                  <a:srgbClr val="1C87FC"/>
+                                </a:solidFill>
+                                <a:latin typeface="Cambria Math" panose="02040503050406030204" pitchFamily="18" charset="0"/>
+                              </a:rPr>
+                            </m:ctrlPr>
+                          </m:sSubPr>
+                          <m:e>
+                            <m:acc>
+                              <m:accPr>
+                                <m:chr m:val="̂"/>
+                                <m:ctrlPr>
+                                  <a:rPr lang="en-US" sz="800" b="0" i="1" smtClean="0">
+                                    <a:solidFill>
+                                      <a:srgbClr val="1C87FC"/>
+                                    </a:solidFill>
+                                    <a:latin typeface="Cambria Math" panose="02040503050406030204" pitchFamily="18" charset="0"/>
+                                  </a:rPr>
+                                </m:ctrlPr>
+                              </m:accPr>
+                              <m:e>
+                                <m:r>
+                                  <a:rPr lang="en-US" sz="800" i="1">
+                                    <a:solidFill>
+                                      <a:srgbClr val="1C87FC"/>
+                                    </a:solidFill>
+                                    <a:latin typeface="Cambria Math" panose="02040503050406030204" pitchFamily="18" charset="0"/>
+                                  </a:rPr>
+                                  <m:t>𝑧</m:t>
+                                </m:r>
+                              </m:e>
+                            </m:acc>
+                          </m:e>
+                          <m:sub>
+                            <m:r>
+                              <a:rPr lang="en-US" sz="800" b="0" i="1" smtClean="0">
+                                <a:solidFill>
+                                  <a:srgbClr val="1C87FC"/>
+                                </a:solidFill>
+                                <a:latin typeface="Cambria Math" panose="02040503050406030204" pitchFamily="18" charset="0"/>
+                              </a:rPr>
+                              <m:t>𝑝</m:t>
+                            </m:r>
+                          </m:sub>
+                        </m:sSub>
+                      </m:oMath>
+                    </m:oMathPara>
+                  </a14:m>
+                  <a:endParaRPr lang="en-US" sz="800" dirty="0">
+                    <a:solidFill>
+                      <a:srgbClr val="1C87FC"/>
+                    </a:solidFill>
+                  </a:endParaRPr>
+                </a:p>
+              </p:txBody>
+            </p:sp>
+          </mc:Choice>
+          <mc:Fallback xmlns="">
+            <p:sp>
+              <p:nvSpPr>
+                <p:cNvPr id="42" name="TextBox 41"/>
+                <p:cNvSpPr txBox="1">
+                  <a:spLocks noRot="1" noChangeAspect="1" noMove="1" noResize="1" noEditPoints="1" noAdjustHandles="1" noChangeArrowheads="1" noChangeShapeType="1" noTextEdit="1"/>
+                </p:cNvSpPr>
+                <p:nvPr/>
+              </p:nvSpPr>
+              <p:spPr>
+                <a:xfrm>
+                  <a:off x="2816776" y="860007"/>
+                  <a:ext cx="305918" cy="225062"/>
+                </a:xfrm>
+                <a:prstGeom prst="rect">
+                  <a:avLst/>
+                </a:prstGeom>
+                <a:blipFill rotWithShape="0">
+                  <a:blip r:embed="rId10"/>
+                  <a:stretch>
+                    <a:fillRect r="-2000"/>
+                  </a:stretch>
+                </a:blipFill>
+              </p:spPr>
+              <p:txBody>
+                <a:bodyPr/>
+                <a:lstStyle/>
+                <a:p>
+                  <a:r>
+                    <a:rPr lang="en-US">
+                      <a:noFill/>
+                    </a:rPr>
+                    <a:t> </a:t>
+                  </a:r>
+                </a:p>
+              </p:txBody>
+            </p:sp>
+          </mc:Fallback>
+        </mc:AlternateContent>
+        <mc:AlternateContent xmlns:mc="http://schemas.openxmlformats.org/markup-compatibility/2006" xmlns:a14="http://schemas.microsoft.com/office/drawing/2010/main">
+          <mc:Choice Requires="a14">
+            <p:sp>
+              <p:nvSpPr>
+                <p:cNvPr id="43" name="TextBox 42"/>
+                <p:cNvSpPr txBox="1"/>
+                <p:nvPr/>
+              </p:nvSpPr>
+              <p:spPr>
+                <a:xfrm>
+                  <a:off x="2470183" y="498191"/>
+                  <a:ext cx="307392" cy="225062"/>
+                </a:xfrm>
+                <a:prstGeom prst="rect">
+                  <a:avLst/>
+                </a:prstGeom>
+                <a:noFill/>
+              </p:spPr>
+              <p:txBody>
+                <a:bodyPr wrap="none" rtlCol="0">
+                  <a:spAutoFit/>
+                </a:bodyPr>
+                <a:lstStyle/>
+                <a:p>
+                  <a:pPr/>
+                  <a14:m>
+                    <m:oMathPara xmlns:m="http://schemas.openxmlformats.org/officeDocument/2006/math">
+                      <m:oMathParaPr>
+                        <m:jc m:val="centerGroup"/>
+                      </m:oMathParaPr>
+                      <m:oMath xmlns:m="http://schemas.openxmlformats.org/officeDocument/2006/math">
+                        <m:sSub>
+                          <m:sSubPr>
+                            <m:ctrlPr>
+                              <a:rPr lang="en-US" sz="800" b="0" i="1" smtClean="0">
+                                <a:solidFill>
+                                  <a:srgbClr val="00B050"/>
+                                </a:solidFill>
+                                <a:latin typeface="Cambria Math" panose="02040503050406030204" pitchFamily="18" charset="0"/>
+                              </a:rPr>
+                            </m:ctrlPr>
+                          </m:sSubPr>
+                          <m:e>
+                            <m:acc>
+                              <m:accPr>
+                                <m:chr m:val="̂"/>
+                                <m:ctrlPr>
+                                  <a:rPr lang="en-US" sz="800" b="0" i="1" smtClean="0">
+                                    <a:solidFill>
+                                      <a:srgbClr val="00B050"/>
+                                    </a:solidFill>
+                                    <a:latin typeface="Cambria Math" panose="02040503050406030204" pitchFamily="18" charset="0"/>
+                                  </a:rPr>
+                                </m:ctrlPr>
+                              </m:accPr>
+                              <m:e>
+                                <m:r>
+                                  <a:rPr lang="en-US" sz="800" i="1">
+                                    <a:solidFill>
+                                      <a:srgbClr val="00B050"/>
+                                    </a:solidFill>
+                                    <a:latin typeface="Cambria Math" panose="02040503050406030204" pitchFamily="18" charset="0"/>
+                                  </a:rPr>
+                                  <m:t>𝑦</m:t>
+                                </m:r>
+                              </m:e>
+                            </m:acc>
+                          </m:e>
+                          <m:sub>
+                            <m:r>
+                              <a:rPr lang="en-US" sz="800" b="0" i="1" smtClean="0">
+                                <a:solidFill>
+                                  <a:srgbClr val="00B050"/>
+                                </a:solidFill>
+                                <a:latin typeface="Cambria Math" panose="02040503050406030204" pitchFamily="18" charset="0"/>
+                              </a:rPr>
+                              <m:t>𝑝</m:t>
+                            </m:r>
+                          </m:sub>
+                        </m:sSub>
+                      </m:oMath>
+                    </m:oMathPara>
+                  </a14:m>
+                  <a:endParaRPr lang="en-US" sz="800" dirty="0">
+                    <a:solidFill>
+                      <a:srgbClr val="00B050"/>
+                    </a:solidFill>
+                  </a:endParaRPr>
+                </a:p>
+              </p:txBody>
+            </p:sp>
+          </mc:Choice>
+          <mc:Fallback xmlns="">
+            <p:sp>
+              <p:nvSpPr>
+                <p:cNvPr id="43" name="TextBox 42"/>
+                <p:cNvSpPr txBox="1">
+                  <a:spLocks noRot="1" noChangeAspect="1" noMove="1" noResize="1" noEditPoints="1" noAdjustHandles="1" noChangeArrowheads="1" noChangeShapeType="1" noTextEdit="1"/>
+                </p:cNvSpPr>
+                <p:nvPr/>
+              </p:nvSpPr>
+              <p:spPr>
+                <a:xfrm>
+                  <a:off x="2470183" y="498191"/>
+                  <a:ext cx="307392" cy="225062"/>
+                </a:xfrm>
+                <a:prstGeom prst="rect">
+                  <a:avLst/>
+                </a:prstGeom>
+                <a:blipFill rotWithShape="0">
+                  <a:blip r:embed="rId11"/>
+                  <a:stretch>
+                    <a:fillRect/>
+                  </a:stretch>
+                </a:blipFill>
+              </p:spPr>
+              <p:txBody>
+                <a:bodyPr/>
+                <a:lstStyle/>
+                <a:p>
+                  <a:r>
+                    <a:rPr lang="en-US">
+                      <a:noFill/>
+                    </a:rPr>
+                    <a:t> </a:t>
+                  </a:r>
+                </a:p>
+              </p:txBody>
+            </p:sp>
+          </mc:Fallback>
+        </mc:AlternateContent>
         <p:grpSp>
           <p:nvGrpSpPr>
-            <p:cNvPr id="9" name="Group 8"/>
+            <p:cNvPr id="5" name="Group 4"/>
             <p:cNvGrpSpPr/>
             <p:nvPr/>
           </p:nvGrpSpPr>
           <p:grpSpPr>
             <a:xfrm>
-              <a:off x="2470183" y="498191"/>
-              <a:ext cx="652511" cy="586878"/>
-              <a:chOff x="2470183" y="498191"/>
-              <a:chExt cx="652511" cy="586878"/>
+              <a:off x="511026" y="1262591"/>
+              <a:ext cx="2095689" cy="115535"/>
+              <a:chOff x="511026" y="1262591"/>
+              <a:chExt cx="2095689" cy="115535"/>
             </a:xfrm>
           </p:grpSpPr>
-          <p:grpSp>
-            <p:nvGrpSpPr>
-              <p:cNvPr id="2" name="Group 1"/>
-              <p:cNvGrpSpPr/>
+          <p:cxnSp>
+            <p:nvCxnSpPr>
+              <p:cNvPr id="41" name="Straight Connector 40"/>
+              <p:cNvCxnSpPr>
+                <a:cxnSpLocks/>
+              </p:cNvCxnSpPr>
               <p:nvPr/>
-            </p:nvGrpSpPr>
-            <p:grpSpPr>
+            </p:nvCxnSpPr>
+            <p:spPr>
               <a:xfrm>
-                <a:off x="2604766" y="682737"/>
-                <a:ext cx="366907" cy="365760"/>
-                <a:chOff x="3057252" y="1729112"/>
-                <a:chExt cx="366907" cy="365760"/>
+                <a:off x="2606715" y="1262591"/>
+                <a:ext cx="0" cy="115535"/>
               </a:xfrm>
-            </p:grpSpPr>
-            <p:cxnSp>
-              <p:nvCxnSpPr>
-                <p:cNvPr id="36" name="Straight Arrow Connector 35"/>
-                <p:cNvCxnSpPr/>
+              <a:prstGeom prst="line">
+                <a:avLst/>
+              </a:prstGeom>
+              <a:ln w="6350">
+                <a:solidFill>
+                  <a:schemeClr val="tx1">
+                    <a:lumMod val="85000"/>
+                    <a:lumOff val="15000"/>
+                  </a:schemeClr>
+                </a:solidFill>
+                <a:prstDash val="solid"/>
+                <a:headEnd type="none" w="med" len="med"/>
+                <a:tailEnd type="none" w="med" len="med"/>
+              </a:ln>
+            </p:spPr>
+            <p:style>
+              <a:lnRef idx="1">
+                <a:schemeClr val="accent1"/>
+              </a:lnRef>
+              <a:fillRef idx="0">
+                <a:schemeClr val="accent1"/>
+              </a:fillRef>
+              <a:effectRef idx="0">
+                <a:schemeClr val="accent1"/>
+              </a:effectRef>
+              <a:fontRef idx="minor">
+                <a:schemeClr val="tx1"/>
+              </a:fontRef>
+            </p:style>
+          </p:cxnSp>
+          <p:cxnSp>
+            <p:nvCxnSpPr>
+              <p:cNvPr id="44" name="Straight Arrow Connector 43"/>
+              <p:cNvCxnSpPr/>
+              <p:nvPr/>
+            </p:nvCxnSpPr>
+            <p:spPr>
+              <a:xfrm flipH="1" flipV="1">
+                <a:off x="511026" y="1320358"/>
+                <a:ext cx="2093976" cy="0"/>
+              </a:xfrm>
+              <a:prstGeom prst="straightConnector1">
+                <a:avLst/>
+              </a:prstGeom>
+              <a:ln>
+                <a:headEnd type="none" w="med" len="med"/>
+                <a:tailEnd type="arrow" w="sm" len="sm"/>
+              </a:ln>
+            </p:spPr>
+            <p:style>
+              <a:lnRef idx="1">
+                <a:schemeClr val="dk1"/>
+              </a:lnRef>
+              <a:fillRef idx="0">
+                <a:schemeClr val="dk1"/>
+              </a:fillRef>
+              <a:effectRef idx="0">
+                <a:schemeClr val="dk1"/>
+              </a:effectRef>
+              <a:fontRef idx="minor">
+                <a:schemeClr val="tx1"/>
+              </a:fontRef>
+            </p:style>
+          </p:cxnSp>
+        </p:grpSp>
+        <p:grpSp>
+          <p:nvGrpSpPr>
+            <p:cNvPr id="2" name="Group 1"/>
+            <p:cNvGrpSpPr/>
+            <p:nvPr/>
+          </p:nvGrpSpPr>
+          <p:grpSpPr>
+            <a:xfrm>
+              <a:off x="2605298" y="1651989"/>
+              <a:ext cx="2022537" cy="115535"/>
+              <a:chOff x="2605298" y="1651989"/>
+              <a:chExt cx="2022537" cy="115535"/>
+            </a:xfrm>
+          </p:grpSpPr>
+          <p:cxnSp>
+            <p:nvCxnSpPr>
+              <p:cNvPr id="46" name="Straight Connector 45"/>
+              <p:cNvCxnSpPr>
+                <a:cxnSpLocks/>
+              </p:cNvCxnSpPr>
+              <p:nvPr/>
+            </p:nvCxnSpPr>
+            <p:spPr>
+              <a:xfrm flipH="1">
+                <a:off x="2605298" y="1651989"/>
+                <a:ext cx="0" cy="115535"/>
+              </a:xfrm>
+              <a:prstGeom prst="line">
+                <a:avLst/>
+              </a:prstGeom>
+              <a:ln w="6350">
+                <a:solidFill>
+                  <a:schemeClr val="tx1">
+                    <a:lumMod val="85000"/>
+                    <a:lumOff val="15000"/>
+                  </a:schemeClr>
+                </a:solidFill>
+                <a:prstDash val="solid"/>
+                <a:headEnd type="none" w="med" len="med"/>
+                <a:tailEnd type="none" w="med" len="med"/>
+              </a:ln>
+            </p:spPr>
+            <p:style>
+              <a:lnRef idx="1">
+                <a:schemeClr val="accent1"/>
+              </a:lnRef>
+              <a:fillRef idx="0">
+                <a:schemeClr val="accent1"/>
+              </a:fillRef>
+              <a:effectRef idx="0">
+                <a:schemeClr val="accent1"/>
+              </a:effectRef>
+              <a:fontRef idx="minor">
+                <a:schemeClr val="tx1"/>
+              </a:fontRef>
+            </p:style>
+          </p:cxnSp>
+          <p:cxnSp>
+            <p:nvCxnSpPr>
+              <p:cNvPr id="47" name="Straight Arrow Connector 46"/>
+              <p:cNvCxnSpPr/>
+              <p:nvPr/>
+            </p:nvCxnSpPr>
+            <p:spPr>
+              <a:xfrm flipV="1">
+                <a:off x="2607011" y="1709756"/>
+                <a:ext cx="2020824" cy="0"/>
+              </a:xfrm>
+              <a:prstGeom prst="straightConnector1">
+                <a:avLst/>
+              </a:prstGeom>
+              <a:ln>
+                <a:headEnd type="none" w="med" len="med"/>
+                <a:tailEnd type="arrow" w="sm" len="sm"/>
+              </a:ln>
+            </p:spPr>
+            <p:style>
+              <a:lnRef idx="1">
+                <a:schemeClr val="dk1"/>
+              </a:lnRef>
+              <a:fillRef idx="0">
+                <a:schemeClr val="dk1"/>
+              </a:fillRef>
+              <a:effectRef idx="0">
+                <a:schemeClr val="dk1"/>
+              </a:effectRef>
+              <a:fontRef idx="minor">
+                <a:schemeClr val="tx1"/>
+              </a:fontRef>
+            </p:style>
+          </p:cxnSp>
+        </p:grpSp>
+        <mc:AlternateContent xmlns:mc="http://schemas.openxmlformats.org/markup-compatibility/2006" xmlns:a14="http://schemas.microsoft.com/office/drawing/2010/main">
+          <mc:Choice Requires="a14">
+            <p:sp>
+              <p:nvSpPr>
+                <p:cNvPr id="48" name="TextBox 47"/>
+                <p:cNvSpPr txBox="1"/>
                 <p:nvPr/>
-              </p:nvCxnSpPr>
+              </p:nvSpPr>
               <p:spPr>
-                <a:xfrm flipV="1">
-                  <a:off x="3057252" y="1729112"/>
-                  <a:ext cx="0" cy="365760"/>
+                <a:xfrm>
+                  <a:off x="1419483" y="1140398"/>
+                  <a:ext cx="301749" cy="253916"/>
                 </a:xfrm>
-                <a:prstGeom prst="straightConnector1">
+                <a:prstGeom prst="rect">
                   <a:avLst/>
                 </a:prstGeom>
-                <a:ln w="9525">
-                  <a:solidFill>
-                    <a:srgbClr val="00B050"/>
-                  </a:solidFill>
-                  <a:prstDash val="sysDot"/>
-                  <a:headEnd type="none" w="med" len="med"/>
-                  <a:tailEnd type="triangle" w="sm" len="lg"/>
-                </a:ln>
+                <a:noFill/>
               </p:spPr>
-              <p:style>
-                <a:lnRef idx="1">
-                  <a:schemeClr val="accent1"/>
-                </a:lnRef>
-                <a:fillRef idx="0">
-                  <a:schemeClr val="accent1"/>
-                </a:fillRef>
-                <a:effectRef idx="0">
-                  <a:schemeClr val="accent1"/>
-                </a:effectRef>
-                <a:fontRef idx="minor">
-                  <a:schemeClr val="tx1"/>
-                </a:fontRef>
-              </p:style>
-            </p:cxnSp>
-            <p:cxnSp>
-              <p:nvCxnSpPr>
-                <p:cNvPr id="37" name="Straight Connector 36"/>
-                <p:cNvCxnSpPr/>
+              <p:txBody>
+                <a:bodyPr wrap="none" rtlCol="0">
+                  <a:spAutoFit/>
+                </a:bodyPr>
+                <a:lstStyle/>
+                <a:p>
+                  <a:pPr/>
+                  <a14:m>
+                    <m:oMathPara xmlns:m="http://schemas.openxmlformats.org/officeDocument/2006/math">
+                      <m:oMathParaPr>
+                        <m:jc m:val="centerGroup"/>
+                      </m:oMathParaPr>
+                      <m:oMath xmlns:m="http://schemas.openxmlformats.org/officeDocument/2006/math">
+                        <m:r>
+                          <a:rPr lang="en-US" sz="1000" b="0" i="1" smtClean="0">
+                            <a:latin typeface="Cambria Math" panose="02040503050406030204" pitchFamily="18" charset="0"/>
+                          </a:rPr>
+                          <m:t>𝑍</m:t>
+                        </m:r>
+                      </m:oMath>
+                    </m:oMathPara>
+                  </a14:m>
+                  <a:endParaRPr lang="en-US" sz="1000" dirty="0">
+                    <a:latin typeface="Times New Roman" panose="02020603050405020304" pitchFamily="18" charset="0"/>
+                    <a:cs typeface="Times New Roman" panose="02020603050405020304" pitchFamily="18" charset="0"/>
+                  </a:endParaRPr>
+                </a:p>
+              </p:txBody>
+            </p:sp>
+          </mc:Choice>
+          <mc:Fallback xmlns="">
+            <p:sp>
+              <p:nvSpPr>
+                <p:cNvPr id="48" name="TextBox 47"/>
+                <p:cNvSpPr txBox="1">
+                  <a:spLocks noRot="1" noChangeAspect="1" noMove="1" noResize="1" noEditPoints="1" noAdjustHandles="1" noChangeArrowheads="1" noChangeShapeType="1" noTextEdit="1"/>
+                </p:cNvSpPr>
                 <p:nvPr/>
-              </p:nvCxnSpPr>
+              </p:nvSpPr>
               <p:spPr>
                 <a:xfrm>
-                  <a:off x="3058399" y="2094679"/>
-                  <a:ext cx="365760" cy="0"/>
+                  <a:off x="1419483" y="1140398"/>
+                  <a:ext cx="301749" cy="253916"/>
                 </a:xfrm>
-                <a:prstGeom prst="line">
+                <a:prstGeom prst="rect">
                   <a:avLst/>
                 </a:prstGeom>
-                <a:ln w="9525">
-                  <a:solidFill>
-                    <a:srgbClr val="1C87FC"/>
-                  </a:solidFill>
-                  <a:prstDash val="sysDot"/>
-                  <a:headEnd type="none" w="med" len="med"/>
-                  <a:tailEnd type="triangle" w="sm" len="lg"/>
-                </a:ln>
+                <a:blipFill rotWithShape="0">
+                  <a:blip r:embed="rId12"/>
+                  <a:stretch>
+                    <a:fillRect/>
+                  </a:stretch>
+                </a:blipFill>
               </p:spPr>
-              <p:style>
-                <a:lnRef idx="1">
-                  <a:schemeClr val="accent1"/>
-                </a:lnRef>
-                <a:fillRef idx="0">
-                  <a:schemeClr val="accent1"/>
-                </a:fillRef>
-                <a:effectRef idx="0">
-                  <a:schemeClr val="accent1"/>
-                </a:effectRef>
-                <a:fontRef idx="minor">
-                  <a:schemeClr val="tx1"/>
-                </a:fontRef>
-              </p:style>
-            </p:cxnSp>
-          </p:grpSp>
-          <mc:AlternateContent xmlns:mc="http://schemas.openxmlformats.org/markup-compatibility/2006">
-            <mc:Choice xmlns:a14="http://schemas.microsoft.com/office/drawing/2010/main" Requires="a14">
-              <p:sp>
-                <p:nvSpPr>
-                  <p:cNvPr id="42" name="TextBox 41"/>
-                  <p:cNvSpPr txBox="1"/>
-                  <p:nvPr/>
-                </p:nvSpPr>
-                <p:spPr>
-                  <a:xfrm>
-                    <a:off x="2816776" y="860007"/>
-                    <a:ext cx="305918" cy="225062"/>
-                  </a:xfrm>
-                  <a:prstGeom prst="rect">
-                    <a:avLst/>
-                  </a:prstGeom>
-                  <a:noFill/>
-                </p:spPr>
-                <p:txBody>
-                  <a:bodyPr wrap="none" rtlCol="0">
-                    <a:spAutoFit/>
-                  </a:bodyPr>
-                  <a:lstStyle/>
-                  <a:p>
-                    <a:pPr/>
-                    <a14:m>
-                      <m:oMathPara xmlns:m="http://schemas.openxmlformats.org/officeDocument/2006/math">
-                        <m:oMathParaPr>
-                          <m:jc m:val="centerGroup"/>
-                        </m:oMathParaPr>
-                        <m:oMath xmlns:m="http://schemas.openxmlformats.org/officeDocument/2006/math">
-                          <m:sSub>
-                            <m:sSubPr>
-                              <m:ctrlPr>
-                                <a:rPr lang="en-US" sz="800" b="0" i="1" smtClean="0">
-                                  <a:solidFill>
-                                    <a:srgbClr val="1C87FC"/>
-                                  </a:solidFill>
-                                  <a:latin typeface="Cambria Math" panose="02040503050406030204" pitchFamily="18" charset="0"/>
-                                </a:rPr>
-                              </m:ctrlPr>
-                            </m:sSubPr>
-                            <m:e>
-                              <m:acc>
-                                <m:accPr>
-                                  <m:chr m:val="̂"/>
-                                  <m:ctrlPr>
-                                    <a:rPr lang="en-US" sz="800" b="0" i="1" smtClean="0">
-                                      <a:solidFill>
-                                        <a:srgbClr val="1C87FC"/>
-                                      </a:solidFill>
-                                      <a:latin typeface="Cambria Math" panose="02040503050406030204" pitchFamily="18" charset="0"/>
-                                    </a:rPr>
-                                  </m:ctrlPr>
-                                </m:accPr>
-                                <m:e>
-                                  <m:r>
-                                    <a:rPr lang="en-US" sz="800" i="1">
-                                      <a:solidFill>
-                                        <a:srgbClr val="1C87FC"/>
-                                      </a:solidFill>
-                                      <a:latin typeface="Cambria Math" panose="02040503050406030204" pitchFamily="18" charset="0"/>
-                                    </a:rPr>
-                                    <m:t>𝑧</m:t>
-                                  </m:r>
-                                </m:e>
-                              </m:acc>
-                            </m:e>
-                            <m:sub>
-                              <m:r>
-                                <a:rPr lang="en-US" sz="800" b="0" i="1" smtClean="0">
-                                  <a:solidFill>
-                                    <a:srgbClr val="1C87FC"/>
-                                  </a:solidFill>
-                                  <a:latin typeface="Cambria Math" panose="02040503050406030204" pitchFamily="18" charset="0"/>
-                                </a:rPr>
-                                <m:t>𝑝</m:t>
-                              </m:r>
-                            </m:sub>
-                          </m:sSub>
-                        </m:oMath>
-                      </m:oMathPara>
-                    </a14:m>
-                    <a:endParaRPr lang="en-US" sz="800" dirty="0">
-                      <a:solidFill>
-                        <a:srgbClr val="1C87FC"/>
-                      </a:solidFill>
-                    </a:endParaRPr>
-                  </a:p>
-                </p:txBody>
-              </p:sp>
-            </mc:Choice>
-            <mc:Fallback>
-              <p:sp>
-                <p:nvSpPr>
-                  <p:cNvPr id="42" name="TextBox 41"/>
-                  <p:cNvSpPr txBox="1">
-                    <a:spLocks noRot="1" noChangeAspect="1" noMove="1" noResize="1" noEditPoints="1" noAdjustHandles="1" noChangeArrowheads="1" noChangeShapeType="1" noTextEdit="1"/>
-                  </p:cNvSpPr>
-                  <p:nvPr/>
-                </p:nvSpPr>
-                <p:spPr>
-                  <a:xfrm>
-                    <a:off x="2816776" y="860007"/>
-                    <a:ext cx="305918" cy="225062"/>
-                  </a:xfrm>
-                  <a:prstGeom prst="rect">
-                    <a:avLst/>
-                  </a:prstGeom>
-                  <a:blipFill rotWithShape="0">
-                    <a:blip r:embed="rId10"/>
-                    <a:stretch>
-                      <a:fillRect r="-2000"/>
-                    </a:stretch>
-                  </a:blipFill>
-                </p:spPr>
-                <p:txBody>
-                  <a:bodyPr/>
-                  <a:lstStyle/>
-                  <a:p>
-                    <a:r>
-                      <a:rPr lang="en-US">
-                        <a:noFill/>
-                      </a:rPr>
-                      <a:t> </a:t>
-                    </a:r>
-                  </a:p>
-                </p:txBody>
-              </p:sp>
-            </mc:Fallback>
-          </mc:AlternateContent>
-          <mc:AlternateContent xmlns:mc="http://schemas.openxmlformats.org/markup-compatibility/2006">
-            <mc:Choice xmlns:a14="http://schemas.microsoft.com/office/drawing/2010/main" Requires="a14">
-              <p:sp>
-                <p:nvSpPr>
-                  <p:cNvPr id="43" name="TextBox 42"/>
-                  <p:cNvSpPr txBox="1"/>
-                  <p:nvPr/>
-                </p:nvSpPr>
-                <p:spPr>
-                  <a:xfrm>
-                    <a:off x="2470183" y="498191"/>
-                    <a:ext cx="307392" cy="225062"/>
-                  </a:xfrm>
-                  <a:prstGeom prst="rect">
-                    <a:avLst/>
-                  </a:prstGeom>
-                  <a:noFill/>
-                </p:spPr>
-                <p:txBody>
-                  <a:bodyPr wrap="none" rtlCol="0">
-                    <a:spAutoFit/>
-                  </a:bodyPr>
-                  <a:lstStyle/>
-                  <a:p>
-                    <a:pPr/>
-                    <a14:m>
-                      <m:oMathPara xmlns:m="http://schemas.openxmlformats.org/officeDocument/2006/math">
-                        <m:oMathParaPr>
-                          <m:jc m:val="centerGroup"/>
-                        </m:oMathParaPr>
-                        <m:oMath xmlns:m="http://schemas.openxmlformats.org/officeDocument/2006/math">
-                          <m:sSub>
-                            <m:sSubPr>
-                              <m:ctrlPr>
-                                <a:rPr lang="en-US" sz="800" b="0" i="1" smtClean="0">
-                                  <a:solidFill>
-                                    <a:srgbClr val="00B050"/>
-                                  </a:solidFill>
-                                  <a:latin typeface="Cambria Math" panose="02040503050406030204" pitchFamily="18" charset="0"/>
-                                </a:rPr>
-                              </m:ctrlPr>
-                            </m:sSubPr>
-                            <m:e>
-                              <m:acc>
-                                <m:accPr>
-                                  <m:chr m:val="̂"/>
-                                  <m:ctrlPr>
-                                    <a:rPr lang="en-US" sz="800" b="0" i="1" smtClean="0">
-                                      <a:solidFill>
-                                        <a:srgbClr val="00B050"/>
-                                      </a:solidFill>
-                                      <a:latin typeface="Cambria Math" panose="02040503050406030204" pitchFamily="18" charset="0"/>
-                                    </a:rPr>
-                                  </m:ctrlPr>
-                                </m:accPr>
-                                <m:e>
-                                  <m:r>
-                                    <a:rPr lang="en-US" sz="800" i="1">
-                                      <a:solidFill>
-                                        <a:srgbClr val="00B050"/>
-                                      </a:solidFill>
-                                      <a:latin typeface="Cambria Math" panose="02040503050406030204" pitchFamily="18" charset="0"/>
-                                    </a:rPr>
-                                    <m:t>𝑦</m:t>
-                                  </m:r>
-                                </m:e>
-                              </m:acc>
-                            </m:e>
-                            <m:sub>
-                              <m:r>
-                                <a:rPr lang="en-US" sz="800" b="0" i="1" smtClean="0">
-                                  <a:solidFill>
-                                    <a:srgbClr val="00B050"/>
-                                  </a:solidFill>
-                                  <a:latin typeface="Cambria Math" panose="02040503050406030204" pitchFamily="18" charset="0"/>
-                                </a:rPr>
-                                <m:t>𝑝</m:t>
-                              </m:r>
-                            </m:sub>
-                          </m:sSub>
-                        </m:oMath>
-                      </m:oMathPara>
-                    </a14:m>
-                    <a:endParaRPr lang="en-US" sz="800" dirty="0">
-                      <a:solidFill>
-                        <a:srgbClr val="00B050"/>
-                      </a:solidFill>
-                    </a:endParaRPr>
-                  </a:p>
-                </p:txBody>
-              </p:sp>
-            </mc:Choice>
-            <mc:Fallback>
-              <p:sp>
-                <p:nvSpPr>
-                  <p:cNvPr id="43" name="TextBox 42"/>
-                  <p:cNvSpPr txBox="1">
-                    <a:spLocks noRot="1" noChangeAspect="1" noMove="1" noResize="1" noEditPoints="1" noAdjustHandles="1" noChangeArrowheads="1" noChangeShapeType="1" noTextEdit="1"/>
-                  </p:cNvSpPr>
-                  <p:nvPr/>
-                </p:nvSpPr>
-                <p:spPr>
-                  <a:xfrm>
-                    <a:off x="2470183" y="498191"/>
-                    <a:ext cx="307392" cy="225062"/>
-                  </a:xfrm>
-                  <a:prstGeom prst="rect">
-                    <a:avLst/>
-                  </a:prstGeom>
-                  <a:blipFill rotWithShape="0">
-                    <a:blip r:embed="rId11"/>
-                    <a:stretch>
-                      <a:fillRect/>
-                    </a:stretch>
-                  </a:blipFill>
-                </p:spPr>
-                <p:txBody>
-                  <a:bodyPr/>
-                  <a:lstStyle/>
-                  <a:p>
-                    <a:r>
-                      <a:rPr lang="en-US">
-                        <a:noFill/>
-                      </a:rPr>
-                      <a:t> </a:t>
-                    </a:r>
-                  </a:p>
-                </p:txBody>
-              </p:sp>
-            </mc:Fallback>
-          </mc:AlternateContent>
-        </p:grpSp>
+              <p:txBody>
+                <a:bodyPr/>
+                <a:lstStyle/>
+                <a:p>
+                  <a:r>
+                    <a:rPr lang="en-US">
+                      <a:noFill/>
+                    </a:rPr>
+                    <a:t> </a:t>
+                  </a:r>
+                </a:p>
+              </p:txBody>
+            </p:sp>
+          </mc:Fallback>
+        </mc:AlternateContent>
+        <mc:AlternateContent xmlns:mc="http://schemas.openxmlformats.org/markup-compatibility/2006" xmlns:a14="http://schemas.microsoft.com/office/drawing/2010/main">
+          <mc:Choice Requires="a14">
+            <p:sp>
+              <p:nvSpPr>
+                <p:cNvPr id="49" name="TextBox 48"/>
+                <p:cNvSpPr txBox="1"/>
+                <p:nvPr/>
+              </p:nvSpPr>
+              <p:spPr>
+                <a:xfrm>
+                  <a:off x="3201050" y="1501515"/>
+                  <a:ext cx="499559" cy="253916"/>
+                </a:xfrm>
+                <a:prstGeom prst="rect">
+                  <a:avLst/>
+                </a:prstGeom>
+                <a:noFill/>
+              </p:spPr>
+              <p:txBody>
+                <a:bodyPr wrap="none" rtlCol="0">
+                  <a:spAutoFit/>
+                </a:bodyPr>
+                <a:lstStyle/>
+                <a:p>
+                  <a:pPr/>
+                  <a14:m>
+                    <m:oMathPara xmlns:m="http://schemas.openxmlformats.org/officeDocument/2006/math">
+                      <m:oMathParaPr>
+                        <m:jc m:val="centerGroup"/>
+                      </m:oMathParaPr>
+                      <m:oMath xmlns:m="http://schemas.openxmlformats.org/officeDocument/2006/math">
+                        <m:sSubSup>
+                          <m:sSubSupPr>
+                            <m:ctrlPr>
+                              <a:rPr lang="en-US" sz="1000" b="0" i="1" smtClean="0">
+                                <a:latin typeface="Cambria Math" panose="02040503050406030204" pitchFamily="18" charset="0"/>
+                              </a:rPr>
+                            </m:ctrlPr>
+                          </m:sSubSupPr>
+                          <m:e>
+                            <m:r>
+                              <a:rPr lang="en-US" sz="1000" b="0" i="1" smtClean="0">
+                                <a:latin typeface="Cambria Math" panose="02040503050406030204" pitchFamily="18" charset="0"/>
+                              </a:rPr>
+                              <m:t>𝑍</m:t>
+                            </m:r>
+                          </m:e>
+                          <m:sub>
+                            <m:r>
+                              <a:rPr lang="en-US" sz="1000" b="0" i="1" smtClean="0">
+                                <a:latin typeface="Cambria Math" panose="02040503050406030204" pitchFamily="18" charset="0"/>
+                              </a:rPr>
+                              <m:t>𝐸𝑁𝑃</m:t>
+                            </m:r>
+                          </m:sub>
+                          <m:sup>
+                            <m:r>
+                              <a:rPr lang="en-US" sz="1000" b="0" i="1" smtClean="0">
+                                <a:latin typeface="Cambria Math" panose="02040503050406030204" pitchFamily="18" charset="0"/>
+                              </a:rPr>
+                              <m:t>′</m:t>
+                            </m:r>
+                          </m:sup>
+                        </m:sSubSup>
+                      </m:oMath>
+                    </m:oMathPara>
+                  </a14:m>
+                  <a:endParaRPr lang="en-US" sz="1000" dirty="0"/>
+                </a:p>
+              </p:txBody>
+            </p:sp>
+          </mc:Choice>
+          <mc:Fallback xmlns="">
+            <p:sp>
+              <p:nvSpPr>
+                <p:cNvPr id="49" name="TextBox 48"/>
+                <p:cNvSpPr txBox="1">
+                  <a:spLocks noRot="1" noChangeAspect="1" noMove="1" noResize="1" noEditPoints="1" noAdjustHandles="1" noChangeArrowheads="1" noChangeShapeType="1" noTextEdit="1"/>
+                </p:cNvSpPr>
+                <p:nvPr/>
+              </p:nvSpPr>
+              <p:spPr>
+                <a:xfrm>
+                  <a:off x="3201050" y="1501515"/>
+                  <a:ext cx="499559" cy="253916"/>
+                </a:xfrm>
+                <a:prstGeom prst="rect">
+                  <a:avLst/>
+                </a:prstGeom>
+                <a:blipFill rotWithShape="0">
+                  <a:blip r:embed="rId13"/>
+                  <a:stretch>
+                    <a:fillRect/>
+                  </a:stretch>
+                </a:blipFill>
+              </p:spPr>
+              <p:txBody>
+                <a:bodyPr/>
+                <a:lstStyle/>
+                <a:p>
+                  <a:r>
+                    <a:rPr lang="en-US">
+                      <a:noFill/>
+                    </a:rPr>
+                    <a:t> </a:t>
+                  </a:r>
+                </a:p>
+              </p:txBody>
+            </p:sp>
+          </mc:Fallback>
+        </mc:AlternateContent>
       </p:grpSp>
     </p:spTree>
     <p:extLst>
@@ -5664,6 +6037,13 @@
   <p:clrMapOvr>
     <a:masterClrMapping/>
   </p:clrMapOvr>
+  <p:timing>
+    <p:tnLst>
+      <p:par>
+        <p:cTn id="1" dur="indefinite" restart="never" nodeType="tmRoot"/>
+      </p:par>
+    </p:tnLst>
+  </p:timing>
 </p:sld>
 </file>
 
@@ -5684,18 +6064,219 @@
           <a:chExt cx="0" cy="0"/>
         </a:xfrm>
       </p:grpSpPr>
+      <p:sp>
+        <p:nvSpPr>
+          <p:cNvPr id="89" name="Text Box 15"/>
+          <p:cNvSpPr txBox="1"/>
+          <p:nvPr/>
+        </p:nvSpPr>
+        <p:spPr>
+          <a:xfrm flipH="1">
+            <a:off x="2532569" y="824015"/>
+            <a:ext cx="594488" cy="273894"/>
+          </a:xfrm>
+          <a:prstGeom prst="rect">
+            <a:avLst/>
+          </a:prstGeom>
+          <a:noFill/>
+          <a:ln w="6350">
+            <a:noFill/>
+          </a:ln>
+          <a:effectLst/>
+        </p:spPr>
+        <p:style>
+          <a:lnRef idx="0">
+            <a:schemeClr val="accent1"/>
+          </a:lnRef>
+          <a:fillRef idx="0">
+            <a:schemeClr val="accent1"/>
+          </a:fillRef>
+          <a:effectRef idx="0">
+            <a:schemeClr val="accent1"/>
+          </a:effectRef>
+          <a:fontRef idx="minor">
+            <a:schemeClr val="dk1"/>
+          </a:fontRef>
+        </p:style>
+        <p:txBody>
+          <a:bodyPr rot="0" spcFirstLastPara="0" vert="horz" wrap="square" lIns="91440" tIns="45720" rIns="91440" bIns="45720" numCol="1" spcCol="0" rtlCol="0" fromWordArt="0" anchor="t" anchorCtr="0" forceAA="0" compatLnSpc="1">
+            <a:prstTxWarp prst="textNoShape">
+              <a:avLst/>
+            </a:prstTxWarp>
+            <a:noAutofit/>
+          </a:bodyPr>
+          <a:lstStyle/>
+          <a:p>
+            <a:pPr marL="0" marR="0">
+              <a:lnSpc>
+                <a:spcPct val="115000"/>
+              </a:lnSpc>
+              <a:spcBef>
+                <a:spcPts val="0"/>
+              </a:spcBef>
+              <a:spcAft>
+                <a:spcPts val="0"/>
+              </a:spcAft>
+            </a:pPr>
+            <a:r>
+              <a:rPr lang="en-US" sz="900" dirty="0" smtClean="0">
+                <a:effectLst/>
+                <a:ea typeface="Calibri"/>
+                <a:cs typeface="Times New Roman"/>
+              </a:rPr>
+              <a:t>ENP</a:t>
+            </a:r>
+            <a:endParaRPr lang="en-US" sz="900" dirty="0">
+              <a:effectLst/>
+              <a:ea typeface="Calibri"/>
+              <a:cs typeface="Times New Roman"/>
+            </a:endParaRPr>
+          </a:p>
+        </p:txBody>
+      </p:sp>
+      <mc:AlternateContent xmlns:mc="http://schemas.openxmlformats.org/markup-compatibility/2006" xmlns:a14="http://schemas.microsoft.com/office/drawing/2010/main">
+        <mc:Choice Requires="a14">
+          <p:sp>
+            <p:nvSpPr>
+              <p:cNvPr id="56" name="TextBox 55"/>
+              <p:cNvSpPr txBox="1"/>
+              <p:nvPr/>
+            </p:nvSpPr>
+            <p:spPr>
+              <a:xfrm>
+                <a:off x="2802912" y="1015624"/>
+                <a:ext cx="299377" cy="215444"/>
+              </a:xfrm>
+              <a:prstGeom prst="rect">
+                <a:avLst/>
+              </a:prstGeom>
+              <a:noFill/>
+            </p:spPr>
+            <p:txBody>
+              <a:bodyPr wrap="none" rtlCol="0">
+                <a:spAutoFit/>
+              </a:bodyPr>
+              <a:lstStyle/>
+              <a:p>
+                <a:pPr/>
+                <a14:m>
+                  <m:oMathPara xmlns:m="http://schemas.openxmlformats.org/officeDocument/2006/math">
+                    <m:oMathParaPr>
+                      <m:jc m:val="centerGroup"/>
+                    </m:oMathParaPr>
+                    <m:oMath xmlns:m="http://schemas.openxmlformats.org/officeDocument/2006/math">
+                      <m:sSub>
+                        <m:sSubPr>
+                          <m:ctrlPr>
+                            <a:rPr lang="en-US" sz="800" b="0" i="1" smtClean="0">
+                              <a:solidFill>
+                                <a:srgbClr val="1C87FC"/>
+                              </a:solidFill>
+                              <a:latin typeface="Cambria Math" panose="02040503050406030204" pitchFamily="18" charset="0"/>
+                            </a:rPr>
+                          </m:ctrlPr>
+                        </m:sSubPr>
+                        <m:e>
+                          <m:acc>
+                            <m:accPr>
+                              <m:chr m:val="̂"/>
+                              <m:ctrlPr>
+                                <a:rPr lang="en-US" sz="800" b="0" i="1" smtClean="0">
+                                  <a:solidFill>
+                                    <a:srgbClr val="1C87FC"/>
+                                  </a:solidFill>
+                                  <a:latin typeface="Cambria Math" panose="02040503050406030204" pitchFamily="18" charset="0"/>
+                                </a:rPr>
+                              </m:ctrlPr>
+                            </m:accPr>
+                            <m:e>
+                              <m:r>
+                                <a:rPr lang="en-US" sz="800" i="1">
+                                  <a:solidFill>
+                                    <a:srgbClr val="1C87FC"/>
+                                  </a:solidFill>
+                                  <a:latin typeface="Cambria Math" panose="02040503050406030204" pitchFamily="18" charset="0"/>
+                                </a:rPr>
+                                <m:t>𝑧</m:t>
+                              </m:r>
+                            </m:e>
+                          </m:acc>
+                        </m:e>
+                        <m:sub>
+                          <m:r>
+                            <a:rPr lang="en-US" sz="800" b="0" i="1" smtClean="0">
+                              <a:solidFill>
+                                <a:srgbClr val="1C87FC"/>
+                              </a:solidFill>
+                              <a:latin typeface="Cambria Math" panose="02040503050406030204" pitchFamily="18" charset="0"/>
+                            </a:rPr>
+                            <m:t>𝑐</m:t>
+                          </m:r>
+                        </m:sub>
+                      </m:sSub>
+                    </m:oMath>
+                  </m:oMathPara>
+                </a14:m>
+                <a:endParaRPr lang="en-US" sz="800" dirty="0">
+                  <a:solidFill>
+                    <a:srgbClr val="1C87FC"/>
+                  </a:solidFill>
+                </a:endParaRPr>
+              </a:p>
+            </p:txBody>
+          </p:sp>
+        </mc:Choice>
+        <mc:Fallback xmlns="">
+          <p:sp>
+            <p:nvSpPr>
+              <p:cNvPr id="56" name="TextBox 55"/>
+              <p:cNvSpPr txBox="1">
+                <a:spLocks noRot="1" noChangeAspect="1" noMove="1" noResize="1" noEditPoints="1" noAdjustHandles="1" noChangeArrowheads="1" noChangeShapeType="1" noTextEdit="1"/>
+              </p:cNvSpPr>
+              <p:nvPr/>
+            </p:nvSpPr>
+            <p:spPr>
+              <a:xfrm>
+                <a:off x="2802912" y="1015624"/>
+                <a:ext cx="299377" cy="215444"/>
+              </a:xfrm>
+              <a:prstGeom prst="rect">
+                <a:avLst/>
+              </a:prstGeom>
+              <a:blipFill rotWithShape="0">
+                <a:blip r:embed="rId2"/>
+                <a:stretch>
+                  <a:fillRect/>
+                </a:stretch>
+              </a:blipFill>
+            </p:spPr>
+            <p:txBody>
+              <a:bodyPr/>
+              <a:lstStyle/>
+              <a:p>
+                <a:r>
+                  <a:rPr lang="en-US">
+                    <a:noFill/>
+                  </a:rPr>
+                  <a:t> </a:t>
+                </a:r>
+              </a:p>
+            </p:txBody>
+          </p:sp>
+        </mc:Fallback>
+      </mc:AlternateContent>
       <p:grpSp>
         <p:nvGrpSpPr>
-          <p:cNvPr id="2" name="Group 1"/>
+          <p:cNvPr id="5" name="Group 4"/>
           <p:cNvGrpSpPr/>
           <p:nvPr/>
         </p:nvGrpSpPr>
         <p:grpSpPr>
           <a:xfrm>
-            <a:off x="325737" y="179893"/>
-            <a:ext cx="4830877" cy="1451801"/>
-            <a:chOff x="325737" y="179893"/>
-            <a:chExt cx="4830877" cy="1451801"/>
+            <a:off x="176213" y="173793"/>
+            <a:ext cx="4791074" cy="1664532"/>
+            <a:chOff x="176213" y="173793"/>
+            <a:chExt cx="4791074" cy="1664532"/>
           </a:xfrm>
         </p:grpSpPr>
         <p:sp>
@@ -5706,8 +6287,8 @@
           </p:nvSpPr>
           <p:spPr>
             <a:xfrm>
-              <a:off x="351922" y="179893"/>
-              <a:ext cx="4709418" cy="1451801"/>
+              <a:off x="238125" y="179893"/>
+              <a:ext cx="4714875" cy="1658432"/>
             </a:xfrm>
             <a:prstGeom prst="rect">
               <a:avLst/>
@@ -5744,120 +6325,65 @@
             </a:p>
           </p:txBody>
         </p:sp>
-        <p:grpSp>
-          <p:nvGrpSpPr>
-            <p:cNvPr id="52" name="Group 51"/>
-            <p:cNvGrpSpPr>
-              <a:grpSpLocks noChangeAspect="1"/>
-            </p:cNvGrpSpPr>
-            <p:nvPr/>
-          </p:nvGrpSpPr>
-          <p:grpSpPr>
-            <a:xfrm rot="21060000">
-              <a:off x="2548746" y="318198"/>
-              <a:ext cx="1281111" cy="640080"/>
-              <a:chOff x="1880616" y="2310384"/>
-              <a:chExt cx="1281111" cy="640080"/>
-            </a:xfrm>
-          </p:grpSpPr>
-          <p:cxnSp>
-            <p:nvCxnSpPr>
-              <p:cNvPr id="53" name="Straight Arrow Connector 52"/>
-              <p:cNvCxnSpPr/>
-              <p:nvPr/>
-            </p:nvCxnSpPr>
-            <p:spPr>
-              <a:xfrm flipV="1">
-                <a:off x="1880616" y="2310384"/>
-                <a:ext cx="0" cy="640080"/>
-              </a:xfrm>
-              <a:prstGeom prst="straightConnector1">
-                <a:avLst/>
-              </a:prstGeom>
-              <a:ln w="9525">
-                <a:solidFill>
-                  <a:srgbClr val="00B050"/>
-                </a:solidFill>
-                <a:prstDash val="sysDot"/>
-                <a:headEnd type="none" w="med" len="med"/>
-                <a:tailEnd type="triangle" w="sm" len="lg"/>
-              </a:ln>
-            </p:spPr>
-            <p:style>
-              <a:lnRef idx="1">
-                <a:schemeClr val="accent1"/>
-              </a:lnRef>
-              <a:fillRef idx="0">
-                <a:schemeClr val="accent1"/>
-              </a:fillRef>
-              <a:effectRef idx="0">
-                <a:schemeClr val="accent1"/>
-              </a:effectRef>
-              <a:fontRef idx="minor">
-                <a:schemeClr val="tx1"/>
-              </a:fontRef>
-            </p:style>
-          </p:cxnSp>
-          <p:cxnSp>
-            <p:nvCxnSpPr>
-              <p:cNvPr id="54" name="Straight Arrow Connector 53"/>
-              <p:cNvCxnSpPr/>
-              <p:nvPr/>
-            </p:nvCxnSpPr>
-            <p:spPr>
-              <a:xfrm rot="5400000" flipV="1">
-                <a:off x="2521647" y="2299028"/>
-                <a:ext cx="0" cy="1280160"/>
-              </a:xfrm>
-              <a:prstGeom prst="straightConnector1">
-                <a:avLst/>
-              </a:prstGeom>
-              <a:ln w="9525">
-                <a:solidFill>
-                  <a:srgbClr val="1C87FC"/>
-                </a:solidFill>
-                <a:prstDash val="sysDot"/>
-                <a:headEnd type="none" w="med" len="med"/>
-                <a:tailEnd type="triangle" w="sm" len="lg"/>
-              </a:ln>
-            </p:spPr>
-            <p:style>
-              <a:lnRef idx="1">
-                <a:schemeClr val="accent1"/>
-              </a:lnRef>
-              <a:fillRef idx="0">
-                <a:schemeClr val="accent1"/>
-              </a:fillRef>
-              <a:effectRef idx="0">
-                <a:schemeClr val="accent1"/>
-              </a:effectRef>
-              <a:fontRef idx="minor">
-                <a:schemeClr val="tx1"/>
-              </a:fontRef>
-            </p:style>
-          </p:cxnSp>
-        </p:grpSp>
         <p:cxnSp>
           <p:nvCxnSpPr>
-            <p:cNvPr id="36" name="Straight Connector 35"/>
+            <p:cNvPr id="59" name="Straight Connector 58"/>
             <p:cNvCxnSpPr/>
             <p:nvPr/>
           </p:nvCxnSpPr>
           <p:spPr>
-            <a:xfrm>
-              <a:off x="472156" y="1045853"/>
-              <a:ext cx="4480560" cy="0"/>
+            <a:xfrm flipH="1" flipV="1">
+              <a:off x="4613495" y="1041174"/>
+              <a:ext cx="0" cy="731520"/>
             </a:xfrm>
             <a:prstGeom prst="line">
               <a:avLst/>
             </a:prstGeom>
-            <a:ln w="9525">
+            <a:ln>
               <a:solidFill>
-                <a:srgbClr val="1C87FC"/>
+                <a:schemeClr val="bg1">
+                  <a:lumMod val="50000"/>
+                </a:schemeClr>
               </a:solidFill>
-              <a:prstDash val="sysDot"/>
-              <a:headEnd type="none" w="med" len="med"/>
-              <a:tailEnd type="triangle" w="sm" len="lg"/>
+              <a:prstDash val="dash"/>
+            </a:ln>
+          </p:spPr>
+          <p:style>
+            <a:lnRef idx="1">
+              <a:schemeClr val="accent1"/>
+            </a:lnRef>
+            <a:fillRef idx="0">
+              <a:schemeClr val="accent1"/>
+            </a:fillRef>
+            <a:effectRef idx="0">
+              <a:schemeClr val="accent1"/>
+            </a:effectRef>
+            <a:fontRef idx="minor">
+              <a:schemeClr val="tx1"/>
+            </a:fontRef>
+          </p:style>
+        </p:cxnSp>
+        <p:cxnSp>
+          <p:nvCxnSpPr>
+            <p:cNvPr id="47" name="Straight Connector 46"/>
+            <p:cNvCxnSpPr/>
+            <p:nvPr/>
+          </p:nvCxnSpPr>
+          <p:spPr>
+            <a:xfrm flipH="1" flipV="1">
+              <a:off x="2603722" y="984023"/>
+              <a:ext cx="0" cy="731520"/>
+            </a:xfrm>
+            <a:prstGeom prst="line">
+              <a:avLst/>
+            </a:prstGeom>
+            <a:ln>
+              <a:solidFill>
+                <a:schemeClr val="bg1">
+                  <a:lumMod val="50000"/>
+                </a:schemeClr>
+              </a:solidFill>
+              <a:prstDash val="dash"/>
             </a:ln>
           </p:spPr>
           <p:style>
@@ -5877,21 +6403,21 @@
         </p:cxnSp>
         <p:pic>
           <p:nvPicPr>
-            <p:cNvPr id="4" name="Picture 3"/>
+            <p:cNvPr id="60" name="Picture 59"/>
             <p:cNvPicPr>
               <a:picLocks noChangeAspect="1"/>
             </p:cNvPicPr>
             <p:nvPr/>
           </p:nvPicPr>
           <p:blipFill>
-            <a:blip r:embed="rId2"/>
+            <a:blip r:embed="rId3"/>
             <a:stretch>
               <a:fillRect/>
             </a:stretch>
           </p:blipFill>
           <p:spPr>
             <a:xfrm>
-              <a:off x="382150" y="1268890"/>
+              <a:off x="272606" y="1468933"/>
               <a:ext cx="443831" cy="347472"/>
             </a:xfrm>
             <a:prstGeom prst="rect">
@@ -5899,6 +6425,44 @@
             </a:prstGeom>
           </p:spPr>
         </p:pic>
+        <p:cxnSp>
+          <p:nvCxnSpPr>
+            <p:cNvPr id="51" name="Straight Connector 50"/>
+            <p:cNvCxnSpPr/>
+            <p:nvPr/>
+          </p:nvCxnSpPr>
+          <p:spPr>
+            <a:xfrm flipH="1" flipV="1">
+              <a:off x="512984" y="250598"/>
+              <a:ext cx="0" cy="1316736"/>
+            </a:xfrm>
+            <a:prstGeom prst="line">
+              <a:avLst/>
+            </a:prstGeom>
+            <a:ln>
+              <a:solidFill>
+                <a:schemeClr val="bg1">
+                  <a:lumMod val="50000"/>
+                </a:schemeClr>
+              </a:solidFill>
+              <a:prstDash val="dash"/>
+            </a:ln>
+          </p:spPr>
+          <p:style>
+            <a:lnRef idx="1">
+              <a:schemeClr val="accent1"/>
+            </a:lnRef>
+            <a:fillRef idx="0">
+              <a:schemeClr val="accent1"/>
+            </a:fillRef>
+            <a:effectRef idx="0">
+              <a:schemeClr val="accent1"/>
+            </a:effectRef>
+            <a:fontRef idx="minor">
+              <a:schemeClr val="tx1"/>
+            </a:fontRef>
+          </p:style>
+        </p:cxnSp>
         <p:cxnSp>
           <p:nvCxnSpPr>
             <p:cNvPr id="74" name="Straight Connector 73"/>
@@ -5940,28 +6504,33 @@
             </a:fontRef>
           </p:style>
         </p:cxnSp>
-        <p:sp>
-          <p:nvSpPr>
-            <p:cNvPr id="89" name="Text Box 15"/>
-            <p:cNvSpPr txBox="1"/>
+        <p:cxnSp>
+          <p:nvCxnSpPr>
+            <p:cNvPr id="36" name="Straight Connector 35"/>
+            <p:cNvCxnSpPr/>
             <p:nvPr/>
-          </p:nvSpPr>
+          </p:nvCxnSpPr>
           <p:spPr>
-            <a:xfrm flipH="1">
-              <a:off x="2532569" y="824015"/>
-              <a:ext cx="594488" cy="273894"/>
+            <a:xfrm>
+              <a:off x="438815" y="1045853"/>
+              <a:ext cx="4480560" cy="0"/>
             </a:xfrm>
-            <a:prstGeom prst="rect">
+            <a:prstGeom prst="line">
               <a:avLst/>
             </a:prstGeom>
-            <a:noFill/>
-            <a:ln w="6350">
-              <a:noFill/>
+            <a:ln w="9525">
+              <a:solidFill>
+                <a:schemeClr val="bg1">
+                  <a:lumMod val="50000"/>
+                </a:schemeClr>
+              </a:solidFill>
+              <a:prstDash val="sysDot"/>
+              <a:headEnd type="none" w="med" len="med"/>
+              <a:tailEnd type="none" w="med" len="med"/>
             </a:ln>
-            <a:effectLst/>
           </p:spPr>
           <p:style>
-            <a:lnRef idx="0">
+            <a:lnRef idx="1">
               <a:schemeClr val="accent1"/>
             </a:lnRef>
             <a:fillRef idx="0">
@@ -5971,45 +6540,338 @@
               <a:schemeClr val="accent1"/>
             </a:effectRef>
             <a:fontRef idx="minor">
-              <a:schemeClr val="dk1"/>
+              <a:schemeClr val="tx1"/>
             </a:fontRef>
           </p:style>
-          <p:txBody>
-            <a:bodyPr rot="0" spcFirstLastPara="0" vert="horz" wrap="square" lIns="91440" tIns="45720" rIns="91440" bIns="45720" numCol="1" spcCol="0" rtlCol="0" fromWordArt="0" anchor="t" anchorCtr="0" forceAA="0" compatLnSpc="1">
-              <a:prstTxWarp prst="textNoShape">
+        </p:cxnSp>
+        <p:cxnSp>
+          <p:nvCxnSpPr>
+            <p:cNvPr id="49" name="Straight Arrow Connector 48"/>
+            <p:cNvCxnSpPr/>
+            <p:nvPr/>
+          </p:nvCxnSpPr>
+          <p:spPr>
+            <a:xfrm flipV="1">
+              <a:off x="2604766" y="673066"/>
+              <a:ext cx="0" cy="365760"/>
+            </a:xfrm>
+            <a:prstGeom prst="straightConnector1">
+              <a:avLst/>
+            </a:prstGeom>
+            <a:ln w="9525">
+              <a:solidFill>
+                <a:srgbClr val="00B050"/>
+              </a:solidFill>
+              <a:prstDash val="sysDot"/>
+              <a:headEnd type="none" w="med" len="med"/>
+              <a:tailEnd type="triangle" w="sm" len="lg"/>
+            </a:ln>
+            <a:effectLst>
+              <a:outerShdw blurRad="12700" dir="2700000" algn="tl" rotWithShape="0">
+                <a:prstClr val="black">
+                  <a:alpha val="51000"/>
+                </a:prstClr>
+              </a:outerShdw>
+            </a:effectLst>
+          </p:spPr>
+          <p:style>
+            <a:lnRef idx="1">
+              <a:schemeClr val="accent1"/>
+            </a:lnRef>
+            <a:fillRef idx="0">
+              <a:schemeClr val="accent1"/>
+            </a:fillRef>
+            <a:effectRef idx="0">
+              <a:schemeClr val="accent1"/>
+            </a:effectRef>
+            <a:fontRef idx="minor">
+              <a:schemeClr val="tx1"/>
+            </a:fontRef>
+          </p:style>
+        </p:cxnSp>
+        <mc:AlternateContent xmlns:mc="http://schemas.openxmlformats.org/markup-compatibility/2006" xmlns:a14="http://schemas.microsoft.com/office/drawing/2010/main">
+          <mc:Choice Requires="a14">
+            <p:sp>
+              <p:nvSpPr>
+                <p:cNvPr id="48" name="TextBox 47"/>
+                <p:cNvSpPr txBox="1"/>
+                <p:nvPr/>
+              </p:nvSpPr>
+              <p:spPr>
+                <a:xfrm>
+                  <a:off x="2531689" y="509051"/>
+                  <a:ext cx="300852" cy="215444"/>
+                </a:xfrm>
+                <a:prstGeom prst="rect">
+                  <a:avLst/>
+                </a:prstGeom>
+                <a:noFill/>
+              </p:spPr>
+              <p:txBody>
+                <a:bodyPr wrap="none" rtlCol="0">
+                  <a:spAutoFit/>
+                </a:bodyPr>
+                <a:lstStyle/>
+                <a:p>
+                  <a:pPr/>
+                  <a14:m>
+                    <m:oMathPara xmlns:m="http://schemas.openxmlformats.org/officeDocument/2006/math">
+                      <m:oMathParaPr>
+                        <m:jc m:val="centerGroup"/>
+                      </m:oMathParaPr>
+                      <m:oMath xmlns:m="http://schemas.openxmlformats.org/officeDocument/2006/math">
+                        <m:sSub>
+                          <m:sSubPr>
+                            <m:ctrlPr>
+                              <a:rPr lang="en-US" sz="800" b="0" i="1" smtClean="0">
+                                <a:solidFill>
+                                  <a:srgbClr val="00B050"/>
+                                </a:solidFill>
+                                <a:latin typeface="Cambria Math" panose="02040503050406030204" pitchFamily="18" charset="0"/>
+                              </a:rPr>
+                            </m:ctrlPr>
+                          </m:sSubPr>
+                          <m:e>
+                            <m:acc>
+                              <m:accPr>
+                                <m:chr m:val="̂"/>
+                                <m:ctrlPr>
+                                  <a:rPr lang="en-US" sz="800" b="0" i="1" smtClean="0">
+                                    <a:solidFill>
+                                      <a:srgbClr val="00B050"/>
+                                    </a:solidFill>
+                                    <a:latin typeface="Cambria Math" panose="02040503050406030204" pitchFamily="18" charset="0"/>
+                                  </a:rPr>
+                                </m:ctrlPr>
+                              </m:accPr>
+                              <m:e>
+                                <m:r>
+                                  <a:rPr lang="en-US" sz="800" i="1">
+                                    <a:solidFill>
+                                      <a:srgbClr val="00B050"/>
+                                    </a:solidFill>
+                                    <a:latin typeface="Cambria Math" panose="02040503050406030204" pitchFamily="18" charset="0"/>
+                                  </a:rPr>
+                                  <m:t>𝑦</m:t>
+                                </m:r>
+                              </m:e>
+                            </m:acc>
+                          </m:e>
+                          <m:sub>
+                            <m:r>
+                              <a:rPr lang="en-US" sz="800" b="0" i="1" smtClean="0">
+                                <a:solidFill>
+                                  <a:srgbClr val="00B050"/>
+                                </a:solidFill>
+                                <a:latin typeface="Cambria Math" panose="02040503050406030204" pitchFamily="18" charset="0"/>
+                              </a:rPr>
+                              <m:t>𝑐</m:t>
+                            </m:r>
+                          </m:sub>
+                        </m:sSub>
+                      </m:oMath>
+                    </m:oMathPara>
+                  </a14:m>
+                  <a:endParaRPr lang="en-US" sz="800" dirty="0">
+                    <a:solidFill>
+                      <a:srgbClr val="00B050"/>
+                    </a:solidFill>
+                  </a:endParaRPr>
+                </a:p>
+              </p:txBody>
+            </p:sp>
+          </mc:Choice>
+          <mc:Fallback xmlns="">
+            <p:sp>
+              <p:nvSpPr>
+                <p:cNvPr id="48" name="TextBox 47"/>
+                <p:cNvSpPr txBox="1">
+                  <a:spLocks noRot="1" noChangeAspect="1" noMove="1" noResize="1" noEditPoints="1" noAdjustHandles="1" noChangeArrowheads="1" noChangeShapeType="1" noTextEdit="1"/>
+                </p:cNvSpPr>
+                <p:nvPr/>
+              </p:nvSpPr>
+              <p:spPr>
+                <a:xfrm>
+                  <a:off x="2531689" y="509051"/>
+                  <a:ext cx="300852" cy="215444"/>
+                </a:xfrm>
+                <a:prstGeom prst="rect">
+                  <a:avLst/>
+                </a:prstGeom>
+                <a:blipFill rotWithShape="0">
+                  <a:blip r:embed="rId4"/>
+                  <a:stretch>
+                    <a:fillRect/>
+                  </a:stretch>
+                </a:blipFill>
+              </p:spPr>
+              <p:txBody>
+                <a:bodyPr/>
+                <a:lstStyle/>
+                <a:p>
+                  <a:r>
+                    <a:rPr lang="en-US">
+                      <a:noFill/>
+                    </a:rPr>
+                    <a:t> </a:t>
+                  </a:r>
+                </a:p>
+              </p:txBody>
+            </p:sp>
+          </mc:Fallback>
+        </mc:AlternateContent>
+        <p:cxnSp>
+          <p:nvCxnSpPr>
+            <p:cNvPr id="46" name="Straight Connector 45"/>
+            <p:cNvCxnSpPr/>
+            <p:nvPr/>
+          </p:nvCxnSpPr>
+          <p:spPr>
+            <a:xfrm>
+              <a:off x="2601661" y="1046536"/>
+              <a:ext cx="365760" cy="0"/>
+            </a:xfrm>
+            <a:prstGeom prst="line">
+              <a:avLst/>
+            </a:prstGeom>
+            <a:ln w="9525">
+              <a:solidFill>
+                <a:srgbClr val="1C87FC"/>
+              </a:solidFill>
+              <a:prstDash val="sysDot"/>
+              <a:headEnd type="none" w="med" len="med"/>
+              <a:tailEnd type="triangle" w="sm" len="lg"/>
+            </a:ln>
+            <a:effectLst>
+              <a:outerShdw blurRad="12700" dir="2700000" algn="tl" rotWithShape="0">
+                <a:prstClr val="black">
+                  <a:alpha val="50000"/>
+                </a:prstClr>
+              </a:outerShdw>
+            </a:effectLst>
+          </p:spPr>
+          <p:style>
+            <a:lnRef idx="1">
+              <a:schemeClr val="accent1"/>
+            </a:lnRef>
+            <a:fillRef idx="0">
+              <a:schemeClr val="accent1"/>
+            </a:fillRef>
+            <a:effectRef idx="0">
+              <a:schemeClr val="accent1"/>
+            </a:effectRef>
+            <a:fontRef idx="minor">
+              <a:schemeClr val="tx1"/>
+            </a:fontRef>
+          </p:style>
+        </p:cxnSp>
+        <p:grpSp>
+          <p:nvGrpSpPr>
+            <p:cNvPr id="52" name="Group 51"/>
+            <p:cNvGrpSpPr>
+              <a:grpSpLocks noChangeAspect="1"/>
+            </p:cNvGrpSpPr>
+            <p:nvPr/>
+          </p:nvGrpSpPr>
+          <p:grpSpPr>
+            <a:xfrm rot="21060000">
+              <a:off x="2572236" y="645978"/>
+              <a:ext cx="365760" cy="371335"/>
+              <a:chOff x="1879164" y="2567870"/>
+              <a:chExt cx="365760" cy="371335"/>
+            </a:xfrm>
+          </p:grpSpPr>
+          <p:cxnSp>
+            <p:nvCxnSpPr>
+              <p:cNvPr id="53" name="Straight Arrow Connector 52"/>
+              <p:cNvCxnSpPr/>
+              <p:nvPr/>
+            </p:nvCxnSpPr>
+            <p:spPr>
+              <a:xfrm flipV="1">
+                <a:off x="1881342" y="2567870"/>
+                <a:ext cx="0" cy="365760"/>
+              </a:xfrm>
+              <a:prstGeom prst="straightConnector1">
                 <a:avLst/>
-              </a:prstTxWarp>
-              <a:noAutofit/>
-            </a:bodyPr>
-            <a:lstStyle/>
-            <a:p>
-              <a:pPr marL="0" marR="0">
-                <a:lnSpc>
-                  <a:spcPct val="115000"/>
-                </a:lnSpc>
-                <a:spcBef>
-                  <a:spcPts val="0"/>
-                </a:spcBef>
-                <a:spcAft>
-                  <a:spcPts val="0"/>
-                </a:spcAft>
-              </a:pPr>
-              <a:r>
-                <a:rPr lang="en-US" sz="900" dirty="0" smtClean="0">
-                  <a:effectLst/>
-                  <a:ea typeface="Calibri"/>
-                  <a:cs typeface="Times New Roman"/>
-                </a:rPr>
-                <a:t>ENP</a:t>
-              </a:r>
-              <a:endParaRPr lang="en-US" sz="900" dirty="0">
-                <a:effectLst/>
-                <a:ea typeface="Calibri"/>
-                <a:cs typeface="Times New Roman"/>
-              </a:endParaRPr>
-            </a:p>
-          </p:txBody>
-        </p:sp>
+              </a:prstGeom>
+              <a:ln w="9525">
+                <a:solidFill>
+                  <a:srgbClr val="00B050"/>
+                </a:solidFill>
+                <a:prstDash val="sysDot"/>
+                <a:headEnd type="none" w="med" len="med"/>
+                <a:tailEnd type="triangle" w="sm" len="lg"/>
+              </a:ln>
+              <a:effectLst>
+                <a:outerShdw blurRad="12700" dir="2700000" algn="tl" rotWithShape="0">
+                  <a:prstClr val="black">
+                    <a:alpha val="50000"/>
+                  </a:prstClr>
+                </a:outerShdw>
+              </a:effectLst>
+            </p:spPr>
+            <p:style>
+              <a:lnRef idx="1">
+                <a:schemeClr val="accent1"/>
+              </a:lnRef>
+              <a:fillRef idx="0">
+                <a:schemeClr val="accent1"/>
+              </a:fillRef>
+              <a:effectRef idx="0">
+                <a:schemeClr val="accent1"/>
+              </a:effectRef>
+              <a:fontRef idx="minor">
+                <a:schemeClr val="tx1"/>
+              </a:fontRef>
+            </p:style>
+          </p:cxnSp>
+          <p:cxnSp>
+            <p:nvCxnSpPr>
+              <p:cNvPr id="54" name="Straight Arrow Connector 53"/>
+              <p:cNvCxnSpPr/>
+              <p:nvPr/>
+            </p:nvCxnSpPr>
+            <p:spPr>
+              <a:xfrm rot="5400000" flipV="1">
+                <a:off x="2062044" y="2756325"/>
+                <a:ext cx="0" cy="365760"/>
+              </a:xfrm>
+              <a:prstGeom prst="straightConnector1">
+                <a:avLst/>
+              </a:prstGeom>
+              <a:ln w="9525">
+                <a:solidFill>
+                  <a:srgbClr val="1C87FC"/>
+                </a:solidFill>
+                <a:prstDash val="sysDot"/>
+                <a:headEnd type="none" w="med" len="med"/>
+                <a:tailEnd type="triangle" w="sm" len="lg"/>
+              </a:ln>
+              <a:effectLst>
+                <a:outerShdw blurRad="12700" dir="2700000" algn="tl" rotWithShape="0">
+                  <a:prstClr val="black">
+                    <a:alpha val="50000"/>
+                  </a:prstClr>
+                </a:outerShdw>
+              </a:effectLst>
+            </p:spPr>
+            <p:style>
+              <a:lnRef idx="1">
+                <a:schemeClr val="accent1"/>
+              </a:lnRef>
+              <a:fillRef idx="0">
+                <a:schemeClr val="accent1"/>
+              </a:fillRef>
+              <a:effectRef idx="0">
+                <a:schemeClr val="accent1"/>
+              </a:effectRef>
+              <a:fontRef idx="minor">
+                <a:schemeClr val="tx1"/>
+              </a:fontRef>
+            </p:style>
+          </p:cxnSp>
+        </p:grpSp>
         <p:sp>
           <p:nvSpPr>
             <p:cNvPr id="107" name="Oval 106"/>
@@ -6479,8 +7341,8 @@
             </p:txBody>
           </p:sp>
         </p:grpSp>
-        <mc:AlternateContent xmlns:mc="http://schemas.openxmlformats.org/markup-compatibility/2006">
-          <mc:Choice xmlns:a14="http://schemas.microsoft.com/office/drawing/2010/main" Requires="a14">
+        <mc:AlternateContent xmlns:mc="http://schemas.openxmlformats.org/markup-compatibility/2006" xmlns:a14="http://schemas.microsoft.com/office/drawing/2010/main">
+          <mc:Choice Requires="a14">
             <p:sp>
               <p:nvSpPr>
                 <p:cNvPr id="129" name="TextBox 128"/>
@@ -6524,7 +7386,7 @@
               </p:txBody>
             </p:sp>
           </mc:Choice>
-          <mc:Fallback>
+          <mc:Fallback xmlns="">
             <p:sp>
               <p:nvSpPr>
                 <p:cNvPr id="129" name="TextBox 128"/>
@@ -6542,7 +7404,7 @@
                   <a:avLst/>
                 </a:prstGeom>
                 <a:blipFill rotWithShape="0">
-                  <a:blip r:embed="rId3"/>
+                  <a:blip r:embed="rId5"/>
                   <a:stretch>
                     <a:fillRect/>
                   </a:stretch>
@@ -6563,8 +7425,8 @@
             </p:sp>
           </mc:Fallback>
         </mc:AlternateContent>
-        <mc:AlternateContent xmlns:mc="http://schemas.openxmlformats.org/markup-compatibility/2006">
-          <mc:Choice xmlns:a14="http://schemas.microsoft.com/office/drawing/2010/main" Requires="a14">
+        <mc:AlternateContent xmlns:mc="http://schemas.openxmlformats.org/markup-compatibility/2006" xmlns:a14="http://schemas.microsoft.com/office/drawing/2010/main">
+          <mc:Choice Requires="a14">
             <p:sp>
               <p:nvSpPr>
                 <p:cNvPr id="130" name="TextBox 129"/>
@@ -6614,7 +7476,7 @@
               </p:txBody>
             </p:sp>
           </mc:Choice>
-          <mc:Fallback>
+          <mc:Fallback xmlns="">
             <p:sp>
               <p:nvSpPr>
                 <p:cNvPr id="130" name="TextBox 129"/>
@@ -6632,7 +7494,7 @@
                   <a:avLst/>
                 </a:prstGeom>
                 <a:blipFill rotWithShape="0">
-                  <a:blip r:embed="rId4"/>
+                  <a:blip r:embed="rId6"/>
                   <a:stretch>
                     <a:fillRect/>
                   </a:stretch>
@@ -6788,8 +7650,8 @@
             </a:p>
           </p:txBody>
         </p:sp>
-        <mc:AlternateContent xmlns:mc="http://schemas.openxmlformats.org/markup-compatibility/2006">
-          <mc:Choice xmlns:a14="http://schemas.microsoft.com/office/drawing/2010/main" Requires="a14">
+        <mc:AlternateContent xmlns:mc="http://schemas.openxmlformats.org/markup-compatibility/2006" xmlns:a14="http://schemas.microsoft.com/office/drawing/2010/main">
+          <mc:Choice Requires="a14">
             <p:sp>
               <p:nvSpPr>
                 <p:cNvPr id="162" name="TextBox 161"/>
@@ -6950,7 +7812,7 @@
               </p:txBody>
             </p:sp>
           </mc:Choice>
-          <mc:Fallback>
+          <mc:Fallback xmlns="">
             <p:sp>
               <p:nvSpPr>
                 <p:cNvPr id="162" name="TextBox 161"/>
@@ -6968,7 +7830,7 @@
                   <a:avLst/>
                 </a:prstGeom>
                 <a:blipFill rotWithShape="0">
-                  <a:blip r:embed="rId5"/>
+                  <a:blip r:embed="rId7"/>
                   <a:stretch>
                     <a:fillRect/>
                   </a:stretch>
@@ -6989,8 +7851,8 @@
             </p:sp>
           </mc:Fallback>
         </mc:AlternateContent>
-        <mc:AlternateContent xmlns:mc="http://schemas.openxmlformats.org/markup-compatibility/2006">
-          <mc:Choice xmlns:a14="http://schemas.microsoft.com/office/drawing/2010/main" Requires="a14">
+        <mc:AlternateContent xmlns:mc="http://schemas.openxmlformats.org/markup-compatibility/2006" xmlns:a14="http://schemas.microsoft.com/office/drawing/2010/main">
+          <mc:Choice Requires="a14">
             <p:sp>
               <p:nvSpPr>
                 <p:cNvPr id="163" name="TextBox 162"/>
@@ -7202,7 +8064,7 @@
               </p:txBody>
             </p:sp>
           </mc:Choice>
-          <mc:Fallback>
+          <mc:Fallback xmlns="">
             <p:sp>
               <p:nvSpPr>
                 <p:cNvPr id="163" name="TextBox 162"/>
@@ -7220,7 +8082,7 @@
                   <a:avLst/>
                 </a:prstGeom>
                 <a:blipFill rotWithShape="0">
-                  <a:blip r:embed="rId6"/>
+                  <a:blip r:embed="rId8"/>
                   <a:stretch>
                     <a:fillRect/>
                   </a:stretch>
@@ -7292,245 +8154,6 @@
             </a:p>
           </p:txBody>
         </p:sp>
-        <mc:AlternateContent xmlns:mc="http://schemas.openxmlformats.org/markup-compatibility/2006">
-          <mc:Choice xmlns:a14="http://schemas.microsoft.com/office/drawing/2010/main" Requires="a14">
-            <p:sp>
-              <p:nvSpPr>
-                <p:cNvPr id="165" name="TextBox 164"/>
-                <p:cNvSpPr txBox="1"/>
-                <p:nvPr/>
-              </p:nvSpPr>
-              <p:spPr>
-                <a:xfrm>
-                  <a:off x="325737" y="278573"/>
-                  <a:ext cx="815384" cy="497316"/>
-                </a:xfrm>
-                <a:prstGeom prst="rect">
-                  <a:avLst/>
-                </a:prstGeom>
-                <a:noFill/>
-              </p:spPr>
-              <p:txBody>
-                <a:bodyPr wrap="square" rtlCol="0">
-                  <a:spAutoFit/>
-                </a:bodyPr>
-                <a:lstStyle/>
-                <a:p>
-                  <a14:m>
-                    <m:oMath xmlns:m="http://schemas.openxmlformats.org/officeDocument/2006/math">
-                      <m:d>
-                        <m:dPr>
-                          <m:begChr m:val="["/>
-                          <m:endChr m:val="]"/>
-                          <m:ctrlPr>
-                            <a:rPr lang="en-US" sz="1000" b="0" i="1" smtClean="0">
-                              <a:solidFill>
-                                <a:schemeClr val="tx1">
-                                  <a:lumMod val="95000"/>
-                                  <a:lumOff val="5000"/>
-                                </a:schemeClr>
-                              </a:solidFill>
-                              <a:latin typeface="Cambria Math" panose="02040503050406030204" pitchFamily="18" charset="0"/>
-                            </a:rPr>
-                          </m:ctrlPr>
-                        </m:dPr>
-                        <m:e>
-                          <m:eqArr>
-                            <m:eqArrPr>
-                              <m:ctrlPr>
-                                <a:rPr lang="en-US" sz="1000" b="0" i="1" smtClean="0">
-                                  <a:solidFill>
-                                    <a:schemeClr val="tx1">
-                                      <a:lumMod val="95000"/>
-                                      <a:lumOff val="5000"/>
-                                    </a:schemeClr>
-                                  </a:solidFill>
-                                  <a:latin typeface="Cambria Math" panose="02040503050406030204" pitchFamily="18" charset="0"/>
-                                </a:rPr>
-                              </m:ctrlPr>
-                            </m:eqArrPr>
-                            <m:e>
-                              <m:r>
-                                <a:rPr lang="en-US" sz="1000" b="0" i="1" smtClean="0">
-                                  <a:solidFill>
-                                    <a:schemeClr val="tx1">
-                                      <a:lumMod val="95000"/>
-                                      <a:lumOff val="5000"/>
-                                    </a:schemeClr>
-                                  </a:solidFill>
-                                  <a:latin typeface="Cambria Math" panose="02040503050406030204" pitchFamily="18" charset="0"/>
-                                </a:rPr>
-                                <m:t>𝑋</m:t>
-                              </m:r>
-                              <m:r>
-                                <a:rPr lang="en-US" sz="1000" b="0" i="1" smtClean="0">
-                                  <a:solidFill>
-                                    <a:schemeClr val="tx1">
-                                      <a:lumMod val="95000"/>
-                                      <a:lumOff val="5000"/>
-                                    </a:schemeClr>
-                                  </a:solidFill>
-                                  <a:latin typeface="Cambria Math" panose="02040503050406030204" pitchFamily="18" charset="0"/>
-                                </a:rPr>
-                                <m:t> </m:t>
-                              </m:r>
-                            </m:e>
-                            <m:e>
-                              <m:r>
-                                <a:rPr lang="en-US" sz="1000" b="0" i="1" smtClean="0">
-                                  <a:solidFill>
-                                    <a:schemeClr val="tx1">
-                                      <a:lumMod val="95000"/>
-                                      <a:lumOff val="5000"/>
-                                    </a:schemeClr>
-                                  </a:solidFill>
-                                  <a:latin typeface="Cambria Math" panose="02040503050406030204" pitchFamily="18" charset="0"/>
-                                </a:rPr>
-                                <m:t>𝑌</m:t>
-                              </m:r>
-                            </m:e>
-                            <m:e>
-                              <m:r>
-                                <a:rPr lang="en-US" sz="1000" b="0" i="1" smtClean="0">
-                                  <a:solidFill>
-                                    <a:schemeClr val="tx1">
-                                      <a:lumMod val="95000"/>
-                                      <a:lumOff val="5000"/>
-                                    </a:schemeClr>
-                                  </a:solidFill>
-                                  <a:latin typeface="Cambria Math" panose="02040503050406030204" pitchFamily="18" charset="0"/>
-                                </a:rPr>
-                                <m:t>𝑍</m:t>
-                              </m:r>
-                            </m:e>
-                          </m:eqArr>
-                        </m:e>
-                      </m:d>
-                    </m:oMath>
-                  </a14:m>
-                  <a:r>
-                    <a:rPr lang="en-US" sz="1000" dirty="0" smtClean="0">
-                      <a:solidFill>
-                        <a:schemeClr val="tx1">
-                          <a:lumMod val="95000"/>
-                          <a:lumOff val="5000"/>
-                        </a:schemeClr>
-                      </a:solidFill>
-                    </a:rPr>
-                    <a:t> </a:t>
-                  </a:r>
-                  <a14:m>
-                    <m:oMath xmlns:m="http://schemas.openxmlformats.org/officeDocument/2006/math">
-                      <m:r>
-                        <a:rPr lang="en-US" sz="1000" i="1" dirty="0" smtClean="0">
-                          <a:solidFill>
-                            <a:schemeClr val="tx1">
-                              <a:lumMod val="95000"/>
-                              <a:lumOff val="5000"/>
-                            </a:schemeClr>
-                          </a:solidFill>
-                          <a:latin typeface="Cambria Math" panose="02040503050406030204" pitchFamily="18" charset="0"/>
-                        </a:rPr>
-                        <m:t>=</m:t>
-                      </m:r>
-                    </m:oMath>
-                  </a14:m>
-                  <a:r>
-                    <a:rPr lang="en-US" sz="1000" dirty="0" smtClean="0">
-                      <a:solidFill>
-                        <a:schemeClr val="tx1">
-                          <a:lumMod val="95000"/>
-                          <a:lumOff val="5000"/>
-                        </a:schemeClr>
-                      </a:solidFill>
-                    </a:rPr>
-                    <a:t> </a:t>
-                  </a:r>
-                  <a14:m>
-                    <m:oMath xmlns:m="http://schemas.openxmlformats.org/officeDocument/2006/math">
-                      <m:acc>
-                        <m:accPr>
-                          <m:chr m:val="⃗"/>
-                          <m:ctrlPr>
-                            <a:rPr lang="en-US" sz="1000" b="0" i="1" smtClean="0">
-                              <a:solidFill>
-                                <a:schemeClr val="tx1">
-                                  <a:lumMod val="95000"/>
-                                  <a:lumOff val="5000"/>
-                                </a:schemeClr>
-                              </a:solidFill>
-                              <a:latin typeface="Cambria Math" panose="02040503050406030204" pitchFamily="18" charset="0"/>
-                            </a:rPr>
-                          </m:ctrlPr>
-                        </m:accPr>
-                        <m:e>
-                          <m:r>
-                            <a:rPr lang="en-US" sz="1000" b="0" i="1" smtClean="0">
-                              <a:solidFill>
-                                <a:schemeClr val="tx1">
-                                  <a:lumMod val="95000"/>
-                                  <a:lumOff val="5000"/>
-                                </a:schemeClr>
-                              </a:solidFill>
-                              <a:latin typeface="Cambria Math" panose="02040503050406030204" pitchFamily="18" charset="0"/>
-                            </a:rPr>
-                            <m:t>𝑋</m:t>
-                          </m:r>
-                        </m:e>
-                      </m:acc>
-                    </m:oMath>
-                  </a14:m>
-                  <a:endParaRPr lang="en-US" sz="1000" dirty="0">
-                    <a:solidFill>
-                      <a:schemeClr val="tx1">
-                        <a:lumMod val="95000"/>
-                        <a:lumOff val="5000"/>
-                      </a:schemeClr>
-                    </a:solidFill>
-                  </a:endParaRPr>
-                </a:p>
-              </p:txBody>
-            </p:sp>
-          </mc:Choice>
-          <mc:Fallback>
-            <p:sp>
-              <p:nvSpPr>
-                <p:cNvPr id="165" name="TextBox 164"/>
-                <p:cNvSpPr txBox="1">
-                  <a:spLocks noRot="1" noChangeAspect="1" noMove="1" noResize="1" noEditPoints="1" noAdjustHandles="1" noChangeArrowheads="1" noChangeShapeType="1" noTextEdit="1"/>
-                </p:cNvSpPr>
-                <p:nvPr/>
-              </p:nvSpPr>
-              <p:spPr>
-                <a:xfrm>
-                  <a:off x="325737" y="278573"/>
-                  <a:ext cx="815384" cy="497316"/>
-                </a:xfrm>
-                <a:prstGeom prst="rect">
-                  <a:avLst/>
-                </a:prstGeom>
-                <a:blipFill rotWithShape="0">
-                  <a:blip r:embed="rId7"/>
-                  <a:stretch>
-                    <a:fillRect/>
-                  </a:stretch>
-                </a:blipFill>
-              </p:spPr>
-              <p:txBody>
-                <a:bodyPr/>
-                <a:lstStyle/>
-                <a:p>
-                  <a:r>
-                    <a:rPr lang="en-US">
-                      <a:noFill/>
-                    </a:rPr>
-                    <a:t> </a:t>
-                  </a:r>
-                </a:p>
-              </p:txBody>
-            </p:sp>
-          </mc:Fallback>
-        </mc:AlternateContent>
         <p:sp>
           <p:nvSpPr>
             <p:cNvPr id="166" name="Oval 165"/>
@@ -7582,245 +8205,6 @@
             </a:p>
           </p:txBody>
         </p:sp>
-        <mc:AlternateContent xmlns:mc="http://schemas.openxmlformats.org/markup-compatibility/2006">
-          <mc:Choice xmlns:a14="http://schemas.microsoft.com/office/drawing/2010/main" Requires="a14">
-            <p:sp>
-              <p:nvSpPr>
-                <p:cNvPr id="167" name="TextBox 166"/>
-                <p:cNvSpPr txBox="1"/>
-                <p:nvPr/>
-              </p:nvSpPr>
-              <p:spPr>
-                <a:xfrm>
-                  <a:off x="4025462" y="983633"/>
-                  <a:ext cx="979225" cy="624797"/>
-                </a:xfrm>
-                <a:prstGeom prst="rect">
-                  <a:avLst/>
-                </a:prstGeom>
-                <a:noFill/>
-              </p:spPr>
-              <p:txBody>
-                <a:bodyPr wrap="square" rtlCol="0">
-                  <a:spAutoFit/>
-                </a:bodyPr>
-                <a:lstStyle/>
-                <a:p>
-                  <a:pPr/>
-                  <a14:m>
-                    <m:oMathPara xmlns:m="http://schemas.openxmlformats.org/officeDocument/2006/math">
-                      <m:oMathParaPr>
-                        <m:jc m:val="centerGroup"/>
-                      </m:oMathParaPr>
-                      <m:oMath xmlns:m="http://schemas.openxmlformats.org/officeDocument/2006/math">
-                        <m:acc>
-                          <m:accPr>
-                            <m:chr m:val="⃗"/>
-                            <m:ctrlPr>
-                              <a:rPr lang="en-US" sz="1000" b="0" i="1" smtClean="0">
-                                <a:solidFill>
-                                  <a:schemeClr val="tx1">
-                                    <a:lumMod val="95000"/>
-                                    <a:lumOff val="5000"/>
-                                  </a:schemeClr>
-                                </a:solidFill>
-                                <a:latin typeface="Cambria Math" panose="02040503050406030204" pitchFamily="18" charset="0"/>
-                              </a:rPr>
-                            </m:ctrlPr>
-                          </m:accPr>
-                          <m:e>
-                            <m:r>
-                              <a:rPr lang="en-US" sz="1000" b="0" i="1" smtClean="0">
-                                <a:solidFill>
-                                  <a:schemeClr val="tx1">
-                                    <a:lumMod val="95000"/>
-                                    <a:lumOff val="5000"/>
-                                  </a:schemeClr>
-                                </a:solidFill>
-                                <a:latin typeface="Cambria Math" panose="02040503050406030204" pitchFamily="18" charset="0"/>
-                              </a:rPr>
-                              <m:t>𝑋</m:t>
-                            </m:r>
-                          </m:e>
-                        </m:acc>
-                        <m:r>
-                          <a:rPr lang="en-US" sz="1000" b="0" i="1" smtClean="0">
-                            <a:solidFill>
-                              <a:schemeClr val="tx1">
-                                <a:lumMod val="95000"/>
-                                <a:lumOff val="5000"/>
-                              </a:schemeClr>
-                            </a:solidFill>
-                            <a:latin typeface="Cambria Math" panose="02040503050406030204" pitchFamily="18" charset="0"/>
-                          </a:rPr>
-                          <m:t>′=</m:t>
-                        </m:r>
-                        <m:d>
-                          <m:dPr>
-                            <m:begChr m:val="["/>
-                            <m:endChr m:val="]"/>
-                            <m:ctrlPr>
-                              <a:rPr lang="en-US" sz="1000" b="0" i="1" smtClean="0">
-                                <a:solidFill>
-                                  <a:schemeClr val="tx1">
-                                    <a:lumMod val="95000"/>
-                                    <a:lumOff val="5000"/>
-                                  </a:schemeClr>
-                                </a:solidFill>
-                                <a:latin typeface="Cambria Math" panose="02040503050406030204" pitchFamily="18" charset="0"/>
-                              </a:rPr>
-                            </m:ctrlPr>
-                          </m:dPr>
-                          <m:e>
-                            <m:eqArr>
-                              <m:eqArrPr>
-                                <m:ctrlPr>
-                                  <a:rPr lang="en-US" sz="1000" b="0" i="1" smtClean="0">
-                                    <a:solidFill>
-                                      <a:schemeClr val="tx1">
-                                        <a:lumMod val="95000"/>
-                                        <a:lumOff val="5000"/>
-                                      </a:schemeClr>
-                                    </a:solidFill>
-                                    <a:latin typeface="Cambria Math" panose="02040503050406030204" pitchFamily="18" charset="0"/>
-                                  </a:rPr>
-                                </m:ctrlPr>
-                              </m:eqArrPr>
-                              <m:e>
-                                <m:r>
-                                  <a:rPr lang="en-US" sz="1000" b="0" i="1" smtClean="0">
-                                    <a:solidFill>
-                                      <a:schemeClr val="tx1">
-                                        <a:lumMod val="95000"/>
-                                        <a:lumOff val="5000"/>
-                                      </a:schemeClr>
-                                    </a:solidFill>
-                                    <a:latin typeface="Cambria Math" panose="02040503050406030204" pitchFamily="18" charset="0"/>
-                                  </a:rPr>
-                                  <m:t>𝑋</m:t>
-                                </m:r>
-                                <m:r>
-                                  <a:rPr lang="en-US" sz="1000" b="0" i="1" smtClean="0">
-                                    <a:solidFill>
-                                      <a:schemeClr val="tx1">
-                                        <a:lumMod val="95000"/>
-                                        <a:lumOff val="5000"/>
-                                      </a:schemeClr>
-                                    </a:solidFill>
-                                    <a:latin typeface="Cambria Math" panose="02040503050406030204" pitchFamily="18" charset="0"/>
-                                  </a:rPr>
-                                  <m:t>′ </m:t>
-                                </m:r>
-                              </m:e>
-                              <m:e>
-                                <m:r>
-                                  <a:rPr lang="en-US" sz="1000" b="0" i="1" smtClean="0">
-                                    <a:solidFill>
-                                      <a:schemeClr val="tx1">
-                                        <a:lumMod val="95000"/>
-                                        <a:lumOff val="5000"/>
-                                      </a:schemeClr>
-                                    </a:solidFill>
-                                    <a:latin typeface="Cambria Math" panose="02040503050406030204" pitchFamily="18" charset="0"/>
-                                  </a:rPr>
-                                  <m:t>𝑌</m:t>
-                                </m:r>
-                                <m:r>
-                                  <a:rPr lang="en-US" sz="1000" b="0" i="1" smtClean="0">
-                                    <a:solidFill>
-                                      <a:schemeClr val="tx1">
-                                        <a:lumMod val="95000"/>
-                                        <a:lumOff val="5000"/>
-                                      </a:schemeClr>
-                                    </a:solidFill>
-                                    <a:latin typeface="Cambria Math" panose="02040503050406030204" pitchFamily="18" charset="0"/>
-                                  </a:rPr>
-                                  <m:t>′</m:t>
-                                </m:r>
-                              </m:e>
-                              <m:e>
-                                <m:r>
-                                  <a:rPr lang="en-US" sz="1000" b="0" i="1" smtClean="0">
-                                    <a:solidFill>
-                                      <a:schemeClr val="tx1">
-                                        <a:lumMod val="95000"/>
-                                        <a:lumOff val="5000"/>
-                                      </a:schemeClr>
-                                    </a:solidFill>
-                                    <a:latin typeface="Cambria Math" panose="02040503050406030204" pitchFamily="18" charset="0"/>
-                                  </a:rPr>
-                                  <m:t>𝑍</m:t>
-                                </m:r>
-                                <m:r>
-                                  <a:rPr lang="en-US" sz="1000" b="0" i="1" smtClean="0">
-                                    <a:solidFill>
-                                      <a:schemeClr val="tx1">
-                                        <a:lumMod val="95000"/>
-                                        <a:lumOff val="5000"/>
-                                      </a:schemeClr>
-                                    </a:solidFill>
-                                    <a:latin typeface="Cambria Math" panose="02040503050406030204" pitchFamily="18" charset="0"/>
-                                  </a:rPr>
-                                  <m:t>′</m:t>
-                                </m:r>
-                              </m:e>
-                            </m:eqArr>
-                          </m:e>
-                        </m:d>
-                      </m:oMath>
-                    </m:oMathPara>
-                  </a14:m>
-                  <a:endParaRPr lang="en-US" sz="1000" dirty="0">
-                    <a:solidFill>
-                      <a:schemeClr val="tx1">
-                        <a:lumMod val="95000"/>
-                        <a:lumOff val="5000"/>
-                      </a:schemeClr>
-                    </a:solidFill>
-                  </a:endParaRPr>
-                </a:p>
-              </p:txBody>
-            </p:sp>
-          </mc:Choice>
-          <mc:Fallback>
-            <p:sp>
-              <p:nvSpPr>
-                <p:cNvPr id="167" name="TextBox 166"/>
-                <p:cNvSpPr txBox="1">
-                  <a:spLocks noRot="1" noChangeAspect="1" noMove="1" noResize="1" noEditPoints="1" noAdjustHandles="1" noChangeArrowheads="1" noChangeShapeType="1" noTextEdit="1"/>
-                </p:cNvSpPr>
-                <p:nvPr/>
-              </p:nvSpPr>
-              <p:spPr>
-                <a:xfrm>
-                  <a:off x="4025462" y="983633"/>
-                  <a:ext cx="979225" cy="624797"/>
-                </a:xfrm>
-                <a:prstGeom prst="rect">
-                  <a:avLst/>
-                </a:prstGeom>
-                <a:blipFill rotWithShape="0">
-                  <a:blip r:embed="rId8"/>
-                  <a:stretch>
-                    <a:fillRect/>
-                  </a:stretch>
-                </a:blipFill>
-              </p:spPr>
-              <p:txBody>
-                <a:bodyPr/>
-                <a:lstStyle/>
-                <a:p>
-                  <a:r>
-                    <a:rPr lang="en-US">
-                      <a:noFill/>
-                    </a:rPr>
-                    <a:t> </a:t>
-                  </a:r>
-                </a:p>
-              </p:txBody>
-            </p:sp>
-          </mc:Fallback>
-        </mc:AlternateContent>
         <p:grpSp>
           <p:nvGrpSpPr>
             <p:cNvPr id="40" name="Group 39"/>
@@ -8010,192 +8394,8 @@
             </p:txBody>
           </p:sp>
         </p:grpSp>
-        <p:grpSp>
-          <p:nvGrpSpPr>
-            <p:cNvPr id="45" name="Group 44"/>
-            <p:cNvGrpSpPr/>
-            <p:nvPr/>
-          </p:nvGrpSpPr>
-          <p:grpSpPr>
-            <a:xfrm>
-              <a:off x="2470183" y="222020"/>
-              <a:ext cx="300852" cy="824626"/>
-              <a:chOff x="2470183" y="222020"/>
-              <a:chExt cx="300852" cy="824626"/>
-            </a:xfrm>
-          </p:grpSpPr>
-          <p:cxnSp>
-            <p:nvCxnSpPr>
-              <p:cNvPr id="49" name="Straight Arrow Connector 48"/>
-              <p:cNvCxnSpPr/>
-              <p:nvPr/>
-            </p:nvCxnSpPr>
-            <p:spPr>
-              <a:xfrm flipV="1">
-                <a:off x="2604766" y="406566"/>
-                <a:ext cx="0" cy="640080"/>
-              </a:xfrm>
-              <a:prstGeom prst="straightConnector1">
-                <a:avLst/>
-              </a:prstGeom>
-              <a:ln w="9525">
-                <a:solidFill>
-                  <a:srgbClr val="00B050"/>
-                </a:solidFill>
-                <a:prstDash val="sysDot"/>
-                <a:headEnd type="none" w="med" len="med"/>
-                <a:tailEnd type="triangle" w="sm" len="lg"/>
-              </a:ln>
-            </p:spPr>
-            <p:style>
-              <a:lnRef idx="1">
-                <a:schemeClr val="accent1"/>
-              </a:lnRef>
-              <a:fillRef idx="0">
-                <a:schemeClr val="accent1"/>
-              </a:fillRef>
-              <a:effectRef idx="0">
-                <a:schemeClr val="accent1"/>
-              </a:effectRef>
-              <a:fontRef idx="minor">
-                <a:schemeClr val="tx1"/>
-              </a:fontRef>
-            </p:style>
-          </p:cxnSp>
-          <mc:AlternateContent xmlns:mc="http://schemas.openxmlformats.org/markup-compatibility/2006">
-            <mc:Choice xmlns:a14="http://schemas.microsoft.com/office/drawing/2010/main" Requires="a14">
-              <p:sp>
-                <p:nvSpPr>
-                  <p:cNvPr id="48" name="TextBox 47"/>
-                  <p:cNvSpPr txBox="1"/>
-                  <p:nvPr/>
-                </p:nvSpPr>
-                <p:spPr>
-                  <a:xfrm>
-                    <a:off x="2470183" y="222020"/>
-                    <a:ext cx="300852" cy="215444"/>
-                  </a:xfrm>
-                  <a:prstGeom prst="rect">
-                    <a:avLst/>
-                  </a:prstGeom>
-                  <a:noFill/>
-                </p:spPr>
-                <p:txBody>
-                  <a:bodyPr wrap="none" rtlCol="0">
-                    <a:spAutoFit/>
-                  </a:bodyPr>
-                  <a:lstStyle/>
-                  <a:p>
-                    <a:pPr/>
-                    <a14:m>
-                      <m:oMathPara xmlns:m="http://schemas.openxmlformats.org/officeDocument/2006/math">
-                        <m:oMathParaPr>
-                          <m:jc m:val="centerGroup"/>
-                        </m:oMathParaPr>
-                        <m:oMath xmlns:m="http://schemas.openxmlformats.org/officeDocument/2006/math">
-                          <m:sSub>
-                            <m:sSubPr>
-                              <m:ctrlPr>
-                                <a:rPr lang="en-US" sz="800" b="0" i="1" smtClean="0">
-                                  <a:solidFill>
-                                    <a:srgbClr val="00B050"/>
-                                  </a:solidFill>
-                                  <a:latin typeface="Cambria Math" panose="02040503050406030204" pitchFamily="18" charset="0"/>
-                                </a:rPr>
-                              </m:ctrlPr>
-                            </m:sSubPr>
-                            <m:e>
-                              <m:acc>
-                                <m:accPr>
-                                  <m:chr m:val="̂"/>
-                                  <m:ctrlPr>
-                                    <a:rPr lang="en-US" sz="800" b="0" i="1" smtClean="0">
-                                      <a:solidFill>
-                                        <a:srgbClr val="00B050"/>
-                                      </a:solidFill>
-                                      <a:latin typeface="Cambria Math" panose="02040503050406030204" pitchFamily="18" charset="0"/>
-                                    </a:rPr>
-                                  </m:ctrlPr>
-                                </m:accPr>
-                                <m:e>
-                                  <m:r>
-                                    <a:rPr lang="en-US" sz="800" i="1">
-                                      <a:solidFill>
-                                        <a:srgbClr val="00B050"/>
-                                      </a:solidFill>
-                                      <a:latin typeface="Cambria Math" panose="02040503050406030204" pitchFamily="18" charset="0"/>
-                                    </a:rPr>
-                                    <m:t>𝑦</m:t>
-                                  </m:r>
-                                </m:e>
-                              </m:acc>
-                            </m:e>
-                            <m:sub>
-                              <m:r>
-                                <a:rPr lang="en-US" sz="800" b="0" i="1" smtClean="0">
-                                  <a:solidFill>
-                                    <a:srgbClr val="00B050"/>
-                                  </a:solidFill>
-                                  <a:latin typeface="Cambria Math" panose="02040503050406030204" pitchFamily="18" charset="0"/>
-                                </a:rPr>
-                                <m:t>𝑐</m:t>
-                              </m:r>
-                            </m:sub>
-                          </m:sSub>
-                        </m:oMath>
-                      </m:oMathPara>
-                    </a14:m>
-                    <a:endParaRPr lang="en-US" sz="800" dirty="0">
-                      <a:solidFill>
-                        <a:srgbClr val="00B050"/>
-                      </a:solidFill>
-                    </a:endParaRPr>
-                  </a:p>
-                </p:txBody>
-              </p:sp>
-            </mc:Choice>
-            <mc:Fallback>
-              <p:sp>
-                <p:nvSpPr>
-                  <p:cNvPr id="48" name="TextBox 47"/>
-                  <p:cNvSpPr txBox="1">
-                    <a:spLocks noRot="1" noChangeAspect="1" noMove="1" noResize="1" noEditPoints="1" noAdjustHandles="1" noChangeArrowheads="1" noChangeShapeType="1" noTextEdit="1"/>
-                  </p:cNvSpPr>
-                  <p:nvPr/>
-                </p:nvSpPr>
-                <p:spPr>
-                  <a:xfrm>
-                    <a:off x="2470183" y="222020"/>
-                    <a:ext cx="300852" cy="215444"/>
-                  </a:xfrm>
-                  <a:prstGeom prst="rect">
-                    <a:avLst/>
-                  </a:prstGeom>
-                  <a:blipFill rotWithShape="0">
-                    <a:blip r:embed="rId9"/>
-                    <a:stretch>
-                      <a:fillRect/>
-                    </a:stretch>
-                  </a:blipFill>
-                </p:spPr>
-                <p:txBody>
-                  <a:bodyPr/>
-                  <a:lstStyle/>
-                  <a:p>
-                    <a:r>
-                      <a:rPr lang="en-US">
-                        <a:noFill/>
-                      </a:rPr>
-                      <a:t> </a:t>
-                    </a:r>
-                  </a:p>
-                </p:txBody>
-              </p:sp>
-            </mc:Fallback>
-          </mc:AlternateContent>
-        </p:grpSp>
-        <mc:AlternateContent xmlns:mc="http://schemas.openxmlformats.org/markup-compatibility/2006">
-          <mc:Choice xmlns:a14="http://schemas.microsoft.com/office/drawing/2010/main" Requires="a14">
+        <mc:AlternateContent xmlns:mc="http://schemas.openxmlformats.org/markup-compatibility/2006" xmlns:a14="http://schemas.microsoft.com/office/drawing/2010/main">
+          <mc:Choice Requires="a14">
             <p:sp>
               <p:nvSpPr>
                 <p:cNvPr id="55" name="TextBox 54"/>
@@ -8277,7 +8477,7 @@
               </p:txBody>
             </p:sp>
           </mc:Choice>
-          <mc:Fallback>
+          <mc:Fallback xmlns="">
             <p:sp>
               <p:nvSpPr>
                 <p:cNvPr id="55" name="TextBox 54"/>
@@ -8290,6 +8490,137 @@
                 <a:xfrm>
                   <a:off x="2331623" y="1028771"/>
                   <a:ext cx="537327" cy="215444"/>
+                </a:xfrm>
+                <a:prstGeom prst="rect">
+                  <a:avLst/>
+                </a:prstGeom>
+                <a:blipFill rotWithShape="0">
+                  <a:blip r:embed="rId9"/>
+                  <a:stretch>
+                    <a:fillRect/>
+                  </a:stretch>
+                </a:blipFill>
+              </p:spPr>
+              <p:txBody>
+                <a:bodyPr/>
+                <a:lstStyle/>
+                <a:p>
+                  <a:r>
+                    <a:rPr lang="en-US">
+                      <a:noFill/>
+                    </a:rPr>
+                    <a:t> </a:t>
+                  </a:r>
+                </a:p>
+              </p:txBody>
+            </p:sp>
+          </mc:Fallback>
+        </mc:AlternateContent>
+        <mc:AlternateContent xmlns:mc="http://schemas.openxmlformats.org/markup-compatibility/2006" xmlns:a14="http://schemas.microsoft.com/office/drawing/2010/main">
+          <mc:Choice Requires="a14">
+            <p:sp>
+              <p:nvSpPr>
+                <p:cNvPr id="57" name="TextBox 56"/>
+                <p:cNvSpPr txBox="1"/>
+                <p:nvPr/>
+              </p:nvSpPr>
+              <p:spPr>
+                <a:xfrm rot="21041056">
+                  <a:off x="2767132" y="778697"/>
+                  <a:ext cx="305917" cy="225062"/>
+                </a:xfrm>
+                <a:prstGeom prst="rect">
+                  <a:avLst/>
+                </a:prstGeom>
+                <a:noFill/>
+              </p:spPr>
+              <p:txBody>
+                <a:bodyPr wrap="none" rtlCol="0">
+                  <a:spAutoFit/>
+                </a:bodyPr>
+                <a:lstStyle/>
+                <a:p>
+                  <a:pPr/>
+                  <a14:m>
+                    <m:oMathPara xmlns:m="http://schemas.openxmlformats.org/officeDocument/2006/math">
+                      <m:oMathParaPr>
+                        <m:jc m:val="centerGroup"/>
+                      </m:oMathParaPr>
+                      <m:oMath xmlns:m="http://schemas.openxmlformats.org/officeDocument/2006/math">
+                        <m:sSub>
+                          <m:sSubPr>
+                            <m:ctrlPr>
+                              <a:rPr lang="en-US" sz="800" b="0" i="1" smtClean="0">
+                                <a:solidFill>
+                                  <a:srgbClr val="1C87FC"/>
+                                </a:solidFill>
+                                <a:latin typeface="Cambria Math" panose="02040503050406030204" pitchFamily="18" charset="0"/>
+                              </a:rPr>
+                            </m:ctrlPr>
+                          </m:sSubPr>
+                          <m:e>
+                            <m:acc>
+                              <m:accPr>
+                                <m:chr m:val="̂"/>
+                                <m:ctrlPr>
+                                  <a:rPr lang="en-US" sz="800" b="0" i="1" smtClean="0">
+                                    <a:solidFill>
+                                      <a:srgbClr val="1C87FC"/>
+                                    </a:solidFill>
+                                    <a:latin typeface="Cambria Math" panose="02040503050406030204" pitchFamily="18" charset="0"/>
+                                  </a:rPr>
+                                </m:ctrlPr>
+                              </m:accPr>
+                              <m:e>
+                                <m:r>
+                                  <a:rPr lang="en-US" sz="800" i="1">
+                                    <a:solidFill>
+                                      <a:srgbClr val="1C87FC"/>
+                                    </a:solidFill>
+                                    <a:latin typeface="Cambria Math" panose="02040503050406030204" pitchFamily="18" charset="0"/>
+                                  </a:rPr>
+                                  <m:t>𝑧</m:t>
+                                </m:r>
+                              </m:e>
+                            </m:acc>
+                          </m:e>
+                          <m:sub>
+                            <m:r>
+                              <a:rPr lang="en-US" sz="800" b="0" i="1" smtClean="0">
+                                <a:solidFill>
+                                  <a:srgbClr val="1C87FC"/>
+                                </a:solidFill>
+                                <a:latin typeface="Cambria Math" panose="02040503050406030204" pitchFamily="18" charset="0"/>
+                              </a:rPr>
+                              <m:t>𝑝</m:t>
+                            </m:r>
+                          </m:sub>
+                        </m:sSub>
+                      </m:oMath>
+                    </m:oMathPara>
+                  </a14:m>
+                  <a:endParaRPr lang="en-US" sz="800" dirty="0">
+                    <a:solidFill>
+                      <a:srgbClr val="1C87FC"/>
+                    </a:solidFill>
+                  </a:endParaRPr>
+                </a:p>
+              </p:txBody>
+            </p:sp>
+          </mc:Choice>
+          <mc:Fallback xmlns="">
+            <p:sp>
+              <p:nvSpPr>
+                <p:cNvPr id="57" name="TextBox 56"/>
+                <p:cNvSpPr txBox="1">
+                  <a:spLocks noRot="1" noChangeAspect="1" noMove="1" noResize="1" noEditPoints="1" noAdjustHandles="1" noChangeArrowheads="1" noChangeShapeType="1" noTextEdit="1"/>
+                </p:cNvSpPr>
+                <p:nvPr/>
+              </p:nvSpPr>
+              <p:spPr>
+                <a:xfrm rot="21041056">
+                  <a:off x="2767132" y="778697"/>
+                  <a:ext cx="305917" cy="225062"/>
                 </a:xfrm>
                 <a:prstGeom prst="rect">
                   <a:avLst/>
@@ -8316,17 +8647,148 @@
             </p:sp>
           </mc:Fallback>
         </mc:AlternateContent>
-        <mc:AlternateContent xmlns:mc="http://schemas.openxmlformats.org/markup-compatibility/2006">
-          <mc:Choice xmlns:a14="http://schemas.microsoft.com/office/drawing/2010/main" Requires="a14">
+        <mc:AlternateContent xmlns:mc="http://schemas.openxmlformats.org/markup-compatibility/2006" xmlns:a14="http://schemas.microsoft.com/office/drawing/2010/main">
+          <mc:Choice Requires="a14">
             <p:sp>
               <p:nvSpPr>
-                <p:cNvPr id="56" name="TextBox 55"/>
+                <p:cNvPr id="58" name="TextBox 57"/>
                 <p:cNvSpPr txBox="1"/>
                 <p:nvPr/>
               </p:nvSpPr>
               <p:spPr>
                 <a:xfrm>
-                  <a:off x="4857237" y="929515"/>
+                  <a:off x="2338172" y="508146"/>
+                  <a:ext cx="307392" cy="225062"/>
+                </a:xfrm>
+                <a:prstGeom prst="rect">
+                  <a:avLst/>
+                </a:prstGeom>
+                <a:noFill/>
+              </p:spPr>
+              <p:txBody>
+                <a:bodyPr wrap="none" rtlCol="0">
+                  <a:spAutoFit/>
+                </a:bodyPr>
+                <a:lstStyle/>
+                <a:p>
+                  <a:pPr/>
+                  <a14:m>
+                    <m:oMathPara xmlns:m="http://schemas.openxmlformats.org/officeDocument/2006/math">
+                      <m:oMathParaPr>
+                        <m:jc m:val="centerGroup"/>
+                      </m:oMathParaPr>
+                      <m:oMath xmlns:m="http://schemas.openxmlformats.org/officeDocument/2006/math">
+                        <m:sSub>
+                          <m:sSubPr>
+                            <m:ctrlPr>
+                              <a:rPr lang="en-US" sz="800" b="0" i="1" smtClean="0">
+                                <a:solidFill>
+                                  <a:srgbClr val="00B050"/>
+                                </a:solidFill>
+                                <a:latin typeface="Cambria Math" panose="02040503050406030204" pitchFamily="18" charset="0"/>
+                              </a:rPr>
+                            </m:ctrlPr>
+                          </m:sSubPr>
+                          <m:e>
+                            <m:acc>
+                              <m:accPr>
+                                <m:chr m:val="̂"/>
+                                <m:ctrlPr>
+                                  <a:rPr lang="en-US" sz="800" b="0" i="1" smtClean="0">
+                                    <a:solidFill>
+                                      <a:srgbClr val="00B050"/>
+                                    </a:solidFill>
+                                    <a:latin typeface="Cambria Math" panose="02040503050406030204" pitchFamily="18" charset="0"/>
+                                  </a:rPr>
+                                </m:ctrlPr>
+                              </m:accPr>
+                              <m:e>
+                                <m:r>
+                                  <a:rPr lang="en-US" sz="800" i="1">
+                                    <a:solidFill>
+                                      <a:srgbClr val="00B050"/>
+                                    </a:solidFill>
+                                    <a:latin typeface="Cambria Math" panose="02040503050406030204" pitchFamily="18" charset="0"/>
+                                  </a:rPr>
+                                  <m:t>𝑦</m:t>
+                                </m:r>
+                              </m:e>
+                            </m:acc>
+                          </m:e>
+                          <m:sub>
+                            <m:r>
+                              <a:rPr lang="en-US" sz="800" b="0" i="1" smtClean="0">
+                                <a:solidFill>
+                                  <a:srgbClr val="00B050"/>
+                                </a:solidFill>
+                                <a:latin typeface="Cambria Math" panose="02040503050406030204" pitchFamily="18" charset="0"/>
+                              </a:rPr>
+                              <m:t>𝑝</m:t>
+                            </m:r>
+                          </m:sub>
+                        </m:sSub>
+                      </m:oMath>
+                    </m:oMathPara>
+                  </a14:m>
+                  <a:endParaRPr lang="en-US" sz="800" dirty="0">
+                    <a:solidFill>
+                      <a:srgbClr val="00B050"/>
+                    </a:solidFill>
+                  </a:endParaRPr>
+                </a:p>
+              </p:txBody>
+            </p:sp>
+          </mc:Choice>
+          <mc:Fallback xmlns="">
+            <p:sp>
+              <p:nvSpPr>
+                <p:cNvPr id="58" name="TextBox 57"/>
+                <p:cNvSpPr txBox="1">
+                  <a:spLocks noRot="1" noChangeAspect="1" noMove="1" noResize="1" noEditPoints="1" noAdjustHandles="1" noChangeArrowheads="1" noChangeShapeType="1" noTextEdit="1"/>
+                </p:cNvSpPr>
+                <p:nvPr/>
+              </p:nvSpPr>
+              <p:spPr>
+                <a:xfrm>
+                  <a:off x="2338172" y="508146"/>
+                  <a:ext cx="307392" cy="225062"/>
+                </a:xfrm>
+                <a:prstGeom prst="rect">
+                  <a:avLst/>
+                </a:prstGeom>
+                <a:blipFill rotWithShape="0">
+                  <a:blip r:embed="rId11"/>
+                  <a:stretch>
+                    <a:fillRect/>
+                  </a:stretch>
+                </a:blipFill>
+              </p:spPr>
+              <p:txBody>
+                <a:bodyPr/>
+                <a:lstStyle/>
+                <a:p>
+                  <a:r>
+                    <a:rPr lang="en-US">
+                      <a:noFill/>
+                    </a:rPr>
+                    <a:t> </a:t>
+                  </a:r>
+                </a:p>
+              </p:txBody>
+            </p:sp>
+          </mc:Fallback>
+        </mc:AlternateContent>
+        <mc:AlternateContent xmlns:mc="http://schemas.openxmlformats.org/markup-compatibility/2006" xmlns:a14="http://schemas.microsoft.com/office/drawing/2010/main">
+          <mc:Choice Requires="a14">
+            <p:sp>
+              <p:nvSpPr>
+                <p:cNvPr id="50" name="TextBox 49"/>
+                <p:cNvSpPr txBox="1"/>
+                <p:nvPr/>
+              </p:nvSpPr>
+              <p:spPr>
+                <a:xfrm>
+                  <a:off x="2807194" y="1010900"/>
                   <a:ext cx="299377" cy="215444"/>
                 </a:xfrm>
                 <a:prstGeom prst="rect">
@@ -8408,10 +8870,10 @@
               </p:txBody>
             </p:sp>
           </mc:Choice>
-          <mc:Fallback>
+          <mc:Fallback xmlns="">
             <p:sp>
               <p:nvSpPr>
-                <p:cNvPr id="56" name="TextBox 55"/>
+                <p:cNvPr id="50" name="TextBox 49"/>
                 <p:cNvSpPr txBox="1">
                   <a:spLocks noRot="1" noChangeAspect="1" noMove="1" noResize="1" noEditPoints="1" noAdjustHandles="1" noChangeArrowheads="1" noChangeShapeType="1" noTextEdit="1"/>
                 </p:cNvSpPr>
@@ -8419,139 +8881,8 @@
               </p:nvSpPr>
               <p:spPr>
                 <a:xfrm>
-                  <a:off x="4857237" y="929515"/>
+                  <a:off x="2807194" y="1010900"/>
                   <a:ext cx="299377" cy="215444"/>
-                </a:xfrm>
-                <a:prstGeom prst="rect">
-                  <a:avLst/>
-                </a:prstGeom>
-                <a:blipFill rotWithShape="0">
-                  <a:blip r:embed="rId11"/>
-                  <a:stretch>
-                    <a:fillRect/>
-                  </a:stretch>
-                </a:blipFill>
-              </p:spPr>
-              <p:txBody>
-                <a:bodyPr/>
-                <a:lstStyle/>
-                <a:p>
-                  <a:r>
-                    <a:rPr lang="en-US">
-                      <a:noFill/>
-                    </a:rPr>
-                    <a:t> </a:t>
-                  </a:r>
-                </a:p>
-              </p:txBody>
-            </p:sp>
-          </mc:Fallback>
-        </mc:AlternateContent>
-        <mc:AlternateContent xmlns:mc="http://schemas.openxmlformats.org/markup-compatibility/2006">
-          <mc:Choice xmlns:a14="http://schemas.microsoft.com/office/drawing/2010/main" Requires="a14">
-            <p:sp>
-              <p:nvSpPr>
-                <p:cNvPr id="57" name="TextBox 56"/>
-                <p:cNvSpPr txBox="1"/>
-                <p:nvPr/>
-              </p:nvSpPr>
-              <p:spPr>
-                <a:xfrm rot="21041056">
-                  <a:off x="3693834" y="647482"/>
-                  <a:ext cx="305917" cy="225062"/>
-                </a:xfrm>
-                <a:prstGeom prst="rect">
-                  <a:avLst/>
-                </a:prstGeom>
-                <a:noFill/>
-              </p:spPr>
-              <p:txBody>
-                <a:bodyPr wrap="none" rtlCol="0">
-                  <a:spAutoFit/>
-                </a:bodyPr>
-                <a:lstStyle/>
-                <a:p>
-                  <a:pPr/>
-                  <a14:m>
-                    <m:oMathPara xmlns:m="http://schemas.openxmlformats.org/officeDocument/2006/math">
-                      <m:oMathParaPr>
-                        <m:jc m:val="centerGroup"/>
-                      </m:oMathParaPr>
-                      <m:oMath xmlns:m="http://schemas.openxmlformats.org/officeDocument/2006/math">
-                        <m:sSub>
-                          <m:sSubPr>
-                            <m:ctrlPr>
-                              <a:rPr lang="en-US" sz="800" b="0" i="1" smtClean="0">
-                                <a:solidFill>
-                                  <a:srgbClr val="1C87FC"/>
-                                </a:solidFill>
-                                <a:latin typeface="Cambria Math" panose="02040503050406030204" pitchFamily="18" charset="0"/>
-                              </a:rPr>
-                            </m:ctrlPr>
-                          </m:sSubPr>
-                          <m:e>
-                            <m:acc>
-                              <m:accPr>
-                                <m:chr m:val="̂"/>
-                                <m:ctrlPr>
-                                  <a:rPr lang="en-US" sz="800" b="0" i="1" smtClean="0">
-                                    <a:solidFill>
-                                      <a:srgbClr val="1C87FC"/>
-                                    </a:solidFill>
-                                    <a:latin typeface="Cambria Math" panose="02040503050406030204" pitchFamily="18" charset="0"/>
-                                  </a:rPr>
-                                </m:ctrlPr>
-                              </m:accPr>
-                              <m:e>
-                                <m:r>
-                                  <a:rPr lang="en-US" sz="800" i="1">
-                                    <a:solidFill>
-                                      <a:srgbClr val="1C87FC"/>
-                                    </a:solidFill>
-                                    <a:latin typeface="Cambria Math" panose="02040503050406030204" pitchFamily="18" charset="0"/>
-                                  </a:rPr>
-                                  <m:t>𝑧</m:t>
-                                </m:r>
-                              </m:e>
-                            </m:acc>
-                          </m:e>
-                          <m:sub>
-                            <m:r>
-                              <a:rPr lang="en-US" sz="800" b="0" i="1" smtClean="0">
-                                <a:solidFill>
-                                  <a:srgbClr val="1C87FC"/>
-                                </a:solidFill>
-                                <a:latin typeface="Cambria Math" panose="02040503050406030204" pitchFamily="18" charset="0"/>
-                              </a:rPr>
-                              <m:t>𝑝</m:t>
-                            </m:r>
-                          </m:sub>
-                        </m:sSub>
-                      </m:oMath>
-                    </m:oMathPara>
-                  </a14:m>
-                  <a:endParaRPr lang="en-US" sz="800" dirty="0">
-                    <a:solidFill>
-                      <a:srgbClr val="1C87FC"/>
-                    </a:solidFill>
-                  </a:endParaRPr>
-                </a:p>
-              </p:txBody>
-            </p:sp>
-          </mc:Choice>
-          <mc:Fallback>
-            <p:sp>
-              <p:nvSpPr>
-                <p:cNvPr id="57" name="TextBox 56"/>
-                <p:cNvSpPr txBox="1">
-                  <a:spLocks noRot="1" noChangeAspect="1" noMove="1" noResize="1" noEditPoints="1" noAdjustHandles="1" noChangeArrowheads="1" noChangeShapeType="1" noTextEdit="1"/>
-                </p:cNvSpPr>
-                <p:nvPr/>
-              </p:nvSpPr>
-              <p:spPr>
-                <a:xfrm rot="21041056">
-                  <a:off x="3693834" y="647482"/>
-                  <a:ext cx="305917" cy="225062"/>
                 </a:xfrm>
                 <a:prstGeom prst="rect">
                   <a:avLst/>
@@ -8578,18 +8909,18 @@
             </p:sp>
           </mc:Fallback>
         </mc:AlternateContent>
-        <mc:AlternateContent xmlns:mc="http://schemas.openxmlformats.org/markup-compatibility/2006">
-          <mc:Choice xmlns:a14="http://schemas.microsoft.com/office/drawing/2010/main" Requires="a14">
+        <mc:AlternateContent xmlns:mc="http://schemas.openxmlformats.org/markup-compatibility/2006" xmlns:a14="http://schemas.microsoft.com/office/drawing/2010/main">
+          <mc:Choice Requires="a14">
             <p:sp>
               <p:nvSpPr>
-                <p:cNvPr id="58" name="TextBox 57"/>
+                <p:cNvPr id="61" name="TextBox 60"/>
                 <p:cNvSpPr txBox="1"/>
                 <p:nvPr/>
               </p:nvSpPr>
               <p:spPr>
                 <a:xfrm>
-                  <a:off x="2334072" y="229315"/>
-                  <a:ext cx="307392" cy="225062"/>
+                  <a:off x="176213" y="173793"/>
+                  <a:ext cx="379112" cy="497316"/>
                 </a:xfrm>
                 <a:prstGeom prst="rect">
                   <a:avLst/>
@@ -8597,7 +8928,7 @@
                 <a:noFill/>
               </p:spPr>
               <p:txBody>
-                <a:bodyPr wrap="none" rtlCol="0">
+                <a:bodyPr wrap="square" rtlCol="0">
                   <a:spAutoFit/>
                 </a:bodyPr>
                 <a:lstStyle/>
@@ -8609,71 +8940,113 @@
                         <m:jc m:val="centerGroup"/>
                       </m:oMathParaPr>
                       <m:oMath xmlns:m="http://schemas.openxmlformats.org/officeDocument/2006/math">
-                        <m:sSub>
-                          <m:sSubPr>
+                        <m:d>
+                          <m:dPr>
+                            <m:begChr m:val="["/>
+                            <m:endChr m:val="]"/>
                             <m:ctrlPr>
-                              <a:rPr lang="en-US" sz="800" b="0" i="1" smtClean="0">
+                              <a:rPr lang="en-US" sz="1000" b="0" i="1" smtClean="0">
                                 <a:solidFill>
-                                  <a:srgbClr val="00B050"/>
+                                  <a:schemeClr val="tx1">
+                                    <a:lumMod val="95000"/>
+                                    <a:lumOff val="5000"/>
+                                  </a:schemeClr>
                                 </a:solidFill>
                                 <a:latin typeface="Cambria Math" panose="02040503050406030204" pitchFamily="18" charset="0"/>
                               </a:rPr>
                             </m:ctrlPr>
-                          </m:sSubPr>
+                          </m:dPr>
                           <m:e>
-                            <m:acc>
-                              <m:accPr>
-                                <m:chr m:val="̂"/>
+                            <m:eqArr>
+                              <m:eqArrPr>
                                 <m:ctrlPr>
-                                  <a:rPr lang="en-US" sz="800" b="0" i="1" smtClean="0">
+                                  <a:rPr lang="en-US" sz="1000" b="0" i="1" smtClean="0">
                                     <a:solidFill>
-                                      <a:srgbClr val="00B050"/>
+                                      <a:schemeClr val="tx1">
+                                        <a:lumMod val="95000"/>
+                                        <a:lumOff val="5000"/>
+                                      </a:schemeClr>
                                     </a:solidFill>
                                     <a:latin typeface="Cambria Math" panose="02040503050406030204" pitchFamily="18" charset="0"/>
                                   </a:rPr>
                                 </m:ctrlPr>
-                              </m:accPr>
+                              </m:eqArrPr>
                               <m:e>
                                 <m:r>
-                                  <a:rPr lang="en-US" sz="800" i="1">
+                                  <a:rPr lang="en-US" sz="1000" b="0" i="1" smtClean="0">
                                     <a:solidFill>
-                                      <a:srgbClr val="00B050"/>
+                                      <a:schemeClr val="tx1">
+                                        <a:lumMod val="95000"/>
+                                        <a:lumOff val="5000"/>
+                                      </a:schemeClr>
                                     </a:solidFill>
                                     <a:latin typeface="Cambria Math" panose="02040503050406030204" pitchFamily="18" charset="0"/>
                                   </a:rPr>
-                                  <m:t>𝑦</m:t>
+                                  <m:t>𝑋</m:t>
+                                </m:r>
+                                <m:r>
+                                  <a:rPr lang="en-US" sz="1000" b="0" i="1" smtClean="0">
+                                    <a:solidFill>
+                                      <a:schemeClr val="tx1">
+                                        <a:lumMod val="95000"/>
+                                        <a:lumOff val="5000"/>
+                                      </a:schemeClr>
+                                    </a:solidFill>
+                                    <a:latin typeface="Cambria Math" panose="02040503050406030204" pitchFamily="18" charset="0"/>
+                                  </a:rPr>
+                                  <m:t> </m:t>
                                 </m:r>
                               </m:e>
-                            </m:acc>
+                              <m:e>
+                                <m:r>
+                                  <a:rPr lang="en-US" sz="1000" b="0" i="1" smtClean="0">
+                                    <a:solidFill>
+                                      <a:schemeClr val="tx1">
+                                        <a:lumMod val="95000"/>
+                                        <a:lumOff val="5000"/>
+                                      </a:schemeClr>
+                                    </a:solidFill>
+                                    <a:latin typeface="Cambria Math" panose="02040503050406030204" pitchFamily="18" charset="0"/>
+                                  </a:rPr>
+                                  <m:t>𝑌</m:t>
+                                </m:r>
+                              </m:e>
+                              <m:e>
+                                <m:r>
+                                  <a:rPr lang="en-US" sz="1000" b="0" i="1" smtClean="0">
+                                    <a:solidFill>
+                                      <a:schemeClr val="tx1">
+                                        <a:lumMod val="95000"/>
+                                        <a:lumOff val="5000"/>
+                                      </a:schemeClr>
+                                    </a:solidFill>
+                                    <a:latin typeface="Cambria Math" panose="02040503050406030204" pitchFamily="18" charset="0"/>
+                                  </a:rPr>
+                                  <m:t>𝑍</m:t>
+                                </m:r>
+                              </m:e>
+                            </m:eqArr>
                           </m:e>
-                          <m:sub>
-                            <m:r>
-                              <a:rPr lang="en-US" sz="800" b="0" i="1" smtClean="0">
-                                <a:solidFill>
-                                  <a:srgbClr val="00B050"/>
-                                </a:solidFill>
-                                <a:latin typeface="Cambria Math" panose="02040503050406030204" pitchFamily="18" charset="0"/>
-                              </a:rPr>
-                              <m:t>𝑝</m:t>
-                            </m:r>
-                          </m:sub>
-                        </m:sSub>
+                        </m:d>
                       </m:oMath>
                     </m:oMathPara>
                   </a14:m>
-                  <a:endParaRPr lang="en-US" sz="800" dirty="0">
+                  <a:endParaRPr lang="en-US" sz="1000" dirty="0">
                     <a:solidFill>
-                      <a:srgbClr val="00B050"/>
+                      <a:schemeClr val="tx1">
+                        <a:lumMod val="95000"/>
+                        <a:lumOff val="5000"/>
+                      </a:schemeClr>
                     </a:solidFill>
                   </a:endParaRPr>
                 </a:p>
               </p:txBody>
             </p:sp>
           </mc:Choice>
-          <mc:Fallback>
+          <mc:Fallback xmlns="">
             <p:sp>
               <p:nvSpPr>
-                <p:cNvPr id="58" name="TextBox 57"/>
+                <p:cNvPr id="61" name="TextBox 60"/>
                 <p:cNvSpPr txBox="1">
                   <a:spLocks noRot="1" noChangeAspect="1" noMove="1" noResize="1" noEditPoints="1" noAdjustHandles="1" noChangeArrowheads="1" noChangeShapeType="1" noTextEdit="1"/>
                 </p:cNvSpPr>
@@ -8681,8 +9054,8 @@
               </p:nvSpPr>
               <p:spPr>
                 <a:xfrm>
-                  <a:off x="2334072" y="229315"/>
-                  <a:ext cx="307392" cy="225062"/>
+                  <a:off x="176213" y="173793"/>
+                  <a:ext cx="379112" cy="497316"/>
                 </a:xfrm>
                 <a:prstGeom prst="rect">
                   <a:avLst/>
@@ -8709,6 +9082,585 @@
             </p:sp>
           </mc:Fallback>
         </mc:AlternateContent>
+        <mc:AlternateContent xmlns:mc="http://schemas.openxmlformats.org/markup-compatibility/2006" xmlns:a14="http://schemas.microsoft.com/office/drawing/2010/main">
+          <mc:Choice Requires="a14">
+            <p:sp>
+              <p:nvSpPr>
+                <p:cNvPr id="62" name="TextBox 61"/>
+                <p:cNvSpPr txBox="1"/>
+                <p:nvPr/>
+              </p:nvSpPr>
+              <p:spPr>
+                <a:xfrm>
+                  <a:off x="4522111" y="991171"/>
+                  <a:ext cx="445176" cy="510011"/>
+                </a:xfrm>
+                <a:prstGeom prst="rect">
+                  <a:avLst/>
+                </a:prstGeom>
+                <a:noFill/>
+              </p:spPr>
+              <p:txBody>
+                <a:bodyPr wrap="square" rtlCol="0">
+                  <a:spAutoFit/>
+                </a:bodyPr>
+                <a:lstStyle/>
+                <a:p>
+                  <a:pPr/>
+                  <a14:m>
+                    <m:oMathPara xmlns:m="http://schemas.openxmlformats.org/officeDocument/2006/math">
+                      <m:oMathParaPr>
+                        <m:jc m:val="centerGroup"/>
+                      </m:oMathParaPr>
+                      <m:oMath xmlns:m="http://schemas.openxmlformats.org/officeDocument/2006/math">
+                        <m:d>
+                          <m:dPr>
+                            <m:begChr m:val="["/>
+                            <m:endChr m:val="]"/>
+                            <m:ctrlPr>
+                              <a:rPr lang="en-US" sz="1000" b="0" i="1" smtClean="0">
+                                <a:solidFill>
+                                  <a:schemeClr val="tx1">
+                                    <a:lumMod val="95000"/>
+                                    <a:lumOff val="5000"/>
+                                  </a:schemeClr>
+                                </a:solidFill>
+                                <a:latin typeface="Cambria Math" panose="02040503050406030204" pitchFamily="18" charset="0"/>
+                              </a:rPr>
+                            </m:ctrlPr>
+                          </m:dPr>
+                          <m:e>
+                            <m:eqArr>
+                              <m:eqArrPr>
+                                <m:ctrlPr>
+                                  <a:rPr lang="en-US" sz="1000" b="0" i="1" smtClean="0">
+                                    <a:solidFill>
+                                      <a:schemeClr val="tx1">
+                                        <a:lumMod val="95000"/>
+                                        <a:lumOff val="5000"/>
+                                      </a:schemeClr>
+                                    </a:solidFill>
+                                    <a:latin typeface="Cambria Math" panose="02040503050406030204" pitchFamily="18" charset="0"/>
+                                  </a:rPr>
+                                </m:ctrlPr>
+                              </m:eqArrPr>
+                              <m:e>
+                                <m:r>
+                                  <a:rPr lang="en-US" sz="1000" b="0" i="1" smtClean="0">
+                                    <a:solidFill>
+                                      <a:schemeClr val="tx1">
+                                        <a:lumMod val="95000"/>
+                                        <a:lumOff val="5000"/>
+                                      </a:schemeClr>
+                                    </a:solidFill>
+                                    <a:latin typeface="Cambria Math" panose="02040503050406030204" pitchFamily="18" charset="0"/>
+                                  </a:rPr>
+                                  <m:t>𝑋</m:t>
+                                </m:r>
+                                <m:r>
+                                  <a:rPr lang="en-US" sz="1000" b="0" i="1" smtClean="0">
+                                    <a:solidFill>
+                                      <a:schemeClr val="tx1">
+                                        <a:lumMod val="95000"/>
+                                        <a:lumOff val="5000"/>
+                                      </a:schemeClr>
+                                    </a:solidFill>
+                                    <a:latin typeface="Cambria Math" panose="02040503050406030204" pitchFamily="18" charset="0"/>
+                                  </a:rPr>
+                                  <m:t>′ </m:t>
+                                </m:r>
+                              </m:e>
+                              <m:e>
+                                <m:r>
+                                  <a:rPr lang="en-US" sz="1000" b="0" i="1" smtClean="0">
+                                    <a:solidFill>
+                                      <a:schemeClr val="tx1">
+                                        <a:lumMod val="95000"/>
+                                        <a:lumOff val="5000"/>
+                                      </a:schemeClr>
+                                    </a:solidFill>
+                                    <a:latin typeface="Cambria Math" panose="02040503050406030204" pitchFamily="18" charset="0"/>
+                                  </a:rPr>
+                                  <m:t>𝑌</m:t>
+                                </m:r>
+                                <m:r>
+                                  <a:rPr lang="en-US" sz="1000" b="0" i="1" smtClean="0">
+                                    <a:solidFill>
+                                      <a:schemeClr val="tx1">
+                                        <a:lumMod val="95000"/>
+                                        <a:lumOff val="5000"/>
+                                      </a:schemeClr>
+                                    </a:solidFill>
+                                    <a:latin typeface="Cambria Math" panose="02040503050406030204" pitchFamily="18" charset="0"/>
+                                  </a:rPr>
+                                  <m:t>′</m:t>
+                                </m:r>
+                              </m:e>
+                              <m:e>
+                                <m:r>
+                                  <a:rPr lang="en-US" sz="1000" b="0" i="1" smtClean="0">
+                                    <a:solidFill>
+                                      <a:schemeClr val="tx1">
+                                        <a:lumMod val="95000"/>
+                                        <a:lumOff val="5000"/>
+                                      </a:schemeClr>
+                                    </a:solidFill>
+                                    <a:latin typeface="Cambria Math" panose="02040503050406030204" pitchFamily="18" charset="0"/>
+                                  </a:rPr>
+                                  <m:t>𝑍</m:t>
+                                </m:r>
+                                <m:r>
+                                  <a:rPr lang="en-US" sz="1000" b="0" i="1" smtClean="0">
+                                    <a:solidFill>
+                                      <a:schemeClr val="tx1">
+                                        <a:lumMod val="95000"/>
+                                        <a:lumOff val="5000"/>
+                                      </a:schemeClr>
+                                    </a:solidFill>
+                                    <a:latin typeface="Cambria Math" panose="02040503050406030204" pitchFamily="18" charset="0"/>
+                                  </a:rPr>
+                                  <m:t>′</m:t>
+                                </m:r>
+                              </m:e>
+                            </m:eqArr>
+                          </m:e>
+                        </m:d>
+                      </m:oMath>
+                    </m:oMathPara>
+                  </a14:m>
+                  <a:endParaRPr lang="en-US" sz="1000" dirty="0">
+                    <a:solidFill>
+                      <a:schemeClr val="tx1">
+                        <a:lumMod val="95000"/>
+                        <a:lumOff val="5000"/>
+                      </a:schemeClr>
+                    </a:solidFill>
+                  </a:endParaRPr>
+                </a:p>
+              </p:txBody>
+            </p:sp>
+          </mc:Choice>
+          <mc:Fallback xmlns="">
+            <p:sp>
+              <p:nvSpPr>
+                <p:cNvPr id="62" name="TextBox 61"/>
+                <p:cNvSpPr txBox="1">
+                  <a:spLocks noRot="1" noChangeAspect="1" noMove="1" noResize="1" noEditPoints="1" noAdjustHandles="1" noChangeArrowheads="1" noChangeShapeType="1" noTextEdit="1"/>
+                </p:cNvSpPr>
+                <p:nvPr/>
+              </p:nvSpPr>
+              <p:spPr>
+                <a:xfrm>
+                  <a:off x="4522111" y="991171"/>
+                  <a:ext cx="445176" cy="510011"/>
+                </a:xfrm>
+                <a:prstGeom prst="rect">
+                  <a:avLst/>
+                </a:prstGeom>
+                <a:blipFill rotWithShape="0">
+                  <a:blip r:embed="rId14"/>
+                  <a:stretch>
+                    <a:fillRect/>
+                  </a:stretch>
+                </a:blipFill>
+              </p:spPr>
+              <p:txBody>
+                <a:bodyPr/>
+                <a:lstStyle/>
+                <a:p>
+                  <a:r>
+                    <a:rPr lang="en-US">
+                      <a:noFill/>
+                    </a:rPr>
+                    <a:t> </a:t>
+                  </a:r>
+                </a:p>
+              </p:txBody>
+            </p:sp>
+          </mc:Fallback>
+        </mc:AlternateContent>
+        <mc:AlternateContent xmlns:mc="http://schemas.openxmlformats.org/markup-compatibility/2006" xmlns:a14="http://schemas.microsoft.com/office/drawing/2010/main">
+          <mc:Choice Requires="a14">
+            <p:sp>
+              <p:nvSpPr>
+                <p:cNvPr id="65" name="TextBox 64"/>
+                <p:cNvSpPr txBox="1"/>
+                <p:nvPr/>
+              </p:nvSpPr>
+              <p:spPr>
+                <a:xfrm>
+                  <a:off x="1419483" y="1311854"/>
+                  <a:ext cx="301749" cy="253916"/>
+                </a:xfrm>
+                <a:prstGeom prst="rect">
+                  <a:avLst/>
+                </a:prstGeom>
+                <a:noFill/>
+              </p:spPr>
+              <p:txBody>
+                <a:bodyPr wrap="none" rtlCol="0">
+                  <a:spAutoFit/>
+                </a:bodyPr>
+                <a:lstStyle/>
+                <a:p>
+                  <a:pPr/>
+                  <a14:m>
+                    <m:oMathPara xmlns:m="http://schemas.openxmlformats.org/officeDocument/2006/math">
+                      <m:oMathParaPr>
+                        <m:jc m:val="centerGroup"/>
+                      </m:oMathParaPr>
+                      <m:oMath xmlns:m="http://schemas.openxmlformats.org/officeDocument/2006/math">
+                        <m:r>
+                          <a:rPr lang="en-US" sz="1000" b="0" i="1" smtClean="0">
+                            <a:latin typeface="Cambria Math" panose="02040503050406030204" pitchFamily="18" charset="0"/>
+                          </a:rPr>
+                          <m:t>𝑍</m:t>
+                        </m:r>
+                      </m:oMath>
+                    </m:oMathPara>
+                  </a14:m>
+                  <a:endParaRPr lang="en-US" sz="1000" dirty="0">
+                    <a:latin typeface="Times New Roman" panose="02020603050405020304" pitchFamily="18" charset="0"/>
+                    <a:cs typeface="Times New Roman" panose="02020603050405020304" pitchFamily="18" charset="0"/>
+                  </a:endParaRPr>
+                </a:p>
+              </p:txBody>
+            </p:sp>
+          </mc:Choice>
+          <mc:Fallback xmlns="">
+            <p:sp>
+              <p:nvSpPr>
+                <p:cNvPr id="65" name="TextBox 64"/>
+                <p:cNvSpPr txBox="1">
+                  <a:spLocks noRot="1" noChangeAspect="1" noMove="1" noResize="1" noEditPoints="1" noAdjustHandles="1" noChangeArrowheads="1" noChangeShapeType="1" noTextEdit="1"/>
+                </p:cNvSpPr>
+                <p:nvPr/>
+              </p:nvSpPr>
+              <p:spPr>
+                <a:xfrm>
+                  <a:off x="1419483" y="1311854"/>
+                  <a:ext cx="301749" cy="253916"/>
+                </a:xfrm>
+                <a:prstGeom prst="rect">
+                  <a:avLst/>
+                </a:prstGeom>
+                <a:blipFill rotWithShape="0">
+                  <a:blip r:embed="rId15"/>
+                  <a:stretch>
+                    <a:fillRect/>
+                  </a:stretch>
+                </a:blipFill>
+              </p:spPr>
+              <p:txBody>
+                <a:bodyPr/>
+                <a:lstStyle/>
+                <a:p>
+                  <a:r>
+                    <a:rPr lang="en-US">
+                      <a:noFill/>
+                    </a:rPr>
+                    <a:t> </a:t>
+                  </a:r>
+                </a:p>
+              </p:txBody>
+            </p:sp>
+          </mc:Fallback>
+        </mc:AlternateContent>
+        <mc:AlternateContent xmlns:mc="http://schemas.openxmlformats.org/markup-compatibility/2006" xmlns:a14="http://schemas.microsoft.com/office/drawing/2010/main">
+          <mc:Choice Requires="a14">
+            <p:sp>
+              <p:nvSpPr>
+                <p:cNvPr id="66" name="TextBox 65"/>
+                <p:cNvSpPr txBox="1"/>
+                <p:nvPr/>
+              </p:nvSpPr>
+              <p:spPr>
+                <a:xfrm>
+                  <a:off x="3201050" y="1501515"/>
+                  <a:ext cx="499559" cy="253916"/>
+                </a:xfrm>
+                <a:prstGeom prst="rect">
+                  <a:avLst/>
+                </a:prstGeom>
+                <a:noFill/>
+              </p:spPr>
+              <p:txBody>
+                <a:bodyPr wrap="none" rtlCol="0">
+                  <a:spAutoFit/>
+                </a:bodyPr>
+                <a:lstStyle/>
+                <a:p>
+                  <a:pPr/>
+                  <a14:m>
+                    <m:oMathPara xmlns:m="http://schemas.openxmlformats.org/officeDocument/2006/math">
+                      <m:oMathParaPr>
+                        <m:jc m:val="centerGroup"/>
+                      </m:oMathParaPr>
+                      <m:oMath xmlns:m="http://schemas.openxmlformats.org/officeDocument/2006/math">
+                        <m:sSubSup>
+                          <m:sSubSupPr>
+                            <m:ctrlPr>
+                              <a:rPr lang="en-US" sz="1000" b="0" i="1" smtClean="0">
+                                <a:latin typeface="Cambria Math" panose="02040503050406030204" pitchFamily="18" charset="0"/>
+                              </a:rPr>
+                            </m:ctrlPr>
+                          </m:sSubSupPr>
+                          <m:e>
+                            <m:r>
+                              <a:rPr lang="en-US" sz="1000" b="0" i="1" smtClean="0">
+                                <a:latin typeface="Cambria Math" panose="02040503050406030204" pitchFamily="18" charset="0"/>
+                              </a:rPr>
+                              <m:t>𝑍</m:t>
+                            </m:r>
+                          </m:e>
+                          <m:sub>
+                            <m:r>
+                              <a:rPr lang="en-US" sz="1000" b="0" i="1" smtClean="0">
+                                <a:latin typeface="Cambria Math" panose="02040503050406030204" pitchFamily="18" charset="0"/>
+                              </a:rPr>
+                              <m:t>𝐸𝑁𝑃</m:t>
+                            </m:r>
+                          </m:sub>
+                          <m:sup>
+                            <m:r>
+                              <a:rPr lang="en-US" sz="1000" b="0" i="1" smtClean="0">
+                                <a:latin typeface="Cambria Math" panose="02040503050406030204" pitchFamily="18" charset="0"/>
+                              </a:rPr>
+                              <m:t>′</m:t>
+                            </m:r>
+                          </m:sup>
+                        </m:sSubSup>
+                      </m:oMath>
+                    </m:oMathPara>
+                  </a14:m>
+                  <a:endParaRPr lang="en-US" sz="1000" dirty="0"/>
+                </a:p>
+              </p:txBody>
+            </p:sp>
+          </mc:Choice>
+          <mc:Fallback xmlns="">
+            <p:sp>
+              <p:nvSpPr>
+                <p:cNvPr id="66" name="TextBox 65"/>
+                <p:cNvSpPr txBox="1">
+                  <a:spLocks noRot="1" noChangeAspect="1" noMove="1" noResize="1" noEditPoints="1" noAdjustHandles="1" noChangeArrowheads="1" noChangeShapeType="1" noTextEdit="1"/>
+                </p:cNvSpPr>
+                <p:nvPr/>
+              </p:nvSpPr>
+              <p:spPr>
+                <a:xfrm>
+                  <a:off x="3201050" y="1501515"/>
+                  <a:ext cx="499559" cy="253916"/>
+                </a:xfrm>
+                <a:prstGeom prst="rect">
+                  <a:avLst/>
+                </a:prstGeom>
+                <a:blipFill rotWithShape="0">
+                  <a:blip r:embed="rId16"/>
+                  <a:stretch>
+                    <a:fillRect/>
+                  </a:stretch>
+                </a:blipFill>
+              </p:spPr>
+              <p:txBody>
+                <a:bodyPr/>
+                <a:lstStyle/>
+                <a:p>
+                  <a:r>
+                    <a:rPr lang="en-US">
+                      <a:noFill/>
+                    </a:rPr>
+                    <a:t> </a:t>
+                  </a:r>
+                </a:p>
+              </p:txBody>
+            </p:sp>
+          </mc:Fallback>
+        </mc:AlternateContent>
+        <p:grpSp>
+          <p:nvGrpSpPr>
+            <p:cNvPr id="2" name="Group 1"/>
+            <p:cNvGrpSpPr/>
+            <p:nvPr/>
+          </p:nvGrpSpPr>
+          <p:grpSpPr>
+            <a:xfrm>
+              <a:off x="2605298" y="1651989"/>
+              <a:ext cx="2013393" cy="115535"/>
+              <a:chOff x="2605298" y="1651989"/>
+              <a:chExt cx="2013393" cy="115535"/>
+            </a:xfrm>
+          </p:grpSpPr>
+          <p:cxnSp>
+            <p:nvCxnSpPr>
+              <p:cNvPr id="64" name="Straight Arrow Connector 63"/>
+              <p:cNvCxnSpPr/>
+              <p:nvPr/>
+            </p:nvCxnSpPr>
+            <p:spPr>
+              <a:xfrm flipV="1">
+                <a:off x="2607011" y="1709756"/>
+                <a:ext cx="2011680" cy="0"/>
+              </a:xfrm>
+              <a:prstGeom prst="straightConnector1">
+                <a:avLst/>
+              </a:prstGeom>
+              <a:ln>
+                <a:headEnd type="none" w="med" len="med"/>
+                <a:tailEnd type="arrow" w="sm" len="sm"/>
+              </a:ln>
+            </p:spPr>
+            <p:style>
+              <a:lnRef idx="1">
+                <a:schemeClr val="dk1"/>
+              </a:lnRef>
+              <a:fillRef idx="0">
+                <a:schemeClr val="dk1"/>
+              </a:fillRef>
+              <a:effectRef idx="0">
+                <a:schemeClr val="dk1"/>
+              </a:effectRef>
+              <a:fontRef idx="minor">
+                <a:schemeClr val="tx1"/>
+              </a:fontRef>
+            </p:style>
+          </p:cxnSp>
+          <p:cxnSp>
+            <p:nvCxnSpPr>
+              <p:cNvPr id="67" name="Straight Connector 66"/>
+              <p:cNvCxnSpPr>
+                <a:cxnSpLocks/>
+              </p:cNvCxnSpPr>
+              <p:nvPr/>
+            </p:nvCxnSpPr>
+            <p:spPr>
+              <a:xfrm flipH="1">
+                <a:off x="2605298" y="1651989"/>
+                <a:ext cx="0" cy="115535"/>
+              </a:xfrm>
+              <a:prstGeom prst="line">
+                <a:avLst/>
+              </a:prstGeom>
+              <a:ln w="6350">
+                <a:solidFill>
+                  <a:schemeClr val="tx1">
+                    <a:lumMod val="85000"/>
+                    <a:lumOff val="15000"/>
+                  </a:schemeClr>
+                </a:solidFill>
+                <a:prstDash val="solid"/>
+                <a:headEnd type="none" w="med" len="med"/>
+                <a:tailEnd type="none" w="med" len="med"/>
+              </a:ln>
+            </p:spPr>
+            <p:style>
+              <a:lnRef idx="1">
+                <a:schemeClr val="accent1"/>
+              </a:lnRef>
+              <a:fillRef idx="0">
+                <a:schemeClr val="accent1"/>
+              </a:fillRef>
+              <a:effectRef idx="0">
+                <a:schemeClr val="accent1"/>
+              </a:effectRef>
+              <a:fontRef idx="minor">
+                <a:schemeClr val="tx1"/>
+              </a:fontRef>
+            </p:style>
+          </p:cxnSp>
+        </p:grpSp>
+        <p:grpSp>
+          <p:nvGrpSpPr>
+            <p:cNvPr id="3" name="Group 2"/>
+            <p:cNvGrpSpPr/>
+            <p:nvPr/>
+          </p:nvGrpSpPr>
+          <p:grpSpPr>
+            <a:xfrm>
+              <a:off x="511026" y="1434047"/>
+              <a:ext cx="2095689" cy="115535"/>
+              <a:chOff x="511026" y="1262591"/>
+              <a:chExt cx="2095689" cy="115535"/>
+            </a:xfrm>
+          </p:grpSpPr>
+          <p:cxnSp>
+            <p:nvCxnSpPr>
+              <p:cNvPr id="63" name="Straight Arrow Connector 62"/>
+              <p:cNvCxnSpPr/>
+              <p:nvPr/>
+            </p:nvCxnSpPr>
+            <p:spPr>
+              <a:xfrm flipH="1" flipV="1">
+                <a:off x="511026" y="1320358"/>
+                <a:ext cx="2093976" cy="0"/>
+              </a:xfrm>
+              <a:prstGeom prst="straightConnector1">
+                <a:avLst/>
+              </a:prstGeom>
+              <a:ln>
+                <a:headEnd type="none" w="med" len="med"/>
+                <a:tailEnd type="arrow" w="sm" len="sm"/>
+              </a:ln>
+            </p:spPr>
+            <p:style>
+              <a:lnRef idx="1">
+                <a:schemeClr val="dk1"/>
+              </a:lnRef>
+              <a:fillRef idx="0">
+                <a:schemeClr val="dk1"/>
+              </a:fillRef>
+              <a:effectRef idx="0">
+                <a:schemeClr val="dk1"/>
+              </a:effectRef>
+              <a:fontRef idx="minor">
+                <a:schemeClr val="tx1"/>
+              </a:fontRef>
+            </p:style>
+          </p:cxnSp>
+          <p:cxnSp>
+            <p:nvCxnSpPr>
+              <p:cNvPr id="68" name="Straight Connector 67"/>
+              <p:cNvCxnSpPr>
+                <a:cxnSpLocks/>
+              </p:cNvCxnSpPr>
+              <p:nvPr/>
+            </p:nvCxnSpPr>
+            <p:spPr>
+              <a:xfrm>
+                <a:off x="2606715" y="1262591"/>
+                <a:ext cx="0" cy="115535"/>
+              </a:xfrm>
+              <a:prstGeom prst="line">
+                <a:avLst/>
+              </a:prstGeom>
+              <a:ln w="6350">
+                <a:solidFill>
+                  <a:schemeClr val="tx1">
+                    <a:lumMod val="85000"/>
+                    <a:lumOff val="15000"/>
+                  </a:schemeClr>
+                </a:solidFill>
+                <a:prstDash val="solid"/>
+                <a:headEnd type="none" w="med" len="med"/>
+                <a:tailEnd type="none" w="med" len="med"/>
+              </a:ln>
+            </p:spPr>
+            <p:style>
+              <a:lnRef idx="1">
+                <a:schemeClr val="accent1"/>
+              </a:lnRef>
+              <a:fillRef idx="0">
+                <a:schemeClr val="accent1"/>
+              </a:fillRef>
+              <a:effectRef idx="0">
+                <a:schemeClr val="accent1"/>
+              </a:effectRef>
+              <a:fontRef idx="minor">
+                <a:schemeClr val="tx1"/>
+              </a:fontRef>
+            </p:style>
+          </p:cxnSp>
+        </p:grpSp>
       </p:grpSp>
     </p:spTree>
     <p:extLst>
@@ -8720,6 +9672,13 @@
   <p:clrMapOvr>
     <a:masterClrMapping/>
   </p:clrMapOvr>
+  <p:timing>
+    <p:tnLst>
+      <p:par>
+        <p:cTn id="1" dur="indefinite" restart="never" nodeType="tmRoot"/>
+      </p:par>
+    </p:tnLst>
+  </p:timing>
 </p:sld>
 </file>
 
@@ -8818,16 +9777,16 @@
       </p:cxnSp>
       <p:grpSp>
         <p:nvGrpSpPr>
-          <p:cNvPr id="20" name="Group 19"/>
+          <p:cNvPr id="8" name="Group 7"/>
           <p:cNvGrpSpPr/>
           <p:nvPr/>
         </p:nvGrpSpPr>
         <p:grpSpPr>
           <a:xfrm>
-            <a:off x="36576" y="41148"/>
-            <a:ext cx="5352159" cy="2121408"/>
-            <a:chOff x="36576" y="41148"/>
-            <a:chExt cx="5352159" cy="2121408"/>
+            <a:off x="127002" y="1641348"/>
+            <a:ext cx="5225796" cy="2121408"/>
+            <a:chOff x="127002" y="1641348"/>
+            <a:chExt cx="5225796" cy="2121408"/>
           </a:xfrm>
         </p:grpSpPr>
         <p:sp>
@@ -8838,7 +9797,7 @@
           </p:nvSpPr>
           <p:spPr>
             <a:xfrm>
-              <a:off x="96012" y="41148"/>
+              <a:off x="127002" y="1641348"/>
               <a:ext cx="5225796" cy="2121408"/>
             </a:xfrm>
             <a:prstGeom prst="rect">
@@ -8872,55 +9831,34 @@
             <a:lstStyle/>
             <a:p>
               <a:pPr algn="ctr"/>
-              <a:endParaRPr lang="en-US"/>
+              <a:endParaRPr lang="en-US" dirty="0"/>
             </a:p>
           </p:txBody>
         </p:sp>
-        <p:pic>
-          <p:nvPicPr>
-            <p:cNvPr id="4" name="Picture 3"/>
-            <p:cNvPicPr>
-              <a:picLocks noChangeAspect="1"/>
-            </p:cNvPicPr>
-            <p:nvPr/>
-          </p:nvPicPr>
-          <p:blipFill>
-            <a:blip r:embed="rId2"/>
-            <a:stretch>
-              <a:fillRect/>
-            </a:stretch>
-          </p:blipFill>
-          <p:spPr>
-            <a:xfrm>
-              <a:off x="121546" y="1575214"/>
-              <a:ext cx="443831" cy="347472"/>
-            </a:xfrm>
-            <a:prstGeom prst="rect">
-              <a:avLst/>
-            </a:prstGeom>
-          </p:spPr>
-        </p:pic>
         <p:cxnSp>
           <p:nvCxnSpPr>
-            <p:cNvPr id="71" name="Straight Connector 70"/>
+            <p:cNvPr id="74" name="Straight Connector 73"/>
             <p:cNvCxnSpPr/>
             <p:nvPr/>
           </p:nvCxnSpPr>
           <p:spPr>
-            <a:xfrm flipH="1" flipV="1">
-              <a:off x="559422" y="1087226"/>
-              <a:ext cx="0" cy="731520"/>
+            <a:xfrm rot="21060000">
+              <a:off x="347937" y="2724914"/>
+              <a:ext cx="4535424" cy="0"/>
             </a:xfrm>
             <a:prstGeom prst="line">
               <a:avLst/>
             </a:prstGeom>
-            <a:ln>
+            <a:ln w="9525">
               <a:solidFill>
-                <a:schemeClr val="bg1">
-                  <a:lumMod val="50000"/>
+                <a:schemeClr val="tx1">
+                  <a:lumMod val="65000"/>
+                  <a:lumOff val="35000"/>
                 </a:schemeClr>
               </a:solidFill>
               <a:prstDash val="dash"/>
+              <a:headEnd type="none" w="med" len="med"/>
+              <a:tailEnd type="none" w="med" len="med"/>
             </a:ln>
           </p:spPr>
           <p:style>
@@ -8940,26 +9878,73 @@
         </p:cxnSp>
         <p:cxnSp>
           <p:nvCxnSpPr>
-            <p:cNvPr id="16" name="Straight Connector 15"/>
+            <p:cNvPr id="75" name="Straight Connector 74"/>
             <p:cNvCxnSpPr/>
             <p:nvPr/>
           </p:nvCxnSpPr>
           <p:spPr>
-            <a:xfrm flipH="1" flipV="1">
-              <a:off x="2648932" y="1088798"/>
-              <a:ext cx="0" cy="731520"/>
+            <a:xfrm>
+              <a:off x="548764" y="2715969"/>
+              <a:ext cx="4480560" cy="0"/>
             </a:xfrm>
             <a:prstGeom prst="line">
               <a:avLst/>
             </a:prstGeom>
-            <a:ln>
+            <a:ln w="9525">
               <a:solidFill>
                 <a:schemeClr val="bg1">
                   <a:lumMod val="50000"/>
                 </a:schemeClr>
               </a:solidFill>
-              <a:prstDash val="dash"/>
+              <a:prstDash val="sysDot"/>
+              <a:headEnd type="none" w="med" len="med"/>
+              <a:tailEnd type="none" w="med" len="med"/>
             </a:ln>
+          </p:spPr>
+          <p:style>
+            <a:lnRef idx="1">
+              <a:schemeClr val="accent1"/>
+            </a:lnRef>
+            <a:fillRef idx="0">
+              <a:schemeClr val="accent1"/>
+            </a:fillRef>
+            <a:effectRef idx="0">
+              <a:schemeClr val="accent1"/>
+            </a:effectRef>
+            <a:fontRef idx="minor">
+              <a:schemeClr val="tx1"/>
+            </a:fontRef>
+          </p:style>
+        </p:cxnSp>
+        <p:cxnSp>
+          <p:nvCxnSpPr>
+            <p:cNvPr id="98" name="Straight Connector 97"/>
+            <p:cNvCxnSpPr/>
+            <p:nvPr/>
+          </p:nvCxnSpPr>
+          <p:spPr>
+            <a:xfrm>
+              <a:off x="2677007" y="2714976"/>
+              <a:ext cx="365760" cy="0"/>
+            </a:xfrm>
+            <a:prstGeom prst="line">
+              <a:avLst/>
+            </a:prstGeom>
+            <a:ln w="9525">
+              <a:solidFill>
+                <a:srgbClr val="1C87FC"/>
+              </a:solidFill>
+              <a:prstDash val="sysDot"/>
+              <a:headEnd type="none" w="med" len="med"/>
+              <a:tailEnd type="triangle" w="sm" len="lg"/>
+            </a:ln>
+            <a:effectLst>
+              <a:outerShdw blurRad="12700" dir="2700000" algn="tl" rotWithShape="0">
+                <a:prstClr val="black">
+                  <a:alpha val="50000"/>
+                </a:prstClr>
+              </a:outerShdw>
+            </a:effectLst>
           </p:spPr>
           <p:style>
             <a:lnRef idx="1">
@@ -8984,7 +9969,7 @@
           </p:nvCxnSpPr>
           <p:spPr>
             <a:xfrm>
-              <a:off x="2491740" y="169164"/>
+              <a:off x="2522730" y="1769364"/>
               <a:ext cx="260604" cy="1650492"/>
             </a:xfrm>
             <a:prstGeom prst="line">
@@ -9017,9 +10002,54 @@
             </a:fontRef>
           </p:style>
         </p:cxnSp>
+        <p:cxnSp>
+          <p:nvCxnSpPr>
+            <p:cNvPr id="90" name="Straight Arrow Connector 89"/>
+            <p:cNvCxnSpPr/>
+            <p:nvPr/>
+          </p:nvCxnSpPr>
+          <p:spPr>
+            <a:xfrm flipV="1">
+              <a:off x="2671138" y="2343182"/>
+              <a:ext cx="0" cy="365760"/>
+            </a:xfrm>
+            <a:prstGeom prst="straightConnector1">
+              <a:avLst/>
+            </a:prstGeom>
+            <a:ln w="9525">
+              <a:solidFill>
+                <a:srgbClr val="00B050"/>
+              </a:solidFill>
+              <a:prstDash val="sysDot"/>
+              <a:headEnd type="none" w="med" len="med"/>
+              <a:tailEnd type="triangle" w="sm" len="lg"/>
+            </a:ln>
+            <a:effectLst>
+              <a:outerShdw blurRad="12700" dir="2700000" algn="tl" rotWithShape="0">
+                <a:prstClr val="black">
+                  <a:alpha val="51000"/>
+                </a:prstClr>
+              </a:outerShdw>
+            </a:effectLst>
+          </p:spPr>
+          <p:style>
+            <a:lnRef idx="1">
+              <a:schemeClr val="accent1"/>
+            </a:lnRef>
+            <a:fillRef idx="0">
+              <a:schemeClr val="accent1"/>
+            </a:fillRef>
+            <a:effectRef idx="0">
+              <a:schemeClr val="accent1"/>
+            </a:effectRef>
+            <a:fontRef idx="minor">
+              <a:schemeClr val="tx1"/>
+            </a:fontRef>
+          </p:style>
+        </p:cxnSp>
         <p:grpSp>
           <p:nvGrpSpPr>
-            <p:cNvPr id="10" name="Group 9"/>
+            <p:cNvPr id="92" name="Group 91"/>
             <p:cNvGrpSpPr>
               <a:grpSpLocks noChangeAspect="1"/>
             </p:cNvGrpSpPr>
@@ -9027,22 +10057,22 @@
           </p:nvGrpSpPr>
           <p:grpSpPr>
             <a:xfrm rot="21060000">
-              <a:off x="2589801" y="389110"/>
-              <a:ext cx="1281111" cy="640080"/>
-              <a:chOff x="1880616" y="2310384"/>
-              <a:chExt cx="1281111" cy="640080"/>
+              <a:off x="2640794" y="2315657"/>
+              <a:ext cx="366951" cy="371870"/>
+              <a:chOff x="1881342" y="2567870"/>
+              <a:chExt cx="366951" cy="371870"/>
             </a:xfrm>
           </p:grpSpPr>
           <p:cxnSp>
             <p:nvCxnSpPr>
-              <p:cNvPr id="41" name="Straight Arrow Connector 40"/>
+              <p:cNvPr id="93" name="Straight Arrow Connector 92"/>
               <p:cNvCxnSpPr/>
               <p:nvPr/>
             </p:nvCxnSpPr>
             <p:spPr>
               <a:xfrm flipV="1">
-                <a:off x="1880616" y="2310384"/>
-                <a:ext cx="0" cy="640080"/>
+                <a:off x="1881342" y="2567870"/>
+                <a:ext cx="0" cy="365760"/>
               </a:xfrm>
               <a:prstGeom prst="straightConnector1">
                 <a:avLst/>
@@ -9055,6 +10085,13 @@
                 <a:headEnd type="none" w="med" len="med"/>
                 <a:tailEnd type="triangle" w="sm" len="lg"/>
               </a:ln>
+              <a:effectLst>
+                <a:outerShdw blurRad="12700" dir="2700000" algn="tl" rotWithShape="0">
+                  <a:prstClr val="black">
+                    <a:alpha val="50000"/>
+                  </a:prstClr>
+                </a:outerShdw>
+              </a:effectLst>
             </p:spPr>
             <p:style>
               <a:lnRef idx="1">
@@ -9073,14 +10110,14 @@
           </p:cxnSp>
           <p:cxnSp>
             <p:nvCxnSpPr>
-              <p:cNvPr id="42" name="Straight Arrow Connector 41"/>
+              <p:cNvPr id="94" name="Straight Arrow Connector 93"/>
               <p:cNvCxnSpPr/>
               <p:nvPr/>
             </p:nvCxnSpPr>
             <p:spPr>
               <a:xfrm rot="5400000" flipV="1">
-                <a:off x="2521647" y="2299028"/>
-                <a:ext cx="0" cy="1280160"/>
+                <a:off x="2065413" y="2756860"/>
+                <a:ext cx="0" cy="365760"/>
               </a:xfrm>
               <a:prstGeom prst="straightConnector1">
                 <a:avLst/>
@@ -9093,6 +10130,13 @@
                 <a:headEnd type="none" w="med" len="med"/>
                 <a:tailEnd type="triangle" w="sm" len="lg"/>
               </a:ln>
+              <a:effectLst>
+                <a:outerShdw blurRad="12700" dir="2700000" algn="tl" rotWithShape="0">
+                  <a:prstClr val="black">
+                    <a:alpha val="50000"/>
+                  </a:prstClr>
+                </a:outerShdw>
+              </a:effectLst>
             </p:spPr>
             <p:style>
               <a:lnRef idx="1">
@@ -9110,27 +10154,51 @@
             </p:style>
           </p:cxnSp>
         </p:grpSp>
+        <p:pic>
+          <p:nvPicPr>
+            <p:cNvPr id="4" name="Picture 3"/>
+            <p:cNvPicPr>
+              <a:picLocks noChangeAspect="1"/>
+            </p:cNvPicPr>
+            <p:nvPr/>
+          </p:nvPicPr>
+          <p:blipFill>
+            <a:blip r:embed="rId2"/>
+            <a:stretch>
+              <a:fillRect/>
+            </a:stretch>
+          </p:blipFill>
+          <p:spPr>
+            <a:xfrm>
+              <a:off x="152536" y="3175414"/>
+              <a:ext cx="443831" cy="347472"/>
+            </a:xfrm>
+            <a:prstGeom prst="rect">
+              <a:avLst/>
+            </a:prstGeom>
+          </p:spPr>
+        </p:pic>
         <p:cxnSp>
           <p:nvCxnSpPr>
-            <p:cNvPr id="8" name="Straight Arrow Connector 7"/>
+            <p:cNvPr id="71" name="Straight Connector 70"/>
             <p:cNvCxnSpPr/>
             <p:nvPr/>
           </p:nvCxnSpPr>
           <p:spPr>
-            <a:xfrm flipV="1">
-              <a:off x="2647188" y="480060"/>
-              <a:ext cx="0" cy="640080"/>
+            <a:xfrm flipH="1" flipV="1">
+              <a:off x="590412" y="2687426"/>
+              <a:ext cx="0" cy="731520"/>
             </a:xfrm>
-            <a:prstGeom prst="straightConnector1">
+            <a:prstGeom prst="line">
               <a:avLst/>
             </a:prstGeom>
-            <a:ln w="9525">
+            <a:ln>
               <a:solidFill>
-                <a:srgbClr val="00B050"/>
+                <a:schemeClr val="bg1">
+                  <a:lumMod val="50000"/>
+                </a:schemeClr>
               </a:solidFill>
-              <a:prstDash val="sysDot"/>
-              <a:headEnd type="none" w="med" len="med"/>
-              <a:tailEnd type="triangle" w="sm" len="lg"/>
+              <a:prstDash val="dash"/>
             </a:ln>
           </p:spPr>
           <p:style>
@@ -9150,66 +10218,25 @@
         </p:cxnSp>
         <p:cxnSp>
           <p:nvCxnSpPr>
-            <p:cNvPr id="36" name="Straight Connector 35"/>
+            <p:cNvPr id="16" name="Straight Connector 15"/>
             <p:cNvCxnSpPr/>
             <p:nvPr/>
           </p:nvCxnSpPr>
           <p:spPr>
-            <a:xfrm>
-              <a:off x="334054" y="1119005"/>
-              <a:ext cx="4846320" cy="0"/>
+            <a:xfrm flipH="1" flipV="1">
+              <a:off x="2679922" y="2688998"/>
+              <a:ext cx="0" cy="731520"/>
             </a:xfrm>
             <a:prstGeom prst="line">
               <a:avLst/>
             </a:prstGeom>
-            <a:ln w="9525">
+            <a:ln>
               <a:solidFill>
-                <a:srgbClr val="1C87FC"/>
-              </a:solidFill>
-              <a:prstDash val="sysDot"/>
-              <a:headEnd type="none" w="med" len="med"/>
-              <a:tailEnd type="triangle" w="sm" len="lg"/>
-            </a:ln>
-          </p:spPr>
-          <p:style>
-            <a:lnRef idx="1">
-              <a:schemeClr val="accent1"/>
-            </a:lnRef>
-            <a:fillRef idx="0">
-              <a:schemeClr val="accent1"/>
-            </a:fillRef>
-            <a:effectRef idx="0">
-              <a:schemeClr val="accent1"/>
-            </a:effectRef>
-            <a:fontRef idx="minor">
-              <a:schemeClr val="tx1"/>
-            </a:fontRef>
-          </p:style>
-        </p:cxnSp>
-        <p:cxnSp>
-          <p:nvCxnSpPr>
-            <p:cNvPr id="74" name="Straight Connector 73"/>
-            <p:cNvCxnSpPr/>
-            <p:nvPr/>
-          </p:nvCxnSpPr>
-          <p:spPr>
-            <a:xfrm rot="21060000">
-              <a:off x="316947" y="1124714"/>
-              <a:ext cx="4535424" cy="0"/>
-            </a:xfrm>
-            <a:prstGeom prst="line">
-              <a:avLst/>
-            </a:prstGeom>
-            <a:ln w="9525">
-              <a:solidFill>
-                <a:schemeClr val="tx1">
-                  <a:lumMod val="65000"/>
-                  <a:lumOff val="35000"/>
+                <a:schemeClr val="bg1">
+                  <a:lumMod val="50000"/>
                 </a:schemeClr>
               </a:solidFill>
               <a:prstDash val="dash"/>
-              <a:headEnd type="none" w="med" len="med"/>
-              <a:tailEnd type="none" w="med" len="med"/>
             </a:ln>
           </p:spPr>
           <p:style>
@@ -9235,7 +10262,7 @@
           </p:nvSpPr>
           <p:spPr>
             <a:xfrm flipH="1">
-              <a:off x="2550011" y="883028"/>
+              <a:off x="2581001" y="2483228"/>
               <a:ext cx="594488" cy="273894"/>
             </a:xfrm>
             <a:prstGeom prst="rect">
@@ -9305,7 +10332,7 @@
           </p:nvSpPr>
           <p:spPr>
             <a:xfrm>
-              <a:off x="2625708" y="1091316"/>
+              <a:off x="2656698" y="2691516"/>
               <a:ext cx="56010" cy="56010"/>
             </a:xfrm>
             <a:prstGeom prst="ellipse">
@@ -9343,6 +10370,47 @@
             </a:p>
           </p:txBody>
         </p:sp>
+        <p:cxnSp>
+          <p:nvCxnSpPr>
+            <p:cNvPr id="114" name="Straight Connector 113"/>
+            <p:cNvCxnSpPr/>
+            <p:nvPr/>
+          </p:nvCxnSpPr>
+          <p:spPr>
+            <a:xfrm>
+              <a:off x="3059460" y="1767162"/>
+              <a:ext cx="260604" cy="1650492"/>
+            </a:xfrm>
+            <a:prstGeom prst="line">
+              <a:avLst/>
+            </a:prstGeom>
+            <a:ln w="6350">
+              <a:solidFill>
+                <a:schemeClr val="tx1">
+                  <a:lumMod val="65000"/>
+                  <a:lumOff val="35000"/>
+                </a:schemeClr>
+              </a:solidFill>
+              <a:prstDash val="dash"/>
+              <a:headEnd type="none" w="med" len="med"/>
+              <a:tailEnd type="none" w="med" len="med"/>
+            </a:ln>
+          </p:spPr>
+          <p:style>
+            <a:lnRef idx="1">
+              <a:schemeClr val="accent1"/>
+            </a:lnRef>
+            <a:fillRef idx="0">
+              <a:schemeClr val="accent1"/>
+            </a:fillRef>
+            <a:effectRef idx="0">
+              <a:schemeClr val="accent1"/>
+            </a:effectRef>
+            <a:fontRef idx="minor">
+              <a:schemeClr val="tx1"/>
+            </a:fontRef>
+          </p:style>
+        </p:cxnSp>
         <p:sp>
           <p:nvSpPr>
             <p:cNvPr id="110" name="Oval 109"/>
@@ -9351,7 +10419,7 @@
           </p:nvSpPr>
           <p:spPr>
             <a:xfrm flipH="1">
-              <a:off x="2621863" y="1088447"/>
+              <a:off x="2652853" y="2688647"/>
               <a:ext cx="56009" cy="56010"/>
             </a:xfrm>
             <a:prstGeom prst="ellipse">
@@ -9401,7 +10469,7 @@
           </p:nvSpPr>
           <p:spPr>
             <a:xfrm flipH="1">
-              <a:off x="3070830" y="792455"/>
+              <a:off x="3101820" y="2392655"/>
               <a:ext cx="594488" cy="273894"/>
             </a:xfrm>
             <a:prstGeom prst="rect">
@@ -9471,7 +10539,7 @@
           </p:nvSpPr>
           <p:spPr>
             <a:xfrm>
-              <a:off x="3137222" y="1003907"/>
+              <a:off x="3168212" y="2604107"/>
               <a:ext cx="56010" cy="56010"/>
             </a:xfrm>
             <a:prstGeom prst="ellipse">
@@ -9519,7 +10587,7 @@
           </p:nvSpPr>
           <p:spPr>
             <a:xfrm flipH="1">
-              <a:off x="3133378" y="1001038"/>
+              <a:off x="3164368" y="2601238"/>
               <a:ext cx="56009" cy="56010"/>
             </a:xfrm>
             <a:prstGeom prst="ellipse">
@@ -9569,7 +10637,7 @@
           </p:nvGrpSpPr>
           <p:grpSpPr>
             <a:xfrm>
-              <a:off x="550051" y="319327"/>
+              <a:off x="581041" y="1919527"/>
               <a:ext cx="2092672" cy="796310"/>
               <a:chOff x="599268" y="1937288"/>
               <a:chExt cx="679752" cy="423335"/>
@@ -9669,7 +10737,7 @@
           </p:nvGrpSpPr>
           <p:grpSpPr>
             <a:xfrm>
-              <a:off x="3156902" y="1022249"/>
+              <a:off x="3187892" y="2622449"/>
               <a:ext cx="1510475" cy="540077"/>
               <a:chOff x="2063858" y="2358326"/>
               <a:chExt cx="638013" cy="286718"/>
@@ -9766,8 +10834,8 @@
             </p:txBody>
           </p:sp>
         </p:grpSp>
-        <mc:AlternateContent xmlns:mc="http://schemas.openxmlformats.org/markup-compatibility/2006">
-          <mc:Choice xmlns:a14="http://schemas.microsoft.com/office/drawing/2010/main" Requires="a14">
+        <mc:AlternateContent xmlns:mc="http://schemas.openxmlformats.org/markup-compatibility/2006" xmlns:a14="http://schemas.microsoft.com/office/drawing/2010/main">
+          <mc:Choice Requires="a14">
             <p:sp>
               <p:nvSpPr>
                 <p:cNvPr id="129" name="TextBox 128"/>
@@ -9776,7 +10844,7 @@
               </p:nvSpPr>
               <p:spPr>
                 <a:xfrm>
-                  <a:off x="2017450" y="905641"/>
+                  <a:off x="2048440" y="2505841"/>
                   <a:ext cx="394957" cy="320490"/>
                 </a:xfrm>
                 <a:prstGeom prst="rect">
@@ -9811,7 +10879,7 @@
               </p:txBody>
             </p:sp>
           </mc:Choice>
-          <mc:Fallback>
+          <mc:Fallback xmlns="">
             <p:sp>
               <p:nvSpPr>
                 <p:cNvPr id="129" name="TextBox 128"/>
@@ -9822,7 +10890,7 @@
               </p:nvSpPr>
               <p:spPr>
                 <a:xfrm>
-                  <a:off x="2017450" y="905641"/>
+                  <a:off x="2048440" y="2505841"/>
                   <a:ext cx="394957" cy="320490"/>
                 </a:xfrm>
                 <a:prstGeom prst="rect">
@@ -9860,7 +10928,7 @@
           </p:nvSpPr>
           <p:spPr>
             <a:xfrm>
-              <a:off x="2355360" y="841123"/>
+              <a:off x="2386350" y="2441323"/>
               <a:ext cx="548640" cy="548640"/>
             </a:xfrm>
             <a:prstGeom prst="arc">
@@ -9911,8 +10979,8 @@
           </p:nvSpPr>
           <p:spPr>
             <a:xfrm rot="21077016">
-              <a:off x="845327" y="1199845"/>
-              <a:ext cx="673582" cy="200055"/>
+              <a:off x="879523" y="2800045"/>
+              <a:ext cx="667170" cy="200055"/>
             </a:xfrm>
             <a:prstGeom prst="rect">
               <a:avLst/>
@@ -9926,15 +10994,19 @@
             <a:lstStyle/>
             <a:p>
               <a:r>
-                <a:rPr lang="en-US" sz="700" i="1" dirty="0" smtClean="0"/>
+                <a:rPr lang="en-US" sz="700" i="1" dirty="0" smtClean="0">
+                  <a:cs typeface="Times New Roman" panose="02020603050405020304" pitchFamily="18" charset="0"/>
+                </a:rPr>
                 <a:t>OPTICAL AXIS</a:t>
               </a:r>
-              <a:endParaRPr lang="en-US" sz="700" i="1" dirty="0"/>
+              <a:endParaRPr lang="en-US" sz="700" i="1" dirty="0">
+                <a:cs typeface="Times New Roman" panose="02020603050405020304" pitchFamily="18" charset="0"/>
+              </a:endParaRPr>
             </a:p>
           </p:txBody>
         </p:sp>
-        <mc:AlternateContent xmlns:mc="http://schemas.openxmlformats.org/markup-compatibility/2006">
-          <mc:Choice xmlns:a14="http://schemas.microsoft.com/office/drawing/2010/main" Requires="a14">
+        <mc:AlternateContent xmlns:mc="http://schemas.openxmlformats.org/markup-compatibility/2006" xmlns:a14="http://schemas.microsoft.com/office/drawing/2010/main">
+          <mc:Choice Requires="a14">
             <p:sp>
               <p:nvSpPr>
                 <p:cNvPr id="162" name="TextBox 161"/>
@@ -9943,7 +11015,7 @@
               </p:nvSpPr>
               <p:spPr>
                 <a:xfrm rot="1274877">
-                  <a:off x="1507873" y="602097"/>
+                  <a:off x="1538863" y="2202297"/>
                   <a:ext cx="943977" cy="246221"/>
                 </a:xfrm>
                 <a:prstGeom prst="rect">
@@ -10095,7 +11167,7 @@
               </p:txBody>
             </p:sp>
           </mc:Choice>
-          <mc:Fallback>
+          <mc:Fallback xmlns="">
             <p:sp>
               <p:nvSpPr>
                 <p:cNvPr id="162" name="TextBox 161"/>
@@ -10106,7 +11178,7 @@
               </p:nvSpPr>
               <p:spPr>
                 <a:xfrm rot="1274877">
-                  <a:off x="1507873" y="602097"/>
+                  <a:off x="1538863" y="2202297"/>
                   <a:ext cx="943977" cy="246221"/>
                 </a:xfrm>
                 <a:prstGeom prst="rect">
@@ -10134,8 +11206,8 @@
             </p:sp>
           </mc:Fallback>
         </mc:AlternateContent>
-        <mc:AlternateContent xmlns:mc="http://schemas.openxmlformats.org/markup-compatibility/2006">
-          <mc:Choice xmlns:a14="http://schemas.microsoft.com/office/drawing/2010/main" Requires="a14">
+        <mc:AlternateContent xmlns:mc="http://schemas.openxmlformats.org/markup-compatibility/2006" xmlns:a14="http://schemas.microsoft.com/office/drawing/2010/main">
+          <mc:Choice Requires="a14">
             <p:sp>
               <p:nvSpPr>
                 <p:cNvPr id="163" name="TextBox 162"/>
@@ -10144,7 +11216,7 @@
               </p:nvSpPr>
               <p:spPr>
                 <a:xfrm rot="1200637">
-                  <a:off x="3233709" y="1260707"/>
+                  <a:off x="3264699" y="2860907"/>
                   <a:ext cx="1108958" cy="246221"/>
                 </a:xfrm>
                 <a:prstGeom prst="rect">
@@ -10347,7 +11419,7 @@
               </p:txBody>
             </p:sp>
           </mc:Choice>
-          <mc:Fallback>
+          <mc:Fallback xmlns="">
             <p:sp>
               <p:nvSpPr>
                 <p:cNvPr id="163" name="TextBox 162"/>
@@ -10358,7 +11430,7 @@
               </p:nvSpPr>
               <p:spPr>
                 <a:xfrm rot="1200637">
-                  <a:off x="3233709" y="1260707"/>
+                  <a:off x="3264699" y="2860907"/>
                   <a:ext cx="1108958" cy="246221"/>
                 </a:xfrm>
                 <a:prstGeom prst="rect">
@@ -10396,7 +11468,7 @@
           </p:nvSpPr>
           <p:spPr>
             <a:xfrm>
-              <a:off x="534810" y="304086"/>
+              <a:off x="565800" y="1904286"/>
               <a:ext cx="56010" cy="56010"/>
             </a:xfrm>
             <a:prstGeom prst="ellipse">
@@ -10437,8 +11509,8 @@
             </a:p>
           </p:txBody>
         </p:sp>
-        <mc:AlternateContent xmlns:mc="http://schemas.openxmlformats.org/markup-compatibility/2006">
-          <mc:Choice xmlns:a14="http://schemas.microsoft.com/office/drawing/2010/main" Requires="a14">
+        <mc:AlternateContent xmlns:mc="http://schemas.openxmlformats.org/markup-compatibility/2006" xmlns:a14="http://schemas.microsoft.com/office/drawing/2010/main">
+          <mc:Choice Requires="a14">
             <p:sp>
               <p:nvSpPr>
                 <p:cNvPr id="165" name="TextBox 164"/>
@@ -10447,8 +11519,8 @@
               </p:nvSpPr>
               <p:spPr>
                 <a:xfrm>
-                  <a:off x="36576" y="73152"/>
-                  <a:ext cx="815384" cy="497316"/>
+                  <a:off x="252412" y="1849565"/>
+                  <a:ext cx="328612" cy="497316"/>
                 </a:xfrm>
                 <a:prstGeom prst="rect">
                   <a:avLst/>
@@ -10461,142 +11533,103 @@
                 </a:bodyPr>
                 <a:lstStyle/>
                 <a:p>
+                  <a:pPr/>
                   <a14:m>
-                    <m:oMath xmlns:m="http://schemas.openxmlformats.org/officeDocument/2006/math">
-                      <m:d>
-                        <m:dPr>
-                          <m:begChr m:val="["/>
-                          <m:endChr m:val="]"/>
-                          <m:ctrlPr>
-                            <a:rPr lang="en-US" sz="1000" b="0" i="1" smtClean="0">
-                              <a:solidFill>
-                                <a:schemeClr val="tx1">
-                                  <a:lumMod val="95000"/>
-                                  <a:lumOff val="5000"/>
-                                </a:schemeClr>
-                              </a:solidFill>
-                              <a:latin typeface="Cambria Math" panose="02040503050406030204" pitchFamily="18" charset="0"/>
-                            </a:rPr>
-                          </m:ctrlPr>
-                        </m:dPr>
-                        <m:e>
-                          <m:eqArr>
-                            <m:eqArrPr>
-                              <m:ctrlPr>
-                                <a:rPr lang="en-US" sz="1000" b="0" i="1" smtClean="0">
-                                  <a:solidFill>
-                                    <a:schemeClr val="tx1">
-                                      <a:lumMod val="95000"/>
-                                      <a:lumOff val="5000"/>
-                                    </a:schemeClr>
-                                  </a:solidFill>
-                                  <a:latin typeface="Cambria Math" panose="02040503050406030204" pitchFamily="18" charset="0"/>
-                                </a:rPr>
-                              </m:ctrlPr>
-                            </m:eqArrPr>
-                            <m:e>
-                              <m:r>
-                                <a:rPr lang="en-US" sz="1000" b="0" i="1" smtClean="0">
-                                  <a:solidFill>
-                                    <a:schemeClr val="tx1">
-                                      <a:lumMod val="95000"/>
-                                      <a:lumOff val="5000"/>
-                                    </a:schemeClr>
-                                  </a:solidFill>
-                                  <a:latin typeface="Cambria Math" panose="02040503050406030204" pitchFamily="18" charset="0"/>
-                                </a:rPr>
-                                <m:t>𝑋</m:t>
-                              </m:r>
-                              <m:r>
-                                <a:rPr lang="en-US" sz="1000" b="0" i="1" smtClean="0">
-                                  <a:solidFill>
-                                    <a:schemeClr val="tx1">
-                                      <a:lumMod val="95000"/>
-                                      <a:lumOff val="5000"/>
-                                    </a:schemeClr>
-                                  </a:solidFill>
-                                  <a:latin typeface="Cambria Math" panose="02040503050406030204" pitchFamily="18" charset="0"/>
-                                </a:rPr>
-                                <m:t> </m:t>
-                              </m:r>
-                            </m:e>
-                            <m:e>
-                              <m:r>
-                                <a:rPr lang="en-US" sz="1000" b="0" i="1" smtClean="0">
-                                  <a:solidFill>
-                                    <a:schemeClr val="tx1">
-                                      <a:lumMod val="95000"/>
-                                      <a:lumOff val="5000"/>
-                                    </a:schemeClr>
-                                  </a:solidFill>
-                                  <a:latin typeface="Cambria Math" panose="02040503050406030204" pitchFamily="18" charset="0"/>
-                                </a:rPr>
-                                <m:t>𝑌</m:t>
-                              </m:r>
-                            </m:e>
-                            <m:e>
-                              <m:r>
-                                <a:rPr lang="en-US" sz="1000" b="0" i="1" smtClean="0">
-                                  <a:solidFill>
-                                    <a:schemeClr val="tx1">
-                                      <a:lumMod val="95000"/>
-                                      <a:lumOff val="5000"/>
-                                    </a:schemeClr>
-                                  </a:solidFill>
-                                  <a:latin typeface="Cambria Math" panose="02040503050406030204" pitchFamily="18" charset="0"/>
-                                </a:rPr>
-                                <m:t>𝑍</m:t>
-                              </m:r>
-                            </m:e>
-                          </m:eqArr>
-                        </m:e>
-                      </m:d>
-                    </m:oMath>
-                  </a14:m>
-                  <a:r>
-                    <a:rPr lang="en-US" sz="1000" dirty="0" smtClean="0">
-                      <a:solidFill>
-                        <a:schemeClr val="tx1">
-                          <a:lumMod val="95000"/>
-                          <a:lumOff val="5000"/>
-                        </a:schemeClr>
-                      </a:solidFill>
-                    </a:rPr>
-                    <a:t> = </a:t>
-                  </a:r>
-                  <a14:m>
-                    <m:oMath xmlns:m="http://schemas.openxmlformats.org/officeDocument/2006/math">
-                      <m:acc>
-                        <m:accPr>
-                          <m:chr m:val="⃗"/>
-                          <m:ctrlPr>
-                            <a:rPr lang="en-US" sz="1000" b="0" i="1" smtClean="0">
-                              <a:solidFill>
-                                <a:schemeClr val="tx1">
-                                  <a:lumMod val="95000"/>
-                                  <a:lumOff val="5000"/>
-                                </a:schemeClr>
-                              </a:solidFill>
-                              <a:latin typeface="Cambria Math" panose="02040503050406030204" pitchFamily="18" charset="0"/>
-                            </a:rPr>
-                          </m:ctrlPr>
-                        </m:accPr>
-                        <m:e>
-                          <m:r>
-                            <a:rPr lang="en-US" sz="1000" b="0" i="1" smtClean="0">
-                              <a:solidFill>
-                                <a:schemeClr val="tx1">
-                                  <a:lumMod val="95000"/>
-                                  <a:lumOff val="5000"/>
-                                </a:schemeClr>
-                              </a:solidFill>
-                              <a:latin typeface="Cambria Math" panose="02040503050406030204" pitchFamily="18" charset="0"/>
-                            </a:rPr>
-                            <m:t>𝑋</m:t>
-                          </m:r>
-                        </m:e>
-                      </m:acc>
-                    </m:oMath>
+                    <m:oMathPara xmlns:m="http://schemas.openxmlformats.org/officeDocument/2006/math">
+                      <m:oMathParaPr>
+                        <m:jc m:val="centerGroup"/>
+                      </m:oMathParaPr>
+                      <m:oMath xmlns:m="http://schemas.openxmlformats.org/officeDocument/2006/math">
+                        <m:d>
+                          <m:dPr>
+                            <m:begChr m:val="["/>
+                            <m:endChr m:val="]"/>
+                            <m:ctrlPr>
+                              <a:rPr lang="en-US" sz="1000" b="0" i="1" smtClean="0">
+                                <a:solidFill>
+                                  <a:schemeClr val="tx1">
+                                    <a:lumMod val="95000"/>
+                                    <a:lumOff val="5000"/>
+                                  </a:schemeClr>
+                                </a:solidFill>
+                                <a:latin typeface="Cambria Math" panose="02040503050406030204" pitchFamily="18" charset="0"/>
+                              </a:rPr>
+                            </m:ctrlPr>
+                          </m:dPr>
+                          <m:e>
+                            <m:eqArr>
+                              <m:eqArrPr>
+                                <m:ctrlPr>
+                                  <a:rPr lang="en-US" sz="1000" b="0" i="1" smtClean="0">
+                                    <a:solidFill>
+                                      <a:schemeClr val="tx1">
+                                        <a:lumMod val="95000"/>
+                                        <a:lumOff val="5000"/>
+                                      </a:schemeClr>
+                                    </a:solidFill>
+                                    <a:latin typeface="Cambria Math" panose="02040503050406030204" pitchFamily="18" charset="0"/>
+                                  </a:rPr>
+                                </m:ctrlPr>
+                              </m:eqArrPr>
+                              <m:e>
+                                <m:r>
+                                  <a:rPr lang="en-US" sz="1000" b="0" i="1" smtClean="0">
+                                    <a:solidFill>
+                                      <a:schemeClr val="tx1">
+                                        <a:lumMod val="95000"/>
+                                        <a:lumOff val="5000"/>
+                                      </a:schemeClr>
+                                    </a:solidFill>
+                                    <a:latin typeface="Cambria Math" panose="02040503050406030204" pitchFamily="18" charset="0"/>
+                                  </a:rPr>
+                                  <m:t>𝑋</m:t>
+                                </m:r>
+                                <m:r>
+                                  <a:rPr lang="en-US" sz="1000" b="0" i="1" smtClean="0">
+                                    <a:solidFill>
+                                      <a:schemeClr val="tx1">
+                                        <a:lumMod val="95000"/>
+                                        <a:lumOff val="5000"/>
+                                      </a:schemeClr>
+                                    </a:solidFill>
+                                    <a:latin typeface="Cambria Math" panose="02040503050406030204" pitchFamily="18" charset="0"/>
+                                  </a:rPr>
+                                  <m:t> </m:t>
+                                </m:r>
+                              </m:e>
+                              <m:e>
+                                <m:r>
+                                  <a:rPr lang="en-US" sz="1000" b="0" i="1" smtClean="0">
+                                    <a:solidFill>
+                                      <a:schemeClr val="tx1">
+                                        <a:lumMod val="95000"/>
+                                        <a:lumOff val="5000"/>
+                                      </a:schemeClr>
+                                    </a:solidFill>
+                                    <a:latin typeface="Cambria Math" panose="02040503050406030204" pitchFamily="18" charset="0"/>
+                                  </a:rPr>
+                                  <m:t>𝑌</m:t>
+                                </m:r>
+                              </m:e>
+                              <m:e>
+                                <m:r>
+                                  <a:rPr lang="en-US" sz="1000" b="0" i="1" smtClean="0">
+                                    <a:solidFill>
+                                      <a:schemeClr val="tx1">
+                                        <a:lumMod val="95000"/>
+                                        <a:lumOff val="5000"/>
+                                      </a:schemeClr>
+                                    </a:solidFill>
+                                    <a:latin typeface="Cambria Math" panose="02040503050406030204" pitchFamily="18" charset="0"/>
+                                  </a:rPr>
+                                  <m:t>𝑍</m:t>
+                                </m:r>
+                              </m:e>
+                            </m:eqArr>
+                          </m:e>
+                        </m:d>
+                      </m:oMath>
+                    </m:oMathPara>
                   </a14:m>
                   <a:endParaRPr lang="en-US" sz="1000" dirty="0">
                     <a:solidFill>
@@ -10610,7 +11643,7 @@
               </p:txBody>
             </p:sp>
           </mc:Choice>
-          <mc:Fallback>
+          <mc:Fallback xmlns="">
             <p:sp>
               <p:nvSpPr>
                 <p:cNvPr id="165" name="TextBox 164"/>
@@ -10621,8 +11654,8 @@
               </p:nvSpPr>
               <p:spPr>
                 <a:xfrm>
-                  <a:off x="36576" y="73152"/>
-                  <a:ext cx="815384" cy="497316"/>
+                  <a:off x="252412" y="1849565"/>
+                  <a:ext cx="328612" cy="497316"/>
                 </a:xfrm>
                 <a:prstGeom prst="rect">
                   <a:avLst/>
@@ -10649,8 +11682,8 @@
             </p:sp>
           </mc:Fallback>
         </mc:AlternateContent>
-        <mc:AlternateContent xmlns:mc="http://schemas.openxmlformats.org/markup-compatibility/2006">
-          <mc:Choice xmlns:a14="http://schemas.microsoft.com/office/drawing/2010/main" Requires="a14">
+        <mc:AlternateContent xmlns:mc="http://schemas.openxmlformats.org/markup-compatibility/2006" xmlns:a14="http://schemas.microsoft.com/office/drawing/2010/main">
+          <mc:Choice Requires="a14">
             <p:sp>
               <p:nvSpPr>
                 <p:cNvPr id="167" name="TextBox 166"/>
@@ -10659,8 +11692,8 @@
               </p:nvSpPr>
               <p:spPr>
                 <a:xfrm>
-                  <a:off x="4409510" y="1417973"/>
-                  <a:ext cx="979225" cy="510011"/>
+                  <a:off x="4702439" y="3056273"/>
+                  <a:ext cx="417250" cy="510011"/>
                 </a:xfrm>
                 <a:prstGeom prst="rect">
                   <a:avLst/>
@@ -10680,48 +11713,6 @@
                         <m:jc m:val="centerGroup"/>
                       </m:oMathParaPr>
                       <m:oMath xmlns:m="http://schemas.openxmlformats.org/officeDocument/2006/math">
-                        <m:acc>
-                          <m:accPr>
-                            <m:chr m:val="⃗"/>
-                            <m:ctrlPr>
-                              <a:rPr lang="en-US" sz="1000" b="0" i="1" smtClean="0">
-                                <a:solidFill>
-                                  <a:schemeClr val="tx1">
-                                    <a:lumMod val="95000"/>
-                                    <a:lumOff val="5000"/>
-                                  </a:schemeClr>
-                                </a:solidFill>
-                                <a:latin typeface="Cambria Math" panose="02040503050406030204" pitchFamily="18" charset="0"/>
-                              </a:rPr>
-                            </m:ctrlPr>
-                          </m:accPr>
-                          <m:e>
-                            <m:r>
-                              <a:rPr lang="en-US" sz="1000" b="0" i="1" smtClean="0">
-                                <a:solidFill>
-                                  <a:schemeClr val="tx1">
-                                    <a:lumMod val="95000"/>
-                                    <a:lumOff val="5000"/>
-                                  </a:schemeClr>
-                                </a:solidFill>
-                                <a:latin typeface="Cambria Math" panose="02040503050406030204" pitchFamily="18" charset="0"/>
-                              </a:rPr>
-                              <m:t>𝑋</m:t>
-                            </m:r>
-                          </m:e>
-                        </m:acc>
-                        <m:r>
-                          <a:rPr lang="en-US" sz="1000" b="0" i="1" smtClean="0">
-                            <a:solidFill>
-                              <a:schemeClr val="tx1">
-                                <a:lumMod val="95000"/>
-                                <a:lumOff val="5000"/>
-                              </a:schemeClr>
-                            </a:solidFill>
-                            <a:latin typeface="Cambria Math" panose="02040503050406030204" pitchFamily="18" charset="0"/>
-                          </a:rPr>
-                          <m:t>=</m:t>
-                        </m:r>
                         <m:d>
                           <m:dPr>
                             <m:begChr m:val="["/>
@@ -10849,7 +11840,7 @@
               </p:txBody>
             </p:sp>
           </mc:Choice>
-          <mc:Fallback>
+          <mc:Fallback xmlns="">
             <p:sp>
               <p:nvSpPr>
                 <p:cNvPr id="167" name="TextBox 166"/>
@@ -10860,8 +11851,8 @@
               </p:nvSpPr>
               <p:spPr>
                 <a:xfrm>
-                  <a:off x="4409510" y="1417973"/>
-                  <a:ext cx="979225" cy="510011"/>
+                  <a:off x="4702439" y="3056273"/>
+                  <a:ext cx="417250" cy="510011"/>
                 </a:xfrm>
                 <a:prstGeom prst="rect">
                   <a:avLst/>
@@ -10896,7 +11887,7 @@
           </p:nvCxnSpPr>
           <p:spPr>
             <a:xfrm flipV="1">
-              <a:off x="557784" y="356616"/>
+              <a:off x="588774" y="1956816"/>
               <a:ext cx="0" cy="758952"/>
             </a:xfrm>
             <a:prstGeom prst="straightConnector1">
@@ -10928,8 +11919,8 @@
             </a:fontRef>
           </p:style>
         </p:cxnSp>
-        <mc:AlternateContent xmlns:mc="http://schemas.openxmlformats.org/markup-compatibility/2006">
-          <mc:Choice xmlns:a14="http://schemas.microsoft.com/office/drawing/2010/main" Requires="a14">
+        <mc:AlternateContent xmlns:mc="http://schemas.openxmlformats.org/markup-compatibility/2006" xmlns:a14="http://schemas.microsoft.com/office/drawing/2010/main">
+          <mc:Choice Requires="a14">
             <p:sp>
               <p:nvSpPr>
                 <p:cNvPr id="44" name="TextBox 43"/>
@@ -10938,7 +11929,7 @@
               </p:nvSpPr>
               <p:spPr>
                 <a:xfrm>
-                  <a:off x="2393878" y="1090045"/>
+                  <a:off x="2424868" y="2690245"/>
                   <a:ext cx="534890" cy="215444"/>
                 </a:xfrm>
                 <a:prstGeom prst="rect">
@@ -11011,7 +12002,7 @@
               </p:txBody>
             </p:sp>
           </mc:Choice>
-          <mc:Fallback>
+          <mc:Fallback xmlns="">
             <p:sp>
               <p:nvSpPr>
                 <p:cNvPr id="44" name="TextBox 43"/>
@@ -11022,7 +12013,7 @@
               </p:nvSpPr>
               <p:spPr>
                 <a:xfrm>
-                  <a:off x="2393878" y="1090045"/>
+                  <a:off x="2424868" y="2690245"/>
                   <a:ext cx="534890" cy="215444"/>
                 </a:xfrm>
                 <a:prstGeom prst="rect">
@@ -11050,532 +12041,8 @@
             </p:sp>
           </mc:Fallback>
         </mc:AlternateContent>
-        <mc:AlternateContent xmlns:mc="http://schemas.openxmlformats.org/markup-compatibility/2006">
-          <mc:Choice xmlns:a14="http://schemas.microsoft.com/office/drawing/2010/main" Requires="a14">
-            <p:sp>
-              <p:nvSpPr>
-                <p:cNvPr id="11" name="TextBox 10"/>
-                <p:cNvSpPr txBox="1"/>
-                <p:nvPr/>
-              </p:nvSpPr>
-              <p:spPr>
-                <a:xfrm>
-                  <a:off x="5088636" y="996696"/>
-                  <a:ext cx="299377" cy="215444"/>
-                </a:xfrm>
-                <a:prstGeom prst="rect">
-                  <a:avLst/>
-                </a:prstGeom>
-                <a:noFill/>
-              </p:spPr>
-              <p:txBody>
-                <a:bodyPr wrap="none" rtlCol="0">
-                  <a:spAutoFit/>
-                </a:bodyPr>
-                <a:lstStyle/>
-                <a:p>
-                  <a:pPr/>
-                  <a14:m>
-                    <m:oMathPara xmlns:m="http://schemas.openxmlformats.org/officeDocument/2006/math">
-                      <m:oMathParaPr>
-                        <m:jc m:val="centerGroup"/>
-                      </m:oMathParaPr>
-                      <m:oMath xmlns:m="http://schemas.openxmlformats.org/officeDocument/2006/math">
-                        <m:sSub>
-                          <m:sSubPr>
-                            <m:ctrlPr>
-                              <a:rPr lang="en-US" sz="800" b="0" i="1" smtClean="0">
-                                <a:solidFill>
-                                  <a:srgbClr val="1C87FC"/>
-                                </a:solidFill>
-                                <a:latin typeface="Cambria Math" panose="02040503050406030204" pitchFamily="18" charset="0"/>
-                              </a:rPr>
-                            </m:ctrlPr>
-                          </m:sSubPr>
-                          <m:e>
-                            <m:acc>
-                              <m:accPr>
-                                <m:chr m:val="̂"/>
-                                <m:ctrlPr>
-                                  <a:rPr lang="en-US" sz="800" b="0" i="1" smtClean="0">
-                                    <a:solidFill>
-                                      <a:srgbClr val="1C87FC"/>
-                                    </a:solidFill>
-                                    <a:latin typeface="Cambria Math" panose="02040503050406030204" pitchFamily="18" charset="0"/>
-                                  </a:rPr>
-                                </m:ctrlPr>
-                              </m:accPr>
-                              <m:e>
-                                <m:r>
-                                  <a:rPr lang="en-US" sz="800" i="1">
-                                    <a:solidFill>
-                                      <a:srgbClr val="1C87FC"/>
-                                    </a:solidFill>
-                                    <a:latin typeface="Cambria Math" panose="02040503050406030204" pitchFamily="18" charset="0"/>
-                                  </a:rPr>
-                                  <m:t>𝑧</m:t>
-                                </m:r>
-                              </m:e>
-                            </m:acc>
-                          </m:e>
-                          <m:sub>
-                            <m:r>
-                              <a:rPr lang="en-US" sz="800" b="0" i="1" smtClean="0">
-                                <a:solidFill>
-                                  <a:srgbClr val="1C87FC"/>
-                                </a:solidFill>
-                                <a:latin typeface="Cambria Math" panose="02040503050406030204" pitchFamily="18" charset="0"/>
-                              </a:rPr>
-                              <m:t>𝑐</m:t>
-                            </m:r>
-                          </m:sub>
-                        </m:sSub>
-                      </m:oMath>
-                    </m:oMathPara>
-                  </a14:m>
-                  <a:endParaRPr lang="en-US" sz="800" dirty="0">
-                    <a:solidFill>
-                      <a:srgbClr val="1C87FC"/>
-                    </a:solidFill>
-                  </a:endParaRPr>
-                </a:p>
-              </p:txBody>
-            </p:sp>
-          </mc:Choice>
-          <mc:Fallback>
-            <p:sp>
-              <p:nvSpPr>
-                <p:cNvPr id="11" name="TextBox 10"/>
-                <p:cNvSpPr txBox="1">
-                  <a:spLocks noRot="1" noChangeAspect="1" noMove="1" noResize="1" noEditPoints="1" noAdjustHandles="1" noChangeArrowheads="1" noChangeShapeType="1" noTextEdit="1"/>
-                </p:cNvSpPr>
-                <p:nvPr/>
-              </p:nvSpPr>
-              <p:spPr>
-                <a:xfrm>
-                  <a:off x="5088636" y="996696"/>
-                  <a:ext cx="299377" cy="215444"/>
-                </a:xfrm>
-                <a:prstGeom prst="rect">
-                  <a:avLst/>
-                </a:prstGeom>
-                <a:blipFill rotWithShape="0">
-                  <a:blip r:embed="rId9"/>
-                  <a:stretch>
-                    <a:fillRect/>
-                  </a:stretch>
-                </a:blipFill>
-              </p:spPr>
-              <p:txBody>
-                <a:bodyPr/>
-                <a:lstStyle/>
-                <a:p>
-                  <a:r>
-                    <a:rPr lang="en-US">
-                      <a:noFill/>
-                    </a:rPr>
-                    <a:t> </a:t>
-                  </a:r>
-                </a:p>
-              </p:txBody>
-            </p:sp>
-          </mc:Fallback>
-        </mc:AlternateContent>
-        <mc:AlternateContent xmlns:mc="http://schemas.openxmlformats.org/markup-compatibility/2006">
-          <mc:Choice xmlns:a14="http://schemas.microsoft.com/office/drawing/2010/main" Requires="a14">
-            <p:sp>
-              <p:nvSpPr>
-                <p:cNvPr id="46" name="TextBox 45"/>
-                <p:cNvSpPr txBox="1"/>
-                <p:nvPr/>
-              </p:nvSpPr>
-              <p:spPr>
-                <a:xfrm rot="21041056">
-                  <a:off x="3787140" y="856488"/>
-                  <a:ext cx="305917" cy="225062"/>
-                </a:xfrm>
-                <a:prstGeom prst="rect">
-                  <a:avLst/>
-                </a:prstGeom>
-                <a:noFill/>
-              </p:spPr>
-              <p:txBody>
-                <a:bodyPr wrap="none" rtlCol="0">
-                  <a:spAutoFit/>
-                </a:bodyPr>
-                <a:lstStyle/>
-                <a:p>
-                  <a:pPr/>
-                  <a14:m>
-                    <m:oMathPara xmlns:m="http://schemas.openxmlformats.org/officeDocument/2006/math">
-                      <m:oMathParaPr>
-                        <m:jc m:val="centerGroup"/>
-                      </m:oMathParaPr>
-                      <m:oMath xmlns:m="http://schemas.openxmlformats.org/officeDocument/2006/math">
-                        <m:sSub>
-                          <m:sSubPr>
-                            <m:ctrlPr>
-                              <a:rPr lang="en-US" sz="800" b="0" i="1" smtClean="0">
-                                <a:solidFill>
-                                  <a:srgbClr val="1C87FC"/>
-                                </a:solidFill>
-                                <a:latin typeface="Cambria Math" panose="02040503050406030204" pitchFamily="18" charset="0"/>
-                              </a:rPr>
-                            </m:ctrlPr>
-                          </m:sSubPr>
-                          <m:e>
-                            <m:acc>
-                              <m:accPr>
-                                <m:chr m:val="̂"/>
-                                <m:ctrlPr>
-                                  <a:rPr lang="en-US" sz="800" b="0" i="1" smtClean="0">
-                                    <a:solidFill>
-                                      <a:srgbClr val="1C87FC"/>
-                                    </a:solidFill>
-                                    <a:latin typeface="Cambria Math" panose="02040503050406030204" pitchFamily="18" charset="0"/>
-                                  </a:rPr>
-                                </m:ctrlPr>
-                              </m:accPr>
-                              <m:e>
-                                <m:r>
-                                  <a:rPr lang="en-US" sz="800" i="1">
-                                    <a:solidFill>
-                                      <a:srgbClr val="1C87FC"/>
-                                    </a:solidFill>
-                                    <a:latin typeface="Cambria Math" panose="02040503050406030204" pitchFamily="18" charset="0"/>
-                                  </a:rPr>
-                                  <m:t>𝑧</m:t>
-                                </m:r>
-                              </m:e>
-                            </m:acc>
-                          </m:e>
-                          <m:sub>
-                            <m:r>
-                              <a:rPr lang="en-US" sz="800" b="0" i="1" smtClean="0">
-                                <a:solidFill>
-                                  <a:srgbClr val="1C87FC"/>
-                                </a:solidFill>
-                                <a:latin typeface="Cambria Math" panose="02040503050406030204" pitchFamily="18" charset="0"/>
-                              </a:rPr>
-                              <m:t>𝑝</m:t>
-                            </m:r>
-                          </m:sub>
-                        </m:sSub>
-                      </m:oMath>
-                    </m:oMathPara>
-                  </a14:m>
-                  <a:endParaRPr lang="en-US" sz="800" dirty="0">
-                    <a:solidFill>
-                      <a:srgbClr val="1C87FC"/>
-                    </a:solidFill>
-                  </a:endParaRPr>
-                </a:p>
-              </p:txBody>
-            </p:sp>
-          </mc:Choice>
-          <mc:Fallback>
-            <p:sp>
-              <p:nvSpPr>
-                <p:cNvPr id="46" name="TextBox 45"/>
-                <p:cNvSpPr txBox="1">
-                  <a:spLocks noRot="1" noChangeAspect="1" noMove="1" noResize="1" noEditPoints="1" noAdjustHandles="1" noChangeArrowheads="1" noChangeShapeType="1" noTextEdit="1"/>
-                </p:cNvSpPr>
-                <p:nvPr/>
-              </p:nvSpPr>
-              <p:spPr>
-                <a:xfrm rot="21041056">
-                  <a:off x="3787140" y="856488"/>
-                  <a:ext cx="305917" cy="225062"/>
-                </a:xfrm>
-                <a:prstGeom prst="rect">
-                  <a:avLst/>
-                </a:prstGeom>
-                <a:blipFill rotWithShape="0">
-                  <a:blip r:embed="rId10"/>
-                  <a:stretch>
-                    <a:fillRect/>
-                  </a:stretch>
-                </a:blipFill>
-              </p:spPr>
-              <p:txBody>
-                <a:bodyPr/>
-                <a:lstStyle/>
-                <a:p>
-                  <a:r>
-                    <a:rPr lang="en-US">
-                      <a:noFill/>
-                    </a:rPr>
-                    <a:t> </a:t>
-                  </a:r>
-                </a:p>
-              </p:txBody>
-            </p:sp>
-          </mc:Fallback>
-        </mc:AlternateContent>
-        <mc:AlternateContent xmlns:mc="http://schemas.openxmlformats.org/markup-compatibility/2006">
-          <mc:Choice xmlns:a14="http://schemas.microsoft.com/office/drawing/2010/main" Requires="a14">
-            <p:sp>
-              <p:nvSpPr>
-                <p:cNvPr id="47" name="TextBox 46"/>
-                <p:cNvSpPr txBox="1"/>
-                <p:nvPr/>
-              </p:nvSpPr>
-              <p:spPr>
-                <a:xfrm>
-                  <a:off x="2525268" y="307848"/>
-                  <a:ext cx="300852" cy="215444"/>
-                </a:xfrm>
-                <a:prstGeom prst="rect">
-                  <a:avLst/>
-                </a:prstGeom>
-                <a:noFill/>
-              </p:spPr>
-              <p:txBody>
-                <a:bodyPr wrap="none" rtlCol="0">
-                  <a:spAutoFit/>
-                </a:bodyPr>
-                <a:lstStyle/>
-                <a:p>
-                  <a:pPr/>
-                  <a14:m>
-                    <m:oMathPara xmlns:m="http://schemas.openxmlformats.org/officeDocument/2006/math">
-                      <m:oMathParaPr>
-                        <m:jc m:val="centerGroup"/>
-                      </m:oMathParaPr>
-                      <m:oMath xmlns:m="http://schemas.openxmlformats.org/officeDocument/2006/math">
-                        <m:sSub>
-                          <m:sSubPr>
-                            <m:ctrlPr>
-                              <a:rPr lang="en-US" sz="800" b="0" i="1" smtClean="0">
-                                <a:solidFill>
-                                  <a:srgbClr val="00B050"/>
-                                </a:solidFill>
-                                <a:latin typeface="Cambria Math" panose="02040503050406030204" pitchFamily="18" charset="0"/>
-                              </a:rPr>
-                            </m:ctrlPr>
-                          </m:sSubPr>
-                          <m:e>
-                            <m:acc>
-                              <m:accPr>
-                                <m:chr m:val="̂"/>
-                                <m:ctrlPr>
-                                  <a:rPr lang="en-US" sz="800" b="0" i="1" smtClean="0">
-                                    <a:solidFill>
-                                      <a:srgbClr val="00B050"/>
-                                    </a:solidFill>
-                                    <a:latin typeface="Cambria Math" panose="02040503050406030204" pitchFamily="18" charset="0"/>
-                                  </a:rPr>
-                                </m:ctrlPr>
-                              </m:accPr>
-                              <m:e>
-                                <m:r>
-                                  <a:rPr lang="en-US" sz="800" i="1">
-                                    <a:solidFill>
-                                      <a:srgbClr val="00B050"/>
-                                    </a:solidFill>
-                                    <a:latin typeface="Cambria Math" panose="02040503050406030204" pitchFamily="18" charset="0"/>
-                                  </a:rPr>
-                                  <m:t>𝑦</m:t>
-                                </m:r>
-                              </m:e>
-                            </m:acc>
-                          </m:e>
-                          <m:sub>
-                            <m:r>
-                              <a:rPr lang="en-US" sz="800" b="0" i="1" smtClean="0">
-                                <a:solidFill>
-                                  <a:srgbClr val="00B050"/>
-                                </a:solidFill>
-                                <a:latin typeface="Cambria Math" panose="02040503050406030204" pitchFamily="18" charset="0"/>
-                              </a:rPr>
-                              <m:t>𝑐</m:t>
-                            </m:r>
-                          </m:sub>
-                        </m:sSub>
-                      </m:oMath>
-                    </m:oMathPara>
-                  </a14:m>
-                  <a:endParaRPr lang="en-US" sz="800" dirty="0">
-                    <a:solidFill>
-                      <a:srgbClr val="00B050"/>
-                    </a:solidFill>
-                  </a:endParaRPr>
-                </a:p>
-              </p:txBody>
-            </p:sp>
-          </mc:Choice>
-          <mc:Fallback>
-            <p:sp>
-              <p:nvSpPr>
-                <p:cNvPr id="47" name="TextBox 46"/>
-                <p:cNvSpPr txBox="1">
-                  <a:spLocks noRot="1" noChangeAspect="1" noMove="1" noResize="1" noEditPoints="1" noAdjustHandles="1" noChangeArrowheads="1" noChangeShapeType="1" noTextEdit="1"/>
-                </p:cNvSpPr>
-                <p:nvPr/>
-              </p:nvSpPr>
-              <p:spPr>
-                <a:xfrm>
-                  <a:off x="2525268" y="307848"/>
-                  <a:ext cx="300852" cy="215444"/>
-                </a:xfrm>
-                <a:prstGeom prst="rect">
-                  <a:avLst/>
-                </a:prstGeom>
-                <a:blipFill rotWithShape="0">
-                  <a:blip r:embed="rId11"/>
-                  <a:stretch>
-                    <a:fillRect/>
-                  </a:stretch>
-                </a:blipFill>
-              </p:spPr>
-              <p:txBody>
-                <a:bodyPr/>
-                <a:lstStyle/>
-                <a:p>
-                  <a:r>
-                    <a:rPr lang="en-US">
-                      <a:noFill/>
-                    </a:rPr>
-                    <a:t> </a:t>
-                  </a:r>
-                </a:p>
-              </p:txBody>
-            </p:sp>
-          </mc:Fallback>
-        </mc:AlternateContent>
-        <mc:AlternateContent xmlns:mc="http://schemas.openxmlformats.org/markup-compatibility/2006">
-          <mc:Choice xmlns:a14="http://schemas.microsoft.com/office/drawing/2010/main" Requires="a14">
-            <p:sp>
-              <p:nvSpPr>
-                <p:cNvPr id="48" name="TextBox 47"/>
-                <p:cNvSpPr txBox="1"/>
-                <p:nvPr/>
-              </p:nvSpPr>
-              <p:spPr>
-                <a:xfrm>
-                  <a:off x="2334075" y="300228"/>
-                  <a:ext cx="307392" cy="225062"/>
-                </a:xfrm>
-                <a:prstGeom prst="rect">
-                  <a:avLst/>
-                </a:prstGeom>
-                <a:noFill/>
-              </p:spPr>
-              <p:txBody>
-                <a:bodyPr wrap="none" rtlCol="0">
-                  <a:spAutoFit/>
-                </a:bodyPr>
-                <a:lstStyle/>
-                <a:p>
-                  <a:pPr/>
-                  <a14:m>
-                    <m:oMathPara xmlns:m="http://schemas.openxmlformats.org/officeDocument/2006/math">
-                      <m:oMathParaPr>
-                        <m:jc m:val="centerGroup"/>
-                      </m:oMathParaPr>
-                      <m:oMath xmlns:m="http://schemas.openxmlformats.org/officeDocument/2006/math">
-                        <m:sSub>
-                          <m:sSubPr>
-                            <m:ctrlPr>
-                              <a:rPr lang="en-US" sz="800" b="0" i="1" smtClean="0">
-                                <a:solidFill>
-                                  <a:srgbClr val="00B050"/>
-                                </a:solidFill>
-                                <a:latin typeface="Cambria Math" panose="02040503050406030204" pitchFamily="18" charset="0"/>
-                              </a:rPr>
-                            </m:ctrlPr>
-                          </m:sSubPr>
-                          <m:e>
-                            <m:acc>
-                              <m:accPr>
-                                <m:chr m:val="̂"/>
-                                <m:ctrlPr>
-                                  <a:rPr lang="en-US" sz="800" b="0" i="1" smtClean="0">
-                                    <a:solidFill>
-                                      <a:srgbClr val="00B050"/>
-                                    </a:solidFill>
-                                    <a:latin typeface="Cambria Math" panose="02040503050406030204" pitchFamily="18" charset="0"/>
-                                  </a:rPr>
-                                </m:ctrlPr>
-                              </m:accPr>
-                              <m:e>
-                                <m:r>
-                                  <a:rPr lang="en-US" sz="800" i="1">
-                                    <a:solidFill>
-                                      <a:srgbClr val="00B050"/>
-                                    </a:solidFill>
-                                    <a:latin typeface="Cambria Math" panose="02040503050406030204" pitchFamily="18" charset="0"/>
-                                  </a:rPr>
-                                  <m:t>𝑦</m:t>
-                                </m:r>
-                              </m:e>
-                            </m:acc>
-                          </m:e>
-                          <m:sub>
-                            <m:r>
-                              <a:rPr lang="en-US" sz="800" b="0" i="1" smtClean="0">
-                                <a:solidFill>
-                                  <a:srgbClr val="00B050"/>
-                                </a:solidFill>
-                                <a:latin typeface="Cambria Math" panose="02040503050406030204" pitchFamily="18" charset="0"/>
-                              </a:rPr>
-                              <m:t>𝑝</m:t>
-                            </m:r>
-                          </m:sub>
-                        </m:sSub>
-                      </m:oMath>
-                    </m:oMathPara>
-                  </a14:m>
-                  <a:endParaRPr lang="en-US" sz="800" dirty="0">
-                    <a:solidFill>
-                      <a:srgbClr val="00B050"/>
-                    </a:solidFill>
-                  </a:endParaRPr>
-                </a:p>
-              </p:txBody>
-            </p:sp>
-          </mc:Choice>
-          <mc:Fallback>
-            <p:sp>
-              <p:nvSpPr>
-                <p:cNvPr id="48" name="TextBox 47"/>
-                <p:cNvSpPr txBox="1">
-                  <a:spLocks noRot="1" noChangeAspect="1" noMove="1" noResize="1" noEditPoints="1" noAdjustHandles="1" noChangeArrowheads="1" noChangeShapeType="1" noTextEdit="1"/>
-                </p:cNvSpPr>
-                <p:nvPr/>
-              </p:nvSpPr>
-              <p:spPr>
-                <a:xfrm>
-                  <a:off x="2334075" y="300228"/>
-                  <a:ext cx="307392" cy="225062"/>
-                </a:xfrm>
-                <a:prstGeom prst="rect">
-                  <a:avLst/>
-                </a:prstGeom>
-                <a:blipFill rotWithShape="0">
-                  <a:blip r:embed="rId12"/>
-                  <a:stretch>
-                    <a:fillRect/>
-                  </a:stretch>
-                </a:blipFill>
-              </p:spPr>
-              <p:txBody>
-                <a:bodyPr/>
-                <a:lstStyle/>
-                <a:p>
-                  <a:r>
-                    <a:rPr lang="en-US">
-                      <a:noFill/>
-                    </a:rPr>
-                    <a:t> </a:t>
-                  </a:r>
-                </a:p>
-              </p:txBody>
-            </p:sp>
-          </mc:Fallback>
-        </mc:AlternateContent>
-        <mc:AlternateContent xmlns:mc="http://schemas.openxmlformats.org/markup-compatibility/2006">
-          <mc:Choice xmlns:a14="http://schemas.microsoft.com/office/drawing/2010/main" Requires="a14">
+        <mc:AlternateContent xmlns:mc="http://schemas.openxmlformats.org/markup-compatibility/2006" xmlns:a14="http://schemas.microsoft.com/office/drawing/2010/main">
+          <mc:Choice Requires="a14">
             <p:sp>
               <p:nvSpPr>
                 <p:cNvPr id="18" name="TextBox 17"/>
@@ -11584,7 +12051,7 @@
               </p:nvSpPr>
               <p:spPr>
                 <a:xfrm rot="21040949">
-                  <a:off x="2784348" y="1220724"/>
+                  <a:off x="2824864" y="2882843"/>
                   <a:ext cx="356636" cy="274627"/>
                 </a:xfrm>
                 <a:prstGeom prst="rect">
@@ -11650,7 +12117,7 @@
               </p:txBody>
             </p:sp>
           </mc:Choice>
-          <mc:Fallback>
+          <mc:Fallback xmlns="">
             <p:sp>
               <p:nvSpPr>
                 <p:cNvPr id="18" name="TextBox 17"/>
@@ -11661,16 +12128,16 @@
               </p:nvSpPr>
               <p:spPr>
                 <a:xfrm rot="21040949">
-                  <a:off x="2784348" y="1220724"/>
+                  <a:off x="2824864" y="2882843"/>
                   <a:ext cx="356636" cy="274627"/>
                 </a:xfrm>
                 <a:prstGeom prst="rect">
                   <a:avLst/>
                 </a:prstGeom>
                 <a:blipFill rotWithShape="0">
-                  <a:blip r:embed="rId13"/>
+                  <a:blip r:embed="rId9"/>
                   <a:stretch>
-                    <a:fillRect/>
+                    <a:fillRect t="-1818"/>
                   </a:stretch>
                 </a:blipFill>
               </p:spPr>
@@ -11691,54 +12158,13 @@
         </mc:AlternateContent>
         <p:cxnSp>
           <p:nvCxnSpPr>
-            <p:cNvPr id="114" name="Straight Connector 113"/>
-            <p:cNvCxnSpPr/>
-            <p:nvPr/>
-          </p:nvCxnSpPr>
-          <p:spPr>
-            <a:xfrm>
-              <a:off x="3028470" y="166962"/>
-              <a:ext cx="260604" cy="1650492"/>
-            </a:xfrm>
-            <a:prstGeom prst="line">
-              <a:avLst/>
-            </a:prstGeom>
-            <a:ln w="6350">
-              <a:solidFill>
-                <a:schemeClr val="tx1">
-                  <a:lumMod val="65000"/>
-                  <a:lumOff val="35000"/>
-                </a:schemeClr>
-              </a:solidFill>
-              <a:prstDash val="dash"/>
-              <a:headEnd type="none" w="med" len="med"/>
-              <a:tailEnd type="none" w="med" len="med"/>
-            </a:ln>
-          </p:spPr>
-          <p:style>
-            <a:lnRef idx="1">
-              <a:schemeClr val="accent1"/>
-            </a:lnRef>
-            <a:fillRef idx="0">
-              <a:schemeClr val="accent1"/>
-            </a:fillRef>
-            <a:effectRef idx="0">
-              <a:schemeClr val="accent1"/>
-            </a:effectRef>
-            <a:fontRef idx="minor">
-              <a:schemeClr val="tx1"/>
-            </a:fontRef>
-          </p:style>
-        </p:cxnSp>
-        <p:cxnSp>
-          <p:nvCxnSpPr>
             <p:cNvPr id="29" name="Straight Connector 28"/>
             <p:cNvCxnSpPr/>
             <p:nvPr/>
           </p:nvCxnSpPr>
           <p:spPr>
             <a:xfrm rot="660000">
-              <a:off x="4745736" y="105156"/>
+              <a:off x="4776726" y="1705356"/>
               <a:ext cx="0" cy="2011680"/>
             </a:xfrm>
             <a:prstGeom prst="line">
@@ -11776,7 +12202,7 @@
           </p:nvCxnSpPr>
           <p:spPr>
             <a:xfrm>
-              <a:off x="4664964" y="1117092"/>
+              <a:off x="4695954" y="2717292"/>
               <a:ext cx="0" cy="411480"/>
             </a:xfrm>
             <a:prstGeom prst="straightConnector1">
@@ -11818,7 +12244,7 @@
           </p:nvSpPr>
           <p:spPr>
             <a:xfrm>
-              <a:off x="4634943" y="1528039"/>
+              <a:off x="4665933" y="3128239"/>
               <a:ext cx="56010" cy="56010"/>
             </a:xfrm>
             <a:prstGeom prst="ellipse">
@@ -11859,92 +12285,6 @@
             </a:p>
           </p:txBody>
         </p:sp>
-        <p:sp>
-          <p:nvSpPr>
-            <p:cNvPr id="121" name="Oval 120"/>
-            <p:cNvSpPr>
-              <a:spLocks noChangeAspect="1"/>
-            </p:cNvSpPr>
-            <p:nvPr/>
-          </p:nvSpPr>
-          <p:spPr>
-            <a:xfrm>
-              <a:off x="4718763" y="1095223"/>
-              <a:ext cx="45720" cy="45720"/>
-            </a:xfrm>
-            <a:prstGeom prst="ellipse">
-              <a:avLst/>
-            </a:prstGeom>
-            <a:solidFill>
-              <a:schemeClr val="tx1"/>
-            </a:solidFill>
-            <a:ln>
-              <a:solidFill>
-                <a:srgbClr val="92D050"/>
-              </a:solidFill>
-            </a:ln>
-          </p:spPr>
-          <p:style>
-            <a:lnRef idx="2">
-              <a:schemeClr val="accent1">
-                <a:shade val="50000"/>
-              </a:schemeClr>
-            </a:lnRef>
-            <a:fillRef idx="1">
-              <a:schemeClr val="accent1"/>
-            </a:fillRef>
-            <a:effectRef idx="0">
-              <a:schemeClr val="accent1"/>
-            </a:effectRef>
-            <a:fontRef idx="minor">
-              <a:schemeClr val="lt1"/>
-            </a:fontRef>
-          </p:style>
-          <p:txBody>
-            <a:bodyPr rtlCol="0" anchor="ctr"/>
-            <a:lstStyle/>
-            <a:p>
-              <a:pPr algn="ctr"/>
-              <a:endParaRPr lang="en-US"/>
-            </a:p>
-          </p:txBody>
-        </p:sp>
-        <p:cxnSp>
-          <p:nvCxnSpPr>
-            <p:cNvPr id="123" name="Straight Arrow Connector 122"/>
-            <p:cNvCxnSpPr/>
-            <p:nvPr/>
-          </p:nvCxnSpPr>
-          <p:spPr>
-            <a:xfrm rot="6060000" flipV="1">
-              <a:off x="4926469" y="976800"/>
-              <a:ext cx="0" cy="365760"/>
-            </a:xfrm>
-            <a:prstGeom prst="straightConnector1">
-              <a:avLst/>
-            </a:prstGeom>
-            <a:ln>
-              <a:solidFill>
-                <a:schemeClr val="tx1"/>
-              </a:solidFill>
-              <a:tailEnd type="triangle" w="sm" len="med"/>
-            </a:ln>
-          </p:spPr>
-          <p:style>
-            <a:lnRef idx="1">
-              <a:schemeClr val="accent1"/>
-            </a:lnRef>
-            <a:fillRef idx="0">
-              <a:schemeClr val="accent1"/>
-            </a:fillRef>
-            <a:effectRef idx="0">
-              <a:schemeClr val="accent1"/>
-            </a:effectRef>
-            <a:fontRef idx="minor">
-              <a:schemeClr val="tx1"/>
-            </a:fontRef>
-          </p:style>
-        </p:cxnSp>
         <mc:AlternateContent xmlns:mc="http://schemas.openxmlformats.org/markup-compatibility/2006">
           <mc:Choice xmlns:a14="http://schemas.microsoft.com/office/drawing/2010/main" Requires="a14">
             <p:sp>
@@ -11955,7 +12295,7 @@
               </p:nvSpPr>
               <p:spPr>
                 <a:xfrm>
-                  <a:off x="5021580" y="1103376"/>
+                  <a:off x="4747771" y="2822639"/>
                   <a:ext cx="301878" cy="215444"/>
                 </a:xfrm>
                 <a:prstGeom prst="rect">
@@ -12021,7 +12361,7 @@
                                 </a:solidFill>
                                 <a:latin typeface="Cambria Math" panose="02040503050406030204" pitchFamily="18" charset="0"/>
                               </a:rPr>
-                              <m:t>𝐼</m:t>
+                              <m:t>𝑖</m:t>
                             </m:r>
                           </m:sub>
                         </m:sSub>
@@ -12048,14 +12388,14 @@
               </p:nvSpPr>
               <p:spPr>
                 <a:xfrm>
-                  <a:off x="5021580" y="1103376"/>
+                  <a:off x="4747771" y="2822639"/>
                   <a:ext cx="301878" cy="215444"/>
                 </a:xfrm>
                 <a:prstGeom prst="rect">
                   <a:avLst/>
                 </a:prstGeom>
                 <a:blipFill rotWithShape="0">
-                  <a:blip r:embed="rId14"/>
+                  <a:blip r:embed="rId10"/>
                   <a:stretch>
                     <a:fillRect/>
                   </a:stretch>
@@ -12084,7 +12424,7 @@
           </p:nvGrpSpPr>
           <p:grpSpPr>
             <a:xfrm>
-              <a:off x="2695393" y="1413566"/>
+              <a:off x="2735909" y="3075685"/>
               <a:ext cx="531393" cy="138435"/>
               <a:chOff x="3077178" y="1899047"/>
               <a:chExt cx="531393" cy="138435"/>
@@ -12185,7 +12525,7 @@
           </p:nvGrpSpPr>
           <p:grpSpPr>
             <a:xfrm>
-              <a:off x="551474" y="1443566"/>
+              <a:off x="587227" y="3105685"/>
               <a:ext cx="2095689" cy="115535"/>
               <a:chOff x="1696832" y="2103447"/>
               <a:chExt cx="2095689" cy="115535"/>
@@ -12277,7 +12617,7 @@
           </p:nvCxnSpPr>
           <p:spPr>
             <a:xfrm flipH="1" flipV="1">
-              <a:off x="4740112" y="446202"/>
+              <a:off x="4771102" y="2046402"/>
               <a:ext cx="0" cy="1371600"/>
             </a:xfrm>
             <a:prstGeom prst="line">
@@ -12315,7 +12655,7 @@
           </p:nvGrpSpPr>
           <p:grpSpPr>
             <a:xfrm flipH="1">
-              <a:off x="2650508" y="1704372"/>
+              <a:off x="2681498" y="3304572"/>
               <a:ext cx="2095689" cy="115535"/>
               <a:chOff x="1696832" y="2103447"/>
               <a:chExt cx="2095689" cy="115535"/>
@@ -12399,8 +12739,8 @@
             </p:style>
           </p:cxnSp>
         </p:grpSp>
-        <mc:AlternateContent xmlns:mc="http://schemas.openxmlformats.org/markup-compatibility/2006">
-          <mc:Choice xmlns:a14="http://schemas.microsoft.com/office/drawing/2010/main" Requires="a14">
+        <mc:AlternateContent xmlns:mc="http://schemas.openxmlformats.org/markup-compatibility/2006" xmlns:a14="http://schemas.microsoft.com/office/drawing/2010/main">
+          <mc:Choice Requires="a14">
             <p:sp>
               <p:nvSpPr>
                 <p:cNvPr id="79" name="TextBox 78"/>
@@ -12409,8 +12749,8 @@
               </p:nvSpPr>
               <p:spPr>
                 <a:xfrm>
-                  <a:off x="1607568" y="1311848"/>
-                  <a:ext cx="298543" cy="253916"/>
+                  <a:off x="1643321" y="2973967"/>
+                  <a:ext cx="301749" cy="253916"/>
                 </a:xfrm>
                 <a:prstGeom prst="rect">
                   <a:avLst/>
@@ -12431,7 +12771,7 @@
                       </m:oMathParaPr>
                       <m:oMath xmlns:m="http://schemas.openxmlformats.org/officeDocument/2006/math">
                         <m:r>
-                          <a:rPr lang="en-US" sz="1050" b="0" i="1" smtClean="0">
+                          <a:rPr lang="en-US" sz="1000" b="0" i="1" smtClean="0">
                             <a:latin typeface="Cambria Math" panose="02040503050406030204" pitchFamily="18" charset="0"/>
                           </a:rPr>
                           <m:t>𝑍</m:t>
@@ -12439,12 +12779,15 @@
                       </m:oMath>
                     </m:oMathPara>
                   </a14:m>
-                  <a:endParaRPr lang="en-US" sz="1050" dirty="0"/>
+                  <a:endParaRPr lang="en-US" sz="1000" dirty="0">
+                    <a:latin typeface="Times New Roman" panose="02020603050405020304" pitchFamily="18" charset="0"/>
+                    <a:cs typeface="Times New Roman" panose="02020603050405020304" pitchFamily="18" charset="0"/>
+                  </a:endParaRPr>
                 </a:p>
               </p:txBody>
             </p:sp>
           </mc:Choice>
-          <mc:Fallback>
+          <mc:Fallback xmlns="">
             <p:sp>
               <p:nvSpPr>
                 <p:cNvPr id="79" name="TextBox 78"/>
@@ -12455,14 +12798,14 @@
               </p:nvSpPr>
               <p:spPr>
                 <a:xfrm>
-                  <a:off x="1607568" y="1311848"/>
-                  <a:ext cx="298543" cy="253916"/>
+                  <a:off x="1643321" y="2973967"/>
+                  <a:ext cx="301749" cy="253916"/>
                 </a:xfrm>
                 <a:prstGeom prst="rect">
                   <a:avLst/>
                 </a:prstGeom>
                 <a:blipFill rotWithShape="0">
-                  <a:blip r:embed="rId15"/>
+                  <a:blip r:embed="rId11"/>
                   <a:stretch>
                     <a:fillRect/>
                   </a:stretch>
@@ -12483,8 +12826,8 @@
             </p:sp>
           </mc:Fallback>
         </mc:AlternateContent>
-        <mc:AlternateContent xmlns:mc="http://schemas.openxmlformats.org/markup-compatibility/2006">
-          <mc:Choice xmlns:a14="http://schemas.microsoft.com/office/drawing/2010/main" Requires="a14">
+        <mc:AlternateContent xmlns:mc="http://schemas.openxmlformats.org/markup-compatibility/2006" xmlns:a14="http://schemas.microsoft.com/office/drawing/2010/main">
+          <mc:Choice Requires="a14">
             <p:sp>
               <p:nvSpPr>
                 <p:cNvPr id="80" name="TextBox 79"/>
@@ -12493,7 +12836,7 @@
               </p:nvSpPr>
               <p:spPr>
                 <a:xfrm>
-                  <a:off x="3551060" y="1544378"/>
+                  <a:off x="3582050" y="3144578"/>
                   <a:ext cx="499559" cy="253916"/>
                 </a:xfrm>
                 <a:prstGeom prst="rect">
@@ -12517,14 +12860,14 @@
                         <m:sSubSup>
                           <m:sSubSupPr>
                             <m:ctrlPr>
-                              <a:rPr lang="en-US" sz="1050" b="0" i="1" smtClean="0">
+                              <a:rPr lang="en-US" sz="1000" b="0" i="1" smtClean="0">
                                 <a:latin typeface="Cambria Math" panose="02040503050406030204" pitchFamily="18" charset="0"/>
                               </a:rPr>
                             </m:ctrlPr>
                           </m:sSubSupPr>
                           <m:e>
                             <m:r>
-                              <a:rPr lang="en-US" sz="1050" b="0" i="1" smtClean="0">
+                              <a:rPr lang="en-US" sz="1000" b="0" i="1" smtClean="0">
                                 <a:latin typeface="Cambria Math" panose="02040503050406030204" pitchFamily="18" charset="0"/>
                               </a:rPr>
                               <m:t>𝑍</m:t>
@@ -12532,7 +12875,7 @@
                           </m:e>
                           <m:sub>
                             <m:r>
-                              <a:rPr lang="en-US" sz="1050" b="0" i="1" smtClean="0">
+                              <a:rPr lang="en-US" sz="1000" b="0" i="1" smtClean="0">
                                 <a:latin typeface="Cambria Math" panose="02040503050406030204" pitchFamily="18" charset="0"/>
                               </a:rPr>
                               <m:t>𝐸𝑁𝑃</m:t>
@@ -12540,7 +12883,7 @@
                           </m:sub>
                           <m:sup>
                             <m:r>
-                              <a:rPr lang="en-US" sz="1050" b="0" i="1" smtClean="0">
+                              <a:rPr lang="en-US" sz="1000" b="0" i="1" smtClean="0">
                                 <a:latin typeface="Cambria Math" panose="02040503050406030204" pitchFamily="18" charset="0"/>
                               </a:rPr>
                               <m:t>′</m:t>
@@ -12550,12 +12893,12 @@
                       </m:oMath>
                     </m:oMathPara>
                   </a14:m>
-                  <a:endParaRPr lang="en-US" sz="1050" dirty="0"/>
+                  <a:endParaRPr lang="en-US" sz="1000" dirty="0"/>
                 </a:p>
               </p:txBody>
             </p:sp>
           </mc:Choice>
-          <mc:Fallback>
+          <mc:Fallback xmlns="">
             <p:sp>
               <p:nvSpPr>
                 <p:cNvPr id="80" name="TextBox 79"/>
@@ -12566,14 +12909,14 @@
               </p:nvSpPr>
               <p:spPr>
                 <a:xfrm>
-                  <a:off x="3551060" y="1544378"/>
+                  <a:off x="3582050" y="3144578"/>
                   <a:ext cx="499559" cy="253916"/>
                 </a:xfrm>
                 <a:prstGeom prst="rect">
                   <a:avLst/>
                 </a:prstGeom>
                 <a:blipFill rotWithShape="0">
-                  <a:blip r:embed="rId16"/>
+                  <a:blip r:embed="rId12"/>
                   <a:stretch>
                     <a:fillRect/>
                   </a:stretch>
@@ -12602,7 +12945,7 @@
           </p:nvGrpSpPr>
           <p:grpSpPr>
             <a:xfrm>
-              <a:off x="4001678" y="137853"/>
+              <a:off x="4032668" y="1738053"/>
               <a:ext cx="784636" cy="200055"/>
               <a:chOff x="3893271" y="241540"/>
               <a:chExt cx="784636" cy="200055"/>
@@ -12783,8 +13126,8 @@
             </p:txBody>
           </p:sp>
         </p:grpSp>
-        <mc:AlternateContent xmlns:mc="http://schemas.openxmlformats.org/markup-compatibility/2006">
-          <mc:Choice xmlns:a14="http://schemas.microsoft.com/office/drawing/2010/main" Requires="a14">
+        <mc:AlternateContent xmlns:mc="http://schemas.openxmlformats.org/markup-compatibility/2006" xmlns:a14="http://schemas.microsoft.com/office/drawing/2010/main">
+          <mc:Choice Requires="a14">
             <p:sp>
               <p:nvSpPr>
                 <p:cNvPr id="86" name="TextBox 85"/>
@@ -12793,7 +13136,7 @@
               </p:nvSpPr>
               <p:spPr>
                 <a:xfrm>
-                  <a:off x="3390134" y="918013"/>
+                  <a:off x="3421124" y="2518213"/>
                   <a:ext cx="436354" cy="320490"/>
                 </a:xfrm>
                 <a:prstGeom prst="rect">
@@ -12834,7 +13177,7 @@
               </p:txBody>
             </p:sp>
           </mc:Choice>
-          <mc:Fallback>
+          <mc:Fallback xmlns="">
             <p:sp>
               <p:nvSpPr>
                 <p:cNvPr id="86" name="TextBox 85"/>
@@ -12845,14 +13188,14 @@
               </p:nvSpPr>
               <p:spPr>
                 <a:xfrm>
-                  <a:off x="3390134" y="918013"/>
+                  <a:off x="3421124" y="2518213"/>
                   <a:ext cx="436354" cy="320490"/>
                 </a:xfrm>
                 <a:prstGeom prst="rect">
                   <a:avLst/>
                 </a:prstGeom>
                 <a:blipFill rotWithShape="0">
-                  <a:blip r:embed="rId17"/>
+                  <a:blip r:embed="rId13"/>
                   <a:stretch>
                     <a:fillRect/>
                   </a:stretch>
@@ -12883,7 +13226,7 @@
           </p:nvSpPr>
           <p:spPr>
             <a:xfrm>
-              <a:off x="2955051" y="754203"/>
+              <a:off x="2986041" y="2354403"/>
               <a:ext cx="548640" cy="548640"/>
             </a:xfrm>
             <a:prstGeom prst="arc">
@@ -12933,7 +13276,7 @@
           </p:nvSpPr>
           <p:spPr>
             <a:xfrm rot="16851975">
-              <a:off x="4585353" y="357717"/>
+              <a:off x="4616343" y="1957917"/>
               <a:ext cx="692818" cy="200055"/>
             </a:xfrm>
             <a:prstGeom prst="rect">
@@ -12955,11 +13298,2637 @@
             </a:p>
           </p:txBody>
         </p:sp>
+        <mc:AlternateContent xmlns:mc="http://schemas.openxmlformats.org/markup-compatibility/2006" xmlns:a14="http://schemas.microsoft.com/office/drawing/2010/main">
+          <mc:Choice Requires="a14">
+            <p:sp>
+              <p:nvSpPr>
+                <p:cNvPr id="91" name="TextBox 90"/>
+                <p:cNvSpPr txBox="1"/>
+                <p:nvPr/>
+              </p:nvSpPr>
+              <p:spPr>
+                <a:xfrm>
+                  <a:off x="2598061" y="2179167"/>
+                  <a:ext cx="300852" cy="215444"/>
+                </a:xfrm>
+                <a:prstGeom prst="rect">
+                  <a:avLst/>
+                </a:prstGeom>
+                <a:noFill/>
+              </p:spPr>
+              <p:txBody>
+                <a:bodyPr wrap="none" rtlCol="0">
+                  <a:spAutoFit/>
+                </a:bodyPr>
+                <a:lstStyle/>
+                <a:p>
+                  <a:pPr/>
+                  <a14:m>
+                    <m:oMathPara xmlns:m="http://schemas.openxmlformats.org/officeDocument/2006/math">
+                      <m:oMathParaPr>
+                        <m:jc m:val="centerGroup"/>
+                      </m:oMathParaPr>
+                      <m:oMath xmlns:m="http://schemas.openxmlformats.org/officeDocument/2006/math">
+                        <m:sSub>
+                          <m:sSubPr>
+                            <m:ctrlPr>
+                              <a:rPr lang="en-US" sz="800" b="0" i="1" smtClean="0">
+                                <a:solidFill>
+                                  <a:srgbClr val="00B050"/>
+                                </a:solidFill>
+                                <a:latin typeface="Cambria Math" panose="02040503050406030204" pitchFamily="18" charset="0"/>
+                              </a:rPr>
+                            </m:ctrlPr>
+                          </m:sSubPr>
+                          <m:e>
+                            <m:acc>
+                              <m:accPr>
+                                <m:chr m:val="̂"/>
+                                <m:ctrlPr>
+                                  <a:rPr lang="en-US" sz="800" b="0" i="1" smtClean="0">
+                                    <a:solidFill>
+                                      <a:srgbClr val="00B050"/>
+                                    </a:solidFill>
+                                    <a:latin typeface="Cambria Math" panose="02040503050406030204" pitchFamily="18" charset="0"/>
+                                  </a:rPr>
+                                </m:ctrlPr>
+                              </m:accPr>
+                              <m:e>
+                                <m:r>
+                                  <a:rPr lang="en-US" sz="800" i="1">
+                                    <a:solidFill>
+                                      <a:srgbClr val="00B050"/>
+                                    </a:solidFill>
+                                    <a:latin typeface="Cambria Math" panose="02040503050406030204" pitchFamily="18" charset="0"/>
+                                  </a:rPr>
+                                  <m:t>𝑦</m:t>
+                                </m:r>
+                              </m:e>
+                            </m:acc>
+                          </m:e>
+                          <m:sub>
+                            <m:r>
+                              <a:rPr lang="en-US" sz="800" b="0" i="1" smtClean="0">
+                                <a:solidFill>
+                                  <a:srgbClr val="00B050"/>
+                                </a:solidFill>
+                                <a:latin typeface="Cambria Math" panose="02040503050406030204" pitchFamily="18" charset="0"/>
+                              </a:rPr>
+                              <m:t>𝑐</m:t>
+                            </m:r>
+                          </m:sub>
+                        </m:sSub>
+                      </m:oMath>
+                    </m:oMathPara>
+                  </a14:m>
+                  <a:endParaRPr lang="en-US" sz="800" dirty="0">
+                    <a:solidFill>
+                      <a:srgbClr val="00B050"/>
+                    </a:solidFill>
+                  </a:endParaRPr>
+                </a:p>
+              </p:txBody>
+            </p:sp>
+          </mc:Choice>
+          <mc:Fallback xmlns="">
+            <p:sp>
+              <p:nvSpPr>
+                <p:cNvPr id="91" name="TextBox 90"/>
+                <p:cNvSpPr txBox="1">
+                  <a:spLocks noRot="1" noChangeAspect="1" noMove="1" noResize="1" noEditPoints="1" noAdjustHandles="1" noChangeArrowheads="1" noChangeShapeType="1" noTextEdit="1"/>
+                </p:cNvSpPr>
+                <p:nvPr/>
+              </p:nvSpPr>
+              <p:spPr>
+                <a:xfrm>
+                  <a:off x="2598061" y="2179167"/>
+                  <a:ext cx="300852" cy="215444"/>
+                </a:xfrm>
+                <a:prstGeom prst="rect">
+                  <a:avLst/>
+                </a:prstGeom>
+                <a:blipFill rotWithShape="0">
+                  <a:blip r:embed="rId14"/>
+                  <a:stretch>
+                    <a:fillRect/>
+                  </a:stretch>
+                </a:blipFill>
+              </p:spPr>
+              <p:txBody>
+                <a:bodyPr/>
+                <a:lstStyle/>
+                <a:p>
+                  <a:r>
+                    <a:rPr lang="en-US">
+                      <a:noFill/>
+                    </a:rPr>
+                    <a:t> </a:t>
+                  </a:r>
+                </a:p>
+              </p:txBody>
+            </p:sp>
+          </mc:Fallback>
+        </mc:AlternateContent>
+        <mc:AlternateContent xmlns:mc="http://schemas.openxmlformats.org/markup-compatibility/2006" xmlns:a14="http://schemas.microsoft.com/office/drawing/2010/main">
+          <mc:Choice Requires="a14">
+            <p:sp>
+              <p:nvSpPr>
+                <p:cNvPr id="95" name="TextBox 94"/>
+                <p:cNvSpPr txBox="1"/>
+                <p:nvPr/>
+              </p:nvSpPr>
+              <p:spPr>
+                <a:xfrm>
+                  <a:off x="2869284" y="2685740"/>
+                  <a:ext cx="299377" cy="215444"/>
+                </a:xfrm>
+                <a:prstGeom prst="rect">
+                  <a:avLst/>
+                </a:prstGeom>
+                <a:noFill/>
+              </p:spPr>
+              <p:txBody>
+                <a:bodyPr wrap="none" rtlCol="0">
+                  <a:spAutoFit/>
+                </a:bodyPr>
+                <a:lstStyle/>
+                <a:p>
+                  <a:pPr/>
+                  <a14:m>
+                    <m:oMathPara xmlns:m="http://schemas.openxmlformats.org/officeDocument/2006/math">
+                      <m:oMathParaPr>
+                        <m:jc m:val="centerGroup"/>
+                      </m:oMathParaPr>
+                      <m:oMath xmlns:m="http://schemas.openxmlformats.org/officeDocument/2006/math">
+                        <m:sSub>
+                          <m:sSubPr>
+                            <m:ctrlPr>
+                              <a:rPr lang="en-US" sz="800" b="0" i="1" smtClean="0">
+                                <a:solidFill>
+                                  <a:srgbClr val="1C87FC"/>
+                                </a:solidFill>
+                                <a:latin typeface="Cambria Math" panose="02040503050406030204" pitchFamily="18" charset="0"/>
+                              </a:rPr>
+                            </m:ctrlPr>
+                          </m:sSubPr>
+                          <m:e>
+                            <m:acc>
+                              <m:accPr>
+                                <m:chr m:val="̂"/>
+                                <m:ctrlPr>
+                                  <a:rPr lang="en-US" sz="800" b="0" i="1" smtClean="0">
+                                    <a:solidFill>
+                                      <a:srgbClr val="1C87FC"/>
+                                    </a:solidFill>
+                                    <a:latin typeface="Cambria Math" panose="02040503050406030204" pitchFamily="18" charset="0"/>
+                                  </a:rPr>
+                                </m:ctrlPr>
+                              </m:accPr>
+                              <m:e>
+                                <m:r>
+                                  <a:rPr lang="en-US" sz="800" i="1">
+                                    <a:solidFill>
+                                      <a:srgbClr val="1C87FC"/>
+                                    </a:solidFill>
+                                    <a:latin typeface="Cambria Math" panose="02040503050406030204" pitchFamily="18" charset="0"/>
+                                  </a:rPr>
+                                  <m:t>𝑧</m:t>
+                                </m:r>
+                              </m:e>
+                            </m:acc>
+                          </m:e>
+                          <m:sub>
+                            <m:r>
+                              <a:rPr lang="en-US" sz="800" b="0" i="1" smtClean="0">
+                                <a:solidFill>
+                                  <a:srgbClr val="1C87FC"/>
+                                </a:solidFill>
+                                <a:latin typeface="Cambria Math" panose="02040503050406030204" pitchFamily="18" charset="0"/>
+                              </a:rPr>
+                              <m:t>𝑐</m:t>
+                            </m:r>
+                          </m:sub>
+                        </m:sSub>
+                      </m:oMath>
+                    </m:oMathPara>
+                  </a14:m>
+                  <a:endParaRPr lang="en-US" sz="800" dirty="0">
+                    <a:solidFill>
+                      <a:srgbClr val="1C87FC"/>
+                    </a:solidFill>
+                  </a:endParaRPr>
+                </a:p>
+              </p:txBody>
+            </p:sp>
+          </mc:Choice>
+          <mc:Fallback xmlns="">
+            <p:sp>
+              <p:nvSpPr>
+                <p:cNvPr id="95" name="TextBox 94"/>
+                <p:cNvSpPr txBox="1">
+                  <a:spLocks noRot="1" noChangeAspect="1" noMove="1" noResize="1" noEditPoints="1" noAdjustHandles="1" noChangeArrowheads="1" noChangeShapeType="1" noTextEdit="1"/>
+                </p:cNvSpPr>
+                <p:nvPr/>
+              </p:nvSpPr>
+              <p:spPr>
+                <a:xfrm>
+                  <a:off x="2869284" y="2685740"/>
+                  <a:ext cx="299377" cy="215444"/>
+                </a:xfrm>
+                <a:prstGeom prst="rect">
+                  <a:avLst/>
+                </a:prstGeom>
+                <a:blipFill rotWithShape="0">
+                  <a:blip r:embed="rId15"/>
+                  <a:stretch>
+                    <a:fillRect/>
+                  </a:stretch>
+                </a:blipFill>
+              </p:spPr>
+              <p:txBody>
+                <a:bodyPr/>
+                <a:lstStyle/>
+                <a:p>
+                  <a:r>
+                    <a:rPr lang="en-US">
+                      <a:noFill/>
+                    </a:rPr>
+                    <a:t> </a:t>
+                  </a:r>
+                </a:p>
+              </p:txBody>
+            </p:sp>
+          </mc:Fallback>
+        </mc:AlternateContent>
+        <mc:AlternateContent xmlns:mc="http://schemas.openxmlformats.org/markup-compatibility/2006" xmlns:a14="http://schemas.microsoft.com/office/drawing/2010/main">
+          <mc:Choice Requires="a14">
+            <p:sp>
+              <p:nvSpPr>
+                <p:cNvPr id="96" name="TextBox 95"/>
+                <p:cNvSpPr txBox="1"/>
+                <p:nvPr/>
+              </p:nvSpPr>
+              <p:spPr>
+                <a:xfrm rot="21041056">
+                  <a:off x="2833504" y="2448813"/>
+                  <a:ext cx="305917" cy="225062"/>
+                </a:xfrm>
+                <a:prstGeom prst="rect">
+                  <a:avLst/>
+                </a:prstGeom>
+                <a:noFill/>
+              </p:spPr>
+              <p:txBody>
+                <a:bodyPr wrap="none" rtlCol="0">
+                  <a:spAutoFit/>
+                </a:bodyPr>
+                <a:lstStyle/>
+                <a:p>
+                  <a:pPr/>
+                  <a14:m>
+                    <m:oMathPara xmlns:m="http://schemas.openxmlformats.org/officeDocument/2006/math">
+                      <m:oMathParaPr>
+                        <m:jc m:val="centerGroup"/>
+                      </m:oMathParaPr>
+                      <m:oMath xmlns:m="http://schemas.openxmlformats.org/officeDocument/2006/math">
+                        <m:sSub>
+                          <m:sSubPr>
+                            <m:ctrlPr>
+                              <a:rPr lang="en-US" sz="800" b="0" i="1" smtClean="0">
+                                <a:solidFill>
+                                  <a:srgbClr val="1C87FC"/>
+                                </a:solidFill>
+                                <a:latin typeface="Cambria Math" panose="02040503050406030204" pitchFamily="18" charset="0"/>
+                              </a:rPr>
+                            </m:ctrlPr>
+                          </m:sSubPr>
+                          <m:e>
+                            <m:acc>
+                              <m:accPr>
+                                <m:chr m:val="̂"/>
+                                <m:ctrlPr>
+                                  <a:rPr lang="en-US" sz="800" b="0" i="1" smtClean="0">
+                                    <a:solidFill>
+                                      <a:srgbClr val="1C87FC"/>
+                                    </a:solidFill>
+                                    <a:latin typeface="Cambria Math" panose="02040503050406030204" pitchFamily="18" charset="0"/>
+                                  </a:rPr>
+                                </m:ctrlPr>
+                              </m:accPr>
+                              <m:e>
+                                <m:r>
+                                  <a:rPr lang="en-US" sz="800" i="1">
+                                    <a:solidFill>
+                                      <a:srgbClr val="1C87FC"/>
+                                    </a:solidFill>
+                                    <a:latin typeface="Cambria Math" panose="02040503050406030204" pitchFamily="18" charset="0"/>
+                                  </a:rPr>
+                                  <m:t>𝑧</m:t>
+                                </m:r>
+                              </m:e>
+                            </m:acc>
+                          </m:e>
+                          <m:sub>
+                            <m:r>
+                              <a:rPr lang="en-US" sz="800" b="0" i="1" smtClean="0">
+                                <a:solidFill>
+                                  <a:srgbClr val="1C87FC"/>
+                                </a:solidFill>
+                                <a:latin typeface="Cambria Math" panose="02040503050406030204" pitchFamily="18" charset="0"/>
+                              </a:rPr>
+                              <m:t>𝑝</m:t>
+                            </m:r>
+                          </m:sub>
+                        </m:sSub>
+                      </m:oMath>
+                    </m:oMathPara>
+                  </a14:m>
+                  <a:endParaRPr lang="en-US" sz="800" dirty="0">
+                    <a:solidFill>
+                      <a:srgbClr val="1C87FC"/>
+                    </a:solidFill>
+                  </a:endParaRPr>
+                </a:p>
+              </p:txBody>
+            </p:sp>
+          </mc:Choice>
+          <mc:Fallback xmlns="">
+            <p:sp>
+              <p:nvSpPr>
+                <p:cNvPr id="96" name="TextBox 95"/>
+                <p:cNvSpPr txBox="1">
+                  <a:spLocks noRot="1" noChangeAspect="1" noMove="1" noResize="1" noEditPoints="1" noAdjustHandles="1" noChangeArrowheads="1" noChangeShapeType="1" noTextEdit="1"/>
+                </p:cNvSpPr>
+                <p:nvPr/>
+              </p:nvSpPr>
+              <p:spPr>
+                <a:xfrm rot="21041056">
+                  <a:off x="2833504" y="2448813"/>
+                  <a:ext cx="305917" cy="225062"/>
+                </a:xfrm>
+                <a:prstGeom prst="rect">
+                  <a:avLst/>
+                </a:prstGeom>
+                <a:blipFill rotWithShape="0">
+                  <a:blip r:embed="rId16"/>
+                  <a:stretch>
+                    <a:fillRect/>
+                  </a:stretch>
+                </a:blipFill>
+              </p:spPr>
+              <p:txBody>
+                <a:bodyPr/>
+                <a:lstStyle/>
+                <a:p>
+                  <a:r>
+                    <a:rPr lang="en-US">
+                      <a:noFill/>
+                    </a:rPr>
+                    <a:t> </a:t>
+                  </a:r>
+                </a:p>
+              </p:txBody>
+            </p:sp>
+          </mc:Fallback>
+        </mc:AlternateContent>
+        <mc:AlternateContent xmlns:mc="http://schemas.openxmlformats.org/markup-compatibility/2006" xmlns:a14="http://schemas.microsoft.com/office/drawing/2010/main">
+          <mc:Choice Requires="a14">
+            <p:sp>
+              <p:nvSpPr>
+                <p:cNvPr id="97" name="TextBox 96"/>
+                <p:cNvSpPr txBox="1"/>
+                <p:nvPr/>
+              </p:nvSpPr>
+              <p:spPr>
+                <a:xfrm>
+                  <a:off x="2404544" y="2178262"/>
+                  <a:ext cx="307392" cy="225062"/>
+                </a:xfrm>
+                <a:prstGeom prst="rect">
+                  <a:avLst/>
+                </a:prstGeom>
+                <a:noFill/>
+              </p:spPr>
+              <p:txBody>
+                <a:bodyPr wrap="none" rtlCol="0">
+                  <a:spAutoFit/>
+                </a:bodyPr>
+                <a:lstStyle/>
+                <a:p>
+                  <a:pPr/>
+                  <a14:m>
+                    <m:oMathPara xmlns:m="http://schemas.openxmlformats.org/officeDocument/2006/math">
+                      <m:oMathParaPr>
+                        <m:jc m:val="centerGroup"/>
+                      </m:oMathParaPr>
+                      <m:oMath xmlns:m="http://schemas.openxmlformats.org/officeDocument/2006/math">
+                        <m:sSub>
+                          <m:sSubPr>
+                            <m:ctrlPr>
+                              <a:rPr lang="en-US" sz="800" b="0" i="1" smtClean="0">
+                                <a:solidFill>
+                                  <a:srgbClr val="00B050"/>
+                                </a:solidFill>
+                                <a:latin typeface="Cambria Math" panose="02040503050406030204" pitchFamily="18" charset="0"/>
+                              </a:rPr>
+                            </m:ctrlPr>
+                          </m:sSubPr>
+                          <m:e>
+                            <m:acc>
+                              <m:accPr>
+                                <m:chr m:val="̂"/>
+                                <m:ctrlPr>
+                                  <a:rPr lang="en-US" sz="800" b="0" i="1" smtClean="0">
+                                    <a:solidFill>
+                                      <a:srgbClr val="00B050"/>
+                                    </a:solidFill>
+                                    <a:latin typeface="Cambria Math" panose="02040503050406030204" pitchFamily="18" charset="0"/>
+                                  </a:rPr>
+                                </m:ctrlPr>
+                              </m:accPr>
+                              <m:e>
+                                <m:r>
+                                  <a:rPr lang="en-US" sz="800" i="1">
+                                    <a:solidFill>
+                                      <a:srgbClr val="00B050"/>
+                                    </a:solidFill>
+                                    <a:latin typeface="Cambria Math" panose="02040503050406030204" pitchFamily="18" charset="0"/>
+                                  </a:rPr>
+                                  <m:t>𝑦</m:t>
+                                </m:r>
+                              </m:e>
+                            </m:acc>
+                          </m:e>
+                          <m:sub>
+                            <m:r>
+                              <a:rPr lang="en-US" sz="800" b="0" i="1" smtClean="0">
+                                <a:solidFill>
+                                  <a:srgbClr val="00B050"/>
+                                </a:solidFill>
+                                <a:latin typeface="Cambria Math" panose="02040503050406030204" pitchFamily="18" charset="0"/>
+                              </a:rPr>
+                              <m:t>𝑝</m:t>
+                            </m:r>
+                          </m:sub>
+                        </m:sSub>
+                      </m:oMath>
+                    </m:oMathPara>
+                  </a14:m>
+                  <a:endParaRPr lang="en-US" sz="800" dirty="0">
+                    <a:solidFill>
+                      <a:srgbClr val="00B050"/>
+                    </a:solidFill>
+                  </a:endParaRPr>
+                </a:p>
+              </p:txBody>
+            </p:sp>
+          </mc:Choice>
+          <mc:Fallback xmlns="">
+            <p:sp>
+              <p:nvSpPr>
+                <p:cNvPr id="97" name="TextBox 96"/>
+                <p:cNvSpPr txBox="1">
+                  <a:spLocks noRot="1" noChangeAspect="1" noMove="1" noResize="1" noEditPoints="1" noAdjustHandles="1" noChangeArrowheads="1" noChangeShapeType="1" noTextEdit="1"/>
+                </p:cNvSpPr>
+                <p:nvPr/>
+              </p:nvSpPr>
+              <p:spPr>
+                <a:xfrm>
+                  <a:off x="2404544" y="2178262"/>
+                  <a:ext cx="307392" cy="225062"/>
+                </a:xfrm>
+                <a:prstGeom prst="rect">
+                  <a:avLst/>
+                </a:prstGeom>
+                <a:blipFill rotWithShape="0">
+                  <a:blip r:embed="rId17"/>
+                  <a:stretch>
+                    <a:fillRect/>
+                  </a:stretch>
+                </a:blipFill>
+              </p:spPr>
+              <p:txBody>
+                <a:bodyPr/>
+                <a:lstStyle/>
+                <a:p>
+                  <a:r>
+                    <a:rPr lang="en-US">
+                      <a:noFill/>
+                    </a:rPr>
+                    <a:t> </a:t>
+                  </a:r>
+                </a:p>
+              </p:txBody>
+            </p:sp>
+          </mc:Fallback>
+        </mc:AlternateContent>
+        <mc:AlternateContent xmlns:mc="http://schemas.openxmlformats.org/markup-compatibility/2006" xmlns:a14="http://schemas.microsoft.com/office/drawing/2010/main">
+          <mc:Choice Requires="a14">
+            <p:sp>
+              <p:nvSpPr>
+                <p:cNvPr id="100" name="TextBox 99"/>
+                <p:cNvSpPr txBox="1"/>
+                <p:nvPr/>
+              </p:nvSpPr>
+              <p:spPr>
+                <a:xfrm>
+                  <a:off x="4542840" y="2522175"/>
+                  <a:ext cx="328360" cy="215444"/>
+                </a:xfrm>
+                <a:prstGeom prst="rect">
+                  <a:avLst/>
+                </a:prstGeom>
+                <a:noFill/>
+              </p:spPr>
+              <p:txBody>
+                <a:bodyPr wrap="none" rtlCol="0">
+                  <a:spAutoFit/>
+                </a:bodyPr>
+                <a:lstStyle/>
+                <a:p>
+                  <a:pPr/>
+                  <a14:m>
+                    <m:oMathPara xmlns:m="http://schemas.openxmlformats.org/officeDocument/2006/math">
+                      <m:oMathParaPr>
+                        <m:jc m:val="centerGroup"/>
+                      </m:oMathParaPr>
+                      <m:oMath xmlns:m="http://schemas.openxmlformats.org/officeDocument/2006/math">
+                        <m:d>
+                          <m:dPr>
+                            <m:begChr m:val="{"/>
+                            <m:endChr m:val="}"/>
+                            <m:ctrlPr>
+                              <a:rPr lang="en-US" sz="800" b="0" i="1" smtClean="0">
+                                <a:solidFill>
+                                  <a:schemeClr val="tx1"/>
+                                </a:solidFill>
+                                <a:latin typeface="Cambria Math" panose="02040503050406030204" pitchFamily="18" charset="0"/>
+                              </a:rPr>
+                            </m:ctrlPr>
+                          </m:dPr>
+                          <m:e>
+                            <m:r>
+                              <a:rPr lang="en-US" sz="800" b="0" i="1" smtClean="0">
+                                <a:solidFill>
+                                  <a:schemeClr val="tx1"/>
+                                </a:solidFill>
+                                <a:latin typeface="Cambria Math" panose="02040503050406030204" pitchFamily="18" charset="0"/>
+                              </a:rPr>
+                              <m:t>𝐼</m:t>
+                            </m:r>
+                          </m:e>
+                        </m:d>
+                      </m:oMath>
+                    </m:oMathPara>
+                  </a14:m>
+                  <a:endParaRPr lang="en-US" sz="800" dirty="0">
+                    <a:solidFill>
+                      <a:schemeClr val="tx1"/>
+                    </a:solidFill>
+                  </a:endParaRPr>
+                </a:p>
+              </p:txBody>
+            </p:sp>
+          </mc:Choice>
+          <mc:Fallback xmlns="">
+            <p:sp>
+              <p:nvSpPr>
+                <p:cNvPr id="100" name="TextBox 99"/>
+                <p:cNvSpPr txBox="1">
+                  <a:spLocks noRot="1" noChangeAspect="1" noMove="1" noResize="1" noEditPoints="1" noAdjustHandles="1" noChangeArrowheads="1" noChangeShapeType="1" noTextEdit="1"/>
+                </p:cNvSpPr>
+                <p:nvPr/>
+              </p:nvSpPr>
+              <p:spPr>
+                <a:xfrm>
+                  <a:off x="4542840" y="2522175"/>
+                  <a:ext cx="328360" cy="215444"/>
+                </a:xfrm>
+                <a:prstGeom prst="rect">
+                  <a:avLst/>
+                </a:prstGeom>
+                <a:blipFill rotWithShape="0">
+                  <a:blip r:embed="rId18"/>
+                  <a:stretch>
+                    <a:fillRect/>
+                  </a:stretch>
+                </a:blipFill>
+              </p:spPr>
+              <p:txBody>
+                <a:bodyPr/>
+                <a:lstStyle/>
+                <a:p>
+                  <a:r>
+                    <a:rPr lang="en-US">
+                      <a:noFill/>
+                    </a:rPr>
+                    <a:t> </a:t>
+                  </a:r>
+                </a:p>
+              </p:txBody>
+            </p:sp>
+          </mc:Fallback>
+        </mc:AlternateContent>
+        <p:grpSp>
+          <p:nvGrpSpPr>
+            <p:cNvPr id="2" name="Group 1"/>
+            <p:cNvGrpSpPr/>
+            <p:nvPr/>
+          </p:nvGrpSpPr>
+          <p:grpSpPr>
+            <a:xfrm>
+              <a:off x="4769816" y="2349162"/>
+              <a:ext cx="365760" cy="401192"/>
+              <a:chOff x="4769816" y="2349162"/>
+              <a:chExt cx="365760" cy="401192"/>
+            </a:xfrm>
+          </p:grpSpPr>
+          <p:cxnSp>
+            <p:nvCxnSpPr>
+              <p:cNvPr id="123" name="Straight Arrow Connector 122"/>
+              <p:cNvCxnSpPr/>
+              <p:nvPr/>
+            </p:nvCxnSpPr>
+            <p:spPr>
+              <a:xfrm rot="6060000" flipV="1">
+                <a:off x="4952696" y="2567474"/>
+                <a:ext cx="0" cy="365760"/>
+              </a:xfrm>
+              <a:prstGeom prst="straightConnector1">
+                <a:avLst/>
+              </a:prstGeom>
+              <a:ln w="9525">
+                <a:solidFill>
+                  <a:srgbClr val="1C87FC"/>
+                </a:solidFill>
+                <a:prstDash val="sysDot"/>
+                <a:headEnd type="none" w="med" len="med"/>
+                <a:tailEnd type="triangle" w="sm" len="lg"/>
+              </a:ln>
+              <a:effectLst>
+                <a:outerShdw blurRad="12700" dir="2700000" algn="tl" rotWithShape="0">
+                  <a:prstClr val="black">
+                    <a:alpha val="50000"/>
+                  </a:prstClr>
+                </a:outerShdw>
+              </a:effectLst>
+            </p:spPr>
+            <p:style>
+              <a:lnRef idx="1">
+                <a:schemeClr val="accent1"/>
+              </a:lnRef>
+              <a:fillRef idx="0">
+                <a:schemeClr val="accent1"/>
+              </a:fillRef>
+              <a:effectRef idx="0">
+                <a:schemeClr val="accent1"/>
+              </a:effectRef>
+              <a:fontRef idx="minor">
+                <a:schemeClr val="tx1"/>
+              </a:fontRef>
+            </p:style>
+          </p:cxnSp>
+          <p:cxnSp>
+            <p:nvCxnSpPr>
+              <p:cNvPr id="99" name="Straight Arrow Connector 98"/>
+              <p:cNvCxnSpPr/>
+              <p:nvPr/>
+            </p:nvCxnSpPr>
+            <p:spPr>
+              <a:xfrm rot="660000" flipV="1">
+                <a:off x="4809512" y="2349162"/>
+                <a:ext cx="0" cy="365760"/>
+              </a:xfrm>
+              <a:prstGeom prst="straightConnector1">
+                <a:avLst/>
+              </a:prstGeom>
+              <a:ln w="9525">
+                <a:solidFill>
+                  <a:srgbClr val="00B050"/>
+                </a:solidFill>
+                <a:prstDash val="sysDot"/>
+                <a:headEnd type="none" w="med" len="med"/>
+                <a:tailEnd type="triangle" w="sm" len="lg"/>
+              </a:ln>
+              <a:effectLst>
+                <a:outerShdw blurRad="12700" dir="2700000" algn="tl" rotWithShape="0">
+                  <a:prstClr val="black">
+                    <a:alpha val="50000"/>
+                  </a:prstClr>
+                </a:outerShdw>
+              </a:effectLst>
+            </p:spPr>
+            <p:style>
+              <a:lnRef idx="1">
+                <a:schemeClr val="accent1"/>
+              </a:lnRef>
+              <a:fillRef idx="0">
+                <a:schemeClr val="accent1"/>
+              </a:fillRef>
+              <a:effectRef idx="0">
+                <a:schemeClr val="accent1"/>
+              </a:effectRef>
+              <a:fontRef idx="minor">
+                <a:schemeClr val="tx1"/>
+              </a:fontRef>
+            </p:style>
+          </p:cxnSp>
+        </p:grpSp>
+        <p:sp>
+          <p:nvSpPr>
+            <p:cNvPr id="121" name="Oval 120"/>
+            <p:cNvSpPr>
+              <a:spLocks noChangeAspect="1"/>
+            </p:cNvSpPr>
+            <p:nvPr/>
+          </p:nvSpPr>
+          <p:spPr>
+            <a:xfrm>
+              <a:off x="4754516" y="2690660"/>
+              <a:ext cx="45720" cy="45720"/>
+            </a:xfrm>
+            <a:prstGeom prst="ellipse">
+              <a:avLst/>
+            </a:prstGeom>
+            <a:solidFill>
+              <a:schemeClr val="tx1"/>
+            </a:solidFill>
+            <a:ln>
+              <a:solidFill>
+                <a:srgbClr val="92D050"/>
+              </a:solidFill>
+            </a:ln>
+          </p:spPr>
+          <p:style>
+            <a:lnRef idx="2">
+              <a:schemeClr val="accent1">
+                <a:shade val="50000"/>
+              </a:schemeClr>
+            </a:lnRef>
+            <a:fillRef idx="1">
+              <a:schemeClr val="accent1"/>
+            </a:fillRef>
+            <a:effectRef idx="0">
+              <a:schemeClr val="accent1"/>
+            </a:effectRef>
+            <a:fontRef idx="minor">
+              <a:schemeClr val="lt1"/>
+            </a:fontRef>
+          </p:style>
+          <p:txBody>
+            <a:bodyPr rtlCol="0" anchor="ctr"/>
+            <a:lstStyle/>
+            <a:p>
+              <a:pPr algn="ctr"/>
+              <a:endParaRPr lang="en-US"/>
+            </a:p>
+          </p:txBody>
+        </p:sp>
+        <mc:AlternateContent xmlns:mc="http://schemas.openxmlformats.org/markup-compatibility/2006" xmlns:a14="http://schemas.microsoft.com/office/drawing/2010/main">
+          <mc:Choice Requires="a14">
+            <p:sp>
+              <p:nvSpPr>
+                <p:cNvPr id="101" name="TextBox 100"/>
+                <p:cNvSpPr txBox="1"/>
+                <p:nvPr/>
+              </p:nvSpPr>
+              <p:spPr>
+                <a:xfrm>
+                  <a:off x="4761981" y="2297324"/>
+                  <a:ext cx="294183" cy="215444"/>
+                </a:xfrm>
+                <a:prstGeom prst="rect">
+                  <a:avLst/>
+                </a:prstGeom>
+                <a:noFill/>
+              </p:spPr>
+              <p:txBody>
+                <a:bodyPr wrap="none" rtlCol="0">
+                  <a:spAutoFit/>
+                </a:bodyPr>
+                <a:lstStyle/>
+                <a:p>
+                  <a:pPr/>
+                  <a14:m>
+                    <m:oMathPara xmlns:m="http://schemas.openxmlformats.org/officeDocument/2006/math">
+                      <m:oMathParaPr>
+                        <m:jc m:val="centerGroup"/>
+                      </m:oMathParaPr>
+                      <m:oMath xmlns:m="http://schemas.openxmlformats.org/officeDocument/2006/math">
+                        <m:sSub>
+                          <m:sSubPr>
+                            <m:ctrlPr>
+                              <a:rPr lang="en-US" sz="800" b="0" i="1" smtClean="0">
+                                <a:solidFill>
+                                  <a:srgbClr val="00B050"/>
+                                </a:solidFill>
+                                <a:latin typeface="Cambria Math" panose="02040503050406030204" pitchFamily="18" charset="0"/>
+                              </a:rPr>
+                            </m:ctrlPr>
+                          </m:sSubPr>
+                          <m:e>
+                            <m:acc>
+                              <m:accPr>
+                                <m:chr m:val="̂"/>
+                                <m:ctrlPr>
+                                  <a:rPr lang="en-US" sz="800" b="0" i="1" smtClean="0">
+                                    <a:solidFill>
+                                      <a:srgbClr val="00B050"/>
+                                    </a:solidFill>
+                                    <a:latin typeface="Cambria Math" panose="02040503050406030204" pitchFamily="18" charset="0"/>
+                                  </a:rPr>
+                                </m:ctrlPr>
+                              </m:accPr>
+                              <m:e>
+                                <m:r>
+                                  <a:rPr lang="en-US" sz="800" i="1">
+                                    <a:solidFill>
+                                      <a:srgbClr val="00B050"/>
+                                    </a:solidFill>
+                                    <a:latin typeface="Cambria Math" panose="02040503050406030204" pitchFamily="18" charset="0"/>
+                                  </a:rPr>
+                                  <m:t>𝑦</m:t>
+                                </m:r>
+                              </m:e>
+                            </m:acc>
+                          </m:e>
+                          <m:sub>
+                            <m:r>
+                              <a:rPr lang="en-US" sz="800" b="0" i="1" smtClean="0">
+                                <a:solidFill>
+                                  <a:srgbClr val="00B050"/>
+                                </a:solidFill>
+                                <a:latin typeface="Cambria Math" panose="02040503050406030204" pitchFamily="18" charset="0"/>
+                              </a:rPr>
+                              <m:t>𝑖</m:t>
+                            </m:r>
+                          </m:sub>
+                        </m:sSub>
+                      </m:oMath>
+                    </m:oMathPara>
+                  </a14:m>
+                  <a:endParaRPr lang="en-US" sz="800" dirty="0">
+                    <a:solidFill>
+                      <a:srgbClr val="00B050"/>
+                    </a:solidFill>
+                  </a:endParaRPr>
+                </a:p>
+              </p:txBody>
+            </p:sp>
+          </mc:Choice>
+          <mc:Fallback xmlns="">
+            <p:sp>
+              <p:nvSpPr>
+                <p:cNvPr id="101" name="TextBox 100"/>
+                <p:cNvSpPr txBox="1">
+                  <a:spLocks noRot="1" noChangeAspect="1" noMove="1" noResize="1" noEditPoints="1" noAdjustHandles="1" noChangeArrowheads="1" noChangeShapeType="1" noTextEdit="1"/>
+                </p:cNvSpPr>
+                <p:nvPr/>
+              </p:nvSpPr>
+              <p:spPr>
+                <a:xfrm>
+                  <a:off x="4761981" y="2297324"/>
+                  <a:ext cx="294183" cy="215444"/>
+                </a:xfrm>
+                <a:prstGeom prst="rect">
+                  <a:avLst/>
+                </a:prstGeom>
+                <a:blipFill rotWithShape="0">
+                  <a:blip r:embed="rId19"/>
+                  <a:stretch>
+                    <a:fillRect/>
+                  </a:stretch>
+                </a:blipFill>
+              </p:spPr>
+              <p:txBody>
+                <a:bodyPr/>
+                <a:lstStyle/>
+                <a:p>
+                  <a:r>
+                    <a:rPr lang="en-US">
+                      <a:noFill/>
+                    </a:rPr>
+                    <a:t> </a:t>
+                  </a:r>
+                </a:p>
+              </p:txBody>
+            </p:sp>
+          </mc:Fallback>
+        </mc:AlternateContent>
+        <mc:AlternateContent xmlns:mc="http://schemas.openxmlformats.org/markup-compatibility/2006" xmlns:a14="http://schemas.microsoft.com/office/drawing/2010/main">
+          <mc:Choice Requires="a14">
+            <p:sp>
+              <p:nvSpPr>
+                <p:cNvPr id="102" name="TextBox 101"/>
+                <p:cNvSpPr txBox="1"/>
+                <p:nvPr/>
+              </p:nvSpPr>
+              <p:spPr>
+                <a:xfrm>
+                  <a:off x="4945734" y="2585728"/>
+                  <a:ext cx="286745" cy="215444"/>
+                </a:xfrm>
+                <a:prstGeom prst="rect">
+                  <a:avLst/>
+                </a:prstGeom>
+                <a:noFill/>
+              </p:spPr>
+              <p:txBody>
+                <a:bodyPr wrap="none" rtlCol="0">
+                  <a:spAutoFit/>
+                </a:bodyPr>
+                <a:lstStyle/>
+                <a:p>
+                  <a:pPr/>
+                  <a14:m>
+                    <m:oMathPara xmlns:m="http://schemas.openxmlformats.org/officeDocument/2006/math">
+                      <m:oMathParaPr>
+                        <m:jc m:val="centerGroup"/>
+                      </m:oMathParaPr>
+                      <m:oMath xmlns:m="http://schemas.openxmlformats.org/officeDocument/2006/math">
+                        <m:sSub>
+                          <m:sSubPr>
+                            <m:ctrlPr>
+                              <a:rPr lang="en-US" sz="800" b="0" i="1" smtClean="0">
+                                <a:solidFill>
+                                  <a:srgbClr val="1C87FC"/>
+                                </a:solidFill>
+                                <a:latin typeface="Cambria Math" panose="02040503050406030204" pitchFamily="18" charset="0"/>
+                              </a:rPr>
+                            </m:ctrlPr>
+                          </m:sSubPr>
+                          <m:e>
+                            <m:acc>
+                              <m:accPr>
+                                <m:chr m:val="̂"/>
+                                <m:ctrlPr>
+                                  <a:rPr lang="en-US" sz="800" b="0" i="1" smtClean="0">
+                                    <a:solidFill>
+                                      <a:srgbClr val="1C87FC"/>
+                                    </a:solidFill>
+                                    <a:latin typeface="Cambria Math" panose="02040503050406030204" pitchFamily="18" charset="0"/>
+                                  </a:rPr>
+                                </m:ctrlPr>
+                              </m:accPr>
+                              <m:e>
+                                <m:r>
+                                  <a:rPr lang="en-US" sz="800" i="1">
+                                    <a:solidFill>
+                                      <a:srgbClr val="1C87FC"/>
+                                    </a:solidFill>
+                                    <a:latin typeface="Cambria Math" panose="02040503050406030204" pitchFamily="18" charset="0"/>
+                                  </a:rPr>
+                                  <m:t>𝑧</m:t>
+                                </m:r>
+                              </m:e>
+                            </m:acc>
+                          </m:e>
+                          <m:sub>
+                            <m:r>
+                              <a:rPr lang="en-US" sz="800" b="0" i="1" smtClean="0">
+                                <a:solidFill>
+                                  <a:srgbClr val="1C87FC"/>
+                                </a:solidFill>
+                                <a:latin typeface="Cambria Math" panose="02040503050406030204" pitchFamily="18" charset="0"/>
+                              </a:rPr>
+                              <m:t>𝑖</m:t>
+                            </m:r>
+                          </m:sub>
+                        </m:sSub>
+                      </m:oMath>
+                    </m:oMathPara>
+                  </a14:m>
+                  <a:endParaRPr lang="en-US" sz="800" dirty="0">
+                    <a:solidFill>
+                      <a:srgbClr val="1C87FC"/>
+                    </a:solidFill>
+                  </a:endParaRPr>
+                </a:p>
+              </p:txBody>
+            </p:sp>
+          </mc:Choice>
+          <mc:Fallback xmlns="">
+            <p:sp>
+              <p:nvSpPr>
+                <p:cNvPr id="102" name="TextBox 101"/>
+                <p:cNvSpPr txBox="1">
+                  <a:spLocks noRot="1" noChangeAspect="1" noMove="1" noResize="1" noEditPoints="1" noAdjustHandles="1" noChangeArrowheads="1" noChangeShapeType="1" noTextEdit="1"/>
+                </p:cNvSpPr>
+                <p:nvPr/>
+              </p:nvSpPr>
+              <p:spPr>
+                <a:xfrm>
+                  <a:off x="4945734" y="2585728"/>
+                  <a:ext cx="286745" cy="215444"/>
+                </a:xfrm>
+                <a:prstGeom prst="rect">
+                  <a:avLst/>
+                </a:prstGeom>
+                <a:blipFill rotWithShape="0">
+                  <a:blip r:embed="rId20"/>
+                  <a:stretch>
+                    <a:fillRect r="-2128"/>
+                  </a:stretch>
+                </a:blipFill>
+              </p:spPr>
+              <p:txBody>
+                <a:bodyPr/>
+                <a:lstStyle/>
+                <a:p>
+                  <a:r>
+                    <a:rPr lang="en-US">
+                      <a:noFill/>
+                    </a:rPr>
+                    <a:t> </a:t>
+                  </a:r>
+                </a:p>
+              </p:txBody>
+            </p:sp>
+          </mc:Fallback>
+        </mc:AlternateContent>
+        <p:cxnSp>
+          <p:nvCxnSpPr>
+            <p:cNvPr id="103" name="Straight Arrow Connector 102"/>
+            <p:cNvCxnSpPr/>
+            <p:nvPr/>
+          </p:nvCxnSpPr>
+          <p:spPr>
+            <a:xfrm rot="6060000" flipV="1">
+              <a:off x="4933646" y="2696061"/>
+              <a:ext cx="0" cy="365760"/>
+            </a:xfrm>
+            <a:prstGeom prst="straightConnector1">
+              <a:avLst/>
+            </a:prstGeom>
+            <a:ln w="6350">
+              <a:solidFill>
+                <a:schemeClr val="tx1">
+                  <a:lumMod val="95000"/>
+                  <a:lumOff val="5000"/>
+                </a:schemeClr>
+              </a:solidFill>
+              <a:prstDash val="solid"/>
+              <a:headEnd type="none" w="med" len="med"/>
+              <a:tailEnd type="triangle" w="sm" len="lg"/>
+            </a:ln>
+            <a:effectLst/>
+          </p:spPr>
+          <p:style>
+            <a:lnRef idx="1">
+              <a:schemeClr val="accent1"/>
+            </a:lnRef>
+            <a:fillRef idx="0">
+              <a:schemeClr val="accent1"/>
+            </a:fillRef>
+            <a:effectRef idx="0">
+              <a:schemeClr val="accent1"/>
+            </a:effectRef>
+            <a:fontRef idx="minor">
+              <a:schemeClr val="tx1"/>
+            </a:fontRef>
+          </p:style>
+        </p:cxnSp>
       </p:grpSp>
     </p:spTree>
     <p:extLst>
       <p:ext uri="{BB962C8B-B14F-4D97-AF65-F5344CB8AC3E}">
         <p14:creationId xmlns:p14="http://schemas.microsoft.com/office/powerpoint/2010/main" val="2502933261"/>
+      </p:ext>
+    </p:extLst>
+  </p:cSld>
+  <p:clrMapOvr>
+    <a:masterClrMapping/>
+  </p:clrMapOvr>
+</p:sld>
+</file>
+
+<file path=ppt/slides/slide4.xml><?xml version="1.0" encoding="utf-8"?>
+<p:sld xmlns:a="http://schemas.openxmlformats.org/drawingml/2006/main" xmlns:r="http://schemas.openxmlformats.org/officeDocument/2006/relationships" xmlns:p="http://schemas.openxmlformats.org/presentationml/2006/main">
+  <p:cSld>
+    <p:spTree>
+      <p:nvGrpSpPr>
+        <p:cNvPr id="1" name=""/>
+        <p:cNvGrpSpPr/>
+        <p:nvPr/>
+      </p:nvGrpSpPr>
+      <p:grpSpPr>
+        <a:xfrm>
+          <a:off x="0" y="0"/>
+          <a:ext cx="0" cy="0"/>
+          <a:chOff x="0" y="0"/>
+          <a:chExt cx="0" cy="0"/>
+        </a:xfrm>
+      </p:grpSpPr>
+      <p:cxnSp>
+        <p:nvCxnSpPr>
+          <p:cNvPr id="70" name="Straight Connector 69"/>
+          <p:cNvCxnSpPr/>
+          <p:nvPr/>
+        </p:nvCxnSpPr>
+        <p:spPr>
+          <a:xfrm flipH="1" flipV="1">
+            <a:off x="2889914" y="5047157"/>
+            <a:ext cx="0" cy="443060"/>
+          </a:xfrm>
+          <a:prstGeom prst="line">
+            <a:avLst/>
+          </a:prstGeom>
+          <a:ln>
+            <a:solidFill>
+              <a:schemeClr val="bg1">
+                <a:lumMod val="50000"/>
+              </a:schemeClr>
+            </a:solidFill>
+            <a:prstDash val="dash"/>
+          </a:ln>
+        </p:spPr>
+        <p:style>
+          <a:lnRef idx="1">
+            <a:schemeClr val="accent1"/>
+          </a:lnRef>
+          <a:fillRef idx="0">
+            <a:schemeClr val="accent1"/>
+          </a:fillRef>
+          <a:effectRef idx="0">
+            <a:schemeClr val="accent1"/>
+          </a:effectRef>
+          <a:fontRef idx="minor">
+            <a:schemeClr val="tx1"/>
+          </a:fontRef>
+        </p:style>
+      </p:cxnSp>
+      <p:cxnSp>
+        <p:nvCxnSpPr>
+          <p:cNvPr id="72" name="Straight Connector 71"/>
+          <p:cNvCxnSpPr/>
+          <p:nvPr/>
+        </p:nvCxnSpPr>
+        <p:spPr>
+          <a:xfrm>
+            <a:off x="0" y="5209341"/>
+            <a:ext cx="4846320" cy="0"/>
+          </a:xfrm>
+          <a:prstGeom prst="line">
+            <a:avLst/>
+          </a:prstGeom>
+          <a:ln>
+            <a:solidFill>
+              <a:schemeClr val="bg1">
+                <a:lumMod val="50000"/>
+              </a:schemeClr>
+            </a:solidFill>
+            <a:prstDash val="dash"/>
+          </a:ln>
+        </p:spPr>
+        <p:style>
+          <a:lnRef idx="1">
+            <a:schemeClr val="accent1"/>
+          </a:lnRef>
+          <a:fillRef idx="0">
+            <a:schemeClr val="accent1"/>
+          </a:fillRef>
+          <a:effectRef idx="0">
+            <a:schemeClr val="accent1"/>
+          </a:effectRef>
+          <a:fontRef idx="minor">
+            <a:schemeClr val="tx1"/>
+          </a:fontRef>
+        </p:style>
+      </p:cxnSp>
+      <p:grpSp>
+        <p:nvGrpSpPr>
+          <p:cNvPr id="20" name="Group 19"/>
+          <p:cNvGrpSpPr/>
+          <p:nvPr/>
+        </p:nvGrpSpPr>
+        <p:grpSpPr>
+          <a:xfrm>
+            <a:off x="2377867" y="1956262"/>
+            <a:ext cx="2914996" cy="1468582"/>
+            <a:chOff x="2377867" y="1956262"/>
+            <a:chExt cx="2914996" cy="1468582"/>
+          </a:xfrm>
+        </p:grpSpPr>
+        <p:sp>
+          <p:nvSpPr>
+            <p:cNvPr id="137" name="Rectangle 136"/>
+            <p:cNvSpPr/>
+            <p:nvPr/>
+          </p:nvSpPr>
+          <p:spPr>
+            <a:xfrm>
+              <a:off x="2377867" y="1956262"/>
+              <a:ext cx="2914996" cy="1468582"/>
+            </a:xfrm>
+            <a:prstGeom prst="rect">
+              <a:avLst/>
+            </a:prstGeom>
+            <a:solidFill>
+              <a:schemeClr val="bg1"/>
+            </a:solidFill>
+            <a:ln>
+              <a:noFill/>
+            </a:ln>
+          </p:spPr>
+          <p:style>
+            <a:lnRef idx="2">
+              <a:schemeClr val="accent1">
+                <a:shade val="50000"/>
+              </a:schemeClr>
+            </a:lnRef>
+            <a:fillRef idx="1">
+              <a:schemeClr val="accent1"/>
+            </a:fillRef>
+            <a:effectRef idx="0">
+              <a:schemeClr val="accent1"/>
+            </a:effectRef>
+            <a:fontRef idx="minor">
+              <a:schemeClr val="lt1"/>
+            </a:fontRef>
+          </p:style>
+          <p:txBody>
+            <a:bodyPr rtlCol="0" anchor="ctr"/>
+            <a:lstStyle/>
+            <a:p>
+              <a:pPr algn="ctr"/>
+              <a:endParaRPr lang="en-US" dirty="0"/>
+            </a:p>
+          </p:txBody>
+        </p:sp>
+        <p:sp>
+          <p:nvSpPr>
+            <p:cNvPr id="19" name="Rectangle 18"/>
+            <p:cNvSpPr>
+              <a:spLocks noChangeAspect="1"/>
+            </p:cNvSpPr>
+            <p:nvPr/>
+          </p:nvSpPr>
+          <p:spPr>
+            <a:xfrm rot="660000">
+              <a:off x="4618057" y="3011666"/>
+              <a:ext cx="91440" cy="91440"/>
+            </a:xfrm>
+            <a:prstGeom prst="rect">
+              <a:avLst/>
+            </a:prstGeom>
+            <a:noFill/>
+            <a:ln w="6350">
+              <a:solidFill>
+                <a:schemeClr val="tx1">
+                  <a:lumMod val="85000"/>
+                  <a:lumOff val="15000"/>
+                </a:schemeClr>
+              </a:solidFill>
+            </a:ln>
+          </p:spPr>
+          <p:style>
+            <a:lnRef idx="2">
+              <a:schemeClr val="accent1">
+                <a:shade val="50000"/>
+              </a:schemeClr>
+            </a:lnRef>
+            <a:fillRef idx="1">
+              <a:schemeClr val="accent1"/>
+            </a:fillRef>
+            <a:effectRef idx="0">
+              <a:schemeClr val="accent1"/>
+            </a:effectRef>
+            <a:fontRef idx="minor">
+              <a:schemeClr val="lt1"/>
+            </a:fontRef>
+          </p:style>
+          <p:txBody>
+            <a:bodyPr rtlCol="0" anchor="ctr"/>
+            <a:lstStyle/>
+            <a:p>
+              <a:pPr algn="ctr"/>
+              <a:endParaRPr lang="en-US"/>
+            </a:p>
+          </p:txBody>
+        </p:sp>
+        <p:cxnSp>
+          <p:nvCxnSpPr>
+            <p:cNvPr id="75" name="Straight Connector 74"/>
+            <p:cNvCxnSpPr/>
+            <p:nvPr/>
+          </p:nvCxnSpPr>
+          <p:spPr>
+            <a:xfrm>
+              <a:off x="2517114" y="2715969"/>
+              <a:ext cx="2286000" cy="0"/>
+            </a:xfrm>
+            <a:prstGeom prst="line">
+              <a:avLst/>
+            </a:prstGeom>
+            <a:ln w="9525">
+              <a:solidFill>
+                <a:schemeClr val="bg1">
+                  <a:lumMod val="50000"/>
+                </a:schemeClr>
+              </a:solidFill>
+              <a:prstDash val="sysDot"/>
+              <a:headEnd type="none" w="med" len="med"/>
+              <a:tailEnd type="none" w="med" len="med"/>
+            </a:ln>
+          </p:spPr>
+          <p:style>
+            <a:lnRef idx="1">
+              <a:schemeClr val="accent1"/>
+            </a:lnRef>
+            <a:fillRef idx="0">
+              <a:schemeClr val="accent1"/>
+            </a:fillRef>
+            <a:effectRef idx="0">
+              <a:schemeClr val="accent1"/>
+            </a:effectRef>
+            <a:fontRef idx="minor">
+              <a:schemeClr val="tx1"/>
+            </a:fontRef>
+          </p:style>
+        </p:cxnSp>
+        <p:cxnSp>
+          <p:nvCxnSpPr>
+            <p:cNvPr id="98" name="Straight Connector 97"/>
+            <p:cNvCxnSpPr/>
+            <p:nvPr/>
+          </p:nvCxnSpPr>
+          <p:spPr>
+            <a:xfrm>
+              <a:off x="2677007" y="2717357"/>
+              <a:ext cx="365760" cy="0"/>
+            </a:xfrm>
+            <a:prstGeom prst="line">
+              <a:avLst/>
+            </a:prstGeom>
+            <a:ln w="9525">
+              <a:solidFill>
+                <a:srgbClr val="1C87FC"/>
+              </a:solidFill>
+              <a:prstDash val="sysDot"/>
+              <a:headEnd type="none" w="med" len="med"/>
+              <a:tailEnd type="triangle" w="sm" len="lg"/>
+            </a:ln>
+            <a:effectLst>
+              <a:outerShdw blurRad="12700" dir="2700000" algn="tl" rotWithShape="0">
+                <a:prstClr val="black">
+                  <a:alpha val="50000"/>
+                </a:prstClr>
+              </a:outerShdw>
+            </a:effectLst>
+          </p:spPr>
+          <p:style>
+            <a:lnRef idx="1">
+              <a:schemeClr val="accent1"/>
+            </a:lnRef>
+            <a:fillRef idx="0">
+              <a:schemeClr val="accent1"/>
+            </a:fillRef>
+            <a:effectRef idx="0">
+              <a:schemeClr val="accent1"/>
+            </a:effectRef>
+            <a:fontRef idx="minor">
+              <a:schemeClr val="tx1"/>
+            </a:fontRef>
+          </p:style>
+        </p:cxnSp>
+        <p:cxnSp>
+          <p:nvCxnSpPr>
+            <p:cNvPr id="90" name="Straight Arrow Connector 89"/>
+            <p:cNvCxnSpPr/>
+            <p:nvPr/>
+          </p:nvCxnSpPr>
+          <p:spPr>
+            <a:xfrm flipV="1">
+              <a:off x="2676680" y="2343182"/>
+              <a:ext cx="0" cy="365760"/>
+            </a:xfrm>
+            <a:prstGeom prst="straightConnector1">
+              <a:avLst/>
+            </a:prstGeom>
+            <a:ln w="9525">
+              <a:solidFill>
+                <a:srgbClr val="00B050"/>
+              </a:solidFill>
+              <a:prstDash val="sysDot"/>
+              <a:headEnd type="none" w="med" len="med"/>
+              <a:tailEnd type="triangle" w="sm" len="lg"/>
+            </a:ln>
+            <a:effectLst>
+              <a:outerShdw blurRad="12700" dir="2700000" algn="tl" rotWithShape="0">
+                <a:prstClr val="black">
+                  <a:alpha val="51000"/>
+                </a:prstClr>
+              </a:outerShdw>
+            </a:effectLst>
+          </p:spPr>
+          <p:style>
+            <a:lnRef idx="1">
+              <a:schemeClr val="accent1"/>
+            </a:lnRef>
+            <a:fillRef idx="0">
+              <a:schemeClr val="accent1"/>
+            </a:fillRef>
+            <a:effectRef idx="0">
+              <a:schemeClr val="accent1"/>
+            </a:effectRef>
+            <a:fontRef idx="minor">
+              <a:schemeClr val="tx1"/>
+            </a:fontRef>
+          </p:style>
+        </p:cxnSp>
+        <p:sp>
+          <p:nvSpPr>
+            <p:cNvPr id="107" name="Oval 106"/>
+            <p:cNvSpPr/>
+            <p:nvPr/>
+          </p:nvSpPr>
+          <p:spPr>
+            <a:xfrm>
+              <a:off x="2656698" y="2691516"/>
+              <a:ext cx="56010" cy="56010"/>
+            </a:xfrm>
+            <a:prstGeom prst="ellipse">
+              <a:avLst/>
+            </a:prstGeom>
+            <a:solidFill>
+              <a:schemeClr val="tx1"/>
+            </a:solidFill>
+            <a:ln>
+              <a:noFill/>
+            </a:ln>
+          </p:spPr>
+          <p:style>
+            <a:lnRef idx="2">
+              <a:schemeClr val="accent1">
+                <a:shade val="50000"/>
+              </a:schemeClr>
+            </a:lnRef>
+            <a:fillRef idx="1">
+              <a:schemeClr val="accent1"/>
+            </a:fillRef>
+            <a:effectRef idx="0">
+              <a:schemeClr val="accent1"/>
+            </a:effectRef>
+            <a:fontRef idx="minor">
+              <a:schemeClr val="lt1"/>
+            </a:fontRef>
+          </p:style>
+          <p:txBody>
+            <a:bodyPr rtlCol="0" anchor="ctr"/>
+            <a:lstStyle/>
+            <a:p>
+              <a:pPr algn="ctr"/>
+              <a:endParaRPr lang="en-US"/>
+            </a:p>
+          </p:txBody>
+        </p:sp>
+        <p:sp>
+          <p:nvSpPr>
+            <p:cNvPr id="110" name="Oval 109"/>
+            <p:cNvSpPr/>
+            <p:nvPr/>
+          </p:nvSpPr>
+          <p:spPr>
+            <a:xfrm flipH="1">
+              <a:off x="2652853" y="2688647"/>
+              <a:ext cx="56009" cy="56010"/>
+            </a:xfrm>
+            <a:prstGeom prst="ellipse">
+              <a:avLst/>
+            </a:prstGeom>
+            <a:solidFill>
+              <a:srgbClr val="CC0000">
+                <a:alpha val="0"/>
+              </a:srgbClr>
+            </a:solidFill>
+            <a:ln>
+              <a:solidFill>
+                <a:srgbClr val="CC0000"/>
+              </a:solidFill>
+            </a:ln>
+          </p:spPr>
+          <p:style>
+            <a:lnRef idx="2">
+              <a:schemeClr val="accent1">
+                <a:shade val="50000"/>
+              </a:schemeClr>
+            </a:lnRef>
+            <a:fillRef idx="1">
+              <a:schemeClr val="accent1"/>
+            </a:fillRef>
+            <a:effectRef idx="0">
+              <a:schemeClr val="accent1"/>
+            </a:effectRef>
+            <a:fontRef idx="minor">
+              <a:schemeClr val="lt1"/>
+            </a:fontRef>
+          </p:style>
+          <p:txBody>
+            <a:bodyPr rtlCol="0" anchor="ctr"/>
+            <a:lstStyle/>
+            <a:p>
+              <a:pPr algn="ctr"/>
+              <a:endParaRPr lang="en-US"/>
+            </a:p>
+          </p:txBody>
+        </p:sp>
+        <mc:AlternateContent xmlns:mc="http://schemas.openxmlformats.org/markup-compatibility/2006">
+          <mc:Choice xmlns:a14="http://schemas.microsoft.com/office/drawing/2010/main" Requires="a14">
+            <p:sp>
+              <p:nvSpPr>
+                <p:cNvPr id="44" name="TextBox 43"/>
+                <p:cNvSpPr txBox="1"/>
+                <p:nvPr/>
+              </p:nvSpPr>
+              <p:spPr>
+                <a:xfrm>
+                  <a:off x="2424868" y="2690245"/>
+                  <a:ext cx="352019" cy="215444"/>
+                </a:xfrm>
+                <a:prstGeom prst="rect">
+                  <a:avLst/>
+                </a:prstGeom>
+                <a:noFill/>
+              </p:spPr>
+              <p:txBody>
+                <a:bodyPr wrap="none" rtlCol="0">
+                  <a:spAutoFit/>
+                </a:bodyPr>
+                <a:lstStyle/>
+                <a:p>
+                  <a:pPr/>
+                  <a14:m>
+                    <m:oMathPara xmlns:m="http://schemas.openxmlformats.org/officeDocument/2006/math">
+                      <m:oMathParaPr>
+                        <m:jc m:val="centerGroup"/>
+                      </m:oMathParaPr>
+                      <m:oMath xmlns:m="http://schemas.openxmlformats.org/officeDocument/2006/math">
+                        <m:d>
+                          <m:dPr>
+                            <m:begChr m:val="{"/>
+                            <m:endChr m:val="}"/>
+                            <m:ctrlPr>
+                              <a:rPr lang="en-US" sz="800" b="0" i="1" smtClean="0">
+                                <a:latin typeface="Cambria Math" panose="02040503050406030204" pitchFamily="18" charset="0"/>
+                              </a:rPr>
+                            </m:ctrlPr>
+                          </m:dPr>
+                          <m:e>
+                            <m:r>
+                              <a:rPr lang="en-US" sz="800" b="0" i="1" smtClean="0">
+                                <a:latin typeface="Cambria Math" panose="02040503050406030204" pitchFamily="18" charset="0"/>
+                              </a:rPr>
+                              <m:t>𝐶</m:t>
+                            </m:r>
+                          </m:e>
+                        </m:d>
+                      </m:oMath>
+                    </m:oMathPara>
+                  </a14:m>
+                  <a:endParaRPr lang="en-US" sz="800" dirty="0"/>
+                </a:p>
+              </p:txBody>
+            </p:sp>
+          </mc:Choice>
+          <mc:Fallback>
+            <p:sp>
+              <p:nvSpPr>
+                <p:cNvPr id="44" name="TextBox 43"/>
+                <p:cNvSpPr txBox="1">
+                  <a:spLocks noRot="1" noChangeAspect="1" noMove="1" noResize="1" noEditPoints="1" noAdjustHandles="1" noChangeArrowheads="1" noChangeShapeType="1" noTextEdit="1"/>
+                </p:cNvSpPr>
+                <p:nvPr/>
+              </p:nvSpPr>
+              <p:spPr>
+                <a:xfrm>
+                  <a:off x="2424868" y="2690245"/>
+                  <a:ext cx="352019" cy="215444"/>
+                </a:xfrm>
+                <a:prstGeom prst="rect">
+                  <a:avLst/>
+                </a:prstGeom>
+                <a:blipFill rotWithShape="0">
+                  <a:blip r:embed="rId2"/>
+                  <a:stretch>
+                    <a:fillRect/>
+                  </a:stretch>
+                </a:blipFill>
+              </p:spPr>
+              <p:txBody>
+                <a:bodyPr/>
+                <a:lstStyle/>
+                <a:p>
+                  <a:r>
+                    <a:rPr lang="en-US">
+                      <a:noFill/>
+                    </a:rPr>
+                    <a:t> </a:t>
+                  </a:r>
+                </a:p>
+              </p:txBody>
+            </p:sp>
+          </mc:Fallback>
+        </mc:AlternateContent>
+        <p:cxnSp>
+          <p:nvCxnSpPr>
+            <p:cNvPr id="29" name="Straight Connector 28"/>
+            <p:cNvCxnSpPr/>
+            <p:nvPr/>
+          </p:nvCxnSpPr>
+          <p:spPr>
+            <a:xfrm rot="660000">
+              <a:off x="4785556" y="2033501"/>
+              <a:ext cx="0" cy="1280160"/>
+            </a:xfrm>
+            <a:prstGeom prst="line">
+              <a:avLst/>
+            </a:prstGeom>
+            <a:ln w="9525">
+              <a:solidFill>
+                <a:schemeClr val="tx1">
+                  <a:lumMod val="85000"/>
+                  <a:lumOff val="15000"/>
+                </a:schemeClr>
+              </a:solidFill>
+            </a:ln>
+          </p:spPr>
+          <p:style>
+            <a:lnRef idx="1">
+              <a:schemeClr val="accent1"/>
+            </a:lnRef>
+            <a:fillRef idx="0">
+              <a:schemeClr val="accent1"/>
+            </a:fillRef>
+            <a:effectRef idx="0">
+              <a:schemeClr val="accent1"/>
+            </a:effectRef>
+            <a:fontRef idx="minor">
+              <a:schemeClr val="tx1"/>
+            </a:fontRef>
+          </p:style>
+        </p:cxnSp>
+        <mc:AlternateContent xmlns:mc="http://schemas.openxmlformats.org/markup-compatibility/2006">
+          <mc:Choice xmlns:a14="http://schemas.microsoft.com/office/drawing/2010/main" Requires="a14">
+            <p:sp>
+              <p:nvSpPr>
+                <p:cNvPr id="131" name="TextBox 130"/>
+                <p:cNvSpPr txBox="1"/>
+                <p:nvPr/>
+              </p:nvSpPr>
+              <p:spPr>
+                <a:xfrm>
+                  <a:off x="4747771" y="2822639"/>
+                  <a:ext cx="301878" cy="215444"/>
+                </a:xfrm>
+                <a:prstGeom prst="rect">
+                  <a:avLst/>
+                </a:prstGeom>
+                <a:noFill/>
+              </p:spPr>
+              <p:txBody>
+                <a:bodyPr wrap="none" rtlCol="0">
+                  <a:spAutoFit/>
+                </a:bodyPr>
+                <a:lstStyle/>
+                <a:p>
+                  <a:pPr/>
+                  <a14:m>
+                    <m:oMathPara xmlns:m="http://schemas.openxmlformats.org/officeDocument/2006/math">
+                      <m:oMathParaPr>
+                        <m:jc m:val="centerGroup"/>
+                      </m:oMathParaPr>
+                      <m:oMath xmlns:m="http://schemas.openxmlformats.org/officeDocument/2006/math">
+                        <m:sSub>
+                          <m:sSubPr>
+                            <m:ctrlPr>
+                              <a:rPr lang="en-US" sz="800" b="0" i="1" smtClean="0">
+                                <a:solidFill>
+                                  <a:schemeClr val="tx1"/>
+                                </a:solidFill>
+                                <a:latin typeface="Cambria Math" panose="02040503050406030204" pitchFamily="18" charset="0"/>
+                              </a:rPr>
+                            </m:ctrlPr>
+                          </m:sSubPr>
+                          <m:e>
+                            <m:acc>
+                              <m:accPr>
+                                <m:chr m:val="̂"/>
+                                <m:ctrlPr>
+                                  <a:rPr lang="en-US" sz="800" b="0" i="1" smtClean="0">
+                                    <a:solidFill>
+                                      <a:schemeClr val="tx1"/>
+                                    </a:solidFill>
+                                    <a:latin typeface="Cambria Math" panose="02040503050406030204" pitchFamily="18" charset="0"/>
+                                  </a:rPr>
+                                </m:ctrlPr>
+                              </m:accPr>
+                              <m:e>
+                                <m:r>
+                                  <a:rPr lang="en-US" sz="800" b="0" i="1" smtClean="0">
+                                    <a:solidFill>
+                                      <a:schemeClr val="tx1"/>
+                                    </a:solidFill>
+                                    <a:latin typeface="Cambria Math" panose="02040503050406030204" pitchFamily="18" charset="0"/>
+                                  </a:rPr>
+                                  <m:t>𝑛</m:t>
+                                </m:r>
+                              </m:e>
+                            </m:acc>
+                          </m:e>
+                          <m:sub>
+                            <m:r>
+                              <a:rPr lang="en-US" sz="800" b="0" i="1" smtClean="0">
+                                <a:solidFill>
+                                  <a:schemeClr val="tx1"/>
+                                </a:solidFill>
+                                <a:latin typeface="Cambria Math" panose="02040503050406030204" pitchFamily="18" charset="0"/>
+                              </a:rPr>
+                              <m:t>𝑖</m:t>
+                            </m:r>
+                          </m:sub>
+                        </m:sSub>
+                      </m:oMath>
+                    </m:oMathPara>
+                  </a14:m>
+                  <a:endParaRPr lang="en-US" sz="800" dirty="0">
+                    <a:solidFill>
+                      <a:schemeClr val="tx1"/>
+                    </a:solidFill>
+                  </a:endParaRPr>
+                </a:p>
+              </p:txBody>
+            </p:sp>
+          </mc:Choice>
+          <mc:Fallback>
+            <p:sp>
+              <p:nvSpPr>
+                <p:cNvPr id="131" name="TextBox 130"/>
+                <p:cNvSpPr txBox="1">
+                  <a:spLocks noRot="1" noChangeAspect="1" noMove="1" noResize="1" noEditPoints="1" noAdjustHandles="1" noChangeArrowheads="1" noChangeShapeType="1" noTextEdit="1"/>
+                </p:cNvSpPr>
+                <p:nvPr/>
+              </p:nvSpPr>
+              <p:spPr>
+                <a:xfrm>
+                  <a:off x="4747771" y="2822639"/>
+                  <a:ext cx="301878" cy="215444"/>
+                </a:xfrm>
+                <a:prstGeom prst="rect">
+                  <a:avLst/>
+                </a:prstGeom>
+                <a:blipFill rotWithShape="0">
+                  <a:blip r:embed="rId3"/>
+                  <a:stretch>
+                    <a:fillRect/>
+                  </a:stretch>
+                </a:blipFill>
+              </p:spPr>
+              <p:txBody>
+                <a:bodyPr/>
+                <a:lstStyle/>
+                <a:p>
+                  <a:r>
+                    <a:rPr lang="en-US">
+                      <a:noFill/>
+                    </a:rPr>
+                    <a:t> </a:t>
+                  </a:r>
+                </a:p>
+              </p:txBody>
+            </p:sp>
+          </mc:Fallback>
+        </mc:AlternateContent>
+        <p:cxnSp>
+          <p:nvCxnSpPr>
+            <p:cNvPr id="73" name="Straight Connector 72"/>
+            <p:cNvCxnSpPr/>
+            <p:nvPr/>
+          </p:nvCxnSpPr>
+          <p:spPr>
+            <a:xfrm flipH="1" flipV="1">
+              <a:off x="4771102" y="2367876"/>
+              <a:ext cx="0" cy="457200"/>
+            </a:xfrm>
+            <a:prstGeom prst="line">
+              <a:avLst/>
+            </a:prstGeom>
+            <a:ln>
+              <a:solidFill>
+                <a:schemeClr val="bg1">
+                  <a:lumMod val="50000"/>
+                </a:schemeClr>
+              </a:solidFill>
+              <a:prstDash val="dash"/>
+            </a:ln>
+          </p:spPr>
+          <p:style>
+            <a:lnRef idx="1">
+              <a:schemeClr val="accent1"/>
+            </a:lnRef>
+            <a:fillRef idx="0">
+              <a:schemeClr val="accent1"/>
+            </a:fillRef>
+            <a:effectRef idx="0">
+              <a:schemeClr val="accent1"/>
+            </a:effectRef>
+            <a:fontRef idx="minor">
+              <a:schemeClr val="tx1"/>
+            </a:fontRef>
+          </p:style>
+        </p:cxnSp>
+        <p:grpSp>
+          <p:nvGrpSpPr>
+            <p:cNvPr id="76" name="Group 75"/>
+            <p:cNvGrpSpPr/>
+            <p:nvPr/>
+          </p:nvGrpSpPr>
+          <p:grpSpPr>
+            <a:xfrm flipH="1">
+              <a:off x="2675956" y="2501007"/>
+              <a:ext cx="2095689" cy="115535"/>
+              <a:chOff x="1696832" y="2103447"/>
+              <a:chExt cx="2095689" cy="115535"/>
+            </a:xfrm>
+          </p:grpSpPr>
+          <p:cxnSp>
+            <p:nvCxnSpPr>
+              <p:cNvPr id="77" name="Straight Connector 76"/>
+              <p:cNvCxnSpPr>
+                <a:cxnSpLocks/>
+              </p:cNvCxnSpPr>
+              <p:nvPr/>
+            </p:nvCxnSpPr>
+            <p:spPr>
+              <a:xfrm>
+                <a:off x="3792521" y="2103447"/>
+                <a:ext cx="0" cy="115535"/>
+              </a:xfrm>
+              <a:prstGeom prst="line">
+                <a:avLst/>
+              </a:prstGeom>
+              <a:ln w="6350">
+                <a:solidFill>
+                  <a:schemeClr val="tx1">
+                    <a:lumMod val="85000"/>
+                    <a:lumOff val="15000"/>
+                  </a:schemeClr>
+                </a:solidFill>
+                <a:prstDash val="solid"/>
+                <a:headEnd type="none" w="med" len="med"/>
+                <a:tailEnd type="none" w="med" len="med"/>
+              </a:ln>
+            </p:spPr>
+            <p:style>
+              <a:lnRef idx="1">
+                <a:schemeClr val="accent1"/>
+              </a:lnRef>
+              <a:fillRef idx="0">
+                <a:schemeClr val="accent1"/>
+              </a:fillRef>
+              <a:effectRef idx="0">
+                <a:schemeClr val="accent1"/>
+              </a:effectRef>
+              <a:fontRef idx="minor">
+                <a:schemeClr val="tx1"/>
+              </a:fontRef>
+            </p:style>
+          </p:cxnSp>
+          <p:cxnSp>
+            <p:nvCxnSpPr>
+              <p:cNvPr id="78" name="Straight Arrow Connector 77"/>
+              <p:cNvCxnSpPr/>
+              <p:nvPr/>
+            </p:nvCxnSpPr>
+            <p:spPr>
+              <a:xfrm flipH="1" flipV="1">
+                <a:off x="1696832" y="2161214"/>
+                <a:ext cx="2093976" cy="0"/>
+              </a:xfrm>
+              <a:prstGeom prst="straightConnector1">
+                <a:avLst/>
+              </a:prstGeom>
+              <a:ln>
+                <a:headEnd type="none" w="med" len="med"/>
+                <a:tailEnd type="arrow" w="sm" len="sm"/>
+              </a:ln>
+            </p:spPr>
+            <p:style>
+              <a:lnRef idx="1">
+                <a:schemeClr val="dk1"/>
+              </a:lnRef>
+              <a:fillRef idx="0">
+                <a:schemeClr val="dk1"/>
+              </a:fillRef>
+              <a:effectRef idx="0">
+                <a:schemeClr val="dk1"/>
+              </a:effectRef>
+              <a:fontRef idx="minor">
+                <a:schemeClr val="tx1"/>
+              </a:fontRef>
+            </p:style>
+          </p:cxnSp>
+        </p:grpSp>
+        <mc:AlternateContent xmlns:mc="http://schemas.openxmlformats.org/markup-compatibility/2006">
+          <mc:Choice xmlns:a14="http://schemas.microsoft.com/office/drawing/2010/main" Requires="a14">
+            <p:sp>
+              <p:nvSpPr>
+                <p:cNvPr id="80" name="TextBox 79"/>
+                <p:cNvSpPr txBox="1"/>
+                <p:nvPr/>
+              </p:nvSpPr>
+              <p:spPr>
+                <a:xfrm>
+                  <a:off x="3576508" y="2341013"/>
+                  <a:ext cx="333168" cy="246221"/>
+                </a:xfrm>
+                <a:prstGeom prst="rect">
+                  <a:avLst/>
+                </a:prstGeom>
+                <a:noFill/>
+              </p:spPr>
+              <p:txBody>
+                <a:bodyPr wrap="none" rtlCol="0">
+                  <a:spAutoFit/>
+                </a:bodyPr>
+                <a:lstStyle/>
+                <a:p>
+                  <a:pPr/>
+                  <a14:m>
+                    <m:oMathPara xmlns:m="http://schemas.openxmlformats.org/officeDocument/2006/math">
+                      <m:oMathParaPr>
+                        <m:jc m:val="centerGroup"/>
+                      </m:oMathParaPr>
+                      <m:oMath xmlns:m="http://schemas.openxmlformats.org/officeDocument/2006/math">
+                        <m:sSubSup>
+                          <m:sSubSupPr>
+                            <m:ctrlPr>
+                              <a:rPr lang="en-US" sz="1000" b="0" i="1" smtClean="0">
+                                <a:latin typeface="Cambria Math" panose="02040503050406030204" pitchFamily="18" charset="0"/>
+                              </a:rPr>
+                            </m:ctrlPr>
+                          </m:sSubSupPr>
+                          <m:e>
+                            <m:r>
+                              <a:rPr lang="en-US" sz="1000" b="0" i="1" smtClean="0">
+                                <a:latin typeface="Cambria Math" panose="02040503050406030204" pitchFamily="18" charset="0"/>
+                              </a:rPr>
+                              <m:t>𝑍</m:t>
+                            </m:r>
+                          </m:e>
+                          <m:sub>
+                            <m:r>
+                              <a:rPr lang="en-US" sz="1000" b="0" i="1" smtClean="0">
+                                <a:latin typeface="Cambria Math" panose="02040503050406030204" pitchFamily="18" charset="0"/>
+                              </a:rPr>
+                              <m:t> </m:t>
+                            </m:r>
+                          </m:sub>
+                          <m:sup>
+                            <m:r>
+                              <a:rPr lang="en-US" sz="1000" b="0" i="1" smtClean="0">
+                                <a:latin typeface="Cambria Math" panose="02040503050406030204" pitchFamily="18" charset="0"/>
+                              </a:rPr>
+                              <m:t>′</m:t>
+                            </m:r>
+                          </m:sup>
+                        </m:sSubSup>
+                      </m:oMath>
+                    </m:oMathPara>
+                  </a14:m>
+                  <a:endParaRPr lang="en-US" sz="1000" dirty="0"/>
+                </a:p>
+              </p:txBody>
+            </p:sp>
+          </mc:Choice>
+          <mc:Fallback>
+            <p:sp>
+              <p:nvSpPr>
+                <p:cNvPr id="80" name="TextBox 79"/>
+                <p:cNvSpPr txBox="1">
+                  <a:spLocks noRot="1" noChangeAspect="1" noMove="1" noResize="1" noEditPoints="1" noAdjustHandles="1" noChangeArrowheads="1" noChangeShapeType="1" noTextEdit="1"/>
+                </p:cNvSpPr>
+                <p:nvPr/>
+              </p:nvSpPr>
+              <p:spPr>
+                <a:xfrm>
+                  <a:off x="3576508" y="2341013"/>
+                  <a:ext cx="333168" cy="246221"/>
+                </a:xfrm>
+                <a:prstGeom prst="rect">
+                  <a:avLst/>
+                </a:prstGeom>
+                <a:blipFill rotWithShape="0">
+                  <a:blip r:embed="rId4"/>
+                  <a:stretch>
+                    <a:fillRect/>
+                  </a:stretch>
+                </a:blipFill>
+              </p:spPr>
+              <p:txBody>
+                <a:bodyPr/>
+                <a:lstStyle/>
+                <a:p>
+                  <a:r>
+                    <a:rPr lang="en-US">
+                      <a:noFill/>
+                    </a:rPr>
+                    <a:t> </a:t>
+                  </a:r>
+                </a:p>
+              </p:txBody>
+            </p:sp>
+          </mc:Fallback>
+        </mc:AlternateContent>
+        <p:sp>
+          <p:nvSpPr>
+            <p:cNvPr id="88" name="TextBox 87"/>
+            <p:cNvSpPr txBox="1"/>
+            <p:nvPr/>
+          </p:nvSpPr>
+          <p:spPr>
+            <a:xfrm rot="16851975">
+              <a:off x="4549841" y="2284884"/>
+              <a:ext cx="692818" cy="200055"/>
+            </a:xfrm>
+            <a:prstGeom prst="rect">
+              <a:avLst/>
+            </a:prstGeom>
+            <a:noFill/>
+          </p:spPr>
+          <p:txBody>
+            <a:bodyPr wrap="none" rtlCol="0">
+              <a:spAutoFit/>
+            </a:bodyPr>
+            <a:lstStyle/>
+            <a:p>
+              <a:r>
+                <a:rPr lang="en-US" sz="700" i="1" dirty="0" smtClean="0"/>
+                <a:t>IMAGE PLANE</a:t>
+              </a:r>
+              <a:endParaRPr lang="en-US" sz="700" i="1" dirty="0"/>
+            </a:p>
+          </p:txBody>
+        </p:sp>
+        <mc:AlternateContent xmlns:mc="http://schemas.openxmlformats.org/markup-compatibility/2006">
+          <mc:Choice xmlns:a14="http://schemas.microsoft.com/office/drawing/2010/main" Requires="a14">
+            <p:sp>
+              <p:nvSpPr>
+                <p:cNvPr id="91" name="TextBox 90"/>
+                <p:cNvSpPr txBox="1"/>
+                <p:nvPr/>
+              </p:nvSpPr>
+              <p:spPr>
+                <a:xfrm>
+                  <a:off x="2598061" y="2179167"/>
+                  <a:ext cx="300852" cy="215444"/>
+                </a:xfrm>
+                <a:prstGeom prst="rect">
+                  <a:avLst/>
+                </a:prstGeom>
+                <a:noFill/>
+              </p:spPr>
+              <p:txBody>
+                <a:bodyPr wrap="none" rtlCol="0">
+                  <a:spAutoFit/>
+                </a:bodyPr>
+                <a:lstStyle/>
+                <a:p>
+                  <a:pPr/>
+                  <a14:m>
+                    <m:oMathPara xmlns:m="http://schemas.openxmlformats.org/officeDocument/2006/math">
+                      <m:oMathParaPr>
+                        <m:jc m:val="centerGroup"/>
+                      </m:oMathParaPr>
+                      <m:oMath xmlns:m="http://schemas.openxmlformats.org/officeDocument/2006/math">
+                        <m:sSub>
+                          <m:sSubPr>
+                            <m:ctrlPr>
+                              <a:rPr lang="en-US" sz="800" b="0" i="1" smtClean="0">
+                                <a:solidFill>
+                                  <a:srgbClr val="00B050"/>
+                                </a:solidFill>
+                                <a:latin typeface="Cambria Math" panose="02040503050406030204" pitchFamily="18" charset="0"/>
+                              </a:rPr>
+                            </m:ctrlPr>
+                          </m:sSubPr>
+                          <m:e>
+                            <m:acc>
+                              <m:accPr>
+                                <m:chr m:val="̂"/>
+                                <m:ctrlPr>
+                                  <a:rPr lang="en-US" sz="800" b="0" i="1" smtClean="0">
+                                    <a:solidFill>
+                                      <a:srgbClr val="00B050"/>
+                                    </a:solidFill>
+                                    <a:latin typeface="Cambria Math" panose="02040503050406030204" pitchFamily="18" charset="0"/>
+                                  </a:rPr>
+                                </m:ctrlPr>
+                              </m:accPr>
+                              <m:e>
+                                <m:r>
+                                  <a:rPr lang="en-US" sz="800" i="1">
+                                    <a:solidFill>
+                                      <a:srgbClr val="00B050"/>
+                                    </a:solidFill>
+                                    <a:latin typeface="Cambria Math" panose="02040503050406030204" pitchFamily="18" charset="0"/>
+                                  </a:rPr>
+                                  <m:t>𝑦</m:t>
+                                </m:r>
+                              </m:e>
+                            </m:acc>
+                          </m:e>
+                          <m:sub>
+                            <m:r>
+                              <a:rPr lang="en-US" sz="800" b="0" i="1" smtClean="0">
+                                <a:solidFill>
+                                  <a:srgbClr val="00B050"/>
+                                </a:solidFill>
+                                <a:latin typeface="Cambria Math" panose="02040503050406030204" pitchFamily="18" charset="0"/>
+                              </a:rPr>
+                              <m:t>𝑐</m:t>
+                            </m:r>
+                          </m:sub>
+                        </m:sSub>
+                      </m:oMath>
+                    </m:oMathPara>
+                  </a14:m>
+                  <a:endParaRPr lang="en-US" sz="800" dirty="0">
+                    <a:solidFill>
+                      <a:srgbClr val="00B050"/>
+                    </a:solidFill>
+                  </a:endParaRPr>
+                </a:p>
+              </p:txBody>
+            </p:sp>
+          </mc:Choice>
+          <mc:Fallback>
+            <p:sp>
+              <p:nvSpPr>
+                <p:cNvPr id="91" name="TextBox 90"/>
+                <p:cNvSpPr txBox="1">
+                  <a:spLocks noRot="1" noChangeAspect="1" noMove="1" noResize="1" noEditPoints="1" noAdjustHandles="1" noChangeArrowheads="1" noChangeShapeType="1" noTextEdit="1"/>
+                </p:cNvSpPr>
+                <p:nvPr/>
+              </p:nvSpPr>
+              <p:spPr>
+                <a:xfrm>
+                  <a:off x="2598061" y="2179167"/>
+                  <a:ext cx="300852" cy="215444"/>
+                </a:xfrm>
+                <a:prstGeom prst="rect">
+                  <a:avLst/>
+                </a:prstGeom>
+                <a:blipFill rotWithShape="0">
+                  <a:blip r:embed="rId5"/>
+                  <a:stretch>
+                    <a:fillRect/>
+                  </a:stretch>
+                </a:blipFill>
+              </p:spPr>
+              <p:txBody>
+                <a:bodyPr/>
+                <a:lstStyle/>
+                <a:p>
+                  <a:r>
+                    <a:rPr lang="en-US">
+                      <a:noFill/>
+                    </a:rPr>
+                    <a:t> </a:t>
+                  </a:r>
+                </a:p>
+              </p:txBody>
+            </p:sp>
+          </mc:Fallback>
+        </mc:AlternateContent>
+        <mc:AlternateContent xmlns:mc="http://schemas.openxmlformats.org/markup-compatibility/2006">
+          <mc:Choice xmlns:a14="http://schemas.microsoft.com/office/drawing/2010/main" Requires="a14">
+            <p:sp>
+              <p:nvSpPr>
+                <p:cNvPr id="95" name="TextBox 94"/>
+                <p:cNvSpPr txBox="1"/>
+                <p:nvPr/>
+              </p:nvSpPr>
+              <p:spPr>
+                <a:xfrm>
+                  <a:off x="2847117" y="2519486"/>
+                  <a:ext cx="299377" cy="215444"/>
+                </a:xfrm>
+                <a:prstGeom prst="rect">
+                  <a:avLst/>
+                </a:prstGeom>
+                <a:noFill/>
+              </p:spPr>
+              <p:txBody>
+                <a:bodyPr wrap="none" rtlCol="0">
+                  <a:spAutoFit/>
+                </a:bodyPr>
+                <a:lstStyle/>
+                <a:p>
+                  <a:pPr/>
+                  <a14:m>
+                    <m:oMathPara xmlns:m="http://schemas.openxmlformats.org/officeDocument/2006/math">
+                      <m:oMathParaPr>
+                        <m:jc m:val="centerGroup"/>
+                      </m:oMathParaPr>
+                      <m:oMath xmlns:m="http://schemas.openxmlformats.org/officeDocument/2006/math">
+                        <m:sSub>
+                          <m:sSubPr>
+                            <m:ctrlPr>
+                              <a:rPr lang="en-US" sz="800" b="0" i="1" smtClean="0">
+                                <a:solidFill>
+                                  <a:srgbClr val="1C87FC"/>
+                                </a:solidFill>
+                                <a:latin typeface="Cambria Math" panose="02040503050406030204" pitchFamily="18" charset="0"/>
+                              </a:rPr>
+                            </m:ctrlPr>
+                          </m:sSubPr>
+                          <m:e>
+                            <m:acc>
+                              <m:accPr>
+                                <m:chr m:val="̂"/>
+                                <m:ctrlPr>
+                                  <a:rPr lang="en-US" sz="800" b="0" i="1" smtClean="0">
+                                    <a:solidFill>
+                                      <a:srgbClr val="1C87FC"/>
+                                    </a:solidFill>
+                                    <a:latin typeface="Cambria Math" panose="02040503050406030204" pitchFamily="18" charset="0"/>
+                                  </a:rPr>
+                                </m:ctrlPr>
+                              </m:accPr>
+                              <m:e>
+                                <m:r>
+                                  <a:rPr lang="en-US" sz="800" i="1">
+                                    <a:solidFill>
+                                      <a:srgbClr val="1C87FC"/>
+                                    </a:solidFill>
+                                    <a:latin typeface="Cambria Math" panose="02040503050406030204" pitchFamily="18" charset="0"/>
+                                  </a:rPr>
+                                  <m:t>𝑧</m:t>
+                                </m:r>
+                              </m:e>
+                            </m:acc>
+                          </m:e>
+                          <m:sub>
+                            <m:r>
+                              <a:rPr lang="en-US" sz="800" b="0" i="1" smtClean="0">
+                                <a:solidFill>
+                                  <a:srgbClr val="1C87FC"/>
+                                </a:solidFill>
+                                <a:latin typeface="Cambria Math" panose="02040503050406030204" pitchFamily="18" charset="0"/>
+                              </a:rPr>
+                              <m:t>𝑐</m:t>
+                            </m:r>
+                          </m:sub>
+                        </m:sSub>
+                      </m:oMath>
+                    </m:oMathPara>
+                  </a14:m>
+                  <a:endParaRPr lang="en-US" sz="800" dirty="0">
+                    <a:solidFill>
+                      <a:srgbClr val="1C87FC"/>
+                    </a:solidFill>
+                  </a:endParaRPr>
+                </a:p>
+              </p:txBody>
+            </p:sp>
+          </mc:Choice>
+          <mc:Fallback>
+            <p:sp>
+              <p:nvSpPr>
+                <p:cNvPr id="95" name="TextBox 94"/>
+                <p:cNvSpPr txBox="1">
+                  <a:spLocks noRot="1" noChangeAspect="1" noMove="1" noResize="1" noEditPoints="1" noAdjustHandles="1" noChangeArrowheads="1" noChangeShapeType="1" noTextEdit="1"/>
+                </p:cNvSpPr>
+                <p:nvPr/>
+              </p:nvSpPr>
+              <p:spPr>
+                <a:xfrm>
+                  <a:off x="2847117" y="2519486"/>
+                  <a:ext cx="299377" cy="215444"/>
+                </a:xfrm>
+                <a:prstGeom prst="rect">
+                  <a:avLst/>
+                </a:prstGeom>
+                <a:blipFill rotWithShape="0">
+                  <a:blip r:embed="rId6"/>
+                  <a:stretch>
+                    <a:fillRect r="-2041"/>
+                  </a:stretch>
+                </a:blipFill>
+              </p:spPr>
+              <p:txBody>
+                <a:bodyPr/>
+                <a:lstStyle/>
+                <a:p>
+                  <a:r>
+                    <a:rPr lang="en-US">
+                      <a:noFill/>
+                    </a:rPr>
+                    <a:t> </a:t>
+                  </a:r>
+                </a:p>
+              </p:txBody>
+            </p:sp>
+          </mc:Fallback>
+        </mc:AlternateContent>
+        <p:cxnSp>
+          <p:nvCxnSpPr>
+            <p:cNvPr id="103" name="Straight Arrow Connector 102"/>
+            <p:cNvCxnSpPr/>
+            <p:nvPr/>
+          </p:nvCxnSpPr>
+          <p:spPr>
+            <a:xfrm rot="6060000" flipV="1">
+              <a:off x="4933646" y="2696061"/>
+              <a:ext cx="0" cy="365760"/>
+            </a:xfrm>
+            <a:prstGeom prst="straightConnector1">
+              <a:avLst/>
+            </a:prstGeom>
+            <a:ln w="6350">
+              <a:solidFill>
+                <a:schemeClr val="tx1">
+                  <a:lumMod val="95000"/>
+                  <a:lumOff val="5000"/>
+                </a:schemeClr>
+              </a:solidFill>
+              <a:prstDash val="solid"/>
+              <a:headEnd type="none" w="med" len="med"/>
+              <a:tailEnd type="triangle" w="sm" len="lg"/>
+            </a:ln>
+            <a:effectLst/>
+          </p:spPr>
+          <p:style>
+            <a:lnRef idx="1">
+              <a:schemeClr val="accent1"/>
+            </a:lnRef>
+            <a:fillRef idx="0">
+              <a:schemeClr val="accent1"/>
+            </a:fillRef>
+            <a:effectRef idx="0">
+              <a:schemeClr val="accent1"/>
+            </a:effectRef>
+            <a:fontRef idx="minor">
+              <a:schemeClr val="tx1"/>
+            </a:fontRef>
+          </p:style>
+        </p:cxnSp>
+        <p:cxnSp>
+          <p:nvCxnSpPr>
+            <p:cNvPr id="14" name="Straight Connector 13"/>
+            <p:cNvCxnSpPr>
+              <a:cxnSpLocks noChangeAspect="1"/>
+            </p:cNvCxnSpPr>
+            <p:nvPr/>
+          </p:nvCxnSpPr>
+          <p:spPr>
+            <a:xfrm flipH="1" flipV="1">
+              <a:off x="2676707" y="2715547"/>
+              <a:ext cx="2019940" cy="395147"/>
+            </a:xfrm>
+            <a:prstGeom prst="line">
+              <a:avLst/>
+            </a:prstGeom>
+          </p:spPr>
+          <p:style>
+            <a:lnRef idx="1">
+              <a:schemeClr val="accent1"/>
+            </a:lnRef>
+            <a:fillRef idx="0">
+              <a:schemeClr val="accent1"/>
+            </a:fillRef>
+            <a:effectRef idx="0">
+              <a:schemeClr val="accent1"/>
+            </a:effectRef>
+            <a:fontRef idx="minor">
+              <a:schemeClr val="tx1"/>
+            </a:fontRef>
+          </p:style>
+        </p:cxnSp>
+        <mc:AlternateContent xmlns:mc="http://schemas.openxmlformats.org/markup-compatibility/2006">
+          <mc:Choice xmlns:a14="http://schemas.microsoft.com/office/drawing/2010/main" Requires="a14">
+            <p:sp>
+              <p:nvSpPr>
+                <p:cNvPr id="104" name="TextBox 103"/>
+                <p:cNvSpPr txBox="1"/>
+                <p:nvPr/>
+              </p:nvSpPr>
+              <p:spPr>
+                <a:xfrm rot="691448">
+                  <a:off x="3573412" y="2890729"/>
+                  <a:ext cx="356123" cy="246221"/>
+                </a:xfrm>
+                <a:prstGeom prst="rect">
+                  <a:avLst/>
+                </a:prstGeom>
+                <a:noFill/>
+              </p:spPr>
+              <p:txBody>
+                <a:bodyPr wrap="none" rtlCol="0">
+                  <a:spAutoFit/>
+                </a:bodyPr>
+                <a:lstStyle/>
+                <a:p>
+                  <a:pPr/>
+                  <a14:m>
+                    <m:oMathPara xmlns:m="http://schemas.openxmlformats.org/officeDocument/2006/math">
+                      <m:oMathParaPr>
+                        <m:jc m:val="centerGroup"/>
+                      </m:oMathParaPr>
+                      <m:oMath xmlns:m="http://schemas.openxmlformats.org/officeDocument/2006/math">
+                        <m:sSubSup>
+                          <m:sSubSupPr>
+                            <m:ctrlPr>
+                              <a:rPr lang="en-US" sz="1000" b="0" i="1" smtClean="0">
+                                <a:latin typeface="Cambria Math" panose="02040503050406030204" pitchFamily="18" charset="0"/>
+                              </a:rPr>
+                            </m:ctrlPr>
+                          </m:sSubSupPr>
+                          <m:e>
+                            <m:r>
+                              <a:rPr lang="en-US" sz="1000" b="0" i="1" smtClean="0">
+                                <a:latin typeface="Cambria Math" panose="02040503050406030204" pitchFamily="18" charset="0"/>
+                              </a:rPr>
+                              <m:t>𝑍</m:t>
+                            </m:r>
+                          </m:e>
+                          <m:sub>
+                            <m:r>
+                              <a:rPr lang="en-US" sz="1000" b="0" i="1" smtClean="0">
+                                <a:latin typeface="Cambria Math" panose="02040503050406030204" pitchFamily="18" charset="0"/>
+                                <a:ea typeface="Cambria Math" panose="02040503050406030204" pitchFamily="18" charset="0"/>
+                              </a:rPr>
+                              <m:t>⊥</m:t>
+                            </m:r>
+                          </m:sub>
+                          <m:sup>
+                            <m:r>
+                              <a:rPr lang="en-US" sz="1000" b="0" i="1" smtClean="0">
+                                <a:latin typeface="Cambria Math" panose="02040503050406030204" pitchFamily="18" charset="0"/>
+                              </a:rPr>
+                              <m:t>′</m:t>
+                            </m:r>
+                          </m:sup>
+                        </m:sSubSup>
+                      </m:oMath>
+                    </m:oMathPara>
+                  </a14:m>
+                  <a:endParaRPr lang="en-US" sz="1000" dirty="0"/>
+                </a:p>
+              </p:txBody>
+            </p:sp>
+          </mc:Choice>
+          <mc:Fallback>
+            <p:sp>
+              <p:nvSpPr>
+                <p:cNvPr id="104" name="TextBox 103"/>
+                <p:cNvSpPr txBox="1">
+                  <a:spLocks noRot="1" noChangeAspect="1" noMove="1" noResize="1" noEditPoints="1" noAdjustHandles="1" noChangeArrowheads="1" noChangeShapeType="1" noTextEdit="1"/>
+                </p:cNvSpPr>
+                <p:nvPr/>
+              </p:nvSpPr>
+              <p:spPr>
+                <a:xfrm rot="691448">
+                  <a:off x="3573412" y="2890729"/>
+                  <a:ext cx="356123" cy="246221"/>
+                </a:xfrm>
+                <a:prstGeom prst="rect">
+                  <a:avLst/>
+                </a:prstGeom>
+                <a:blipFill rotWithShape="0">
+                  <a:blip r:embed="rId7"/>
+                  <a:stretch>
+                    <a:fillRect/>
+                  </a:stretch>
+                </a:blipFill>
+              </p:spPr>
+              <p:txBody>
+                <a:bodyPr/>
+                <a:lstStyle/>
+                <a:p>
+                  <a:r>
+                    <a:rPr lang="en-US">
+                      <a:noFill/>
+                    </a:rPr>
+                    <a:t> </a:t>
+                  </a:r>
+                </a:p>
+              </p:txBody>
+            </p:sp>
+          </mc:Fallback>
+        </mc:AlternateContent>
+        <mc:AlternateContent xmlns:mc="http://schemas.openxmlformats.org/markup-compatibility/2006">
+          <mc:Choice xmlns:a14="http://schemas.microsoft.com/office/drawing/2010/main" Requires="a14">
+            <p:sp>
+              <p:nvSpPr>
+                <p:cNvPr id="105" name="TextBox 104"/>
+                <p:cNvSpPr txBox="1"/>
+                <p:nvPr/>
+              </p:nvSpPr>
+              <p:spPr>
+                <a:xfrm>
+                  <a:off x="4692545" y="2584852"/>
+                  <a:ext cx="582840" cy="246221"/>
+                </a:xfrm>
+                <a:prstGeom prst="rect">
+                  <a:avLst/>
+                </a:prstGeom>
+                <a:noFill/>
+              </p:spPr>
+              <p:txBody>
+                <a:bodyPr wrap="square" rtlCol="0">
+                  <a:spAutoFit/>
+                </a:bodyPr>
+                <a:lstStyle/>
+                <a:p>
+                  <a:pPr/>
+                  <a14:m>
+                    <m:oMathPara xmlns:m="http://schemas.openxmlformats.org/officeDocument/2006/math">
+                      <m:oMathParaPr>
+                        <m:jc m:val="centerGroup"/>
+                      </m:oMathParaPr>
+                      <m:oMath xmlns:m="http://schemas.openxmlformats.org/officeDocument/2006/math">
+                        <m:d>
+                          <m:dPr>
+                            <m:ctrlPr>
+                              <a:rPr lang="en-US" sz="1000" b="0" i="1" smtClean="0">
+                                <a:latin typeface="Cambria Math" panose="02040503050406030204" pitchFamily="18" charset="0"/>
+                              </a:rPr>
+                            </m:ctrlPr>
+                          </m:dPr>
+                          <m:e>
+                            <m:r>
+                              <a:rPr lang="en-US" sz="1000" b="0" i="1" smtClean="0">
+                                <a:latin typeface="Cambria Math" panose="02040503050406030204" pitchFamily="18" charset="0"/>
+                              </a:rPr>
+                              <m:t>0, 0, </m:t>
+                            </m:r>
+                            <m:r>
+                              <a:rPr lang="en-US" sz="1000" b="0" i="1" smtClean="0">
+                                <a:latin typeface="Cambria Math" panose="02040503050406030204" pitchFamily="18" charset="0"/>
+                              </a:rPr>
+                              <m:t>𝑍</m:t>
+                            </m:r>
+                            <m:r>
+                              <a:rPr lang="en-US" sz="1000" b="0" i="1" smtClean="0">
+                                <a:latin typeface="Cambria Math" panose="02040503050406030204" pitchFamily="18" charset="0"/>
+                              </a:rPr>
+                              <m:t>′</m:t>
+                            </m:r>
+                          </m:e>
+                        </m:d>
+                      </m:oMath>
+                    </m:oMathPara>
+                  </a14:m>
+                  <a:endParaRPr lang="en-US" sz="1000" dirty="0"/>
+                </a:p>
+              </p:txBody>
+            </p:sp>
+          </mc:Choice>
+          <mc:Fallback>
+            <p:sp>
+              <p:nvSpPr>
+                <p:cNvPr id="105" name="TextBox 104"/>
+                <p:cNvSpPr txBox="1">
+                  <a:spLocks noRot="1" noChangeAspect="1" noMove="1" noResize="1" noEditPoints="1" noAdjustHandles="1" noChangeArrowheads="1" noChangeShapeType="1" noTextEdit="1"/>
+                </p:cNvSpPr>
+                <p:nvPr/>
+              </p:nvSpPr>
+              <p:spPr>
+                <a:xfrm>
+                  <a:off x="4692545" y="2584852"/>
+                  <a:ext cx="582840" cy="246221"/>
+                </a:xfrm>
+                <a:prstGeom prst="rect">
+                  <a:avLst/>
+                </a:prstGeom>
+                <a:blipFill rotWithShape="0">
+                  <a:blip r:embed="rId8"/>
+                  <a:stretch>
+                    <a:fillRect/>
+                  </a:stretch>
+                </a:blipFill>
+              </p:spPr>
+              <p:txBody>
+                <a:bodyPr/>
+                <a:lstStyle/>
+                <a:p>
+                  <a:r>
+                    <a:rPr lang="en-US">
+                      <a:noFill/>
+                    </a:rPr>
+                    <a:t> </a:t>
+                  </a:r>
+                </a:p>
+              </p:txBody>
+            </p:sp>
+          </mc:Fallback>
+        </mc:AlternateContent>
+      </p:grpSp>
+    </p:spTree>
+    <p:extLst>
+      <p:ext uri="{BB962C8B-B14F-4D97-AF65-F5344CB8AC3E}">
+        <p14:creationId xmlns:p14="http://schemas.microsoft.com/office/powerpoint/2010/main" val="316175575"/>
       </p:ext>
     </p:extLst>
   </p:cSld>

--- a/chapters/chapter03_geometricmodel/figures/figures_PPT.pptx
+++ b/chapters/chapter03_geometricmodel/figures/figures_PPT.pptx
@@ -247,7 +247,7 @@
           <a:p>
             <a:fld id="{D25EE769-EC14-4089-BCC7-B0C4A40ED0F9}" type="datetimeFigureOut">
               <a:rPr lang="en-US" smtClean="0"/>
-              <a:t>9/15/2015</a:t>
+              <a:t>9/17/2015</a:t>
             </a:fld>
             <a:endParaRPr lang="en-US"/>
           </a:p>
@@ -417,7 +417,7 @@
           <a:p>
             <a:fld id="{D25EE769-EC14-4089-BCC7-B0C4A40ED0F9}" type="datetimeFigureOut">
               <a:rPr lang="en-US" smtClean="0"/>
-              <a:t>9/15/2015</a:t>
+              <a:t>9/17/2015</a:t>
             </a:fld>
             <a:endParaRPr lang="en-US"/>
           </a:p>
@@ -597,7 +597,7 @@
           <a:p>
             <a:fld id="{D25EE769-EC14-4089-BCC7-B0C4A40ED0F9}" type="datetimeFigureOut">
               <a:rPr lang="en-US" smtClean="0"/>
-              <a:t>9/15/2015</a:t>
+              <a:t>9/17/2015</a:t>
             </a:fld>
             <a:endParaRPr lang="en-US"/>
           </a:p>
@@ -767,7 +767,7 @@
           <a:p>
             <a:fld id="{D25EE769-EC14-4089-BCC7-B0C4A40ED0F9}" type="datetimeFigureOut">
               <a:rPr lang="en-US" smtClean="0"/>
-              <a:t>9/15/2015</a:t>
+              <a:t>9/17/2015</a:t>
             </a:fld>
             <a:endParaRPr lang="en-US"/>
           </a:p>
@@ -1011,7 +1011,7 @@
           <a:p>
             <a:fld id="{D25EE769-EC14-4089-BCC7-B0C4A40ED0F9}" type="datetimeFigureOut">
               <a:rPr lang="en-US" smtClean="0"/>
-              <a:t>9/15/2015</a:t>
+              <a:t>9/17/2015</a:t>
             </a:fld>
             <a:endParaRPr lang="en-US"/>
           </a:p>
@@ -1243,7 +1243,7 @@
           <a:p>
             <a:fld id="{D25EE769-EC14-4089-BCC7-B0C4A40ED0F9}" type="datetimeFigureOut">
               <a:rPr lang="en-US" smtClean="0"/>
-              <a:t>9/15/2015</a:t>
+              <a:t>9/17/2015</a:t>
             </a:fld>
             <a:endParaRPr lang="en-US"/>
           </a:p>
@@ -1610,7 +1610,7 @@
           <a:p>
             <a:fld id="{D25EE769-EC14-4089-BCC7-B0C4A40ED0F9}" type="datetimeFigureOut">
               <a:rPr lang="en-US" smtClean="0"/>
-              <a:t>9/15/2015</a:t>
+              <a:t>9/17/2015</a:t>
             </a:fld>
             <a:endParaRPr lang="en-US"/>
           </a:p>
@@ -1728,7 +1728,7 @@
           <a:p>
             <a:fld id="{D25EE769-EC14-4089-BCC7-B0C4A40ED0F9}" type="datetimeFigureOut">
               <a:rPr lang="en-US" smtClean="0"/>
-              <a:t>9/15/2015</a:t>
+              <a:t>9/17/2015</a:t>
             </a:fld>
             <a:endParaRPr lang="en-US"/>
           </a:p>
@@ -1823,7 +1823,7 @@
           <a:p>
             <a:fld id="{D25EE769-EC14-4089-BCC7-B0C4A40ED0F9}" type="datetimeFigureOut">
               <a:rPr lang="en-US" smtClean="0"/>
-              <a:t>9/15/2015</a:t>
+              <a:t>9/17/2015</a:t>
             </a:fld>
             <a:endParaRPr lang="en-US"/>
           </a:p>
@@ -2100,7 +2100,7 @@
           <a:p>
             <a:fld id="{D25EE769-EC14-4089-BCC7-B0C4A40ED0F9}" type="datetimeFigureOut">
               <a:rPr lang="en-US" smtClean="0"/>
-              <a:t>9/15/2015</a:t>
+              <a:t>9/17/2015</a:t>
             </a:fld>
             <a:endParaRPr lang="en-US"/>
           </a:p>
@@ -2357,7 +2357,7 @@
           <a:p>
             <a:fld id="{D25EE769-EC14-4089-BCC7-B0C4A40ED0F9}" type="datetimeFigureOut">
               <a:rPr lang="en-US" smtClean="0"/>
-              <a:t>9/15/2015</a:t>
+              <a:t>9/17/2015</a:t>
             </a:fld>
             <a:endParaRPr lang="en-US"/>
           </a:p>
@@ -2570,7 +2570,7 @@
           <a:p>
             <a:fld id="{D25EE769-EC14-4089-BCC7-B0C4A40ED0F9}" type="datetimeFigureOut">
               <a:rPr lang="en-US" smtClean="0"/>
-              <a:t>9/15/2015</a:t>
+              <a:t>9/17/2015</a:t>
             </a:fld>
             <a:endParaRPr lang="en-US"/>
           </a:p>
@@ -14141,8 +14141,8 @@
             </a:prstGeom>
           </p:spPr>
         </p:pic>
-        <mc:AlternateContent xmlns:mc="http://schemas.openxmlformats.org/markup-compatibility/2006">
-          <mc:Choice xmlns:a14="http://schemas.microsoft.com/office/drawing/2010/main" Requires="a14">
+        <mc:AlternateContent xmlns:mc="http://schemas.openxmlformats.org/markup-compatibility/2006" xmlns:a14="http://schemas.microsoft.com/office/drawing/2010/main">
+          <mc:Choice Requires="a14">
             <p:sp>
               <p:nvSpPr>
                 <p:cNvPr id="147" name="Text Box 15"/>
@@ -14224,7 +14224,7 @@
               </p:txBody>
             </p:sp>
           </mc:Choice>
-          <mc:Fallback>
+          <mc:Fallback xmlns="">
             <p:sp>
               <p:nvSpPr>
                 <p:cNvPr id="147" name="Text Box 15"/>
@@ -14267,8 +14267,8 @@
             </p:sp>
           </mc:Fallback>
         </mc:AlternateContent>
-        <mc:AlternateContent xmlns:mc="http://schemas.openxmlformats.org/markup-compatibility/2006">
-          <mc:Choice xmlns:a14="http://schemas.microsoft.com/office/drawing/2010/main" Requires="a14">
+        <mc:AlternateContent xmlns:mc="http://schemas.openxmlformats.org/markup-compatibility/2006" xmlns:a14="http://schemas.microsoft.com/office/drawing/2010/main">
+          <mc:Choice Requires="a14">
             <p:sp>
               <p:nvSpPr>
                 <p:cNvPr id="148" name="Text Box 15"/>
@@ -14359,7 +14359,7 @@
               </p:txBody>
             </p:sp>
           </mc:Choice>
-          <mc:Fallback>
+          <mc:Fallback xmlns="">
             <p:sp>
               <p:nvSpPr>
                 <p:cNvPr id="148" name="Text Box 15"/>
@@ -14450,8 +14450,8 @@
             </a:p>
           </p:txBody>
         </p:sp>
-        <mc:AlternateContent xmlns:mc="http://schemas.openxmlformats.org/markup-compatibility/2006">
-          <mc:Choice xmlns:a14="http://schemas.microsoft.com/office/drawing/2010/main" Requires="a14">
+        <mc:AlternateContent xmlns:mc="http://schemas.openxmlformats.org/markup-compatibility/2006" xmlns:a14="http://schemas.microsoft.com/office/drawing/2010/main">
+          <mc:Choice Requires="a14">
             <p:sp>
               <p:nvSpPr>
                 <p:cNvPr id="150" name="TextBox 149"/>
@@ -14495,7 +14495,7 @@
               </p:txBody>
             </p:sp>
           </mc:Choice>
-          <mc:Fallback>
+          <mc:Fallback xmlns="">
             <p:sp>
               <p:nvSpPr>
                 <p:cNvPr id="150" name="TextBox 149"/>
@@ -14534,8 +14534,8 @@
             </p:sp>
           </mc:Fallback>
         </mc:AlternateContent>
-        <mc:AlternateContent xmlns:mc="http://schemas.openxmlformats.org/markup-compatibility/2006">
-          <mc:Choice xmlns:a14="http://schemas.microsoft.com/office/drawing/2010/main" Requires="a14">
+        <mc:AlternateContent xmlns:mc="http://schemas.openxmlformats.org/markup-compatibility/2006" xmlns:a14="http://schemas.microsoft.com/office/drawing/2010/main">
+          <mc:Choice Requires="a14">
             <p:sp>
               <p:nvSpPr>
                 <p:cNvPr id="151" name="TextBox 150"/>
@@ -14585,7 +14585,7 @@
               </p:txBody>
             </p:sp>
           </mc:Choice>
-          <mc:Fallback>
+          <mc:Fallback xmlns="">
             <p:sp>
               <p:nvSpPr>
                 <p:cNvPr id="151" name="TextBox 150"/>
@@ -14759,8 +14759,8 @@
             </a:p>
           </p:txBody>
         </p:sp>
-        <mc:AlternateContent xmlns:mc="http://schemas.openxmlformats.org/markup-compatibility/2006">
-          <mc:Choice xmlns:a14="http://schemas.microsoft.com/office/drawing/2010/main" Requires="a14">
+        <mc:AlternateContent xmlns:mc="http://schemas.openxmlformats.org/markup-compatibility/2006" xmlns:a14="http://schemas.microsoft.com/office/drawing/2010/main">
+          <mc:Choice Requires="a14">
             <p:sp>
               <p:nvSpPr>
                 <p:cNvPr id="155" name="TextBox 154"/>
@@ -14921,7 +14921,7 @@
               </p:txBody>
             </p:sp>
           </mc:Choice>
-          <mc:Fallback>
+          <mc:Fallback xmlns="">
             <p:sp>
               <p:nvSpPr>
                 <p:cNvPr id="155" name="TextBox 154"/>
@@ -14960,8 +14960,8 @@
             </p:sp>
           </mc:Fallback>
         </mc:AlternateContent>
-        <mc:AlternateContent xmlns:mc="http://schemas.openxmlformats.org/markup-compatibility/2006">
-          <mc:Choice xmlns:a14="http://schemas.microsoft.com/office/drawing/2010/main" Requires="a14">
+        <mc:AlternateContent xmlns:mc="http://schemas.openxmlformats.org/markup-compatibility/2006" xmlns:a14="http://schemas.microsoft.com/office/drawing/2010/main">
+          <mc:Choice Requires="a14">
             <p:sp>
               <p:nvSpPr>
                 <p:cNvPr id="156" name="TextBox 155"/>
@@ -15173,7 +15173,7 @@
               </p:txBody>
             </p:sp>
           </mc:Choice>
-          <mc:Fallback>
+          <mc:Fallback xmlns="">
             <p:sp>
               <p:nvSpPr>
                 <p:cNvPr id="156" name="TextBox 155"/>
@@ -15263,8 +15263,8 @@
             </a:p>
           </p:txBody>
         </p:sp>
-        <mc:AlternateContent xmlns:mc="http://schemas.openxmlformats.org/markup-compatibility/2006">
-          <mc:Choice xmlns:a14="http://schemas.microsoft.com/office/drawing/2010/main" Requires="a14">
+        <mc:AlternateContent xmlns:mc="http://schemas.openxmlformats.org/markup-compatibility/2006" xmlns:a14="http://schemas.microsoft.com/office/drawing/2010/main">
+          <mc:Choice Requires="a14">
             <p:sp>
               <p:nvSpPr>
                 <p:cNvPr id="158" name="TextBox 157"/>
@@ -15397,7 +15397,7 @@
               </p:txBody>
             </p:sp>
           </mc:Choice>
-          <mc:Fallback>
+          <mc:Fallback xmlns="">
             <p:sp>
               <p:nvSpPr>
                 <p:cNvPr id="158" name="TextBox 157"/>
@@ -15625,8 +15625,8 @@
             </p:txBody>
           </p:sp>
         </p:grpSp>
-        <mc:AlternateContent xmlns:mc="http://schemas.openxmlformats.org/markup-compatibility/2006">
-          <mc:Choice xmlns:a14="http://schemas.microsoft.com/office/drawing/2010/main" Requires="a14">
+        <mc:AlternateContent xmlns:mc="http://schemas.openxmlformats.org/markup-compatibility/2006" xmlns:a14="http://schemas.microsoft.com/office/drawing/2010/main">
+          <mc:Choice Requires="a14">
             <p:sp>
               <p:nvSpPr>
                 <p:cNvPr id="168" name="TextBox 167"/>
@@ -15683,7 +15683,7 @@
               </p:txBody>
             </p:sp>
           </mc:Choice>
-          <mc:Fallback>
+          <mc:Fallback xmlns="">
             <p:sp>
               <p:nvSpPr>
                 <p:cNvPr id="168" name="TextBox 167"/>
@@ -15814,8 +15814,8 @@
             </p:style>
           </p:cxnSp>
         </p:grpSp>
-        <mc:AlternateContent xmlns:mc="http://schemas.openxmlformats.org/markup-compatibility/2006">
-          <mc:Choice xmlns:a14="http://schemas.microsoft.com/office/drawing/2010/main" Requires="a14">
+        <mc:AlternateContent xmlns:mc="http://schemas.openxmlformats.org/markup-compatibility/2006" xmlns:a14="http://schemas.microsoft.com/office/drawing/2010/main">
+          <mc:Choice Requires="a14">
             <p:sp>
               <p:nvSpPr>
                 <p:cNvPr id="173" name="TextBox 172"/>
@@ -15862,7 +15862,7 @@
               </p:txBody>
             </p:sp>
           </mc:Choice>
-          <mc:Fallback>
+          <mc:Fallback xmlns="">
             <p:sp>
               <p:nvSpPr>
                 <p:cNvPr id="173" name="TextBox 172"/>
@@ -28731,8 +28731,8 @@
             </a:prstGeom>
           </p:spPr>
         </p:pic>
-        <mc:AlternateContent xmlns:mc="http://schemas.openxmlformats.org/markup-compatibility/2006">
-          <mc:Choice xmlns:a14="http://schemas.microsoft.com/office/drawing/2010/main" Requires="a14">
+        <mc:AlternateContent xmlns:mc="http://schemas.openxmlformats.org/markup-compatibility/2006" xmlns:a14="http://schemas.microsoft.com/office/drawing/2010/main">
+          <mc:Choice Requires="a14">
             <p:sp>
               <p:nvSpPr>
                 <p:cNvPr id="228" name="Text Box 15"/>
@@ -28816,7 +28816,7 @@
               </p:txBody>
             </p:sp>
           </mc:Choice>
-          <mc:Fallback>
+          <mc:Fallback xmlns="">
             <p:sp>
               <p:nvSpPr>
                 <p:cNvPr id="228" name="Text Box 15"/>
@@ -28859,8 +28859,8 @@
             </p:sp>
           </mc:Fallback>
         </mc:AlternateContent>
-        <mc:AlternateContent xmlns:mc="http://schemas.openxmlformats.org/markup-compatibility/2006">
-          <mc:Choice xmlns:a14="http://schemas.microsoft.com/office/drawing/2010/main" Requires="a14">
+        <mc:AlternateContent xmlns:mc="http://schemas.openxmlformats.org/markup-compatibility/2006" xmlns:a14="http://schemas.microsoft.com/office/drawing/2010/main">
+          <mc:Choice Requires="a14">
             <p:sp>
               <p:nvSpPr>
                 <p:cNvPr id="229" name="Text Box 15"/>
@@ -28953,7 +28953,7 @@
               </p:txBody>
             </p:sp>
           </mc:Choice>
-          <mc:Fallback>
+          <mc:Fallback xmlns="">
             <p:sp>
               <p:nvSpPr>
                 <p:cNvPr id="229" name="Text Box 15"/>
@@ -29044,8 +29044,8 @@
             </a:p>
           </p:txBody>
         </p:sp>
-        <mc:AlternateContent xmlns:mc="http://schemas.openxmlformats.org/markup-compatibility/2006">
-          <mc:Choice xmlns:a14="http://schemas.microsoft.com/office/drawing/2010/main" Requires="a14">
+        <mc:AlternateContent xmlns:mc="http://schemas.openxmlformats.org/markup-compatibility/2006" xmlns:a14="http://schemas.microsoft.com/office/drawing/2010/main">
+          <mc:Choice Requires="a14">
             <p:sp>
               <p:nvSpPr>
                 <p:cNvPr id="231" name="TextBox 230"/>
@@ -29089,7 +29089,7 @@
               </p:txBody>
             </p:sp>
           </mc:Choice>
-          <mc:Fallback>
+          <mc:Fallback xmlns="">
             <p:sp>
               <p:nvSpPr>
                 <p:cNvPr id="231" name="TextBox 230"/>
@@ -29128,8 +29128,8 @@
             </p:sp>
           </mc:Fallback>
         </mc:AlternateContent>
-        <mc:AlternateContent xmlns:mc="http://schemas.openxmlformats.org/markup-compatibility/2006">
-          <mc:Choice xmlns:a14="http://schemas.microsoft.com/office/drawing/2010/main" Requires="a14">
+        <mc:AlternateContent xmlns:mc="http://schemas.openxmlformats.org/markup-compatibility/2006" xmlns:a14="http://schemas.microsoft.com/office/drawing/2010/main">
+          <mc:Choice Requires="a14">
             <p:sp>
               <p:nvSpPr>
                 <p:cNvPr id="232" name="TextBox 231"/>
@@ -29179,7 +29179,7 @@
               </p:txBody>
             </p:sp>
           </mc:Choice>
-          <mc:Fallback>
+          <mc:Fallback xmlns="">
             <p:sp>
               <p:nvSpPr>
                 <p:cNvPr id="232" name="TextBox 231"/>
@@ -29323,8 +29323,8 @@
             </a:p>
           </p:txBody>
         </p:sp>
-        <mc:AlternateContent xmlns:mc="http://schemas.openxmlformats.org/markup-compatibility/2006">
-          <mc:Choice xmlns:a14="http://schemas.microsoft.com/office/drawing/2010/main" Requires="a14">
+        <mc:AlternateContent xmlns:mc="http://schemas.openxmlformats.org/markup-compatibility/2006" xmlns:a14="http://schemas.microsoft.com/office/drawing/2010/main">
+          <mc:Choice Requires="a14">
             <p:sp>
               <p:nvSpPr>
                 <p:cNvPr id="235" name="TextBox 234"/>
@@ -29485,7 +29485,7 @@
               </p:txBody>
             </p:sp>
           </mc:Choice>
-          <mc:Fallback>
+          <mc:Fallback xmlns="">
             <p:sp>
               <p:nvSpPr>
                 <p:cNvPr id="235" name="TextBox 234"/>
@@ -29524,8 +29524,8 @@
             </p:sp>
           </mc:Fallback>
         </mc:AlternateContent>
-        <mc:AlternateContent xmlns:mc="http://schemas.openxmlformats.org/markup-compatibility/2006">
-          <mc:Choice xmlns:a14="http://schemas.microsoft.com/office/drawing/2010/main" Requires="a14">
+        <mc:AlternateContent xmlns:mc="http://schemas.openxmlformats.org/markup-compatibility/2006" xmlns:a14="http://schemas.microsoft.com/office/drawing/2010/main">
+          <mc:Choice Requires="a14">
             <p:sp>
               <p:nvSpPr>
                 <p:cNvPr id="236" name="TextBox 235"/>
@@ -29737,7 +29737,7 @@
               </p:txBody>
             </p:sp>
           </mc:Choice>
-          <mc:Fallback>
+          <mc:Fallback xmlns="">
             <p:sp>
               <p:nvSpPr>
                 <p:cNvPr id="236" name="TextBox 235"/>
@@ -29827,8 +29827,8 @@
             </a:p>
           </p:txBody>
         </p:sp>
-        <mc:AlternateContent xmlns:mc="http://schemas.openxmlformats.org/markup-compatibility/2006">
-          <mc:Choice xmlns:a14="http://schemas.microsoft.com/office/drawing/2010/main" Requires="a14">
+        <mc:AlternateContent xmlns:mc="http://schemas.openxmlformats.org/markup-compatibility/2006" xmlns:a14="http://schemas.microsoft.com/office/drawing/2010/main">
+          <mc:Choice Requires="a14">
             <p:sp>
               <p:nvSpPr>
                 <p:cNvPr id="238" name="TextBox 237"/>
@@ -29961,7 +29961,7 @@
               </p:txBody>
             </p:sp>
           </mc:Choice>
-          <mc:Fallback>
+          <mc:Fallback xmlns="">
             <p:sp>
               <p:nvSpPr>
                 <p:cNvPr id="238" name="TextBox 237"/>
@@ -30189,8 +30189,8 @@
             </p:txBody>
           </p:sp>
         </p:grpSp>
-        <mc:AlternateContent xmlns:mc="http://schemas.openxmlformats.org/markup-compatibility/2006">
-          <mc:Choice xmlns:a14="http://schemas.microsoft.com/office/drawing/2010/main" Requires="a14">
+        <mc:AlternateContent xmlns:mc="http://schemas.openxmlformats.org/markup-compatibility/2006" xmlns:a14="http://schemas.microsoft.com/office/drawing/2010/main">
+          <mc:Choice Requires="a14">
             <p:sp>
               <p:nvSpPr>
                 <p:cNvPr id="242" name="TextBox 241"/>
@@ -30247,7 +30247,7 @@
               </p:txBody>
             </p:sp>
           </mc:Choice>
-          <mc:Fallback>
+          <mc:Fallback xmlns="">
             <p:sp>
               <p:nvSpPr>
                 <p:cNvPr id="242" name="TextBox 241"/>
@@ -30378,8 +30378,8 @@
             </p:style>
           </p:cxnSp>
         </p:grpSp>
-        <mc:AlternateContent xmlns:mc="http://schemas.openxmlformats.org/markup-compatibility/2006">
-          <mc:Choice xmlns:a14="http://schemas.microsoft.com/office/drawing/2010/main" Requires="a14">
+        <mc:AlternateContent xmlns:mc="http://schemas.openxmlformats.org/markup-compatibility/2006" xmlns:a14="http://schemas.microsoft.com/office/drawing/2010/main">
+          <mc:Choice Requires="a14">
             <p:sp>
               <p:nvSpPr>
                 <p:cNvPr id="245" name="TextBox 244"/>
@@ -30426,7 +30426,7 @@
               </p:txBody>
             </p:sp>
           </mc:Choice>
-          <mc:Fallback>
+          <mc:Fallback xmlns="">
             <p:sp>
               <p:nvSpPr>
                 <p:cNvPr id="245" name="TextBox 244"/>
@@ -35595,16 +35595,16 @@
       </p:grpSp>
       <p:grpSp>
         <p:nvGrpSpPr>
-          <p:cNvPr id="10" name="Group 9"/>
+          <p:cNvPr id="7" name="Group 6"/>
           <p:cNvGrpSpPr/>
           <p:nvPr/>
         </p:nvGrpSpPr>
         <p:grpSpPr>
           <a:xfrm>
             <a:off x="190612" y="3833813"/>
-            <a:ext cx="4982128" cy="2028825"/>
+            <a:ext cx="4982128" cy="2075920"/>
             <a:chOff x="190612" y="3833813"/>
-            <a:chExt cx="4982128" cy="2028825"/>
+            <a:chExt cx="4982128" cy="2075920"/>
           </a:xfrm>
         </p:grpSpPr>
         <p:sp>
@@ -35616,7 +35616,7 @@
           <p:spPr>
             <a:xfrm>
               <a:off x="285750" y="3833813"/>
-              <a:ext cx="4824413" cy="2028825"/>
+              <a:ext cx="4824413" cy="2075920"/>
             </a:xfrm>
             <a:prstGeom prst="rect">
               <a:avLst/>
@@ -35653,6 +35653,44 @@
             </a:p>
           </p:txBody>
         </p:sp>
+        <p:cxnSp>
+          <p:nvCxnSpPr>
+            <p:cNvPr id="173" name="Straight Connector 172"/>
+            <p:cNvCxnSpPr/>
+            <p:nvPr/>
+          </p:nvCxnSpPr>
+          <p:spPr>
+            <a:xfrm flipH="1" flipV="1">
+              <a:off x="4718073" y="4834136"/>
+              <a:ext cx="0" cy="1005840"/>
+            </a:xfrm>
+            <a:prstGeom prst="line">
+              <a:avLst/>
+            </a:prstGeom>
+            <a:ln>
+              <a:solidFill>
+                <a:schemeClr val="bg1">
+                  <a:lumMod val="50000"/>
+                </a:schemeClr>
+              </a:solidFill>
+              <a:prstDash val="dash"/>
+            </a:ln>
+          </p:spPr>
+          <p:style>
+            <a:lnRef idx="1">
+              <a:schemeClr val="accent1"/>
+            </a:lnRef>
+            <a:fillRef idx="0">
+              <a:schemeClr val="accent1"/>
+            </a:fillRef>
+            <a:effectRef idx="0">
+              <a:schemeClr val="accent1"/>
+            </a:effectRef>
+            <a:fontRef idx="minor">
+              <a:schemeClr val="tx1"/>
+            </a:fontRef>
+          </p:style>
+        </p:cxnSp>
         <p:cxnSp>
           <p:nvCxnSpPr>
             <p:cNvPr id="198" name="Straight Connector 197"/>
@@ -36239,7 +36277,7 @@
           <p:spPr>
             <a:xfrm flipH="1" flipV="1">
               <a:off x="2949490" y="4799005"/>
-              <a:ext cx="0" cy="914400"/>
+              <a:ext cx="0" cy="1060704"/>
             </a:xfrm>
             <a:prstGeom prst="line">
               <a:avLst/>
@@ -36767,7 +36805,7 @@
           </p:blipFill>
           <p:spPr>
             <a:xfrm>
-              <a:off x="301294" y="5393004"/>
+              <a:off x="301294" y="5503062"/>
               <a:ext cx="443831" cy="347472"/>
             </a:xfrm>
             <a:prstGeom prst="rect">
@@ -36775,8 +36813,8 @@
             </a:prstGeom>
           </p:spPr>
         </p:pic>
-        <mc:AlternateContent xmlns:mc="http://schemas.openxmlformats.org/markup-compatibility/2006" xmlns:a14="http://schemas.microsoft.com/office/drawing/2010/main">
-          <mc:Choice Requires="a14">
+        <mc:AlternateContent xmlns:mc="http://schemas.openxmlformats.org/markup-compatibility/2006">
+          <mc:Choice xmlns:a14="http://schemas.microsoft.com/office/drawing/2010/main" Requires="a14">
             <p:sp>
               <p:nvSpPr>
                 <p:cNvPr id="134" name="Text Box 15"/>
@@ -36860,7 +36898,7 @@
               </p:txBody>
             </p:sp>
           </mc:Choice>
-          <mc:Fallback xmlns="">
+          <mc:Fallback>
             <p:sp>
               <p:nvSpPr>
                 <p:cNvPr id="134" name="Text Box 15"/>
@@ -36903,8 +36941,8 @@
             </p:sp>
           </mc:Fallback>
         </mc:AlternateContent>
-        <mc:AlternateContent xmlns:mc="http://schemas.openxmlformats.org/markup-compatibility/2006" xmlns:a14="http://schemas.microsoft.com/office/drawing/2010/main">
-          <mc:Choice Requires="a14">
+        <mc:AlternateContent xmlns:mc="http://schemas.openxmlformats.org/markup-compatibility/2006">
+          <mc:Choice xmlns:a14="http://schemas.microsoft.com/office/drawing/2010/main" Requires="a14">
             <p:sp>
               <p:nvSpPr>
                 <p:cNvPr id="136" name="Text Box 15"/>
@@ -36997,7 +37035,7 @@
               </p:txBody>
             </p:sp>
           </mc:Choice>
-          <mc:Fallback xmlns="">
+          <mc:Fallback>
             <p:sp>
               <p:nvSpPr>
                 <p:cNvPr id="136" name="Text Box 15"/>
@@ -37088,8 +37126,8 @@
             </a:p>
           </p:txBody>
         </p:sp>
-        <mc:AlternateContent xmlns:mc="http://schemas.openxmlformats.org/markup-compatibility/2006" xmlns:a14="http://schemas.microsoft.com/office/drawing/2010/main">
-          <mc:Choice Requires="a14">
+        <mc:AlternateContent xmlns:mc="http://schemas.openxmlformats.org/markup-compatibility/2006">
+          <mc:Choice xmlns:a14="http://schemas.microsoft.com/office/drawing/2010/main" Requires="a14">
             <p:sp>
               <p:nvSpPr>
                 <p:cNvPr id="139" name="TextBox 138"/>
@@ -37133,7 +37171,7 @@
               </p:txBody>
             </p:sp>
           </mc:Choice>
-          <mc:Fallback xmlns="">
+          <mc:Fallback>
             <p:sp>
               <p:nvSpPr>
                 <p:cNvPr id="139" name="TextBox 138"/>
@@ -37172,8 +37210,8 @@
             </p:sp>
           </mc:Fallback>
         </mc:AlternateContent>
-        <mc:AlternateContent xmlns:mc="http://schemas.openxmlformats.org/markup-compatibility/2006" xmlns:a14="http://schemas.microsoft.com/office/drawing/2010/main">
-          <mc:Choice Requires="a14">
+        <mc:AlternateContent xmlns:mc="http://schemas.openxmlformats.org/markup-compatibility/2006">
+          <mc:Choice xmlns:a14="http://schemas.microsoft.com/office/drawing/2010/main" Requires="a14">
             <p:sp>
               <p:nvSpPr>
                 <p:cNvPr id="140" name="TextBox 139"/>
@@ -37223,7 +37261,7 @@
               </p:txBody>
             </p:sp>
           </mc:Choice>
-          <mc:Fallback xmlns="">
+          <mc:Fallback>
             <p:sp>
               <p:nvSpPr>
                 <p:cNvPr id="140" name="TextBox 139"/>
@@ -37367,8 +37405,8 @@
             </a:p>
           </p:txBody>
         </p:sp>
-        <mc:AlternateContent xmlns:mc="http://schemas.openxmlformats.org/markup-compatibility/2006" xmlns:a14="http://schemas.microsoft.com/office/drawing/2010/main">
-          <mc:Choice Requires="a14">
+        <mc:AlternateContent xmlns:mc="http://schemas.openxmlformats.org/markup-compatibility/2006">
+          <mc:Choice xmlns:a14="http://schemas.microsoft.com/office/drawing/2010/main" Requires="a14">
             <p:sp>
               <p:nvSpPr>
                 <p:cNvPr id="143" name="TextBox 142"/>
@@ -37529,7 +37567,7 @@
               </p:txBody>
             </p:sp>
           </mc:Choice>
-          <mc:Fallback xmlns="">
+          <mc:Fallback>
             <p:sp>
               <p:nvSpPr>
                 <p:cNvPr id="143" name="TextBox 142"/>
@@ -37568,8 +37606,8 @@
             </p:sp>
           </mc:Fallback>
         </mc:AlternateContent>
-        <mc:AlternateContent xmlns:mc="http://schemas.openxmlformats.org/markup-compatibility/2006" xmlns:a14="http://schemas.microsoft.com/office/drawing/2010/main">
-          <mc:Choice Requires="a14">
+        <mc:AlternateContent xmlns:mc="http://schemas.openxmlformats.org/markup-compatibility/2006">
+          <mc:Choice xmlns:a14="http://schemas.microsoft.com/office/drawing/2010/main" Requires="a14">
             <p:sp>
               <p:nvSpPr>
                 <p:cNvPr id="144" name="TextBox 143"/>
@@ -37781,7 +37819,7 @@
               </p:txBody>
             </p:sp>
           </mc:Choice>
-          <mc:Fallback xmlns="">
+          <mc:Fallback>
             <p:sp>
               <p:nvSpPr>
                 <p:cNvPr id="144" name="TextBox 143"/>
@@ -37871,8 +37909,8 @@
             </a:p>
           </p:txBody>
         </p:sp>
-        <mc:AlternateContent xmlns:mc="http://schemas.openxmlformats.org/markup-compatibility/2006" xmlns:a14="http://schemas.microsoft.com/office/drawing/2010/main">
-          <mc:Choice Requires="a14">
+        <mc:AlternateContent xmlns:mc="http://schemas.openxmlformats.org/markup-compatibility/2006">
+          <mc:Choice xmlns:a14="http://schemas.microsoft.com/office/drawing/2010/main" Requires="a14">
             <p:sp>
               <p:nvSpPr>
                 <p:cNvPr id="146" name="TextBox 145"/>
@@ -38005,7 +38043,7 @@
               </p:txBody>
             </p:sp>
           </mc:Choice>
-          <mc:Fallback xmlns="">
+          <mc:Fallback>
             <p:sp>
               <p:nvSpPr>
                 <p:cNvPr id="146" name="TextBox 145"/>
@@ -38284,8 +38322,8 @@
             </p:txBody>
           </p:sp>
         </p:grpSp>
-        <mc:AlternateContent xmlns:mc="http://schemas.openxmlformats.org/markup-compatibility/2006" xmlns:a14="http://schemas.microsoft.com/office/drawing/2010/main">
-          <mc:Choice Requires="a14">
+        <mc:AlternateContent xmlns:mc="http://schemas.openxmlformats.org/markup-compatibility/2006">
+          <mc:Choice xmlns:a14="http://schemas.microsoft.com/office/drawing/2010/main" Requires="a14">
             <p:sp>
               <p:nvSpPr>
                 <p:cNvPr id="150" name="TextBox 149"/>
@@ -38342,7 +38380,7 @@
               </p:txBody>
             </p:sp>
           </mc:Choice>
-          <mc:Fallback xmlns="">
+          <mc:Fallback>
             <p:sp>
               <p:nvSpPr>
                 <p:cNvPr id="150" name="TextBox 149"/>
@@ -38481,7 +38519,7 @@
           </p:nvGrpSpPr>
           <p:grpSpPr>
             <a:xfrm>
-              <a:off x="2950690" y="5667546"/>
+              <a:off x="2950690" y="5582884"/>
               <a:ext cx="1684209" cy="115535"/>
               <a:chOff x="2605298" y="1651989"/>
               <a:chExt cx="1684209" cy="115535"/>
@@ -38565,8 +38603,8 @@
             </p:style>
           </p:cxnSp>
         </p:grpSp>
-        <mc:AlternateContent xmlns:mc="http://schemas.openxmlformats.org/markup-compatibility/2006" xmlns:a14="http://schemas.microsoft.com/office/drawing/2010/main">
-          <mc:Choice Requires="a14">
+        <mc:AlternateContent xmlns:mc="http://schemas.openxmlformats.org/markup-compatibility/2006">
+          <mc:Choice xmlns:a14="http://schemas.microsoft.com/office/drawing/2010/main" Requires="a14">
             <p:sp>
               <p:nvSpPr>
                 <p:cNvPr id="153" name="TextBox 152"/>
@@ -38613,7 +38651,7 @@
               </p:txBody>
             </p:sp>
           </mc:Choice>
-          <mc:Fallback xmlns="">
+          <mc:Fallback>
             <p:sp>
               <p:nvSpPr>
                 <p:cNvPr id="153" name="TextBox 152"/>
@@ -38652,8 +38690,8 @@
             </p:sp>
           </mc:Fallback>
         </mc:AlternateContent>
-        <mc:AlternateContent xmlns:mc="http://schemas.openxmlformats.org/markup-compatibility/2006" xmlns:a14="http://schemas.microsoft.com/office/drawing/2010/main">
-          <mc:Choice Requires="a14">
+        <mc:AlternateContent xmlns:mc="http://schemas.openxmlformats.org/markup-compatibility/2006">
+          <mc:Choice xmlns:a14="http://schemas.microsoft.com/office/drawing/2010/main" Requires="a14">
             <p:sp>
               <p:nvSpPr>
                 <p:cNvPr id="154" name="TextBox 153"/>
@@ -38662,7 +38700,7 @@
               </p:nvSpPr>
               <p:spPr>
                 <a:xfrm>
-                  <a:off x="3722656" y="5536124"/>
+                  <a:off x="3722656" y="5451462"/>
                   <a:ext cx="333168" cy="246221"/>
                 </a:xfrm>
                 <a:prstGeom prst="rect">
@@ -38724,7 +38762,7 @@
               </p:txBody>
             </p:sp>
           </mc:Choice>
-          <mc:Fallback xmlns="">
+          <mc:Fallback>
             <p:sp>
               <p:nvSpPr>
                 <p:cNvPr id="154" name="TextBox 153"/>
@@ -38735,7 +38773,7 @@
               </p:nvSpPr>
               <p:spPr>
                 <a:xfrm>
-                  <a:off x="3722656" y="5536124"/>
+                  <a:off x="3722656" y="5451462"/>
                   <a:ext cx="333168" cy="246221"/>
                 </a:xfrm>
                 <a:prstGeom prst="rect">
@@ -39068,8 +39106,8 @@
             </p:txBody>
           </p:sp>
         </p:grpSp>
-        <mc:AlternateContent xmlns:mc="http://schemas.openxmlformats.org/markup-compatibility/2006" xmlns:a14="http://schemas.microsoft.com/office/drawing/2010/main">
-          <mc:Choice Requires="a14">
+        <mc:AlternateContent xmlns:mc="http://schemas.openxmlformats.org/markup-compatibility/2006">
+          <mc:Choice xmlns:a14="http://schemas.microsoft.com/office/drawing/2010/main" Requires="a14">
             <p:sp>
               <p:nvSpPr>
                 <p:cNvPr id="159" name="TextBox 158"/>
@@ -39126,7 +39164,7 @@
               </p:txBody>
             </p:sp>
           </mc:Choice>
-          <mc:Fallback xmlns="">
+          <mc:Fallback>
             <p:sp>
               <p:nvSpPr>
                 <p:cNvPr id="159" name="TextBox 158"/>
@@ -39320,8 +39358,8 @@
             </a:fontRef>
           </p:style>
         </p:cxnSp>
-        <mc:AlternateContent xmlns:mc="http://schemas.openxmlformats.org/markup-compatibility/2006" xmlns:a14="http://schemas.microsoft.com/office/drawing/2010/main">
-          <mc:Choice Requires="a14">
+        <mc:AlternateContent xmlns:mc="http://schemas.openxmlformats.org/markup-compatibility/2006">
+          <mc:Choice xmlns:a14="http://schemas.microsoft.com/office/drawing/2010/main" Requires="a14">
             <p:sp>
               <p:nvSpPr>
                 <p:cNvPr id="200" name="TextBox 199"/>
@@ -39478,7 +39516,7 @@
               </p:txBody>
             </p:sp>
           </mc:Choice>
-          <mc:Fallback xmlns="">
+          <mc:Fallback>
             <p:sp>
               <p:nvSpPr>
                 <p:cNvPr id="200" name="TextBox 199"/>
@@ -39557,8 +39595,8 @@
             </a:fontRef>
           </p:style>
         </p:cxnSp>
-        <mc:AlternateContent xmlns:mc="http://schemas.openxmlformats.org/markup-compatibility/2006" xmlns:a14="http://schemas.microsoft.com/office/drawing/2010/main">
-          <mc:Choice Requires="a14">
+        <mc:AlternateContent xmlns:mc="http://schemas.openxmlformats.org/markup-compatibility/2006">
+          <mc:Choice xmlns:a14="http://schemas.microsoft.com/office/drawing/2010/main" Requires="a14">
             <p:sp>
               <p:nvSpPr>
                 <p:cNvPr id="203" name="TextBox 202"/>
@@ -39649,7 +39687,7 @@
               </p:txBody>
             </p:sp>
           </mc:Choice>
-          <mc:Fallback xmlns="">
+          <mc:Fallback>
             <p:sp>
               <p:nvSpPr>
                 <p:cNvPr id="203" name="TextBox 202"/>
@@ -39718,8 +39756,8 @@
             </a:p>
           </p:txBody>
         </p:sp>
-        <mc:AlternateContent xmlns:mc="http://schemas.openxmlformats.org/markup-compatibility/2006" xmlns:a14="http://schemas.microsoft.com/office/drawing/2010/main">
-          <mc:Choice Requires="a14">
+        <mc:AlternateContent xmlns:mc="http://schemas.openxmlformats.org/markup-compatibility/2006">
+          <mc:Choice xmlns:a14="http://schemas.microsoft.com/office/drawing/2010/main" Requires="a14">
             <p:sp>
               <p:nvSpPr>
                 <p:cNvPr id="205" name="TextBox 204"/>
@@ -39786,7 +39824,7 @@
               </p:txBody>
             </p:sp>
           </mc:Choice>
-          <mc:Fallback xmlns="">
+          <mc:Fallback>
             <p:sp>
               <p:nvSpPr>
                 <p:cNvPr id="205" name="TextBox 204"/>
@@ -39980,8 +40018,8 @@
             </a:p>
           </p:txBody>
         </p:sp>
-        <mc:AlternateContent xmlns:mc="http://schemas.openxmlformats.org/markup-compatibility/2006" xmlns:a14="http://schemas.microsoft.com/office/drawing/2010/main">
-          <mc:Choice Requires="a14">
+        <mc:AlternateContent xmlns:mc="http://schemas.openxmlformats.org/markup-compatibility/2006">
+          <mc:Choice xmlns:a14="http://schemas.microsoft.com/office/drawing/2010/main" Requires="a14">
             <p:sp>
               <p:nvSpPr>
                 <p:cNvPr id="210" name="TextBox 209"/>
@@ -40072,7 +40110,7 @@
               </p:txBody>
             </p:sp>
           </mc:Choice>
-          <mc:Fallback xmlns="">
+          <mc:Fallback>
             <p:sp>
               <p:nvSpPr>
                 <p:cNvPr id="210" name="TextBox 209"/>
@@ -40111,8 +40149,8 @@
             </p:sp>
           </mc:Fallback>
         </mc:AlternateContent>
-        <mc:AlternateContent xmlns:mc="http://schemas.openxmlformats.org/markup-compatibility/2006" xmlns:a14="http://schemas.microsoft.com/office/drawing/2010/main">
-          <mc:Choice Requires="a14">
+        <mc:AlternateContent xmlns:mc="http://schemas.openxmlformats.org/markup-compatibility/2006">
+          <mc:Choice xmlns:a14="http://schemas.microsoft.com/office/drawing/2010/main" Requires="a14">
             <p:sp>
               <p:nvSpPr>
                 <p:cNvPr id="211" name="TextBox 210"/>
@@ -40203,7 +40241,7 @@
               </p:txBody>
             </p:sp>
           </mc:Choice>
-          <mc:Fallback xmlns="">
+          <mc:Fallback>
             <p:sp>
               <p:nvSpPr>
                 <p:cNvPr id="211" name="TextBox 210"/>
@@ -40385,8 +40423,8 @@
             </p:style>
           </p:cxnSp>
         </p:grpSp>
-        <mc:AlternateContent xmlns:mc="http://schemas.openxmlformats.org/markup-compatibility/2006" xmlns:a14="http://schemas.microsoft.com/office/drawing/2010/main">
-          <mc:Choice Requires="a14">
+        <mc:AlternateContent xmlns:mc="http://schemas.openxmlformats.org/markup-compatibility/2006">
+          <mc:Choice xmlns:a14="http://schemas.microsoft.com/office/drawing/2010/main" Requires="a14">
             <p:sp>
               <p:nvSpPr>
                 <p:cNvPr id="220" name="TextBox 219"/>
@@ -40452,7 +40490,7 @@
               </p:txBody>
             </p:sp>
           </mc:Choice>
-          <mc:Fallback xmlns="">
+          <mc:Fallback>
             <p:sp>
               <p:nvSpPr>
                 <p:cNvPr id="220" name="TextBox 219"/>
@@ -40491,8 +40529,8 @@
             </p:sp>
           </mc:Fallback>
         </mc:AlternateContent>
-        <mc:AlternateContent xmlns:mc="http://schemas.openxmlformats.org/markup-compatibility/2006" xmlns:a14="http://schemas.microsoft.com/office/drawing/2010/main">
-          <mc:Choice Requires="a14">
+        <mc:AlternateContent xmlns:mc="http://schemas.openxmlformats.org/markup-compatibility/2006">
+          <mc:Choice xmlns:a14="http://schemas.microsoft.com/office/drawing/2010/main" Requires="a14">
             <p:sp>
               <p:nvSpPr>
                 <p:cNvPr id="221" name="TextBox 220"/>
@@ -40566,7 +40604,7 @@
               </p:txBody>
             </p:sp>
           </mc:Choice>
-          <mc:Fallback xmlns="">
+          <mc:Fallback>
             <p:sp>
               <p:nvSpPr>
                 <p:cNvPr id="221" name="TextBox 220"/>
@@ -40585,6 +40623,201 @@
                 </a:prstGeom>
                 <a:blipFill rotWithShape="0">
                   <a:blip r:embed="rId44"/>
+                  <a:stretch>
+                    <a:fillRect/>
+                  </a:stretch>
+                </a:blipFill>
+              </p:spPr>
+              <p:txBody>
+                <a:bodyPr/>
+                <a:lstStyle/>
+                <a:p>
+                  <a:r>
+                    <a:rPr lang="en-US">
+                      <a:noFill/>
+                    </a:rPr>
+                    <a:t> </a:t>
+                  </a:r>
+                </a:p>
+              </p:txBody>
+            </p:sp>
+          </mc:Fallback>
+        </mc:AlternateContent>
+        <p:grpSp>
+          <p:nvGrpSpPr>
+            <p:cNvPr id="168" name="Group 167"/>
+            <p:cNvGrpSpPr/>
+            <p:nvPr/>
+          </p:nvGrpSpPr>
+          <p:grpSpPr>
+            <a:xfrm>
+              <a:off x="2950685" y="5760682"/>
+              <a:ext cx="1775649" cy="115535"/>
+              <a:chOff x="2605298" y="1651989"/>
+              <a:chExt cx="1775649" cy="115535"/>
+            </a:xfrm>
+          </p:grpSpPr>
+          <p:cxnSp>
+            <p:nvCxnSpPr>
+              <p:cNvPr id="169" name="Straight Connector 168"/>
+              <p:cNvCxnSpPr>
+                <a:cxnSpLocks/>
+              </p:cNvCxnSpPr>
+              <p:nvPr/>
+            </p:nvCxnSpPr>
+            <p:spPr>
+              <a:xfrm flipH="1">
+                <a:off x="2605298" y="1651989"/>
+                <a:ext cx="0" cy="115535"/>
+              </a:xfrm>
+              <a:prstGeom prst="line">
+                <a:avLst/>
+              </a:prstGeom>
+              <a:ln w="6350">
+                <a:solidFill>
+                  <a:schemeClr val="tx1">
+                    <a:lumMod val="85000"/>
+                    <a:lumOff val="15000"/>
+                  </a:schemeClr>
+                </a:solidFill>
+                <a:prstDash val="solid"/>
+                <a:headEnd type="none" w="med" len="med"/>
+                <a:tailEnd type="none" w="med" len="med"/>
+              </a:ln>
+            </p:spPr>
+            <p:style>
+              <a:lnRef idx="1">
+                <a:schemeClr val="accent1"/>
+              </a:lnRef>
+              <a:fillRef idx="0">
+                <a:schemeClr val="accent1"/>
+              </a:fillRef>
+              <a:effectRef idx="0">
+                <a:schemeClr val="accent1"/>
+              </a:effectRef>
+              <a:fontRef idx="minor">
+                <a:schemeClr val="tx1"/>
+              </a:fontRef>
+            </p:style>
+          </p:cxnSp>
+          <p:cxnSp>
+            <p:nvCxnSpPr>
+              <p:cNvPr id="170" name="Straight Arrow Connector 169"/>
+              <p:cNvCxnSpPr/>
+              <p:nvPr/>
+            </p:nvCxnSpPr>
+            <p:spPr>
+              <a:xfrm flipV="1">
+                <a:off x="2607011" y="1709756"/>
+                <a:ext cx="1773936" cy="0"/>
+              </a:xfrm>
+              <a:prstGeom prst="straightConnector1">
+                <a:avLst/>
+              </a:prstGeom>
+              <a:ln>
+                <a:headEnd type="none" w="med" len="med"/>
+                <a:tailEnd type="arrow" w="sm" len="sm"/>
+              </a:ln>
+            </p:spPr>
+            <p:style>
+              <a:lnRef idx="1">
+                <a:schemeClr val="dk1"/>
+              </a:lnRef>
+              <a:fillRef idx="0">
+                <a:schemeClr val="dk1"/>
+              </a:fillRef>
+              <a:effectRef idx="0">
+                <a:schemeClr val="dk1"/>
+              </a:effectRef>
+              <a:fontRef idx="minor">
+                <a:schemeClr val="tx1"/>
+              </a:fontRef>
+            </p:style>
+          </p:cxnSp>
+        </p:grpSp>
+        <mc:AlternateContent xmlns:mc="http://schemas.openxmlformats.org/markup-compatibility/2006">
+          <mc:Choice xmlns:a14="http://schemas.microsoft.com/office/drawing/2010/main" Requires="a14">
+            <p:sp>
+              <p:nvSpPr>
+                <p:cNvPr id="172" name="TextBox 171"/>
+                <p:cNvSpPr txBox="1"/>
+                <p:nvPr/>
+              </p:nvSpPr>
+              <p:spPr>
+                <a:xfrm>
+                  <a:off x="3718418" y="5616561"/>
+                  <a:ext cx="346953" cy="246221"/>
+                </a:xfrm>
+                <a:prstGeom prst="rect">
+                  <a:avLst/>
+                </a:prstGeom>
+                <a:noFill/>
+              </p:spPr>
+              <p:txBody>
+                <a:bodyPr wrap="none" rtlCol="0">
+                  <a:spAutoFit/>
+                </a:bodyPr>
+                <a:lstStyle/>
+                <a:p>
+                  <a:pPr/>
+                  <a14:m>
+                    <m:oMathPara xmlns:m="http://schemas.openxmlformats.org/officeDocument/2006/math">
+                      <m:oMathParaPr>
+                        <m:jc m:val="centerGroup"/>
+                      </m:oMathParaPr>
+                      <m:oMath xmlns:m="http://schemas.openxmlformats.org/officeDocument/2006/math">
+                        <m:sSub>
+                          <m:sSubPr>
+                            <m:ctrlPr>
+                              <a:rPr lang="en-US" sz="1000" b="0" i="1" smtClean="0">
+                                <a:latin typeface="Cambria Math" panose="02040503050406030204" pitchFamily="18" charset="0"/>
+                              </a:rPr>
+                            </m:ctrlPr>
+                          </m:sSubPr>
+                          <m:e>
+                            <m:r>
+                              <a:rPr lang="en-US" sz="1000" b="0" i="1" smtClean="0">
+                                <a:latin typeface="Cambria Math" panose="02040503050406030204" pitchFamily="18" charset="0"/>
+                              </a:rPr>
+                              <m:t>𝑍</m:t>
+                            </m:r>
+                          </m:e>
+                          <m:sub>
+                            <m:r>
+                              <a:rPr lang="en-US" sz="1000" b="0" i="1" smtClean="0">
+                                <a:latin typeface="Cambria Math" panose="02040503050406030204" pitchFamily="18" charset="0"/>
+                              </a:rPr>
+                              <m:t>𝑜</m:t>
+                            </m:r>
+                          </m:sub>
+                        </m:sSub>
+                      </m:oMath>
+                    </m:oMathPara>
+                  </a14:m>
+                  <a:endParaRPr lang="en-US" sz="1000" dirty="0"/>
+                </a:p>
+              </p:txBody>
+            </p:sp>
+          </mc:Choice>
+          <mc:Fallback>
+            <p:sp>
+              <p:nvSpPr>
+                <p:cNvPr id="172" name="TextBox 171"/>
+                <p:cNvSpPr txBox="1">
+                  <a:spLocks noRot="1" noChangeAspect="1" noMove="1" noResize="1" noEditPoints="1" noAdjustHandles="1" noChangeArrowheads="1" noChangeShapeType="1" noTextEdit="1"/>
+                </p:cNvSpPr>
+                <p:nvPr/>
+              </p:nvSpPr>
+              <p:spPr>
+                <a:xfrm>
+                  <a:off x="3718418" y="5616561"/>
+                  <a:ext cx="346953" cy="246221"/>
+                </a:xfrm>
+                <a:prstGeom prst="rect">
+                  <a:avLst/>
+                </a:prstGeom>
+                <a:blipFill rotWithShape="0">
+                  <a:blip r:embed="rId45"/>
                   <a:stretch>
                     <a:fillRect/>
                   </a:stretch>
@@ -41445,8 +41678,8 @@
             </p:style>
           </p:cxnSp>
         </p:grpSp>
-        <mc:AlternateContent xmlns:mc="http://schemas.openxmlformats.org/markup-compatibility/2006" xmlns:a14="http://schemas.microsoft.com/office/drawing/2010/main">
-          <mc:Choice Requires="a14">
+        <mc:AlternateContent xmlns:mc="http://schemas.openxmlformats.org/markup-compatibility/2006">
+          <mc:Choice xmlns:a14="http://schemas.microsoft.com/office/drawing/2010/main" Requires="a14">
             <p:sp>
               <p:nvSpPr>
                 <p:cNvPr id="80" name="TextBox 79"/>
@@ -41456,7 +41689,7 @@
               <p:spPr>
                 <a:xfrm>
                   <a:off x="3576508" y="2341013"/>
-                  <a:ext cx="333168" cy="246221"/>
+                  <a:ext cx="346953" cy="246221"/>
                 </a:xfrm>
                 <a:prstGeom prst="rect">
                   <a:avLst/>
@@ -41476,14 +41709,14 @@
                         <m:jc m:val="centerGroup"/>
                       </m:oMathParaPr>
                       <m:oMath xmlns:m="http://schemas.openxmlformats.org/officeDocument/2006/math">
-                        <m:sSubSup>
-                          <m:sSubSupPr>
+                        <m:sSub>
+                          <m:sSubPr>
                             <m:ctrlPr>
                               <a:rPr lang="en-US" sz="1000" b="0" i="1" smtClean="0">
                                 <a:latin typeface="Cambria Math" panose="02040503050406030204" pitchFamily="18" charset="0"/>
                               </a:rPr>
                             </m:ctrlPr>
-                          </m:sSubSupPr>
+                          </m:sSubPr>
                           <m:e>
                             <m:r>
                               <a:rPr lang="en-US" sz="1000" b="0" i="1" smtClean="0">
@@ -41497,18 +41730,10 @@
                               <a:rPr lang="en-US" sz="1000" b="0" i="1" smtClean="0">
                                 <a:latin typeface="Cambria Math" panose="02040503050406030204" pitchFamily="18" charset="0"/>
                               </a:rPr>
-                              <m:t> </m:t>
+                              <m:t>𝑜</m:t>
                             </m:r>
                           </m:sub>
-                          <m:sup>
-                            <m:r>
-                              <a:rPr lang="en-US" sz="1000" b="0" i="1" smtClean="0">
-                                <a:latin typeface="Cambria Math" panose="02040503050406030204" pitchFamily="18" charset="0"/>
-                              </a:rPr>
-                              <m:t>′</m:t>
-                            </m:r>
-                          </m:sup>
-                        </m:sSubSup>
+                        </m:sSub>
                       </m:oMath>
                     </m:oMathPara>
                   </a14:m>
@@ -41517,7 +41742,7 @@
               </p:txBody>
             </p:sp>
           </mc:Choice>
-          <mc:Fallback xmlns="">
+          <mc:Fallback>
             <p:sp>
               <p:nvSpPr>
                 <p:cNvPr id="80" name="TextBox 79"/>
@@ -41529,7 +41754,7 @@
               <p:spPr>
                 <a:xfrm>
                   <a:off x="3576508" y="2341013"/>
-                  <a:ext cx="333168" cy="246221"/>
+                  <a:ext cx="346953" cy="246221"/>
                 </a:xfrm>
                 <a:prstGeom prst="rect">
                   <a:avLst/>
@@ -41922,8 +42147,8 @@
             </a:fontRef>
           </p:style>
         </p:cxnSp>
-        <mc:AlternateContent xmlns:mc="http://schemas.openxmlformats.org/markup-compatibility/2006" xmlns:a14="http://schemas.microsoft.com/office/drawing/2010/main">
-          <mc:Choice Requires="a14">
+        <mc:AlternateContent xmlns:mc="http://schemas.openxmlformats.org/markup-compatibility/2006">
+          <mc:Choice xmlns:a14="http://schemas.microsoft.com/office/drawing/2010/main" Requires="a14">
             <p:sp>
               <p:nvSpPr>
                 <p:cNvPr id="104" name="TextBox 103"/>
@@ -41932,8 +42157,8 @@
               </p:nvSpPr>
               <p:spPr>
                 <a:xfrm rot="691448">
-                  <a:off x="3573412" y="2890729"/>
-                  <a:ext cx="356123" cy="246221"/>
+                  <a:off x="3545135" y="2890729"/>
+                  <a:ext cx="412677" cy="246221"/>
                 </a:xfrm>
                 <a:prstGeom prst="rect">
                   <a:avLst/>
@@ -41953,14 +42178,14 @@
                         <m:jc m:val="centerGroup"/>
                       </m:oMathParaPr>
                       <m:oMath xmlns:m="http://schemas.openxmlformats.org/officeDocument/2006/math">
-                        <m:sSubSup>
-                          <m:sSubSupPr>
+                        <m:sSub>
+                          <m:sSubPr>
                             <m:ctrlPr>
                               <a:rPr lang="en-US" sz="1000" b="0" i="1" smtClean="0">
                                 <a:latin typeface="Cambria Math" panose="02040503050406030204" pitchFamily="18" charset="0"/>
                               </a:rPr>
                             </m:ctrlPr>
-                          </m:sSubSupPr>
+                          </m:sSubPr>
                           <m:e>
                             <m:r>
                               <a:rPr lang="en-US" sz="1000" b="0" i="1" smtClean="0">
@@ -41973,20 +42198,18 @@
                             <m:r>
                               <a:rPr lang="en-US" sz="1000" b="0" i="1" smtClean="0">
                                 <a:latin typeface="Cambria Math" panose="02040503050406030204" pitchFamily="18" charset="0"/>
+                              </a:rPr>
+                              <m:t>𝑜</m:t>
+                            </m:r>
+                            <m:r>
+                              <a:rPr lang="en-US" sz="1000" i="1">
+                                <a:latin typeface="Cambria Math" panose="02040503050406030204" pitchFamily="18" charset="0"/>
                                 <a:ea typeface="Cambria Math" panose="02040503050406030204" pitchFamily="18" charset="0"/>
                               </a:rPr>
                               <m:t>⊥</m:t>
                             </m:r>
                           </m:sub>
-                          <m:sup>
-                            <m:r>
-                              <a:rPr lang="en-US" sz="1000" b="0" i="1" smtClean="0">
-                                <a:latin typeface="Cambria Math" panose="02040503050406030204" pitchFamily="18" charset="0"/>
-                              </a:rPr>
-                              <m:t>′</m:t>
-                            </m:r>
-                          </m:sup>
-                        </m:sSubSup>
+                        </m:sSub>
                       </m:oMath>
                     </m:oMathPara>
                   </a14:m>
@@ -41995,7 +42218,7 @@
               </p:txBody>
             </p:sp>
           </mc:Choice>
-          <mc:Fallback xmlns="">
+          <mc:Fallback>
             <p:sp>
               <p:nvSpPr>
                 <p:cNvPr id="104" name="TextBox 103"/>
@@ -42006,8 +42229,8 @@
               </p:nvSpPr>
               <p:spPr>
                 <a:xfrm rot="691448">
-                  <a:off x="3573412" y="2890729"/>
-                  <a:ext cx="356123" cy="246221"/>
+                  <a:off x="3545135" y="2890729"/>
+                  <a:ext cx="412677" cy="246221"/>
                 </a:xfrm>
                 <a:prstGeom prst="rect">
                   <a:avLst/>
@@ -42034,8 +42257,8 @@
             </p:sp>
           </mc:Fallback>
         </mc:AlternateContent>
-        <mc:AlternateContent xmlns:mc="http://schemas.openxmlformats.org/markup-compatibility/2006" xmlns:a14="http://schemas.microsoft.com/office/drawing/2010/main">
-          <mc:Choice Requires="a14">
+        <mc:AlternateContent xmlns:mc="http://schemas.openxmlformats.org/markup-compatibility/2006">
+          <mc:Choice xmlns:a14="http://schemas.microsoft.com/office/drawing/2010/main" Requires="a14">
             <p:sp>
               <p:nvSpPr>
                 <p:cNvPr id="105" name="TextBox 104"/>
@@ -42080,18 +42303,31 @@
                               </a:rPr>
                               <m:t>0, 0, </m:t>
                             </m:r>
-                            <m:r>
-                              <a:rPr lang="en-US" sz="1000" b="0" i="1" smtClean="0">
-                                <a:latin typeface="Cambria Math" panose="02040503050406030204" pitchFamily="18" charset="0"/>
-                              </a:rPr>
-                              <m:t>𝑍</m:t>
-                            </m:r>
-                            <m:r>
-                              <a:rPr lang="en-US" sz="1000" b="0" i="1" smtClean="0">
-                                <a:latin typeface="Cambria Math" panose="02040503050406030204" pitchFamily="18" charset="0"/>
-                              </a:rPr>
-                              <m:t>′</m:t>
-                            </m:r>
+                            <m:sSub>
+                              <m:sSubPr>
+                                <m:ctrlPr>
+                                  <a:rPr lang="en-US" sz="1000" b="0" i="1" smtClean="0">
+                                    <a:latin typeface="Cambria Math" panose="02040503050406030204" pitchFamily="18" charset="0"/>
+                                  </a:rPr>
+                                </m:ctrlPr>
+                              </m:sSubPr>
+                              <m:e>
+                                <m:r>
+                                  <a:rPr lang="en-US" sz="1000" b="0" i="1" smtClean="0">
+                                    <a:latin typeface="Cambria Math" panose="02040503050406030204" pitchFamily="18" charset="0"/>
+                                  </a:rPr>
+                                  <m:t>𝑍</m:t>
+                                </m:r>
+                              </m:e>
+                              <m:sub>
+                                <m:r>
+                                  <a:rPr lang="en-US" sz="1000" b="0" i="1" smtClean="0">
+                                    <a:latin typeface="Cambria Math" panose="02040503050406030204" pitchFamily="18" charset="0"/>
+                                  </a:rPr>
+                                  <m:t>𝑜</m:t>
+                                </m:r>
+                              </m:sub>
+                            </m:sSub>
                           </m:e>
                         </m:d>
                       </m:oMath>
@@ -42102,7 +42338,7 @@
               </p:txBody>
             </p:sp>
           </mc:Choice>
-          <mc:Fallback xmlns="">
+          <mc:Fallback>
             <p:sp>
               <p:nvSpPr>
                 <p:cNvPr id="105" name="TextBox 104"/>

--- a/chapters/chapter03_geometricmodel/figures/figures_PPT.pptx
+++ b/chapters/chapter03_geometricmodel/figures/figures_PPT.pptx
@@ -36813,8 +36813,8 @@
             </a:prstGeom>
           </p:spPr>
         </p:pic>
-        <mc:AlternateContent xmlns:mc="http://schemas.openxmlformats.org/markup-compatibility/2006">
-          <mc:Choice xmlns:a14="http://schemas.microsoft.com/office/drawing/2010/main" Requires="a14">
+        <mc:AlternateContent xmlns:mc="http://schemas.openxmlformats.org/markup-compatibility/2006" xmlns:a14="http://schemas.microsoft.com/office/drawing/2010/main">
+          <mc:Choice Requires="a14">
             <p:sp>
               <p:nvSpPr>
                 <p:cNvPr id="134" name="Text Box 15"/>
@@ -36898,7 +36898,7 @@
               </p:txBody>
             </p:sp>
           </mc:Choice>
-          <mc:Fallback>
+          <mc:Fallback xmlns="">
             <p:sp>
               <p:nvSpPr>
                 <p:cNvPr id="134" name="Text Box 15"/>
@@ -36941,8 +36941,8 @@
             </p:sp>
           </mc:Fallback>
         </mc:AlternateContent>
-        <mc:AlternateContent xmlns:mc="http://schemas.openxmlformats.org/markup-compatibility/2006">
-          <mc:Choice xmlns:a14="http://schemas.microsoft.com/office/drawing/2010/main" Requires="a14">
+        <mc:AlternateContent xmlns:mc="http://schemas.openxmlformats.org/markup-compatibility/2006" xmlns:a14="http://schemas.microsoft.com/office/drawing/2010/main">
+          <mc:Choice Requires="a14">
             <p:sp>
               <p:nvSpPr>
                 <p:cNvPr id="136" name="Text Box 15"/>
@@ -37035,7 +37035,7 @@
               </p:txBody>
             </p:sp>
           </mc:Choice>
-          <mc:Fallback>
+          <mc:Fallback xmlns="">
             <p:sp>
               <p:nvSpPr>
                 <p:cNvPr id="136" name="Text Box 15"/>
@@ -37126,8 +37126,8 @@
             </a:p>
           </p:txBody>
         </p:sp>
-        <mc:AlternateContent xmlns:mc="http://schemas.openxmlformats.org/markup-compatibility/2006">
-          <mc:Choice xmlns:a14="http://schemas.microsoft.com/office/drawing/2010/main" Requires="a14">
+        <mc:AlternateContent xmlns:mc="http://schemas.openxmlformats.org/markup-compatibility/2006" xmlns:a14="http://schemas.microsoft.com/office/drawing/2010/main">
+          <mc:Choice Requires="a14">
             <p:sp>
               <p:nvSpPr>
                 <p:cNvPr id="139" name="TextBox 138"/>
@@ -37171,7 +37171,7 @@
               </p:txBody>
             </p:sp>
           </mc:Choice>
-          <mc:Fallback>
+          <mc:Fallback xmlns="">
             <p:sp>
               <p:nvSpPr>
                 <p:cNvPr id="139" name="TextBox 138"/>
@@ -37210,8 +37210,8 @@
             </p:sp>
           </mc:Fallback>
         </mc:AlternateContent>
-        <mc:AlternateContent xmlns:mc="http://schemas.openxmlformats.org/markup-compatibility/2006">
-          <mc:Choice xmlns:a14="http://schemas.microsoft.com/office/drawing/2010/main" Requires="a14">
+        <mc:AlternateContent xmlns:mc="http://schemas.openxmlformats.org/markup-compatibility/2006" xmlns:a14="http://schemas.microsoft.com/office/drawing/2010/main">
+          <mc:Choice Requires="a14">
             <p:sp>
               <p:nvSpPr>
                 <p:cNvPr id="140" name="TextBox 139"/>
@@ -37261,7 +37261,7 @@
               </p:txBody>
             </p:sp>
           </mc:Choice>
-          <mc:Fallback>
+          <mc:Fallback xmlns="">
             <p:sp>
               <p:nvSpPr>
                 <p:cNvPr id="140" name="TextBox 139"/>
@@ -37405,8 +37405,8 @@
             </a:p>
           </p:txBody>
         </p:sp>
-        <mc:AlternateContent xmlns:mc="http://schemas.openxmlformats.org/markup-compatibility/2006">
-          <mc:Choice xmlns:a14="http://schemas.microsoft.com/office/drawing/2010/main" Requires="a14">
+        <mc:AlternateContent xmlns:mc="http://schemas.openxmlformats.org/markup-compatibility/2006" xmlns:a14="http://schemas.microsoft.com/office/drawing/2010/main">
+          <mc:Choice Requires="a14">
             <p:sp>
               <p:nvSpPr>
                 <p:cNvPr id="143" name="TextBox 142"/>
@@ -37567,7 +37567,7 @@
               </p:txBody>
             </p:sp>
           </mc:Choice>
-          <mc:Fallback>
+          <mc:Fallback xmlns="">
             <p:sp>
               <p:nvSpPr>
                 <p:cNvPr id="143" name="TextBox 142"/>
@@ -37606,8 +37606,8 @@
             </p:sp>
           </mc:Fallback>
         </mc:AlternateContent>
-        <mc:AlternateContent xmlns:mc="http://schemas.openxmlformats.org/markup-compatibility/2006">
-          <mc:Choice xmlns:a14="http://schemas.microsoft.com/office/drawing/2010/main" Requires="a14">
+        <mc:AlternateContent xmlns:mc="http://schemas.openxmlformats.org/markup-compatibility/2006" xmlns:a14="http://schemas.microsoft.com/office/drawing/2010/main">
+          <mc:Choice Requires="a14">
             <p:sp>
               <p:nvSpPr>
                 <p:cNvPr id="144" name="TextBox 143"/>
@@ -37819,7 +37819,7 @@
               </p:txBody>
             </p:sp>
           </mc:Choice>
-          <mc:Fallback>
+          <mc:Fallback xmlns="">
             <p:sp>
               <p:nvSpPr>
                 <p:cNvPr id="144" name="TextBox 143"/>
@@ -37909,8 +37909,8 @@
             </a:p>
           </p:txBody>
         </p:sp>
-        <mc:AlternateContent xmlns:mc="http://schemas.openxmlformats.org/markup-compatibility/2006">
-          <mc:Choice xmlns:a14="http://schemas.microsoft.com/office/drawing/2010/main" Requires="a14">
+        <mc:AlternateContent xmlns:mc="http://schemas.openxmlformats.org/markup-compatibility/2006" xmlns:a14="http://schemas.microsoft.com/office/drawing/2010/main">
+          <mc:Choice Requires="a14">
             <p:sp>
               <p:nvSpPr>
                 <p:cNvPr id="146" name="TextBox 145"/>
@@ -38043,7 +38043,7 @@
               </p:txBody>
             </p:sp>
           </mc:Choice>
-          <mc:Fallback>
+          <mc:Fallback xmlns="">
             <p:sp>
               <p:nvSpPr>
                 <p:cNvPr id="146" name="TextBox 145"/>
@@ -38322,8 +38322,8 @@
             </p:txBody>
           </p:sp>
         </p:grpSp>
-        <mc:AlternateContent xmlns:mc="http://schemas.openxmlformats.org/markup-compatibility/2006">
-          <mc:Choice xmlns:a14="http://schemas.microsoft.com/office/drawing/2010/main" Requires="a14">
+        <mc:AlternateContent xmlns:mc="http://schemas.openxmlformats.org/markup-compatibility/2006" xmlns:a14="http://schemas.microsoft.com/office/drawing/2010/main">
+          <mc:Choice Requires="a14">
             <p:sp>
               <p:nvSpPr>
                 <p:cNvPr id="150" name="TextBox 149"/>
@@ -38380,7 +38380,7 @@
               </p:txBody>
             </p:sp>
           </mc:Choice>
-          <mc:Fallback>
+          <mc:Fallback xmlns="">
             <p:sp>
               <p:nvSpPr>
                 <p:cNvPr id="150" name="TextBox 149"/>
@@ -38603,8 +38603,8 @@
             </p:style>
           </p:cxnSp>
         </p:grpSp>
-        <mc:AlternateContent xmlns:mc="http://schemas.openxmlformats.org/markup-compatibility/2006">
-          <mc:Choice xmlns:a14="http://schemas.microsoft.com/office/drawing/2010/main" Requires="a14">
+        <mc:AlternateContent xmlns:mc="http://schemas.openxmlformats.org/markup-compatibility/2006" xmlns:a14="http://schemas.microsoft.com/office/drawing/2010/main">
+          <mc:Choice Requires="a14">
             <p:sp>
               <p:nvSpPr>
                 <p:cNvPr id="153" name="TextBox 152"/>
@@ -38651,7 +38651,7 @@
               </p:txBody>
             </p:sp>
           </mc:Choice>
-          <mc:Fallback>
+          <mc:Fallback xmlns="">
             <p:sp>
               <p:nvSpPr>
                 <p:cNvPr id="153" name="TextBox 152"/>
@@ -38690,8 +38690,8 @@
             </p:sp>
           </mc:Fallback>
         </mc:AlternateContent>
-        <mc:AlternateContent xmlns:mc="http://schemas.openxmlformats.org/markup-compatibility/2006">
-          <mc:Choice xmlns:a14="http://schemas.microsoft.com/office/drawing/2010/main" Requires="a14">
+        <mc:AlternateContent xmlns:mc="http://schemas.openxmlformats.org/markup-compatibility/2006" xmlns:a14="http://schemas.microsoft.com/office/drawing/2010/main">
+          <mc:Choice Requires="a14">
             <p:sp>
               <p:nvSpPr>
                 <p:cNvPr id="154" name="TextBox 153"/>
@@ -38762,7 +38762,7 @@
               </p:txBody>
             </p:sp>
           </mc:Choice>
-          <mc:Fallback>
+          <mc:Fallback xmlns="">
             <p:sp>
               <p:nvSpPr>
                 <p:cNvPr id="154" name="TextBox 153"/>
@@ -39106,8 +39106,8 @@
             </p:txBody>
           </p:sp>
         </p:grpSp>
-        <mc:AlternateContent xmlns:mc="http://schemas.openxmlformats.org/markup-compatibility/2006">
-          <mc:Choice xmlns:a14="http://schemas.microsoft.com/office/drawing/2010/main" Requires="a14">
+        <mc:AlternateContent xmlns:mc="http://schemas.openxmlformats.org/markup-compatibility/2006" xmlns:a14="http://schemas.microsoft.com/office/drawing/2010/main">
+          <mc:Choice Requires="a14">
             <p:sp>
               <p:nvSpPr>
                 <p:cNvPr id="159" name="TextBox 158"/>
@@ -39164,7 +39164,7 @@
               </p:txBody>
             </p:sp>
           </mc:Choice>
-          <mc:Fallback>
+          <mc:Fallback xmlns="">
             <p:sp>
               <p:nvSpPr>
                 <p:cNvPr id="159" name="TextBox 158"/>
@@ -39358,8 +39358,8 @@
             </a:fontRef>
           </p:style>
         </p:cxnSp>
-        <mc:AlternateContent xmlns:mc="http://schemas.openxmlformats.org/markup-compatibility/2006">
-          <mc:Choice xmlns:a14="http://schemas.microsoft.com/office/drawing/2010/main" Requires="a14">
+        <mc:AlternateContent xmlns:mc="http://schemas.openxmlformats.org/markup-compatibility/2006" xmlns:a14="http://schemas.microsoft.com/office/drawing/2010/main">
+          <mc:Choice Requires="a14">
             <p:sp>
               <p:nvSpPr>
                 <p:cNvPr id="200" name="TextBox 199"/>
@@ -39516,7 +39516,7 @@
               </p:txBody>
             </p:sp>
           </mc:Choice>
-          <mc:Fallback>
+          <mc:Fallback xmlns="">
             <p:sp>
               <p:nvSpPr>
                 <p:cNvPr id="200" name="TextBox 199"/>
@@ -39595,8 +39595,8 @@
             </a:fontRef>
           </p:style>
         </p:cxnSp>
-        <mc:AlternateContent xmlns:mc="http://schemas.openxmlformats.org/markup-compatibility/2006">
-          <mc:Choice xmlns:a14="http://schemas.microsoft.com/office/drawing/2010/main" Requires="a14">
+        <mc:AlternateContent xmlns:mc="http://schemas.openxmlformats.org/markup-compatibility/2006" xmlns:a14="http://schemas.microsoft.com/office/drawing/2010/main">
+          <mc:Choice Requires="a14">
             <p:sp>
               <p:nvSpPr>
                 <p:cNvPr id="203" name="TextBox 202"/>
@@ -39687,7 +39687,7 @@
               </p:txBody>
             </p:sp>
           </mc:Choice>
-          <mc:Fallback>
+          <mc:Fallback xmlns="">
             <p:sp>
               <p:nvSpPr>
                 <p:cNvPr id="203" name="TextBox 202"/>
@@ -39756,8 +39756,8 @@
             </a:p>
           </p:txBody>
         </p:sp>
-        <mc:AlternateContent xmlns:mc="http://schemas.openxmlformats.org/markup-compatibility/2006">
-          <mc:Choice xmlns:a14="http://schemas.microsoft.com/office/drawing/2010/main" Requires="a14">
+        <mc:AlternateContent xmlns:mc="http://schemas.openxmlformats.org/markup-compatibility/2006" xmlns:a14="http://schemas.microsoft.com/office/drawing/2010/main">
+          <mc:Choice Requires="a14">
             <p:sp>
               <p:nvSpPr>
                 <p:cNvPr id="205" name="TextBox 204"/>
@@ -39824,7 +39824,7 @@
               </p:txBody>
             </p:sp>
           </mc:Choice>
-          <mc:Fallback>
+          <mc:Fallback xmlns="">
             <p:sp>
               <p:nvSpPr>
                 <p:cNvPr id="205" name="TextBox 204"/>
@@ -40018,8 +40018,8 @@
             </a:p>
           </p:txBody>
         </p:sp>
-        <mc:AlternateContent xmlns:mc="http://schemas.openxmlformats.org/markup-compatibility/2006">
-          <mc:Choice xmlns:a14="http://schemas.microsoft.com/office/drawing/2010/main" Requires="a14">
+        <mc:AlternateContent xmlns:mc="http://schemas.openxmlformats.org/markup-compatibility/2006" xmlns:a14="http://schemas.microsoft.com/office/drawing/2010/main">
+          <mc:Choice Requires="a14">
             <p:sp>
               <p:nvSpPr>
                 <p:cNvPr id="210" name="TextBox 209"/>
@@ -40110,7 +40110,7 @@
               </p:txBody>
             </p:sp>
           </mc:Choice>
-          <mc:Fallback>
+          <mc:Fallback xmlns="">
             <p:sp>
               <p:nvSpPr>
                 <p:cNvPr id="210" name="TextBox 209"/>
@@ -40149,8 +40149,8 @@
             </p:sp>
           </mc:Fallback>
         </mc:AlternateContent>
-        <mc:AlternateContent xmlns:mc="http://schemas.openxmlformats.org/markup-compatibility/2006">
-          <mc:Choice xmlns:a14="http://schemas.microsoft.com/office/drawing/2010/main" Requires="a14">
+        <mc:AlternateContent xmlns:mc="http://schemas.openxmlformats.org/markup-compatibility/2006" xmlns:a14="http://schemas.microsoft.com/office/drawing/2010/main">
+          <mc:Choice Requires="a14">
             <p:sp>
               <p:nvSpPr>
                 <p:cNvPr id="211" name="TextBox 210"/>
@@ -40241,7 +40241,7 @@
               </p:txBody>
             </p:sp>
           </mc:Choice>
-          <mc:Fallback>
+          <mc:Fallback xmlns="">
             <p:sp>
               <p:nvSpPr>
                 <p:cNvPr id="211" name="TextBox 210"/>
@@ -40423,8 +40423,8 @@
             </p:style>
           </p:cxnSp>
         </p:grpSp>
-        <mc:AlternateContent xmlns:mc="http://schemas.openxmlformats.org/markup-compatibility/2006">
-          <mc:Choice xmlns:a14="http://schemas.microsoft.com/office/drawing/2010/main" Requires="a14">
+        <mc:AlternateContent xmlns:mc="http://schemas.openxmlformats.org/markup-compatibility/2006" xmlns:a14="http://schemas.microsoft.com/office/drawing/2010/main">
+          <mc:Choice Requires="a14">
             <p:sp>
               <p:nvSpPr>
                 <p:cNvPr id="220" name="TextBox 219"/>
@@ -40490,7 +40490,7 @@
               </p:txBody>
             </p:sp>
           </mc:Choice>
-          <mc:Fallback>
+          <mc:Fallback xmlns="">
             <p:sp>
               <p:nvSpPr>
                 <p:cNvPr id="220" name="TextBox 219"/>
@@ -40529,8 +40529,8 @@
             </p:sp>
           </mc:Fallback>
         </mc:AlternateContent>
-        <mc:AlternateContent xmlns:mc="http://schemas.openxmlformats.org/markup-compatibility/2006">
-          <mc:Choice xmlns:a14="http://schemas.microsoft.com/office/drawing/2010/main" Requires="a14">
+        <mc:AlternateContent xmlns:mc="http://schemas.openxmlformats.org/markup-compatibility/2006" xmlns:a14="http://schemas.microsoft.com/office/drawing/2010/main">
+          <mc:Choice Requires="a14">
             <p:sp>
               <p:nvSpPr>
                 <p:cNvPr id="221" name="TextBox 220"/>
@@ -40604,7 +40604,7 @@
               </p:txBody>
             </p:sp>
           </mc:Choice>
-          <mc:Fallback>
+          <mc:Fallback xmlns="">
             <p:sp>
               <p:nvSpPr>
                 <p:cNvPr id="221" name="TextBox 220"/>
@@ -40766,14 +40766,14 @@
                         <m:jc m:val="centerGroup"/>
                       </m:oMathParaPr>
                       <m:oMath xmlns:m="http://schemas.openxmlformats.org/officeDocument/2006/math">
-                        <m:sSub>
-                          <m:sSubPr>
+                        <m:sSubSup>
+                          <m:sSubSupPr>
                             <m:ctrlPr>
                               <a:rPr lang="en-US" sz="1000" b="0" i="1" smtClean="0">
                                 <a:latin typeface="Cambria Math" panose="02040503050406030204" pitchFamily="18" charset="0"/>
                               </a:rPr>
                             </m:ctrlPr>
-                          </m:sSubPr>
+                          </m:sSubSupPr>
                           <m:e>
                             <m:r>
                               <a:rPr lang="en-US" sz="1000" b="0" i="1" smtClean="0">
@@ -40790,7 +40790,15 @@
                               <m:t>𝑜</m:t>
                             </m:r>
                           </m:sub>
-                        </m:sSub>
+                          <m:sup>
+                            <m:r>
+                              <a:rPr lang="en-US" sz="1000" b="0" i="1" smtClean="0">
+                                <a:latin typeface="Cambria Math" panose="02040503050406030204" pitchFamily="18" charset="0"/>
+                              </a:rPr>
+                              <m:t>′</m:t>
+                            </m:r>
+                          </m:sup>
+                        </m:sSubSup>
                       </m:oMath>
                     </m:oMathPara>
                   </a14:m>
@@ -41709,14 +41717,14 @@
                         <m:jc m:val="centerGroup"/>
                       </m:oMathParaPr>
                       <m:oMath xmlns:m="http://schemas.openxmlformats.org/officeDocument/2006/math">
-                        <m:sSub>
-                          <m:sSubPr>
+                        <m:sSubSup>
+                          <m:sSubSupPr>
                             <m:ctrlPr>
                               <a:rPr lang="en-US" sz="1000" b="0" i="1" smtClean="0">
                                 <a:latin typeface="Cambria Math" panose="02040503050406030204" pitchFamily="18" charset="0"/>
                               </a:rPr>
                             </m:ctrlPr>
-                          </m:sSubPr>
+                          </m:sSubSupPr>
                           <m:e>
                             <m:r>
                               <a:rPr lang="en-US" sz="1000" b="0" i="1" smtClean="0">
@@ -41733,7 +41741,15 @@
                               <m:t>𝑜</m:t>
                             </m:r>
                           </m:sub>
-                        </m:sSub>
+                          <m:sup>
+                            <m:r>
+                              <a:rPr lang="en-US" sz="1000" b="0" i="1" smtClean="0">
+                                <a:latin typeface="Cambria Math" panose="02040503050406030204" pitchFamily="18" charset="0"/>
+                              </a:rPr>
+                              <m:t>′</m:t>
+                            </m:r>
+                          </m:sup>
+                        </m:sSubSup>
                       </m:oMath>
                     </m:oMathPara>
                   </a14:m>
@@ -42178,14 +42194,15 @@
                         <m:jc m:val="centerGroup"/>
                       </m:oMathParaPr>
                       <m:oMath xmlns:m="http://schemas.openxmlformats.org/officeDocument/2006/math">
-                        <m:sSub>
-                          <m:sSubPr>
+                        <m:sSubSup>
+                          <m:sSubSupPr>
                             <m:ctrlPr>
                               <a:rPr lang="en-US" sz="1000" b="0" i="1" smtClean="0">
                                 <a:latin typeface="Cambria Math" panose="02040503050406030204" pitchFamily="18" charset="0"/>
+                                <a:ea typeface="Cambria Math" panose="02040503050406030204" pitchFamily="18" charset="0"/>
                               </a:rPr>
                             </m:ctrlPr>
-                          </m:sSubPr>
+                          </m:sSubSupPr>
                           <m:e>
                             <m:r>
                               <a:rPr lang="en-US" sz="1000" b="0" i="1" smtClean="0">
@@ -42209,7 +42226,16 @@
                               <m:t>⊥</m:t>
                             </m:r>
                           </m:sub>
-                        </m:sSub>
+                          <m:sup>
+                            <m:r>
+                              <a:rPr lang="en-US" sz="1000" b="0" i="1" smtClean="0">
+                                <a:latin typeface="Cambria Math" panose="02040503050406030204" pitchFamily="18" charset="0"/>
+                                <a:ea typeface="Cambria Math" panose="02040503050406030204" pitchFamily="18" charset="0"/>
+                              </a:rPr>
+                              <m:t>′</m:t>
+                            </m:r>
+                          </m:sup>
+                        </m:sSubSup>
                       </m:oMath>
                     </m:oMathPara>
                   </a14:m>
@@ -42303,14 +42329,14 @@
                               </a:rPr>
                               <m:t>0, 0, </m:t>
                             </m:r>
-                            <m:sSub>
-                              <m:sSubPr>
+                            <m:sSubSup>
+                              <m:sSubSupPr>
                                 <m:ctrlPr>
                                   <a:rPr lang="en-US" sz="1000" b="0" i="1" smtClean="0">
                                     <a:latin typeface="Cambria Math" panose="02040503050406030204" pitchFamily="18" charset="0"/>
                                   </a:rPr>
                                 </m:ctrlPr>
-                              </m:sSubPr>
+                              </m:sSubSupPr>
                               <m:e>
                                 <m:r>
                                   <a:rPr lang="en-US" sz="1000" b="0" i="1" smtClean="0">
@@ -42327,7 +42353,15 @@
                                   <m:t>𝑜</m:t>
                                 </m:r>
                               </m:sub>
-                            </m:sSub>
+                              <m:sup>
+                                <m:r>
+                                  <a:rPr lang="en-US" sz="1000" b="0" i="1" smtClean="0">
+                                    <a:latin typeface="Cambria Math" panose="02040503050406030204" pitchFamily="18" charset="0"/>
+                                  </a:rPr>
+                                  <m:t>′</m:t>
+                                </m:r>
+                              </m:sup>
+                            </m:sSubSup>
                           </m:e>
                         </m:d>
                       </m:oMath>

--- a/chapters/chapter03_geometricmodel/figures/figures_PPT.pptx
+++ b/chapters/chapter03_geometricmodel/figures/figures_PPT.pptx
@@ -247,7 +247,7 @@
           <a:p>
             <a:fld id="{D25EE769-EC14-4089-BCC7-B0C4A40ED0F9}" type="datetimeFigureOut">
               <a:rPr lang="en-US" smtClean="0"/>
-              <a:t>9/17/2015</a:t>
+              <a:t>9/19/2015</a:t>
             </a:fld>
             <a:endParaRPr lang="en-US"/>
           </a:p>
@@ -417,7 +417,7 @@
           <a:p>
             <a:fld id="{D25EE769-EC14-4089-BCC7-B0C4A40ED0F9}" type="datetimeFigureOut">
               <a:rPr lang="en-US" smtClean="0"/>
-              <a:t>9/17/2015</a:t>
+              <a:t>9/19/2015</a:t>
             </a:fld>
             <a:endParaRPr lang="en-US"/>
           </a:p>
@@ -597,7 +597,7 @@
           <a:p>
             <a:fld id="{D25EE769-EC14-4089-BCC7-B0C4A40ED0F9}" type="datetimeFigureOut">
               <a:rPr lang="en-US" smtClean="0"/>
-              <a:t>9/17/2015</a:t>
+              <a:t>9/19/2015</a:t>
             </a:fld>
             <a:endParaRPr lang="en-US"/>
           </a:p>
@@ -767,7 +767,7 @@
           <a:p>
             <a:fld id="{D25EE769-EC14-4089-BCC7-B0C4A40ED0F9}" type="datetimeFigureOut">
               <a:rPr lang="en-US" smtClean="0"/>
-              <a:t>9/17/2015</a:t>
+              <a:t>9/19/2015</a:t>
             </a:fld>
             <a:endParaRPr lang="en-US"/>
           </a:p>
@@ -1011,7 +1011,7 @@
           <a:p>
             <a:fld id="{D25EE769-EC14-4089-BCC7-B0C4A40ED0F9}" type="datetimeFigureOut">
               <a:rPr lang="en-US" smtClean="0"/>
-              <a:t>9/17/2015</a:t>
+              <a:t>9/19/2015</a:t>
             </a:fld>
             <a:endParaRPr lang="en-US"/>
           </a:p>
@@ -1243,7 +1243,7 @@
           <a:p>
             <a:fld id="{D25EE769-EC14-4089-BCC7-B0C4A40ED0F9}" type="datetimeFigureOut">
               <a:rPr lang="en-US" smtClean="0"/>
-              <a:t>9/17/2015</a:t>
+              <a:t>9/19/2015</a:t>
             </a:fld>
             <a:endParaRPr lang="en-US"/>
           </a:p>
@@ -1610,7 +1610,7 @@
           <a:p>
             <a:fld id="{D25EE769-EC14-4089-BCC7-B0C4A40ED0F9}" type="datetimeFigureOut">
               <a:rPr lang="en-US" smtClean="0"/>
-              <a:t>9/17/2015</a:t>
+              <a:t>9/19/2015</a:t>
             </a:fld>
             <a:endParaRPr lang="en-US"/>
           </a:p>
@@ -1728,7 +1728,7 @@
           <a:p>
             <a:fld id="{D25EE769-EC14-4089-BCC7-B0C4A40ED0F9}" type="datetimeFigureOut">
               <a:rPr lang="en-US" smtClean="0"/>
-              <a:t>9/17/2015</a:t>
+              <a:t>9/19/2015</a:t>
             </a:fld>
             <a:endParaRPr lang="en-US"/>
           </a:p>
@@ -1823,7 +1823,7 @@
           <a:p>
             <a:fld id="{D25EE769-EC14-4089-BCC7-B0C4A40ED0F9}" type="datetimeFigureOut">
               <a:rPr lang="en-US" smtClean="0"/>
-              <a:t>9/17/2015</a:t>
+              <a:t>9/19/2015</a:t>
             </a:fld>
             <a:endParaRPr lang="en-US"/>
           </a:p>
@@ -2100,7 +2100,7 @@
           <a:p>
             <a:fld id="{D25EE769-EC14-4089-BCC7-B0C4A40ED0F9}" type="datetimeFigureOut">
               <a:rPr lang="en-US" smtClean="0"/>
-              <a:t>9/17/2015</a:t>
+              <a:t>9/19/2015</a:t>
             </a:fld>
             <a:endParaRPr lang="en-US"/>
           </a:p>
@@ -2357,7 +2357,7 @@
           <a:p>
             <a:fld id="{D25EE769-EC14-4089-BCC7-B0C4A40ED0F9}" type="datetimeFigureOut">
               <a:rPr lang="en-US" smtClean="0"/>
-              <a:t>9/17/2015</a:t>
+              <a:t>9/19/2015</a:t>
             </a:fld>
             <a:endParaRPr lang="en-US"/>
           </a:p>
@@ -2570,7 +2570,7 @@
           <a:p>
             <a:fld id="{D25EE769-EC14-4089-BCC7-B0C4A40ED0F9}" type="datetimeFigureOut">
               <a:rPr lang="en-US" smtClean="0"/>
-              <a:t>9/17/2015</a:t>
+              <a:t>9/19/2015</a:t>
             </a:fld>
             <a:endParaRPr lang="en-US"/>
           </a:p>
@@ -3774,18 +3774,24 @@
                         <m:jc m:val="centerGroup"/>
                       </m:oMathParaPr>
                       <m:oMath xmlns:m="http://schemas.openxmlformats.org/officeDocument/2006/math">
-                        <m:r>
-                          <a:rPr lang="en-US" sz="1100" b="0" i="1" smtClean="0">
-                            <a:latin typeface="Cambria Math" panose="02040503050406030204" pitchFamily="18" charset="0"/>
-                          </a:rPr>
-                          <m:t>𝜔</m:t>
-                        </m:r>
-                        <m:r>
-                          <a:rPr lang="en-US" sz="1100" b="0" i="1" smtClean="0">
-                            <a:latin typeface="Cambria Math" panose="02040503050406030204" pitchFamily="18" charset="0"/>
-                          </a:rPr>
-                          <m:t>′</m:t>
-                        </m:r>
+                        <m:acc>
+                          <m:accPr>
+                            <m:chr m:val="́"/>
+                            <m:ctrlPr>
+                              <a:rPr lang="en-US" sz="1100" b="0" i="1" smtClean="0">
+                                <a:latin typeface="Cambria Math" panose="02040503050406030204" pitchFamily="18" charset="0"/>
+                              </a:rPr>
+                            </m:ctrlPr>
+                          </m:accPr>
+                          <m:e>
+                            <m:r>
+                              <a:rPr lang="en-US" sz="1100" b="0" i="1" smtClean="0">
+                                <a:latin typeface="Cambria Math" panose="02040503050406030204" pitchFamily="18" charset="0"/>
+                              </a:rPr>
+                              <m:t>𝜔</m:t>
+                            </m:r>
+                          </m:e>
+                        </m:acc>
                       </m:oMath>
                     </m:oMathPara>
                   </a14:m>
@@ -3814,7 +3820,7 @@
                 <a:blipFill rotWithShape="0">
                   <a:blip r:embed="rId6"/>
                   <a:stretch>
-                    <a:fillRect r="-4444"/>
+                    <a:fillRect r="-13333"/>
                   </a:stretch>
                 </a:blipFill>
               </p:spPr>
@@ -4487,7 +4493,7 @@
                               <a:rPr lang="en-US" sz="1000" b="0" i="1" smtClean="0">
                                 <a:latin typeface="Cambria Math" panose="02040503050406030204" pitchFamily="18" charset="0"/>
                               </a:rPr>
-                              <m:t>𝑍</m:t>
+                              <m:t>𝑧</m:t>
                             </m:r>
                           </m:e>
                           <m:sub>
@@ -4560,7 +4566,7 @@
               <p:spPr>
                 <a:xfrm>
                   <a:off x="3822562" y="4108974"/>
-                  <a:ext cx="344518" cy="246221"/>
+                  <a:ext cx="332335" cy="246221"/>
                 </a:xfrm>
                 <a:prstGeom prst="rect">
                   <a:avLst/>
@@ -4589,12 +4595,24 @@
                             </m:ctrlPr>
                           </m:sSubSupPr>
                           <m:e>
-                            <m:r>
-                              <a:rPr lang="en-US" sz="1000" b="0" i="1" smtClean="0">
-                                <a:latin typeface="Cambria Math" panose="02040503050406030204" pitchFamily="18" charset="0"/>
-                              </a:rPr>
-                              <m:t>𝑍</m:t>
-                            </m:r>
+                            <m:acc>
+                              <m:accPr>
+                                <m:chr m:val="́"/>
+                                <m:ctrlPr>
+                                  <a:rPr lang="en-US" sz="1000" b="0" i="1" smtClean="0">
+                                    <a:latin typeface="Cambria Math" panose="02040503050406030204" pitchFamily="18" charset="0"/>
+                                  </a:rPr>
+                                </m:ctrlPr>
+                              </m:accPr>
+                              <m:e>
+                                <m:r>
+                                  <a:rPr lang="en-US" sz="1000" b="0" i="1" smtClean="0">
+                                    <a:latin typeface="Cambria Math" panose="02040503050406030204" pitchFamily="18" charset="0"/>
+                                  </a:rPr>
+                                  <m:t>𝑧</m:t>
+                                </m:r>
+                              </m:e>
+                            </m:acc>
                           </m:e>
                           <m:sub>
                             <m:r>
@@ -4609,7 +4627,7 @@
                               <a:rPr lang="en-US" sz="1000" b="0" i="1" smtClean="0">
                                 <a:latin typeface="Cambria Math" panose="02040503050406030204" pitchFamily="18" charset="0"/>
                               </a:rPr>
-                              <m:t>′</m:t>
+                              <m:t> </m:t>
                             </m:r>
                           </m:sup>
                         </m:sSubSup>
@@ -4633,7 +4651,7 @@
               <p:spPr>
                 <a:xfrm>
                   <a:off x="3822562" y="4108974"/>
-                  <a:ext cx="344518" cy="246221"/>
+                  <a:ext cx="332335" cy="246221"/>
                 </a:xfrm>
                 <a:prstGeom prst="rect">
                   <a:avLst/>
@@ -4641,7 +4659,7 @@
                 <a:blipFill rotWithShape="0">
                   <a:blip r:embed="rId8"/>
                   <a:stretch>
-                    <a:fillRect/>
+                    <a:fillRect r="-3636"/>
                   </a:stretch>
                 </a:blipFill>
               </p:spPr>
@@ -5698,15 +5716,30 @@
                             </m:ctrlPr>
                           </m:sSupPr>
                           <m:e>
-                            <m:r>
-                              <a:rPr lang="en-US" sz="900" b="0" i="1" dirty="0" smtClean="0">
-                                <a:effectLst/>
-                                <a:latin typeface="Cambria Math" panose="02040503050406030204" pitchFamily="18" charset="0"/>
-                                <a:ea typeface="Calibri"/>
-                                <a:cs typeface="Times New Roman"/>
-                              </a:rPr>
-                              <m:t>𝑦</m:t>
-                            </m:r>
+                            <m:acc>
+                              <m:accPr>
+                                <m:chr m:val="́"/>
+                                <m:ctrlPr>
+                                  <a:rPr lang="en-US" sz="900" b="0" i="1" dirty="0" smtClean="0">
+                                    <a:effectLst/>
+                                    <a:latin typeface="Cambria Math" panose="02040503050406030204" pitchFamily="18" charset="0"/>
+                                    <a:ea typeface="Calibri"/>
+                                    <a:cs typeface="Times New Roman"/>
+                                  </a:rPr>
+                                </m:ctrlPr>
+                              </m:accPr>
+                              <m:e>
+                                <m:r>
+                                  <a:rPr lang="en-US" sz="900" b="0" i="1" dirty="0" smtClean="0">
+                                    <a:effectLst/>
+                                    <a:latin typeface="Cambria Math" panose="02040503050406030204" pitchFamily="18" charset="0"/>
+                                    <a:ea typeface="Calibri"/>
+                                    <a:cs typeface="Times New Roman"/>
+                                  </a:rPr>
+                                  <m:t>𝑦</m:t>
+                                </m:r>
+                              </m:e>
+                            </m:acc>
                           </m:e>
                           <m:sup>
                             <m:r>
@@ -5716,7 +5749,7 @@
                                 <a:ea typeface="Calibri"/>
                                 <a:cs typeface="Times New Roman"/>
                               </a:rPr>
-                              <m:t>′</m:t>
+                              <m:t> </m:t>
                             </m:r>
                           </m:sup>
                         </m:sSup>
@@ -5806,18 +5839,24 @@
                         <m:jc m:val="centerGroup"/>
                       </m:oMathParaPr>
                       <m:oMath xmlns:m="http://schemas.openxmlformats.org/officeDocument/2006/math">
-                        <m:r>
-                          <a:rPr lang="en-US" sz="1100" b="0" i="1" smtClean="0">
-                            <a:latin typeface="Cambria Math" panose="02040503050406030204" pitchFamily="18" charset="0"/>
-                          </a:rPr>
-                          <m:t>𝑢</m:t>
-                        </m:r>
-                        <m:r>
-                          <a:rPr lang="en-US" sz="1100" b="0" i="1" smtClean="0">
-                            <a:latin typeface="Cambria Math" panose="02040503050406030204" pitchFamily="18" charset="0"/>
-                          </a:rPr>
-                          <m:t>′</m:t>
-                        </m:r>
+                        <m:acc>
+                          <m:accPr>
+                            <m:chr m:val="́"/>
+                            <m:ctrlPr>
+                              <a:rPr lang="en-US" sz="1100" b="0" i="1" smtClean="0">
+                                <a:latin typeface="Cambria Math" panose="02040503050406030204" pitchFamily="18" charset="0"/>
+                              </a:rPr>
+                            </m:ctrlPr>
+                          </m:accPr>
+                          <m:e>
+                            <m:r>
+                              <a:rPr lang="en-US" sz="1100" b="0" i="1" smtClean="0">
+                                <a:latin typeface="Cambria Math" panose="02040503050406030204" pitchFamily="18" charset="0"/>
+                              </a:rPr>
+                              <m:t>𝑢</m:t>
+                            </m:r>
+                          </m:e>
+                        </m:acc>
                       </m:oMath>
                     </m:oMathPara>
                   </a14:m>
@@ -5846,7 +5885,7 @@
                 <a:blipFill rotWithShape="0">
                   <a:blip r:embed="rId12"/>
                   <a:stretch>
-                    <a:fillRect/>
+                    <a:fillRect r="-8889"/>
                   </a:stretch>
                 </a:blipFill>
               </p:spPr>
@@ -6142,15 +6181,30 @@
                             </m:ctrlPr>
                           </m:sSubSupPr>
                           <m:e>
-                            <m:r>
-                              <a:rPr lang="en-US" sz="900" b="0" i="1" dirty="0" smtClean="0">
-                                <a:effectLst/>
-                                <a:latin typeface="Cambria Math" panose="02040503050406030204" pitchFamily="18" charset="0"/>
-                                <a:ea typeface="Calibri"/>
-                                <a:cs typeface="Times New Roman"/>
-                              </a:rPr>
-                              <m:t>h</m:t>
-                            </m:r>
+                            <m:acc>
+                              <m:accPr>
+                                <m:chr m:val="́"/>
+                                <m:ctrlPr>
+                                  <a:rPr lang="en-US" sz="900" b="0" i="1" dirty="0" smtClean="0">
+                                    <a:effectLst/>
+                                    <a:latin typeface="Cambria Math" panose="02040503050406030204" pitchFamily="18" charset="0"/>
+                                    <a:ea typeface="Calibri"/>
+                                    <a:cs typeface="Times New Roman"/>
+                                  </a:rPr>
+                                </m:ctrlPr>
+                              </m:accPr>
+                              <m:e>
+                                <m:r>
+                                  <a:rPr lang="en-US" sz="900" b="0" i="1" dirty="0" smtClean="0">
+                                    <a:effectLst/>
+                                    <a:latin typeface="Cambria Math" panose="02040503050406030204" pitchFamily="18" charset="0"/>
+                                    <a:ea typeface="Calibri"/>
+                                    <a:cs typeface="Times New Roman"/>
+                                  </a:rPr>
+                                  <m:t>h</m:t>
+                                </m:r>
+                              </m:e>
+                            </m:acc>
                           </m:e>
                           <m:sub>
                             <m:r>
@@ -6171,7 +6225,7 @@
                                 <a:ea typeface="Calibri"/>
                                 <a:cs typeface="Times New Roman"/>
                               </a:rPr>
-                              <m:t>′</m:t>
+                              <m:t> </m:t>
                             </m:r>
                           </m:sup>
                         </m:sSubSup>
@@ -13581,10 +13635,10 @@
         </p:nvGrpSpPr>
         <p:grpSpPr>
           <a:xfrm>
-            <a:off x="309563" y="5488743"/>
-            <a:ext cx="4719637" cy="1626432"/>
-            <a:chOff x="309563" y="5488743"/>
-            <a:chExt cx="4719637" cy="1626432"/>
+            <a:off x="371482" y="5455402"/>
+            <a:ext cx="4657718" cy="1659773"/>
+            <a:chOff x="371482" y="5455402"/>
+            <a:chExt cx="4657718" cy="1659773"/>
           </a:xfrm>
         </p:grpSpPr>
         <p:sp>
@@ -14329,24 +14383,30 @@
                         <m:jc m:val="centerGroup"/>
                       </m:oMathParaPr>
                       <m:oMath xmlns:m="http://schemas.openxmlformats.org/officeDocument/2006/math">
-                        <m:r>
-                          <a:rPr lang="en-US" sz="900" i="1" dirty="0" smtClean="0">
-                            <a:effectLst/>
-                            <a:latin typeface="Cambria Math" panose="02040503050406030204" pitchFamily="18" charset="0"/>
-                            <a:ea typeface="Calibri"/>
-                            <a:cs typeface="Times New Roman"/>
-                          </a:rPr>
-                          <m:t>𝐸</m:t>
-                        </m:r>
-                        <m:r>
-                          <a:rPr lang="en-US" sz="900" b="0" i="1" dirty="0" smtClean="0">
-                            <a:effectLst/>
-                            <a:latin typeface="Cambria Math" panose="02040503050406030204" pitchFamily="18" charset="0"/>
-                            <a:ea typeface="Calibri"/>
-                            <a:cs typeface="Times New Roman"/>
-                          </a:rPr>
-                          <m:t>′</m:t>
-                        </m:r>
+                        <m:acc>
+                          <m:accPr>
+                            <m:chr m:val="́"/>
+                            <m:ctrlPr>
+                              <a:rPr lang="en-US" sz="900" b="0" i="1" dirty="0" smtClean="0">
+                                <a:effectLst/>
+                                <a:latin typeface="Cambria Math" panose="02040503050406030204" pitchFamily="18" charset="0"/>
+                                <a:ea typeface="Calibri"/>
+                                <a:cs typeface="Times New Roman"/>
+                              </a:rPr>
+                            </m:ctrlPr>
+                          </m:accPr>
+                          <m:e>
+                            <m:r>
+                              <a:rPr lang="en-US" sz="900" i="1" dirty="0" smtClean="0">
+                                <a:effectLst/>
+                                <a:latin typeface="Cambria Math" panose="02040503050406030204" pitchFamily="18" charset="0"/>
+                                <a:ea typeface="Calibri"/>
+                                <a:cs typeface="Times New Roman"/>
+                              </a:rPr>
+                              <m:t>𝐸</m:t>
+                            </m:r>
+                          </m:e>
+                        </m:acc>
                       </m:oMath>
                     </m:oMathPara>
                   </a14:m>
@@ -14565,18 +14625,24 @@
                         <m:jc m:val="centerGroup"/>
                       </m:oMathParaPr>
                       <m:oMath xmlns:m="http://schemas.openxmlformats.org/officeDocument/2006/math">
-                        <m:r>
-                          <a:rPr lang="en-US" sz="1100" b="0" i="1" smtClean="0">
-                            <a:latin typeface="Cambria Math" panose="02040503050406030204" pitchFamily="18" charset="0"/>
-                          </a:rPr>
-                          <m:t>𝜔</m:t>
-                        </m:r>
-                        <m:r>
-                          <a:rPr lang="en-US" sz="1100" b="0" i="1" smtClean="0">
-                            <a:latin typeface="Cambria Math" panose="02040503050406030204" pitchFamily="18" charset="0"/>
-                          </a:rPr>
-                          <m:t>′</m:t>
-                        </m:r>
+                        <m:acc>
+                          <m:accPr>
+                            <m:chr m:val="́"/>
+                            <m:ctrlPr>
+                              <a:rPr lang="en-US" sz="1100" b="0" i="1" smtClean="0">
+                                <a:latin typeface="Cambria Math" panose="02040503050406030204" pitchFamily="18" charset="0"/>
+                              </a:rPr>
+                            </m:ctrlPr>
+                          </m:accPr>
+                          <m:e>
+                            <m:r>
+                              <a:rPr lang="en-US" sz="1100" b="0" i="1" smtClean="0">
+                                <a:latin typeface="Cambria Math" panose="02040503050406030204" pitchFamily="18" charset="0"/>
+                              </a:rPr>
+                              <m:t>𝜔</m:t>
+                            </m:r>
+                          </m:e>
+                        </m:acc>
                       </m:oMath>
                     </m:oMathPara>
                   </a14:m>
@@ -14605,7 +14671,7 @@
                 <a:blipFill rotWithShape="0">
                   <a:blip r:embed="rId57"/>
                   <a:stretch>
-                    <a:fillRect r="-4444"/>
+                    <a:fillRect r="-13333"/>
                   </a:stretch>
                 </a:blipFill>
               </p:spPr>
@@ -14738,7 +14804,7 @@
           <p:spPr>
             <a:xfrm>
               <a:off x="764345" y="6191733"/>
-              <a:ext cx="909626" cy="263933"/>
+              <a:ext cx="952505" cy="215444"/>
             </a:xfrm>
             <a:prstGeom prst="rect">
               <a:avLst/>
@@ -14753,7 +14819,7 @@
             <a:p>
               <a:r>
                 <a:rPr lang="en-US" sz="800" i="1" dirty="0" smtClean="0"/>
-                <a:t>OPTICAL AXIS</a:t>
+                <a:t>OPTICAL AXIS (OA)</a:t>
               </a:r>
               <a:endParaRPr lang="en-US" sz="800" i="1" dirty="0"/>
             </a:p>
@@ -14769,8 +14835,8 @@
               </p:nvSpPr>
               <p:spPr>
                 <a:xfrm rot="1397696">
-                  <a:off x="1200064" y="5757121"/>
-                  <a:ext cx="943977" cy="246221"/>
+                  <a:off x="1200065" y="5757121"/>
+                  <a:ext cx="943976" cy="246221"/>
                 </a:xfrm>
                 <a:prstGeom prst="rect">
                   <a:avLst/>
@@ -14790,30 +14856,15 @@
                         <m:jc m:val="centerGroup"/>
                       </m:oMathParaPr>
                       <m:oMath xmlns:m="http://schemas.openxmlformats.org/officeDocument/2006/math">
-                        <m:acc>
-                          <m:accPr>
-                            <m:chr m:val="⃗"/>
-                            <m:ctrlPr>
-                              <a:rPr lang="en-US" sz="1000" b="0" i="1" smtClean="0">
-                                <a:solidFill>
-                                  <a:srgbClr val="C00000"/>
-                                </a:solidFill>
-                                <a:latin typeface="Cambria Math" panose="02040503050406030204" pitchFamily="18" charset="0"/>
-                              </a:rPr>
-                            </m:ctrlPr>
-                          </m:accPr>
-                          <m:e>
-                            <m:r>
-                              <a:rPr lang="en-US" sz="1000" b="0" i="1" smtClean="0">
-                                <a:solidFill>
-                                  <a:srgbClr val="C00000"/>
-                                </a:solidFill>
-                                <a:latin typeface="Cambria Math" panose="02040503050406030204" pitchFamily="18" charset="0"/>
-                              </a:rPr>
-                              <m:t>𝛼</m:t>
-                            </m:r>
-                          </m:e>
-                        </m:acc>
+                        <m:r>
+                          <a:rPr lang="en-US" sz="1000" b="1" i="1" smtClean="0">
+                            <a:solidFill>
+                              <a:srgbClr val="C00000"/>
+                            </a:solidFill>
+                            <a:latin typeface="Cambria Math" panose="02040503050406030204" pitchFamily="18" charset="0"/>
+                          </a:rPr>
+                          <m:t>𝜶</m:t>
+                        </m:r>
                         <m:r>
                           <a:rPr lang="en-US" sz="1000" b="0" i="1" smtClean="0">
                             <a:solidFill>
@@ -14932,8 +14983,8 @@
               </p:nvSpPr>
               <p:spPr>
                 <a:xfrm rot="1397696">
-                  <a:off x="1200064" y="5757121"/>
-                  <a:ext cx="943977" cy="246221"/>
+                  <a:off x="1200065" y="5757121"/>
+                  <a:ext cx="943976" cy="246221"/>
                 </a:xfrm>
                 <a:prstGeom prst="rect">
                   <a:avLst/>
@@ -14970,8 +15021,8 @@
               </p:nvSpPr>
               <p:spPr>
                 <a:xfrm rot="1486279">
-                  <a:off x="3634259" y="6622840"/>
-                  <a:ext cx="1108958" cy="246221"/>
+                  <a:off x="3687967" y="6592351"/>
+                  <a:ext cx="1001556" cy="307200"/>
                 </a:xfrm>
                 <a:prstGeom prst="rect">
                   <a:avLst/>
@@ -15003,43 +15054,24 @@
                         <m:jc m:val="centerGroup"/>
                       </m:oMathParaPr>
                       <m:oMath xmlns:m="http://schemas.openxmlformats.org/officeDocument/2006/math">
-                        <m:sSup>
-                          <m:sSupPr>
+                        <m:acc>
+                          <m:accPr>
+                            <m:chr m:val="́"/>
                             <m:ctrlPr>
-                              <a:rPr lang="en-US" sz="1000" b="0" i="1" smtClean="0">
+                              <a:rPr lang="en-US" sz="1000" b="1" i="1" smtClean="0">
                                 <a:latin typeface="Cambria Math" panose="02040503050406030204" pitchFamily="18" charset="0"/>
                               </a:rPr>
                             </m:ctrlPr>
-                          </m:sSupPr>
+                          </m:accPr>
                           <m:e>
-                            <m:acc>
-                              <m:accPr>
-                                <m:chr m:val="⃗"/>
-                                <m:ctrlPr>
-                                  <a:rPr lang="en-US" sz="1000" i="1" smtClean="0">
-                                    <a:latin typeface="Cambria Math" panose="02040503050406030204" pitchFamily="18" charset="0"/>
-                                  </a:rPr>
-                                </m:ctrlPr>
-                              </m:accPr>
-                              <m:e>
-                                <m:r>
-                                  <a:rPr lang="en-US" sz="1000">
-                                    <a:latin typeface="Cambria Math" panose="02040503050406030204" pitchFamily="18" charset="0"/>
-                                  </a:rPr>
-                                  <m:t>𝛼</m:t>
-                                </m:r>
-                              </m:e>
-                            </m:acc>
-                          </m:e>
-                          <m:sup>
                             <m:r>
-                              <a:rPr lang="en-US" sz="1000" b="0" i="1" smtClean="0">
+                              <a:rPr lang="en-US" sz="1000" b="1" i="1" smtClean="0">
                                 <a:latin typeface="Cambria Math" panose="02040503050406030204" pitchFamily="18" charset="0"/>
                               </a:rPr>
-                              <m:t>′</m:t>
+                              <m:t>𝜶</m:t>
                             </m:r>
-                          </m:sup>
-                        </m:sSup>
+                          </m:e>
+                        </m:acc>
                         <m:r>
                           <a:rPr lang="en-US" sz="1000">
                             <a:latin typeface="Cambria Math" panose="02040503050406030204" pitchFamily="18" charset="0"/>
@@ -15066,93 +15098,66 @@
                                 </m:ctrlPr>
                               </m:dPr>
                               <m:e>
-                                <m:sSup>
-                                  <m:sSupPr>
-                                    <m:ctrlPr>
-                                      <a:rPr lang="en-US" sz="1000" i="1">
-                                        <a:latin typeface="Cambria Math" panose="02040503050406030204" pitchFamily="18" charset="0"/>
-                                      </a:rPr>
-                                    </m:ctrlPr>
-                                  </m:sSupPr>
-                                  <m:e>
-                                    <m:r>
-                                      <a:rPr lang="en-US" sz="1000">
-                                        <a:latin typeface="Cambria Math" panose="02040503050406030204" pitchFamily="18" charset="0"/>
-                                      </a:rPr>
-                                      <m:t>𝛼</m:t>
-                                    </m:r>
-                                  </m:e>
-                                  <m:sup>
-                                    <m:r>
-                                      <a:rPr lang="en-US" sz="1000" i="1">
-                                        <a:latin typeface="Cambria Math" panose="02040503050406030204" pitchFamily="18" charset="0"/>
-                                      </a:rPr>
-                                      <m:t>′</m:t>
-                                    </m:r>
-                                  </m:sup>
-                                </m:sSup>
+                                <m:r>
+                                  <a:rPr lang="en-US" sz="1000" b="0" i="1" smtClean="0">
+                                    <a:latin typeface="Cambria Math" panose="02040503050406030204" pitchFamily="18" charset="0"/>
+                                  </a:rPr>
+                                  <m:t>𝛼</m:t>
+                                </m:r>
+                                <m:r>
+                                  <a:rPr lang="en-US" sz="1000" b="0" i="1" smtClean="0">
+                                    <a:latin typeface="Cambria Math" panose="02040503050406030204" pitchFamily="18" charset="0"/>
+                                  </a:rPr>
+                                  <m:t> ́</m:t>
+                                </m:r>
                                 <m:r>
                                   <a:rPr lang="en-US" sz="1000">
                                     <a:latin typeface="Cambria Math" panose="02040503050406030204" pitchFamily="18" charset="0"/>
                                   </a:rPr>
                                   <m:t>, </m:t>
                                 </m:r>
-                                <m:sSup>
-                                  <m:sSupPr>
+                                <m:acc>
+                                  <m:accPr>
+                                    <m:chr m:val="́"/>
                                     <m:ctrlPr>
-                                      <a:rPr lang="en-US" sz="1000" i="1">
+                                      <a:rPr lang="en-US" sz="1000" b="0" i="1" smtClean="0">
                                         <a:latin typeface="Cambria Math" panose="02040503050406030204" pitchFamily="18" charset="0"/>
                                       </a:rPr>
                                     </m:ctrlPr>
-                                  </m:sSupPr>
+                                  </m:accPr>
                                   <m:e>
                                     <m:r>
-                                      <a:rPr lang="en-US" sz="1000">
+                                      <a:rPr lang="en-US" sz="1000" b="0" i="1" smtClean="0">
                                         <a:latin typeface="Cambria Math" panose="02040503050406030204" pitchFamily="18" charset="0"/>
                                       </a:rPr>
                                       <m:t>𝛽</m:t>
                                     </m:r>
                                   </m:e>
-                                  <m:sup>
-                                    <m:r>
-                                      <a:rPr lang="en-US" sz="1000" i="1">
-                                        <a:latin typeface="Cambria Math" panose="02040503050406030204" pitchFamily="18" charset="0"/>
-                                      </a:rPr>
-                                      <m:t>′</m:t>
-                                    </m:r>
-                                  </m:sup>
-                                </m:sSup>
+                                </m:acc>
                                 <m:r>
                                   <a:rPr lang="en-US" sz="1000">
                                     <a:latin typeface="Cambria Math" panose="02040503050406030204" pitchFamily="18" charset="0"/>
                                   </a:rPr>
                                   <m:t>,</m:t>
                                 </m:r>
-                                <m:sSup>
-                                  <m:sSupPr>
+                                <m:acc>
+                                  <m:accPr>
+                                    <m:chr m:val="́"/>
                                     <m:ctrlPr>
-                                      <a:rPr lang="en-US" sz="1000" i="1">
+                                      <a:rPr lang="en-US" sz="1000" b="0" i="1" smtClean="0">
                                         <a:latin typeface="Cambria Math" panose="02040503050406030204" pitchFamily="18" charset="0"/>
                                       </a:rPr>
                                     </m:ctrlPr>
-                                  </m:sSupPr>
+                                  </m:accPr>
                                   <m:e>
                                     <m:r>
-                                      <a:rPr lang="en-US" sz="1000">
+                                      <a:rPr lang="en-US" sz="1000" b="0" i="1" smtClean="0">
                                         <a:latin typeface="Cambria Math" panose="02040503050406030204" pitchFamily="18" charset="0"/>
                                       </a:rPr>
                                       <m:t>𝛾</m:t>
                                     </m:r>
                                   </m:e>
-                                  <m:sup>
-                                    <m:r>
-                                      <a:rPr lang="en-US" sz="1000" i="1">
-                                        <a:latin typeface="Cambria Math" panose="02040503050406030204" pitchFamily="18" charset="0"/>
-                                      </a:rPr>
-                                      <m:t>′</m:t>
-                                    </m:r>
-                                  </m:sup>
-                                </m:sSup>
+                                </m:acc>
                               </m:e>
                             </m:d>
                           </m:e>
@@ -15184,8 +15189,8 @@
               </p:nvSpPr>
               <p:spPr>
                 <a:xfrm rot="1486279">
-                  <a:off x="3634259" y="6622840"/>
-                  <a:ext cx="1108958" cy="246221"/>
+                  <a:off x="3687967" y="6592351"/>
+                  <a:ext cx="1001556" cy="307200"/>
                 </a:xfrm>
                 <a:prstGeom prst="rect">
                   <a:avLst/>
@@ -15273,8 +15278,8 @@
               </p:nvSpPr>
               <p:spPr>
                 <a:xfrm>
-                  <a:off x="309563" y="5488743"/>
-                  <a:ext cx="379112" cy="497316"/>
+                  <a:off x="371482" y="5455402"/>
+                  <a:ext cx="379112" cy="246221"/>
                 </a:xfrm>
                 <a:prstGeom prst="rect">
                   <a:avLst/>
@@ -15294,98 +15299,25 @@
                         <m:jc m:val="centerGroup"/>
                       </m:oMathParaPr>
                       <m:oMath xmlns:m="http://schemas.openxmlformats.org/officeDocument/2006/math">
-                        <m:d>
-                          <m:dPr>
-                            <m:begChr m:val="["/>
-                            <m:endChr m:val="]"/>
-                            <m:ctrlPr>
-                              <a:rPr lang="en-US" sz="1000" b="0" i="1" smtClean="0">
-                                <a:solidFill>
-                                  <a:schemeClr val="tx1">
-                                    <a:lumMod val="95000"/>
-                                    <a:lumOff val="5000"/>
-                                  </a:schemeClr>
-                                </a:solidFill>
-                                <a:latin typeface="Cambria Math" panose="02040503050406030204" pitchFamily="18" charset="0"/>
-                              </a:rPr>
-                            </m:ctrlPr>
-                          </m:dPr>
-                          <m:e>
-                            <m:eqArr>
-                              <m:eqArrPr>
-                                <m:ctrlPr>
-                                  <a:rPr lang="en-US" sz="1000" b="0" i="1" smtClean="0">
-                                    <a:solidFill>
-                                      <a:schemeClr val="tx1">
-                                        <a:lumMod val="95000"/>
-                                        <a:lumOff val="5000"/>
-                                      </a:schemeClr>
-                                    </a:solidFill>
-                                    <a:latin typeface="Cambria Math" panose="02040503050406030204" pitchFamily="18" charset="0"/>
-                                  </a:rPr>
-                                </m:ctrlPr>
-                              </m:eqArrPr>
-                              <m:e>
-                                <m:r>
-                                  <a:rPr lang="en-US" sz="1000" b="0" i="1" smtClean="0">
-                                    <a:solidFill>
-                                      <a:schemeClr val="tx1">
-                                        <a:lumMod val="95000"/>
-                                        <a:lumOff val="5000"/>
-                                      </a:schemeClr>
-                                    </a:solidFill>
-                                    <a:latin typeface="Cambria Math" panose="02040503050406030204" pitchFamily="18" charset="0"/>
-                                  </a:rPr>
-                                  <m:t>𝑋</m:t>
-                                </m:r>
-                                <m:r>
-                                  <a:rPr lang="en-US" sz="1000" b="0" i="1" smtClean="0">
-                                    <a:solidFill>
-                                      <a:schemeClr val="tx1">
-                                        <a:lumMod val="95000"/>
-                                        <a:lumOff val="5000"/>
-                                      </a:schemeClr>
-                                    </a:solidFill>
-                                    <a:latin typeface="Cambria Math" panose="02040503050406030204" pitchFamily="18" charset="0"/>
-                                  </a:rPr>
-                                  <m:t> </m:t>
-                                </m:r>
-                              </m:e>
-                              <m:e>
-                                <m:r>
-                                  <a:rPr lang="en-US" sz="1000" b="0" i="1" smtClean="0">
-                                    <a:solidFill>
-                                      <a:schemeClr val="tx1">
-                                        <a:lumMod val="95000"/>
-                                        <a:lumOff val="5000"/>
-                                      </a:schemeClr>
-                                    </a:solidFill>
-                                    <a:latin typeface="Cambria Math" panose="02040503050406030204" pitchFamily="18" charset="0"/>
-                                  </a:rPr>
-                                  <m:t>𝑌</m:t>
-                                </m:r>
-                              </m:e>
-                              <m:e>
-                                <m:r>
-                                  <a:rPr lang="en-US" sz="1000" b="0" i="1" smtClean="0">
-                                    <a:solidFill>
-                                      <a:schemeClr val="tx1">
-                                        <a:lumMod val="95000"/>
-                                        <a:lumOff val="5000"/>
-                                      </a:schemeClr>
-                                    </a:solidFill>
-                                    <a:latin typeface="Cambria Math" panose="02040503050406030204" pitchFamily="18" charset="0"/>
-                                  </a:rPr>
-                                  <m:t>𝑍</m:t>
-                                </m:r>
-                              </m:e>
-                            </m:eqArr>
-                          </m:e>
-                        </m:d>
+                        <m:r>
+                          <m:rPr>
+                            <m:nor/>
+                          </m:rPr>
+                          <a:rPr lang="en-US" sz="1000" b="1" i="0" smtClean="0">
+                            <a:solidFill>
+                              <a:schemeClr val="tx1">
+                                <a:lumMod val="95000"/>
+                                <a:lumOff val="5000"/>
+                              </a:schemeClr>
+                            </a:solidFill>
+                            <a:latin typeface="Cambria Math" panose="02040503050406030204" pitchFamily="18" charset="0"/>
+                          </a:rPr>
+                          <m:t>x</m:t>
+                        </m:r>
                       </m:oMath>
                     </m:oMathPara>
                   </a14:m>
-                  <a:endParaRPr lang="en-US" sz="1000" dirty="0">
+                  <a:endParaRPr lang="en-US" sz="1000" b="1" dirty="0">
                     <a:solidFill>
                       <a:schemeClr val="tx1">
                         <a:lumMod val="95000"/>
@@ -15408,8 +15340,8 @@
               </p:nvSpPr>
               <p:spPr>
                 <a:xfrm>
-                  <a:off x="309563" y="5488743"/>
-                  <a:ext cx="379112" cy="497316"/>
+                  <a:off x="371482" y="5455402"/>
+                  <a:ext cx="379112" cy="246221"/>
                 </a:xfrm>
                 <a:prstGeom prst="rect">
                   <a:avLst/>
@@ -15825,7 +15757,7 @@
               <p:spPr>
                 <a:xfrm>
                   <a:off x="1581408" y="6376767"/>
-                  <a:ext cx="301749" cy="253916"/>
+                  <a:ext cx="281424" cy="246221"/>
                 </a:xfrm>
                 <a:prstGeom prst="rect">
                   <a:avLst/>
@@ -15849,7 +15781,7 @@
                           <a:rPr lang="en-US" sz="1000" b="0" i="1" smtClean="0">
                             <a:latin typeface="Cambria Math" panose="02040503050406030204" pitchFamily="18" charset="0"/>
                           </a:rPr>
-                          <m:t>𝑍</m:t>
+                          <m:t>𝑧</m:t>
                         </m:r>
                       </m:oMath>
                     </m:oMathPara>
@@ -15874,7 +15806,7 @@
               <p:spPr>
                 <a:xfrm>
                   <a:off x="1581408" y="6376767"/>
-                  <a:ext cx="301749" cy="253916"/>
+                  <a:ext cx="281424" cy="246221"/>
                 </a:xfrm>
                 <a:prstGeom prst="rect">
                   <a:avLst/>
@@ -23961,7 +23893,31 @@
                               <a:rPr lang="en-US" sz="900" b="0" i="1" smtClean="0">
                                 <a:latin typeface="Cambria Math" panose="02040503050406030204" pitchFamily="18" charset="0"/>
                               </a:rPr>
-                              <m:t>(2,2)</m:t>
+                              <m:t>(</m:t>
+                            </m:r>
+                            <m:r>
+                              <a:rPr lang="en-US" sz="900" b="0" i="1" smtClean="0">
+                                <a:latin typeface="Cambria Math" panose="02040503050406030204" pitchFamily="18" charset="0"/>
+                              </a:rPr>
+                              <m:t>2</m:t>
+                            </m:r>
+                            <m:r>
+                              <a:rPr lang="en-US" sz="900" b="0" i="1" smtClean="0">
+                                <a:latin typeface="Cambria Math" panose="02040503050406030204" pitchFamily="18" charset="0"/>
+                              </a:rPr>
+                              <m:t>,</m:t>
+                            </m:r>
+                            <m:r>
+                              <a:rPr lang="en-US" sz="900" b="0" i="1" smtClean="0">
+                                <a:latin typeface="Cambria Math" panose="02040503050406030204" pitchFamily="18" charset="0"/>
+                              </a:rPr>
+                              <m:t>2</m:t>
+                            </m:r>
+                            <m:r>
+                              <a:rPr lang="en-US" sz="900" b="0" i="1" smtClean="0">
+                                <a:latin typeface="Cambria Math" panose="02040503050406030204" pitchFamily="18" charset="0"/>
+                              </a:rPr>
+                              <m:t>)</m:t>
                             </m:r>
                           </m:e>
                         </m:sPre>
@@ -24155,7 +24111,31 @@
                               <a:rPr lang="en-US" sz="900" b="0" i="1" smtClean="0">
                                 <a:latin typeface="Cambria Math" panose="02040503050406030204" pitchFamily="18" charset="0"/>
                               </a:rPr>
-                              <m:t>(2,2)</m:t>
+                              <m:t>(</m:t>
+                            </m:r>
+                            <m:r>
+                              <a:rPr lang="en-US" sz="900" b="0" i="1" smtClean="0">
+                                <a:latin typeface="Cambria Math" panose="02040503050406030204" pitchFamily="18" charset="0"/>
+                              </a:rPr>
+                              <m:t>2</m:t>
+                            </m:r>
+                            <m:r>
+                              <a:rPr lang="en-US" sz="900" b="0" i="1" smtClean="0">
+                                <a:latin typeface="Cambria Math" panose="02040503050406030204" pitchFamily="18" charset="0"/>
+                              </a:rPr>
+                              <m:t>,</m:t>
+                            </m:r>
+                            <m:r>
+                              <a:rPr lang="en-US" sz="900" b="0" i="1" smtClean="0">
+                                <a:latin typeface="Cambria Math" panose="02040503050406030204" pitchFamily="18" charset="0"/>
+                              </a:rPr>
+                              <m:t>2</m:t>
+                            </m:r>
+                            <m:r>
+                              <a:rPr lang="en-US" sz="900" b="0" i="1" smtClean="0">
+                                <a:latin typeface="Cambria Math" panose="02040503050406030204" pitchFamily="18" charset="0"/>
+                              </a:rPr>
+                              <m:t>)</m:t>
                             </m:r>
                           </m:e>
                         </m:sPre>
@@ -28131,10 +28111,10 @@
         </p:nvGrpSpPr>
         <p:grpSpPr>
           <a:xfrm>
-            <a:off x="379782" y="5117139"/>
-            <a:ext cx="4757737" cy="1787381"/>
-            <a:chOff x="379782" y="5117139"/>
-            <a:chExt cx="4757737" cy="1787381"/>
+            <a:off x="384544" y="5109953"/>
+            <a:ext cx="4752975" cy="1794567"/>
+            <a:chOff x="384544" y="5109953"/>
+            <a:chExt cx="4752975" cy="1794567"/>
           </a:xfrm>
         </p:grpSpPr>
         <p:sp>
@@ -28923,24 +28903,30 @@
                         <m:jc m:val="centerGroup"/>
                       </m:oMathParaPr>
                       <m:oMath xmlns:m="http://schemas.openxmlformats.org/officeDocument/2006/math">
-                        <m:r>
-                          <a:rPr lang="en-US" sz="900" i="1" dirty="0" smtClean="0">
-                            <a:effectLst/>
-                            <a:latin typeface="Cambria Math" panose="02040503050406030204" pitchFamily="18" charset="0"/>
-                            <a:ea typeface="Calibri"/>
-                            <a:cs typeface="Times New Roman"/>
-                          </a:rPr>
-                          <m:t>𝐸</m:t>
-                        </m:r>
-                        <m:r>
-                          <a:rPr lang="en-US" sz="900" b="0" i="1" dirty="0" smtClean="0">
-                            <a:effectLst/>
-                            <a:latin typeface="Cambria Math" panose="02040503050406030204" pitchFamily="18" charset="0"/>
-                            <a:ea typeface="Calibri"/>
-                            <a:cs typeface="Times New Roman"/>
-                          </a:rPr>
-                          <m:t>′</m:t>
-                        </m:r>
+                        <m:acc>
+                          <m:accPr>
+                            <m:chr m:val="́"/>
+                            <m:ctrlPr>
+                              <a:rPr lang="en-US" sz="900" b="0" i="1" dirty="0" smtClean="0">
+                                <a:effectLst/>
+                                <a:latin typeface="Cambria Math" panose="02040503050406030204" pitchFamily="18" charset="0"/>
+                                <a:ea typeface="Calibri"/>
+                                <a:cs typeface="Times New Roman"/>
+                              </a:rPr>
+                            </m:ctrlPr>
+                          </m:accPr>
+                          <m:e>
+                            <m:r>
+                              <a:rPr lang="en-US" sz="900" i="1" dirty="0" smtClean="0">
+                                <a:effectLst/>
+                                <a:latin typeface="Cambria Math" panose="02040503050406030204" pitchFamily="18" charset="0"/>
+                                <a:ea typeface="Calibri"/>
+                                <a:cs typeface="Times New Roman"/>
+                              </a:rPr>
+                              <m:t>𝐸</m:t>
+                            </m:r>
+                          </m:e>
+                        </m:acc>
                       </m:oMath>
                     </m:oMathPara>
                   </a14:m>
@@ -29159,18 +29145,24 @@
                         <m:jc m:val="centerGroup"/>
                       </m:oMathParaPr>
                       <m:oMath xmlns:m="http://schemas.openxmlformats.org/officeDocument/2006/math">
-                        <m:r>
-                          <a:rPr lang="en-US" sz="1100" b="0" i="1" smtClean="0">
-                            <a:latin typeface="Cambria Math" panose="02040503050406030204" pitchFamily="18" charset="0"/>
-                          </a:rPr>
-                          <m:t>𝜔</m:t>
-                        </m:r>
-                        <m:r>
-                          <a:rPr lang="en-US" sz="1100" b="0" i="1" smtClean="0">
-                            <a:latin typeface="Cambria Math" panose="02040503050406030204" pitchFamily="18" charset="0"/>
-                          </a:rPr>
-                          <m:t>′</m:t>
-                        </m:r>
+                        <m:acc>
+                          <m:accPr>
+                            <m:chr m:val="́"/>
+                            <m:ctrlPr>
+                              <a:rPr lang="en-US" sz="1100" b="0" i="1" smtClean="0">
+                                <a:latin typeface="Cambria Math" panose="02040503050406030204" pitchFamily="18" charset="0"/>
+                              </a:rPr>
+                            </m:ctrlPr>
+                          </m:accPr>
+                          <m:e>
+                            <m:r>
+                              <a:rPr lang="en-US" sz="1100" b="0" i="1" smtClean="0">
+                                <a:latin typeface="Cambria Math" panose="02040503050406030204" pitchFamily="18" charset="0"/>
+                              </a:rPr>
+                              <m:t>𝜔</m:t>
+                            </m:r>
+                          </m:e>
+                        </m:acc>
                       </m:oMath>
                     </m:oMathPara>
                   </a14:m>
@@ -29199,7 +29191,7 @@
                 <a:blipFill rotWithShape="0">
                   <a:blip r:embed="rId53"/>
                   <a:stretch>
-                    <a:fillRect r="-4444"/>
+                    <a:fillRect r="-13333"/>
                   </a:stretch>
                 </a:blipFill>
               </p:spPr>
@@ -29323,8 +29315,8 @@
             </a:p>
           </p:txBody>
         </p:sp>
-        <mc:AlternateContent xmlns:mc="http://schemas.openxmlformats.org/markup-compatibility/2006" xmlns:a14="http://schemas.microsoft.com/office/drawing/2010/main">
-          <mc:Choice Requires="a14">
+        <mc:AlternateContent xmlns:mc="http://schemas.openxmlformats.org/markup-compatibility/2006">
+          <mc:Choice xmlns:a14="http://schemas.microsoft.com/office/drawing/2010/main" Requires="a14">
             <p:sp>
               <p:nvSpPr>
                 <p:cNvPr id="235" name="TextBox 234"/>
@@ -29333,8 +29325,8 @@
               </p:nvSpPr>
               <p:spPr>
                 <a:xfrm rot="1522105">
-                  <a:off x="1270283" y="5416435"/>
-                  <a:ext cx="943977" cy="246221"/>
+                  <a:off x="1270284" y="5416435"/>
+                  <a:ext cx="943976" cy="246221"/>
                 </a:xfrm>
                 <a:prstGeom prst="rect">
                   <a:avLst/>
@@ -29354,30 +29346,15 @@
                         <m:jc m:val="centerGroup"/>
                       </m:oMathParaPr>
                       <m:oMath xmlns:m="http://schemas.openxmlformats.org/officeDocument/2006/math">
-                        <m:acc>
-                          <m:accPr>
-                            <m:chr m:val="⃗"/>
-                            <m:ctrlPr>
-                              <a:rPr lang="en-US" sz="1000" b="0" i="1" smtClean="0">
-                                <a:solidFill>
-                                  <a:srgbClr val="C00000"/>
-                                </a:solidFill>
-                                <a:latin typeface="Cambria Math" panose="02040503050406030204" pitchFamily="18" charset="0"/>
-                              </a:rPr>
-                            </m:ctrlPr>
-                          </m:accPr>
-                          <m:e>
-                            <m:r>
-                              <a:rPr lang="en-US" sz="1000" b="0" i="1" smtClean="0">
-                                <a:solidFill>
-                                  <a:srgbClr val="C00000"/>
-                                </a:solidFill>
-                                <a:latin typeface="Cambria Math" panose="02040503050406030204" pitchFamily="18" charset="0"/>
-                              </a:rPr>
-                              <m:t>𝛼</m:t>
-                            </m:r>
-                          </m:e>
-                        </m:acc>
+                        <m:r>
+                          <a:rPr lang="en-US" sz="1000" b="1" i="1" smtClean="0">
+                            <a:solidFill>
+                              <a:srgbClr val="C00000"/>
+                            </a:solidFill>
+                            <a:latin typeface="Cambria Math" panose="02040503050406030204" pitchFamily="18" charset="0"/>
+                          </a:rPr>
+                          <m:t>𝜶</m:t>
+                        </m:r>
                         <m:r>
                           <a:rPr lang="en-US" sz="1000" b="0" i="1" smtClean="0">
                             <a:solidFill>
@@ -29485,7 +29462,7 @@
               </p:txBody>
             </p:sp>
           </mc:Choice>
-          <mc:Fallback xmlns="">
+          <mc:Fallback>
             <p:sp>
               <p:nvSpPr>
                 <p:cNvPr id="235" name="TextBox 234"/>
@@ -29496,8 +29473,8 @@
               </p:nvSpPr>
               <p:spPr>
                 <a:xfrm rot="1522105">
-                  <a:off x="1270283" y="5416435"/>
-                  <a:ext cx="943977" cy="246221"/>
+                  <a:off x="1270284" y="5416435"/>
+                  <a:ext cx="943976" cy="246221"/>
                 </a:xfrm>
                 <a:prstGeom prst="rect">
                   <a:avLst/>
@@ -29534,8 +29511,8 @@
               </p:nvSpPr>
               <p:spPr>
                 <a:xfrm rot="1486279">
-                  <a:off x="3687225" y="6195889"/>
-                  <a:ext cx="1108958" cy="246221"/>
+                  <a:off x="3751666" y="6170177"/>
+                  <a:ext cx="980076" cy="297646"/>
                 </a:xfrm>
                 <a:prstGeom prst="rect">
                   <a:avLst/>
@@ -29567,43 +29544,24 @@
                         <m:jc m:val="centerGroup"/>
                       </m:oMathParaPr>
                       <m:oMath xmlns:m="http://schemas.openxmlformats.org/officeDocument/2006/math">
-                        <m:sSup>
-                          <m:sSupPr>
+                        <m:acc>
+                          <m:accPr>
+                            <m:chr m:val="́"/>
                             <m:ctrlPr>
-                              <a:rPr lang="en-US" sz="1000" b="0" i="1" smtClean="0">
+                              <a:rPr lang="en-US" sz="1000" b="1" i="1">
                                 <a:latin typeface="Cambria Math" panose="02040503050406030204" pitchFamily="18" charset="0"/>
                               </a:rPr>
                             </m:ctrlPr>
-                          </m:sSupPr>
+                          </m:accPr>
                           <m:e>
-                            <m:acc>
-                              <m:accPr>
-                                <m:chr m:val="⃗"/>
-                                <m:ctrlPr>
-                                  <a:rPr lang="en-US" sz="1000" i="1" smtClean="0">
-                                    <a:latin typeface="Cambria Math" panose="02040503050406030204" pitchFamily="18" charset="0"/>
-                                  </a:rPr>
-                                </m:ctrlPr>
-                              </m:accPr>
-                              <m:e>
-                                <m:r>
-                                  <a:rPr lang="en-US" sz="1000">
-                                    <a:latin typeface="Cambria Math" panose="02040503050406030204" pitchFamily="18" charset="0"/>
-                                  </a:rPr>
-                                  <m:t>𝛼</m:t>
-                                </m:r>
-                              </m:e>
-                            </m:acc>
-                          </m:e>
-                          <m:sup>
                             <m:r>
-                              <a:rPr lang="en-US" sz="1000" b="0" i="1" smtClean="0">
+                              <a:rPr lang="en-US" sz="1000" b="1">
                                 <a:latin typeface="Cambria Math" panose="02040503050406030204" pitchFamily="18" charset="0"/>
                               </a:rPr>
-                              <m:t>′</m:t>
+                              <m:t>𝜶</m:t>
                             </m:r>
-                          </m:sup>
-                        </m:sSup>
+                          </m:e>
+                        </m:acc>
                         <m:r>
                           <a:rPr lang="en-US" sz="1000">
                             <a:latin typeface="Cambria Math" panose="02040503050406030204" pitchFamily="18" charset="0"/>
@@ -29613,7 +29571,7 @@
                         <m:sSup>
                           <m:sSupPr>
                             <m:ctrlPr>
-                              <a:rPr lang="en-US" sz="1000" b="0" i="1" smtClean="0">
+                              <a:rPr lang="en-US" sz="1000" i="1">
                                 <a:latin typeface="Cambria Math" panose="02040503050406030204" pitchFamily="18" charset="0"/>
                               </a:rPr>
                             </m:ctrlPr>
@@ -29624,51 +29582,39 @@
                                 <m:begChr m:val="["/>
                                 <m:endChr m:val="]"/>
                                 <m:ctrlPr>
-                                  <a:rPr lang="en-US" sz="1000" b="0" i="1" smtClean="0">
+                                  <a:rPr lang="en-US" sz="1000" i="1">
                                     <a:latin typeface="Cambria Math" panose="02040503050406030204" pitchFamily="18" charset="0"/>
                                   </a:rPr>
                                 </m:ctrlPr>
                               </m:dPr>
                               <m:e>
-                                <m:sSup>
-                                  <m:sSupPr>
-                                    <m:ctrlPr>
-                                      <a:rPr lang="en-US" sz="1000" i="1">
-                                        <a:latin typeface="Cambria Math" panose="02040503050406030204" pitchFamily="18" charset="0"/>
-                                      </a:rPr>
-                                    </m:ctrlPr>
-                                  </m:sSupPr>
-                                  <m:e>
-                                    <m:r>
-                                      <a:rPr lang="en-US" sz="1000">
-                                        <a:latin typeface="Cambria Math" panose="02040503050406030204" pitchFamily="18" charset="0"/>
-                                      </a:rPr>
-                                      <m:t>𝛼</m:t>
-                                    </m:r>
-                                  </m:e>
-                                  <m:sup>
-                                    <m:r>
-                                      <a:rPr lang="en-US" sz="1000" i="1">
-                                        <a:latin typeface="Cambria Math" panose="02040503050406030204" pitchFamily="18" charset="0"/>
-                                      </a:rPr>
-                                      <m:t>′</m:t>
-                                    </m:r>
-                                  </m:sup>
-                                </m:sSup>
+                                <m:r>
+                                  <a:rPr lang="en-US" sz="1000">
+                                    <a:latin typeface="Cambria Math" panose="02040503050406030204" pitchFamily="18" charset="0"/>
+                                  </a:rPr>
+                                  <m:t>𝛼</m:t>
+                                </m:r>
+                                <m:r>
+                                  <a:rPr lang="en-US" sz="1000">
+                                    <a:latin typeface="Cambria Math" panose="02040503050406030204" pitchFamily="18" charset="0"/>
+                                  </a:rPr>
+                                  <m:t> ́</m:t>
+                                </m:r>
                                 <m:r>
                                   <a:rPr lang="en-US" sz="1000">
                                     <a:latin typeface="Cambria Math" panose="02040503050406030204" pitchFamily="18" charset="0"/>
                                   </a:rPr>
                                   <m:t>, </m:t>
                                 </m:r>
-                                <m:sSup>
-                                  <m:sSupPr>
+                                <m:acc>
+                                  <m:accPr>
+                                    <m:chr m:val="́"/>
                                     <m:ctrlPr>
                                       <a:rPr lang="en-US" sz="1000" i="1">
                                         <a:latin typeface="Cambria Math" panose="02040503050406030204" pitchFamily="18" charset="0"/>
                                       </a:rPr>
                                     </m:ctrlPr>
-                                  </m:sSupPr>
+                                  </m:accPr>
                                   <m:e>
                                     <m:r>
                                       <a:rPr lang="en-US" sz="1000">
@@ -29677,29 +29623,22 @@
                                       <m:t>𝛽</m:t>
                                     </m:r>
                                   </m:e>
-                                  <m:sup>
-                                    <m:r>
-                                      <a:rPr lang="en-US" sz="1000" i="1">
-                                        <a:latin typeface="Cambria Math" panose="02040503050406030204" pitchFamily="18" charset="0"/>
-                                      </a:rPr>
-                                      <m:t>′</m:t>
-                                    </m:r>
-                                  </m:sup>
-                                </m:sSup>
+                                </m:acc>
                                 <m:r>
                                   <a:rPr lang="en-US" sz="1000">
                                     <a:latin typeface="Cambria Math" panose="02040503050406030204" pitchFamily="18" charset="0"/>
                                   </a:rPr>
                                   <m:t>,</m:t>
                                 </m:r>
-                                <m:sSup>
-                                  <m:sSupPr>
+                                <m:acc>
+                                  <m:accPr>
+                                    <m:chr m:val="́"/>
                                     <m:ctrlPr>
                                       <a:rPr lang="en-US" sz="1000" i="1">
                                         <a:latin typeface="Cambria Math" panose="02040503050406030204" pitchFamily="18" charset="0"/>
                                       </a:rPr>
                                     </m:ctrlPr>
-                                  </m:sSupPr>
+                                  </m:accPr>
                                   <m:e>
                                     <m:r>
                                       <a:rPr lang="en-US" sz="1000">
@@ -29708,21 +29647,13 @@
                                       <m:t>𝛾</m:t>
                                     </m:r>
                                   </m:e>
-                                  <m:sup>
-                                    <m:r>
-                                      <a:rPr lang="en-US" sz="1000" i="1">
-                                        <a:latin typeface="Cambria Math" panose="02040503050406030204" pitchFamily="18" charset="0"/>
-                                      </a:rPr>
-                                      <m:t>′</m:t>
-                                    </m:r>
-                                  </m:sup>
-                                </m:sSup>
+                                </m:acc>
                               </m:e>
                             </m:d>
                           </m:e>
                           <m:sup>
                             <m:r>
-                              <a:rPr lang="en-US" sz="1000" b="0" i="1" smtClean="0">
+                              <a:rPr lang="en-US" sz="1000">
                                 <a:latin typeface="Cambria Math" panose="02040503050406030204" pitchFamily="18" charset="0"/>
                               </a:rPr>
                               <m:t>𝑇</m:t>
@@ -29748,8 +29679,8 @@
               </p:nvSpPr>
               <p:spPr>
                 <a:xfrm rot="1486279">
-                  <a:off x="3687225" y="6195889"/>
-                  <a:ext cx="1108958" cy="246221"/>
+                  <a:off x="3751666" y="6170177"/>
+                  <a:ext cx="980076" cy="297646"/>
                 </a:xfrm>
                 <a:prstGeom prst="rect">
                   <a:avLst/>
@@ -29837,8 +29768,8 @@
               </p:nvSpPr>
               <p:spPr>
                 <a:xfrm>
-                  <a:off x="379782" y="5148057"/>
-                  <a:ext cx="379112" cy="497316"/>
+                  <a:off x="432175" y="5109953"/>
+                  <a:ext cx="379112" cy="246221"/>
                 </a:xfrm>
                 <a:prstGeom prst="rect">
                   <a:avLst/>
@@ -29858,98 +29789,25 @@
                         <m:jc m:val="centerGroup"/>
                       </m:oMathParaPr>
                       <m:oMath xmlns:m="http://schemas.openxmlformats.org/officeDocument/2006/math">
-                        <m:d>
-                          <m:dPr>
-                            <m:begChr m:val="["/>
-                            <m:endChr m:val="]"/>
-                            <m:ctrlPr>
-                              <a:rPr lang="en-US" sz="1000" b="0" i="1" smtClean="0">
-                                <a:solidFill>
-                                  <a:schemeClr val="tx1">
-                                    <a:lumMod val="95000"/>
-                                    <a:lumOff val="5000"/>
-                                  </a:schemeClr>
-                                </a:solidFill>
-                                <a:latin typeface="Cambria Math" panose="02040503050406030204" pitchFamily="18" charset="0"/>
-                              </a:rPr>
-                            </m:ctrlPr>
-                          </m:dPr>
-                          <m:e>
-                            <m:eqArr>
-                              <m:eqArrPr>
-                                <m:ctrlPr>
-                                  <a:rPr lang="en-US" sz="1000" b="0" i="1" smtClean="0">
-                                    <a:solidFill>
-                                      <a:schemeClr val="tx1">
-                                        <a:lumMod val="95000"/>
-                                        <a:lumOff val="5000"/>
-                                      </a:schemeClr>
-                                    </a:solidFill>
-                                    <a:latin typeface="Cambria Math" panose="02040503050406030204" pitchFamily="18" charset="0"/>
-                                  </a:rPr>
-                                </m:ctrlPr>
-                              </m:eqArrPr>
-                              <m:e>
-                                <m:r>
-                                  <a:rPr lang="en-US" sz="1000" b="0" i="1" smtClean="0">
-                                    <a:solidFill>
-                                      <a:schemeClr val="tx1">
-                                        <a:lumMod val="95000"/>
-                                        <a:lumOff val="5000"/>
-                                      </a:schemeClr>
-                                    </a:solidFill>
-                                    <a:latin typeface="Cambria Math" panose="02040503050406030204" pitchFamily="18" charset="0"/>
-                                  </a:rPr>
-                                  <m:t>𝑋</m:t>
-                                </m:r>
-                                <m:r>
-                                  <a:rPr lang="en-US" sz="1000" b="0" i="1" smtClean="0">
-                                    <a:solidFill>
-                                      <a:schemeClr val="tx1">
-                                        <a:lumMod val="95000"/>
-                                        <a:lumOff val="5000"/>
-                                      </a:schemeClr>
-                                    </a:solidFill>
-                                    <a:latin typeface="Cambria Math" panose="02040503050406030204" pitchFamily="18" charset="0"/>
-                                  </a:rPr>
-                                  <m:t> </m:t>
-                                </m:r>
-                              </m:e>
-                              <m:e>
-                                <m:r>
-                                  <a:rPr lang="en-US" sz="1000" b="0" i="1" smtClean="0">
-                                    <a:solidFill>
-                                      <a:schemeClr val="tx1">
-                                        <a:lumMod val="95000"/>
-                                        <a:lumOff val="5000"/>
-                                      </a:schemeClr>
-                                    </a:solidFill>
-                                    <a:latin typeface="Cambria Math" panose="02040503050406030204" pitchFamily="18" charset="0"/>
-                                  </a:rPr>
-                                  <m:t>𝑌</m:t>
-                                </m:r>
-                              </m:e>
-                              <m:e>
-                                <m:r>
-                                  <a:rPr lang="en-US" sz="1000" b="0" i="1" smtClean="0">
-                                    <a:solidFill>
-                                      <a:schemeClr val="tx1">
-                                        <a:lumMod val="95000"/>
-                                        <a:lumOff val="5000"/>
-                                      </a:schemeClr>
-                                    </a:solidFill>
-                                    <a:latin typeface="Cambria Math" panose="02040503050406030204" pitchFamily="18" charset="0"/>
-                                  </a:rPr>
-                                  <m:t>𝑍</m:t>
-                                </m:r>
-                              </m:e>
-                            </m:eqArr>
-                          </m:e>
-                        </m:d>
+                        <m:r>
+                          <m:rPr>
+                            <m:nor/>
+                          </m:rPr>
+                          <a:rPr lang="en-US" sz="1000" b="1" i="0" smtClean="0">
+                            <a:solidFill>
+                              <a:schemeClr val="tx1">
+                                <a:lumMod val="95000"/>
+                                <a:lumOff val="5000"/>
+                              </a:schemeClr>
+                            </a:solidFill>
+                            <a:latin typeface="Cambria Math" panose="02040503050406030204" pitchFamily="18" charset="0"/>
+                          </a:rPr>
+                          <m:t>x</m:t>
+                        </m:r>
                       </m:oMath>
                     </m:oMathPara>
                   </a14:m>
-                  <a:endParaRPr lang="en-US" sz="1000" dirty="0">
+                  <a:endParaRPr lang="en-US" sz="1000" b="1" dirty="0">
                     <a:solidFill>
                       <a:schemeClr val="tx1">
                         <a:lumMod val="95000"/>
@@ -29972,8 +29830,8 @@
               </p:nvSpPr>
               <p:spPr>
                 <a:xfrm>
-                  <a:off x="379782" y="5148057"/>
-                  <a:ext cx="379112" cy="497316"/>
+                  <a:off x="432175" y="5109953"/>
+                  <a:ext cx="379112" cy="246221"/>
                 </a:xfrm>
                 <a:prstGeom prst="rect">
                   <a:avLst/>
@@ -30389,7 +30247,7 @@
               <p:spPr>
                 <a:xfrm>
                   <a:off x="1384927" y="6353333"/>
-                  <a:ext cx="301749" cy="253916"/>
+                  <a:ext cx="281424" cy="246221"/>
                 </a:xfrm>
                 <a:prstGeom prst="rect">
                   <a:avLst/>
@@ -30413,7 +30271,7 @@
                           <a:rPr lang="en-US" sz="1000" b="0" i="1" smtClean="0">
                             <a:latin typeface="Cambria Math" panose="02040503050406030204" pitchFamily="18" charset="0"/>
                           </a:rPr>
-                          <m:t>𝑍</m:t>
+                          <m:t>𝑧</m:t>
                         </m:r>
                       </m:oMath>
                     </m:oMathPara>
@@ -30438,7 +30296,7 @@
               <p:spPr>
                 <a:xfrm>
                   <a:off x="1384927" y="6353333"/>
-                  <a:ext cx="301749" cy="253916"/>
+                  <a:ext cx="281424" cy="246221"/>
                 </a:xfrm>
                 <a:prstGeom prst="rect">
                   <a:avLst/>
@@ -30863,8 +30721,8 @@
           </p:nvSpPr>
           <p:spPr>
             <a:xfrm rot="21077016">
-              <a:off x="847601" y="6175619"/>
-              <a:ext cx="673582" cy="200055"/>
+              <a:off x="754628" y="6175619"/>
+              <a:ext cx="859531" cy="200055"/>
             </a:xfrm>
             <a:prstGeom prst="rect">
               <a:avLst/>
@@ -30879,7 +30737,7 @@
             <a:p>
               <a:r>
                 <a:rPr lang="en-US" sz="700" i="1" dirty="0" smtClean="0"/>
-                <a:t>OPTICAL AXIS</a:t>
+                <a:t>OPTICAL AXIS (OA)</a:t>
               </a:r>
               <a:endParaRPr lang="en-US" sz="700" i="1" dirty="0"/>
             </a:p>
@@ -35601,10 +35459,10 @@
         </p:nvGrpSpPr>
         <p:grpSpPr>
           <a:xfrm>
-            <a:off x="190612" y="3833813"/>
-            <a:ext cx="4982128" cy="2075920"/>
-            <a:chOff x="190612" y="3833813"/>
-            <a:chExt cx="4982128" cy="2075920"/>
+            <a:off x="238242" y="3833813"/>
+            <a:ext cx="4934498" cy="2075920"/>
+            <a:chOff x="238242" y="3833813"/>
+            <a:chExt cx="4934498" cy="2075920"/>
           </a:xfrm>
         </p:grpSpPr>
         <p:sp>
@@ -37005,24 +36863,30 @@
                         <m:jc m:val="centerGroup"/>
                       </m:oMathParaPr>
                       <m:oMath xmlns:m="http://schemas.openxmlformats.org/officeDocument/2006/math">
-                        <m:r>
-                          <a:rPr lang="en-US" sz="900" i="1" dirty="0" smtClean="0">
-                            <a:effectLst/>
-                            <a:latin typeface="Cambria Math" panose="02040503050406030204" pitchFamily="18" charset="0"/>
-                            <a:ea typeface="Calibri"/>
-                            <a:cs typeface="Times New Roman"/>
-                          </a:rPr>
-                          <m:t>𝐸</m:t>
-                        </m:r>
-                        <m:r>
-                          <a:rPr lang="en-US" sz="900" b="0" i="1" dirty="0" smtClean="0">
-                            <a:effectLst/>
-                            <a:latin typeface="Cambria Math" panose="02040503050406030204" pitchFamily="18" charset="0"/>
-                            <a:ea typeface="Calibri"/>
-                            <a:cs typeface="Times New Roman"/>
-                          </a:rPr>
-                          <m:t>′</m:t>
-                        </m:r>
+                        <m:acc>
+                          <m:accPr>
+                            <m:chr m:val="́"/>
+                            <m:ctrlPr>
+                              <a:rPr lang="en-US" sz="900" b="0" i="1" dirty="0" smtClean="0">
+                                <a:effectLst/>
+                                <a:latin typeface="Cambria Math" panose="02040503050406030204" pitchFamily="18" charset="0"/>
+                                <a:ea typeface="Calibri"/>
+                                <a:cs typeface="Times New Roman"/>
+                              </a:rPr>
+                            </m:ctrlPr>
+                          </m:accPr>
+                          <m:e>
+                            <m:r>
+                              <a:rPr lang="en-US" sz="900" i="1" dirty="0" smtClean="0">
+                                <a:effectLst/>
+                                <a:latin typeface="Cambria Math" panose="02040503050406030204" pitchFamily="18" charset="0"/>
+                                <a:ea typeface="Calibri"/>
+                                <a:cs typeface="Times New Roman"/>
+                              </a:rPr>
+                              <m:t>𝐸</m:t>
+                            </m:r>
+                          </m:e>
+                        </m:acc>
                       </m:oMath>
                     </m:oMathPara>
                   </a14:m>
@@ -37241,18 +37105,24 @@
                         <m:jc m:val="centerGroup"/>
                       </m:oMathParaPr>
                       <m:oMath xmlns:m="http://schemas.openxmlformats.org/officeDocument/2006/math">
-                        <m:r>
-                          <a:rPr lang="en-US" sz="1100" b="0" i="1" smtClean="0">
-                            <a:latin typeface="Cambria Math" panose="02040503050406030204" pitchFamily="18" charset="0"/>
-                          </a:rPr>
-                          <m:t>𝜔</m:t>
-                        </m:r>
-                        <m:r>
-                          <a:rPr lang="en-US" sz="1100" b="0" i="1" smtClean="0">
-                            <a:latin typeface="Cambria Math" panose="02040503050406030204" pitchFamily="18" charset="0"/>
-                          </a:rPr>
-                          <m:t>′</m:t>
-                        </m:r>
+                        <m:acc>
+                          <m:accPr>
+                            <m:chr m:val="́"/>
+                            <m:ctrlPr>
+                              <a:rPr lang="en-US" sz="1100" b="0" i="1" smtClean="0">
+                                <a:latin typeface="Cambria Math" panose="02040503050406030204" pitchFamily="18" charset="0"/>
+                              </a:rPr>
+                            </m:ctrlPr>
+                          </m:accPr>
+                          <m:e>
+                            <m:r>
+                              <a:rPr lang="en-US" sz="1100" b="0" i="1" smtClean="0">
+                                <a:latin typeface="Cambria Math" panose="02040503050406030204" pitchFamily="18" charset="0"/>
+                              </a:rPr>
+                              <m:t>𝜔</m:t>
+                            </m:r>
+                          </m:e>
+                        </m:acc>
                       </m:oMath>
                     </m:oMathPara>
                   </a14:m>
@@ -37281,7 +37151,7 @@
                 <a:blipFill rotWithShape="0">
                   <a:blip r:embed="rId30"/>
                   <a:stretch>
-                    <a:fillRect r="-4444"/>
+                    <a:fillRect r="-13333"/>
                   </a:stretch>
                 </a:blipFill>
               </p:spPr>
@@ -37415,8 +37285,8 @@
               </p:nvSpPr>
               <p:spPr>
                 <a:xfrm rot="1522105">
-                  <a:off x="1081113" y="4252391"/>
-                  <a:ext cx="943977" cy="246221"/>
+                  <a:off x="1503084" y="4314310"/>
+                  <a:ext cx="300082" cy="246221"/>
                 </a:xfrm>
                 <a:prstGeom prst="rect">
                   <a:avLst/>
@@ -37436,129 +37306,19 @@
                         <m:jc m:val="centerGroup"/>
                       </m:oMathParaPr>
                       <m:oMath xmlns:m="http://schemas.openxmlformats.org/officeDocument/2006/math">
-                        <m:acc>
-                          <m:accPr>
-                            <m:chr m:val="⃗"/>
-                            <m:ctrlPr>
-                              <a:rPr lang="en-US" sz="1000" b="0" i="1" smtClean="0">
-                                <a:solidFill>
-                                  <a:srgbClr val="C00000"/>
-                                </a:solidFill>
-                                <a:latin typeface="Cambria Math" panose="02040503050406030204" pitchFamily="18" charset="0"/>
-                              </a:rPr>
-                            </m:ctrlPr>
-                          </m:accPr>
-                          <m:e>
-                            <m:r>
-                              <a:rPr lang="en-US" sz="1000" b="0" i="1" smtClean="0">
-                                <a:solidFill>
-                                  <a:srgbClr val="C00000"/>
-                                </a:solidFill>
-                                <a:latin typeface="Cambria Math" panose="02040503050406030204" pitchFamily="18" charset="0"/>
-                              </a:rPr>
-                              <m:t>𝛼</m:t>
-                            </m:r>
-                          </m:e>
-                        </m:acc>
                         <m:r>
-                          <a:rPr lang="en-US" sz="1000" b="0" i="1" smtClean="0">
+                          <a:rPr lang="en-US" sz="1000" b="1" i="1" smtClean="0">
                             <a:solidFill>
                               <a:srgbClr val="C00000"/>
                             </a:solidFill>
                             <a:latin typeface="Cambria Math" panose="02040503050406030204" pitchFamily="18" charset="0"/>
                           </a:rPr>
-                          <m:t>=</m:t>
+                          <m:t>𝜶</m:t>
                         </m:r>
-                        <m:sSup>
-                          <m:sSupPr>
-                            <m:ctrlPr>
-                              <a:rPr lang="en-US" sz="1000" b="0" i="1" smtClean="0">
-                                <a:solidFill>
-                                  <a:srgbClr val="C00000"/>
-                                </a:solidFill>
-                                <a:latin typeface="Cambria Math" panose="02040503050406030204" pitchFamily="18" charset="0"/>
-                              </a:rPr>
-                            </m:ctrlPr>
-                          </m:sSupPr>
-                          <m:e>
-                            <m:d>
-                              <m:dPr>
-                                <m:begChr m:val="["/>
-                                <m:endChr m:val="]"/>
-                                <m:ctrlPr>
-                                  <a:rPr lang="en-US" sz="1000" b="0" i="1" smtClean="0">
-                                    <a:solidFill>
-                                      <a:srgbClr val="C00000"/>
-                                    </a:solidFill>
-                                    <a:latin typeface="Cambria Math" panose="02040503050406030204" pitchFamily="18" charset="0"/>
-                                  </a:rPr>
-                                </m:ctrlPr>
-                              </m:dPr>
-                              <m:e>
-                                <m:r>
-                                  <a:rPr lang="en-US" sz="1000" b="0" i="1" smtClean="0">
-                                    <a:solidFill>
-                                      <a:srgbClr val="C00000"/>
-                                    </a:solidFill>
-                                    <a:latin typeface="Cambria Math" panose="02040503050406030204" pitchFamily="18" charset="0"/>
-                                  </a:rPr>
-                                  <m:t>𝛼</m:t>
-                                </m:r>
-                                <m:r>
-                                  <a:rPr lang="en-US" sz="1000" b="0" i="1" smtClean="0">
-                                    <a:solidFill>
-                                      <a:srgbClr val="C00000"/>
-                                    </a:solidFill>
-                                    <a:latin typeface="Cambria Math" panose="02040503050406030204" pitchFamily="18" charset="0"/>
-                                  </a:rPr>
-                                  <m:t>, </m:t>
-                                </m:r>
-                                <m:r>
-                                  <a:rPr lang="en-US" sz="1000" b="0" i="1" smtClean="0">
-                                    <a:solidFill>
-                                      <a:srgbClr val="C00000"/>
-                                    </a:solidFill>
-                                    <a:latin typeface="Cambria Math" panose="02040503050406030204" pitchFamily="18" charset="0"/>
-                                  </a:rPr>
-                                  <m:t>𝛽</m:t>
-                                </m:r>
-                                <m:r>
-                                  <a:rPr lang="en-US" sz="1000" b="0" i="1" smtClean="0">
-                                    <a:solidFill>
-                                      <a:srgbClr val="C00000"/>
-                                    </a:solidFill>
-                                    <a:latin typeface="Cambria Math" panose="02040503050406030204" pitchFamily="18" charset="0"/>
-                                  </a:rPr>
-                                  <m:t>,</m:t>
-                                </m:r>
-                                <m:r>
-                                  <a:rPr lang="en-US" sz="1000" b="0" i="1" smtClean="0">
-                                    <a:solidFill>
-                                      <a:srgbClr val="C00000"/>
-                                    </a:solidFill>
-                                    <a:latin typeface="Cambria Math" panose="02040503050406030204" pitchFamily="18" charset="0"/>
-                                  </a:rPr>
-                                  <m:t>𝛾</m:t>
-                                </m:r>
-                              </m:e>
-                            </m:d>
-                          </m:e>
-                          <m:sup>
-                            <m:r>
-                              <a:rPr lang="en-US" sz="1000" b="0" i="1" smtClean="0">
-                                <a:solidFill>
-                                  <a:srgbClr val="C00000"/>
-                                </a:solidFill>
-                                <a:latin typeface="Cambria Math" panose="02040503050406030204" pitchFamily="18" charset="0"/>
-                              </a:rPr>
-                              <m:t>𝑇</m:t>
-                            </m:r>
-                          </m:sup>
-                        </m:sSup>
                       </m:oMath>
                     </m:oMathPara>
                   </a14:m>
-                  <a:endParaRPr lang="en-US" sz="1000" dirty="0">
+                  <a:endParaRPr lang="en-US" sz="1000" b="1" dirty="0">
                     <a:solidFill>
                       <a:srgbClr val="C00000"/>
                     </a:solidFill>
@@ -37578,8 +37338,8 @@
               </p:nvSpPr>
               <p:spPr>
                 <a:xfrm rot="1522105">
-                  <a:off x="1081113" y="4252391"/>
-                  <a:ext cx="943977" cy="246221"/>
+                  <a:off x="1503084" y="4314310"/>
+                  <a:ext cx="300082" cy="246221"/>
                 </a:xfrm>
                 <a:prstGeom prst="rect">
                   <a:avLst/>
@@ -37616,8 +37376,8 @@
               </p:nvSpPr>
               <p:spPr>
                 <a:xfrm rot="1486279">
-                  <a:off x="3498055" y="5031845"/>
-                  <a:ext cx="1108958" cy="246221"/>
+                  <a:off x="3978700" y="5069949"/>
+                  <a:ext cx="300082" cy="246221"/>
                 </a:xfrm>
                 <a:prstGeom prst="rect">
                   <a:avLst/>
@@ -37649,168 +37409,24 @@
                         <m:jc m:val="centerGroup"/>
                       </m:oMathParaPr>
                       <m:oMath xmlns:m="http://schemas.openxmlformats.org/officeDocument/2006/math">
-                        <m:sSup>
-                          <m:sSupPr>
+                        <m:acc>
+                          <m:accPr>
+                            <m:chr m:val="́"/>
                             <m:ctrlPr>
-                              <a:rPr lang="en-US" sz="1000" b="0" i="1" smtClean="0">
+                              <a:rPr lang="en-US" sz="1000" b="1" i="1">
                                 <a:latin typeface="Cambria Math" panose="02040503050406030204" pitchFamily="18" charset="0"/>
                               </a:rPr>
                             </m:ctrlPr>
-                          </m:sSupPr>
+                          </m:accPr>
                           <m:e>
-                            <m:acc>
-                              <m:accPr>
-                                <m:chr m:val="⃗"/>
-                                <m:ctrlPr>
-                                  <a:rPr lang="en-US" sz="1000" i="1" smtClean="0">
-                                    <a:latin typeface="Cambria Math" panose="02040503050406030204" pitchFamily="18" charset="0"/>
-                                  </a:rPr>
-                                </m:ctrlPr>
-                              </m:accPr>
-                              <m:e>
-                                <m:r>
-                                  <a:rPr lang="en-US" sz="1000">
-                                    <a:latin typeface="Cambria Math" panose="02040503050406030204" pitchFamily="18" charset="0"/>
-                                  </a:rPr>
-                                  <m:t>𝛼</m:t>
-                                </m:r>
-                              </m:e>
-                            </m:acc>
-                          </m:e>
-                          <m:sup>
                             <m:r>
-                              <a:rPr lang="en-US" sz="1000" b="0" i="1" smtClean="0">
+                              <a:rPr lang="en-US" sz="1000" b="1">
                                 <a:latin typeface="Cambria Math" panose="02040503050406030204" pitchFamily="18" charset="0"/>
                               </a:rPr>
-                              <m:t>′</m:t>
+                              <m:t>𝜶</m:t>
                             </m:r>
-                          </m:sup>
-                        </m:sSup>
-                        <m:r>
-                          <a:rPr lang="en-US" sz="1000">
-                            <a:latin typeface="Cambria Math" panose="02040503050406030204" pitchFamily="18" charset="0"/>
-                          </a:rPr>
-                          <m:t>=</m:t>
-                        </m:r>
-                        <m:sSup>
-                          <m:sSupPr>
-                            <m:ctrlPr>
-                              <a:rPr lang="en-US" sz="1000" b="0" i="1" smtClean="0">
-                                <a:latin typeface="Cambria Math" panose="02040503050406030204" pitchFamily="18" charset="0"/>
-                              </a:rPr>
-                            </m:ctrlPr>
-                          </m:sSupPr>
-                          <m:e>
-                            <m:d>
-                              <m:dPr>
-                                <m:begChr m:val="["/>
-                                <m:endChr m:val="]"/>
-                                <m:ctrlPr>
-                                  <a:rPr lang="en-US" sz="1000" b="0" i="1" smtClean="0">
-                                    <a:latin typeface="Cambria Math" panose="02040503050406030204" pitchFamily="18" charset="0"/>
-                                  </a:rPr>
-                                </m:ctrlPr>
-                              </m:dPr>
-                              <m:e>
-                                <m:sSup>
-                                  <m:sSupPr>
-                                    <m:ctrlPr>
-                                      <a:rPr lang="en-US" sz="1000" i="1">
-                                        <a:latin typeface="Cambria Math" panose="02040503050406030204" pitchFamily="18" charset="0"/>
-                                      </a:rPr>
-                                    </m:ctrlPr>
-                                  </m:sSupPr>
-                                  <m:e>
-                                    <m:r>
-                                      <a:rPr lang="en-US" sz="1000">
-                                        <a:latin typeface="Cambria Math" panose="02040503050406030204" pitchFamily="18" charset="0"/>
-                                      </a:rPr>
-                                      <m:t>𝛼</m:t>
-                                    </m:r>
-                                  </m:e>
-                                  <m:sup>
-                                    <m:r>
-                                      <a:rPr lang="en-US" sz="1000" i="1">
-                                        <a:latin typeface="Cambria Math" panose="02040503050406030204" pitchFamily="18" charset="0"/>
-                                      </a:rPr>
-                                      <m:t>′</m:t>
-                                    </m:r>
-                                  </m:sup>
-                                </m:sSup>
-                                <m:r>
-                                  <a:rPr lang="en-US" sz="1000">
-                                    <a:latin typeface="Cambria Math" panose="02040503050406030204" pitchFamily="18" charset="0"/>
-                                  </a:rPr>
-                                  <m:t>, </m:t>
-                                </m:r>
-                                <m:sSup>
-                                  <m:sSupPr>
-                                    <m:ctrlPr>
-                                      <a:rPr lang="en-US" sz="1000" i="1">
-                                        <a:latin typeface="Cambria Math" panose="02040503050406030204" pitchFamily="18" charset="0"/>
-                                      </a:rPr>
-                                    </m:ctrlPr>
-                                  </m:sSupPr>
-                                  <m:e>
-                                    <m:r>
-                                      <a:rPr lang="en-US" sz="1000">
-                                        <a:latin typeface="Cambria Math" panose="02040503050406030204" pitchFamily="18" charset="0"/>
-                                      </a:rPr>
-                                      <m:t>𝛽</m:t>
-                                    </m:r>
-                                  </m:e>
-                                  <m:sup>
-                                    <m:r>
-                                      <a:rPr lang="en-US" sz="1000" i="1">
-                                        <a:latin typeface="Cambria Math" panose="02040503050406030204" pitchFamily="18" charset="0"/>
-                                      </a:rPr>
-                                      <m:t>′</m:t>
-                                    </m:r>
-                                  </m:sup>
-                                </m:sSup>
-                                <m:r>
-                                  <a:rPr lang="en-US" sz="1000">
-                                    <a:latin typeface="Cambria Math" panose="02040503050406030204" pitchFamily="18" charset="0"/>
-                                  </a:rPr>
-                                  <m:t>,</m:t>
-                                </m:r>
-                                <m:sSup>
-                                  <m:sSupPr>
-                                    <m:ctrlPr>
-                                      <a:rPr lang="en-US" sz="1000" i="1">
-                                        <a:latin typeface="Cambria Math" panose="02040503050406030204" pitchFamily="18" charset="0"/>
-                                      </a:rPr>
-                                    </m:ctrlPr>
-                                  </m:sSupPr>
-                                  <m:e>
-                                    <m:r>
-                                      <a:rPr lang="en-US" sz="1000">
-                                        <a:latin typeface="Cambria Math" panose="02040503050406030204" pitchFamily="18" charset="0"/>
-                                      </a:rPr>
-                                      <m:t>𝛾</m:t>
-                                    </m:r>
-                                  </m:e>
-                                  <m:sup>
-                                    <m:r>
-                                      <a:rPr lang="en-US" sz="1000" i="1">
-                                        <a:latin typeface="Cambria Math" panose="02040503050406030204" pitchFamily="18" charset="0"/>
-                                      </a:rPr>
-                                      <m:t>′</m:t>
-                                    </m:r>
-                                  </m:sup>
-                                </m:sSup>
-                              </m:e>
-                            </m:d>
                           </m:e>
-                          <m:sup>
-                            <m:r>
-                              <a:rPr lang="en-US" sz="1000" b="0" i="1" smtClean="0">
-                                <a:latin typeface="Cambria Math" panose="02040503050406030204" pitchFamily="18" charset="0"/>
-                              </a:rPr>
-                              <m:t>𝑇</m:t>
-                            </m:r>
-                          </m:sup>
-                        </m:sSup>
+                        </m:acc>
                       </m:oMath>
                     </m:oMathPara>
                   </a14:m>
@@ -37830,8 +37446,8 @@
               </p:nvSpPr>
               <p:spPr>
                 <a:xfrm rot="1486279">
-                  <a:off x="3498055" y="5031845"/>
-                  <a:ext cx="1108958" cy="246221"/>
+                  <a:off x="3978700" y="5069949"/>
+                  <a:ext cx="300082" cy="246221"/>
                 </a:xfrm>
                 <a:prstGeom prst="rect">
                   <a:avLst/>
@@ -37839,7 +37455,7 @@
                 <a:blipFill rotWithShape="0">
                   <a:blip r:embed="rId32"/>
                   <a:stretch>
-                    <a:fillRect/>
+                    <a:fillRect r="-4762"/>
                   </a:stretch>
                 </a:blipFill>
               </p:spPr>
@@ -37919,8 +37535,8 @@
               </p:nvSpPr>
               <p:spPr>
                 <a:xfrm>
-                  <a:off x="190612" y="3984013"/>
-                  <a:ext cx="379112" cy="497316"/>
+                  <a:off x="238242" y="3955435"/>
+                  <a:ext cx="379112" cy="246221"/>
                 </a:xfrm>
                 <a:prstGeom prst="rect">
                   <a:avLst/>
@@ -37940,98 +37556,25 @@
                         <m:jc m:val="centerGroup"/>
                       </m:oMathParaPr>
                       <m:oMath xmlns:m="http://schemas.openxmlformats.org/officeDocument/2006/math">
-                        <m:d>
-                          <m:dPr>
-                            <m:begChr m:val="["/>
-                            <m:endChr m:val="]"/>
-                            <m:ctrlPr>
-                              <a:rPr lang="en-US" sz="1000" b="0" i="1" smtClean="0">
-                                <a:solidFill>
-                                  <a:schemeClr val="tx1">
-                                    <a:lumMod val="95000"/>
-                                    <a:lumOff val="5000"/>
-                                  </a:schemeClr>
-                                </a:solidFill>
-                                <a:latin typeface="Cambria Math" panose="02040503050406030204" pitchFamily="18" charset="0"/>
-                              </a:rPr>
-                            </m:ctrlPr>
-                          </m:dPr>
-                          <m:e>
-                            <m:eqArr>
-                              <m:eqArrPr>
-                                <m:ctrlPr>
-                                  <a:rPr lang="en-US" sz="1000" b="0" i="1" smtClean="0">
-                                    <a:solidFill>
-                                      <a:schemeClr val="tx1">
-                                        <a:lumMod val="95000"/>
-                                        <a:lumOff val="5000"/>
-                                      </a:schemeClr>
-                                    </a:solidFill>
-                                    <a:latin typeface="Cambria Math" panose="02040503050406030204" pitchFamily="18" charset="0"/>
-                                  </a:rPr>
-                                </m:ctrlPr>
-                              </m:eqArrPr>
-                              <m:e>
-                                <m:r>
-                                  <a:rPr lang="en-US" sz="1000" b="0" i="1" smtClean="0">
-                                    <a:solidFill>
-                                      <a:schemeClr val="tx1">
-                                        <a:lumMod val="95000"/>
-                                        <a:lumOff val="5000"/>
-                                      </a:schemeClr>
-                                    </a:solidFill>
-                                    <a:latin typeface="Cambria Math" panose="02040503050406030204" pitchFamily="18" charset="0"/>
-                                  </a:rPr>
-                                  <m:t>𝑋</m:t>
-                                </m:r>
-                                <m:r>
-                                  <a:rPr lang="en-US" sz="1000" b="0" i="1" smtClean="0">
-                                    <a:solidFill>
-                                      <a:schemeClr val="tx1">
-                                        <a:lumMod val="95000"/>
-                                        <a:lumOff val="5000"/>
-                                      </a:schemeClr>
-                                    </a:solidFill>
-                                    <a:latin typeface="Cambria Math" panose="02040503050406030204" pitchFamily="18" charset="0"/>
-                                  </a:rPr>
-                                  <m:t> </m:t>
-                                </m:r>
-                              </m:e>
-                              <m:e>
-                                <m:r>
-                                  <a:rPr lang="en-US" sz="1000" b="0" i="1" smtClean="0">
-                                    <a:solidFill>
-                                      <a:schemeClr val="tx1">
-                                        <a:lumMod val="95000"/>
-                                        <a:lumOff val="5000"/>
-                                      </a:schemeClr>
-                                    </a:solidFill>
-                                    <a:latin typeface="Cambria Math" panose="02040503050406030204" pitchFamily="18" charset="0"/>
-                                  </a:rPr>
-                                  <m:t>𝑌</m:t>
-                                </m:r>
-                              </m:e>
-                              <m:e>
-                                <m:r>
-                                  <a:rPr lang="en-US" sz="1000" b="0" i="1" smtClean="0">
-                                    <a:solidFill>
-                                      <a:schemeClr val="tx1">
-                                        <a:lumMod val="95000"/>
-                                        <a:lumOff val="5000"/>
-                                      </a:schemeClr>
-                                    </a:solidFill>
-                                    <a:latin typeface="Cambria Math" panose="02040503050406030204" pitchFamily="18" charset="0"/>
-                                  </a:rPr>
-                                  <m:t>𝑍</m:t>
-                                </m:r>
-                              </m:e>
-                            </m:eqArr>
-                          </m:e>
-                        </m:d>
+                        <m:r>
+                          <m:rPr>
+                            <m:nor/>
+                          </m:rPr>
+                          <a:rPr lang="en-US" sz="1000" b="1" i="0" smtClean="0">
+                            <a:solidFill>
+                              <a:schemeClr val="tx1">
+                                <a:lumMod val="95000"/>
+                                <a:lumOff val="5000"/>
+                              </a:schemeClr>
+                            </a:solidFill>
+                            <a:latin typeface="Cambria Math" panose="02040503050406030204" pitchFamily="18" charset="0"/>
+                          </a:rPr>
+                          <m:t>x</m:t>
+                        </m:r>
                       </m:oMath>
                     </m:oMathPara>
                   </a14:m>
-                  <a:endParaRPr lang="en-US" sz="1000" dirty="0">
+                  <a:endParaRPr lang="en-US" sz="1000" b="1" dirty="0">
                     <a:solidFill>
                       <a:schemeClr val="tx1">
                         <a:lumMod val="95000"/>
@@ -38054,8 +37597,8 @@
               </p:nvSpPr>
               <p:spPr>
                 <a:xfrm>
-                  <a:off x="190612" y="3984013"/>
-                  <a:ext cx="379112" cy="497316"/>
+                  <a:off x="238242" y="3955435"/>
+                  <a:ext cx="379112" cy="246221"/>
                 </a:xfrm>
                 <a:prstGeom prst="rect">
                   <a:avLst/>
@@ -38614,7 +38157,7 @@
               <p:spPr>
                 <a:xfrm>
                   <a:off x="1195757" y="5189289"/>
-                  <a:ext cx="301749" cy="253916"/>
+                  <a:ext cx="281424" cy="246221"/>
                 </a:xfrm>
                 <a:prstGeom prst="rect">
                   <a:avLst/>
@@ -38638,7 +38181,7 @@
                           <a:rPr lang="en-US" sz="1000" b="0" i="1" smtClean="0">
                             <a:latin typeface="Cambria Math" panose="02040503050406030204" pitchFamily="18" charset="0"/>
                           </a:rPr>
-                          <m:t>𝑍</m:t>
+                          <m:t>𝑧</m:t>
                         </m:r>
                       </m:oMath>
                     </m:oMathPara>
@@ -38663,7 +38206,7 @@
               <p:spPr>
                 <a:xfrm>
                   <a:off x="1195757" y="5189289"/>
-                  <a:ext cx="301749" cy="253916"/>
+                  <a:ext cx="281424" cy="246221"/>
                 </a:xfrm>
                 <a:prstGeom prst="rect">
                   <a:avLst/>
@@ -38701,7 +38244,7 @@
               <p:spPr>
                 <a:xfrm>
                   <a:off x="3722656" y="5451462"/>
-                  <a:ext cx="333168" cy="246221"/>
+                  <a:ext cx="278217" cy="246221"/>
                 </a:xfrm>
                 <a:prstGeom prst="rect">
                   <a:avLst/>
@@ -38721,39 +38264,24 @@
                         <m:jc m:val="centerGroup"/>
                       </m:oMathParaPr>
                       <m:oMath xmlns:m="http://schemas.openxmlformats.org/officeDocument/2006/math">
-                        <m:sSubSup>
-                          <m:sSubSupPr>
+                        <m:acc>
+                          <m:accPr>
+                            <m:chr m:val="́"/>
                             <m:ctrlPr>
                               <a:rPr lang="en-US" sz="1000" b="0" i="1" smtClean="0">
                                 <a:latin typeface="Cambria Math" panose="02040503050406030204" pitchFamily="18" charset="0"/>
                               </a:rPr>
                             </m:ctrlPr>
-                          </m:sSubSupPr>
+                          </m:accPr>
                           <m:e>
                             <m:r>
                               <a:rPr lang="en-US" sz="1000" b="0" i="1" smtClean="0">
                                 <a:latin typeface="Cambria Math" panose="02040503050406030204" pitchFamily="18" charset="0"/>
                               </a:rPr>
-                              <m:t>𝑍</m:t>
+                              <m:t>𝑧</m:t>
                             </m:r>
                           </m:e>
-                          <m:sub>
-                            <m:r>
-                              <a:rPr lang="en-US" sz="1000" b="0" i="1" smtClean="0">
-                                <a:latin typeface="Cambria Math" panose="02040503050406030204" pitchFamily="18" charset="0"/>
-                              </a:rPr>
-                              <m:t> </m:t>
-                            </m:r>
-                          </m:sub>
-                          <m:sup>
-                            <m:r>
-                              <a:rPr lang="en-US" sz="1000" b="0" i="1" smtClean="0">
-                                <a:latin typeface="Cambria Math" panose="02040503050406030204" pitchFamily="18" charset="0"/>
-                              </a:rPr>
-                              <m:t>′</m:t>
-                            </m:r>
-                          </m:sup>
-                        </m:sSubSup>
+                        </m:acc>
                       </m:oMath>
                     </m:oMathPara>
                   </a14:m>
@@ -38774,7 +38302,7 @@
               <p:spPr>
                 <a:xfrm>
                   <a:off x="3722656" y="5451462"/>
-                  <a:ext cx="333168" cy="246221"/>
+                  <a:ext cx="278217" cy="246221"/>
                 </a:xfrm>
                 <a:prstGeom prst="rect">
                   <a:avLst/>
@@ -38782,7 +38310,7 @@
                 <a:blipFill rotWithShape="0">
                   <a:blip r:embed="rId36"/>
                   <a:stretch>
-                    <a:fillRect/>
+                    <a:fillRect r="-15556"/>
                   </a:stretch>
                 </a:blipFill>
               </p:spPr>
@@ -39296,8 +38824,8 @@
           </p:nvSpPr>
           <p:spPr>
             <a:xfrm rot="21077016">
-              <a:off x="658431" y="5011575"/>
-              <a:ext cx="673582" cy="200055"/>
+              <a:off x="565458" y="5011575"/>
+              <a:ext cx="859531" cy="200055"/>
             </a:xfrm>
             <a:prstGeom prst="rect">
               <a:avLst/>
@@ -39312,7 +38840,7 @@
             <a:p>
               <a:r>
                 <a:rPr lang="en-US" sz="700" i="1" dirty="0" smtClean="0"/>
-                <a:t>OPTICAL AXIS</a:t>
+                <a:t>OPTICAL AXIS (OA)</a:t>
               </a:r>
               <a:endParaRPr lang="en-US" sz="700" i="1" dirty="0"/>
             </a:p>
@@ -39368,8 +38896,8 @@
               </p:nvSpPr>
               <p:spPr>
                 <a:xfrm>
-                  <a:off x="4642700" y="5196956"/>
-                  <a:ext cx="417250" cy="510011"/>
+                  <a:off x="4490299" y="5158854"/>
+                  <a:ext cx="417250" cy="246221"/>
                 </a:xfrm>
                 <a:prstGeom prst="rect">
                   <a:avLst/>
@@ -39389,10 +38917,9 @@
                         <m:jc m:val="centerGroup"/>
                       </m:oMathParaPr>
                       <m:oMath xmlns:m="http://schemas.openxmlformats.org/officeDocument/2006/math">
-                        <m:d>
-                          <m:dPr>
-                            <m:begChr m:val="["/>
-                            <m:endChr m:val="]"/>
+                        <m:acc>
+                          <m:accPr>
+                            <m:chr m:val="́"/>
                             <m:ctrlPr>
                               <a:rPr lang="en-US" sz="1000" b="0" i="1" smtClean="0">
                                 <a:solidFill>
@@ -39404,103 +38931,25 @@
                                 <a:latin typeface="Cambria Math" panose="02040503050406030204" pitchFamily="18" charset="0"/>
                               </a:rPr>
                             </m:ctrlPr>
-                          </m:dPr>
+                          </m:accPr>
                           <m:e>
-                            <m:eqArr>
-                              <m:eqArrPr>
-                                <m:ctrlPr>
-                                  <a:rPr lang="en-US" sz="1000" b="0" i="1" smtClean="0">
-                                    <a:solidFill>
-                                      <a:schemeClr val="tx1">
-                                        <a:lumMod val="95000"/>
-                                        <a:lumOff val="5000"/>
-                                      </a:schemeClr>
-                                    </a:solidFill>
-                                    <a:latin typeface="Cambria Math" panose="02040503050406030204" pitchFamily="18" charset="0"/>
-                                  </a:rPr>
-                                </m:ctrlPr>
-                              </m:eqArrPr>
-                              <m:e>
-                                <m:r>
-                                  <a:rPr lang="en-US" sz="1000" b="0" i="1" smtClean="0">
-                                    <a:solidFill>
-                                      <a:schemeClr val="tx1">
-                                        <a:lumMod val="95000"/>
-                                        <a:lumOff val="5000"/>
-                                      </a:schemeClr>
-                                    </a:solidFill>
-                                    <a:latin typeface="Cambria Math" panose="02040503050406030204" pitchFamily="18" charset="0"/>
-                                  </a:rPr>
-                                  <m:t>𝑋</m:t>
-                                </m:r>
-                                <m:r>
-                                  <a:rPr lang="en-US" sz="1000" b="0" i="1" smtClean="0">
-                                    <a:solidFill>
-                                      <a:schemeClr val="tx1">
-                                        <a:lumMod val="95000"/>
-                                        <a:lumOff val="5000"/>
-                                      </a:schemeClr>
-                                    </a:solidFill>
-                                    <a:latin typeface="Cambria Math" panose="02040503050406030204" pitchFamily="18" charset="0"/>
-                                  </a:rPr>
-                                  <m:t>′ </m:t>
-                                </m:r>
-                              </m:e>
-                              <m:e>
-                                <m:r>
-                                  <a:rPr lang="en-US" sz="1000" b="0" i="1" smtClean="0">
-                                    <a:solidFill>
-                                      <a:schemeClr val="tx1">
-                                        <a:lumMod val="95000"/>
-                                        <a:lumOff val="5000"/>
-                                      </a:schemeClr>
-                                    </a:solidFill>
-                                    <a:latin typeface="Cambria Math" panose="02040503050406030204" pitchFamily="18" charset="0"/>
-                                  </a:rPr>
-                                  <m:t>𝑌</m:t>
-                                </m:r>
-                                <m:r>
-                                  <a:rPr lang="en-US" sz="1000" b="0" i="1" smtClean="0">
-                                    <a:solidFill>
-                                      <a:schemeClr val="tx1">
-                                        <a:lumMod val="95000"/>
-                                        <a:lumOff val="5000"/>
-                                      </a:schemeClr>
-                                    </a:solidFill>
-                                    <a:latin typeface="Cambria Math" panose="02040503050406030204" pitchFamily="18" charset="0"/>
-                                  </a:rPr>
-                                  <m:t>′</m:t>
-                                </m:r>
-                              </m:e>
-                              <m:e>
-                                <m:r>
-                                  <a:rPr lang="en-US" sz="1000" b="0" i="1" smtClean="0">
-                                    <a:solidFill>
-                                      <a:schemeClr val="tx1">
-                                        <a:lumMod val="95000"/>
-                                        <a:lumOff val="5000"/>
-                                      </a:schemeClr>
-                                    </a:solidFill>
-                                    <a:latin typeface="Cambria Math" panose="02040503050406030204" pitchFamily="18" charset="0"/>
-                                  </a:rPr>
-                                  <m:t>𝑍</m:t>
-                                </m:r>
-                                <m:r>
-                                  <a:rPr lang="en-US" sz="1000" b="0" i="1" smtClean="0">
-                                    <a:solidFill>
-                                      <a:schemeClr val="tx1">
-                                        <a:lumMod val="95000"/>
-                                        <a:lumOff val="5000"/>
-                                      </a:schemeClr>
-                                    </a:solidFill>
-                                    <a:latin typeface="Cambria Math" panose="02040503050406030204" pitchFamily="18" charset="0"/>
-                                  </a:rPr>
-                                  <m:t>′</m:t>
-                                </m:r>
-                              </m:e>
-                            </m:eqArr>
+                            <m:r>
+                              <m:rPr>
+                                <m:nor/>
+                              </m:rPr>
+                              <a:rPr lang="en-US" sz="1000" b="1" i="0" smtClean="0">
+                                <a:solidFill>
+                                  <a:schemeClr val="tx1">
+                                    <a:lumMod val="95000"/>
+                                    <a:lumOff val="5000"/>
+                                  </a:schemeClr>
+                                </a:solidFill>
+                                <a:latin typeface="Cambria Math" panose="02040503050406030204" pitchFamily="18" charset="0"/>
+                              </a:rPr>
+                              <m:t>x</m:t>
+                            </m:r>
                           </m:e>
-                        </m:d>
+                        </m:acc>
                       </m:oMath>
                     </m:oMathPara>
                   </a14:m>
@@ -39527,8 +38976,8 @@
               </p:nvSpPr>
               <p:spPr>
                 <a:xfrm>
-                  <a:off x="4642700" y="5196956"/>
-                  <a:ext cx="417250" cy="510011"/>
+                  <a:off x="4490299" y="5158854"/>
+                  <a:ext cx="417250" cy="246221"/>
                 </a:xfrm>
                 <a:prstGeom prst="rect">
                   <a:avLst/>
@@ -39606,7 +39055,7 @@
               <p:spPr>
                 <a:xfrm>
                   <a:off x="4688032" y="4963322"/>
-                  <a:ext cx="301878" cy="215444"/>
+                  <a:ext cx="305275" cy="215444"/>
                 </a:xfrm>
                 <a:prstGeom prst="rect">
                   <a:avLst/>
@@ -39652,13 +39101,13 @@
                               </m:accPr>
                               <m:e>
                                 <m:r>
-                                  <a:rPr lang="en-US" sz="800" b="0" i="1" smtClean="0">
+                                  <a:rPr lang="en-US" sz="800" b="1" i="1" smtClean="0">
                                     <a:solidFill>
                                       <a:schemeClr val="tx1"/>
                                     </a:solidFill>
                                     <a:latin typeface="Cambria Math" panose="02040503050406030204" pitchFamily="18" charset="0"/>
                                   </a:rPr>
-                                  <m:t>𝑛</m:t>
+                                  <m:t>𝒏</m:t>
                                 </m:r>
                               </m:e>
                             </m:acc>
@@ -39699,7 +39148,7 @@
               <p:spPr>
                 <a:xfrm>
                   <a:off x="4688032" y="4963322"/>
-                  <a:ext cx="301878" cy="215444"/>
+                  <a:ext cx="305275" cy="215444"/>
                 </a:xfrm>
                 <a:prstGeom prst="rect">
                   <a:avLst/>
@@ -40539,8 +39988,8 @@
               </p:nvSpPr>
               <p:spPr>
                 <a:xfrm rot="21060000">
-                  <a:off x="3061555" y="4916911"/>
-                  <a:ext cx="349904" cy="246221"/>
+                  <a:off x="3061558" y="4912679"/>
+                  <a:ext cx="349903" cy="254685"/>
                 </a:xfrm>
                 <a:prstGeom prst="rect">
                   <a:avLst/>
@@ -40569,12 +40018,24 @@
                             </m:ctrlPr>
                           </m:sSubSupPr>
                           <m:e>
-                            <m:r>
-                              <a:rPr lang="en-US" sz="1000" b="0" i="1" smtClean="0">
-                                <a:latin typeface="Cambria Math" panose="02040503050406030204" pitchFamily="18" charset="0"/>
-                              </a:rPr>
-                              <m:t>𝑑</m:t>
-                            </m:r>
+                            <m:acc>
+                              <m:accPr>
+                                <m:chr m:val="́"/>
+                                <m:ctrlPr>
+                                  <a:rPr lang="en-US" sz="1000" b="0" i="1" smtClean="0">
+                                    <a:latin typeface="Cambria Math" panose="02040503050406030204" pitchFamily="18" charset="0"/>
+                                  </a:rPr>
+                                </m:ctrlPr>
+                              </m:accPr>
+                              <m:e>
+                                <m:r>
+                                  <a:rPr lang="en-US" sz="1000" b="0" i="1" smtClean="0">
+                                    <a:latin typeface="Cambria Math" panose="02040503050406030204" pitchFamily="18" charset="0"/>
+                                  </a:rPr>
+                                  <m:t>𝑑</m:t>
+                                </m:r>
+                              </m:e>
+                            </m:acc>
                           </m:e>
                           <m:sub>
                             <m:r>
@@ -40589,7 +40050,7 @@
                               <a:rPr lang="en-US" sz="1000" b="0" i="1" smtClean="0">
                                 <a:latin typeface="Cambria Math" panose="02040503050406030204" pitchFamily="18" charset="0"/>
                               </a:rPr>
-                              <m:t>′</m:t>
+                              <m:t> </m:t>
                             </m:r>
                           </m:sup>
                         </m:sSubSup>
@@ -40615,8 +40076,8 @@
               </p:nvSpPr>
               <p:spPr>
                 <a:xfrm rot="21060000">
-                  <a:off x="3061555" y="4916911"/>
-                  <a:ext cx="349904" cy="246221"/>
+                  <a:off x="3061558" y="4912679"/>
+                  <a:ext cx="349903" cy="254685"/>
                 </a:xfrm>
                 <a:prstGeom prst="rect">
                   <a:avLst/>
@@ -40735,8 +40196,8 @@
             </p:style>
           </p:cxnSp>
         </p:grpSp>
-        <mc:AlternateContent xmlns:mc="http://schemas.openxmlformats.org/markup-compatibility/2006">
-          <mc:Choice xmlns:a14="http://schemas.microsoft.com/office/drawing/2010/main" Requires="a14">
+        <mc:AlternateContent xmlns:mc="http://schemas.openxmlformats.org/markup-compatibility/2006" xmlns:a14="http://schemas.microsoft.com/office/drawing/2010/main">
+          <mc:Choice Requires="a14">
             <p:sp>
               <p:nvSpPr>
                 <p:cNvPr id="172" name="TextBox 171"/>
@@ -40746,7 +40207,7 @@
               <p:spPr>
                 <a:xfrm>
                   <a:off x="3718418" y="5616561"/>
-                  <a:ext cx="346953" cy="246221"/>
+                  <a:ext cx="334772" cy="246221"/>
                 </a:xfrm>
                 <a:prstGeom prst="rect">
                   <a:avLst/>
@@ -40775,12 +40236,24 @@
                             </m:ctrlPr>
                           </m:sSubSupPr>
                           <m:e>
-                            <m:r>
-                              <a:rPr lang="en-US" sz="1000" b="0" i="1" smtClean="0">
-                                <a:latin typeface="Cambria Math" panose="02040503050406030204" pitchFamily="18" charset="0"/>
-                              </a:rPr>
-                              <m:t>𝑍</m:t>
-                            </m:r>
+                            <m:acc>
+                              <m:accPr>
+                                <m:chr m:val="́"/>
+                                <m:ctrlPr>
+                                  <a:rPr lang="en-US" sz="1000" b="0" i="1" smtClean="0">
+                                    <a:latin typeface="Cambria Math" panose="02040503050406030204" pitchFamily="18" charset="0"/>
+                                  </a:rPr>
+                                </m:ctrlPr>
+                              </m:accPr>
+                              <m:e>
+                                <m:r>
+                                  <a:rPr lang="en-US" sz="1000" b="0" i="1" smtClean="0">
+                                    <a:latin typeface="Cambria Math" panose="02040503050406030204" pitchFamily="18" charset="0"/>
+                                  </a:rPr>
+                                  <m:t>𝑧</m:t>
+                                </m:r>
+                              </m:e>
+                            </m:acc>
                           </m:e>
                           <m:sub>
                             <m:r>
@@ -40795,7 +40268,7 @@
                               <a:rPr lang="en-US" sz="1000" b="0" i="1" smtClean="0">
                                 <a:latin typeface="Cambria Math" panose="02040503050406030204" pitchFamily="18" charset="0"/>
                               </a:rPr>
-                              <m:t>′</m:t>
+                              <m:t> </m:t>
                             </m:r>
                           </m:sup>
                         </m:sSubSup>
@@ -40807,7 +40280,7 @@
               </p:txBody>
             </p:sp>
           </mc:Choice>
-          <mc:Fallback>
+          <mc:Fallback xmlns="">
             <p:sp>
               <p:nvSpPr>
                 <p:cNvPr id="172" name="TextBox 171"/>
@@ -40819,7 +40292,7 @@
               <p:spPr>
                 <a:xfrm>
                   <a:off x="3718418" y="5616561"/>
-                  <a:ext cx="346953" cy="246221"/>
+                  <a:ext cx="334772" cy="246221"/>
                 </a:xfrm>
                 <a:prstGeom prst="rect">
                   <a:avLst/>
@@ -40827,7 +40300,7 @@
                 <a:blipFill rotWithShape="0">
                   <a:blip r:embed="rId45"/>
                   <a:stretch>
-                    <a:fillRect/>
+                    <a:fillRect r="-1818"/>
                   </a:stretch>
                 </a:blipFill>
               </p:spPr>
@@ -41436,7 +40909,7 @@
               <p:spPr>
                 <a:xfrm>
                   <a:off x="4747771" y="2822639"/>
-                  <a:ext cx="301878" cy="215444"/>
+                  <a:ext cx="305275" cy="215444"/>
                 </a:xfrm>
                 <a:prstGeom prst="rect">
                   <a:avLst/>
@@ -41482,13 +40955,13 @@
                               </m:accPr>
                               <m:e>
                                 <m:r>
-                                  <a:rPr lang="en-US" sz="800" b="0" i="1" smtClean="0">
+                                  <a:rPr lang="en-US" sz="800" b="1" i="1" smtClean="0">
                                     <a:solidFill>
                                       <a:schemeClr val="tx1"/>
                                     </a:solidFill>
                                     <a:latin typeface="Cambria Math" panose="02040503050406030204" pitchFamily="18" charset="0"/>
                                   </a:rPr>
-                                  <m:t>𝑛</m:t>
+                                  <m:t>𝒏</m:t>
                                 </m:r>
                               </m:e>
                             </m:acc>
@@ -41529,7 +41002,7 @@
               <p:spPr>
                 <a:xfrm>
                   <a:off x="4747771" y="2822639"/>
-                  <a:ext cx="301878" cy="215444"/>
+                  <a:ext cx="305275" cy="215444"/>
                 </a:xfrm>
                 <a:prstGeom prst="rect">
                   <a:avLst/>
@@ -41686,8 +41159,8 @@
             </p:style>
           </p:cxnSp>
         </p:grpSp>
-        <mc:AlternateContent xmlns:mc="http://schemas.openxmlformats.org/markup-compatibility/2006">
-          <mc:Choice xmlns:a14="http://schemas.microsoft.com/office/drawing/2010/main" Requires="a14">
+        <mc:AlternateContent xmlns:mc="http://schemas.openxmlformats.org/markup-compatibility/2006" xmlns:a14="http://schemas.microsoft.com/office/drawing/2010/main">
+          <mc:Choice Requires="a14">
             <p:sp>
               <p:nvSpPr>
                 <p:cNvPr id="80" name="TextBox 79"/>
@@ -41720,22 +41193,34 @@
                         <m:sSubSup>
                           <m:sSubSupPr>
                             <m:ctrlPr>
-                              <a:rPr lang="en-US" sz="1000" b="0" i="1" smtClean="0">
+                              <a:rPr lang="en-US" sz="1000" i="1">
                                 <a:latin typeface="Cambria Math" panose="02040503050406030204" pitchFamily="18" charset="0"/>
                               </a:rPr>
                             </m:ctrlPr>
                           </m:sSubSupPr>
                           <m:e>
-                            <m:r>
-                              <a:rPr lang="en-US" sz="1000" b="0" i="1" smtClean="0">
-                                <a:latin typeface="Cambria Math" panose="02040503050406030204" pitchFamily="18" charset="0"/>
-                              </a:rPr>
-                              <m:t>𝑍</m:t>
-                            </m:r>
+                            <m:acc>
+                              <m:accPr>
+                                <m:chr m:val="́"/>
+                                <m:ctrlPr>
+                                  <a:rPr lang="en-US" sz="1000" i="1">
+                                    <a:latin typeface="Cambria Math" panose="02040503050406030204" pitchFamily="18" charset="0"/>
+                                  </a:rPr>
+                                </m:ctrlPr>
+                              </m:accPr>
+                              <m:e>
+                                <m:r>
+                                  <a:rPr lang="en-US" sz="1000" i="1">
+                                    <a:latin typeface="Cambria Math" panose="02040503050406030204" pitchFamily="18" charset="0"/>
+                                  </a:rPr>
+                                  <m:t>𝑧</m:t>
+                                </m:r>
+                              </m:e>
+                            </m:acc>
                           </m:e>
                           <m:sub>
                             <m:r>
-                              <a:rPr lang="en-US" sz="1000" b="0" i="1" smtClean="0">
+                              <a:rPr lang="en-US" sz="1000" i="1">
                                 <a:latin typeface="Cambria Math" panose="02040503050406030204" pitchFamily="18" charset="0"/>
                               </a:rPr>
                               <m:t>𝑜</m:t>
@@ -41743,10 +41228,10 @@
                           </m:sub>
                           <m:sup>
                             <m:r>
-                              <a:rPr lang="en-US" sz="1000" b="0" i="1" smtClean="0">
+                              <a:rPr lang="en-US" sz="1000" i="1">
                                 <a:latin typeface="Cambria Math" panose="02040503050406030204" pitchFamily="18" charset="0"/>
                               </a:rPr>
-                              <m:t>′</m:t>
+                              <m:t> </m:t>
                             </m:r>
                           </m:sup>
                         </m:sSubSup>
@@ -41758,7 +41243,7 @@
               </p:txBody>
             </p:sp>
           </mc:Choice>
-          <mc:Fallback>
+          <mc:Fallback xmlns="">
             <p:sp>
               <p:nvSpPr>
                 <p:cNvPr id="80" name="TextBox 79"/>
@@ -41805,7 +41290,7 @@
           </p:nvSpPr>
           <p:spPr>
             <a:xfrm rot="16851975">
-              <a:off x="4549841" y="2284884"/>
+              <a:off x="4559367" y="2232491"/>
               <a:ext cx="692818" cy="200055"/>
             </a:xfrm>
             <a:prstGeom prst="rect">
@@ -42163,8 +41648,8 @@
             </a:fontRef>
           </p:style>
         </p:cxnSp>
-        <mc:AlternateContent xmlns:mc="http://schemas.openxmlformats.org/markup-compatibility/2006">
-          <mc:Choice xmlns:a14="http://schemas.microsoft.com/office/drawing/2010/main" Requires="a14">
+        <mc:AlternateContent xmlns:mc="http://schemas.openxmlformats.org/markup-compatibility/2006" xmlns:a14="http://schemas.microsoft.com/office/drawing/2010/main">
+          <mc:Choice Requires="a14">
             <p:sp>
               <p:nvSpPr>
                 <p:cNvPr id="104" name="TextBox 103"/>
@@ -42173,8 +41658,8 @@
               </p:nvSpPr>
               <p:spPr>
                 <a:xfrm rot="691448">
-                  <a:off x="3545135" y="2890729"/>
-                  <a:ext cx="412677" cy="246221"/>
+                  <a:off x="3551227" y="2890729"/>
+                  <a:ext cx="400494" cy="246221"/>
                 </a:xfrm>
                 <a:prstGeom prst="rect">
                   <a:avLst/>
@@ -42204,12 +41689,24 @@
                             </m:ctrlPr>
                           </m:sSubSupPr>
                           <m:e>
-                            <m:r>
-                              <a:rPr lang="en-US" sz="1000" b="0" i="1" smtClean="0">
-                                <a:latin typeface="Cambria Math" panose="02040503050406030204" pitchFamily="18" charset="0"/>
-                              </a:rPr>
-                              <m:t>𝑍</m:t>
-                            </m:r>
+                            <m:acc>
+                              <m:accPr>
+                                <m:chr m:val="́"/>
+                                <m:ctrlPr>
+                                  <a:rPr lang="en-US" sz="1000" b="0" i="1" smtClean="0">
+                                    <a:latin typeface="Cambria Math" panose="02040503050406030204" pitchFamily="18" charset="0"/>
+                                  </a:rPr>
+                                </m:ctrlPr>
+                              </m:accPr>
+                              <m:e>
+                                <m:r>
+                                  <a:rPr lang="en-US" sz="1000" b="0" i="1" smtClean="0">
+                                    <a:latin typeface="Cambria Math" panose="02040503050406030204" pitchFamily="18" charset="0"/>
+                                  </a:rPr>
+                                  <m:t>𝑧</m:t>
+                                </m:r>
+                              </m:e>
+                            </m:acc>
                           </m:e>
                           <m:sub>
                             <m:r>
@@ -42232,7 +41729,7 @@
                                 <a:latin typeface="Cambria Math" panose="02040503050406030204" pitchFamily="18" charset="0"/>
                                 <a:ea typeface="Cambria Math" panose="02040503050406030204" pitchFamily="18" charset="0"/>
                               </a:rPr>
-                              <m:t>′</m:t>
+                              <m:t> </m:t>
                             </m:r>
                           </m:sup>
                         </m:sSubSup>
@@ -42244,7 +41741,7 @@
               </p:txBody>
             </p:sp>
           </mc:Choice>
-          <mc:Fallback>
+          <mc:Fallback xmlns="">
             <p:sp>
               <p:nvSpPr>
                 <p:cNvPr id="104" name="TextBox 103"/>
@@ -42255,8 +41752,8 @@
               </p:nvSpPr>
               <p:spPr>
                 <a:xfrm rot="691448">
-                  <a:off x="3545135" y="2890729"/>
-                  <a:ext cx="412677" cy="246221"/>
+                  <a:off x="3551227" y="2890729"/>
+                  <a:ext cx="400494" cy="246221"/>
                 </a:xfrm>
                 <a:prstGeom prst="rect">
                   <a:avLst/>
@@ -42283,8 +41780,8 @@
             </p:sp>
           </mc:Fallback>
         </mc:AlternateContent>
-        <mc:AlternateContent xmlns:mc="http://schemas.openxmlformats.org/markup-compatibility/2006">
-          <mc:Choice xmlns:a14="http://schemas.microsoft.com/office/drawing/2010/main" Requires="a14">
+        <mc:AlternateContent xmlns:mc="http://schemas.openxmlformats.org/markup-compatibility/2006" xmlns:a14="http://schemas.microsoft.com/office/drawing/2010/main">
+          <mc:Choice Requires="a14">
             <p:sp>
               <p:nvSpPr>
                 <p:cNvPr id="105" name="TextBox 104"/>
@@ -42327,7 +41824,25 @@
                               <a:rPr lang="en-US" sz="1000" b="0" i="1" smtClean="0">
                                 <a:latin typeface="Cambria Math" panose="02040503050406030204" pitchFamily="18" charset="0"/>
                               </a:rPr>
-                              <m:t>0, 0, </m:t>
+                              <m:t>0</m:t>
+                            </m:r>
+                            <m:r>
+                              <a:rPr lang="en-US" sz="1000" b="0" i="1" smtClean="0">
+                                <a:latin typeface="Cambria Math" panose="02040503050406030204" pitchFamily="18" charset="0"/>
+                              </a:rPr>
+                              <m:t>, </m:t>
+                            </m:r>
+                            <m:r>
+                              <a:rPr lang="en-US" sz="1000" b="0" i="1" smtClean="0">
+                                <a:latin typeface="Cambria Math" panose="02040503050406030204" pitchFamily="18" charset="0"/>
+                              </a:rPr>
+                              <m:t>0</m:t>
+                            </m:r>
+                            <m:r>
+                              <a:rPr lang="en-US" sz="1000" b="0" i="1" smtClean="0">
+                                <a:latin typeface="Cambria Math" panose="02040503050406030204" pitchFamily="18" charset="0"/>
+                              </a:rPr>
+                              <m:t>, </m:t>
                             </m:r>
                             <m:sSubSup>
                               <m:sSubSupPr>
@@ -42338,12 +41853,24 @@
                                 </m:ctrlPr>
                               </m:sSubSupPr>
                               <m:e>
-                                <m:r>
-                                  <a:rPr lang="en-US" sz="1000" b="0" i="1" smtClean="0">
-                                    <a:latin typeface="Cambria Math" panose="02040503050406030204" pitchFamily="18" charset="0"/>
-                                  </a:rPr>
-                                  <m:t>𝑍</m:t>
-                                </m:r>
+                                <m:acc>
+                                  <m:accPr>
+                                    <m:chr m:val="́"/>
+                                    <m:ctrlPr>
+                                      <a:rPr lang="en-US" sz="1000" b="0" i="1" smtClean="0">
+                                        <a:latin typeface="Cambria Math" panose="02040503050406030204" pitchFamily="18" charset="0"/>
+                                      </a:rPr>
+                                    </m:ctrlPr>
+                                  </m:accPr>
+                                  <m:e>
+                                    <m:r>
+                                      <a:rPr lang="en-US" sz="1000" b="0" i="1" smtClean="0">
+                                        <a:latin typeface="Cambria Math" panose="02040503050406030204" pitchFamily="18" charset="0"/>
+                                      </a:rPr>
+                                      <m:t>𝑧</m:t>
+                                    </m:r>
+                                  </m:e>
+                                </m:acc>
                               </m:e>
                               <m:sub>
                                 <m:r>
@@ -42358,7 +41885,7 @@
                                   <a:rPr lang="en-US" sz="1000" b="0" i="1" smtClean="0">
                                     <a:latin typeface="Cambria Math" panose="02040503050406030204" pitchFamily="18" charset="0"/>
                                   </a:rPr>
-                                  <m:t>′</m:t>
+                                  <m:t> </m:t>
                                 </m:r>
                               </m:sup>
                             </m:sSubSup>
@@ -42372,7 +41899,7 @@
               </p:txBody>
             </p:sp>
           </mc:Choice>
-          <mc:Fallback>
+          <mc:Fallback xmlns="">
             <p:sp>
               <p:nvSpPr>
                 <p:cNvPr id="105" name="TextBox 104"/>
@@ -42392,7 +41919,7 @@
                 <a:blipFill rotWithShape="0">
                   <a:blip r:embed="rId8"/>
                   <a:stretch>
-                    <a:fillRect/>
+                    <a:fillRect r="-5263"/>
                   </a:stretch>
                 </a:blipFill>
               </p:spPr>
